--- a/Presentación.pptx
+++ b/Presentación.pptx
@@ -123,6 +123,10 @@
 </p:presentation>
 </file>
 
+<file path=ppt/revisionInfo.xml><?xml version="1.0" encoding="utf-8"?>
+<p1510:revInfo xmlns:a="http://schemas.openxmlformats.org/drawingml/2006/main" xmlns:r="http://schemas.openxmlformats.org/officeDocument/2006/relationships" xmlns:p1510="http://schemas.microsoft.com/office/powerpoint/2015/10/main"/>
+</file>
+
 <file path=ppt/slideLayouts/slideLayout1.xml><?xml version="1.0" encoding="utf-8"?>
 <p:sldLayout xmlns:a="http://schemas.openxmlformats.org/drawingml/2006/main" xmlns:r="http://schemas.openxmlformats.org/officeDocument/2006/relationships" xmlns:p="http://schemas.openxmlformats.org/presentationml/2006/main" type="title" preserve="1">
   <p:cSld name="Title Slide">
@@ -216,7 +220,7 @@
           </a:lstStyle>
           <a:p>
             <a:r>
-              <a:rPr lang="en-US" smtClean="0"/>
+              <a:rPr lang="en-US"/>
               <a:t>Click to edit Master title style</a:t>
             </a:r>
             <a:endParaRPr lang="en-US" dirty="0"/>
@@ -287,7 +291,7 @@
           </a:lstStyle>
           <a:p>
             <a:r>
-              <a:rPr lang="en-US" smtClean="0"/>
+              <a:rPr lang="en-US"/>
               <a:t>Click to edit Master subtitle style</a:t>
             </a:r>
             <a:endParaRPr lang="en-US" dirty="0"/>
@@ -319,7 +323,7 @@
           <a:p>
             <a:fld id="{96DFF08F-DC6B-4601-B491-B0F83F6DD2DA}" type="datetimeFigureOut">
               <a:rPr lang="en-US" dirty="0"/>
-              <a:t>11/27/2017</a:t>
+              <a:t>11/28/2017</a:t>
             </a:fld>
             <a:endParaRPr lang="en-US" dirty="0"/>
           </a:p>
@@ -459,7 +463,7 @@
           <a:lstStyle/>
           <a:p>
             <a:r>
-              <a:rPr lang="en-US" smtClean="0"/>
+              <a:rPr lang="en-US"/>
               <a:t>Click to edit Master title style</a:t>
             </a:r>
             <a:endParaRPr lang="en-US" dirty="0"/>
@@ -483,35 +487,35 @@
           <a:p>
             <a:pPr lvl="0"/>
             <a:r>
-              <a:rPr lang="en-US" smtClean="0"/>
+              <a:rPr lang="en-US"/>
               <a:t>Click to edit Master text styles</a:t>
             </a:r>
           </a:p>
           <a:p>
             <a:pPr lvl="1"/>
             <a:r>
-              <a:rPr lang="en-US" smtClean="0"/>
+              <a:rPr lang="en-US"/>
               <a:t>Second level</a:t>
             </a:r>
           </a:p>
           <a:p>
             <a:pPr lvl="2"/>
             <a:r>
-              <a:rPr lang="en-US" smtClean="0"/>
+              <a:rPr lang="en-US"/>
               <a:t>Third level</a:t>
             </a:r>
           </a:p>
           <a:p>
             <a:pPr lvl="3"/>
             <a:r>
-              <a:rPr lang="en-US" smtClean="0"/>
+              <a:rPr lang="en-US"/>
               <a:t>Fourth level</a:t>
             </a:r>
           </a:p>
           <a:p>
             <a:pPr lvl="4"/>
             <a:r>
-              <a:rPr lang="en-US" smtClean="0"/>
+              <a:rPr lang="en-US"/>
               <a:t>Fifth level</a:t>
             </a:r>
             <a:endParaRPr lang="en-US" dirty="0"/>
@@ -535,7 +539,7 @@
           <a:p>
             <a:fld id="{96DFF08F-DC6B-4601-B491-B0F83F6DD2DA}" type="datetimeFigureOut">
               <a:rPr lang="en-US" dirty="0"/>
-              <a:t>11/27/2017</a:t>
+              <a:t>11/28/2017</a:t>
             </a:fld>
             <a:endParaRPr lang="en-US" dirty="0"/>
           </a:p>
@@ -629,7 +633,7 @@
           <a:lstStyle/>
           <a:p>
             <a:r>
-              <a:rPr lang="en-US" smtClean="0"/>
+              <a:rPr lang="en-US"/>
               <a:t>Click to edit Master title style</a:t>
             </a:r>
             <a:endParaRPr lang="en-US" dirty="0"/>
@@ -658,35 +662,35 @@
           <a:p>
             <a:pPr lvl="0"/>
             <a:r>
-              <a:rPr lang="en-US" smtClean="0"/>
+              <a:rPr lang="en-US"/>
               <a:t>Click to edit Master text styles</a:t>
             </a:r>
           </a:p>
           <a:p>
             <a:pPr lvl="1"/>
             <a:r>
-              <a:rPr lang="en-US" smtClean="0"/>
+              <a:rPr lang="en-US"/>
               <a:t>Second level</a:t>
             </a:r>
           </a:p>
           <a:p>
             <a:pPr lvl="2"/>
             <a:r>
-              <a:rPr lang="en-US" smtClean="0"/>
+              <a:rPr lang="en-US"/>
               <a:t>Third level</a:t>
             </a:r>
           </a:p>
           <a:p>
             <a:pPr lvl="3"/>
             <a:r>
-              <a:rPr lang="en-US" smtClean="0"/>
+              <a:rPr lang="en-US"/>
               <a:t>Fourth level</a:t>
             </a:r>
           </a:p>
           <a:p>
             <a:pPr lvl="4"/>
             <a:r>
-              <a:rPr lang="en-US" smtClean="0"/>
+              <a:rPr lang="en-US"/>
               <a:t>Fifth level</a:t>
             </a:r>
             <a:endParaRPr lang="en-US" dirty="0"/>
@@ -710,7 +714,7 @@
           <a:p>
             <a:fld id="{96DFF08F-DC6B-4601-B491-B0F83F6DD2DA}" type="datetimeFigureOut">
               <a:rPr lang="en-US" dirty="0"/>
-              <a:t>11/27/2017</a:t>
+              <a:t>11/28/2017</a:t>
             </a:fld>
             <a:endParaRPr lang="en-US" dirty="0"/>
           </a:p>
@@ -799,7 +803,7 @@
           <a:lstStyle/>
           <a:p>
             <a:r>
-              <a:rPr lang="en-US" smtClean="0"/>
+              <a:rPr lang="en-US"/>
               <a:t>Click to edit Master title style</a:t>
             </a:r>
             <a:endParaRPr lang="en-US" dirty="0"/>
@@ -823,35 +827,35 @@
           <a:p>
             <a:pPr lvl="0"/>
             <a:r>
-              <a:rPr lang="en-US" smtClean="0"/>
+              <a:rPr lang="en-US"/>
               <a:t>Click to edit Master text styles</a:t>
             </a:r>
           </a:p>
           <a:p>
             <a:pPr lvl="1"/>
             <a:r>
-              <a:rPr lang="en-US" smtClean="0"/>
+              <a:rPr lang="en-US"/>
               <a:t>Second level</a:t>
             </a:r>
           </a:p>
           <a:p>
             <a:pPr lvl="2"/>
             <a:r>
-              <a:rPr lang="en-US" smtClean="0"/>
+              <a:rPr lang="en-US"/>
               <a:t>Third level</a:t>
             </a:r>
           </a:p>
           <a:p>
             <a:pPr lvl="3"/>
             <a:r>
-              <a:rPr lang="en-US" smtClean="0"/>
+              <a:rPr lang="en-US"/>
               <a:t>Fourth level</a:t>
             </a:r>
           </a:p>
           <a:p>
             <a:pPr lvl="4"/>
             <a:r>
-              <a:rPr lang="en-US" smtClean="0"/>
+              <a:rPr lang="en-US"/>
               <a:t>Fifth level</a:t>
             </a:r>
             <a:endParaRPr lang="en-US" dirty="0"/>
@@ -875,7 +879,7 @@
           <a:p>
             <a:fld id="{96DFF08F-DC6B-4601-B491-B0F83F6DD2DA}" type="datetimeFigureOut">
               <a:rPr lang="en-US" dirty="0"/>
-              <a:t>11/27/2017</a:t>
+              <a:t>11/28/2017</a:t>
             </a:fld>
             <a:endParaRPr lang="en-US" dirty="0"/>
           </a:p>
@@ -978,7 +982,7 @@
           </a:lstStyle>
           <a:p>
             <a:r>
-              <a:rPr lang="en-US" smtClean="0"/>
+              <a:rPr lang="en-US"/>
               <a:t>Click to edit Master title style</a:t>
             </a:r>
             <a:endParaRPr lang="en-US" dirty="0"/>
@@ -1098,7 +1102,7 @@
           <a:p>
             <a:pPr lvl="0"/>
             <a:r>
-              <a:rPr lang="en-US" smtClean="0"/>
+              <a:rPr lang="en-US"/>
               <a:t>Click to edit Master text styles</a:t>
             </a:r>
           </a:p>
@@ -1121,7 +1125,7 @@
           <a:p>
             <a:fld id="{96DFF08F-DC6B-4601-B491-B0F83F6DD2DA}" type="datetimeFigureOut">
               <a:rPr lang="en-US" dirty="0"/>
-              <a:t>11/27/2017</a:t>
+              <a:t>11/28/2017</a:t>
             </a:fld>
             <a:endParaRPr lang="en-US" dirty="0"/>
           </a:p>
@@ -1245,7 +1249,7 @@
           <a:lstStyle/>
           <a:p>
             <a:r>
-              <a:rPr lang="en-US" smtClean="0"/>
+              <a:rPr lang="en-US"/>
               <a:t>Click to edit Master title style</a:t>
             </a:r>
             <a:endParaRPr lang="en-US" dirty="0"/>
@@ -1302,35 +1306,35 @@
           <a:p>
             <a:pPr lvl="0"/>
             <a:r>
-              <a:rPr lang="en-US" smtClean="0"/>
+              <a:rPr lang="en-US"/>
               <a:t>Click to edit Master text styles</a:t>
             </a:r>
           </a:p>
           <a:p>
             <a:pPr lvl="1"/>
             <a:r>
-              <a:rPr lang="en-US" smtClean="0"/>
+              <a:rPr lang="en-US"/>
               <a:t>Second level</a:t>
             </a:r>
           </a:p>
           <a:p>
             <a:pPr lvl="2"/>
             <a:r>
-              <a:rPr lang="en-US" smtClean="0"/>
+              <a:rPr lang="en-US"/>
               <a:t>Third level</a:t>
             </a:r>
           </a:p>
           <a:p>
             <a:pPr lvl="3"/>
             <a:r>
-              <a:rPr lang="en-US" smtClean="0"/>
+              <a:rPr lang="en-US"/>
               <a:t>Fourth level</a:t>
             </a:r>
           </a:p>
           <a:p>
             <a:pPr lvl="4"/>
             <a:r>
-              <a:rPr lang="en-US" smtClean="0"/>
+              <a:rPr lang="en-US"/>
               <a:t>Fifth level</a:t>
             </a:r>
             <a:endParaRPr lang="en-US" dirty="0"/>
@@ -1387,35 +1391,35 @@
           <a:p>
             <a:pPr lvl="0"/>
             <a:r>
-              <a:rPr lang="en-US" smtClean="0"/>
+              <a:rPr lang="en-US"/>
               <a:t>Click to edit Master text styles</a:t>
             </a:r>
           </a:p>
           <a:p>
             <a:pPr lvl="1"/>
             <a:r>
-              <a:rPr lang="en-US" smtClean="0"/>
+              <a:rPr lang="en-US"/>
               <a:t>Second level</a:t>
             </a:r>
           </a:p>
           <a:p>
             <a:pPr lvl="2"/>
             <a:r>
-              <a:rPr lang="en-US" smtClean="0"/>
+              <a:rPr lang="en-US"/>
               <a:t>Third level</a:t>
             </a:r>
           </a:p>
           <a:p>
             <a:pPr lvl="3"/>
             <a:r>
-              <a:rPr lang="en-US" smtClean="0"/>
+              <a:rPr lang="en-US"/>
               <a:t>Fourth level</a:t>
             </a:r>
           </a:p>
           <a:p>
             <a:pPr lvl="4"/>
             <a:r>
-              <a:rPr lang="en-US" smtClean="0"/>
+              <a:rPr lang="en-US"/>
               <a:t>Fifth level</a:t>
             </a:r>
             <a:endParaRPr lang="en-US" dirty="0"/>
@@ -1439,7 +1443,7 @@
           <a:p>
             <a:fld id="{96DFF08F-DC6B-4601-B491-B0F83F6DD2DA}" type="datetimeFigureOut">
               <a:rPr lang="en-US" dirty="0"/>
-              <a:t>11/27/2017</a:t>
+              <a:t>11/28/2017</a:t>
             </a:fld>
             <a:endParaRPr lang="en-US" dirty="0"/>
           </a:p>
@@ -1528,7 +1532,7 @@
           <a:lstStyle/>
           <a:p>
             <a:r>
-              <a:rPr lang="en-US" smtClean="0"/>
+              <a:rPr lang="en-US"/>
               <a:t>Click to edit Master title style</a:t>
             </a:r>
             <a:endParaRPr lang="en-US" dirty="0"/>
@@ -1597,7 +1601,7 @@
           <a:p>
             <a:pPr lvl="0"/>
             <a:r>
-              <a:rPr lang="en-US" smtClean="0"/>
+              <a:rPr lang="en-US"/>
               <a:t>Click to edit Master text styles</a:t>
             </a:r>
           </a:p>
@@ -1653,35 +1657,35 @@
           <a:p>
             <a:pPr lvl="0"/>
             <a:r>
-              <a:rPr lang="en-US" smtClean="0"/>
+              <a:rPr lang="en-US"/>
               <a:t>Click to edit Master text styles</a:t>
             </a:r>
           </a:p>
           <a:p>
             <a:pPr lvl="1"/>
             <a:r>
-              <a:rPr lang="en-US" smtClean="0"/>
+              <a:rPr lang="en-US"/>
               <a:t>Second level</a:t>
             </a:r>
           </a:p>
           <a:p>
             <a:pPr lvl="2"/>
             <a:r>
-              <a:rPr lang="en-US" smtClean="0"/>
+              <a:rPr lang="en-US"/>
               <a:t>Third level</a:t>
             </a:r>
           </a:p>
           <a:p>
             <a:pPr lvl="3"/>
             <a:r>
-              <a:rPr lang="en-US" smtClean="0"/>
+              <a:rPr lang="en-US"/>
               <a:t>Fourth level</a:t>
             </a:r>
           </a:p>
           <a:p>
             <a:pPr lvl="4"/>
             <a:r>
-              <a:rPr lang="en-US" smtClean="0"/>
+              <a:rPr lang="en-US"/>
               <a:t>Fifth level</a:t>
             </a:r>
             <a:endParaRPr lang="en-US" dirty="0"/>
@@ -1750,7 +1754,7 @@
           <a:p>
             <a:pPr lvl="0"/>
             <a:r>
-              <a:rPr lang="en-US" smtClean="0"/>
+              <a:rPr lang="en-US"/>
               <a:t>Click to edit Master text styles</a:t>
             </a:r>
           </a:p>
@@ -1806,35 +1810,35 @@
           <a:p>
             <a:pPr lvl="0"/>
             <a:r>
-              <a:rPr lang="en-US" smtClean="0"/>
+              <a:rPr lang="en-US"/>
               <a:t>Click to edit Master text styles</a:t>
             </a:r>
           </a:p>
           <a:p>
             <a:pPr lvl="1"/>
             <a:r>
-              <a:rPr lang="en-US" smtClean="0"/>
+              <a:rPr lang="en-US"/>
               <a:t>Second level</a:t>
             </a:r>
           </a:p>
           <a:p>
             <a:pPr lvl="2"/>
             <a:r>
-              <a:rPr lang="en-US" smtClean="0"/>
+              <a:rPr lang="en-US"/>
               <a:t>Third level</a:t>
             </a:r>
           </a:p>
           <a:p>
             <a:pPr lvl="3"/>
             <a:r>
-              <a:rPr lang="en-US" smtClean="0"/>
+              <a:rPr lang="en-US"/>
               <a:t>Fourth level</a:t>
             </a:r>
           </a:p>
           <a:p>
             <a:pPr lvl="4"/>
             <a:r>
-              <a:rPr lang="en-US" smtClean="0"/>
+              <a:rPr lang="en-US"/>
               <a:t>Fifth level</a:t>
             </a:r>
             <a:endParaRPr lang="en-US" dirty="0"/>
@@ -1858,7 +1862,7 @@
           <a:p>
             <a:fld id="{96DFF08F-DC6B-4601-B491-B0F83F6DD2DA}" type="datetimeFigureOut">
               <a:rPr lang="en-US" dirty="0"/>
-              <a:t>11/27/2017</a:t>
+              <a:t>11/28/2017</a:t>
             </a:fld>
             <a:endParaRPr lang="en-US" dirty="0"/>
           </a:p>
@@ -1947,7 +1951,7 @@
           <a:lstStyle/>
           <a:p>
             <a:r>
-              <a:rPr lang="en-US" smtClean="0"/>
+              <a:rPr lang="en-US"/>
               <a:t>Click to edit Master title style</a:t>
             </a:r>
             <a:endParaRPr lang="en-US" dirty="0"/>
@@ -1971,7 +1975,7 @@
           <a:p>
             <a:fld id="{96DFF08F-DC6B-4601-B491-B0F83F6DD2DA}" type="datetimeFigureOut">
               <a:rPr lang="en-US" dirty="0"/>
-              <a:t>11/27/2017</a:t>
+              <a:t>11/28/2017</a:t>
             </a:fld>
             <a:endParaRPr lang="en-US" dirty="0"/>
           </a:p>
@@ -2061,7 +2065,7 @@
           <a:p>
             <a:fld id="{96DFF08F-DC6B-4601-B491-B0F83F6DD2DA}" type="datetimeFigureOut">
               <a:rPr lang="en-US" dirty="0"/>
-              <a:t>11/27/2017</a:t>
+              <a:t>11/28/2017</a:t>
             </a:fld>
             <a:endParaRPr lang="en-US" dirty="0"/>
           </a:p>
@@ -2164,7 +2168,7 @@
           </a:lstStyle>
           <a:p>
             <a:r>
-              <a:rPr lang="en-US" smtClean="0"/>
+              <a:rPr lang="en-US"/>
               <a:t>Click to edit Master title style</a:t>
             </a:r>
             <a:endParaRPr lang="en-US" dirty="0"/>
@@ -2221,35 +2225,35 @@
           <a:p>
             <a:pPr lvl="0"/>
             <a:r>
-              <a:rPr lang="en-US" smtClean="0"/>
+              <a:rPr lang="en-US"/>
               <a:t>Click to edit Master text styles</a:t>
             </a:r>
           </a:p>
           <a:p>
             <a:pPr lvl="1"/>
             <a:r>
-              <a:rPr lang="en-US" smtClean="0"/>
+              <a:rPr lang="en-US"/>
               <a:t>Second level</a:t>
             </a:r>
           </a:p>
           <a:p>
             <a:pPr lvl="2"/>
             <a:r>
-              <a:rPr lang="en-US" smtClean="0"/>
+              <a:rPr lang="en-US"/>
               <a:t>Third level</a:t>
             </a:r>
           </a:p>
           <a:p>
             <a:pPr lvl="3"/>
             <a:r>
-              <a:rPr lang="en-US" smtClean="0"/>
+              <a:rPr lang="en-US"/>
               <a:t>Fourth level</a:t>
             </a:r>
           </a:p>
           <a:p>
             <a:pPr lvl="4"/>
             <a:r>
-              <a:rPr lang="en-US" smtClean="0"/>
+              <a:rPr lang="en-US"/>
               <a:t>Fifth level</a:t>
             </a:r>
             <a:endParaRPr lang="en-US" dirty="0"/>
@@ -2323,7 +2327,7 @@
           <a:p>
             <a:pPr lvl="0"/>
             <a:r>
-              <a:rPr lang="en-US" smtClean="0"/>
+              <a:rPr lang="en-US"/>
               <a:t>Click to edit Master text styles</a:t>
             </a:r>
           </a:p>
@@ -2346,7 +2350,7 @@
           <a:p>
             <a:fld id="{96DFF08F-DC6B-4601-B491-B0F83F6DD2DA}" type="datetimeFigureOut">
               <a:rPr lang="en-US" dirty="0"/>
-              <a:t>11/27/2017</a:t>
+              <a:t>11/28/2017</a:t>
             </a:fld>
             <a:endParaRPr lang="en-US" dirty="0"/>
           </a:p>
@@ -2449,7 +2453,7 @@
           </a:lstStyle>
           <a:p>
             <a:r>
-              <a:rPr lang="en-US" smtClean="0"/>
+              <a:rPr lang="en-US"/>
               <a:t>Click to edit Master title style</a:t>
             </a:r>
             <a:endParaRPr lang="en-US" dirty="0"/>
@@ -2516,7 +2520,7 @@
           </a:lstStyle>
           <a:p>
             <a:r>
-              <a:rPr lang="en-US" smtClean="0"/>
+              <a:rPr lang="en-US"/>
               <a:t>Click icon to add picture</a:t>
             </a:r>
             <a:endParaRPr lang="en-US" dirty="0"/>
@@ -2590,7 +2594,7 @@
           <a:p>
             <a:pPr lvl="0"/>
             <a:r>
-              <a:rPr lang="en-US" smtClean="0"/>
+              <a:rPr lang="en-US"/>
               <a:t>Click to edit Master text styles</a:t>
             </a:r>
           </a:p>
@@ -2613,7 +2617,7 @@
           <a:p>
             <a:fld id="{96DFF08F-DC6B-4601-B491-B0F83F6DD2DA}" type="datetimeFigureOut">
               <a:rPr lang="en-US" dirty="0"/>
-              <a:t>11/27/2017</a:t>
+              <a:t>11/28/2017</a:t>
             </a:fld>
             <a:endParaRPr lang="en-US" dirty="0"/>
           </a:p>
@@ -2760,7 +2764,7 @@
           <a:lstStyle/>
           <a:p>
             <a:r>
-              <a:rPr lang="en-US" smtClean="0"/>
+              <a:rPr lang="en-US"/>
               <a:t>Click to edit Master title style</a:t>
             </a:r>
             <a:endParaRPr lang="en-US" dirty="0"/>
@@ -2794,35 +2798,35 @@
           <a:p>
             <a:pPr lvl="0"/>
             <a:r>
-              <a:rPr lang="en-US" smtClean="0"/>
+              <a:rPr lang="en-US"/>
               <a:t>Click to edit Master text styles</a:t>
             </a:r>
           </a:p>
           <a:p>
             <a:pPr lvl="1"/>
             <a:r>
-              <a:rPr lang="en-US" smtClean="0"/>
+              <a:rPr lang="en-US"/>
               <a:t>Second level</a:t>
             </a:r>
           </a:p>
           <a:p>
             <a:pPr lvl="2"/>
             <a:r>
-              <a:rPr lang="en-US" smtClean="0"/>
+              <a:rPr lang="en-US"/>
               <a:t>Third level</a:t>
             </a:r>
           </a:p>
           <a:p>
             <a:pPr lvl="3"/>
             <a:r>
-              <a:rPr lang="en-US" smtClean="0"/>
+              <a:rPr lang="en-US"/>
               <a:t>Fourth level</a:t>
             </a:r>
           </a:p>
           <a:p>
             <a:pPr lvl="4"/>
             <a:r>
-              <a:rPr lang="en-US" smtClean="0"/>
+              <a:rPr lang="en-US"/>
               <a:t>Fifth level</a:t>
             </a:r>
             <a:endParaRPr lang="en-US" dirty="0"/>
@@ -2863,7 +2867,7 @@
             <a:fld id="{96DFF08F-DC6B-4601-B491-B0F83F6DD2DA}" type="datetimeFigureOut">
               <a:rPr lang="en-US" dirty="0"/>
               <a:pPr/>
-              <a:t>11/27/2017</a:t>
+              <a:t>11/28/2017</a:t>
             </a:fld>
             <a:endParaRPr lang="en-US" dirty="0"/>
           </a:p>
@@ -3343,79 +3347,75 @@
           <a:lstStyle/>
           <a:p>
             <a:r>
-              <a:rPr lang="en-US" sz="4000" dirty="0" smtClean="0"/>
+              <a:rPr lang="en-US" sz="4000" dirty="0"/>
               <a:t>Lattice Boltzmann de </a:t>
             </a:r>
             <a:r>
-              <a:rPr lang="en-US" sz="4000" dirty="0" err="1" smtClean="0"/>
+              <a:rPr lang="en-US" sz="4000" dirty="0" err="1"/>
               <a:t>Múltiples</a:t>
-            </a:r>
-            <a:r>
-              <a:rPr lang="en-US" sz="4000" dirty="0" smtClean="0"/>
-              <a:t> </a:t>
-            </a:r>
-            <a:r>
-              <a:rPr lang="en-US" sz="4000" dirty="0" err="1" smtClean="0"/>
-              <a:t>Tiempos</a:t>
-            </a:r>
-            <a:r>
-              <a:rPr lang="en-US" sz="4000" dirty="0" smtClean="0"/>
-              <a:t> de </a:t>
-            </a:r>
-            <a:r>
-              <a:rPr lang="en-US" sz="4000" dirty="0" err="1" smtClean="0"/>
-              <a:t>Relajación</a:t>
-            </a:r>
-            <a:r>
-              <a:rPr lang="en-US" sz="4000" dirty="0" smtClean="0"/>
-              <a:t> para </a:t>
-            </a:r>
-            <a:r>
-              <a:rPr lang="en-US" sz="4000" dirty="0" err="1" smtClean="0"/>
-              <a:t>Simular</a:t>
-            </a:r>
-            <a:r>
-              <a:rPr lang="en-US" sz="4000" dirty="0" smtClean="0"/>
-              <a:t> la </a:t>
-            </a:r>
-            <a:r>
-              <a:rPr lang="en-US" sz="4000" dirty="0" err="1" smtClean="0"/>
-              <a:t>Fuerza</a:t>
-            </a:r>
-            <a:r>
-              <a:rPr lang="en-US" sz="4000" dirty="0" smtClean="0"/>
-              <a:t> de </a:t>
-            </a:r>
-            <a:r>
-              <a:rPr lang="en-US" sz="4000" dirty="0" err="1" smtClean="0"/>
-              <a:t>Sustentación</a:t>
-            </a:r>
-            <a:r>
-              <a:rPr lang="en-US" sz="4000" dirty="0" smtClean="0"/>
-              <a:t> </a:t>
-            </a:r>
-            <a:r>
-              <a:rPr lang="en-US" sz="4000" dirty="0" err="1" smtClean="0"/>
-              <a:t>Sobre</a:t>
             </a:r>
             <a:r>
               <a:rPr lang="en-US" sz="4000" dirty="0"/>
               <a:t> </a:t>
             </a:r>
             <a:r>
-              <a:rPr lang="en-US" sz="4000" dirty="0" smtClean="0"/>
-              <a:t>Un </a:t>
-            </a:r>
-            <a:r>
-              <a:rPr lang="en-US" sz="4000" dirty="0" err="1" smtClean="0"/>
+              <a:rPr lang="en-US" sz="4000" dirty="0" err="1"/>
+              <a:t>Tiempos</a:t>
+            </a:r>
+            <a:r>
+              <a:rPr lang="en-US" sz="4000" dirty="0"/>
+              <a:t> de </a:t>
+            </a:r>
+            <a:r>
+              <a:rPr lang="en-US" sz="4000" dirty="0" err="1"/>
+              <a:t>Relajación</a:t>
+            </a:r>
+            <a:r>
+              <a:rPr lang="en-US" sz="4000" dirty="0"/>
+              <a:t> para </a:t>
+            </a:r>
+            <a:r>
+              <a:rPr lang="en-US" sz="4000" dirty="0" err="1"/>
+              <a:t>Simular</a:t>
+            </a:r>
+            <a:r>
+              <a:rPr lang="en-US" sz="4000" dirty="0"/>
+              <a:t> la </a:t>
+            </a:r>
+            <a:r>
+              <a:rPr lang="en-US" sz="4000" dirty="0" err="1"/>
+              <a:t>Fuerza</a:t>
+            </a:r>
+            <a:r>
+              <a:rPr lang="en-US" sz="4000" dirty="0"/>
+              <a:t> de </a:t>
+            </a:r>
+            <a:r>
+              <a:rPr lang="en-US" sz="4000" dirty="0" err="1"/>
+              <a:t>Sustentación</a:t>
+            </a:r>
+            <a:r>
+              <a:rPr lang="en-US" sz="4000" dirty="0"/>
+              <a:t> </a:t>
+            </a:r>
+            <a:r>
+              <a:rPr lang="en-US" sz="4000" dirty="0" err="1"/>
+              <a:t>Sobre</a:t>
+            </a:r>
+            <a:r>
+              <a:rPr lang="en-US" sz="4000" dirty="0"/>
+              <a:t> Un </a:t>
+            </a:r>
+            <a:r>
+              <a:rPr lang="en-US" sz="4000" dirty="0" err="1"/>
               <a:t>Perfil</a:t>
             </a:r>
             <a:r>
-              <a:rPr lang="en-US" sz="4000" dirty="0" smtClean="0"/>
+              <a:rPr lang="en-US" sz="4000" dirty="0"/>
               <a:t> de Ala de </a:t>
             </a:r>
             <a:r>
-              <a:rPr lang="en-US" sz="4000" dirty="0" err="1" smtClean="0"/>
+              <a:rPr lang="en-US" sz="4000" dirty="0" err="1"/>
               <a:t>Avión</a:t>
             </a:r>
             <a:endParaRPr lang="es-CO" sz="4000" dirty="0"/>
@@ -3445,88 +3445,80 @@
           <a:lstStyle/>
           <a:p>
             <a:r>
-              <a:rPr lang="en-US" dirty="0" smtClean="0"/>
+              <a:rPr lang="en-US" dirty="0"/>
               <a:t>Juan </a:t>
             </a:r>
             <a:r>
-              <a:rPr lang="en-US" dirty="0" err="1" smtClean="0"/>
+              <a:rPr lang="en-US" dirty="0" err="1"/>
               <a:t>Sebastián</a:t>
             </a:r>
             <a:r>
-              <a:rPr lang="en-US" dirty="0" smtClean="0"/>
+              <a:rPr lang="en-US" dirty="0"/>
               <a:t> </a:t>
             </a:r>
             <a:r>
-              <a:rPr lang="en-US" dirty="0" err="1" smtClean="0"/>
+              <a:rPr lang="en-US" dirty="0" err="1"/>
               <a:t>Baena</a:t>
             </a:r>
             <a:r>
-              <a:rPr lang="en-US" dirty="0" smtClean="0"/>
+              <a:rPr lang="en-US" dirty="0"/>
               <a:t> </a:t>
             </a:r>
             <a:r>
-              <a:rPr lang="en-US" dirty="0" err="1" smtClean="0"/>
+              <a:rPr lang="en-US" dirty="0" err="1"/>
               <a:t>Vásquez</a:t>
-            </a:r>
-            <a:r>
-              <a:rPr lang="en-US" dirty="0"/>
-              <a:t/>
             </a:r>
             <a:br>
               <a:rPr lang="en-US" dirty="0"/>
             </a:br>
             <a:r>
-              <a:rPr lang="en-US" dirty="0" smtClean="0"/>
+              <a:rPr lang="en-US" dirty="0"/>
               <a:t>Andrea </a:t>
             </a:r>
             <a:r>
-              <a:rPr lang="en-US" dirty="0" err="1" smtClean="0"/>
+              <a:rPr lang="en-US" dirty="0" err="1"/>
               <a:t>Velásquez</a:t>
             </a:r>
             <a:r>
-              <a:rPr lang="en-US" dirty="0" smtClean="0"/>
+              <a:rPr lang="en-US" dirty="0"/>
               <a:t> Moros</a:t>
             </a:r>
             <a:endParaRPr lang="es-CO" dirty="0"/>
           </a:p>
           <a:p>
             <a:r>
-              <a:rPr lang="en-US" dirty="0" err="1" smtClean="0"/>
+              <a:rPr lang="en-US" dirty="0" err="1"/>
               <a:t>Métodos</a:t>
             </a:r>
             <a:r>
-              <a:rPr lang="en-US" dirty="0" smtClean="0"/>
+              <a:rPr lang="en-US" dirty="0"/>
               <a:t> de </a:t>
             </a:r>
             <a:r>
-              <a:rPr lang="en-US" dirty="0" err="1" smtClean="0"/>
+              <a:rPr lang="en-US" dirty="0" err="1"/>
               <a:t>Simulación</a:t>
             </a:r>
             <a:r>
-              <a:rPr lang="en-US" dirty="0" smtClean="0"/>
+              <a:rPr lang="en-US" dirty="0"/>
               <a:t> </a:t>
             </a:r>
             <a:r>
-              <a:rPr lang="en-US" dirty="0" err="1" smtClean="0"/>
+              <a:rPr lang="en-US" dirty="0" err="1"/>
               <a:t>Física</a:t>
             </a:r>
-            <a:r>
-              <a:rPr lang="en-US" dirty="0" smtClean="0"/>
-              <a:t/>
-            </a:r>
             <a:br>
-              <a:rPr lang="en-US" dirty="0" smtClean="0"/>
+              <a:rPr lang="en-US" dirty="0"/>
             </a:br>
             <a:r>
-              <a:rPr lang="en-US" dirty="0" smtClean="0"/>
+              <a:rPr lang="en-US" dirty="0"/>
               <a:t>30 de </a:t>
             </a:r>
             <a:r>
-              <a:rPr lang="en-US" dirty="0" err="1" smtClean="0"/>
+              <a:rPr lang="en-US" dirty="0" err="1"/>
               <a:t>noviembre</a:t>
             </a:r>
             <a:r>
-              <a:rPr lang="en-US" dirty="0" smtClean="0"/>
+              <a:rPr lang="en-US" dirty="0"/>
               <a:t> de 2017</a:t>
             </a:r>
             <a:endParaRPr lang="es-CO" dirty="0"/>
@@ -3583,13 +3575,6 @@
   <p:clrMapOvr>
     <a:masterClrMapping/>
   </p:clrMapOvr>
-  <p:timing>
-    <p:tnLst>
-      <p:par>
-        <p:cTn id="1" dur="indefinite" restart="never" nodeType="tmRoot"/>
-      </p:par>
-    </p:tnLst>
-  </p:timing>
 </p:sld>
 </file>
 
@@ -3626,7 +3611,7 @@
           <a:lstStyle/>
           <a:p>
             <a:r>
-              <a:rPr lang="en-US" dirty="0" err="1" smtClean="0"/>
+              <a:rPr lang="en-US" dirty="0" err="1"/>
               <a:t>Resultados</a:t>
             </a:r>
             <a:endParaRPr lang="es-CO" dirty="0"/>
@@ -3803,13 +3788,6 @@
   <p:clrMapOvr>
     <a:masterClrMapping/>
   </p:clrMapOvr>
-  <p:timing>
-    <p:tnLst>
-      <p:par>
-        <p:cTn id="1" dur="indefinite" restart="never" nodeType="tmRoot"/>
-      </p:par>
-    </p:tnLst>
-  </p:timing>
 </p:sld>
 </file>
 
@@ -3846,7 +3824,7 @@
           <a:lstStyle/>
           <a:p>
             <a:r>
-              <a:rPr lang="en-US" dirty="0" err="1" smtClean="0"/>
+              <a:rPr lang="en-US" dirty="0" err="1"/>
               <a:t>Conclusiones</a:t>
             </a:r>
             <a:endParaRPr lang="es-CO" dirty="0"/>
@@ -3893,13 +3871,6 @@
   <p:clrMapOvr>
     <a:masterClrMapping/>
   </p:clrMapOvr>
-  <p:timing>
-    <p:tnLst>
-      <p:par>
-        <p:cTn id="1" dur="indefinite" restart="never" nodeType="tmRoot"/>
-      </p:par>
-    </p:tnLst>
-  </p:timing>
 </p:sld>
 </file>
 
@@ -3936,7 +3907,7 @@
           <a:lstStyle/>
           <a:p>
             <a:r>
-              <a:rPr lang="en-US" dirty="0" err="1" smtClean="0"/>
+              <a:rPr lang="en-US" dirty="0" err="1"/>
               <a:t>Referencias</a:t>
             </a:r>
             <a:endParaRPr lang="es-CO" dirty="0"/>
@@ -3983,47 +3954,7 @@
                 <a:latin typeface="Calibri Light" panose="020F0302020204030204" pitchFamily="34" charset="0"/>
                 <a:cs typeface="Calibri Light" panose="020F0302020204030204" pitchFamily="34" charset="0"/>
               </a:rPr>
-              <a:t> P</a:t>
-            </a:r>
-            <a:r>
-              <a:rPr lang="en-US" sz="2400" dirty="0" smtClean="0">
-                <a:solidFill>
-                  <a:schemeClr val="tx1"/>
-                </a:solidFill>
-                <a:latin typeface="Calibri Light" panose="020F0302020204030204" pitchFamily="34" charset="0"/>
-                <a:cs typeface="Calibri Light" panose="020F0302020204030204" pitchFamily="34" charset="0"/>
-              </a:rPr>
-              <a:t>., Luo </a:t>
-            </a:r>
-            <a:r>
-              <a:rPr lang="en-US" sz="2400" dirty="0">
-                <a:solidFill>
-                  <a:schemeClr val="tx1"/>
-                </a:solidFill>
-                <a:latin typeface="Calibri Light" panose="020F0302020204030204" pitchFamily="34" charset="0"/>
-                <a:cs typeface="Calibri Light" panose="020F0302020204030204" pitchFamily="34" charset="0"/>
-              </a:rPr>
-              <a:t>L.-S</a:t>
-            </a:r>
-            <a:r>
-              <a:rPr lang="en-US" sz="2400" dirty="0" smtClean="0">
-                <a:solidFill>
-                  <a:schemeClr val="tx1"/>
-                </a:solidFill>
-                <a:latin typeface="Calibri Light" panose="020F0302020204030204" pitchFamily="34" charset="0"/>
-                <a:cs typeface="Calibri Light" panose="020F0302020204030204" pitchFamily="34" charset="0"/>
-              </a:rPr>
-              <a:t>., </a:t>
-            </a:r>
-            <a:r>
-              <a:rPr lang="en-US" sz="2400" dirty="0">
-                <a:solidFill>
-                  <a:schemeClr val="tx1"/>
-                </a:solidFill>
-                <a:latin typeface="Calibri Light" panose="020F0302020204030204" pitchFamily="34" charset="0"/>
-                <a:cs typeface="Calibri Light" panose="020F0302020204030204" pitchFamily="34" charset="0"/>
-              </a:rPr>
-              <a:t>Theory of the lattice Boltzmann method: Dispersion, dissipation, isotropy, Galilean invariance, and stability. Phys. </a:t>
+              <a:t> P., Luo L.-S., Theory of the lattice Boltzmann method: Dispersion, dissipation, isotropy, Galilean invariance, and stability. Phys. </a:t>
             </a:r>
             <a:r>
               <a:rPr lang="es-CO" sz="2400" dirty="0">
@@ -4033,17 +3964,7 @@
                 <a:latin typeface="Calibri Light" panose="020F0302020204030204" pitchFamily="34" charset="0"/>
                 <a:cs typeface="Calibri Light" panose="020F0302020204030204" pitchFamily="34" charset="0"/>
               </a:rPr>
-              <a:t>Rev. E, 2000, 61, 6546-6562</a:t>
-            </a:r>
-            <a:r>
-              <a:rPr lang="es-CO" sz="2400" dirty="0" smtClean="0">
-                <a:solidFill>
-                  <a:schemeClr val="tx1"/>
-                </a:solidFill>
-                <a:latin typeface="Calibri Light" panose="020F0302020204030204" pitchFamily="34" charset="0"/>
-                <a:cs typeface="Calibri Light" panose="020F0302020204030204" pitchFamily="34" charset="0"/>
-              </a:rPr>
-              <a:t>.</a:t>
+              <a:t>Rev. E, 2000, 61, 6546-6562.</a:t>
             </a:r>
           </a:p>
           <a:p>
@@ -4064,17 +3985,17 @@
                 <a:latin typeface="Calibri Light" panose="020F0302020204030204" pitchFamily="34" charset="0"/>
                 <a:cs typeface="Calibri Light" panose="020F0302020204030204" pitchFamily="34" charset="0"/>
               </a:rPr>
-              <a:t>Luo L.-</a:t>
-            </a:r>
-            <a:r>
-              <a:rPr lang="en-US" sz="2400" dirty="0" smtClean="0">
+              <a:t>Luo L.-S., Theory of the lattice Boltzmann Equation. 9-13 de </a:t>
+            </a:r>
+            <a:r>
+              <a:rPr lang="en-US" sz="2400" dirty="0" err="1">
                 <a:solidFill>
                   <a:schemeClr val="tx1"/>
                 </a:solidFill>
                 <a:latin typeface="Calibri Light" panose="020F0302020204030204" pitchFamily="34" charset="0"/>
                 <a:cs typeface="Calibri Light" panose="020F0302020204030204" pitchFamily="34" charset="0"/>
               </a:rPr>
-              <a:t>S., </a:t>
+              <a:t>octubre</a:t>
             </a:r>
             <a:r>
               <a:rPr lang="en-US" sz="2400" dirty="0">
@@ -4084,37 +4005,17 @@
                 <a:latin typeface="Calibri Light" panose="020F0302020204030204" pitchFamily="34" charset="0"/>
                 <a:cs typeface="Calibri Light" panose="020F0302020204030204" pitchFamily="34" charset="0"/>
               </a:rPr>
-              <a:t>Theory of the lattice Boltzmann Equation. </a:t>
-            </a:r>
-            <a:r>
-              <a:rPr lang="en-US" sz="2400" dirty="0" smtClean="0">
+              <a:t> de 2000. China Center of Advanced Science and Technology, </a:t>
+            </a:r>
+            <a:r>
+              <a:rPr lang="en-US" sz="2400" dirty="0" err="1">
                 <a:solidFill>
                   <a:schemeClr val="tx1"/>
                 </a:solidFill>
                 <a:latin typeface="Calibri Light" panose="020F0302020204030204" pitchFamily="34" charset="0"/>
                 <a:cs typeface="Calibri Light" panose="020F0302020204030204" pitchFamily="34" charset="0"/>
               </a:rPr>
-              <a:t>9-13 de </a:t>
-            </a:r>
-            <a:r>
-              <a:rPr lang="en-US" sz="2400" dirty="0" err="1" smtClean="0">
-                <a:solidFill>
-                  <a:schemeClr val="tx1"/>
-                </a:solidFill>
-                <a:latin typeface="Calibri Light" panose="020F0302020204030204" pitchFamily="34" charset="0"/>
-                <a:cs typeface="Calibri Light" panose="020F0302020204030204" pitchFamily="34" charset="0"/>
-              </a:rPr>
-              <a:t>octubre</a:t>
-            </a:r>
-            <a:r>
-              <a:rPr lang="en-US" sz="2400" dirty="0" smtClean="0">
-                <a:solidFill>
-                  <a:schemeClr val="tx1"/>
-                </a:solidFill>
-                <a:latin typeface="Calibri Light" panose="020F0302020204030204" pitchFamily="34" charset="0"/>
-                <a:cs typeface="Calibri Light" panose="020F0302020204030204" pitchFamily="34" charset="0"/>
-              </a:rPr>
-              <a:t> de 2000. </a:t>
+              <a:t>Pekín</a:t>
             </a:r>
             <a:r>
               <a:rPr lang="en-US" sz="2400" dirty="0">
@@ -4124,51 +4025,11 @@
                 <a:latin typeface="Calibri Light" panose="020F0302020204030204" pitchFamily="34" charset="0"/>
                 <a:cs typeface="Calibri Light" panose="020F0302020204030204" pitchFamily="34" charset="0"/>
               </a:rPr>
-              <a:t>China Center of Advanced Science and Technology, </a:t>
-            </a:r>
-            <a:r>
-              <a:rPr lang="en-US" sz="2400" dirty="0" err="1" smtClean="0">
-                <a:solidFill>
-                  <a:schemeClr val="tx1"/>
-                </a:solidFill>
-                <a:latin typeface="Calibri Light" panose="020F0302020204030204" pitchFamily="34" charset="0"/>
-                <a:cs typeface="Calibri Light" panose="020F0302020204030204" pitchFamily="34" charset="0"/>
-              </a:rPr>
-              <a:t>Pekín</a:t>
-            </a:r>
-            <a:r>
-              <a:rPr lang="en-US" sz="2400" dirty="0" smtClean="0">
-                <a:solidFill>
-                  <a:schemeClr val="tx1"/>
-                </a:solidFill>
-                <a:latin typeface="Calibri Light" panose="020F0302020204030204" pitchFamily="34" charset="0"/>
-                <a:cs typeface="Calibri Light" panose="020F0302020204030204" pitchFamily="34" charset="0"/>
-              </a:rPr>
-              <a:t>, </a:t>
-            </a:r>
-            <a:r>
-              <a:rPr lang="en-US" sz="2400" dirty="0">
-                <a:solidFill>
-                  <a:schemeClr val="tx1"/>
-                </a:solidFill>
-                <a:latin typeface="Calibri Light" panose="020F0302020204030204" pitchFamily="34" charset="0"/>
-                <a:cs typeface="Calibri Light" panose="020F0302020204030204" pitchFamily="34" charset="0"/>
-              </a:rPr>
-              <a:t>China</a:t>
-            </a:r>
-            <a:r>
-              <a:rPr lang="en-US" sz="2400" dirty="0" smtClean="0">
-                <a:solidFill>
-                  <a:schemeClr val="tx1"/>
-                </a:solidFill>
-                <a:latin typeface="Calibri Light" panose="020F0302020204030204" pitchFamily="34" charset="0"/>
-                <a:cs typeface="Calibri Light" panose="020F0302020204030204" pitchFamily="34" charset="0"/>
-              </a:rPr>
-              <a:t>.</a:t>
+              <a:t>, China.</a:t>
             </a:r>
           </a:p>
           <a:p>
-            <a:endParaRPr lang="en-US" sz="2400" dirty="0" smtClean="0">
+            <a:endParaRPr lang="en-US" sz="2400" dirty="0">
               <a:solidFill>
                 <a:schemeClr val="tx1"/>
               </a:solidFill>
@@ -4178,7 +4039,7 @@
           </a:p>
           <a:p>
             <a:r>
-              <a:rPr lang="es-CO" sz="2400" dirty="0" smtClean="0">
+              <a:rPr lang="es-CO" sz="2400" dirty="0">
                 <a:solidFill>
                   <a:schemeClr val="tx1"/>
                 </a:solidFill>
@@ -4187,13 +4048,6 @@
               </a:rPr>
               <a:t>Pulido Piñeros, J. I., Implementación de GLBE para dinámica de fluidos bidimensional. Presentación clase de Métodos de Simulación Física, 2005. Departamento de Física, Universidad Nacional de Colombia</a:t>
             </a:r>
-            <a:endParaRPr lang="es-CO" sz="2400" dirty="0">
-              <a:solidFill>
-                <a:schemeClr val="tx1"/>
-              </a:solidFill>
-              <a:latin typeface="Calibri Light" panose="020F0302020204030204" pitchFamily="34" charset="0"/>
-              <a:cs typeface="Calibri Light" panose="020F0302020204030204" pitchFamily="34" charset="0"/>
-            </a:endParaRPr>
           </a:p>
         </p:txBody>
       </p:sp>
@@ -4207,13 +4061,6 @@
   <p:clrMapOvr>
     <a:masterClrMapping/>
   </p:clrMapOvr>
-  <p:timing>
-    <p:tnLst>
-      <p:par>
-        <p:cTn id="1" dur="indefinite" restart="never" nodeType="tmRoot"/>
-      </p:par>
-    </p:tnLst>
-  </p:timing>
 </p:sld>
 </file>
 
@@ -4255,7 +4102,7 @@
           <a:lstStyle/>
           <a:p>
             <a:r>
-              <a:rPr lang="en-US" dirty="0" err="1" smtClean="0"/>
+              <a:rPr lang="en-US" dirty="0" err="1"/>
               <a:t>Introducción</a:t>
             </a:r>
             <a:endParaRPr lang="es-CO" dirty="0"/>
@@ -4283,7 +4130,7 @@
           <a:lstStyle/>
           <a:p>
             <a:r>
-              <a:rPr lang="en-US" dirty="0" err="1" smtClean="0">
+              <a:rPr lang="en-US" dirty="0" err="1">
                 <a:solidFill>
                   <a:schemeClr val="tx1"/>
                 </a:solidFill>
@@ -4293,7 +4140,7 @@
               <a:t>plantear</a:t>
             </a:r>
             <a:r>
-              <a:rPr lang="en-US" dirty="0" smtClean="0">
+              <a:rPr lang="en-US" dirty="0">
                 <a:solidFill>
                   <a:schemeClr val="tx1"/>
                 </a:solidFill>
@@ -4303,7 +4150,7 @@
               <a:t> </a:t>
             </a:r>
             <a:r>
-              <a:rPr lang="en-US" dirty="0" err="1" smtClean="0">
+              <a:rPr lang="en-US" dirty="0" err="1">
                 <a:solidFill>
                   <a:schemeClr val="tx1"/>
                 </a:solidFill>
@@ -4313,7 +4160,7 @@
               <a:t>fenómeno</a:t>
             </a:r>
             <a:r>
-              <a:rPr lang="en-US" dirty="0" smtClean="0">
+              <a:rPr lang="en-US" dirty="0">
                 <a:solidFill>
                   <a:schemeClr val="tx1"/>
                 </a:solidFill>
@@ -4323,7 +4170,7 @@
               <a:t> que se </a:t>
             </a:r>
             <a:r>
-              <a:rPr lang="en-US" dirty="0" err="1" smtClean="0">
+              <a:rPr lang="en-US" dirty="0" err="1">
                 <a:solidFill>
                   <a:schemeClr val="tx1"/>
                 </a:solidFill>
@@ -4333,7 +4180,7 @@
               <a:t>va</a:t>
             </a:r>
             <a:r>
-              <a:rPr lang="en-US" dirty="0" smtClean="0">
+              <a:rPr lang="en-US" dirty="0">
                 <a:solidFill>
                   <a:schemeClr val="tx1"/>
                 </a:solidFill>
@@ -4343,7 +4190,7 @@
               <a:t> a </a:t>
             </a:r>
             <a:r>
-              <a:rPr lang="en-US" dirty="0" err="1" smtClean="0">
+              <a:rPr lang="en-US" dirty="0" err="1">
                 <a:solidFill>
                   <a:schemeClr val="tx1"/>
                 </a:solidFill>
@@ -4372,13 +4219,6 @@
   <p:clrMapOvr>
     <a:masterClrMapping/>
   </p:clrMapOvr>
-  <p:timing>
-    <p:tnLst>
-      <p:par>
-        <p:cTn id="1" dur="indefinite" restart="never" nodeType="tmRoot"/>
-      </p:par>
-    </p:tnLst>
-  </p:timing>
 </p:sld>
 </file>
 
@@ -4415,7 +4255,7 @@
           <a:lstStyle/>
           <a:p>
             <a:r>
-              <a:rPr lang="en-US" dirty="0" err="1" smtClean="0"/>
+              <a:rPr lang="en-US" dirty="0" err="1"/>
               <a:t>Introducción</a:t>
             </a:r>
             <a:endParaRPr lang="es-CO" dirty="0"/>
@@ -4443,7 +4283,7 @@
           <a:lstStyle/>
           <a:p>
             <a:r>
-              <a:rPr lang="en-US" dirty="0" err="1" smtClean="0">
+              <a:rPr lang="en-US" dirty="0" err="1">
                 <a:solidFill>
                   <a:schemeClr val="tx1"/>
                 </a:solidFill>
@@ -4453,7 +4293,7 @@
               <a:t>por</a:t>
             </a:r>
             <a:r>
-              <a:rPr lang="en-US" dirty="0" smtClean="0">
+              <a:rPr lang="en-US" dirty="0">
                 <a:solidFill>
                   <a:schemeClr val="tx1"/>
                 </a:solidFill>
@@ -4503,7 +4343,7 @@
               <a:t> para la </a:t>
             </a:r>
             <a:r>
-              <a:rPr lang="en-US" dirty="0" err="1" smtClean="0">
+              <a:rPr lang="en-US" dirty="0" err="1">
                 <a:solidFill>
                   <a:schemeClr val="tx1"/>
                 </a:solidFill>
@@ -4513,7 +4353,7 @@
               <a:t>ciencia</a:t>
             </a:r>
             <a:r>
-              <a:rPr lang="en-US" dirty="0" smtClean="0">
+              <a:rPr lang="en-US" dirty="0">
                 <a:solidFill>
                   <a:schemeClr val="tx1"/>
                 </a:solidFill>
@@ -4523,7 +4363,7 @@
               <a:t> (</a:t>
             </a:r>
             <a:r>
-              <a:rPr lang="en-US" dirty="0" err="1" smtClean="0">
+              <a:rPr lang="en-US" dirty="0" err="1">
                 <a:solidFill>
                   <a:schemeClr val="tx1"/>
                 </a:solidFill>
@@ -4562,13 +4402,6 @@
   <p:clrMapOvr>
     <a:masterClrMapping/>
   </p:clrMapOvr>
-  <p:timing>
-    <p:tnLst>
-      <p:par>
-        <p:cTn id="1" dur="indefinite" restart="never" nodeType="tmRoot"/>
-      </p:par>
-    </p:tnLst>
-  </p:timing>
 </p:sld>
 </file>
 
@@ -4605,7 +4438,7 @@
           <a:lstStyle/>
           <a:p>
             <a:r>
-              <a:rPr lang="en-US" dirty="0" err="1" smtClean="0"/>
+              <a:rPr lang="en-US" dirty="0" err="1"/>
               <a:t>Teoría</a:t>
             </a:r>
             <a:endParaRPr lang="es-CO" dirty="0"/>
@@ -4640,7 +4473,7 @@
                   <a:buNone/>
                 </a:pPr>
                 <a:r>
-                  <a:rPr lang="en-US" dirty="0" smtClean="0">
+                  <a:rPr lang="en-US" dirty="0">
                     <a:solidFill>
                       <a:schemeClr val="tx1"/>
                     </a:solidFill>
@@ -4650,7 +4483,7 @@
                   <a:t>Función de </a:t>
                 </a:r>
                 <a:r>
-                  <a:rPr lang="en-US" dirty="0" err="1" smtClean="0">
+                  <a:rPr lang="en-US" dirty="0" err="1">
                     <a:solidFill>
                       <a:schemeClr val="tx1"/>
                     </a:solidFill>
@@ -4660,7 +4493,7 @@
                   <a:t>distribución</a:t>
                 </a:r>
                 <a:r>
-                  <a:rPr lang="en-US" dirty="0" smtClean="0">
+                  <a:rPr lang="en-US" dirty="0">
                     <a:solidFill>
                       <a:schemeClr val="tx1"/>
                     </a:solidFill>
@@ -4770,14 +4603,24 @@
                   </m:oMath>
                 </a14:m>
                 <a:r>
-                  <a:rPr lang="es-CO" dirty="0" smtClean="0">
+                  <a:rPr lang="es-CO" dirty="0">
                     <a:solidFill>
                       <a:schemeClr val="tx1"/>
                     </a:solidFill>
                     <a:latin typeface="Calibri Light" panose="020F0302020204030204" pitchFamily="34" charset="0"/>
                     <a:cs typeface="Calibri Light" panose="020F0302020204030204" pitchFamily="34" charset="0"/>
                   </a:rPr>
-                  <a:t> de las partículas de un gas, aproximación </a:t>
+                  <a:t> de las partículas de un gas, aproximación BGK (</a:t>
+                </a:r>
+                <a:r>
+                  <a:rPr lang="es-CO" dirty="0" err="1">
+                    <a:solidFill>
+                      <a:schemeClr val="tx1"/>
+                    </a:solidFill>
+                    <a:latin typeface="Calibri Light" panose="020F0302020204030204" pitchFamily="34" charset="0"/>
+                    <a:cs typeface="Calibri Light" panose="020F0302020204030204" pitchFamily="34" charset="0"/>
+                  </a:rPr>
+                  <a:t>Bhatnagar-Gross-Krook</a:t>
                 </a:r>
                 <a:r>
                   <a:rPr lang="es-CO" dirty="0">
@@ -4787,30 +4630,10 @@
                     <a:latin typeface="Calibri Light" panose="020F0302020204030204" pitchFamily="34" charset="0"/>
                     <a:cs typeface="Calibri Light" panose="020F0302020204030204" pitchFamily="34" charset="0"/>
                   </a:rPr>
-                  <a:t>BGK (</a:t>
-                </a:r>
-                <a:r>
-                  <a:rPr lang="es-CO" dirty="0" err="1" smtClean="0">
-                    <a:solidFill>
-                      <a:schemeClr val="tx1"/>
-                    </a:solidFill>
-                    <a:latin typeface="Calibri Light" panose="020F0302020204030204" pitchFamily="34" charset="0"/>
-                    <a:cs typeface="Calibri Light" panose="020F0302020204030204" pitchFamily="34" charset="0"/>
-                  </a:rPr>
-                  <a:t>Bhatnagar-Gross-Krook</a:t>
-                </a:r>
-                <a:r>
-                  <a:rPr lang="es-CO" dirty="0" smtClean="0">
-                    <a:solidFill>
-                      <a:schemeClr val="tx1"/>
-                    </a:solidFill>
-                    <a:latin typeface="Calibri Light" panose="020F0302020204030204" pitchFamily="34" charset="0"/>
-                    <a:cs typeface="Calibri Light" panose="020F0302020204030204" pitchFamily="34" charset="0"/>
-                  </a:rPr>
                   <a:t>) sobre la Ecuación de </a:t>
                 </a:r>
                 <a:r>
-                  <a:rPr lang="es-CO" dirty="0" err="1" smtClean="0">
+                  <a:rPr lang="es-CO" dirty="0" err="1">
                     <a:solidFill>
                       <a:schemeClr val="tx1"/>
                     </a:solidFill>
@@ -4820,7 +4643,7 @@
                   <a:t>Boltzmann</a:t>
                 </a:r>
                 <a:r>
-                  <a:rPr lang="es-CO" dirty="0" smtClean="0">
+                  <a:rPr lang="es-CO" dirty="0">
                     <a:solidFill>
                       <a:schemeClr val="tx1"/>
                     </a:solidFill>
@@ -4830,7 +4653,7 @@
                   <a:t> </a:t>
                 </a:r>
                 <a:r>
-                  <a:rPr lang="es-CO" dirty="0" err="1" smtClean="0">
+                  <a:rPr lang="es-CO" dirty="0" err="1">
                     <a:solidFill>
                       <a:schemeClr val="tx1"/>
                     </a:solidFill>
@@ -4840,7 +4663,7 @@
                   <a:t>discretizada</a:t>
                 </a:r>
                 <a:r>
-                  <a:rPr lang="es-CO" dirty="0" smtClean="0">
+                  <a:rPr lang="es-CO" dirty="0">
                     <a:solidFill>
                       <a:schemeClr val="tx1"/>
                     </a:solidFill>
@@ -4854,18 +4677,8 @@
                 <a:pPr marL="45720" indent="0">
                   <a:buNone/>
                 </a:pPr>
-                <a:r>
-                  <a:rPr lang="en-US" i="1" dirty="0" smtClean="0">
-                    <a:solidFill>
-                      <a:schemeClr val="tx1"/>
-                    </a:solidFill>
-                    <a:latin typeface="Cambria Math" panose="02040503050406030204" pitchFamily="18" charset="0"/>
-                    <a:cs typeface="Calibri Light" panose="020F0302020204030204" pitchFamily="34" charset="0"/>
-                  </a:rPr>
-                  <a:t/>
-                </a:r>
                 <a:br>
-                  <a:rPr lang="en-US" i="1" dirty="0" smtClean="0">
+                  <a:rPr lang="en-US" i="1" dirty="0">
                     <a:solidFill>
                       <a:schemeClr val="tx1"/>
                     </a:solidFill>
@@ -5307,7 +5120,7 @@
                   </m:oMath>
                 </a14:m>
                 <a:r>
-                  <a:rPr lang="es-CO" dirty="0" smtClean="0">
+                  <a:rPr lang="es-CO" dirty="0">
                     <a:solidFill>
                       <a:schemeClr val="tx1"/>
                     </a:solidFill>
@@ -5343,7 +5156,7 @@
                   </m:oMath>
                 </a14:m>
                 <a:r>
-                  <a:rPr lang="es-CO" dirty="0" smtClean="0">
+                  <a:rPr lang="es-CO" dirty="0">
                     <a:solidFill>
                       <a:schemeClr val="tx1"/>
                     </a:solidFill>
@@ -5357,18 +5170,8 @@
                 <a:pPr marL="45720" indent="0">
                   <a:buNone/>
                 </a:pPr>
-                <a:r>
-                  <a:rPr lang="es-CO" dirty="0" smtClean="0">
-                    <a:solidFill>
-                      <a:schemeClr val="tx1"/>
-                    </a:solidFill>
-                    <a:latin typeface="Calibri Light" panose="020F0302020204030204" pitchFamily="34" charset="0"/>
-                    <a:cs typeface="Calibri Light" panose="020F0302020204030204" pitchFamily="34" charset="0"/>
-                  </a:rPr>
-                  <a:t/>
-                </a:r>
                 <a:br>
-                  <a:rPr lang="es-CO" dirty="0" smtClean="0">
+                  <a:rPr lang="es-CO" dirty="0">
                     <a:solidFill>
                       <a:schemeClr val="tx1"/>
                     </a:solidFill>
@@ -5377,7 +5180,7 @@
                   </a:rPr>
                 </a:br>
                 <a:r>
-                  <a:rPr lang="es-CO" dirty="0" smtClean="0">
+                  <a:rPr lang="es-CO" dirty="0">
                     <a:solidFill>
                       <a:schemeClr val="tx1"/>
                     </a:solidFill>
@@ -5387,7 +5190,7 @@
                   <a:t>para las 9 posibles velocidades con los pesos: </a:t>
                 </a:r>
                 <a:br>
-                  <a:rPr lang="es-CO" dirty="0" smtClean="0">
+                  <a:rPr lang="es-CO" dirty="0">
                     <a:solidFill>
                       <a:schemeClr val="tx1"/>
                     </a:solidFill>
@@ -5395,7 +5198,7 @@
                     <a:cs typeface="Calibri Light" panose="020F0302020204030204" pitchFamily="34" charset="0"/>
                   </a:rPr>
                 </a:br>
-                <a:endParaRPr lang="es-CO" dirty="0" smtClean="0">
+                <a:endParaRPr lang="es-CO" dirty="0">
                   <a:solidFill>
                     <a:schemeClr val="tx1"/>
                   </a:solidFill>
@@ -5708,7 +5511,7 @@
                     </m:oMath>
                   </m:oMathPara>
                 </a14:m>
-                <a:endParaRPr lang="es-CO" dirty="0" smtClean="0">
+                <a:endParaRPr lang="es-CO" dirty="0">
                   <a:solidFill>
                     <a:schemeClr val="tx1"/>
                   </a:solidFill>
@@ -5720,7 +5523,7 @@
                 <a:pPr marL="45720" indent="0">
                   <a:buNone/>
                 </a:pPr>
-                <a:endParaRPr lang="es-CO" dirty="0" smtClean="0">
+                <a:endParaRPr lang="es-CO" dirty="0">
                   <a:solidFill>
                     <a:schemeClr val="tx1"/>
                   </a:solidFill>
@@ -5815,13 +5618,6 @@
   <p:clrMapOvr>
     <a:masterClrMapping/>
   </p:clrMapOvr>
-  <p:timing>
-    <p:tnLst>
-      <p:par>
-        <p:cTn id="1" dur="indefinite" restart="never" nodeType="tmRoot"/>
-      </p:par>
-    </p:tnLst>
-  </p:timing>
 </p:sld>
 </file>
 
@@ -5858,15 +5654,15 @@
           <a:lstStyle/>
           <a:p>
             <a:r>
-              <a:rPr lang="en-US" dirty="0" err="1" smtClean="0"/>
+              <a:rPr lang="en-US" dirty="0" err="1"/>
               <a:t>Teoría</a:t>
             </a:r>
             <a:endParaRPr lang="es-CO" dirty="0"/>
           </a:p>
         </p:txBody>
       </p:sp>
-      <mc:AlternateContent xmlns:mc="http://schemas.openxmlformats.org/markup-compatibility/2006">
-        <mc:Choice xmlns:a14="http://schemas.microsoft.com/office/drawing/2010/main" Requires="a14">
+      <mc:AlternateContent xmlns:mc="http://schemas.openxmlformats.org/markup-compatibility/2006" xmlns:a14="http://schemas.microsoft.com/office/drawing/2010/main">
+        <mc:Choice Requires="a14">
           <p:sp>
             <p:nvSpPr>
               <p:cNvPr id="3" name="Content Placeholder 2"/>
@@ -5893,7 +5689,7 @@
                   <a:buNone/>
                 </a:pPr>
                 <a:r>
-                  <a:rPr lang="en-US" sz="2400" dirty="0" smtClean="0">
+                  <a:rPr lang="en-US" sz="2400" dirty="0">
                     <a:solidFill>
                       <a:schemeClr val="tx1"/>
                     </a:solidFill>
@@ -5903,7 +5699,7 @@
                   <a:t>Si se </a:t>
                 </a:r>
                 <a:r>
-                  <a:rPr lang="en-US" sz="2400" dirty="0" err="1" smtClean="0">
+                  <a:rPr lang="en-US" sz="2400" dirty="0" err="1">
                     <a:solidFill>
                       <a:schemeClr val="tx1"/>
                     </a:solidFill>
@@ -5913,7 +5709,7 @@
                   <a:t>toma</a:t>
                 </a:r>
                 <a:r>
-                  <a:rPr lang="en-US" sz="2400" dirty="0" smtClean="0">
+                  <a:rPr lang="en-US" sz="2400" dirty="0">
                     <a:solidFill>
                       <a:schemeClr val="tx1"/>
                     </a:solidFill>
@@ -6018,7 +5814,7 @@
                   </m:oMath>
                 </a14:m>
                 <a:r>
-                  <a:rPr lang="es-CO" sz="2400" dirty="0" smtClean="0">
+                  <a:rPr lang="es-CO" sz="2400" dirty="0">
                     <a:solidFill>
                       <a:schemeClr val="tx1"/>
                     </a:solidFill>
@@ -6106,7 +5902,7 @@
                   </m:oMath>
                 </a14:m>
                 <a:r>
-                  <a:rPr lang="es-CO" sz="2400" dirty="0" smtClean="0">
+                  <a:rPr lang="es-CO" sz="2400" dirty="0">
                     <a:solidFill>
                       <a:schemeClr val="tx1"/>
                     </a:solidFill>
@@ -6116,7 +5912,7 @@
                   <a:t> </a:t>
                 </a:r>
                 <a:r>
-                  <a:rPr lang="es-CO" sz="2400" dirty="0" err="1" smtClean="0">
+                  <a:rPr lang="es-CO" sz="2400" dirty="0" err="1">
                     <a:solidFill>
                       <a:schemeClr val="tx1"/>
                     </a:solidFill>
@@ -6126,7 +5922,7 @@
                   <a:t>obtenermos</a:t>
                 </a:r>
                 <a:r>
-                  <a:rPr lang="es-CO" sz="2400" dirty="0" smtClean="0">
+                  <a:rPr lang="es-CO" sz="2400" dirty="0">
                     <a:solidFill>
                       <a:schemeClr val="tx1"/>
                     </a:solidFill>
@@ -6136,7 +5932,7 @@
                   <a:t> la ecuaci</a:t>
                 </a:r>
                 <a:r>
-                  <a:rPr lang="en-US" sz="2400" dirty="0" smtClean="0">
+                  <a:rPr lang="en-US" sz="2400" dirty="0">
                     <a:solidFill>
                       <a:schemeClr val="tx1"/>
                     </a:solidFill>
@@ -6146,7 +5942,7 @@
                   <a:t>ó</a:t>
                 </a:r>
                 <a:r>
-                  <a:rPr lang="es-CO" sz="2400" dirty="0" smtClean="0">
+                  <a:rPr lang="es-CO" sz="2400" dirty="0">
                     <a:solidFill>
                       <a:schemeClr val="tx1"/>
                     </a:solidFill>
@@ -6156,7 +5952,7 @@
                   <a:t>n de </a:t>
                 </a:r>
                 <a:r>
-                  <a:rPr lang="es-CO" sz="2400" dirty="0" err="1" smtClean="0">
+                  <a:rPr lang="es-CO" sz="2400" dirty="0" err="1">
                     <a:solidFill>
                       <a:schemeClr val="tx1"/>
                     </a:solidFill>
@@ -6166,7 +5962,7 @@
                   <a:t>Lattice</a:t>
                 </a:r>
                 <a:r>
-                  <a:rPr lang="es-CO" sz="2400" dirty="0" smtClean="0">
+                  <a:rPr lang="es-CO" sz="2400" dirty="0">
                     <a:solidFill>
                       <a:schemeClr val="tx1"/>
                     </a:solidFill>
@@ -6176,7 +5972,7 @@
                   <a:t> </a:t>
                 </a:r>
                 <a:r>
-                  <a:rPr lang="es-CO" sz="2400" dirty="0" err="1" smtClean="0">
+                  <a:rPr lang="es-CO" sz="2400" dirty="0" err="1">
                     <a:solidFill>
                       <a:schemeClr val="tx1"/>
                     </a:solidFill>
@@ -6186,7 +5982,7 @@
                   <a:t>Boltzmann</a:t>
                 </a:r>
                 <a:r>
-                  <a:rPr lang="es-CO" sz="2400" dirty="0" smtClean="0">
+                  <a:rPr lang="es-CO" sz="2400" dirty="0">
                     <a:solidFill>
                       <a:schemeClr val="tx1"/>
                     </a:solidFill>
@@ -6194,16 +5990,6 @@
                     <a:cs typeface="Calibri Light" panose="020F0302020204030204" pitchFamily="34" charset="0"/>
                   </a:rPr>
                   <a:t> del modelo LBGK:</a:t>
-                </a:r>
-                <a:r>
-                  <a:rPr lang="es-CO" sz="2400" dirty="0">
-                    <a:solidFill>
-                      <a:schemeClr val="tx1"/>
-                    </a:solidFill>
-                    <a:latin typeface="Calibri Light" panose="020F0302020204030204" pitchFamily="34" charset="0"/>
-                    <a:cs typeface="Calibri Light" panose="020F0302020204030204" pitchFamily="34" charset="0"/>
-                  </a:rPr>
-                  <a:t/>
                 </a:r>
                 <a:br>
                   <a:rPr lang="es-CO" sz="2400" dirty="0">
@@ -6214,18 +6000,8 @@
                     <a:cs typeface="Calibri Light" panose="020F0302020204030204" pitchFamily="34" charset="0"/>
                   </a:rPr>
                 </a:br>
-                <a:r>
-                  <a:rPr lang="es-CO" dirty="0" smtClean="0">
-                    <a:solidFill>
-                      <a:schemeClr val="tx1"/>
-                    </a:solidFill>
-                    <a:latin typeface="Calibri Light" panose="020F0302020204030204" pitchFamily="34" charset="0"/>
-                    <a:cs typeface="Calibri Light" panose="020F0302020204030204" pitchFamily="34" charset="0"/>
-                  </a:rPr>
-                  <a:t/>
-                </a:r>
                 <a:br>
-                  <a:rPr lang="es-CO" dirty="0" smtClean="0">
+                  <a:rPr lang="es-CO" dirty="0">
                     <a:solidFill>
                       <a:schemeClr val="tx1"/>
                     </a:solidFill>
@@ -6885,7 +6661,7 @@
                   </m:oMath>
                 </a14:m>
                 <a:r>
-                  <a:rPr lang="es-CO" sz="2400" dirty="0" smtClean="0">
+                  <a:rPr lang="es-CO" sz="2400" dirty="0">
                     <a:solidFill>
                       <a:schemeClr val="tx1"/>
                     </a:solidFill>
@@ -6895,7 +6671,16 @@
                   <a:t> </a:t>
                 </a:r>
                 <a:br>
-                  <a:rPr lang="es-CO" sz="2400" dirty="0" smtClean="0">
+                  <a:rPr lang="es-CO" sz="2400" dirty="0">
+                    <a:solidFill>
+                      <a:schemeClr val="tx1"/>
+                    </a:solidFill>
+                    <a:latin typeface="Calibri Light" panose="020F0302020204030204" pitchFamily="34" charset="0"/>
+                    <a:cs typeface="Calibri Light" panose="020F0302020204030204" pitchFamily="34" charset="0"/>
+                  </a:rPr>
+                </a:br>
+                <a:br>
+                  <a:rPr lang="es-CO" sz="2400" dirty="0">
                     <a:solidFill>
                       <a:schemeClr val="tx1"/>
                     </a:solidFill>
@@ -6904,26 +6689,7 @@
                   </a:rPr>
                 </a:br>
                 <a:r>
-                  <a:rPr lang="es-CO" sz="2400" dirty="0" smtClean="0">
-                    <a:solidFill>
-                      <a:schemeClr val="tx1"/>
-                    </a:solidFill>
-                    <a:latin typeface="Calibri Light" panose="020F0302020204030204" pitchFamily="34" charset="0"/>
-                    <a:cs typeface="Calibri Light" panose="020F0302020204030204" pitchFamily="34" charset="0"/>
-                  </a:rPr>
-                  <a:t/>
-                </a:r>
-                <a:br>
-                  <a:rPr lang="es-CO" sz="2400" dirty="0" smtClean="0">
-                    <a:solidFill>
-                      <a:schemeClr val="tx1"/>
-                    </a:solidFill>
-                    <a:latin typeface="Calibri Light" panose="020F0302020204030204" pitchFamily="34" charset="0"/>
-                    <a:cs typeface="Calibri Light" panose="020F0302020204030204" pitchFamily="34" charset="0"/>
-                  </a:rPr>
-                </a:br>
-                <a:r>
-                  <a:rPr lang="en-US" sz="2400" dirty="0" err="1" smtClean="0">
+                  <a:rPr lang="en-US" sz="2400" dirty="0" err="1">
                     <a:solidFill>
                       <a:schemeClr val="tx1"/>
                     </a:solidFill>
@@ -6932,7 +6698,7 @@
                   </a:rPr>
                   <a:t>donde</a:t>
                 </a:r>
-                <a:endParaRPr lang="es-CO" sz="2400" dirty="0" smtClean="0">
+                <a:endParaRPr lang="es-CO" sz="2400" dirty="0">
                   <a:solidFill>
                     <a:schemeClr val="tx1"/>
                   </a:solidFill>
@@ -7607,7 +7373,7 @@
                   </m:oMath>
                 </a14:m>
                 <a:r>
-                  <a:rPr lang="es-CO" sz="2400" dirty="0" smtClean="0">
+                  <a:rPr lang="es-CO" sz="2400" dirty="0">
                     <a:solidFill>
                       <a:schemeClr val="tx1"/>
                     </a:solidFill>
@@ -7616,7 +7382,21 @@
                   </a:rPr>
                   <a:t> </a:t>
                 </a:r>
-                <a:endParaRPr lang="es-CO" sz="2400" dirty="0" smtClean="0">
+              </a:p>
+              <a:p>
+                <a:pPr marL="45720" indent="0">
+                  <a:buNone/>
+                </a:pPr>
+                <a:br>
+                  <a:rPr lang="es-CO" dirty="0">
+                    <a:solidFill>
+                      <a:schemeClr val="tx1"/>
+                    </a:solidFill>
+                    <a:latin typeface="Calibri Light" panose="020F0302020204030204" pitchFamily="34" charset="0"/>
+                    <a:cs typeface="Calibri Light" panose="020F0302020204030204" pitchFamily="34" charset="0"/>
+                  </a:rPr>
+                </a:br>
+                <a:endParaRPr lang="es-CO" dirty="0">
                   <a:solidFill>
                     <a:schemeClr val="tx1"/>
                   </a:solidFill>
@@ -7628,38 +7408,7 @@
                 <a:pPr marL="45720" indent="0">
                   <a:buNone/>
                 </a:pPr>
-                <a:r>
-                  <a:rPr lang="es-CO" dirty="0" smtClean="0">
-                    <a:solidFill>
-                      <a:schemeClr val="tx1"/>
-                    </a:solidFill>
-                    <a:latin typeface="Calibri Light" panose="020F0302020204030204" pitchFamily="34" charset="0"/>
-                    <a:cs typeface="Calibri Light" panose="020F0302020204030204" pitchFamily="34" charset="0"/>
-                  </a:rPr>
-                  <a:t/>
-                </a:r>
-                <a:br>
-                  <a:rPr lang="es-CO" dirty="0" smtClean="0">
-                    <a:solidFill>
-                      <a:schemeClr val="tx1"/>
-                    </a:solidFill>
-                    <a:latin typeface="Calibri Light" panose="020F0302020204030204" pitchFamily="34" charset="0"/>
-                    <a:cs typeface="Calibri Light" panose="020F0302020204030204" pitchFamily="34" charset="0"/>
-                  </a:rPr>
-                </a:br>
-                <a:endParaRPr lang="es-CO" dirty="0" smtClean="0">
-                  <a:solidFill>
-                    <a:schemeClr val="tx1"/>
-                  </a:solidFill>
-                  <a:latin typeface="Calibri Light" panose="020F0302020204030204" pitchFamily="34" charset="0"/>
-                  <a:cs typeface="Calibri Light" panose="020F0302020204030204" pitchFamily="34" charset="0"/>
-                </a:endParaRPr>
-              </a:p>
-              <a:p>
-                <a:pPr marL="45720" indent="0">
-                  <a:buNone/>
-                </a:pPr>
-                <a:endParaRPr lang="es-CO" dirty="0" smtClean="0">
+                <a:endParaRPr lang="es-CO" dirty="0">
                   <a:solidFill>
                     <a:schemeClr val="tx1"/>
                   </a:solidFill>
@@ -7682,7 +7431,7 @@
             </p:txBody>
           </p:sp>
         </mc:Choice>
-        <mc:Fallback>
+        <mc:Fallback xmlns="">
           <p:sp>
             <p:nvSpPr>
               <p:cNvPr id="3" name="Content Placeholder 2"/>
@@ -7730,13 +7479,6 @@
   <p:clrMapOvr>
     <a:masterClrMapping/>
   </p:clrMapOvr>
-  <p:timing>
-    <p:tnLst>
-      <p:par>
-        <p:cTn id="1" dur="indefinite" restart="never" nodeType="tmRoot"/>
-      </p:par>
-    </p:tnLst>
-  </p:timing>
 </p:sld>
 </file>
 
@@ -7773,15 +7515,15 @@
           <a:lstStyle/>
           <a:p>
             <a:r>
-              <a:rPr lang="en-US" dirty="0" err="1" smtClean="0"/>
+              <a:rPr lang="en-US" dirty="0" err="1"/>
               <a:t>Teoría</a:t>
             </a:r>
             <a:endParaRPr lang="es-CO" dirty="0"/>
           </a:p>
         </p:txBody>
       </p:sp>
-      <mc:AlternateContent xmlns:mc="http://schemas.openxmlformats.org/markup-compatibility/2006">
-        <mc:Choice xmlns:a14="http://schemas.microsoft.com/office/drawing/2010/main" Requires="a14">
+      <mc:AlternateContent xmlns:mc="http://schemas.openxmlformats.org/markup-compatibility/2006" xmlns:a14="http://schemas.microsoft.com/office/drawing/2010/main">
+        <mc:Choice Requires="a14">
           <p:sp>
             <p:nvSpPr>
               <p:cNvPr id="3" name="Content Placeholder 2"/>
@@ -7808,7 +7550,7 @@
                   <a:buNone/>
                 </a:pPr>
                 <a:r>
-                  <a:rPr lang="en-US" sz="2400" dirty="0" smtClean="0">
+                  <a:rPr lang="en-US" sz="2400" dirty="0">
                     <a:solidFill>
                       <a:schemeClr val="tx1"/>
                     </a:solidFill>
@@ -7818,7 +7560,7 @@
                   <a:t>Lattice </a:t>
                 </a:r>
                 <a:r>
-                  <a:rPr lang="es-CO" dirty="0" err="1" smtClean="0">
+                  <a:rPr lang="es-CO" dirty="0" err="1">
                     <a:solidFill>
                       <a:schemeClr val="tx1"/>
                     </a:solidFill>
@@ -7828,7 +7570,7 @@
                   <a:t>Boltzmann</a:t>
                 </a:r>
                 <a:r>
-                  <a:rPr lang="es-CO" dirty="0" smtClean="0">
+                  <a:rPr lang="es-CO" dirty="0">
                     <a:solidFill>
                       <a:schemeClr val="tx1"/>
                     </a:solidFill>
@@ -7838,7 +7580,7 @@
                   <a:t> de múltiples tiempos de </a:t>
                 </a:r>
                 <a:r>
-                  <a:rPr lang="es-CO" dirty="0" err="1" smtClean="0">
+                  <a:rPr lang="es-CO" dirty="0" err="1">
                     <a:solidFill>
                       <a:schemeClr val="tx1"/>
                     </a:solidFill>
@@ -7848,7 +7590,7 @@
                   <a:t>relajaci</a:t>
                 </a:r>
                 <a:r>
-                  <a:rPr lang="en-US" dirty="0" err="1" smtClean="0">
+                  <a:rPr lang="en-US" dirty="0" err="1">
                     <a:solidFill>
                       <a:schemeClr val="tx1"/>
                     </a:solidFill>
@@ -7858,7 +7600,7 @@
                   <a:t>ón</a:t>
                 </a:r>
                 <a:r>
-                  <a:rPr lang="en-US" dirty="0" smtClean="0">
+                  <a:rPr lang="en-US" dirty="0">
                     <a:solidFill>
                       <a:schemeClr val="tx1"/>
                     </a:solidFill>
@@ -7867,7 +7609,7 @@
                   </a:rPr>
                   <a:t>: </a:t>
                 </a:r>
-                <a:endParaRPr lang="es-CO" dirty="0" smtClean="0">
+                <a:endParaRPr lang="es-CO" dirty="0">
                   <a:solidFill>
                     <a:schemeClr val="tx1"/>
                   </a:solidFill>
@@ -7880,7 +7622,7 @@
                   <a:buNone/>
                 </a:pPr>
                 <a:r>
-                  <a:rPr lang="en-US" dirty="0" err="1" smtClean="0">
+                  <a:rPr lang="en-US" dirty="0" err="1">
                     <a:solidFill>
                       <a:schemeClr val="tx1"/>
                     </a:solidFill>
@@ -7890,7 +7632,7 @@
                   <a:t>Momentos</a:t>
                 </a:r>
                 <a:r>
-                  <a:rPr lang="en-US" dirty="0" smtClean="0">
+                  <a:rPr lang="en-US" dirty="0">
                     <a:solidFill>
                       <a:schemeClr val="tx1"/>
                     </a:solidFill>
@@ -7900,7 +7642,7 @@
                   <a:t>:</a:t>
                 </a:r>
                 <a:br>
-                  <a:rPr lang="en-US" dirty="0" smtClean="0">
+                  <a:rPr lang="en-US" dirty="0">
                     <a:solidFill>
                       <a:schemeClr val="tx1"/>
                     </a:solidFill>
@@ -8379,7 +8121,7 @@
                     </m:oMath>
                   </m:oMathPara>
                 </a14:m>
-                <a:endParaRPr lang="es-CO" dirty="0" smtClean="0">
+                <a:endParaRPr lang="es-CO" dirty="0">
                   <a:solidFill>
                     <a:schemeClr val="tx1"/>
                   </a:solidFill>
@@ -8419,7 +8161,7 @@
                   </m:oMath>
                 </a14:m>
                 <a:r>
-                  <a:rPr lang="es-CO" dirty="0" smtClean="0">
+                  <a:rPr lang="es-CO" dirty="0">
                     <a:solidFill>
                       <a:schemeClr val="tx1"/>
                     </a:solidFill>
@@ -8428,13 +8170,6 @@
                   </a:rPr>
                   <a:t>          densidad</a:t>
                 </a:r>
-                <a:endParaRPr lang="es-CO" dirty="0" smtClean="0">
-                  <a:solidFill>
-                    <a:schemeClr val="tx1"/>
-                  </a:solidFill>
-                  <a:latin typeface="Calibri Light" panose="020F0302020204030204" pitchFamily="34" charset="0"/>
-                  <a:cs typeface="Calibri Light" panose="020F0302020204030204" pitchFamily="34" charset="0"/>
-                </a:endParaRPr>
               </a:p>
               <a:p>
                 <a:pPr marL="45720" indent="0">
@@ -8507,7 +8242,7 @@
                   </m:oMath>
                 </a14:m>
                 <a:r>
-                  <a:rPr lang="es-CO" dirty="0" smtClean="0">
+                  <a:rPr lang="es-CO" dirty="0">
                     <a:solidFill>
                       <a:schemeClr val="tx1"/>
                     </a:solidFill>
@@ -8588,7 +8323,7 @@
                   </m:oMath>
                 </a14:m>
                 <a:r>
-                  <a:rPr lang="es-CO" dirty="0" smtClean="0">
+                  <a:rPr lang="es-CO" dirty="0">
                     <a:solidFill>
                       <a:schemeClr val="tx1"/>
                     </a:solidFill>
@@ -8618,7 +8353,7 @@
                   </m:oMath>
                 </a14:m>
                 <a:r>
-                  <a:rPr lang="es-CO" dirty="0" smtClean="0">
+                  <a:rPr lang="es-CO" dirty="0">
                     <a:solidFill>
                       <a:schemeClr val="tx1"/>
                     </a:solidFill>
@@ -8628,7 +8363,7 @@
                   <a:t>           cuadrado de la </a:t>
                 </a:r>
                 <a:r>
-                  <a:rPr lang="es-CO" dirty="0" err="1" smtClean="0">
+                  <a:rPr lang="es-CO" dirty="0" err="1">
                     <a:solidFill>
                       <a:schemeClr val="tx1"/>
                     </a:solidFill>
@@ -8638,7 +8373,7 @@
                   <a:t>energ</a:t>
                 </a:r>
                 <a:r>
-                  <a:rPr lang="en-US" dirty="0" err="1" smtClean="0">
+                  <a:rPr lang="en-US" dirty="0" err="1">
                     <a:solidFill>
                       <a:schemeClr val="tx1"/>
                     </a:solidFill>
@@ -8647,7 +8382,7 @@
                   </a:rPr>
                   <a:t>ía</a:t>
                 </a:r>
-                <a:endParaRPr lang="en-US" dirty="0" smtClean="0">
+                <a:endParaRPr lang="en-US" dirty="0">
                   <a:solidFill>
                     <a:schemeClr val="tx1"/>
                   </a:solidFill>
@@ -8675,7 +8410,7 @@
                   </m:oMath>
                 </a14:m>
                 <a:r>
-                  <a:rPr lang="es-CO" dirty="0" smtClean="0">
+                  <a:rPr lang="es-CO" dirty="0">
                     <a:solidFill>
                       <a:schemeClr val="tx1"/>
                     </a:solidFill>
@@ -8756,7 +8491,7 @@
                   </m:oMath>
                 </a14:m>
                 <a:r>
-                  <a:rPr lang="es-CO" dirty="0" smtClean="0">
+                  <a:rPr lang="es-CO" dirty="0">
                     <a:solidFill>
                       <a:schemeClr val="tx1"/>
                     </a:solidFill>
@@ -8765,18 +8500,11 @@
                   </a:rPr>
                   <a:t>  tensor de estrés</a:t>
                 </a:r>
-                <a:endParaRPr lang="es-CO" dirty="0">
-                  <a:solidFill>
-                    <a:schemeClr val="tx1"/>
-                  </a:solidFill>
-                  <a:latin typeface="Calibri Light" panose="020F0302020204030204" pitchFamily="34" charset="0"/>
-                  <a:cs typeface="Calibri Light" panose="020F0302020204030204" pitchFamily="34" charset="0"/>
-                </a:endParaRPr>
               </a:p>
             </p:txBody>
           </p:sp>
         </mc:Choice>
-        <mc:Fallback>
+        <mc:Fallback xmlns="">
           <p:sp>
             <p:nvSpPr>
               <p:cNvPr id="3" name="Content Placeholder 2"/>
@@ -8824,7 +8552,7 @@
             </p:nvSpPr>
             <p:spPr>
               <a:xfrm>
-                <a:off x="7083735" y="3127725"/>
+                <a:off x="7108902" y="3077391"/>
                 <a:ext cx="1682127" cy="461665"/>
               </a:xfrm>
               <a:prstGeom prst="rect">
@@ -8837,6 +8565,7 @@
               </a:bodyPr>
               <a:lstStyle/>
               <a:p>
+                <a:pPr/>
                 <a14:m>
                   <m:oMathPara xmlns:m="http://schemas.openxmlformats.org/officeDocument/2006/math">
                     <m:oMathParaPr>
@@ -8938,13 +8667,13 @@
             </p:nvSpPr>
             <p:spPr>
               <a:xfrm>
-                <a:off x="7083735" y="3127725"/>
+                <a:off x="7108902" y="3077391"/>
                 <a:ext cx="1682127" cy="461665"/>
               </a:xfrm>
               <a:prstGeom prst="rect">
                 <a:avLst/>
               </a:prstGeom>
-              <a:blipFill rotWithShape="0">
+              <a:blipFill>
                 <a:blip r:embed="rId3"/>
                 <a:stretch>
                   <a:fillRect l="-9783" t="-130263" r="-36594" b="-194737"/>
@@ -8976,7 +8705,7 @@
             </p:nvSpPr>
             <p:spPr>
               <a:xfrm>
-                <a:off x="9217731" y="3124597"/>
+                <a:off x="9242898" y="3074263"/>
                 <a:ext cx="1988237" cy="461665"/>
               </a:xfrm>
               <a:prstGeom prst="rect">
@@ -8989,6 +8718,7 @@
               </a:bodyPr>
               <a:lstStyle/>
               <a:p>
+                <a:pPr/>
                 <a14:m>
                   <m:oMathPara xmlns:m="http://schemas.openxmlformats.org/officeDocument/2006/math">
                     <m:oMathParaPr>
@@ -9113,16 +8843,16 @@
             </p:nvSpPr>
             <p:spPr>
               <a:xfrm>
-                <a:off x="9217731" y="3124597"/>
+                <a:off x="9242898" y="3074263"/>
                 <a:ext cx="1988237" cy="461665"/>
               </a:xfrm>
               <a:prstGeom prst="rect">
                 <a:avLst/>
               </a:prstGeom>
-              <a:blipFill rotWithShape="0">
+              <a:blipFill>
                 <a:blip r:embed="rId4"/>
                 <a:stretch>
-                  <a:fillRect l="-8282" t="-132000" r="-31288" b="-198667"/>
+                  <a:fillRect l="-8282" t="-130263" r="-31288" b="-194737"/>
                 </a:stretch>
               </a:blipFill>
             </p:spPr>
@@ -9152,7 +8882,7 @@
             <p:spPr>
               <a:xfrm>
                 <a:off x="5418050" y="3783984"/>
-                <a:ext cx="6229462" cy="2367892"/>
+                <a:ext cx="6190990" cy="2448812"/>
               </a:xfrm>
               <a:prstGeom prst="rect">
                 <a:avLst/>
@@ -9165,19 +8895,19 @@
               <a:lstStyle/>
               <a:p>
                 <a:r>
-                  <a:rPr lang="en-US" sz="2200" dirty="0" smtClean="0">
+                  <a:rPr lang="en-US" sz="2200" dirty="0">
                     <a:cs typeface="Calibri Light" panose="020F0302020204030204" pitchFamily="34" charset="0"/>
                   </a:rPr>
                   <a:t>d</a:t>
                 </a:r>
                 <a:r>
-                  <a:rPr lang="en-US" sz="2200" dirty="0" err="1" smtClean="0">
+                  <a:rPr lang="en-US" sz="2200" dirty="0" err="1">
                     <a:cs typeface="Calibri Light" panose="020F0302020204030204" pitchFamily="34" charset="0"/>
                   </a:rPr>
                   <a:t>onde</a:t>
                 </a:r>
                 <a:r>
-                  <a:rPr lang="en-US" dirty="0" smtClean="0">
+                  <a:rPr lang="en-US" sz="2200" dirty="0">
                     <a:cs typeface="Calibri Light" panose="020F0302020204030204" pitchFamily="34" charset="0"/>
                   </a:rPr>
                   <a:t> </a:t>
@@ -9185,14 +8915,21 @@
                 <a14:m>
                   <m:oMath xmlns:m="http://schemas.openxmlformats.org/officeDocument/2006/math">
                     <m:r>
-                      <a:rPr lang="en-US" b="0" i="1" smtClean="0">
+                      <a:rPr lang="en-US" b="0" i="0" smtClean="0">
+                        <a:latin typeface="Cambria Math" panose="02040503050406030204" pitchFamily="18" charset="0"/>
+                        <a:cs typeface="Calibri Light" panose="020F0302020204030204" pitchFamily="34" charset="0"/>
+                      </a:rPr>
+                      <m:t> </m:t>
+                    </m:r>
+                    <m:r>
+                      <a:rPr lang="en-US" i="1">
                         <a:latin typeface="Cambria Math" panose="02040503050406030204" pitchFamily="18" charset="0"/>
                         <a:cs typeface="Calibri Light" panose="020F0302020204030204" pitchFamily="34" charset="0"/>
                       </a:rPr>
                       <m:t>𝑀</m:t>
                     </m:r>
                     <m:r>
-                      <a:rPr lang="en-US" b="0" i="1" smtClean="0">
+                      <a:rPr lang="en-US" i="1">
                         <a:latin typeface="Cambria Math" panose="02040503050406030204" pitchFamily="18" charset="0"/>
                         <a:cs typeface="Calibri Light" panose="020F0302020204030204" pitchFamily="34" charset="0"/>
                       </a:rPr>
@@ -9201,1050 +8938,873 @@
                     <m:d>
                       <m:dPr>
                         <m:ctrlPr>
-                          <a:rPr lang="en-US" b="0" i="1" smtClean="0">
+                          <a:rPr lang="en-US" i="1">
                             <a:latin typeface="Cambria Math" panose="02040503050406030204" pitchFamily="18" charset="0"/>
                             <a:cs typeface="Calibri Light" panose="020F0302020204030204" pitchFamily="34" charset="0"/>
                           </a:rPr>
                         </m:ctrlPr>
                       </m:dPr>
                       <m:e>
-                        <m:eqArr>
-                          <m:eqArrPr>
+                        <m:m>
+                          <m:mPr>
+                            <m:mcs>
+                              <m:mc>
+                                <m:mcPr>
+                                  <m:count m:val="3"/>
+                                  <m:mcJc m:val="center"/>
+                                </m:mcPr>
+                              </m:mc>
+                            </m:mcs>
                             <m:ctrlPr>
-                              <a:rPr lang="en-US" b="0" i="1" smtClean="0">
+                              <a:rPr lang="en-US" i="1">
                                 <a:latin typeface="Cambria Math" panose="02040503050406030204" pitchFamily="18" charset="0"/>
                                 <a:cs typeface="Calibri Light" panose="020F0302020204030204" pitchFamily="34" charset="0"/>
                               </a:rPr>
                             </m:ctrlPr>
-                          </m:eqArrPr>
-                          <m:e>
-                            <m:m>
-                              <m:mPr>
-                                <m:mcs>
-                                  <m:mc>
-                                    <m:mcPr>
-                                      <m:count m:val="3"/>
-                                      <m:mcJc m:val="center"/>
-                                    </m:mcPr>
-                                  </m:mc>
-                                </m:mcs>
-                                <m:ctrlPr>
-                                  <a:rPr lang="en-US" b="0" i="1" smtClean="0">
-                                    <a:latin typeface="Cambria Math" panose="02040503050406030204" pitchFamily="18" charset="0"/>
-                                    <a:cs typeface="Calibri Light" panose="020F0302020204030204" pitchFamily="34" charset="0"/>
-                                  </a:rPr>
-                                </m:ctrlPr>
-                              </m:mPr>
-                              <m:mr>
-                                <m:e>
-                                  <m:r>
-                                    <m:rPr>
-                                      <m:brk m:alnAt="7"/>
-                                    </m:rPr>
-                                    <a:rPr lang="en-US" b="0" i="1" smtClean="0">
-                                      <a:latin typeface="Cambria Math" panose="02040503050406030204" pitchFamily="18" charset="0"/>
-                                      <a:cs typeface="Calibri Light" panose="020F0302020204030204" pitchFamily="34" charset="0"/>
-                                    </a:rPr>
-                                    <m:t>1</m:t>
-                                  </m:r>
-                                </m:e>
-                                <m:e>
-                                  <m:r>
-                                    <a:rPr lang="en-US" b="0" i="1" smtClean="0">
-                                      <a:latin typeface="Cambria Math" panose="02040503050406030204" pitchFamily="18" charset="0"/>
-                                      <a:cs typeface="Calibri Light" panose="020F0302020204030204" pitchFamily="34" charset="0"/>
-                                    </a:rPr>
-                                    <m:t>1</m:t>
-                                  </m:r>
-                                </m:e>
-                                <m:e>
-                                  <m:r>
-                                    <a:rPr lang="en-US" b="0" i="1" smtClean="0">
-                                      <a:latin typeface="Cambria Math" panose="02040503050406030204" pitchFamily="18" charset="0"/>
-                                      <a:cs typeface="Calibri Light" panose="020F0302020204030204" pitchFamily="34" charset="0"/>
-                                    </a:rPr>
-                                    <m:t>1</m:t>
-                                  </m:r>
-                                </m:e>
-                              </m:mr>
-                              <m:mr>
-                                <m:e>
-                                  <m:r>
-                                    <a:rPr lang="en-US" b="0" i="1" smtClean="0">
-                                      <a:latin typeface="Cambria Math" panose="02040503050406030204" pitchFamily="18" charset="0"/>
-                                      <a:cs typeface="Calibri Light" panose="020F0302020204030204" pitchFamily="34" charset="0"/>
-                                    </a:rPr>
-                                    <m:t>0</m:t>
-                                  </m:r>
-                                </m:e>
-                                <m:e>
-                                  <m:r>
-                                    <a:rPr lang="en-US" b="0" i="1" smtClean="0">
-                                      <a:latin typeface="Cambria Math" panose="02040503050406030204" pitchFamily="18" charset="0"/>
-                                      <a:cs typeface="Calibri Light" panose="020F0302020204030204" pitchFamily="34" charset="0"/>
-                                    </a:rPr>
-                                    <m:t>1</m:t>
-                                  </m:r>
-                                </m:e>
-                                <m:e>
-                                  <m:r>
-                                    <a:rPr lang="en-US" b="0" i="1" smtClean="0">
-                                      <a:latin typeface="Cambria Math" panose="02040503050406030204" pitchFamily="18" charset="0"/>
-                                      <a:cs typeface="Calibri Light" panose="020F0302020204030204" pitchFamily="34" charset="0"/>
-                                    </a:rPr>
-                                    <m:t>1</m:t>
-                                  </m:r>
-                                </m:e>
-                              </m:mr>
-                              <m:mr>
-                                <m:e>
-                                  <m:r>
-                                    <a:rPr lang="en-US" b="0" i="1" smtClean="0">
-                                      <a:latin typeface="Cambria Math" panose="02040503050406030204" pitchFamily="18" charset="0"/>
-                                      <a:cs typeface="Calibri Light" panose="020F0302020204030204" pitchFamily="34" charset="0"/>
-                                    </a:rPr>
-                                    <m:t>0</m:t>
-                                  </m:r>
-                                </m:e>
-                                <m:e>
-                                  <m:r>
-                                    <a:rPr lang="en-US" b="0" i="1" smtClean="0">
-                                      <a:latin typeface="Cambria Math" panose="02040503050406030204" pitchFamily="18" charset="0"/>
-                                      <a:cs typeface="Calibri Light" panose="020F0302020204030204" pitchFamily="34" charset="0"/>
-                                    </a:rPr>
-                                    <m:t>0</m:t>
-                                  </m:r>
-                                </m:e>
-                                <m:e>
-                                  <m:r>
-                                    <a:rPr lang="en-US" b="0" i="1" smtClean="0">
-                                      <a:latin typeface="Cambria Math" panose="02040503050406030204" pitchFamily="18" charset="0"/>
-                                      <a:cs typeface="Calibri Light" panose="020F0302020204030204" pitchFamily="34" charset="0"/>
-                                    </a:rPr>
-                                    <m:t>1</m:t>
-                                  </m:r>
-                                </m:e>
-                              </m:mr>
-                            </m:m>
-                            <m:r>
-                              <a:rPr lang="en-US" b="0" i="1" smtClean="0">
+                          </m:mPr>
+                          <m:mr>
+                            <m:e>
+                              <m:r>
+                                <m:rPr>
+                                  <m:brk m:alnAt="7"/>
+                                </m:rPr>
+                                <a:rPr lang="en-US" i="1">
+                                  <a:latin typeface="Cambria Math" panose="02040503050406030204" pitchFamily="18" charset="0"/>
+                                  <a:cs typeface="Calibri Light" panose="020F0302020204030204" pitchFamily="34" charset="0"/>
+                                </a:rPr>
+                                <m:t>1</m:t>
+                              </m:r>
+                            </m:e>
+                            <m:e>
+                              <m:r>
+                                <a:rPr lang="en-US" i="1">
+                                  <a:latin typeface="Cambria Math" panose="02040503050406030204" pitchFamily="18" charset="0"/>
+                                  <a:cs typeface="Calibri Light" panose="020F0302020204030204" pitchFamily="34" charset="0"/>
+                                </a:rPr>
+                                <m:t>1</m:t>
+                              </m:r>
+                            </m:e>
+                            <m:e>
+                              <m:r>
+                                <a:rPr lang="en-US" i="1">
+                                  <a:latin typeface="Cambria Math" panose="02040503050406030204" pitchFamily="18" charset="0"/>
+                                  <a:cs typeface="Calibri Light" panose="020F0302020204030204" pitchFamily="34" charset="0"/>
+                                </a:rPr>
+                                <m:t>1</m:t>
+                              </m:r>
+                            </m:e>
+                          </m:mr>
+                          <m:mr>
+                            <m:e>
+                              <m:r>
+                                <a:rPr lang="en-US" i="1">
+                                  <a:latin typeface="Cambria Math" panose="02040503050406030204" pitchFamily="18" charset="0"/>
+                                  <a:cs typeface="Calibri Light" panose="020F0302020204030204" pitchFamily="34" charset="0"/>
+                                </a:rPr>
+                                <m:t>0</m:t>
+                              </m:r>
+                            </m:e>
+                            <m:e>
+                              <m:r>
+                                <a:rPr lang="en-US" i="1">
+                                  <a:latin typeface="Cambria Math" panose="02040503050406030204" pitchFamily="18" charset="0"/>
+                                  <a:cs typeface="Calibri Light" panose="020F0302020204030204" pitchFamily="34" charset="0"/>
+                                </a:rPr>
+                                <m:t>1</m:t>
+                              </m:r>
+                            </m:e>
+                            <m:e>
+                              <m:r>
+                                <a:rPr lang="en-US" i="1">
+                                  <a:latin typeface="Cambria Math" panose="02040503050406030204" pitchFamily="18" charset="0"/>
+                                  <a:cs typeface="Calibri Light" panose="020F0302020204030204" pitchFamily="34" charset="0"/>
+                                </a:rPr>
+                                <m:t>1</m:t>
+                              </m:r>
+                            </m:e>
+                          </m:mr>
+                          <m:mr>
+                            <m:e>
+                              <m:r>
+                                <a:rPr lang="en-US" i="1">
+                                  <a:latin typeface="Cambria Math" panose="02040503050406030204" pitchFamily="18" charset="0"/>
+                                  <a:cs typeface="Calibri Light" panose="020F0302020204030204" pitchFamily="34" charset="0"/>
+                                </a:rPr>
+                                <m:t>0</m:t>
+                              </m:r>
+                            </m:e>
+                            <m:e>
+                              <m:r>
+                                <a:rPr lang="en-US" i="1">
+                                  <a:latin typeface="Cambria Math" panose="02040503050406030204" pitchFamily="18" charset="0"/>
+                                  <a:cs typeface="Calibri Light" panose="020F0302020204030204" pitchFamily="34" charset="0"/>
+                                </a:rPr>
+                                <m:t>0</m:t>
+                              </m:r>
+                            </m:e>
+                            <m:e>
+                              <m:r>
+                                <a:rPr lang="en-US" i="1">
+                                  <a:latin typeface="Cambria Math" panose="02040503050406030204" pitchFamily="18" charset="0"/>
+                                  <a:cs typeface="Calibri Light" panose="020F0302020204030204" pitchFamily="34" charset="0"/>
+                                </a:rPr>
+                                <m:t>1</m:t>
+                              </m:r>
+                            </m:e>
+                          </m:mr>
+                          <m:mr>
+                            <m:e>
+                              <m:r>
+                                <a:rPr lang="en-US" i="1">
+                                  <a:latin typeface="Cambria Math" panose="02040503050406030204" pitchFamily="18" charset="0"/>
+                                  <a:cs typeface="Calibri Light" panose="020F0302020204030204" pitchFamily="34" charset="0"/>
+                                </a:rPr>
+                                <m:t>0</m:t>
+                              </m:r>
+                            </m:e>
+                            <m:e>
+                              <m:r>
+                                <a:rPr lang="en-US" i="1">
+                                  <a:latin typeface="Cambria Math" panose="02040503050406030204" pitchFamily="18" charset="0"/>
+                                  <a:cs typeface="Calibri Light" panose="020F0302020204030204" pitchFamily="34" charset="0"/>
+                                </a:rPr>
+                                <m:t>−2</m:t>
+                              </m:r>
+                            </m:e>
+                            <m:e>
+                              <m:r>
+                                <a:rPr lang="en-US" i="1">
+                                  <a:latin typeface="Cambria Math" panose="02040503050406030204" pitchFamily="18" charset="0"/>
+                                  <a:cs typeface="Calibri Light" panose="020F0302020204030204" pitchFamily="34" charset="0"/>
+                                </a:rPr>
+                                <m:t>1</m:t>
+                              </m:r>
+                            </m:e>
+                          </m:mr>
+                          <m:mr>
+                            <m:e>
+                              <m:r>
+                                <a:rPr lang="en-US" i="1">
+                                  <a:latin typeface="Cambria Math" panose="02040503050406030204" pitchFamily="18" charset="0"/>
+                                  <a:cs typeface="Calibri Light" panose="020F0302020204030204" pitchFamily="34" charset="0"/>
+                                </a:rPr>
+                                <m:t>0</m:t>
+                              </m:r>
+                            </m:e>
+                            <m:e>
+                              <m:r>
+                                <a:rPr lang="en-US" i="1">
+                                  <a:latin typeface="Cambria Math" panose="02040503050406030204" pitchFamily="18" charset="0"/>
+                                  <a:cs typeface="Calibri Light" panose="020F0302020204030204" pitchFamily="34" charset="0"/>
+                                </a:rPr>
+                                <m:t>0</m:t>
+                              </m:r>
+                            </m:e>
+                            <m:e>
+                              <m:r>
+                                <a:rPr lang="en-US" i="1">
+                                  <a:latin typeface="Cambria Math" panose="02040503050406030204" pitchFamily="18" charset="0"/>
+                                  <a:cs typeface="Calibri Light" panose="020F0302020204030204" pitchFamily="34" charset="0"/>
+                                </a:rPr>
+                                <m:t>1</m:t>
+                              </m:r>
+                            </m:e>
+                          </m:mr>
+                          <m:mr>
+                            <m:e>
+                              <m:r>
+                                <a:rPr lang="en-US" i="1">
+                                  <a:latin typeface="Cambria Math" panose="02040503050406030204" pitchFamily="18" charset="0"/>
+                                  <a:cs typeface="Calibri Light" panose="020F0302020204030204" pitchFamily="34" charset="0"/>
+                                </a:rPr>
+                                <m:t>4</m:t>
+                              </m:r>
+                            </m:e>
+                            <m:e>
+                              <m:r>
+                                <a:rPr lang="en-US" i="1">
+                                  <a:latin typeface="Cambria Math" panose="02040503050406030204" pitchFamily="18" charset="0"/>
+                                  <a:cs typeface="Calibri Light" panose="020F0302020204030204" pitchFamily="34" charset="0"/>
+                                </a:rPr>
+                                <m:t>−2</m:t>
+                              </m:r>
+                            </m:e>
+                            <m:e>
+                              <m:r>
+                                <a:rPr lang="en-US" i="1">
+                                  <a:latin typeface="Cambria Math" panose="02040503050406030204" pitchFamily="18" charset="0"/>
+                                  <a:cs typeface="Calibri Light" panose="020F0302020204030204" pitchFamily="34" charset="0"/>
+                                </a:rPr>
+                                <m:t>1</m:t>
+                              </m:r>
+                            </m:e>
+                          </m:mr>
+                          <m:mr>
+                            <m:e>
+                              <m:r>
+                                <a:rPr lang="en-US" i="1">
+                                  <a:latin typeface="Cambria Math" panose="02040503050406030204" pitchFamily="18" charset="0"/>
+                                  <a:cs typeface="Calibri Light" panose="020F0302020204030204" pitchFamily="34" charset="0"/>
+                                </a:rPr>
+                                <m:t>−4</m:t>
+                              </m:r>
+                            </m:e>
+                            <m:e>
+                              <m:r>
+                                <a:rPr lang="en-US" i="1">
+                                  <a:latin typeface="Cambria Math" panose="02040503050406030204" pitchFamily="18" charset="0"/>
+                                  <a:cs typeface="Calibri Light" panose="020F0302020204030204" pitchFamily="34" charset="0"/>
+                                </a:rPr>
+                                <m:t>−1</m:t>
+                              </m:r>
+                            </m:e>
+                            <m:e>
+                              <m:r>
+                                <a:rPr lang="en-US" i="1">
+                                  <a:latin typeface="Cambria Math" panose="02040503050406030204" pitchFamily="18" charset="0"/>
+                                  <a:cs typeface="Calibri Light" panose="020F0302020204030204" pitchFamily="34" charset="0"/>
+                                </a:rPr>
+                                <m:t>2</m:t>
+                              </m:r>
+                            </m:e>
+                          </m:mr>
+                          <m:mr>
+                            <m:e>
+                              <m:r>
+                                <a:rPr lang="en-US" i="1">
+                                  <a:latin typeface="Cambria Math" panose="02040503050406030204" pitchFamily="18" charset="0"/>
+                                  <a:cs typeface="Calibri Light" panose="020F0302020204030204" pitchFamily="34" charset="0"/>
+                                </a:rPr>
+                                <m:t>0</m:t>
+                              </m:r>
+                            </m:e>
+                            <m:e>
+                              <m:r>
+                                <a:rPr lang="en-US" i="1">
+                                  <a:latin typeface="Cambria Math" panose="02040503050406030204" pitchFamily="18" charset="0"/>
+                                  <a:cs typeface="Calibri Light" panose="020F0302020204030204" pitchFamily="34" charset="0"/>
+                                </a:rPr>
+                                <m:t>1</m:t>
+                              </m:r>
+                            </m:e>
+                            <m:e>
+                              <m:r>
+                                <a:rPr lang="en-US" i="1">
+                                  <a:latin typeface="Cambria Math" panose="02040503050406030204" pitchFamily="18" charset="0"/>
+                                  <a:cs typeface="Calibri Light" panose="020F0302020204030204" pitchFamily="34" charset="0"/>
+                                </a:rPr>
+                                <m:t>0</m:t>
+                              </m:r>
+                            </m:e>
+                          </m:mr>
+                          <m:mr>
+                            <m:e>
+                              <m:r>
+                                <a:rPr lang="en-US" i="1">
+                                  <a:latin typeface="Cambria Math" panose="02040503050406030204" pitchFamily="18" charset="0"/>
+                                  <a:cs typeface="Calibri Light" panose="020F0302020204030204" pitchFamily="34" charset="0"/>
+                                </a:rPr>
+                                <m:t>0</m:t>
+                              </m:r>
+                            </m:e>
+                            <m:e>
+                              <m:r>
+                                <a:rPr lang="en-US" i="1">
+                                  <a:latin typeface="Cambria Math" panose="02040503050406030204" pitchFamily="18" charset="0"/>
+                                  <a:cs typeface="Calibri Light" panose="020F0302020204030204" pitchFamily="34" charset="0"/>
+                                </a:rPr>
+                                <m:t>0</m:t>
+                              </m:r>
+                            </m:e>
+                            <m:e>
+                              <m:r>
+                                <a:rPr lang="en-US" i="1">
+                                  <a:latin typeface="Cambria Math" panose="02040503050406030204" pitchFamily="18" charset="0"/>
+                                  <a:cs typeface="Calibri Light" panose="020F0302020204030204" pitchFamily="34" charset="0"/>
+                                </a:rPr>
+                                <m:t>1</m:t>
+                              </m:r>
+                            </m:e>
+                          </m:mr>
+                        </m:m>
+                        <m:r>
+                          <a:rPr lang="en-US" i="1">
+                            <a:latin typeface="Cambria Math" panose="02040503050406030204" pitchFamily="18" charset="0"/>
+                            <a:cs typeface="Calibri Light" panose="020F0302020204030204" pitchFamily="34" charset="0"/>
+                          </a:rPr>
+                          <m:t>      </m:t>
+                        </m:r>
+                        <m:m>
+                          <m:mPr>
+                            <m:mcs>
+                              <m:mc>
+                                <m:mcPr>
+                                  <m:count m:val="3"/>
+                                  <m:mcJc m:val="center"/>
+                                </m:mcPr>
+                              </m:mc>
+                            </m:mcs>
+                            <m:ctrlPr>
+                              <a:rPr lang="en-US" i="1">
                                 <a:latin typeface="Cambria Math" panose="02040503050406030204" pitchFamily="18" charset="0"/>
                                 <a:cs typeface="Calibri Light" panose="020F0302020204030204" pitchFamily="34" charset="0"/>
                               </a:rPr>
-                              <m:t>      </m:t>
-                            </m:r>
-                            <m:m>
-                              <m:mPr>
-                                <m:mcs>
-                                  <m:mc>
-                                    <m:mcPr>
-                                      <m:count m:val="3"/>
-                                      <m:mcJc m:val="center"/>
-                                    </m:mcPr>
-                                  </m:mc>
-                                </m:mcs>
-                                <m:ctrlPr>
-                                  <a:rPr lang="en-US" b="0" i="1" smtClean="0">
-                                    <a:latin typeface="Cambria Math" panose="02040503050406030204" pitchFamily="18" charset="0"/>
-                                    <a:cs typeface="Calibri Light" panose="020F0302020204030204" pitchFamily="34" charset="0"/>
-                                  </a:rPr>
-                                </m:ctrlPr>
-                              </m:mPr>
-                              <m:mr>
-                                <m:e>
-                                  <m:r>
-                                    <m:rPr>
-                                      <m:brk m:alnAt="7"/>
-                                    </m:rPr>
-                                    <a:rPr lang="en-US" b="0" i="1" smtClean="0">
-                                      <a:latin typeface="Cambria Math" panose="02040503050406030204" pitchFamily="18" charset="0"/>
-                                      <a:cs typeface="Calibri Light" panose="020F0302020204030204" pitchFamily="34" charset="0"/>
-                                    </a:rPr>
-                                    <m:t>1</m:t>
-                                  </m:r>
-                                </m:e>
-                                <m:e>
-                                  <m:r>
-                                    <a:rPr lang="en-US" b="0" i="1" smtClean="0">
-                                      <a:latin typeface="Cambria Math" panose="02040503050406030204" pitchFamily="18" charset="0"/>
-                                      <a:cs typeface="Calibri Light" panose="020F0302020204030204" pitchFamily="34" charset="0"/>
-                                    </a:rPr>
-                                    <m:t>1</m:t>
-                                  </m:r>
-                                </m:e>
-                                <m:e>
-                                  <m:r>
-                                    <a:rPr lang="en-US" b="0" i="1" smtClean="0">
-                                      <a:latin typeface="Cambria Math" panose="02040503050406030204" pitchFamily="18" charset="0"/>
-                                      <a:cs typeface="Calibri Light" panose="020F0302020204030204" pitchFamily="34" charset="0"/>
-                                    </a:rPr>
-                                    <m:t>1</m:t>
-                                  </m:r>
-                                </m:e>
-                              </m:mr>
-                              <m:mr>
-                                <m:e>
-                                  <m:r>
-                                    <a:rPr lang="en-US" b="0" i="1" smtClean="0">
-                                      <a:latin typeface="Cambria Math" panose="02040503050406030204" pitchFamily="18" charset="0"/>
-                                      <a:cs typeface="Calibri Light" panose="020F0302020204030204" pitchFamily="34" charset="0"/>
-                                    </a:rPr>
-                                    <m:t>0</m:t>
-                                  </m:r>
-                                </m:e>
-                                <m:e>
-                                  <m:r>
-                                    <a:rPr lang="en-US" b="0" i="1" smtClean="0">
-                                      <a:latin typeface="Cambria Math" panose="02040503050406030204" pitchFamily="18" charset="0"/>
-                                      <a:cs typeface="Calibri Light" panose="020F0302020204030204" pitchFamily="34" charset="0"/>
-                                    </a:rPr>
-                                    <m:t>−1</m:t>
-                                  </m:r>
-                                </m:e>
-                                <m:e>
-                                  <m:r>
-                                    <a:rPr lang="en-US" b="0" i="1" smtClean="0">
-                                      <a:latin typeface="Cambria Math" panose="02040503050406030204" pitchFamily="18" charset="0"/>
-                                      <a:cs typeface="Calibri Light" panose="020F0302020204030204" pitchFamily="34" charset="0"/>
-                                    </a:rPr>
-                                    <m:t>−1</m:t>
-                                  </m:r>
-                                </m:e>
-                              </m:mr>
-                              <m:mr>
-                                <m:e>
-                                  <m:r>
-                                    <a:rPr lang="en-US" b="0" i="1" smtClean="0">
-                                      <a:latin typeface="Cambria Math" panose="02040503050406030204" pitchFamily="18" charset="0"/>
-                                      <a:cs typeface="Calibri Light" panose="020F0302020204030204" pitchFamily="34" charset="0"/>
-                                    </a:rPr>
-                                    <m:t>1</m:t>
-                                  </m:r>
-                                </m:e>
-                                <m:e>
-                                  <m:r>
-                                    <a:rPr lang="en-US" b="0" i="1" smtClean="0">
-                                      <a:latin typeface="Cambria Math" panose="02040503050406030204" pitchFamily="18" charset="0"/>
-                                      <a:cs typeface="Calibri Light" panose="020F0302020204030204" pitchFamily="34" charset="0"/>
-                                    </a:rPr>
-                                    <m:t>1</m:t>
-                                  </m:r>
-                                </m:e>
-                                <m:e>
-                                  <m:r>
-                                    <a:rPr lang="en-US" b="0" i="1" smtClean="0">
-                                      <a:latin typeface="Cambria Math" panose="02040503050406030204" pitchFamily="18" charset="0"/>
-                                      <a:cs typeface="Calibri Light" panose="020F0302020204030204" pitchFamily="34" charset="0"/>
-                                    </a:rPr>
-                                    <m:t>0</m:t>
-                                  </m:r>
-                                </m:e>
-                              </m:mr>
-                            </m:m>
-                            <m:r>
-                              <a:rPr lang="en-US" b="0" i="1" smtClean="0">
+                            </m:ctrlPr>
+                          </m:mPr>
+                          <m:mr>
+                            <m:e>
+                              <m:r>
+                                <m:rPr>
+                                  <m:brk m:alnAt="7"/>
+                                </m:rPr>
+                                <a:rPr lang="en-US" i="1">
+                                  <a:latin typeface="Cambria Math" panose="02040503050406030204" pitchFamily="18" charset="0"/>
+                                  <a:cs typeface="Calibri Light" panose="020F0302020204030204" pitchFamily="34" charset="0"/>
+                                </a:rPr>
+                                <m:t>1</m:t>
+                              </m:r>
+                            </m:e>
+                            <m:e>
+                              <m:r>
+                                <a:rPr lang="en-US" i="1">
+                                  <a:latin typeface="Cambria Math" panose="02040503050406030204" pitchFamily="18" charset="0"/>
+                                  <a:cs typeface="Calibri Light" panose="020F0302020204030204" pitchFamily="34" charset="0"/>
+                                </a:rPr>
+                                <m:t>1</m:t>
+                              </m:r>
+                            </m:e>
+                            <m:e>
+                              <m:r>
+                                <a:rPr lang="en-US" i="1">
+                                  <a:latin typeface="Cambria Math" panose="02040503050406030204" pitchFamily="18" charset="0"/>
+                                  <a:cs typeface="Calibri Light" panose="020F0302020204030204" pitchFamily="34" charset="0"/>
+                                </a:rPr>
+                                <m:t>1</m:t>
+                              </m:r>
+                            </m:e>
+                          </m:mr>
+                          <m:mr>
+                            <m:e>
+                              <m:r>
+                                <a:rPr lang="en-US" i="1">
+                                  <a:latin typeface="Cambria Math" panose="02040503050406030204" pitchFamily="18" charset="0"/>
+                                  <a:cs typeface="Calibri Light" panose="020F0302020204030204" pitchFamily="34" charset="0"/>
+                                </a:rPr>
+                                <m:t>1</m:t>
+                              </m:r>
+                            </m:e>
+                            <m:e>
+                              <m:r>
+                                <a:rPr lang="en-US" i="1">
+                                  <a:latin typeface="Cambria Math" panose="02040503050406030204" pitchFamily="18" charset="0"/>
+                                  <a:cs typeface="Calibri Light" panose="020F0302020204030204" pitchFamily="34" charset="0"/>
+                                </a:rPr>
+                                <m:t>0</m:t>
+                              </m:r>
+                            </m:e>
+                            <m:e>
+                              <m:r>
+                                <a:rPr lang="en-US" i="1">
+                                  <a:latin typeface="Cambria Math" panose="02040503050406030204" pitchFamily="18" charset="0"/>
+                                  <a:cs typeface="Calibri Light" panose="020F0302020204030204" pitchFamily="34" charset="0"/>
+                                </a:rPr>
+                                <m:t>−1</m:t>
+                              </m:r>
+                            </m:e>
+                          </m:mr>
+                          <m:mr>
+                            <m:e>
+                              <m:r>
+                                <a:rPr lang="en-US" i="1">
+                                  <a:latin typeface="Cambria Math" panose="02040503050406030204" pitchFamily="18" charset="0"/>
+                                  <a:cs typeface="Calibri Light" panose="020F0302020204030204" pitchFamily="34" charset="0"/>
+                                </a:rPr>
+                                <m:t>1</m:t>
+                              </m:r>
+                            </m:e>
+                            <m:e>
+                              <m:r>
+                                <a:rPr lang="en-US" i="1">
+                                  <a:latin typeface="Cambria Math" panose="02040503050406030204" pitchFamily="18" charset="0"/>
+                                  <a:cs typeface="Calibri Light" panose="020F0302020204030204" pitchFamily="34" charset="0"/>
+                                </a:rPr>
+                                <m:t>1</m:t>
+                              </m:r>
+                            </m:e>
+                            <m:e>
+                              <m:r>
+                                <a:rPr lang="en-US" i="1">
+                                  <a:latin typeface="Cambria Math" panose="02040503050406030204" pitchFamily="18" charset="0"/>
+                                  <a:cs typeface="Calibri Light" panose="020F0302020204030204" pitchFamily="34" charset="0"/>
+                                </a:rPr>
+                                <m:t>1</m:t>
+                              </m:r>
+                            </m:e>
+                          </m:mr>
+                          <m:mr>
+                            <m:e>
+                              <m:r>
+                                <a:rPr lang="en-US" i="1">
+                                  <a:latin typeface="Cambria Math" panose="02040503050406030204" pitchFamily="18" charset="0"/>
+                                  <a:cs typeface="Calibri Light" panose="020F0302020204030204" pitchFamily="34" charset="0"/>
+                                </a:rPr>
+                                <m:t>1</m:t>
+                              </m:r>
+                            </m:e>
+                            <m:e>
+                              <m:r>
+                                <a:rPr lang="en-US" i="1">
+                                  <a:latin typeface="Cambria Math" panose="02040503050406030204" pitchFamily="18" charset="0"/>
+                                  <a:cs typeface="Calibri Light" panose="020F0302020204030204" pitchFamily="34" charset="0"/>
+                                </a:rPr>
+                                <m:t>0</m:t>
+                              </m:r>
+                            </m:e>
+                            <m:e>
+                              <m:r>
+                                <a:rPr lang="en-US" i="1">
+                                  <a:latin typeface="Cambria Math" panose="02040503050406030204" pitchFamily="18" charset="0"/>
+                                  <a:cs typeface="Calibri Light" panose="020F0302020204030204" pitchFamily="34" charset="0"/>
+                                </a:rPr>
+                                <m:t>−1</m:t>
+                              </m:r>
+                            </m:e>
+                          </m:mr>
+                          <m:mr>
+                            <m:e>
+                              <m:r>
+                                <a:rPr lang="en-US" i="1">
+                                  <a:latin typeface="Cambria Math" panose="02040503050406030204" pitchFamily="18" charset="0"/>
+                                  <a:cs typeface="Calibri Light" panose="020F0302020204030204" pitchFamily="34" charset="0"/>
+                                </a:rPr>
+                                <m:t>1</m:t>
+                              </m:r>
+                            </m:e>
+                            <m:e>
+                              <m:r>
+                                <a:rPr lang="en-US" i="1">
+                                  <a:latin typeface="Cambria Math" panose="02040503050406030204" pitchFamily="18" charset="0"/>
+                                  <a:cs typeface="Calibri Light" panose="020F0302020204030204" pitchFamily="34" charset="0"/>
+                                </a:rPr>
+                                <m:t>−2</m:t>
+                              </m:r>
+                            </m:e>
+                            <m:e>
+                              <m:r>
+                                <a:rPr lang="en-US" i="1">
+                                  <a:latin typeface="Cambria Math" panose="02040503050406030204" pitchFamily="18" charset="0"/>
+                                  <a:cs typeface="Calibri Light" panose="020F0302020204030204" pitchFamily="34" charset="0"/>
+                                </a:rPr>
+                                <m:t>1</m:t>
+                              </m:r>
+                            </m:e>
+                          </m:mr>
+                          <m:mr>
+                            <m:e>
+                              <m:r>
+                                <a:rPr lang="en-US" i="1">
+                                  <a:latin typeface="Cambria Math" panose="02040503050406030204" pitchFamily="18" charset="0"/>
+                                  <a:cs typeface="Calibri Light" panose="020F0302020204030204" pitchFamily="34" charset="0"/>
+                                </a:rPr>
+                                <m:t>1</m:t>
+                              </m:r>
+                            </m:e>
+                            <m:e>
+                              <m:r>
+                                <a:rPr lang="en-US" i="1">
+                                  <a:latin typeface="Cambria Math" panose="02040503050406030204" pitchFamily="18" charset="0"/>
+                                  <a:cs typeface="Calibri Light" panose="020F0302020204030204" pitchFamily="34" charset="0"/>
+                                </a:rPr>
+                                <m:t>−2</m:t>
+                              </m:r>
+                            </m:e>
+                            <m:e>
+                              <m:r>
+                                <a:rPr lang="en-US" i="1">
+                                  <a:latin typeface="Cambria Math" panose="02040503050406030204" pitchFamily="18" charset="0"/>
+                                  <a:cs typeface="Calibri Light" panose="020F0302020204030204" pitchFamily="34" charset="0"/>
+                                </a:rPr>
+                                <m:t>1</m:t>
+                              </m:r>
+                            </m:e>
+                          </m:mr>
+                          <m:mr>
+                            <m:e>
+                              <m:r>
+                                <a:rPr lang="en-US" i="1">
+                                  <a:latin typeface="Cambria Math" panose="02040503050406030204" pitchFamily="18" charset="0"/>
+                                  <a:cs typeface="Calibri Light" panose="020F0302020204030204" pitchFamily="34" charset="0"/>
+                                </a:rPr>
+                                <m:t>2</m:t>
+                              </m:r>
+                            </m:e>
+                            <m:e>
+                              <m:r>
+                                <a:rPr lang="en-US" i="1">
+                                  <a:latin typeface="Cambria Math" panose="02040503050406030204" pitchFamily="18" charset="0"/>
+                                  <a:cs typeface="Calibri Light" panose="020F0302020204030204" pitchFamily="34" charset="0"/>
+                                </a:rPr>
+                                <m:t>−1</m:t>
+                              </m:r>
+                            </m:e>
+                            <m:e>
+                              <m:r>
+                                <a:rPr lang="en-US" i="1">
+                                  <a:latin typeface="Cambria Math" panose="02040503050406030204" pitchFamily="18" charset="0"/>
+                                  <a:cs typeface="Calibri Light" panose="020F0302020204030204" pitchFamily="34" charset="0"/>
+                                </a:rPr>
+                                <m:t>2</m:t>
+                              </m:r>
+                            </m:e>
+                          </m:mr>
+                          <m:mr>
+                            <m:e>
+                              <m:r>
+                                <a:rPr lang="en-US" i="1">
+                                  <a:latin typeface="Cambria Math" panose="02040503050406030204" pitchFamily="18" charset="0"/>
+                                  <a:cs typeface="Calibri Light" panose="020F0302020204030204" pitchFamily="34" charset="0"/>
+                                </a:rPr>
+                                <m:t>0</m:t>
+                              </m:r>
+                            </m:e>
+                            <m:e>
+                              <m:r>
+                                <a:rPr lang="en-US" i="1">
+                                  <a:latin typeface="Cambria Math" panose="02040503050406030204" pitchFamily="18" charset="0"/>
+                                  <a:cs typeface="Calibri Light" panose="020F0302020204030204" pitchFamily="34" charset="0"/>
+                                </a:rPr>
+                                <m:t>−1</m:t>
+                              </m:r>
+                            </m:e>
+                            <m:e>
+                              <m:r>
+                                <a:rPr lang="en-US" i="1">
+                                  <a:latin typeface="Cambria Math" panose="02040503050406030204" pitchFamily="18" charset="0"/>
+                                  <a:cs typeface="Calibri Light" panose="020F0302020204030204" pitchFamily="34" charset="0"/>
+                                </a:rPr>
+                                <m:t>0</m:t>
+                              </m:r>
+                            </m:e>
+                          </m:mr>
+                          <m:mr>
+                            <m:e>
+                              <m:r>
+                                <a:rPr lang="en-US" i="1">
+                                  <a:latin typeface="Cambria Math" panose="02040503050406030204" pitchFamily="18" charset="0"/>
+                                  <a:cs typeface="Calibri Light" panose="020F0302020204030204" pitchFamily="34" charset="0"/>
+                                </a:rPr>
+                                <m:t>1</m:t>
+                              </m:r>
+                            </m:e>
+                            <m:e>
+                              <m:r>
+                                <a:rPr lang="en-US" i="1">
+                                  <a:latin typeface="Cambria Math" panose="02040503050406030204" pitchFamily="18" charset="0"/>
+                                  <a:cs typeface="Calibri Light" panose="020F0302020204030204" pitchFamily="34" charset="0"/>
+                                </a:rPr>
+                                <m:t>0</m:t>
+                              </m:r>
+                            </m:e>
+                            <m:e>
+                              <m:r>
+                                <a:rPr lang="en-US" i="1">
+                                  <a:latin typeface="Cambria Math" panose="02040503050406030204" pitchFamily="18" charset="0"/>
+                                  <a:cs typeface="Calibri Light" panose="020F0302020204030204" pitchFamily="34" charset="0"/>
+                                </a:rPr>
+                                <m:t>−1</m:t>
+                              </m:r>
+                            </m:e>
+                          </m:mr>
+                        </m:m>
+                        <m:r>
+                          <a:rPr lang="en-US" i="1">
+                            <a:latin typeface="Cambria Math" panose="02040503050406030204" pitchFamily="18" charset="0"/>
+                            <a:cs typeface="Calibri Light" panose="020F0302020204030204" pitchFamily="34" charset="0"/>
+                          </a:rPr>
+                          <m:t>     </m:t>
+                        </m:r>
+                        <m:m>
+                          <m:mPr>
+                            <m:mcs>
+                              <m:mc>
+                                <m:mcPr>
+                                  <m:count m:val="3"/>
+                                  <m:mcJc m:val="center"/>
+                                </m:mcPr>
+                              </m:mc>
+                            </m:mcs>
+                            <m:ctrlPr>
+                              <a:rPr lang="en-US" i="1">
                                 <a:latin typeface="Cambria Math" panose="02040503050406030204" pitchFamily="18" charset="0"/>
                                 <a:cs typeface="Calibri Light" panose="020F0302020204030204" pitchFamily="34" charset="0"/>
                               </a:rPr>
-                              <m:t>    </m:t>
-                            </m:r>
-                            <m:m>
-                              <m:mPr>
-                                <m:mcs>
-                                  <m:mc>
-                                    <m:mcPr>
-                                      <m:count m:val="3"/>
-                                      <m:mcJc m:val="center"/>
-                                    </m:mcPr>
-                                  </m:mc>
-                                </m:mcs>
-                                <m:ctrlPr>
-                                  <a:rPr lang="en-US" b="0" i="1" smtClean="0">
-                                    <a:latin typeface="Cambria Math" panose="02040503050406030204" pitchFamily="18" charset="0"/>
-                                    <a:cs typeface="Calibri Light" panose="020F0302020204030204" pitchFamily="34" charset="0"/>
-                                  </a:rPr>
-                                </m:ctrlPr>
-                              </m:mPr>
-                              <m:mr>
-                                <m:e>
-                                  <m:r>
-                                    <m:rPr>
-                                      <m:brk m:alnAt="7"/>
-                                    </m:rPr>
-                                    <a:rPr lang="en-US" b="0" i="1" smtClean="0">
-                                      <a:latin typeface="Cambria Math" panose="02040503050406030204" pitchFamily="18" charset="0"/>
-                                      <a:cs typeface="Calibri Light" panose="020F0302020204030204" pitchFamily="34" charset="0"/>
-                                    </a:rPr>
-                                    <m:t>1</m:t>
-                                  </m:r>
-                                </m:e>
-                                <m:e>
-                                  <m:r>
-                                    <a:rPr lang="en-US" b="0" i="1" smtClean="0">
-                                      <a:latin typeface="Cambria Math" panose="02040503050406030204" pitchFamily="18" charset="0"/>
-                                      <a:cs typeface="Calibri Light" panose="020F0302020204030204" pitchFamily="34" charset="0"/>
-                                    </a:rPr>
-                                    <m:t>1</m:t>
-                                  </m:r>
-                                </m:e>
-                                <m:e>
-                                  <m:r>
-                                    <a:rPr lang="en-US" b="0" i="1" smtClean="0">
-                                      <a:latin typeface="Cambria Math" panose="02040503050406030204" pitchFamily="18" charset="0"/>
-                                      <a:cs typeface="Calibri Light" panose="020F0302020204030204" pitchFamily="34" charset="0"/>
-                                    </a:rPr>
-                                    <m:t>1</m:t>
-                                  </m:r>
-                                </m:e>
-                              </m:mr>
-                              <m:mr>
-                                <m:e>
-                                  <m:r>
-                                    <a:rPr lang="en-US" b="0" i="1" smtClean="0">
-                                      <a:latin typeface="Cambria Math" panose="02040503050406030204" pitchFamily="18" charset="0"/>
-                                      <a:cs typeface="Calibri Light" panose="020F0302020204030204" pitchFamily="34" charset="0"/>
-                                    </a:rPr>
-                                    <m:t>−1</m:t>
-                                  </m:r>
-                                </m:e>
-                                <m:e>
-                                  <m:r>
-                                    <a:rPr lang="en-US" b="0" i="1" smtClean="0">
-                                      <a:latin typeface="Cambria Math" panose="02040503050406030204" pitchFamily="18" charset="0"/>
-                                      <a:cs typeface="Calibri Light" panose="020F0302020204030204" pitchFamily="34" charset="0"/>
-                                    </a:rPr>
-                                    <m:t>0</m:t>
-                                  </m:r>
-                                </m:e>
-                                <m:e>
-                                  <m:r>
-                                    <a:rPr lang="en-US" b="0" i="1" smtClean="0">
-                                      <a:latin typeface="Cambria Math" panose="02040503050406030204" pitchFamily="18" charset="0"/>
-                                      <a:cs typeface="Calibri Light" panose="020F0302020204030204" pitchFamily="34" charset="0"/>
-                                    </a:rPr>
-                                    <m:t>−1</m:t>
-                                  </m:r>
-                                </m:e>
-                              </m:mr>
-                              <m:mr>
-                                <m:e>
-                                  <m:r>
-                                    <a:rPr lang="en-US" b="0" i="1" smtClean="0">
-                                      <a:latin typeface="Cambria Math" panose="02040503050406030204" pitchFamily="18" charset="0"/>
-                                      <a:cs typeface="Calibri Light" panose="020F0302020204030204" pitchFamily="34" charset="0"/>
-                                    </a:rPr>
-                                    <m:t>−1</m:t>
-                                  </m:r>
-                                </m:e>
-                                <m:e>
-                                  <m:r>
-                                    <a:rPr lang="en-US" b="0" i="1" smtClean="0">
-                                      <a:latin typeface="Cambria Math" panose="02040503050406030204" pitchFamily="18" charset="0"/>
-                                      <a:cs typeface="Calibri Light" panose="020F0302020204030204" pitchFamily="34" charset="0"/>
-                                    </a:rPr>
-                                    <m:t>−1</m:t>
-                                  </m:r>
-                                </m:e>
-                                <m:e>
-                                  <m:r>
-                                    <a:rPr lang="en-US" b="0" i="1" smtClean="0">
-                                      <a:latin typeface="Cambria Math" panose="02040503050406030204" pitchFamily="18" charset="0"/>
-                                      <a:cs typeface="Calibri Light" panose="020F0302020204030204" pitchFamily="34" charset="0"/>
-                                    </a:rPr>
-                                    <m:t>−1</m:t>
-                                  </m:r>
-                                </m:e>
-                              </m:mr>
-                            </m:m>
-                          </m:e>
-                          <m:e>
-                            <m:r>
-                              <a:rPr lang="en-US" b="0" i="1" smtClean="0">
-                                <a:latin typeface="Cambria Math" panose="02040503050406030204" pitchFamily="18" charset="0"/>
-                                <a:cs typeface="Calibri Light" panose="020F0302020204030204" pitchFamily="34" charset="0"/>
-                              </a:rPr>
-                              <m:t>   </m:t>
-                            </m:r>
-                            <m:m>
-                              <m:mPr>
-                                <m:mcs>
-                                  <m:mc>
-                                    <m:mcPr>
-                                      <m:count m:val="3"/>
-                                      <m:mcJc m:val="center"/>
-                                    </m:mcPr>
-                                  </m:mc>
-                                </m:mcs>
-                                <m:ctrlPr>
-                                  <a:rPr lang="en-US" b="0" i="1" smtClean="0">
-                                    <a:latin typeface="Cambria Math" panose="02040503050406030204" pitchFamily="18" charset="0"/>
-                                    <a:cs typeface="Calibri Light" panose="020F0302020204030204" pitchFamily="34" charset="0"/>
-                                  </a:rPr>
-                                </m:ctrlPr>
-                              </m:mPr>
-                              <m:mr>
-                                <m:e>
-                                  <m:r>
-                                    <m:rPr>
-                                      <m:brk m:alnAt="7"/>
-                                    </m:rPr>
-                                    <a:rPr lang="en-US" b="0" i="1" smtClean="0">
-                                      <a:latin typeface="Cambria Math" panose="02040503050406030204" pitchFamily="18" charset="0"/>
-                                      <a:cs typeface="Calibri Light" panose="020F0302020204030204" pitchFamily="34" charset="0"/>
-                                    </a:rPr>
-                                    <m:t>0</m:t>
-                                  </m:r>
-                                </m:e>
-                                <m:e>
-                                  <m:r>
-                                    <a:rPr lang="en-US" b="0" i="1" smtClean="0">
-                                      <a:latin typeface="Cambria Math" panose="02040503050406030204" pitchFamily="18" charset="0"/>
-                                      <a:cs typeface="Calibri Light" panose="020F0302020204030204" pitchFamily="34" charset="0"/>
-                                    </a:rPr>
-                                    <m:t>−2</m:t>
-                                  </m:r>
-                                </m:e>
-                                <m:e>
-                                  <m:r>
-                                    <a:rPr lang="en-US" b="0" i="1" smtClean="0">
-                                      <a:latin typeface="Cambria Math" panose="02040503050406030204" pitchFamily="18" charset="0"/>
-                                      <a:cs typeface="Calibri Light" panose="020F0302020204030204" pitchFamily="34" charset="0"/>
-                                    </a:rPr>
-                                    <m:t>1</m:t>
-                                  </m:r>
-                                </m:e>
-                              </m:mr>
-                              <m:mr>
-                                <m:e>
-                                  <m:r>
-                                    <a:rPr lang="en-US" b="0" i="1" smtClean="0">
-                                      <a:latin typeface="Cambria Math" panose="02040503050406030204" pitchFamily="18" charset="0"/>
-                                      <a:cs typeface="Calibri Light" panose="020F0302020204030204" pitchFamily="34" charset="0"/>
-                                    </a:rPr>
-                                    <m:t>0</m:t>
-                                  </m:r>
-                                </m:e>
-                                <m:e>
-                                  <m:r>
-                                    <a:rPr lang="en-US" b="0" i="1" smtClean="0">
-                                      <a:latin typeface="Cambria Math" panose="02040503050406030204" pitchFamily="18" charset="0"/>
-                                      <a:cs typeface="Calibri Light" panose="020F0302020204030204" pitchFamily="34" charset="0"/>
-                                    </a:rPr>
-                                    <m:t>0</m:t>
-                                  </m:r>
-                                </m:e>
-                                <m:e>
-                                  <m:r>
-                                    <a:rPr lang="en-US" b="0" i="1" smtClean="0">
-                                      <a:latin typeface="Cambria Math" panose="02040503050406030204" pitchFamily="18" charset="0"/>
-                                      <a:cs typeface="Calibri Light" panose="020F0302020204030204" pitchFamily="34" charset="0"/>
-                                    </a:rPr>
-                                    <m:t>1</m:t>
-                                  </m:r>
-                                </m:e>
-                              </m:mr>
-                              <m:mr>
-                                <m:e>
-                                  <m:r>
-                                    <a:rPr lang="en-US" b="0" i="1" smtClean="0">
-                                      <a:latin typeface="Cambria Math" panose="02040503050406030204" pitchFamily="18" charset="0"/>
-                                      <a:cs typeface="Calibri Light" panose="020F0302020204030204" pitchFamily="34" charset="0"/>
-                                    </a:rPr>
-                                    <m:t>4</m:t>
-                                  </m:r>
-                                </m:e>
-                                <m:e>
-                                  <m:r>
-                                    <a:rPr lang="en-US" b="0" i="1" smtClean="0">
-                                      <a:latin typeface="Cambria Math" panose="02040503050406030204" pitchFamily="18" charset="0"/>
-                                      <a:cs typeface="Calibri Light" panose="020F0302020204030204" pitchFamily="34" charset="0"/>
-                                    </a:rPr>
-                                    <m:t>−2</m:t>
-                                  </m:r>
-                                </m:e>
-                                <m:e>
-                                  <m:r>
-                                    <a:rPr lang="en-US" b="0" i="1" smtClean="0">
-                                      <a:latin typeface="Cambria Math" panose="02040503050406030204" pitchFamily="18" charset="0"/>
-                                      <a:cs typeface="Calibri Light" panose="020F0302020204030204" pitchFamily="34" charset="0"/>
-                                    </a:rPr>
-                                    <m:t>1</m:t>
-                                  </m:r>
-                                </m:e>
-                              </m:mr>
-                            </m:m>
-                            <m:r>
-                              <a:rPr lang="en-US" b="0" i="1" smtClean="0">
-                                <a:latin typeface="Cambria Math" panose="02040503050406030204" pitchFamily="18" charset="0"/>
-                                <a:cs typeface="Calibri Light" panose="020F0302020204030204" pitchFamily="34" charset="0"/>
-                              </a:rPr>
-                              <m:t>      </m:t>
-                            </m:r>
-                            <m:m>
-                              <m:mPr>
-                                <m:mcs>
-                                  <m:mc>
-                                    <m:mcPr>
-                                      <m:count m:val="3"/>
-                                      <m:mcJc m:val="center"/>
-                                    </m:mcPr>
-                                  </m:mc>
-                                </m:mcs>
-                                <m:ctrlPr>
-                                  <a:rPr lang="en-US" b="0" i="1" smtClean="0">
-                                    <a:latin typeface="Cambria Math" panose="02040503050406030204" pitchFamily="18" charset="0"/>
-                                    <a:cs typeface="Calibri Light" panose="020F0302020204030204" pitchFamily="34" charset="0"/>
-                                  </a:rPr>
-                                </m:ctrlPr>
-                              </m:mPr>
-                              <m:mr>
-                                <m:e>
-                                  <m:r>
-                                    <m:rPr>
-                                      <m:brk m:alnAt="7"/>
-                                    </m:rPr>
-                                    <a:rPr lang="en-US" b="0" i="1" smtClean="0">
-                                      <a:latin typeface="Cambria Math" panose="02040503050406030204" pitchFamily="18" charset="0"/>
-                                      <a:cs typeface="Calibri Light" panose="020F0302020204030204" pitchFamily="34" charset="0"/>
-                                    </a:rPr>
-                                    <m:t>0</m:t>
-                                  </m:r>
-                                </m:e>
-                                <m:e>
-                                  <m:r>
-                                    <a:rPr lang="en-US" b="0" i="1" smtClean="0">
-                                      <a:latin typeface="Cambria Math" panose="02040503050406030204" pitchFamily="18" charset="0"/>
-                                      <a:cs typeface="Calibri Light" panose="020F0302020204030204" pitchFamily="34" charset="0"/>
-                                    </a:rPr>
-                                    <m:t>−1</m:t>
-                                  </m:r>
-                                </m:e>
-                                <m:e>
-                                  <m:r>
-                                    <a:rPr lang="en-US" b="0" i="1" smtClean="0">
-                                      <a:latin typeface="Cambria Math" panose="02040503050406030204" pitchFamily="18" charset="0"/>
-                                      <a:cs typeface="Calibri Light" panose="020F0302020204030204" pitchFamily="34" charset="0"/>
-                                    </a:rPr>
-                                    <m:t>2</m:t>
-                                  </m:r>
-                                </m:e>
-                              </m:mr>
-                              <m:mr>
-                                <m:e>
-                                  <m:r>
-                                    <a:rPr lang="en-US" b="0" i="1" smtClean="0">
-                                      <a:latin typeface="Cambria Math" panose="02040503050406030204" pitchFamily="18" charset="0"/>
-                                      <a:cs typeface="Calibri Light" panose="020F0302020204030204" pitchFamily="34" charset="0"/>
-                                    </a:rPr>
-                                    <m:t>−2</m:t>
-                                  </m:r>
-                                </m:e>
-                                <m:e>
-                                  <m:r>
-                                    <a:rPr lang="en-US" b="0" i="1" smtClean="0">
-                                      <a:latin typeface="Cambria Math" panose="02040503050406030204" pitchFamily="18" charset="0"/>
-                                      <a:cs typeface="Calibri Light" panose="020F0302020204030204" pitchFamily="34" charset="0"/>
-                                    </a:rPr>
-                                    <m:t>1</m:t>
-                                  </m:r>
-                                </m:e>
-                                <m:e>
-                                  <m:r>
-                                    <a:rPr lang="en-US" b="0" i="1" smtClean="0">
-                                      <a:latin typeface="Cambria Math" panose="02040503050406030204" pitchFamily="18" charset="0"/>
-                                      <a:cs typeface="Calibri Light" panose="020F0302020204030204" pitchFamily="34" charset="0"/>
-                                    </a:rPr>
-                                    <m:t>0</m:t>
-                                  </m:r>
-                                </m:e>
-                              </m:mr>
-                              <m:mr>
-                                <m:e>
-                                  <m:r>
-                                    <a:rPr lang="en-US" b="0" i="1" smtClean="0">
-                                      <a:latin typeface="Cambria Math" panose="02040503050406030204" pitchFamily="18" charset="0"/>
-                                      <a:cs typeface="Calibri Light" panose="020F0302020204030204" pitchFamily="34" charset="0"/>
-                                    </a:rPr>
-                                    <m:t>−2</m:t>
-                                  </m:r>
-                                </m:e>
-                                <m:e>
-                                  <m:r>
-                                    <a:rPr lang="en-US" b="0" i="1" smtClean="0">
-                                      <a:latin typeface="Cambria Math" panose="02040503050406030204" pitchFamily="18" charset="0"/>
-                                      <a:cs typeface="Calibri Light" panose="020F0302020204030204" pitchFamily="34" charset="0"/>
-                                    </a:rPr>
-                                    <m:t>1</m:t>
-                                  </m:r>
-                                </m:e>
-                                <m:e>
-                                  <m:r>
-                                    <a:rPr lang="en-US" b="0" i="1" smtClean="0">
-                                      <a:latin typeface="Cambria Math" panose="02040503050406030204" pitchFamily="18" charset="0"/>
-                                      <a:cs typeface="Calibri Light" panose="020F0302020204030204" pitchFamily="34" charset="0"/>
-                                    </a:rPr>
-                                    <m:t>−2</m:t>
-                                  </m:r>
-                                </m:e>
-                              </m:mr>
-                            </m:m>
-                            <m:r>
-                              <a:rPr lang="en-US" b="0" i="1" smtClean="0">
-                                <a:latin typeface="Cambria Math" panose="02040503050406030204" pitchFamily="18" charset="0"/>
-                                <a:cs typeface="Calibri Light" panose="020F0302020204030204" pitchFamily="34" charset="0"/>
-                              </a:rPr>
-                              <m:t>    </m:t>
-                            </m:r>
-                            <m:m>
-                              <m:mPr>
-                                <m:mcs>
-                                  <m:mc>
-                                    <m:mcPr>
-                                      <m:count m:val="3"/>
-                                      <m:mcJc m:val="center"/>
-                                    </m:mcPr>
-                                  </m:mc>
-                                </m:mcs>
-                                <m:ctrlPr>
-                                  <a:rPr lang="en-US" b="0" i="1" smtClean="0">
-                                    <a:latin typeface="Cambria Math" panose="02040503050406030204" pitchFamily="18" charset="0"/>
-                                    <a:cs typeface="Calibri Light" panose="020F0302020204030204" pitchFamily="34" charset="0"/>
-                                  </a:rPr>
-                                </m:ctrlPr>
-                              </m:mPr>
-                              <m:mr>
-                                <m:e>
-                                  <m:r>
-                                    <m:rPr>
-                                      <m:brk m:alnAt="7"/>
-                                    </m:rPr>
-                                    <a:rPr lang="en-US" b="0" i="1" smtClean="0">
-                                      <a:latin typeface="Cambria Math" panose="02040503050406030204" pitchFamily="18" charset="0"/>
-                                      <a:cs typeface="Calibri Light" panose="020F0302020204030204" pitchFamily="34" charset="0"/>
-                                    </a:rPr>
-                                    <m:t>−1</m:t>
-                                  </m:r>
-                                </m:e>
-                                <m:e>
-                                  <m:r>
-                                    <a:rPr lang="en-US" b="0" i="1" smtClean="0">
-                                      <a:latin typeface="Cambria Math" panose="02040503050406030204" pitchFamily="18" charset="0"/>
-                                      <a:cs typeface="Calibri Light" panose="020F0302020204030204" pitchFamily="34" charset="0"/>
-                                    </a:rPr>
-                                    <m:t>0</m:t>
-                                  </m:r>
-                                </m:e>
-                                <m:e>
-                                  <m:r>
-                                    <a:rPr lang="en-US" b="0" i="1" smtClean="0">
-                                      <a:latin typeface="Cambria Math" panose="02040503050406030204" pitchFamily="18" charset="0"/>
-                                      <a:cs typeface="Calibri Light" panose="020F0302020204030204" pitchFamily="34" charset="0"/>
-                                    </a:rPr>
-                                    <m:t>1</m:t>
-                                  </m:r>
-                                </m:e>
-                              </m:mr>
-                              <m:mr>
-                                <m:e>
-                                  <m:r>
-                                    <a:rPr lang="en-US" b="0" i="1" smtClean="0">
-                                      <a:latin typeface="Cambria Math" panose="02040503050406030204" pitchFamily="18" charset="0"/>
-                                      <a:cs typeface="Calibri Light" panose="020F0302020204030204" pitchFamily="34" charset="0"/>
-                                    </a:rPr>
-                                    <m:t>−1</m:t>
-                                  </m:r>
-                                </m:e>
-                                <m:e>
-                                  <m:r>
-                                    <a:rPr lang="en-US" b="0" i="1" smtClean="0">
-                                      <a:latin typeface="Cambria Math" panose="02040503050406030204" pitchFamily="18" charset="0"/>
-                                      <a:cs typeface="Calibri Light" panose="020F0302020204030204" pitchFamily="34" charset="0"/>
-                                    </a:rPr>
-                                    <m:t>2</m:t>
-                                  </m:r>
-                                </m:e>
-                                <m:e>
-                                  <m:r>
-                                    <a:rPr lang="en-US" b="0" i="1" smtClean="0">
-                                      <a:latin typeface="Cambria Math" panose="02040503050406030204" pitchFamily="18" charset="0"/>
-                                      <a:cs typeface="Calibri Light" panose="020F0302020204030204" pitchFamily="34" charset="0"/>
-                                    </a:rPr>
-                                    <m:t>−1</m:t>
-                                  </m:r>
-                                </m:e>
-                              </m:mr>
-                              <m:mr>
-                                <m:e>
-                                  <m:r>
-                                    <a:rPr lang="en-US" b="0" i="1" smtClean="0">
-                                      <a:latin typeface="Cambria Math" panose="02040503050406030204" pitchFamily="18" charset="0"/>
-                                      <a:cs typeface="Calibri Light" panose="020F0302020204030204" pitchFamily="34" charset="0"/>
-                                    </a:rPr>
-                                    <m:t>1</m:t>
-                                  </m:r>
-                                </m:e>
-                                <m:e>
-                                  <m:r>
-                                    <a:rPr lang="en-US" b="0" i="1" smtClean="0">
-                                      <a:latin typeface="Cambria Math" panose="02040503050406030204" pitchFamily="18" charset="0"/>
-                                      <a:cs typeface="Calibri Light" panose="020F0302020204030204" pitchFamily="34" charset="0"/>
-                                    </a:rPr>
-                                    <m:t>−2</m:t>
-                                  </m:r>
-                                </m:e>
-                                <m:e>
-                                  <m:r>
-                                    <a:rPr lang="en-US" b="0" i="1" smtClean="0">
-                                      <a:latin typeface="Cambria Math" panose="02040503050406030204" pitchFamily="18" charset="0"/>
-                                      <a:cs typeface="Calibri Light" panose="020F0302020204030204" pitchFamily="34" charset="0"/>
-                                    </a:rPr>
-                                    <m:t>1</m:t>
-                                  </m:r>
-                                </m:e>
-                              </m:mr>
-                            </m:m>
-                          </m:e>
-                          <m:e>
-                            <m:m>
-                              <m:mPr>
-                                <m:mcs>
-                                  <m:mc>
-                                    <m:mcPr>
-                                      <m:count m:val="3"/>
-                                      <m:mcJc m:val="center"/>
-                                    </m:mcPr>
-                                  </m:mc>
-                                </m:mcs>
-                                <m:ctrlPr>
-                                  <a:rPr lang="en-US" b="0" i="1" smtClean="0">
-                                    <a:latin typeface="Cambria Math" panose="02040503050406030204" pitchFamily="18" charset="0"/>
-                                    <a:cs typeface="Calibri Light" panose="020F0302020204030204" pitchFamily="34" charset="0"/>
-                                  </a:rPr>
-                                </m:ctrlPr>
-                              </m:mPr>
-                              <m:mr>
-                                <m:e>
-                                  <m:r>
-                                    <m:rPr>
-                                      <m:brk m:alnAt="7"/>
-                                    </m:rPr>
-                                    <a:rPr lang="en-US" b="0" i="1" smtClean="0">
-                                      <a:latin typeface="Cambria Math" panose="02040503050406030204" pitchFamily="18" charset="0"/>
-                                      <a:cs typeface="Calibri Light" panose="020F0302020204030204" pitchFamily="34" charset="0"/>
-                                    </a:rPr>
-                                    <m:t>−4</m:t>
-                                  </m:r>
-                                </m:e>
-                                <m:e>
-                                  <m:r>
-                                    <a:rPr lang="en-US" b="0" i="1" smtClean="0">
-                                      <a:latin typeface="Cambria Math" panose="02040503050406030204" pitchFamily="18" charset="0"/>
-                                      <a:cs typeface="Calibri Light" panose="020F0302020204030204" pitchFamily="34" charset="0"/>
-                                    </a:rPr>
-                                    <m:t>−1</m:t>
-                                  </m:r>
-                                </m:e>
-                                <m:e>
-                                  <m:r>
-                                    <a:rPr lang="en-US" b="0" i="1" smtClean="0">
-                                      <a:latin typeface="Cambria Math" panose="02040503050406030204" pitchFamily="18" charset="0"/>
-                                      <a:cs typeface="Calibri Light" panose="020F0302020204030204" pitchFamily="34" charset="0"/>
-                                    </a:rPr>
-                                    <m:t>2</m:t>
-                                  </m:r>
-                                </m:e>
-                              </m:mr>
-                              <m:mr>
-                                <m:e>
-                                  <m:r>
-                                    <a:rPr lang="en-US" b="0" i="1" smtClean="0">
-                                      <a:latin typeface="Cambria Math" panose="02040503050406030204" pitchFamily="18" charset="0"/>
-                                      <a:cs typeface="Calibri Light" panose="020F0302020204030204" pitchFamily="34" charset="0"/>
-                                    </a:rPr>
-                                    <m:t>0</m:t>
-                                  </m:r>
-                                </m:e>
-                                <m:e>
-                                  <m:r>
-                                    <a:rPr lang="en-US" b="0" i="1" smtClean="0">
-                                      <a:latin typeface="Cambria Math" panose="02040503050406030204" pitchFamily="18" charset="0"/>
-                                      <a:cs typeface="Calibri Light" panose="020F0302020204030204" pitchFamily="34" charset="0"/>
-                                    </a:rPr>
-                                    <m:t>1</m:t>
-                                  </m:r>
-                                </m:e>
-                                <m:e>
-                                  <m:r>
-                                    <a:rPr lang="en-US" b="0" i="1" smtClean="0">
-                                      <a:latin typeface="Cambria Math" panose="02040503050406030204" pitchFamily="18" charset="0"/>
-                                      <a:cs typeface="Calibri Light" panose="020F0302020204030204" pitchFamily="34" charset="0"/>
-                                    </a:rPr>
-                                    <m:t>0</m:t>
-                                  </m:r>
-                                </m:e>
-                              </m:mr>
-                              <m:mr>
-                                <m:e>
-                                  <m:r>
-                                    <a:rPr lang="en-US" b="0" i="1" smtClean="0">
-                                      <a:latin typeface="Cambria Math" panose="02040503050406030204" pitchFamily="18" charset="0"/>
-                                      <a:cs typeface="Calibri Light" panose="020F0302020204030204" pitchFamily="34" charset="0"/>
-                                    </a:rPr>
-                                    <m:t>0</m:t>
-                                  </m:r>
-                                </m:e>
-                                <m:e>
-                                  <m:r>
-                                    <a:rPr lang="en-US" b="0" i="1" smtClean="0">
-                                      <a:latin typeface="Cambria Math" panose="02040503050406030204" pitchFamily="18" charset="0"/>
-                                      <a:cs typeface="Calibri Light" panose="020F0302020204030204" pitchFamily="34" charset="0"/>
-                                    </a:rPr>
-                                    <m:t>0</m:t>
-                                  </m:r>
-                                </m:e>
-                                <m:e>
-                                  <m:r>
-                                    <a:rPr lang="en-US" b="0" i="1" smtClean="0">
-                                      <a:latin typeface="Cambria Math" panose="02040503050406030204" pitchFamily="18" charset="0"/>
-                                      <a:cs typeface="Calibri Light" panose="020F0302020204030204" pitchFamily="34" charset="0"/>
-                                    </a:rPr>
-                                    <m:t>1.</m:t>
-                                  </m:r>
-                                </m:e>
-                              </m:mr>
-                            </m:m>
-                            <m:r>
-                              <a:rPr lang="en-US" b="0" i="1" smtClean="0">
-                                <a:latin typeface="Cambria Math" panose="02040503050406030204" pitchFamily="18" charset="0"/>
-                                <a:cs typeface="Calibri Light" panose="020F0302020204030204" pitchFamily="34" charset="0"/>
-                              </a:rPr>
-                              <m:t>      </m:t>
-                            </m:r>
-                            <m:m>
-                              <m:mPr>
-                                <m:mcs>
-                                  <m:mc>
-                                    <m:mcPr>
-                                      <m:count m:val="3"/>
-                                      <m:mcJc m:val="center"/>
-                                    </m:mcPr>
-                                  </m:mc>
-                                </m:mcs>
-                                <m:ctrlPr>
-                                  <a:rPr lang="en-US" b="0" i="1" smtClean="0">
-                                    <a:latin typeface="Cambria Math" panose="02040503050406030204" pitchFamily="18" charset="0"/>
-                                    <a:cs typeface="Calibri Light" panose="020F0302020204030204" pitchFamily="34" charset="0"/>
-                                  </a:rPr>
-                                </m:ctrlPr>
-                              </m:mPr>
-                              <m:mr>
-                                <m:e>
-                                  <m:r>
-                                    <m:rPr>
-                                      <m:brk m:alnAt="7"/>
-                                    </m:rPr>
-                                    <a:rPr lang="en-US" b="0" i="1" smtClean="0">
-                                      <a:latin typeface="Cambria Math" panose="02040503050406030204" pitchFamily="18" charset="0"/>
-                                      <a:cs typeface="Calibri Light" panose="020F0302020204030204" pitchFamily="34" charset="0"/>
-                                    </a:rPr>
-                                    <m:t>−1</m:t>
-                                  </m:r>
-                                </m:e>
-                                <m:e>
-                                  <m:r>
-                                    <a:rPr lang="en-US" b="0" i="1" smtClean="0">
-                                      <a:latin typeface="Cambria Math" panose="02040503050406030204" pitchFamily="18" charset="0"/>
-                                      <a:cs typeface="Calibri Light" panose="020F0302020204030204" pitchFamily="34" charset="0"/>
-                                    </a:rPr>
-                                    <m:t>2</m:t>
-                                  </m:r>
-                                </m:e>
-                                <m:e>
-                                  <m:r>
-                                    <a:rPr lang="en-US" b="0" i="1" smtClean="0">
-                                      <a:latin typeface="Cambria Math" panose="02040503050406030204" pitchFamily="18" charset="0"/>
-                                      <a:cs typeface="Calibri Light" panose="020F0302020204030204" pitchFamily="34" charset="0"/>
-                                    </a:rPr>
-                                    <m:t>−1</m:t>
-                                  </m:r>
-                                </m:e>
-                              </m:mr>
-                              <m:mr>
-                                <m:e>
-                                  <m:r>
-                                    <a:rPr lang="en-US" b="0" i="1" smtClean="0">
-                                      <a:latin typeface="Cambria Math" panose="02040503050406030204" pitchFamily="18" charset="0"/>
-                                      <a:cs typeface="Calibri Light" panose="020F0302020204030204" pitchFamily="34" charset="0"/>
-                                    </a:rPr>
-                                    <m:t>−1</m:t>
-                                  </m:r>
-                                </m:e>
-                                <m:e>
-                                  <m:r>
-                                    <a:rPr lang="en-US" b="0" i="1" smtClean="0">
-                                      <a:latin typeface="Cambria Math" panose="02040503050406030204" pitchFamily="18" charset="0"/>
-                                      <a:cs typeface="Calibri Light" panose="020F0302020204030204" pitchFamily="34" charset="0"/>
-                                    </a:rPr>
-                                    <m:t>0</m:t>
-                                  </m:r>
-                                </m:e>
-                                <m:e>
-                                  <m:r>
-                                    <a:rPr lang="en-US" b="0" i="1" smtClean="0">
-                                      <a:latin typeface="Cambria Math" panose="02040503050406030204" pitchFamily="18" charset="0"/>
-                                      <a:cs typeface="Calibri Light" panose="020F0302020204030204" pitchFamily="34" charset="0"/>
-                                    </a:rPr>
-                                    <m:t>1</m:t>
-                                  </m:r>
-                                </m:e>
-                              </m:mr>
-                              <m:mr>
-                                <m:e>
-                                  <m:r>
-                                    <a:rPr lang="en-US" b="0" i="1" smtClean="0">
-                                      <a:latin typeface="Cambria Math" panose="02040503050406030204" pitchFamily="18" charset="0"/>
-                                      <a:cs typeface="Calibri Light" panose="020F0302020204030204" pitchFamily="34" charset="0"/>
-                                    </a:rPr>
-                                    <m:t>0</m:t>
-                                  </m:r>
-                                </m:e>
-                                <m:e>
-                                  <m:r>
-                                    <a:rPr lang="en-US" b="0" i="1" smtClean="0">
-                                      <a:latin typeface="Cambria Math" panose="02040503050406030204" pitchFamily="18" charset="0"/>
-                                      <a:cs typeface="Calibri Light" panose="020F0302020204030204" pitchFamily="34" charset="0"/>
-                                    </a:rPr>
-                                    <m:t>−1</m:t>
-                                  </m:r>
-                                </m:e>
-                                <m:e>
-                                  <m:r>
-                                    <a:rPr lang="en-US" b="0" i="1" smtClean="0">
-                                      <a:latin typeface="Cambria Math" panose="02040503050406030204" pitchFamily="18" charset="0"/>
-                                      <a:cs typeface="Calibri Light" panose="020F0302020204030204" pitchFamily="34" charset="0"/>
-                                    </a:rPr>
-                                    <m:t>0</m:t>
-                                  </m:r>
-                                </m:e>
-                              </m:mr>
-                            </m:m>
-                            <m:r>
-                              <a:rPr lang="en-US" b="0" i="1" smtClean="0">
-                                <a:latin typeface="Cambria Math" panose="02040503050406030204" pitchFamily="18" charset="0"/>
-                                <a:cs typeface="Calibri Light" panose="020F0302020204030204" pitchFamily="34" charset="0"/>
-                              </a:rPr>
-                              <m:t>    </m:t>
-                            </m:r>
-                            <m:m>
-                              <m:mPr>
-                                <m:mcs>
-                                  <m:mc>
-                                    <m:mcPr>
-                                      <m:count m:val="3"/>
-                                      <m:mcJc m:val="center"/>
-                                    </m:mcPr>
-                                  </m:mc>
-                                </m:mcs>
-                                <m:ctrlPr>
-                                  <a:rPr lang="en-US" b="0" i="1" smtClean="0">
-                                    <a:latin typeface="Cambria Math" panose="02040503050406030204" pitchFamily="18" charset="0"/>
-                                    <a:cs typeface="Calibri Light" panose="020F0302020204030204" pitchFamily="34" charset="0"/>
-                                  </a:rPr>
-                                </m:ctrlPr>
-                              </m:mPr>
-                              <m:mr>
-                                <m:e>
-                                  <m:r>
-                                    <m:rPr>
-                                      <m:brk m:alnAt="7"/>
-                                    </m:rPr>
-                                    <a:rPr lang="en-US" b="0" i="1" smtClean="0">
-                                      <a:latin typeface="Cambria Math" panose="02040503050406030204" pitchFamily="18" charset="0"/>
-                                      <a:cs typeface="Calibri Light" panose="020F0302020204030204" pitchFamily="34" charset="0"/>
-                                    </a:rPr>
-                                    <m:t>2</m:t>
-                                  </m:r>
-                                </m:e>
-                                <m:e>
-                                  <m:r>
-                                    <a:rPr lang="en-US" b="0" i="1" smtClean="0">
-                                      <a:latin typeface="Cambria Math" panose="02040503050406030204" pitchFamily="18" charset="0"/>
-                                      <a:cs typeface="Calibri Light" panose="020F0302020204030204" pitchFamily="34" charset="0"/>
-                                    </a:rPr>
-                                    <m:t>−1</m:t>
-                                  </m:r>
-                                </m:e>
-                                <m:e>
-                                  <m:r>
-                                    <a:rPr lang="en-US" b="0" i="1" smtClean="0">
-                                      <a:latin typeface="Cambria Math" panose="02040503050406030204" pitchFamily="18" charset="0"/>
-                                      <a:cs typeface="Calibri Light" panose="020F0302020204030204" pitchFamily="34" charset="0"/>
-                                    </a:rPr>
-                                    <m:t>2</m:t>
-                                  </m:r>
-                                </m:e>
-                              </m:mr>
-                              <m:mr>
-                                <m:e>
-                                  <m:r>
-                                    <a:rPr lang="en-US" b="0" i="1" smtClean="0">
-                                      <a:latin typeface="Cambria Math" panose="02040503050406030204" pitchFamily="18" charset="0"/>
-                                      <a:cs typeface="Calibri Light" panose="020F0302020204030204" pitchFamily="34" charset="0"/>
-                                    </a:rPr>
-                                    <m:t>0</m:t>
-                                  </m:r>
-                                </m:e>
-                                <m:e>
-                                  <m:r>
-                                    <a:rPr lang="en-US" b="0" i="1" smtClean="0">
-                                      <a:latin typeface="Cambria Math" panose="02040503050406030204" pitchFamily="18" charset="0"/>
-                                      <a:cs typeface="Calibri Light" panose="020F0302020204030204" pitchFamily="34" charset="0"/>
-                                    </a:rPr>
-                                    <m:t>−1</m:t>
-                                  </m:r>
-                                </m:e>
-                                <m:e>
-                                  <m:r>
-                                    <a:rPr lang="en-US" b="0" i="1" smtClean="0">
-                                      <a:latin typeface="Cambria Math" panose="02040503050406030204" pitchFamily="18" charset="0"/>
-                                      <a:cs typeface="Calibri Light" panose="020F0302020204030204" pitchFamily="34" charset="0"/>
-                                    </a:rPr>
-                                    <m:t>0</m:t>
-                                  </m:r>
-                                </m:e>
-                              </m:mr>
-                              <m:mr>
-                                <m:e>
-                                  <m:r>
-                                    <a:rPr lang="en-US" b="0" i="1" smtClean="0">
-                                      <a:latin typeface="Cambria Math" panose="02040503050406030204" pitchFamily="18" charset="0"/>
-                                      <a:cs typeface="Calibri Light" panose="020F0302020204030204" pitchFamily="34" charset="0"/>
-                                    </a:rPr>
-                                    <m:t>1</m:t>
-                                  </m:r>
-                                </m:e>
-                                <m:e>
-                                  <m:r>
-                                    <a:rPr lang="en-US" b="0" i="1" smtClean="0">
-                                      <a:latin typeface="Cambria Math" panose="02040503050406030204" pitchFamily="18" charset="0"/>
-                                      <a:cs typeface="Calibri Light" panose="020F0302020204030204" pitchFamily="34" charset="0"/>
-                                    </a:rPr>
-                                    <m:t>0</m:t>
-                                  </m:r>
-                                </m:e>
-                                <m:e>
-                                  <m:r>
-                                    <a:rPr lang="en-US" b="0" i="1" smtClean="0">
-                                      <a:latin typeface="Cambria Math" panose="02040503050406030204" pitchFamily="18" charset="0"/>
-                                      <a:cs typeface="Calibri Light" panose="020F0302020204030204" pitchFamily="34" charset="0"/>
-                                    </a:rPr>
-                                    <m:t>−1</m:t>
-                                  </m:r>
-                                </m:e>
-                              </m:mr>
-                            </m:m>
-                          </m:e>
-                        </m:eqArr>
+                            </m:ctrlPr>
+                          </m:mPr>
+                          <m:mr>
+                            <m:e>
+                              <m:r>
+                                <m:rPr>
+                                  <m:brk m:alnAt="7"/>
+                                </m:rPr>
+                                <a:rPr lang="en-US" i="1">
+                                  <a:latin typeface="Cambria Math" panose="02040503050406030204" pitchFamily="18" charset="0"/>
+                                  <a:cs typeface="Calibri Light" panose="020F0302020204030204" pitchFamily="34" charset="0"/>
+                                </a:rPr>
+                                <m:t>1</m:t>
+                              </m:r>
+                            </m:e>
+                            <m:e>
+                              <m:r>
+                                <a:rPr lang="en-US" i="1">
+                                  <a:latin typeface="Cambria Math" panose="02040503050406030204" pitchFamily="18" charset="0"/>
+                                  <a:cs typeface="Calibri Light" panose="020F0302020204030204" pitchFamily="34" charset="0"/>
+                                </a:rPr>
+                                <m:t>1</m:t>
+                              </m:r>
+                            </m:e>
+                            <m:e>
+                              <m:r>
+                                <a:rPr lang="en-US" i="1">
+                                  <a:latin typeface="Cambria Math" panose="02040503050406030204" pitchFamily="18" charset="0"/>
+                                  <a:cs typeface="Calibri Light" panose="020F0302020204030204" pitchFamily="34" charset="0"/>
+                                </a:rPr>
+                                <m:t>1</m:t>
+                              </m:r>
+                            </m:e>
+                          </m:mr>
+                          <m:mr>
+                            <m:e>
+                              <m:r>
+                                <a:rPr lang="en-US" i="1">
+                                  <a:latin typeface="Cambria Math" panose="02040503050406030204" pitchFamily="18" charset="0"/>
+                                  <a:cs typeface="Calibri Light" panose="020F0302020204030204" pitchFamily="34" charset="0"/>
+                                </a:rPr>
+                                <m:t>−1</m:t>
+                              </m:r>
+                            </m:e>
+                            <m:e>
+                              <m:r>
+                                <a:rPr lang="en-US" i="1">
+                                  <a:latin typeface="Cambria Math" panose="02040503050406030204" pitchFamily="18" charset="0"/>
+                                  <a:cs typeface="Calibri Light" panose="020F0302020204030204" pitchFamily="34" charset="0"/>
+                                </a:rPr>
+                                <m:t>0</m:t>
+                              </m:r>
+                            </m:e>
+                            <m:e>
+                              <m:r>
+                                <a:rPr lang="en-US" i="1">
+                                  <a:latin typeface="Cambria Math" panose="02040503050406030204" pitchFamily="18" charset="0"/>
+                                  <a:cs typeface="Calibri Light" panose="020F0302020204030204" pitchFamily="34" charset="0"/>
+                                </a:rPr>
+                                <m:t>1</m:t>
+                              </m:r>
+                            </m:e>
+                          </m:mr>
+                          <m:mr>
+                            <m:e>
+                              <m:r>
+                                <a:rPr lang="en-US" i="1">
+                                  <a:latin typeface="Cambria Math" panose="02040503050406030204" pitchFamily="18" charset="0"/>
+                                  <a:cs typeface="Calibri Light" panose="020F0302020204030204" pitchFamily="34" charset="0"/>
+                                </a:rPr>
+                                <m:t>−1</m:t>
+                              </m:r>
+                            </m:e>
+                            <m:e>
+                              <m:r>
+                                <a:rPr lang="en-US" i="1">
+                                  <a:latin typeface="Cambria Math" panose="02040503050406030204" pitchFamily="18" charset="0"/>
+                                  <a:cs typeface="Calibri Light" panose="020F0302020204030204" pitchFamily="34" charset="0"/>
+                                </a:rPr>
+                                <m:t>−1</m:t>
+                              </m:r>
+                            </m:e>
+                            <m:e>
+                              <m:r>
+                                <a:rPr lang="en-US" i="1">
+                                  <a:latin typeface="Cambria Math" panose="02040503050406030204" pitchFamily="18" charset="0"/>
+                                  <a:cs typeface="Calibri Light" panose="020F0302020204030204" pitchFamily="34" charset="0"/>
+                                </a:rPr>
+                                <m:t>−1</m:t>
+                              </m:r>
+                            </m:e>
+                          </m:mr>
+                          <m:mr>
+                            <m:e>
+                              <m:r>
+                                <a:rPr lang="en-US" i="1">
+                                  <a:latin typeface="Cambria Math" panose="02040503050406030204" pitchFamily="18" charset="0"/>
+                                  <a:cs typeface="Calibri Light" panose="020F0302020204030204" pitchFamily="34" charset="0"/>
+                                </a:rPr>
+                                <m:t>−1</m:t>
+                              </m:r>
+                            </m:e>
+                            <m:e>
+                              <m:r>
+                                <a:rPr lang="en-US" i="1">
+                                  <a:latin typeface="Cambria Math" panose="02040503050406030204" pitchFamily="18" charset="0"/>
+                                  <a:cs typeface="Calibri Light" panose="020F0302020204030204" pitchFamily="34" charset="0"/>
+                                </a:rPr>
+                                <m:t>0</m:t>
+                              </m:r>
+                            </m:e>
+                            <m:e>
+                              <m:r>
+                                <a:rPr lang="en-US" i="1">
+                                  <a:latin typeface="Cambria Math" panose="02040503050406030204" pitchFamily="18" charset="0"/>
+                                  <a:cs typeface="Calibri Light" panose="020F0302020204030204" pitchFamily="34" charset="0"/>
+                                </a:rPr>
+                                <m:t>1</m:t>
+                              </m:r>
+                            </m:e>
+                          </m:mr>
+                          <m:mr>
+                            <m:e>
+                              <m:r>
+                                <a:rPr lang="en-US" i="1">
+                                  <a:latin typeface="Cambria Math" panose="02040503050406030204" pitchFamily="18" charset="0"/>
+                                  <a:cs typeface="Calibri Light" panose="020F0302020204030204" pitchFamily="34" charset="0"/>
+                                </a:rPr>
+                                <m:t>−1</m:t>
+                              </m:r>
+                            </m:e>
+                            <m:e>
+                              <m:r>
+                                <a:rPr lang="en-US" i="1">
+                                  <a:latin typeface="Cambria Math" panose="02040503050406030204" pitchFamily="18" charset="0"/>
+                                  <a:cs typeface="Calibri Light" panose="020F0302020204030204" pitchFamily="34" charset="0"/>
+                                </a:rPr>
+                                <m:t>2</m:t>
+                              </m:r>
+                            </m:e>
+                            <m:e>
+                              <m:r>
+                                <a:rPr lang="en-US" i="1">
+                                  <a:latin typeface="Cambria Math" panose="02040503050406030204" pitchFamily="18" charset="0"/>
+                                  <a:cs typeface="Calibri Light" panose="020F0302020204030204" pitchFamily="34" charset="0"/>
+                                </a:rPr>
+                                <m:t>−1</m:t>
+                              </m:r>
+                            </m:e>
+                          </m:mr>
+                          <m:mr>
+                            <m:e>
+                              <m:r>
+                                <a:rPr lang="en-US" i="1">
+                                  <a:latin typeface="Cambria Math" panose="02040503050406030204" pitchFamily="18" charset="0"/>
+                                  <a:cs typeface="Calibri Light" panose="020F0302020204030204" pitchFamily="34" charset="0"/>
+                                </a:rPr>
+                                <m:t>1</m:t>
+                              </m:r>
+                            </m:e>
+                            <m:e>
+                              <m:r>
+                                <a:rPr lang="en-US" i="1">
+                                  <a:latin typeface="Cambria Math" panose="02040503050406030204" pitchFamily="18" charset="0"/>
+                                  <a:cs typeface="Calibri Light" panose="020F0302020204030204" pitchFamily="34" charset="0"/>
+                                </a:rPr>
+                                <m:t>−2</m:t>
+                              </m:r>
+                            </m:e>
+                            <m:e>
+                              <m:r>
+                                <a:rPr lang="en-US" i="1">
+                                  <a:latin typeface="Cambria Math" panose="02040503050406030204" pitchFamily="18" charset="0"/>
+                                  <a:cs typeface="Calibri Light" panose="020F0302020204030204" pitchFamily="34" charset="0"/>
+                                </a:rPr>
+                                <m:t>1</m:t>
+                              </m:r>
+                            </m:e>
+                          </m:mr>
+                          <m:mr>
+                            <m:e>
+                              <m:r>
+                                <a:rPr lang="en-US" i="1">
+                                  <a:latin typeface="Cambria Math" panose="02040503050406030204" pitchFamily="18" charset="0"/>
+                                  <a:cs typeface="Calibri Light" panose="020F0302020204030204" pitchFamily="34" charset="0"/>
+                                </a:rPr>
+                                <m:t>2</m:t>
+                              </m:r>
+                            </m:e>
+                            <m:e>
+                              <m:r>
+                                <a:rPr lang="en-US" i="1">
+                                  <a:latin typeface="Cambria Math" panose="02040503050406030204" pitchFamily="18" charset="0"/>
+                                  <a:cs typeface="Calibri Light" panose="020F0302020204030204" pitchFamily="34" charset="0"/>
+                                </a:rPr>
+                                <m:t>−1</m:t>
+                              </m:r>
+                            </m:e>
+                            <m:e>
+                              <m:r>
+                                <a:rPr lang="en-US" i="1">
+                                  <a:latin typeface="Cambria Math" panose="02040503050406030204" pitchFamily="18" charset="0"/>
+                                  <a:cs typeface="Calibri Light" panose="020F0302020204030204" pitchFamily="34" charset="0"/>
+                                </a:rPr>
+                                <m:t>2</m:t>
+                              </m:r>
+                            </m:e>
+                          </m:mr>
+                          <m:mr>
+                            <m:e>
+                              <m:r>
+                                <a:rPr lang="en-US" i="1">
+                                  <a:latin typeface="Cambria Math" panose="02040503050406030204" pitchFamily="18" charset="0"/>
+                                  <a:cs typeface="Calibri Light" panose="020F0302020204030204" pitchFamily="34" charset="0"/>
+                                </a:rPr>
+                                <m:t>0</m:t>
+                              </m:r>
+                            </m:e>
+                            <m:e>
+                              <m:r>
+                                <a:rPr lang="en-US" i="1">
+                                  <a:latin typeface="Cambria Math" panose="02040503050406030204" pitchFamily="18" charset="0"/>
+                                  <a:cs typeface="Calibri Light" panose="020F0302020204030204" pitchFamily="34" charset="0"/>
+                                </a:rPr>
+                                <m:t>−1</m:t>
+                              </m:r>
+                            </m:e>
+                            <m:e>
+                              <m:r>
+                                <a:rPr lang="en-US" i="1">
+                                  <a:latin typeface="Cambria Math" panose="02040503050406030204" pitchFamily="18" charset="0"/>
+                                  <a:cs typeface="Calibri Light" panose="020F0302020204030204" pitchFamily="34" charset="0"/>
+                                </a:rPr>
+                                <m:t>0</m:t>
+                              </m:r>
+                            </m:e>
+                          </m:mr>
+                          <m:mr>
+                            <m:e>
+                              <m:r>
+                                <a:rPr lang="en-US" i="1">
+                                  <a:latin typeface="Cambria Math" panose="02040503050406030204" pitchFamily="18" charset="0"/>
+                                  <a:cs typeface="Calibri Light" panose="020F0302020204030204" pitchFamily="34" charset="0"/>
+                                </a:rPr>
+                                <m:t>1</m:t>
+                              </m:r>
+                            </m:e>
+                            <m:e>
+                              <m:r>
+                                <a:rPr lang="en-US" i="1">
+                                  <a:latin typeface="Cambria Math" panose="02040503050406030204" pitchFamily="18" charset="0"/>
+                                  <a:cs typeface="Calibri Light" panose="020F0302020204030204" pitchFamily="34" charset="0"/>
+                                </a:rPr>
+                                <m:t>0</m:t>
+                              </m:r>
+                            </m:e>
+                            <m:e>
+                              <m:r>
+                                <a:rPr lang="en-US" i="1">
+                                  <a:latin typeface="Cambria Math" panose="02040503050406030204" pitchFamily="18" charset="0"/>
+                                  <a:cs typeface="Calibri Light" panose="020F0302020204030204" pitchFamily="34" charset="0"/>
+                                </a:rPr>
+                                <m:t>−1</m:t>
+                              </m:r>
+                            </m:e>
+                          </m:mr>
+                        </m:m>
                       </m:e>
                     </m:d>
                   </m:oMath>
@@ -10266,15 +9826,15 @@
             <p:spPr>
               <a:xfrm>
                 <a:off x="5418050" y="3783984"/>
-                <a:ext cx="6229462" cy="2367892"/>
+                <a:ext cx="6190990" cy="2448812"/>
               </a:xfrm>
               <a:prstGeom prst="rect">
                 <a:avLst/>
               </a:prstGeom>
-              <a:blipFill rotWithShape="0">
+              <a:blipFill>
                 <a:blip r:embed="rId5"/>
                 <a:stretch>
-                  <a:fillRect l="-1272"/>
+                  <a:fillRect l="-1281"/>
                 </a:stretch>
               </a:blipFill>
             </p:spPr>
@@ -10303,13 +9863,6 @@
   <p:clrMapOvr>
     <a:masterClrMapping/>
   </p:clrMapOvr>
-  <p:timing>
-    <p:tnLst>
-      <p:par>
-        <p:cTn id="1" dur="indefinite" restart="never" nodeType="tmRoot"/>
-      </p:par>
-    </p:tnLst>
-  </p:timing>
 </p:sld>
 </file>
 
@@ -10346,45 +9899,10 @@
           <a:lstStyle/>
           <a:p>
             <a:r>
-              <a:rPr lang="en-US" dirty="0" err="1" smtClean="0"/>
+              <a:rPr lang="en-US" dirty="0" err="1"/>
               <a:t>Teoría</a:t>
             </a:r>
             <a:endParaRPr lang="es-CO" dirty="0"/>
-          </a:p>
-        </p:txBody>
-      </p:sp>
-      <p:sp>
-        <p:nvSpPr>
-          <p:cNvPr id="3" name="Content Placeholder 2"/>
-          <p:cNvSpPr>
-            <a:spLocks noGrp="1"/>
-          </p:cNvSpPr>
-          <p:nvPr>
-            <p:ph idx="1"/>
-          </p:nvPr>
-        </p:nvSpPr>
-        <p:spPr>
-          <a:xfrm>
-            <a:off x="1143000" y="1965960"/>
-            <a:ext cx="6763871" cy="4347780"/>
-          </a:xfrm>
-        </p:spPr>
-        <p:txBody>
-          <a:bodyPr>
-            <a:normAutofit/>
-          </a:bodyPr>
-          <a:lstStyle/>
-          <a:p>
-            <a:pPr marL="45720" indent="0">
-              <a:buNone/>
-            </a:pPr>
-            <a:endParaRPr lang="es-CO" dirty="0">
-              <a:solidFill>
-                <a:schemeClr val="tx1"/>
-              </a:solidFill>
-              <a:latin typeface="Calibri Light" panose="020F0302020204030204" pitchFamily="34" charset="0"/>
-              <a:cs typeface="Calibri Light" panose="020F0302020204030204" pitchFamily="34" charset="0"/>
-            </a:endParaRPr>
           </a:p>
         </p:txBody>
       </p:sp>
@@ -10392,111 +9910,2857 @@
         <mc:Choice xmlns:a14="http://schemas.microsoft.com/office/drawing/2010/main" Requires="a14">
           <p:sp>
             <p:nvSpPr>
-              <p:cNvPr id="4" name="Rectangle 3"/>
-              <p:cNvSpPr/>
-              <p:nvPr/>
+              <p:cNvPr id="3" name="Content Placeholder 2"/>
+              <p:cNvSpPr>
+                <a:spLocks noGrp="1"/>
+              </p:cNvSpPr>
+              <p:nvPr>
+                <p:ph idx="1"/>
+              </p:nvPr>
             </p:nvSpPr>
             <p:spPr>
               <a:xfrm>
-                <a:off x="7083735" y="3127725"/>
-                <a:ext cx="1682127" cy="461665"/>
+                <a:off x="1142999" y="1965960"/>
+                <a:ext cx="11247539" cy="4347780"/>
               </a:xfrm>
-              <a:prstGeom prst="rect">
-                <a:avLst/>
-              </a:prstGeom>
             </p:spPr>
             <p:txBody>
-              <a:bodyPr wrap="none">
-                <a:spAutoFit/>
+              <a:bodyPr>
+                <a:normAutofit fontScale="92500" lnSpcReduction="10000"/>
               </a:bodyPr>
               <a:lstStyle/>
               <a:p>
+                <a:pPr marL="45720" indent="0">
+                  <a:buNone/>
+                </a:pPr>
+                <a:r>
+                  <a:rPr lang="es-CO" dirty="0">
+                    <a:solidFill>
+                      <a:schemeClr val="tx1"/>
+                    </a:solidFill>
+                    <a:latin typeface="Calibri Light" panose="020F0302020204030204" pitchFamily="34" charset="0"/>
+                    <a:cs typeface="Calibri Light" panose="020F0302020204030204" pitchFamily="34" charset="0"/>
+                  </a:rPr>
+                  <a:t>Pasos </a:t>
+                </a:r>
+                <a:r>
+                  <a:rPr lang="en-US" sz="2400" dirty="0">
+                    <a:solidFill>
+                      <a:schemeClr val="tx1"/>
+                    </a:solidFill>
+                    <a:latin typeface="Calibri Light" panose="020F0302020204030204" pitchFamily="34" charset="0"/>
+                    <a:cs typeface="Calibri Light" panose="020F0302020204030204" pitchFamily="34" charset="0"/>
+                  </a:rPr>
+                  <a:t>Lattice </a:t>
+                </a:r>
+                <a:r>
+                  <a:rPr lang="es-CO" dirty="0" err="1">
+                    <a:solidFill>
+                      <a:schemeClr val="tx1"/>
+                    </a:solidFill>
+                    <a:latin typeface="Calibri Light" panose="020F0302020204030204" pitchFamily="34" charset="0"/>
+                    <a:cs typeface="Calibri Light" panose="020F0302020204030204" pitchFamily="34" charset="0"/>
+                  </a:rPr>
+                  <a:t>Boltzmann</a:t>
+                </a:r>
+                <a:r>
+                  <a:rPr lang="es-CO" dirty="0">
+                    <a:solidFill>
+                      <a:schemeClr val="tx1"/>
+                    </a:solidFill>
+                    <a:latin typeface="Calibri Light" panose="020F0302020204030204" pitchFamily="34" charset="0"/>
+                    <a:cs typeface="Calibri Light" panose="020F0302020204030204" pitchFamily="34" charset="0"/>
+                  </a:rPr>
+                  <a:t> de múltiples tiempos de </a:t>
+                </a:r>
+                <a:r>
+                  <a:rPr lang="es-CO" dirty="0" err="1">
+                    <a:solidFill>
+                      <a:schemeClr val="tx1"/>
+                    </a:solidFill>
+                    <a:latin typeface="Calibri Light" panose="020F0302020204030204" pitchFamily="34" charset="0"/>
+                    <a:cs typeface="Calibri Light" panose="020F0302020204030204" pitchFamily="34" charset="0"/>
+                  </a:rPr>
+                  <a:t>relajaci</a:t>
+                </a:r>
+                <a:r>
+                  <a:rPr lang="en-US" dirty="0" err="1">
+                    <a:solidFill>
+                      <a:schemeClr val="tx1"/>
+                    </a:solidFill>
+                    <a:latin typeface="Calibri Light" panose="020F0302020204030204" pitchFamily="34" charset="0"/>
+                    <a:cs typeface="Calibri Light" panose="020F0302020204030204" pitchFamily="34" charset="0"/>
+                  </a:rPr>
+                  <a:t>ón</a:t>
+                </a:r>
+                <a:r>
+                  <a:rPr lang="en-US" dirty="0">
+                    <a:solidFill>
+                      <a:schemeClr val="tx1"/>
+                    </a:solidFill>
+                    <a:latin typeface="Calibri Light" panose="020F0302020204030204" pitchFamily="34" charset="0"/>
+                    <a:cs typeface="Calibri Light" panose="020F0302020204030204" pitchFamily="34" charset="0"/>
+                  </a:rPr>
+                  <a:t>: </a:t>
+                </a:r>
+              </a:p>
+              <a:p>
+                <a:pPr marL="502920" indent="-457200">
+                  <a:buFont typeface="+mj-lt"/>
+                  <a:buAutoNum type="arabicPeriod"/>
+                </a:pPr>
+                <a:r>
+                  <a:rPr lang="en-US" dirty="0" err="1">
+                    <a:solidFill>
+                      <a:schemeClr val="tx1"/>
+                    </a:solidFill>
+                    <a:latin typeface="Calibri Light" panose="020F0302020204030204" pitchFamily="34" charset="0"/>
+                    <a:cs typeface="Calibri Light" panose="020F0302020204030204" pitchFamily="34" charset="0"/>
+                  </a:rPr>
+                  <a:t>Inicie</a:t>
+                </a:r>
+                <a:r>
+                  <a:rPr lang="en-US" dirty="0">
+                    <a:solidFill>
+                      <a:schemeClr val="tx1"/>
+                    </a:solidFill>
+                    <a:latin typeface="Calibri Light" panose="020F0302020204030204" pitchFamily="34" charset="0"/>
+                    <a:cs typeface="Calibri Light" panose="020F0302020204030204" pitchFamily="34" charset="0"/>
+                  </a:rPr>
+                  <a:t>: </a:t>
+                </a:r>
                 <a14:m>
-                  <m:oMathPara xmlns:m="http://schemas.openxmlformats.org/officeDocument/2006/math">
-                    <m:oMathParaPr>
-                      <m:jc m:val="centerGroup"/>
-                    </m:oMathParaPr>
-                    <m:oMath xmlns:m="http://schemas.openxmlformats.org/officeDocument/2006/math">
-                      <m:r>
-                        <a:rPr lang="en-US" sz="2400" i="1" smtClean="0">
-                          <a:latin typeface="Cambria Math" panose="02040503050406030204" pitchFamily="18" charset="0"/>
-                          <a:cs typeface="Calibri Light" panose="020F0302020204030204" pitchFamily="34" charset="0"/>
-                        </a:rPr>
-                        <m:t>|</m:t>
-                      </m:r>
-                      <m:d>
-                        <m:dPr>
-                          <m:begChr m:val=""/>
-                          <m:endChr m:val="⟩"/>
-                          <m:ctrlPr>
-                            <a:rPr lang="en-US" sz="2400" i="1">
-                              <a:latin typeface="Cambria Math" panose="02040503050406030204" pitchFamily="18" charset="0"/>
-                              <a:ea typeface="Cambria Math" panose="02040503050406030204" pitchFamily="18" charset="0"/>
-                              <a:cs typeface="Calibri Light" panose="020F0302020204030204" pitchFamily="34" charset="0"/>
-                            </a:rPr>
-                          </m:ctrlPr>
-                        </m:dPr>
-                        <m:e>
-                          <m:r>
-                            <a:rPr lang="en-US" sz="2400" i="1">
-                              <a:latin typeface="Cambria Math" panose="02040503050406030204" pitchFamily="18" charset="0"/>
-                              <a:ea typeface="Cambria Math" panose="02040503050406030204" pitchFamily="18" charset="0"/>
-                              <a:cs typeface="Calibri Light" panose="020F0302020204030204" pitchFamily="34" charset="0"/>
-                            </a:rPr>
-                            <m:t>𝜚</m:t>
-                          </m:r>
-                        </m:e>
-                      </m:d>
-                      <m:r>
-                        <a:rPr lang="en-US" sz="2400" i="1">
-                          <a:latin typeface="Cambria Math" panose="02040503050406030204" pitchFamily="18" charset="0"/>
-                          <a:ea typeface="Cambria Math" panose="02040503050406030204" pitchFamily="18" charset="0"/>
-                          <a:cs typeface="Calibri Light" panose="020F0302020204030204" pitchFamily="34" charset="0"/>
-                        </a:rPr>
-                        <m:t>=</m:t>
-                      </m:r>
-                      <m:r>
-                        <a:rPr lang="en-US" sz="2400" b="0" i="1" smtClean="0">
-                          <a:latin typeface="Cambria Math" panose="02040503050406030204" pitchFamily="18" charset="0"/>
-                          <a:ea typeface="Cambria Math" panose="02040503050406030204" pitchFamily="18" charset="0"/>
-                          <a:cs typeface="Calibri Light" panose="020F0302020204030204" pitchFamily="34" charset="0"/>
-                        </a:rPr>
-                        <m:t>𝑀</m:t>
-                      </m:r>
-                      <m:r>
-                        <a:rPr lang="en-US" sz="2400" i="1">
-                          <a:latin typeface="Cambria Math" panose="02040503050406030204" pitchFamily="18" charset="0"/>
-                          <a:cs typeface="Calibri Light" panose="020F0302020204030204" pitchFamily="34" charset="0"/>
-                        </a:rPr>
-                        <m:t>|</m:t>
-                      </m:r>
-                      <m:d>
-                        <m:dPr>
-                          <m:begChr m:val=""/>
-                          <m:endChr m:val="⟩"/>
-                          <m:ctrlPr>
-                            <a:rPr lang="en-US" sz="2400" i="1">
-                              <a:latin typeface="Cambria Math" panose="02040503050406030204" pitchFamily="18" charset="0"/>
-                              <a:ea typeface="Cambria Math" panose="02040503050406030204" pitchFamily="18" charset="0"/>
-                              <a:cs typeface="Calibri Light" panose="020F0302020204030204" pitchFamily="34" charset="0"/>
-                            </a:rPr>
-                          </m:ctrlPr>
-                        </m:dPr>
-                        <m:e>
-                          <m:r>
-                            <a:rPr lang="en-US" sz="2400" b="0" i="1" smtClean="0">
-                              <a:latin typeface="Cambria Math" panose="02040503050406030204" pitchFamily="18" charset="0"/>
-                              <a:ea typeface="Cambria Math" panose="02040503050406030204" pitchFamily="18" charset="0"/>
-                              <a:cs typeface="Calibri Light" panose="020F0302020204030204" pitchFamily="34" charset="0"/>
-                            </a:rPr>
-                            <m:t>𝑓</m:t>
-                          </m:r>
-                        </m:e>
-                      </m:d>
-                    </m:oMath>
-                  </m:oMathPara>
+                  <m:oMath xmlns:m="http://schemas.openxmlformats.org/officeDocument/2006/math">
+                    <m:r>
+                      <a:rPr lang="en-US" sz="2000" i="1">
+                        <a:solidFill>
+                          <a:schemeClr val="tx1"/>
+                        </a:solidFill>
+                        <a:latin typeface="Cambria Math" panose="02040503050406030204" pitchFamily="18" charset="0"/>
+                        <a:ea typeface="Cambria Math" panose="02040503050406030204" pitchFamily="18" charset="0"/>
+                        <a:cs typeface="Calibri Light" panose="020F0302020204030204" pitchFamily="34" charset="0"/>
+                      </a:rPr>
+                      <m:t>|</m:t>
+                    </m:r>
+                    <m:d>
+                      <m:dPr>
+                        <m:begChr m:val=""/>
+                        <m:endChr m:val="⟩"/>
+                        <m:ctrlPr>
+                          <a:rPr lang="en-US" sz="2000" i="1">
+                            <a:solidFill>
+                              <a:schemeClr val="tx1"/>
+                            </a:solidFill>
+                            <a:latin typeface="Cambria Math" panose="02040503050406030204" pitchFamily="18" charset="0"/>
+                            <a:ea typeface="Cambria Math" panose="02040503050406030204" pitchFamily="18" charset="0"/>
+                            <a:cs typeface="Calibri Light" panose="020F0302020204030204" pitchFamily="34" charset="0"/>
+                          </a:rPr>
+                        </m:ctrlPr>
+                      </m:dPr>
+                      <m:e>
+                        <m:r>
+                          <a:rPr lang="en-US" sz="2000" i="1">
+                            <a:solidFill>
+                              <a:schemeClr val="tx1"/>
+                            </a:solidFill>
+                            <a:latin typeface="Cambria Math" panose="02040503050406030204" pitchFamily="18" charset="0"/>
+                            <a:ea typeface="Cambria Math" panose="02040503050406030204" pitchFamily="18" charset="0"/>
+                            <a:cs typeface="Calibri Light" panose="020F0302020204030204" pitchFamily="34" charset="0"/>
+                          </a:rPr>
+                          <m:t>𝜚</m:t>
+                        </m:r>
+                      </m:e>
+                    </m:d>
+                    <m:r>
+                      <a:rPr lang="en-US" sz="2000" i="1">
+                        <a:solidFill>
+                          <a:schemeClr val="tx1"/>
+                        </a:solidFill>
+                        <a:latin typeface="Cambria Math" panose="02040503050406030204" pitchFamily="18" charset="0"/>
+                        <a:ea typeface="Cambria Math" panose="02040503050406030204" pitchFamily="18" charset="0"/>
+                        <a:cs typeface="Calibri Light" panose="020F0302020204030204" pitchFamily="34" charset="0"/>
+                      </a:rPr>
+                      <m:t>=</m:t>
+                    </m:r>
+                    <m:r>
+                      <a:rPr lang="en-US" sz="2000" i="1">
+                        <a:solidFill>
+                          <a:schemeClr val="tx1"/>
+                        </a:solidFill>
+                        <a:latin typeface="Cambria Math" panose="02040503050406030204" pitchFamily="18" charset="0"/>
+                        <a:ea typeface="Cambria Math" panose="02040503050406030204" pitchFamily="18" charset="0"/>
+                        <a:cs typeface="Calibri Light" panose="020F0302020204030204" pitchFamily="34" charset="0"/>
+                      </a:rPr>
+                      <m:t>|</m:t>
+                    </m:r>
+                    <m:d>
+                      <m:dPr>
+                        <m:begChr m:val=""/>
+                        <m:endChr m:val="⟩"/>
+                        <m:ctrlPr>
+                          <a:rPr lang="en-US" sz="2000" i="1">
+                            <a:solidFill>
+                              <a:schemeClr val="tx1"/>
+                            </a:solidFill>
+                            <a:latin typeface="Cambria Math" panose="02040503050406030204" pitchFamily="18" charset="0"/>
+                            <a:ea typeface="Cambria Math" panose="02040503050406030204" pitchFamily="18" charset="0"/>
+                            <a:cs typeface="Calibri Light" panose="020F0302020204030204" pitchFamily="34" charset="0"/>
+                          </a:rPr>
+                        </m:ctrlPr>
+                      </m:dPr>
+                      <m:e>
+                        <m:sSup>
+                          <m:sSupPr>
+                            <m:ctrlPr>
+                              <a:rPr lang="en-US" sz="2000" i="1">
+                                <a:solidFill>
+                                  <a:schemeClr val="tx1"/>
+                                </a:solidFill>
+                                <a:latin typeface="Cambria Math" panose="02040503050406030204" pitchFamily="18" charset="0"/>
+                                <a:ea typeface="Cambria Math" panose="02040503050406030204" pitchFamily="18" charset="0"/>
+                                <a:cs typeface="Calibri Light" panose="020F0302020204030204" pitchFamily="34" charset="0"/>
+                              </a:rPr>
+                            </m:ctrlPr>
+                          </m:sSupPr>
+                          <m:e>
+                            <m:r>
+                              <a:rPr lang="en-US" sz="2000" i="1">
+                                <a:solidFill>
+                                  <a:schemeClr val="tx1"/>
+                                </a:solidFill>
+                                <a:latin typeface="Cambria Math" panose="02040503050406030204" pitchFamily="18" charset="0"/>
+                                <a:ea typeface="Cambria Math" panose="02040503050406030204" pitchFamily="18" charset="0"/>
+                                <a:cs typeface="Calibri Light" panose="020F0302020204030204" pitchFamily="34" charset="0"/>
+                              </a:rPr>
+                              <m:t>𝜚</m:t>
+                            </m:r>
+                          </m:e>
+                          <m:sup>
+                            <m:d>
+                              <m:dPr>
+                                <m:ctrlPr>
+                                  <a:rPr lang="en-US" sz="2000" i="1">
+                                    <a:solidFill>
+                                      <a:schemeClr val="tx1"/>
+                                    </a:solidFill>
+                                    <a:latin typeface="Cambria Math" panose="02040503050406030204" pitchFamily="18" charset="0"/>
+                                    <a:ea typeface="Cambria Math" panose="02040503050406030204" pitchFamily="18" charset="0"/>
+                                    <a:cs typeface="Calibri Light" panose="020F0302020204030204" pitchFamily="34" charset="0"/>
+                                  </a:rPr>
+                                </m:ctrlPr>
+                              </m:dPr>
+                              <m:e>
+                                <m:r>
+                                  <a:rPr lang="en-US" sz="2000" i="1">
+                                    <a:solidFill>
+                                      <a:schemeClr val="tx1"/>
+                                    </a:solidFill>
+                                    <a:latin typeface="Cambria Math" panose="02040503050406030204" pitchFamily="18" charset="0"/>
+                                    <a:ea typeface="Cambria Math" panose="02040503050406030204" pitchFamily="18" charset="0"/>
+                                    <a:cs typeface="Calibri Light" panose="020F0302020204030204" pitchFamily="34" charset="0"/>
+                                  </a:rPr>
+                                  <m:t>𝑒𝑞</m:t>
+                                </m:r>
+                              </m:e>
+                            </m:d>
+                          </m:sup>
+                        </m:sSup>
+                      </m:e>
+                    </m:d>
+                    <m:r>
+                      <a:rPr lang="en-US" sz="2000" i="1">
+                        <a:solidFill>
+                          <a:schemeClr val="tx1"/>
+                        </a:solidFill>
+                        <a:latin typeface="Cambria Math" panose="02040503050406030204" pitchFamily="18" charset="0"/>
+                        <a:ea typeface="Cambria Math" panose="02040503050406030204" pitchFamily="18" charset="0"/>
+                        <a:cs typeface="Calibri Light" panose="020F0302020204030204" pitchFamily="34" charset="0"/>
+                      </a:rPr>
+                      <m:t>=</m:t>
+                    </m:r>
+                    <m:sSup>
+                      <m:sSupPr>
+                        <m:ctrlPr>
+                          <a:rPr lang="en-US" sz="2000" i="1">
+                            <a:solidFill>
+                              <a:schemeClr val="tx1"/>
+                            </a:solidFill>
+                            <a:latin typeface="Cambria Math" panose="02040503050406030204" pitchFamily="18" charset="0"/>
+                            <a:ea typeface="Cambria Math" panose="02040503050406030204" pitchFamily="18" charset="0"/>
+                            <a:cs typeface="Calibri Light" panose="020F0302020204030204" pitchFamily="34" charset="0"/>
+                          </a:rPr>
+                        </m:ctrlPr>
+                      </m:sSupPr>
+                      <m:e>
+                        <m:d>
+                          <m:dPr>
+                            <m:ctrlPr>
+                              <a:rPr lang="en-US" sz="2000" i="1">
+                                <a:solidFill>
+                                  <a:schemeClr val="tx1"/>
+                                </a:solidFill>
+                                <a:latin typeface="Cambria Math" panose="02040503050406030204" pitchFamily="18" charset="0"/>
+                                <a:ea typeface="Cambria Math" panose="02040503050406030204" pitchFamily="18" charset="0"/>
+                                <a:cs typeface="Calibri Light" panose="020F0302020204030204" pitchFamily="34" charset="0"/>
+                              </a:rPr>
+                            </m:ctrlPr>
+                          </m:dPr>
+                          <m:e>
+                            <m:r>
+                              <a:rPr lang="en-US" sz="2000" i="1" smtClean="0">
+                                <a:solidFill>
+                                  <a:schemeClr val="tx1"/>
+                                </a:solidFill>
+                                <a:latin typeface="Cambria Math" panose="02040503050406030204" pitchFamily="18" charset="0"/>
+                                <a:ea typeface="Cambria Math" panose="02040503050406030204" pitchFamily="18" charset="0"/>
+                                <a:cs typeface="Calibri Light" panose="020F0302020204030204" pitchFamily="34" charset="0"/>
+                              </a:rPr>
+                              <m:t>𝜌</m:t>
+                            </m:r>
+                            <m:r>
+                              <a:rPr lang="en-US" sz="2000" i="1">
+                                <a:solidFill>
+                                  <a:schemeClr val="tx1"/>
+                                </a:solidFill>
+                                <a:latin typeface="Cambria Math" panose="02040503050406030204" pitchFamily="18" charset="0"/>
+                                <a:ea typeface="Cambria Math" panose="02040503050406030204" pitchFamily="18" charset="0"/>
+                                <a:cs typeface="Calibri Light" panose="020F0302020204030204" pitchFamily="34" charset="0"/>
+                              </a:rPr>
+                              <m:t>,</m:t>
+                            </m:r>
+                            <m:sSub>
+                              <m:sSubPr>
+                                <m:ctrlPr>
+                                  <a:rPr lang="en-US" sz="2000" i="1">
+                                    <a:solidFill>
+                                      <a:schemeClr val="tx1"/>
+                                    </a:solidFill>
+                                    <a:latin typeface="Cambria Math" panose="02040503050406030204" pitchFamily="18" charset="0"/>
+                                    <a:ea typeface="Cambria Math" panose="02040503050406030204" pitchFamily="18" charset="0"/>
+                                    <a:cs typeface="Calibri Light" panose="020F0302020204030204" pitchFamily="34" charset="0"/>
+                                  </a:rPr>
+                                </m:ctrlPr>
+                              </m:sSubPr>
+                              <m:e>
+                                <m:r>
+                                  <a:rPr lang="en-US" sz="2000" i="1">
+                                    <a:solidFill>
+                                      <a:schemeClr val="tx1"/>
+                                    </a:solidFill>
+                                    <a:latin typeface="Cambria Math" panose="02040503050406030204" pitchFamily="18" charset="0"/>
+                                    <a:ea typeface="Cambria Math" panose="02040503050406030204" pitchFamily="18" charset="0"/>
+                                    <a:cs typeface="Calibri Light" panose="020F0302020204030204" pitchFamily="34" charset="0"/>
+                                  </a:rPr>
+                                  <m:t>𝑗</m:t>
+                                </m:r>
+                              </m:e>
+                              <m:sub>
+                                <m:r>
+                                  <a:rPr lang="en-US" sz="2000" i="1">
+                                    <a:solidFill>
+                                      <a:schemeClr val="tx1"/>
+                                    </a:solidFill>
+                                    <a:latin typeface="Cambria Math" panose="02040503050406030204" pitchFamily="18" charset="0"/>
+                                    <a:ea typeface="Cambria Math" panose="02040503050406030204" pitchFamily="18" charset="0"/>
+                                    <a:cs typeface="Calibri Light" panose="020F0302020204030204" pitchFamily="34" charset="0"/>
+                                  </a:rPr>
+                                  <m:t>𝑥</m:t>
+                                </m:r>
+                              </m:sub>
+                            </m:sSub>
+                            <m:r>
+                              <a:rPr lang="en-US" sz="2000" i="1">
+                                <a:solidFill>
+                                  <a:schemeClr val="tx1"/>
+                                </a:solidFill>
+                                <a:latin typeface="Cambria Math" panose="02040503050406030204" pitchFamily="18" charset="0"/>
+                                <a:ea typeface="Cambria Math" panose="02040503050406030204" pitchFamily="18" charset="0"/>
+                                <a:cs typeface="Calibri Light" panose="020F0302020204030204" pitchFamily="34" charset="0"/>
+                              </a:rPr>
+                              <m:t>,</m:t>
+                            </m:r>
+                            <m:sSub>
+                              <m:sSubPr>
+                                <m:ctrlPr>
+                                  <a:rPr lang="en-US" sz="2000" i="1">
+                                    <a:solidFill>
+                                      <a:schemeClr val="tx1"/>
+                                    </a:solidFill>
+                                    <a:latin typeface="Cambria Math" panose="02040503050406030204" pitchFamily="18" charset="0"/>
+                                    <a:ea typeface="Cambria Math" panose="02040503050406030204" pitchFamily="18" charset="0"/>
+                                    <a:cs typeface="Calibri Light" panose="020F0302020204030204" pitchFamily="34" charset="0"/>
+                                  </a:rPr>
+                                </m:ctrlPr>
+                              </m:sSubPr>
+                              <m:e>
+                                <m:r>
+                                  <a:rPr lang="en-US" sz="2000" i="1">
+                                    <a:solidFill>
+                                      <a:schemeClr val="tx1"/>
+                                    </a:solidFill>
+                                    <a:latin typeface="Cambria Math" panose="02040503050406030204" pitchFamily="18" charset="0"/>
+                                    <a:ea typeface="Cambria Math" panose="02040503050406030204" pitchFamily="18" charset="0"/>
+                                    <a:cs typeface="Calibri Light" panose="020F0302020204030204" pitchFamily="34" charset="0"/>
+                                  </a:rPr>
+                                  <m:t>𝑗</m:t>
+                                </m:r>
+                              </m:e>
+                              <m:sub>
+                                <m:r>
+                                  <a:rPr lang="en-US" sz="2000" i="1">
+                                    <a:solidFill>
+                                      <a:schemeClr val="tx1"/>
+                                    </a:solidFill>
+                                    <a:latin typeface="Cambria Math" panose="02040503050406030204" pitchFamily="18" charset="0"/>
+                                    <a:ea typeface="Cambria Math" panose="02040503050406030204" pitchFamily="18" charset="0"/>
+                                    <a:cs typeface="Calibri Light" panose="020F0302020204030204" pitchFamily="34" charset="0"/>
+                                  </a:rPr>
+                                  <m:t>𝑦</m:t>
+                                </m:r>
+                              </m:sub>
+                            </m:sSub>
+                            <m:r>
+                              <a:rPr lang="en-US" sz="2000" i="1">
+                                <a:solidFill>
+                                  <a:schemeClr val="tx1"/>
+                                </a:solidFill>
+                                <a:latin typeface="Cambria Math" panose="02040503050406030204" pitchFamily="18" charset="0"/>
+                                <a:ea typeface="Cambria Math" panose="02040503050406030204" pitchFamily="18" charset="0"/>
+                                <a:cs typeface="Calibri Light" panose="020F0302020204030204" pitchFamily="34" charset="0"/>
+                              </a:rPr>
+                              <m:t>,</m:t>
+                            </m:r>
+                            <m:sSub>
+                              <m:sSubPr>
+                                <m:ctrlPr>
+                                  <a:rPr lang="en-US" sz="2000" i="1">
+                                    <a:solidFill>
+                                      <a:schemeClr val="tx1"/>
+                                    </a:solidFill>
+                                    <a:latin typeface="Cambria Math" panose="02040503050406030204" pitchFamily="18" charset="0"/>
+                                    <a:ea typeface="Cambria Math" panose="02040503050406030204" pitchFamily="18" charset="0"/>
+                                    <a:cs typeface="Calibri Light" panose="020F0302020204030204" pitchFamily="34" charset="0"/>
+                                  </a:rPr>
+                                </m:ctrlPr>
+                              </m:sSubPr>
+                              <m:e>
+                                <m:r>
+                                  <a:rPr lang="en-US" sz="2000" b="0" i="1" smtClean="0">
+                                    <a:solidFill>
+                                      <a:schemeClr val="tx1"/>
+                                    </a:solidFill>
+                                    <a:latin typeface="Cambria Math" panose="02040503050406030204" pitchFamily="18" charset="0"/>
+                                    <a:ea typeface="Cambria Math" panose="02040503050406030204" pitchFamily="18" charset="0"/>
+                                    <a:cs typeface="Calibri Light" panose="020F0302020204030204" pitchFamily="34" charset="0"/>
+                                  </a:rPr>
+                                  <m:t>−</m:t>
+                                </m:r>
+                                <m:r>
+                                  <a:rPr lang="en-US" sz="2000" b="0" i="1" smtClean="0">
+                                    <a:solidFill>
+                                      <a:schemeClr val="tx1"/>
+                                    </a:solidFill>
+                                    <a:latin typeface="Cambria Math" panose="02040503050406030204" pitchFamily="18" charset="0"/>
+                                    <a:ea typeface="Cambria Math" panose="02040503050406030204" pitchFamily="18" charset="0"/>
+                                    <a:cs typeface="Calibri Light" panose="020F0302020204030204" pitchFamily="34" charset="0"/>
+                                  </a:rPr>
+                                  <m:t>𝑗</m:t>
+                                </m:r>
+                              </m:e>
+                              <m:sub>
+                                <m:r>
+                                  <a:rPr lang="en-US" sz="2000" i="1">
+                                    <a:solidFill>
+                                      <a:schemeClr val="tx1"/>
+                                    </a:solidFill>
+                                    <a:latin typeface="Cambria Math" panose="02040503050406030204" pitchFamily="18" charset="0"/>
+                                    <a:ea typeface="Cambria Math" panose="02040503050406030204" pitchFamily="18" charset="0"/>
+                                    <a:cs typeface="Calibri Light" panose="020F0302020204030204" pitchFamily="34" charset="0"/>
+                                  </a:rPr>
+                                  <m:t>𝑥</m:t>
+                                </m:r>
+                              </m:sub>
+                            </m:sSub>
+                            <m:r>
+                              <a:rPr lang="en-US" sz="2000" i="1">
+                                <a:solidFill>
+                                  <a:schemeClr val="tx1"/>
+                                </a:solidFill>
+                                <a:latin typeface="Cambria Math" panose="02040503050406030204" pitchFamily="18" charset="0"/>
+                                <a:ea typeface="Cambria Math" panose="02040503050406030204" pitchFamily="18" charset="0"/>
+                                <a:cs typeface="Calibri Light" panose="020F0302020204030204" pitchFamily="34" charset="0"/>
+                              </a:rPr>
+                              <m:t>,</m:t>
+                            </m:r>
+                            <m:sSub>
+                              <m:sSubPr>
+                                <m:ctrlPr>
+                                  <a:rPr lang="en-US" sz="2000" i="1">
+                                    <a:solidFill>
+                                      <a:schemeClr val="tx1"/>
+                                    </a:solidFill>
+                                    <a:latin typeface="Cambria Math" panose="02040503050406030204" pitchFamily="18" charset="0"/>
+                                    <a:ea typeface="Cambria Math" panose="02040503050406030204" pitchFamily="18" charset="0"/>
+                                    <a:cs typeface="Calibri Light" panose="020F0302020204030204" pitchFamily="34" charset="0"/>
+                                  </a:rPr>
+                                </m:ctrlPr>
+                              </m:sSubPr>
+                              <m:e>
+                                <m:r>
+                                  <a:rPr lang="en-US" sz="2000" b="0" i="1" smtClean="0">
+                                    <a:solidFill>
+                                      <a:schemeClr val="tx1"/>
+                                    </a:solidFill>
+                                    <a:latin typeface="Cambria Math" panose="02040503050406030204" pitchFamily="18" charset="0"/>
+                                    <a:ea typeface="Cambria Math" panose="02040503050406030204" pitchFamily="18" charset="0"/>
+                                    <a:cs typeface="Calibri Light" panose="020F0302020204030204" pitchFamily="34" charset="0"/>
+                                  </a:rPr>
+                                  <m:t>−</m:t>
+                                </m:r>
+                                <m:r>
+                                  <a:rPr lang="en-US" sz="2000" b="0" i="1" smtClean="0">
+                                    <a:solidFill>
+                                      <a:schemeClr val="tx1"/>
+                                    </a:solidFill>
+                                    <a:latin typeface="Cambria Math" panose="02040503050406030204" pitchFamily="18" charset="0"/>
+                                    <a:ea typeface="Cambria Math" panose="02040503050406030204" pitchFamily="18" charset="0"/>
+                                    <a:cs typeface="Calibri Light" panose="020F0302020204030204" pitchFamily="34" charset="0"/>
+                                  </a:rPr>
+                                  <m:t>𝑗</m:t>
+                                </m:r>
+                              </m:e>
+                              <m:sub>
+                                <m:r>
+                                  <a:rPr lang="en-US" sz="2000" i="1">
+                                    <a:solidFill>
+                                      <a:schemeClr val="tx1"/>
+                                    </a:solidFill>
+                                    <a:latin typeface="Cambria Math" panose="02040503050406030204" pitchFamily="18" charset="0"/>
+                                    <a:ea typeface="Cambria Math" panose="02040503050406030204" pitchFamily="18" charset="0"/>
+                                    <a:cs typeface="Calibri Light" panose="020F0302020204030204" pitchFamily="34" charset="0"/>
+                                  </a:rPr>
+                                  <m:t>𝑦</m:t>
+                                </m:r>
+                              </m:sub>
+                            </m:sSub>
+                            <m:r>
+                              <a:rPr lang="en-US" sz="2000" i="1">
+                                <a:solidFill>
+                                  <a:schemeClr val="tx1"/>
+                                </a:solidFill>
+                                <a:latin typeface="Cambria Math" panose="02040503050406030204" pitchFamily="18" charset="0"/>
+                                <a:ea typeface="Cambria Math" panose="02040503050406030204" pitchFamily="18" charset="0"/>
+                                <a:cs typeface="Calibri Light" panose="020F0302020204030204" pitchFamily="34" charset="0"/>
+                              </a:rPr>
+                              <m:t>,</m:t>
+                            </m:r>
+                            <m:r>
+                              <a:rPr lang="en-US" sz="2000" i="1" smtClean="0">
+                                <a:solidFill>
+                                  <a:schemeClr val="tx1"/>
+                                </a:solidFill>
+                                <a:latin typeface="Cambria Math" panose="02040503050406030204" pitchFamily="18" charset="0"/>
+                                <a:ea typeface="Cambria Math" panose="02040503050406030204" pitchFamily="18" charset="0"/>
+                                <a:cs typeface="Calibri Light" panose="020F0302020204030204" pitchFamily="34" charset="0"/>
+                              </a:rPr>
+                              <m:t>𝜌</m:t>
+                            </m:r>
+                            <m:r>
+                              <a:rPr lang="en-US" sz="2000" b="0" i="1" smtClean="0">
+                                <a:solidFill>
+                                  <a:schemeClr val="tx1"/>
+                                </a:solidFill>
+                                <a:latin typeface="Cambria Math" panose="02040503050406030204" pitchFamily="18" charset="0"/>
+                                <a:ea typeface="Cambria Math" panose="02040503050406030204" pitchFamily="18" charset="0"/>
+                                <a:cs typeface="Calibri Light" panose="020F0302020204030204" pitchFamily="34" charset="0"/>
+                              </a:rPr>
+                              <m:t>−3</m:t>
+                            </m:r>
+                            <m:f>
+                              <m:fPr>
+                                <m:ctrlPr>
+                                  <a:rPr lang="en-US" sz="2000" b="0" i="1" smtClean="0">
+                                    <a:solidFill>
+                                      <a:schemeClr val="tx1"/>
+                                    </a:solidFill>
+                                    <a:latin typeface="Cambria Math" panose="02040503050406030204" pitchFamily="18" charset="0"/>
+                                    <a:ea typeface="Cambria Math" panose="02040503050406030204" pitchFamily="18" charset="0"/>
+                                    <a:cs typeface="Calibri Light" panose="020F0302020204030204" pitchFamily="34" charset="0"/>
+                                  </a:rPr>
+                                </m:ctrlPr>
+                              </m:fPr>
+                              <m:num>
+                                <m:d>
+                                  <m:dPr>
+                                    <m:ctrlPr>
+                                      <a:rPr lang="en-US" sz="2000" b="0" i="1" smtClean="0">
+                                        <a:solidFill>
+                                          <a:schemeClr val="tx1"/>
+                                        </a:solidFill>
+                                        <a:latin typeface="Cambria Math" panose="02040503050406030204" pitchFamily="18" charset="0"/>
+                                        <a:ea typeface="Cambria Math" panose="02040503050406030204" pitchFamily="18" charset="0"/>
+                                        <a:cs typeface="Calibri Light" panose="020F0302020204030204" pitchFamily="34" charset="0"/>
+                                      </a:rPr>
+                                    </m:ctrlPr>
+                                  </m:dPr>
+                                  <m:e>
+                                    <m:sSubSup>
+                                      <m:sSubSupPr>
+                                        <m:ctrlPr>
+                                          <a:rPr lang="en-US" sz="2000" b="0" i="1" smtClean="0">
+                                            <a:solidFill>
+                                              <a:schemeClr val="tx1"/>
+                                            </a:solidFill>
+                                            <a:latin typeface="Cambria Math" panose="02040503050406030204" pitchFamily="18" charset="0"/>
+                                            <a:ea typeface="Cambria Math" panose="02040503050406030204" pitchFamily="18" charset="0"/>
+                                            <a:cs typeface="Calibri Light" panose="020F0302020204030204" pitchFamily="34" charset="0"/>
+                                          </a:rPr>
+                                        </m:ctrlPr>
+                                      </m:sSubSupPr>
+                                      <m:e>
+                                        <m:r>
+                                          <a:rPr lang="en-US" sz="2000" b="0" i="1" smtClean="0">
+                                            <a:solidFill>
+                                              <a:schemeClr val="tx1"/>
+                                            </a:solidFill>
+                                            <a:latin typeface="Cambria Math" panose="02040503050406030204" pitchFamily="18" charset="0"/>
+                                            <a:ea typeface="Cambria Math" panose="02040503050406030204" pitchFamily="18" charset="0"/>
+                                            <a:cs typeface="Calibri Light" panose="020F0302020204030204" pitchFamily="34" charset="0"/>
+                                          </a:rPr>
+                                          <m:t>𝑗</m:t>
+                                        </m:r>
+                                      </m:e>
+                                      <m:sub>
+                                        <m:r>
+                                          <a:rPr lang="en-US" sz="2000" b="0" i="1" smtClean="0">
+                                            <a:solidFill>
+                                              <a:schemeClr val="tx1"/>
+                                            </a:solidFill>
+                                            <a:latin typeface="Cambria Math" panose="02040503050406030204" pitchFamily="18" charset="0"/>
+                                            <a:ea typeface="Cambria Math" panose="02040503050406030204" pitchFamily="18" charset="0"/>
+                                            <a:cs typeface="Calibri Light" panose="020F0302020204030204" pitchFamily="34" charset="0"/>
+                                          </a:rPr>
+                                          <m:t>𝑥</m:t>
+                                        </m:r>
+                                      </m:sub>
+                                      <m:sup>
+                                        <m:r>
+                                          <a:rPr lang="en-US" sz="2000" b="0" i="1" smtClean="0">
+                                            <a:solidFill>
+                                              <a:schemeClr val="tx1"/>
+                                            </a:solidFill>
+                                            <a:latin typeface="Cambria Math" panose="02040503050406030204" pitchFamily="18" charset="0"/>
+                                            <a:ea typeface="Cambria Math" panose="02040503050406030204" pitchFamily="18" charset="0"/>
+                                            <a:cs typeface="Calibri Light" panose="020F0302020204030204" pitchFamily="34" charset="0"/>
+                                          </a:rPr>
+                                          <m:t>2</m:t>
+                                        </m:r>
+                                      </m:sup>
+                                    </m:sSubSup>
+                                    <m:r>
+                                      <a:rPr lang="en-US" sz="2000" b="0" i="1" smtClean="0">
+                                        <a:solidFill>
+                                          <a:schemeClr val="tx1"/>
+                                        </a:solidFill>
+                                        <a:latin typeface="Cambria Math" panose="02040503050406030204" pitchFamily="18" charset="0"/>
+                                        <a:ea typeface="Cambria Math" panose="02040503050406030204" pitchFamily="18" charset="0"/>
+                                        <a:cs typeface="Calibri Light" panose="020F0302020204030204" pitchFamily="34" charset="0"/>
+                                      </a:rPr>
+                                      <m:t>+</m:t>
+                                    </m:r>
+                                    <m:sSubSup>
+                                      <m:sSubSupPr>
+                                        <m:ctrlPr>
+                                          <a:rPr lang="en-US" sz="2000" b="0" i="1" smtClean="0">
+                                            <a:solidFill>
+                                              <a:schemeClr val="tx1"/>
+                                            </a:solidFill>
+                                            <a:latin typeface="Cambria Math" panose="02040503050406030204" pitchFamily="18" charset="0"/>
+                                            <a:ea typeface="Cambria Math" panose="02040503050406030204" pitchFamily="18" charset="0"/>
+                                            <a:cs typeface="Calibri Light" panose="020F0302020204030204" pitchFamily="34" charset="0"/>
+                                          </a:rPr>
+                                        </m:ctrlPr>
+                                      </m:sSubSupPr>
+                                      <m:e>
+                                        <m:r>
+                                          <a:rPr lang="en-US" sz="2000" b="0" i="1" smtClean="0">
+                                            <a:solidFill>
+                                              <a:schemeClr val="tx1"/>
+                                            </a:solidFill>
+                                            <a:latin typeface="Cambria Math" panose="02040503050406030204" pitchFamily="18" charset="0"/>
+                                            <a:ea typeface="Cambria Math" panose="02040503050406030204" pitchFamily="18" charset="0"/>
+                                            <a:cs typeface="Calibri Light" panose="020F0302020204030204" pitchFamily="34" charset="0"/>
+                                          </a:rPr>
+                                          <m:t>𝑗</m:t>
+                                        </m:r>
+                                      </m:e>
+                                      <m:sub>
+                                        <m:r>
+                                          <a:rPr lang="en-US" sz="2000" b="0" i="1" smtClean="0">
+                                            <a:solidFill>
+                                              <a:schemeClr val="tx1"/>
+                                            </a:solidFill>
+                                            <a:latin typeface="Cambria Math" panose="02040503050406030204" pitchFamily="18" charset="0"/>
+                                            <a:ea typeface="Cambria Math" panose="02040503050406030204" pitchFamily="18" charset="0"/>
+                                            <a:cs typeface="Calibri Light" panose="020F0302020204030204" pitchFamily="34" charset="0"/>
+                                          </a:rPr>
+                                          <m:t>𝑦</m:t>
+                                        </m:r>
+                                      </m:sub>
+                                      <m:sup>
+                                        <m:r>
+                                          <a:rPr lang="en-US" sz="2000" b="0" i="1" smtClean="0">
+                                            <a:solidFill>
+                                              <a:schemeClr val="tx1"/>
+                                            </a:solidFill>
+                                            <a:latin typeface="Cambria Math" panose="02040503050406030204" pitchFamily="18" charset="0"/>
+                                            <a:ea typeface="Cambria Math" panose="02040503050406030204" pitchFamily="18" charset="0"/>
+                                            <a:cs typeface="Calibri Light" panose="020F0302020204030204" pitchFamily="34" charset="0"/>
+                                          </a:rPr>
+                                          <m:t>2</m:t>
+                                        </m:r>
+                                      </m:sup>
+                                    </m:sSubSup>
+                                  </m:e>
+                                </m:d>
+                              </m:num>
+                              <m:den>
+                                <m:r>
+                                  <a:rPr lang="en-US" sz="2000" b="0" i="1" smtClean="0">
+                                    <a:solidFill>
+                                      <a:schemeClr val="tx1"/>
+                                    </a:solidFill>
+                                    <a:latin typeface="Cambria Math" panose="02040503050406030204" pitchFamily="18" charset="0"/>
+                                    <a:ea typeface="Cambria Math" panose="02040503050406030204" pitchFamily="18" charset="0"/>
+                                    <a:cs typeface="Calibri Light" panose="020F0302020204030204" pitchFamily="34" charset="0"/>
+                                  </a:rPr>
+                                  <m:t>𝜌</m:t>
+                                </m:r>
+                              </m:den>
+                            </m:f>
+                            <m:r>
+                              <a:rPr lang="en-US" sz="2000" i="1">
+                                <a:solidFill>
+                                  <a:schemeClr val="tx1"/>
+                                </a:solidFill>
+                                <a:latin typeface="Cambria Math" panose="02040503050406030204" pitchFamily="18" charset="0"/>
+                                <a:ea typeface="Cambria Math" panose="02040503050406030204" pitchFamily="18" charset="0"/>
+                                <a:cs typeface="Calibri Light" panose="020F0302020204030204" pitchFamily="34" charset="0"/>
+                              </a:rPr>
+                              <m:t>,</m:t>
+                            </m:r>
+                            <m:r>
+                              <a:rPr lang="en-US" sz="2000" b="0" i="1" smtClean="0">
+                                <a:solidFill>
+                                  <a:schemeClr val="tx1"/>
+                                </a:solidFill>
+                                <a:latin typeface="Cambria Math" panose="02040503050406030204" pitchFamily="18" charset="0"/>
+                                <a:ea typeface="Cambria Math" panose="02040503050406030204" pitchFamily="18" charset="0"/>
+                                <a:cs typeface="Calibri Light" panose="020F0302020204030204" pitchFamily="34" charset="0"/>
+                              </a:rPr>
+                              <m:t>−2</m:t>
+                            </m:r>
+                            <m:r>
+                              <a:rPr lang="en-US" sz="2000" b="0" i="1" smtClean="0">
+                                <a:solidFill>
+                                  <a:schemeClr val="tx1"/>
+                                </a:solidFill>
+                                <a:latin typeface="Cambria Math" panose="02040503050406030204" pitchFamily="18" charset="0"/>
+                                <a:ea typeface="Cambria Math" panose="02040503050406030204" pitchFamily="18" charset="0"/>
+                                <a:cs typeface="Calibri Light" panose="020F0302020204030204" pitchFamily="34" charset="0"/>
+                              </a:rPr>
+                              <m:t>𝜌</m:t>
+                            </m:r>
+                            <m:r>
+                              <a:rPr lang="en-US" sz="2000" b="0" i="1" smtClean="0">
+                                <a:solidFill>
+                                  <a:schemeClr val="tx1"/>
+                                </a:solidFill>
+                                <a:latin typeface="Cambria Math" panose="02040503050406030204" pitchFamily="18" charset="0"/>
+                                <a:ea typeface="Cambria Math" panose="02040503050406030204" pitchFamily="18" charset="0"/>
+                                <a:cs typeface="Calibri Light" panose="020F0302020204030204" pitchFamily="34" charset="0"/>
+                              </a:rPr>
+                              <m:t>+3</m:t>
+                            </m:r>
+                            <m:f>
+                              <m:fPr>
+                                <m:ctrlPr>
+                                  <a:rPr lang="en-US" sz="2000" i="1">
+                                    <a:solidFill>
+                                      <a:schemeClr val="tx1"/>
+                                    </a:solidFill>
+                                    <a:latin typeface="Cambria Math" panose="02040503050406030204" pitchFamily="18" charset="0"/>
+                                    <a:ea typeface="Cambria Math" panose="02040503050406030204" pitchFamily="18" charset="0"/>
+                                    <a:cs typeface="Calibri Light" panose="020F0302020204030204" pitchFamily="34" charset="0"/>
+                                  </a:rPr>
+                                </m:ctrlPr>
+                              </m:fPr>
+                              <m:num>
+                                <m:d>
+                                  <m:dPr>
+                                    <m:ctrlPr>
+                                      <a:rPr lang="en-US" sz="2000" i="1">
+                                        <a:solidFill>
+                                          <a:schemeClr val="tx1"/>
+                                        </a:solidFill>
+                                        <a:latin typeface="Cambria Math" panose="02040503050406030204" pitchFamily="18" charset="0"/>
+                                        <a:ea typeface="Cambria Math" panose="02040503050406030204" pitchFamily="18" charset="0"/>
+                                        <a:cs typeface="Calibri Light" panose="020F0302020204030204" pitchFamily="34" charset="0"/>
+                                      </a:rPr>
+                                    </m:ctrlPr>
+                                  </m:dPr>
+                                  <m:e>
+                                    <m:sSubSup>
+                                      <m:sSubSupPr>
+                                        <m:ctrlPr>
+                                          <a:rPr lang="en-US" sz="2000" i="1">
+                                            <a:solidFill>
+                                              <a:schemeClr val="tx1"/>
+                                            </a:solidFill>
+                                            <a:latin typeface="Cambria Math" panose="02040503050406030204" pitchFamily="18" charset="0"/>
+                                            <a:ea typeface="Cambria Math" panose="02040503050406030204" pitchFamily="18" charset="0"/>
+                                            <a:cs typeface="Calibri Light" panose="020F0302020204030204" pitchFamily="34" charset="0"/>
+                                          </a:rPr>
+                                        </m:ctrlPr>
+                                      </m:sSubSupPr>
+                                      <m:e>
+                                        <m:r>
+                                          <a:rPr lang="en-US" sz="2000" i="1">
+                                            <a:solidFill>
+                                              <a:schemeClr val="tx1"/>
+                                            </a:solidFill>
+                                            <a:latin typeface="Cambria Math" panose="02040503050406030204" pitchFamily="18" charset="0"/>
+                                            <a:ea typeface="Cambria Math" panose="02040503050406030204" pitchFamily="18" charset="0"/>
+                                            <a:cs typeface="Calibri Light" panose="020F0302020204030204" pitchFamily="34" charset="0"/>
+                                          </a:rPr>
+                                          <m:t>𝑗</m:t>
+                                        </m:r>
+                                      </m:e>
+                                      <m:sub>
+                                        <m:r>
+                                          <a:rPr lang="en-US" sz="2000" i="1">
+                                            <a:solidFill>
+                                              <a:schemeClr val="tx1"/>
+                                            </a:solidFill>
+                                            <a:latin typeface="Cambria Math" panose="02040503050406030204" pitchFamily="18" charset="0"/>
+                                            <a:ea typeface="Cambria Math" panose="02040503050406030204" pitchFamily="18" charset="0"/>
+                                            <a:cs typeface="Calibri Light" panose="020F0302020204030204" pitchFamily="34" charset="0"/>
+                                          </a:rPr>
+                                          <m:t>𝑥</m:t>
+                                        </m:r>
+                                      </m:sub>
+                                      <m:sup>
+                                        <m:r>
+                                          <a:rPr lang="en-US" sz="2000" i="1">
+                                            <a:solidFill>
+                                              <a:schemeClr val="tx1"/>
+                                            </a:solidFill>
+                                            <a:latin typeface="Cambria Math" panose="02040503050406030204" pitchFamily="18" charset="0"/>
+                                            <a:ea typeface="Cambria Math" panose="02040503050406030204" pitchFamily="18" charset="0"/>
+                                            <a:cs typeface="Calibri Light" panose="020F0302020204030204" pitchFamily="34" charset="0"/>
+                                          </a:rPr>
+                                          <m:t>2</m:t>
+                                        </m:r>
+                                      </m:sup>
+                                    </m:sSubSup>
+                                    <m:r>
+                                      <a:rPr lang="en-US" sz="2000" i="1">
+                                        <a:solidFill>
+                                          <a:schemeClr val="tx1"/>
+                                        </a:solidFill>
+                                        <a:latin typeface="Cambria Math" panose="02040503050406030204" pitchFamily="18" charset="0"/>
+                                        <a:ea typeface="Cambria Math" panose="02040503050406030204" pitchFamily="18" charset="0"/>
+                                        <a:cs typeface="Calibri Light" panose="020F0302020204030204" pitchFamily="34" charset="0"/>
+                                      </a:rPr>
+                                      <m:t>+</m:t>
+                                    </m:r>
+                                    <m:sSubSup>
+                                      <m:sSubSupPr>
+                                        <m:ctrlPr>
+                                          <a:rPr lang="en-US" sz="2000" i="1">
+                                            <a:solidFill>
+                                              <a:schemeClr val="tx1"/>
+                                            </a:solidFill>
+                                            <a:latin typeface="Cambria Math" panose="02040503050406030204" pitchFamily="18" charset="0"/>
+                                            <a:ea typeface="Cambria Math" panose="02040503050406030204" pitchFamily="18" charset="0"/>
+                                            <a:cs typeface="Calibri Light" panose="020F0302020204030204" pitchFamily="34" charset="0"/>
+                                          </a:rPr>
+                                        </m:ctrlPr>
+                                      </m:sSubSupPr>
+                                      <m:e>
+                                        <m:r>
+                                          <a:rPr lang="en-US" sz="2000" i="1">
+                                            <a:solidFill>
+                                              <a:schemeClr val="tx1"/>
+                                            </a:solidFill>
+                                            <a:latin typeface="Cambria Math" panose="02040503050406030204" pitchFamily="18" charset="0"/>
+                                            <a:ea typeface="Cambria Math" panose="02040503050406030204" pitchFamily="18" charset="0"/>
+                                            <a:cs typeface="Calibri Light" panose="020F0302020204030204" pitchFamily="34" charset="0"/>
+                                          </a:rPr>
+                                          <m:t>𝑗</m:t>
+                                        </m:r>
+                                      </m:e>
+                                      <m:sub>
+                                        <m:r>
+                                          <a:rPr lang="en-US" sz="2000" i="1">
+                                            <a:solidFill>
+                                              <a:schemeClr val="tx1"/>
+                                            </a:solidFill>
+                                            <a:latin typeface="Cambria Math" panose="02040503050406030204" pitchFamily="18" charset="0"/>
+                                            <a:ea typeface="Cambria Math" panose="02040503050406030204" pitchFamily="18" charset="0"/>
+                                            <a:cs typeface="Calibri Light" panose="020F0302020204030204" pitchFamily="34" charset="0"/>
+                                          </a:rPr>
+                                          <m:t>𝑦</m:t>
+                                        </m:r>
+                                      </m:sub>
+                                      <m:sup>
+                                        <m:r>
+                                          <a:rPr lang="en-US" sz="2000" i="1">
+                                            <a:solidFill>
+                                              <a:schemeClr val="tx1"/>
+                                            </a:solidFill>
+                                            <a:latin typeface="Cambria Math" panose="02040503050406030204" pitchFamily="18" charset="0"/>
+                                            <a:ea typeface="Cambria Math" panose="02040503050406030204" pitchFamily="18" charset="0"/>
+                                            <a:cs typeface="Calibri Light" panose="020F0302020204030204" pitchFamily="34" charset="0"/>
+                                          </a:rPr>
+                                          <m:t>2</m:t>
+                                        </m:r>
+                                      </m:sup>
+                                    </m:sSubSup>
+                                  </m:e>
+                                </m:d>
+                              </m:num>
+                              <m:den>
+                                <m:r>
+                                  <a:rPr lang="en-US" sz="2000" i="1">
+                                    <a:solidFill>
+                                      <a:schemeClr val="tx1"/>
+                                    </a:solidFill>
+                                    <a:latin typeface="Cambria Math" panose="02040503050406030204" pitchFamily="18" charset="0"/>
+                                    <a:ea typeface="Cambria Math" panose="02040503050406030204" pitchFamily="18" charset="0"/>
+                                    <a:cs typeface="Calibri Light" panose="020F0302020204030204" pitchFamily="34" charset="0"/>
+                                  </a:rPr>
+                                  <m:t>𝜌</m:t>
+                                </m:r>
+                              </m:den>
+                            </m:f>
+                            <m:r>
+                              <a:rPr lang="en-US" sz="2000" i="1">
+                                <a:solidFill>
+                                  <a:schemeClr val="tx1"/>
+                                </a:solidFill>
+                                <a:latin typeface="Cambria Math" panose="02040503050406030204" pitchFamily="18" charset="0"/>
+                                <a:ea typeface="Cambria Math" panose="02040503050406030204" pitchFamily="18" charset="0"/>
+                                <a:cs typeface="Calibri Light" panose="020F0302020204030204" pitchFamily="34" charset="0"/>
+                              </a:rPr>
+                              <m:t>,</m:t>
+                            </m:r>
+                            <m:f>
+                              <m:fPr>
+                                <m:ctrlPr>
+                                  <a:rPr lang="en-US" sz="2000" i="1" smtClean="0">
+                                    <a:solidFill>
+                                      <a:schemeClr val="tx1"/>
+                                    </a:solidFill>
+                                    <a:latin typeface="Cambria Math" panose="02040503050406030204" pitchFamily="18" charset="0"/>
+                                    <a:ea typeface="Cambria Math" panose="02040503050406030204" pitchFamily="18" charset="0"/>
+                                    <a:cs typeface="Calibri Light" panose="020F0302020204030204" pitchFamily="34" charset="0"/>
+                                  </a:rPr>
+                                </m:ctrlPr>
+                              </m:fPr>
+                              <m:num>
+                                <m:d>
+                                  <m:dPr>
+                                    <m:ctrlPr>
+                                      <a:rPr lang="en-US" sz="2000" b="0" i="1" smtClean="0">
+                                        <a:solidFill>
+                                          <a:schemeClr val="tx1"/>
+                                        </a:solidFill>
+                                        <a:latin typeface="Cambria Math" panose="02040503050406030204" pitchFamily="18" charset="0"/>
+                                        <a:ea typeface="Cambria Math" panose="02040503050406030204" pitchFamily="18" charset="0"/>
+                                        <a:cs typeface="Calibri Light" panose="020F0302020204030204" pitchFamily="34" charset="0"/>
+                                      </a:rPr>
+                                    </m:ctrlPr>
+                                  </m:dPr>
+                                  <m:e>
+                                    <m:sSubSup>
+                                      <m:sSubSupPr>
+                                        <m:ctrlPr>
+                                          <a:rPr lang="en-US" sz="2000" b="0" i="1" smtClean="0">
+                                            <a:solidFill>
+                                              <a:schemeClr val="tx1"/>
+                                            </a:solidFill>
+                                            <a:latin typeface="Cambria Math" panose="02040503050406030204" pitchFamily="18" charset="0"/>
+                                            <a:ea typeface="Cambria Math" panose="02040503050406030204" pitchFamily="18" charset="0"/>
+                                            <a:cs typeface="Calibri Light" panose="020F0302020204030204" pitchFamily="34" charset="0"/>
+                                          </a:rPr>
+                                        </m:ctrlPr>
+                                      </m:sSubSupPr>
+                                      <m:e>
+                                        <m:r>
+                                          <a:rPr lang="en-US" sz="2000" b="0" i="1" smtClean="0">
+                                            <a:solidFill>
+                                              <a:schemeClr val="tx1"/>
+                                            </a:solidFill>
+                                            <a:latin typeface="Cambria Math" panose="02040503050406030204" pitchFamily="18" charset="0"/>
+                                            <a:ea typeface="Cambria Math" panose="02040503050406030204" pitchFamily="18" charset="0"/>
+                                            <a:cs typeface="Calibri Light" panose="020F0302020204030204" pitchFamily="34" charset="0"/>
+                                          </a:rPr>
+                                          <m:t>𝑗</m:t>
+                                        </m:r>
+                                      </m:e>
+                                      <m:sub>
+                                        <m:r>
+                                          <a:rPr lang="en-US" sz="2000" b="0" i="1" smtClean="0">
+                                            <a:solidFill>
+                                              <a:schemeClr val="tx1"/>
+                                            </a:solidFill>
+                                            <a:latin typeface="Cambria Math" panose="02040503050406030204" pitchFamily="18" charset="0"/>
+                                            <a:ea typeface="Cambria Math" panose="02040503050406030204" pitchFamily="18" charset="0"/>
+                                            <a:cs typeface="Calibri Light" panose="020F0302020204030204" pitchFamily="34" charset="0"/>
+                                          </a:rPr>
+                                          <m:t>𝑥</m:t>
+                                        </m:r>
+                                      </m:sub>
+                                      <m:sup>
+                                        <m:r>
+                                          <a:rPr lang="en-US" sz="2000" b="0" i="1" smtClean="0">
+                                            <a:solidFill>
+                                              <a:schemeClr val="tx1"/>
+                                            </a:solidFill>
+                                            <a:latin typeface="Cambria Math" panose="02040503050406030204" pitchFamily="18" charset="0"/>
+                                            <a:ea typeface="Cambria Math" panose="02040503050406030204" pitchFamily="18" charset="0"/>
+                                            <a:cs typeface="Calibri Light" panose="020F0302020204030204" pitchFamily="34" charset="0"/>
+                                          </a:rPr>
+                                          <m:t>2</m:t>
+                                        </m:r>
+                                      </m:sup>
+                                    </m:sSubSup>
+                                    <m:r>
+                                      <a:rPr lang="en-US" sz="2000" b="0" i="1" smtClean="0">
+                                        <a:solidFill>
+                                          <a:schemeClr val="tx1"/>
+                                        </a:solidFill>
+                                        <a:latin typeface="Cambria Math" panose="02040503050406030204" pitchFamily="18" charset="0"/>
+                                        <a:ea typeface="Cambria Math" panose="02040503050406030204" pitchFamily="18" charset="0"/>
+                                        <a:cs typeface="Calibri Light" panose="020F0302020204030204" pitchFamily="34" charset="0"/>
+                                      </a:rPr>
+                                      <m:t>−</m:t>
+                                    </m:r>
+                                    <m:sSubSup>
+                                      <m:sSubSupPr>
+                                        <m:ctrlPr>
+                                          <a:rPr lang="en-US" sz="2000" b="0" i="1" smtClean="0">
+                                            <a:solidFill>
+                                              <a:schemeClr val="tx1"/>
+                                            </a:solidFill>
+                                            <a:latin typeface="Cambria Math" panose="02040503050406030204" pitchFamily="18" charset="0"/>
+                                            <a:ea typeface="Cambria Math" panose="02040503050406030204" pitchFamily="18" charset="0"/>
+                                            <a:cs typeface="Calibri Light" panose="020F0302020204030204" pitchFamily="34" charset="0"/>
+                                          </a:rPr>
+                                        </m:ctrlPr>
+                                      </m:sSubSupPr>
+                                      <m:e>
+                                        <m:r>
+                                          <a:rPr lang="en-US" sz="2000" b="0" i="1" smtClean="0">
+                                            <a:solidFill>
+                                              <a:schemeClr val="tx1"/>
+                                            </a:solidFill>
+                                            <a:latin typeface="Cambria Math" panose="02040503050406030204" pitchFamily="18" charset="0"/>
+                                            <a:ea typeface="Cambria Math" panose="02040503050406030204" pitchFamily="18" charset="0"/>
+                                            <a:cs typeface="Calibri Light" panose="020F0302020204030204" pitchFamily="34" charset="0"/>
+                                          </a:rPr>
+                                          <m:t>𝑗</m:t>
+                                        </m:r>
+                                      </m:e>
+                                      <m:sub>
+                                        <m:r>
+                                          <a:rPr lang="en-US" sz="2000" b="0" i="1" smtClean="0">
+                                            <a:solidFill>
+                                              <a:schemeClr val="tx1"/>
+                                            </a:solidFill>
+                                            <a:latin typeface="Cambria Math" panose="02040503050406030204" pitchFamily="18" charset="0"/>
+                                            <a:ea typeface="Cambria Math" panose="02040503050406030204" pitchFamily="18" charset="0"/>
+                                            <a:cs typeface="Calibri Light" panose="020F0302020204030204" pitchFamily="34" charset="0"/>
+                                          </a:rPr>
+                                          <m:t>𝑦</m:t>
+                                        </m:r>
+                                      </m:sub>
+                                      <m:sup>
+                                        <m:r>
+                                          <a:rPr lang="en-US" sz="2000" b="0" i="1" smtClean="0">
+                                            <a:solidFill>
+                                              <a:schemeClr val="tx1"/>
+                                            </a:solidFill>
+                                            <a:latin typeface="Cambria Math" panose="02040503050406030204" pitchFamily="18" charset="0"/>
+                                            <a:ea typeface="Cambria Math" panose="02040503050406030204" pitchFamily="18" charset="0"/>
+                                            <a:cs typeface="Calibri Light" panose="020F0302020204030204" pitchFamily="34" charset="0"/>
+                                          </a:rPr>
+                                          <m:t>2</m:t>
+                                        </m:r>
+                                      </m:sup>
+                                    </m:sSubSup>
+                                  </m:e>
+                                </m:d>
+                              </m:num>
+                              <m:den>
+                                <m:r>
+                                  <a:rPr lang="en-US" sz="2000" i="1" smtClean="0">
+                                    <a:solidFill>
+                                      <a:schemeClr val="tx1"/>
+                                    </a:solidFill>
+                                    <a:latin typeface="Cambria Math" panose="02040503050406030204" pitchFamily="18" charset="0"/>
+                                    <a:ea typeface="Cambria Math" panose="02040503050406030204" pitchFamily="18" charset="0"/>
+                                    <a:cs typeface="Calibri Light" panose="020F0302020204030204" pitchFamily="34" charset="0"/>
+                                  </a:rPr>
+                                  <m:t>𝜌</m:t>
+                                </m:r>
+                              </m:den>
+                            </m:f>
+                            <m:r>
+                              <a:rPr lang="en-US" sz="2000" i="1">
+                                <a:solidFill>
+                                  <a:schemeClr val="tx1"/>
+                                </a:solidFill>
+                                <a:latin typeface="Cambria Math" panose="02040503050406030204" pitchFamily="18" charset="0"/>
+                                <a:ea typeface="Cambria Math" panose="02040503050406030204" pitchFamily="18" charset="0"/>
+                                <a:cs typeface="Calibri Light" panose="020F0302020204030204" pitchFamily="34" charset="0"/>
+                              </a:rPr>
+                              <m:t>,</m:t>
+                            </m:r>
+                            <m:f>
+                              <m:fPr>
+                                <m:ctrlPr>
+                                  <a:rPr lang="en-US" sz="2000" i="1" smtClean="0">
+                                    <a:solidFill>
+                                      <a:schemeClr val="tx1"/>
+                                    </a:solidFill>
+                                    <a:latin typeface="Cambria Math" panose="02040503050406030204" pitchFamily="18" charset="0"/>
+                                    <a:ea typeface="Cambria Math" panose="02040503050406030204" pitchFamily="18" charset="0"/>
+                                    <a:cs typeface="Calibri Light" panose="020F0302020204030204" pitchFamily="34" charset="0"/>
+                                  </a:rPr>
+                                </m:ctrlPr>
+                              </m:fPr>
+                              <m:num>
+                                <m:sSub>
+                                  <m:sSubPr>
+                                    <m:ctrlPr>
+                                      <a:rPr lang="en-US" sz="2000" b="0" i="1" smtClean="0">
+                                        <a:solidFill>
+                                          <a:schemeClr val="tx1"/>
+                                        </a:solidFill>
+                                        <a:latin typeface="Cambria Math" panose="02040503050406030204" pitchFamily="18" charset="0"/>
+                                        <a:ea typeface="Cambria Math" panose="02040503050406030204" pitchFamily="18" charset="0"/>
+                                        <a:cs typeface="Calibri Light" panose="020F0302020204030204" pitchFamily="34" charset="0"/>
+                                      </a:rPr>
+                                    </m:ctrlPr>
+                                  </m:sSubPr>
+                                  <m:e>
+                                    <m:r>
+                                      <a:rPr lang="en-US" sz="2000" b="0" i="1" smtClean="0">
+                                        <a:solidFill>
+                                          <a:schemeClr val="tx1"/>
+                                        </a:solidFill>
+                                        <a:latin typeface="Cambria Math" panose="02040503050406030204" pitchFamily="18" charset="0"/>
+                                        <a:ea typeface="Cambria Math" panose="02040503050406030204" pitchFamily="18" charset="0"/>
+                                        <a:cs typeface="Calibri Light" panose="020F0302020204030204" pitchFamily="34" charset="0"/>
+                                      </a:rPr>
+                                      <m:t>𝑗</m:t>
+                                    </m:r>
+                                  </m:e>
+                                  <m:sub>
+                                    <m:r>
+                                      <a:rPr lang="en-US" sz="2000" b="0" i="1" smtClean="0">
+                                        <a:solidFill>
+                                          <a:schemeClr val="tx1"/>
+                                        </a:solidFill>
+                                        <a:latin typeface="Cambria Math" panose="02040503050406030204" pitchFamily="18" charset="0"/>
+                                        <a:ea typeface="Cambria Math" panose="02040503050406030204" pitchFamily="18" charset="0"/>
+                                        <a:cs typeface="Calibri Light" panose="020F0302020204030204" pitchFamily="34" charset="0"/>
+                                      </a:rPr>
+                                      <m:t>𝑥</m:t>
+                                    </m:r>
+                                  </m:sub>
+                                </m:sSub>
+                                <m:sSub>
+                                  <m:sSubPr>
+                                    <m:ctrlPr>
+                                      <a:rPr lang="en-US" sz="2000" b="0" i="1" smtClean="0">
+                                        <a:solidFill>
+                                          <a:schemeClr val="tx1"/>
+                                        </a:solidFill>
+                                        <a:latin typeface="Cambria Math" panose="02040503050406030204" pitchFamily="18" charset="0"/>
+                                        <a:ea typeface="Cambria Math" panose="02040503050406030204" pitchFamily="18" charset="0"/>
+                                        <a:cs typeface="Calibri Light" panose="020F0302020204030204" pitchFamily="34" charset="0"/>
+                                      </a:rPr>
+                                    </m:ctrlPr>
+                                  </m:sSubPr>
+                                  <m:e>
+                                    <m:r>
+                                      <a:rPr lang="en-US" sz="2000" b="0" i="1" smtClean="0">
+                                        <a:solidFill>
+                                          <a:schemeClr val="tx1"/>
+                                        </a:solidFill>
+                                        <a:latin typeface="Cambria Math" panose="02040503050406030204" pitchFamily="18" charset="0"/>
+                                        <a:ea typeface="Cambria Math" panose="02040503050406030204" pitchFamily="18" charset="0"/>
+                                        <a:cs typeface="Calibri Light" panose="020F0302020204030204" pitchFamily="34" charset="0"/>
+                                      </a:rPr>
+                                      <m:t>𝑗</m:t>
+                                    </m:r>
+                                  </m:e>
+                                  <m:sub>
+                                    <m:r>
+                                      <a:rPr lang="en-US" sz="2000" b="0" i="1" smtClean="0">
+                                        <a:solidFill>
+                                          <a:schemeClr val="tx1"/>
+                                        </a:solidFill>
+                                        <a:latin typeface="Cambria Math" panose="02040503050406030204" pitchFamily="18" charset="0"/>
+                                        <a:ea typeface="Cambria Math" panose="02040503050406030204" pitchFamily="18" charset="0"/>
+                                        <a:cs typeface="Calibri Light" panose="020F0302020204030204" pitchFamily="34" charset="0"/>
+                                      </a:rPr>
+                                      <m:t>𝑦</m:t>
+                                    </m:r>
+                                  </m:sub>
+                                </m:sSub>
+                              </m:num>
+                              <m:den>
+                                <m:r>
+                                  <a:rPr lang="en-US" sz="2000" i="1" smtClean="0">
+                                    <a:solidFill>
+                                      <a:schemeClr val="tx1"/>
+                                    </a:solidFill>
+                                    <a:latin typeface="Cambria Math" panose="02040503050406030204" pitchFamily="18" charset="0"/>
+                                    <a:ea typeface="Cambria Math" panose="02040503050406030204" pitchFamily="18" charset="0"/>
+                                    <a:cs typeface="Calibri Light" panose="020F0302020204030204" pitchFamily="34" charset="0"/>
+                                  </a:rPr>
+                                  <m:t>𝜌</m:t>
+                                </m:r>
+                              </m:den>
+                            </m:f>
+                          </m:e>
+                        </m:d>
+                      </m:e>
+                      <m:sup>
+                        <m:r>
+                          <a:rPr lang="en-US" sz="2000" i="1">
+                            <a:solidFill>
+                              <a:schemeClr val="tx1"/>
+                            </a:solidFill>
+                            <a:latin typeface="Cambria Math" panose="02040503050406030204" pitchFamily="18" charset="0"/>
+                            <a:ea typeface="Cambria Math" panose="02040503050406030204" pitchFamily="18" charset="0"/>
+                            <a:cs typeface="Calibri Light" panose="020F0302020204030204" pitchFamily="34" charset="0"/>
+                          </a:rPr>
+                          <m:t>𝑇</m:t>
+                        </m:r>
+                      </m:sup>
+                    </m:sSup>
+                  </m:oMath>
                 </a14:m>
-                <a:endParaRPr lang="es-CO" sz="2400" dirty="0"/>
+                <a:br>
+                  <a:rPr lang="en-US" sz="2000" i="1" dirty="0">
+                    <a:solidFill>
+                      <a:schemeClr val="tx1"/>
+                    </a:solidFill>
+                    <a:latin typeface="Cambria Math" panose="02040503050406030204" pitchFamily="18" charset="0"/>
+                    <a:ea typeface="Cambria Math" panose="02040503050406030204" pitchFamily="18" charset="0"/>
+                    <a:cs typeface="Calibri Light" panose="020F0302020204030204" pitchFamily="34" charset="0"/>
+                  </a:rPr>
+                </a:br>
+                <a:br>
+                  <a:rPr lang="en-US" sz="2000" i="1" dirty="0">
+                    <a:solidFill>
+                      <a:schemeClr val="tx1"/>
+                    </a:solidFill>
+                    <a:latin typeface="Cambria Math" panose="02040503050406030204" pitchFamily="18" charset="0"/>
+                    <a:ea typeface="Cambria Math" panose="02040503050406030204" pitchFamily="18" charset="0"/>
+                    <a:cs typeface="Calibri Light" panose="020F0302020204030204" pitchFamily="34" charset="0"/>
+                  </a:rPr>
+                </a:br>
+                <a14:m>
+                  <m:oMath xmlns:m="http://schemas.openxmlformats.org/officeDocument/2006/math">
+                    <m:r>
+                      <a:rPr lang="en-US" sz="2000" i="1">
+                        <a:solidFill>
+                          <a:schemeClr val="tx1"/>
+                        </a:solidFill>
+                        <a:latin typeface="Cambria Math" panose="02040503050406030204" pitchFamily="18" charset="0"/>
+                        <a:ea typeface="Cambria Math" panose="02040503050406030204" pitchFamily="18" charset="0"/>
+                        <a:cs typeface="Calibri Light" panose="020F0302020204030204" pitchFamily="34" charset="0"/>
+                      </a:rPr>
+                      <m:t>|</m:t>
+                    </m:r>
+                    <m:d>
+                      <m:dPr>
+                        <m:begChr m:val=""/>
+                        <m:endChr m:val="⟩"/>
+                        <m:ctrlPr>
+                          <a:rPr lang="en-US" sz="2000" i="1">
+                            <a:solidFill>
+                              <a:schemeClr val="tx1"/>
+                            </a:solidFill>
+                            <a:latin typeface="Cambria Math" panose="02040503050406030204" pitchFamily="18" charset="0"/>
+                            <a:ea typeface="Cambria Math" panose="02040503050406030204" pitchFamily="18" charset="0"/>
+                            <a:cs typeface="Calibri Light" panose="020F0302020204030204" pitchFamily="34" charset="0"/>
+                          </a:rPr>
+                        </m:ctrlPr>
+                      </m:dPr>
+                      <m:e>
+                        <m:r>
+                          <a:rPr lang="en-US" sz="2000" i="1">
+                            <a:solidFill>
+                              <a:schemeClr val="tx1"/>
+                            </a:solidFill>
+                            <a:latin typeface="Cambria Math" panose="02040503050406030204" pitchFamily="18" charset="0"/>
+                            <a:ea typeface="Cambria Math" panose="02040503050406030204" pitchFamily="18" charset="0"/>
+                            <a:cs typeface="Calibri Light" panose="020F0302020204030204" pitchFamily="34" charset="0"/>
+                          </a:rPr>
+                          <m:t>𝑓</m:t>
+                        </m:r>
+                        <m:d>
+                          <m:dPr>
+                            <m:ctrlPr>
+                              <a:rPr lang="en-US" sz="2000" i="1">
+                                <a:solidFill>
+                                  <a:schemeClr val="tx1"/>
+                                </a:solidFill>
+                                <a:latin typeface="Cambria Math" panose="02040503050406030204" pitchFamily="18" charset="0"/>
+                                <a:ea typeface="Cambria Math" panose="02040503050406030204" pitchFamily="18" charset="0"/>
+                                <a:cs typeface="Calibri Light" panose="020F0302020204030204" pitchFamily="34" charset="0"/>
+                              </a:rPr>
+                            </m:ctrlPr>
+                          </m:dPr>
+                          <m:e>
+                            <m:acc>
+                              <m:accPr>
+                                <m:chr m:val="⃗"/>
+                                <m:ctrlPr>
+                                  <a:rPr lang="en-US" sz="2000" i="1">
+                                    <a:solidFill>
+                                      <a:schemeClr val="tx1"/>
+                                    </a:solidFill>
+                                    <a:latin typeface="Cambria Math" panose="02040503050406030204" pitchFamily="18" charset="0"/>
+                                    <a:ea typeface="Cambria Math" panose="02040503050406030204" pitchFamily="18" charset="0"/>
+                                    <a:cs typeface="Calibri Light" panose="020F0302020204030204" pitchFamily="34" charset="0"/>
+                                  </a:rPr>
+                                </m:ctrlPr>
+                              </m:accPr>
+                              <m:e>
+                                <m:r>
+                                  <a:rPr lang="en-US" sz="2000" i="1">
+                                    <a:solidFill>
+                                      <a:schemeClr val="tx1"/>
+                                    </a:solidFill>
+                                    <a:latin typeface="Cambria Math" panose="02040503050406030204" pitchFamily="18" charset="0"/>
+                                    <a:ea typeface="Cambria Math" panose="02040503050406030204" pitchFamily="18" charset="0"/>
+                                    <a:cs typeface="Calibri Light" panose="020F0302020204030204" pitchFamily="34" charset="0"/>
+                                  </a:rPr>
+                                  <m:t>𝑥</m:t>
+                                </m:r>
+                              </m:e>
+                            </m:acc>
+                            <m:r>
+                              <a:rPr lang="en-US" sz="2000" i="1">
+                                <a:solidFill>
+                                  <a:schemeClr val="tx1"/>
+                                </a:solidFill>
+                                <a:latin typeface="Cambria Math" panose="02040503050406030204" pitchFamily="18" charset="0"/>
+                                <a:ea typeface="Cambria Math" panose="02040503050406030204" pitchFamily="18" charset="0"/>
+                                <a:cs typeface="Calibri Light" panose="020F0302020204030204" pitchFamily="34" charset="0"/>
+                              </a:rPr>
+                              <m:t>,</m:t>
+                            </m:r>
+                            <m:r>
+                              <a:rPr lang="en-US" sz="2000" i="1">
+                                <a:solidFill>
+                                  <a:schemeClr val="tx1"/>
+                                </a:solidFill>
+                                <a:latin typeface="Cambria Math" panose="02040503050406030204" pitchFamily="18" charset="0"/>
+                                <a:ea typeface="Cambria Math" panose="02040503050406030204" pitchFamily="18" charset="0"/>
+                                <a:cs typeface="Calibri Light" panose="020F0302020204030204" pitchFamily="34" charset="0"/>
+                              </a:rPr>
+                              <m:t>𝑡</m:t>
+                            </m:r>
+                          </m:e>
+                        </m:d>
+                      </m:e>
+                    </m:d>
+                    <m:r>
+                      <a:rPr lang="en-US" sz="2000" i="1">
+                        <a:solidFill>
+                          <a:schemeClr val="tx1"/>
+                        </a:solidFill>
+                        <a:latin typeface="Cambria Math" panose="02040503050406030204" pitchFamily="18" charset="0"/>
+                        <a:ea typeface="Cambria Math" panose="02040503050406030204" pitchFamily="18" charset="0"/>
+                        <a:cs typeface="Calibri Light" panose="020F0302020204030204" pitchFamily="34" charset="0"/>
+                      </a:rPr>
+                      <m:t>=</m:t>
+                    </m:r>
+                    <m:sSup>
+                      <m:sSupPr>
+                        <m:ctrlPr>
+                          <a:rPr lang="en-US" sz="2000" i="1">
+                            <a:solidFill>
+                              <a:schemeClr val="tx1"/>
+                            </a:solidFill>
+                            <a:latin typeface="Cambria Math" panose="02040503050406030204" pitchFamily="18" charset="0"/>
+                            <a:ea typeface="Cambria Math" panose="02040503050406030204" pitchFamily="18" charset="0"/>
+                            <a:cs typeface="Calibri Light" panose="020F0302020204030204" pitchFamily="34" charset="0"/>
+                          </a:rPr>
+                        </m:ctrlPr>
+                      </m:sSupPr>
+                      <m:e>
+                        <m:r>
+                          <a:rPr lang="en-US" sz="2000" i="1">
+                            <a:solidFill>
+                              <a:schemeClr val="tx1"/>
+                            </a:solidFill>
+                            <a:latin typeface="Cambria Math" panose="02040503050406030204" pitchFamily="18" charset="0"/>
+                            <a:ea typeface="Cambria Math" panose="02040503050406030204" pitchFamily="18" charset="0"/>
+                            <a:cs typeface="Calibri Light" panose="020F0302020204030204" pitchFamily="34" charset="0"/>
+                          </a:rPr>
+                          <m:t>𝑀</m:t>
+                        </m:r>
+                      </m:e>
+                      <m:sup>
+                        <m:r>
+                          <a:rPr lang="en-US" sz="2000" i="1">
+                            <a:solidFill>
+                              <a:schemeClr val="tx1"/>
+                            </a:solidFill>
+                            <a:latin typeface="Cambria Math" panose="02040503050406030204" pitchFamily="18" charset="0"/>
+                            <a:ea typeface="Cambria Math" panose="02040503050406030204" pitchFamily="18" charset="0"/>
+                            <a:cs typeface="Calibri Light" panose="020F0302020204030204" pitchFamily="34" charset="0"/>
+                          </a:rPr>
+                          <m:t>−1</m:t>
+                        </m:r>
+                      </m:sup>
+                    </m:sSup>
+                    <m:r>
+                      <a:rPr lang="en-US" sz="2000" i="1">
+                        <a:solidFill>
+                          <a:schemeClr val="tx1"/>
+                        </a:solidFill>
+                        <a:latin typeface="Cambria Math" panose="02040503050406030204" pitchFamily="18" charset="0"/>
+                        <a:ea typeface="Cambria Math" panose="02040503050406030204" pitchFamily="18" charset="0"/>
+                        <a:cs typeface="Calibri Light" panose="020F0302020204030204" pitchFamily="34" charset="0"/>
+                      </a:rPr>
+                      <m:t>|</m:t>
+                    </m:r>
+                    <m:d>
+                      <m:dPr>
+                        <m:begChr m:val=""/>
+                        <m:endChr m:val="⟩"/>
+                        <m:ctrlPr>
+                          <a:rPr lang="en-US" sz="2000" i="1">
+                            <a:solidFill>
+                              <a:schemeClr val="tx1"/>
+                            </a:solidFill>
+                            <a:latin typeface="Cambria Math" panose="02040503050406030204" pitchFamily="18" charset="0"/>
+                            <a:ea typeface="Cambria Math" panose="02040503050406030204" pitchFamily="18" charset="0"/>
+                            <a:cs typeface="Calibri Light" panose="020F0302020204030204" pitchFamily="34" charset="0"/>
+                          </a:rPr>
+                        </m:ctrlPr>
+                      </m:dPr>
+                      <m:e>
+                        <m:r>
+                          <a:rPr lang="en-US" sz="2000" i="1">
+                            <a:solidFill>
+                              <a:schemeClr val="tx1"/>
+                            </a:solidFill>
+                            <a:latin typeface="Cambria Math" panose="02040503050406030204" pitchFamily="18" charset="0"/>
+                            <a:ea typeface="Cambria Math" panose="02040503050406030204" pitchFamily="18" charset="0"/>
+                            <a:cs typeface="Calibri Light" panose="020F0302020204030204" pitchFamily="34" charset="0"/>
+                          </a:rPr>
+                          <m:t>𝜚</m:t>
+                        </m:r>
+                      </m:e>
+                    </m:d>
+                  </m:oMath>
+                </a14:m>
+                <a:endParaRPr lang="es-CO" sz="2000" i="1" dirty="0">
+                  <a:solidFill>
+                    <a:schemeClr val="tx1"/>
+                  </a:solidFill>
+                  <a:latin typeface="Cambria Math" panose="02040503050406030204" pitchFamily="18" charset="0"/>
+                  <a:ea typeface="Cambria Math" panose="02040503050406030204" pitchFamily="18" charset="0"/>
+                  <a:cs typeface="Calibri Light" panose="020F0302020204030204" pitchFamily="34" charset="0"/>
+                </a:endParaRPr>
+              </a:p>
+              <a:p>
+                <a:pPr marL="502920" indent="-457200">
+                  <a:buFont typeface="+mj-lt"/>
+                  <a:buAutoNum type="arabicPeriod"/>
+                </a:pPr>
+                <a:endParaRPr lang="es-CO" sz="2000" i="1" dirty="0">
+                  <a:solidFill>
+                    <a:schemeClr val="tx1"/>
+                  </a:solidFill>
+                  <a:latin typeface="Cambria Math" panose="02040503050406030204" pitchFamily="18" charset="0"/>
+                  <a:ea typeface="Cambria Math" panose="02040503050406030204" pitchFamily="18" charset="0"/>
+                  <a:cs typeface="Calibri Light" panose="020F0302020204030204" pitchFamily="34" charset="0"/>
+                </a:endParaRPr>
+              </a:p>
+              <a:p>
+                <a:pPr marL="502920" indent="-457200">
+                  <a:buFont typeface="+mj-lt"/>
+                  <a:buAutoNum type="arabicPeriod"/>
+                </a:pPr>
+                <a:r>
+                  <a:rPr lang="es-CO" dirty="0">
+                    <a:solidFill>
+                      <a:schemeClr val="tx1"/>
+                    </a:solidFill>
+                    <a:latin typeface="Calibri Light" panose="020F0302020204030204" pitchFamily="34" charset="0"/>
+                    <a:cs typeface="Calibri Light" panose="020F0302020204030204" pitchFamily="34" charset="0"/>
+                  </a:rPr>
+                  <a:t>Colisione: </a:t>
+                </a:r>
+                <a14:m>
+                  <m:oMath xmlns:m="http://schemas.openxmlformats.org/officeDocument/2006/math">
+                    <m:r>
+                      <a:rPr lang="en-US" sz="2000" i="1">
+                        <a:solidFill>
+                          <a:schemeClr val="tx1"/>
+                        </a:solidFill>
+                        <a:latin typeface="Cambria Math" panose="02040503050406030204" pitchFamily="18" charset="0"/>
+                        <a:ea typeface="Cambria Math" panose="02040503050406030204" pitchFamily="18" charset="0"/>
+                        <a:cs typeface="Calibri Light" panose="020F0302020204030204" pitchFamily="34" charset="0"/>
+                      </a:rPr>
+                      <m:t>|</m:t>
+                    </m:r>
+                    <m:d>
+                      <m:dPr>
+                        <m:begChr m:val=""/>
+                        <m:endChr m:val="⟩"/>
+                        <m:ctrlPr>
+                          <a:rPr lang="en-US" sz="2000" i="1">
+                            <a:solidFill>
+                              <a:schemeClr val="tx1"/>
+                            </a:solidFill>
+                            <a:latin typeface="Cambria Math" panose="02040503050406030204" pitchFamily="18" charset="0"/>
+                            <a:ea typeface="Cambria Math" panose="02040503050406030204" pitchFamily="18" charset="0"/>
+                            <a:cs typeface="Calibri Light" panose="020F0302020204030204" pitchFamily="34" charset="0"/>
+                          </a:rPr>
+                        </m:ctrlPr>
+                      </m:dPr>
+                      <m:e>
+                        <m:r>
+                          <m:rPr>
+                            <m:sty m:val="p"/>
+                          </m:rPr>
+                          <a:rPr lang="el-GR" sz="2000" i="1" smtClean="0">
+                            <a:solidFill>
+                              <a:schemeClr val="tx1"/>
+                            </a:solidFill>
+                            <a:latin typeface="Cambria Math" panose="02040503050406030204" pitchFamily="18" charset="0"/>
+                            <a:ea typeface="Cambria Math" panose="02040503050406030204" pitchFamily="18" charset="0"/>
+                            <a:cs typeface="Calibri Light" panose="020F0302020204030204" pitchFamily="34" charset="0"/>
+                          </a:rPr>
+                          <m:t>Δ</m:t>
+                        </m:r>
+                        <m:r>
+                          <a:rPr lang="en-US" sz="2000" i="1">
+                            <a:solidFill>
+                              <a:schemeClr val="tx1"/>
+                            </a:solidFill>
+                            <a:latin typeface="Cambria Math" panose="02040503050406030204" pitchFamily="18" charset="0"/>
+                            <a:ea typeface="Cambria Math" panose="02040503050406030204" pitchFamily="18" charset="0"/>
+                            <a:cs typeface="Calibri Light" panose="020F0302020204030204" pitchFamily="34" charset="0"/>
+                          </a:rPr>
+                          <m:t>𝜚</m:t>
+                        </m:r>
+                      </m:e>
+                    </m:d>
+                    <m:r>
+                      <a:rPr lang="en-US" sz="2000" b="0" i="1" smtClean="0">
+                        <a:solidFill>
+                          <a:schemeClr val="tx1"/>
+                        </a:solidFill>
+                        <a:latin typeface="Cambria Math" panose="02040503050406030204" pitchFamily="18" charset="0"/>
+                        <a:ea typeface="Cambria Math" panose="02040503050406030204" pitchFamily="18" charset="0"/>
+                        <a:cs typeface="Calibri Light" panose="020F0302020204030204" pitchFamily="34" charset="0"/>
+                      </a:rPr>
+                      <m:t>=</m:t>
+                    </m:r>
+                    <m:r>
+                      <a:rPr lang="en-US" sz="2000" b="0" i="1" smtClean="0">
+                        <a:solidFill>
+                          <a:schemeClr val="tx1"/>
+                        </a:solidFill>
+                        <a:latin typeface="Cambria Math" panose="02040503050406030204" pitchFamily="18" charset="0"/>
+                        <a:ea typeface="Cambria Math" panose="02040503050406030204" pitchFamily="18" charset="0"/>
+                        <a:cs typeface="Calibri Light" panose="020F0302020204030204" pitchFamily="34" charset="0"/>
+                      </a:rPr>
+                      <m:t>𝑆</m:t>
+                    </m:r>
+                    <m:r>
+                      <a:rPr lang="en-US" sz="2000" b="0" i="1" smtClean="0">
+                        <a:solidFill>
+                          <a:schemeClr val="tx1"/>
+                        </a:solidFill>
+                        <a:latin typeface="Cambria Math" panose="02040503050406030204" pitchFamily="18" charset="0"/>
+                        <a:ea typeface="Cambria Math" panose="02040503050406030204" pitchFamily="18" charset="0"/>
+                        <a:cs typeface="Calibri Light" panose="020F0302020204030204" pitchFamily="34" charset="0"/>
+                      </a:rPr>
+                      <m:t>(|</m:t>
+                    </m:r>
+                    <m:d>
+                      <m:dPr>
+                        <m:begChr m:val=""/>
+                        <m:endChr m:val="⟩"/>
+                        <m:ctrlPr>
+                          <a:rPr lang="en-US" sz="2000" i="1">
+                            <a:solidFill>
+                              <a:schemeClr val="tx1"/>
+                            </a:solidFill>
+                            <a:latin typeface="Cambria Math" panose="02040503050406030204" pitchFamily="18" charset="0"/>
+                            <a:ea typeface="Cambria Math" panose="02040503050406030204" pitchFamily="18" charset="0"/>
+                            <a:cs typeface="Calibri Light" panose="020F0302020204030204" pitchFamily="34" charset="0"/>
+                          </a:rPr>
+                        </m:ctrlPr>
+                      </m:dPr>
+                      <m:e>
+                        <m:r>
+                          <a:rPr lang="en-US" sz="2000" i="1">
+                            <a:solidFill>
+                              <a:schemeClr val="tx1"/>
+                            </a:solidFill>
+                            <a:latin typeface="Cambria Math" panose="02040503050406030204" pitchFamily="18" charset="0"/>
+                            <a:ea typeface="Cambria Math" panose="02040503050406030204" pitchFamily="18" charset="0"/>
+                            <a:cs typeface="Calibri Light" panose="020F0302020204030204" pitchFamily="34" charset="0"/>
+                          </a:rPr>
+                          <m:t>𝜚</m:t>
+                        </m:r>
+                      </m:e>
+                    </m:d>
+                    <m:r>
+                      <a:rPr lang="en-US" sz="2000" b="0" i="1" smtClean="0">
+                        <a:solidFill>
+                          <a:schemeClr val="tx1"/>
+                        </a:solidFill>
+                        <a:latin typeface="Cambria Math" panose="02040503050406030204" pitchFamily="18" charset="0"/>
+                        <a:ea typeface="Cambria Math" panose="02040503050406030204" pitchFamily="18" charset="0"/>
+                        <a:cs typeface="Calibri Light" panose="020F0302020204030204" pitchFamily="34" charset="0"/>
+                      </a:rPr>
+                      <m:t>−</m:t>
+                    </m:r>
+                    <m:r>
+                      <a:rPr lang="en-US" sz="2000" i="1">
+                        <a:solidFill>
+                          <a:schemeClr val="tx1"/>
+                        </a:solidFill>
+                        <a:latin typeface="Cambria Math" panose="02040503050406030204" pitchFamily="18" charset="0"/>
+                        <a:ea typeface="Cambria Math" panose="02040503050406030204" pitchFamily="18" charset="0"/>
+                        <a:cs typeface="Calibri Light" panose="020F0302020204030204" pitchFamily="34" charset="0"/>
+                      </a:rPr>
+                      <m:t>|</m:t>
+                    </m:r>
+                    <m:d>
+                      <m:dPr>
+                        <m:begChr m:val=""/>
+                        <m:endChr m:val="⟩"/>
+                        <m:ctrlPr>
+                          <a:rPr lang="en-US" sz="2000" i="1">
+                            <a:solidFill>
+                              <a:schemeClr val="tx1"/>
+                            </a:solidFill>
+                            <a:latin typeface="Cambria Math" panose="02040503050406030204" pitchFamily="18" charset="0"/>
+                            <a:ea typeface="Cambria Math" panose="02040503050406030204" pitchFamily="18" charset="0"/>
+                            <a:cs typeface="Calibri Light" panose="020F0302020204030204" pitchFamily="34" charset="0"/>
+                          </a:rPr>
+                        </m:ctrlPr>
+                      </m:dPr>
+                      <m:e>
+                        <m:sSup>
+                          <m:sSupPr>
+                            <m:ctrlPr>
+                              <a:rPr lang="en-US" sz="2000" i="1">
+                                <a:solidFill>
+                                  <a:schemeClr val="tx1"/>
+                                </a:solidFill>
+                                <a:latin typeface="Cambria Math" panose="02040503050406030204" pitchFamily="18" charset="0"/>
+                                <a:ea typeface="Cambria Math" panose="02040503050406030204" pitchFamily="18" charset="0"/>
+                                <a:cs typeface="Calibri Light" panose="020F0302020204030204" pitchFamily="34" charset="0"/>
+                              </a:rPr>
+                            </m:ctrlPr>
+                          </m:sSupPr>
+                          <m:e>
+                            <m:r>
+                              <a:rPr lang="en-US" sz="2000" i="1">
+                                <a:solidFill>
+                                  <a:schemeClr val="tx1"/>
+                                </a:solidFill>
+                                <a:latin typeface="Cambria Math" panose="02040503050406030204" pitchFamily="18" charset="0"/>
+                                <a:ea typeface="Cambria Math" panose="02040503050406030204" pitchFamily="18" charset="0"/>
+                                <a:cs typeface="Calibri Light" panose="020F0302020204030204" pitchFamily="34" charset="0"/>
+                              </a:rPr>
+                              <m:t>𝜚</m:t>
+                            </m:r>
+                          </m:e>
+                          <m:sup>
+                            <m:d>
+                              <m:dPr>
+                                <m:ctrlPr>
+                                  <a:rPr lang="en-US" sz="2000" i="1">
+                                    <a:solidFill>
+                                      <a:schemeClr val="tx1"/>
+                                    </a:solidFill>
+                                    <a:latin typeface="Cambria Math" panose="02040503050406030204" pitchFamily="18" charset="0"/>
+                                    <a:ea typeface="Cambria Math" panose="02040503050406030204" pitchFamily="18" charset="0"/>
+                                    <a:cs typeface="Calibri Light" panose="020F0302020204030204" pitchFamily="34" charset="0"/>
+                                  </a:rPr>
+                                </m:ctrlPr>
+                              </m:dPr>
+                              <m:e>
+                                <m:r>
+                                  <a:rPr lang="en-US" sz="2000" i="1">
+                                    <a:solidFill>
+                                      <a:schemeClr val="tx1"/>
+                                    </a:solidFill>
+                                    <a:latin typeface="Cambria Math" panose="02040503050406030204" pitchFamily="18" charset="0"/>
+                                    <a:ea typeface="Cambria Math" panose="02040503050406030204" pitchFamily="18" charset="0"/>
+                                    <a:cs typeface="Calibri Light" panose="020F0302020204030204" pitchFamily="34" charset="0"/>
+                                  </a:rPr>
+                                  <m:t>𝑒𝑞</m:t>
+                                </m:r>
+                              </m:e>
+                            </m:d>
+                          </m:sup>
+                        </m:sSup>
+                      </m:e>
+                    </m:d>
+                    <m:r>
+                      <a:rPr lang="en-US" sz="2000" b="0" i="1" smtClean="0">
+                        <a:solidFill>
+                          <a:schemeClr val="tx1"/>
+                        </a:solidFill>
+                        <a:latin typeface="Cambria Math" panose="02040503050406030204" pitchFamily="18" charset="0"/>
+                        <a:ea typeface="Cambria Math" panose="02040503050406030204" pitchFamily="18" charset="0"/>
+                        <a:cs typeface="Calibri Light" panose="020F0302020204030204" pitchFamily="34" charset="0"/>
+                      </a:rPr>
+                      <m:t>)</m:t>
+                    </m:r>
+                  </m:oMath>
+                </a14:m>
+                <a:r>
+                  <a:rPr lang="es-CO" dirty="0">
+                    <a:solidFill>
+                      <a:schemeClr val="tx1"/>
+                    </a:solidFill>
+                    <a:latin typeface="Calibri Light" panose="020F0302020204030204" pitchFamily="34" charset="0"/>
+                    <a:cs typeface="Calibri Light" panose="020F0302020204030204" pitchFamily="34" charset="0"/>
+                  </a:rPr>
+                  <a:t> </a:t>
+                </a:r>
+                <a:br>
+                  <a:rPr lang="es-CO" dirty="0">
+                    <a:solidFill>
+                      <a:schemeClr val="tx1"/>
+                    </a:solidFill>
+                    <a:latin typeface="Calibri Light" panose="020F0302020204030204" pitchFamily="34" charset="0"/>
+                    <a:cs typeface="Calibri Light" panose="020F0302020204030204" pitchFamily="34" charset="0"/>
+                  </a:rPr>
+                </a:br>
+                <a:br>
+                  <a:rPr lang="es-CO" dirty="0">
+                    <a:solidFill>
+                      <a:schemeClr val="tx1"/>
+                    </a:solidFill>
+                    <a:latin typeface="Calibri Light" panose="020F0302020204030204" pitchFamily="34" charset="0"/>
+                    <a:cs typeface="Calibri Light" panose="020F0302020204030204" pitchFamily="34" charset="0"/>
+                  </a:rPr>
+                </a:br>
+                <a14:m>
+                  <m:oMath xmlns:m="http://schemas.openxmlformats.org/officeDocument/2006/math">
+                    <m:d>
+                      <m:dPr>
+                        <m:begChr m:val=""/>
+                        <m:endChr m:val="⟩"/>
+                        <m:ctrlPr>
+                          <a:rPr lang="en-US" sz="2000" i="1">
+                            <a:solidFill>
+                              <a:schemeClr val="tx1"/>
+                            </a:solidFill>
+                            <a:latin typeface="Cambria Math" panose="02040503050406030204" pitchFamily="18" charset="0"/>
+                            <a:ea typeface="Cambria Math" panose="02040503050406030204" pitchFamily="18" charset="0"/>
+                            <a:cs typeface="Calibri Light" panose="020F0302020204030204" pitchFamily="34" charset="0"/>
+                          </a:rPr>
+                        </m:ctrlPr>
+                      </m:dPr>
+                      <m:e>
+                        <m:r>
+                          <a:rPr lang="en-US" sz="2000" i="1">
+                            <a:solidFill>
+                              <a:schemeClr val="tx1"/>
+                            </a:solidFill>
+                            <a:latin typeface="Cambria Math" panose="02040503050406030204" pitchFamily="18" charset="0"/>
+                            <a:ea typeface="Cambria Math" panose="02040503050406030204" pitchFamily="18" charset="0"/>
+                            <a:cs typeface="Calibri Light" panose="020F0302020204030204" pitchFamily="34" charset="0"/>
+                          </a:rPr>
+                          <m:t>|</m:t>
+                        </m:r>
+                        <m:sSup>
+                          <m:sSupPr>
+                            <m:ctrlPr>
+                              <a:rPr lang="en-US" sz="2000" i="1">
+                                <a:solidFill>
+                                  <a:schemeClr val="tx1"/>
+                                </a:solidFill>
+                                <a:latin typeface="Cambria Math" panose="02040503050406030204" pitchFamily="18" charset="0"/>
+                                <a:ea typeface="Cambria Math" panose="02040503050406030204" pitchFamily="18" charset="0"/>
+                                <a:cs typeface="Calibri Light" panose="020F0302020204030204" pitchFamily="34" charset="0"/>
+                              </a:rPr>
+                            </m:ctrlPr>
+                          </m:sSupPr>
+                          <m:e>
+                            <m:r>
+                              <a:rPr lang="en-US" sz="2000" i="1">
+                                <a:solidFill>
+                                  <a:schemeClr val="tx1"/>
+                                </a:solidFill>
+                                <a:latin typeface="Cambria Math" panose="02040503050406030204" pitchFamily="18" charset="0"/>
+                                <a:ea typeface="Cambria Math" panose="02040503050406030204" pitchFamily="18" charset="0"/>
+                                <a:cs typeface="Calibri Light" panose="020F0302020204030204" pitchFamily="34" charset="0"/>
+                              </a:rPr>
+                              <m:t>𝑓</m:t>
+                            </m:r>
+                          </m:e>
+                          <m:sup>
+                            <m:r>
+                              <m:rPr>
+                                <m:sty m:val="p"/>
+                              </m:rPr>
+                              <a:rPr lang="en-US" sz="2000">
+                                <a:solidFill>
+                                  <a:schemeClr val="tx1"/>
+                                </a:solidFill>
+                                <a:latin typeface="Cambria Math" panose="02040503050406030204" pitchFamily="18" charset="0"/>
+                                <a:ea typeface="Cambria Math" panose="02040503050406030204" pitchFamily="18" charset="0"/>
+                                <a:cs typeface="Calibri Light" panose="020F0302020204030204" pitchFamily="34" charset="0"/>
+                              </a:rPr>
+                              <m:t>new</m:t>
+                            </m:r>
+                          </m:sup>
+                        </m:sSup>
+                        <m:d>
+                          <m:dPr>
+                            <m:ctrlPr>
+                              <a:rPr lang="en-US" sz="2000" i="1">
+                                <a:solidFill>
+                                  <a:schemeClr val="tx1"/>
+                                </a:solidFill>
+                                <a:latin typeface="Cambria Math" panose="02040503050406030204" pitchFamily="18" charset="0"/>
+                                <a:ea typeface="Cambria Math" panose="02040503050406030204" pitchFamily="18" charset="0"/>
+                                <a:cs typeface="Calibri Light" panose="020F0302020204030204" pitchFamily="34" charset="0"/>
+                              </a:rPr>
+                            </m:ctrlPr>
+                          </m:dPr>
+                          <m:e>
+                            <m:acc>
+                              <m:accPr>
+                                <m:chr m:val="⃗"/>
+                                <m:ctrlPr>
+                                  <a:rPr lang="en-US" sz="2000" i="1">
+                                    <a:solidFill>
+                                      <a:schemeClr val="tx1"/>
+                                    </a:solidFill>
+                                    <a:latin typeface="Cambria Math" panose="02040503050406030204" pitchFamily="18" charset="0"/>
+                                    <a:ea typeface="Cambria Math" panose="02040503050406030204" pitchFamily="18" charset="0"/>
+                                    <a:cs typeface="Calibri Light" panose="020F0302020204030204" pitchFamily="34" charset="0"/>
+                                  </a:rPr>
+                                </m:ctrlPr>
+                              </m:accPr>
+                              <m:e>
+                                <m:r>
+                                  <a:rPr lang="en-US" sz="2000" i="1">
+                                    <a:solidFill>
+                                      <a:schemeClr val="tx1"/>
+                                    </a:solidFill>
+                                    <a:latin typeface="Cambria Math" panose="02040503050406030204" pitchFamily="18" charset="0"/>
+                                    <a:ea typeface="Cambria Math" panose="02040503050406030204" pitchFamily="18" charset="0"/>
+                                    <a:cs typeface="Calibri Light" panose="020F0302020204030204" pitchFamily="34" charset="0"/>
+                                  </a:rPr>
+                                  <m:t>𝑥</m:t>
+                                </m:r>
+                              </m:e>
+                            </m:acc>
+                            <m:r>
+                              <a:rPr lang="en-US" sz="2000" i="1">
+                                <a:solidFill>
+                                  <a:schemeClr val="tx1"/>
+                                </a:solidFill>
+                                <a:latin typeface="Cambria Math" panose="02040503050406030204" pitchFamily="18" charset="0"/>
+                                <a:ea typeface="Cambria Math" panose="02040503050406030204" pitchFamily="18" charset="0"/>
+                                <a:cs typeface="Calibri Light" panose="020F0302020204030204" pitchFamily="34" charset="0"/>
+                              </a:rPr>
+                              <m:t>,</m:t>
+                            </m:r>
+                            <m:r>
+                              <a:rPr lang="en-US" sz="2000" i="1">
+                                <a:solidFill>
+                                  <a:schemeClr val="tx1"/>
+                                </a:solidFill>
+                                <a:latin typeface="Cambria Math" panose="02040503050406030204" pitchFamily="18" charset="0"/>
+                                <a:ea typeface="Cambria Math" panose="02040503050406030204" pitchFamily="18" charset="0"/>
+                                <a:cs typeface="Calibri Light" panose="020F0302020204030204" pitchFamily="34" charset="0"/>
+                              </a:rPr>
+                              <m:t>𝑡</m:t>
+                            </m:r>
+                          </m:e>
+                        </m:d>
+                      </m:e>
+                    </m:d>
+                    <m:r>
+                      <a:rPr lang="en-US" sz="2000" i="1">
+                        <a:solidFill>
+                          <a:schemeClr val="tx1"/>
+                        </a:solidFill>
+                        <a:latin typeface="Cambria Math" panose="02040503050406030204" pitchFamily="18" charset="0"/>
+                        <a:ea typeface="Cambria Math" panose="02040503050406030204" pitchFamily="18" charset="0"/>
+                        <a:cs typeface="Calibri Light" panose="020F0302020204030204" pitchFamily="34" charset="0"/>
+                      </a:rPr>
+                      <m:t>=</m:t>
+                    </m:r>
+                    <m:r>
+                      <a:rPr lang="en-US" sz="2000" i="1">
+                        <a:solidFill>
+                          <a:schemeClr val="tx1"/>
+                        </a:solidFill>
+                        <a:latin typeface="Cambria Math" panose="02040503050406030204" pitchFamily="18" charset="0"/>
+                        <a:ea typeface="Cambria Math" panose="02040503050406030204" pitchFamily="18" charset="0"/>
+                        <a:cs typeface="Calibri Light" panose="020F0302020204030204" pitchFamily="34" charset="0"/>
+                      </a:rPr>
+                      <m:t>|</m:t>
+                    </m:r>
+                    <m:d>
+                      <m:dPr>
+                        <m:begChr m:val=""/>
+                        <m:endChr m:val="⟩"/>
+                        <m:ctrlPr>
+                          <a:rPr lang="en-US" sz="2000" i="1">
+                            <a:solidFill>
+                              <a:schemeClr val="tx1"/>
+                            </a:solidFill>
+                            <a:latin typeface="Cambria Math" panose="02040503050406030204" pitchFamily="18" charset="0"/>
+                            <a:ea typeface="Cambria Math" panose="02040503050406030204" pitchFamily="18" charset="0"/>
+                            <a:cs typeface="Calibri Light" panose="020F0302020204030204" pitchFamily="34" charset="0"/>
+                          </a:rPr>
+                        </m:ctrlPr>
+                      </m:dPr>
+                      <m:e>
+                        <m:r>
+                          <a:rPr lang="en-US" sz="2000" i="1">
+                            <a:solidFill>
+                              <a:schemeClr val="tx1"/>
+                            </a:solidFill>
+                            <a:latin typeface="Cambria Math" panose="02040503050406030204" pitchFamily="18" charset="0"/>
+                            <a:ea typeface="Cambria Math" panose="02040503050406030204" pitchFamily="18" charset="0"/>
+                            <a:cs typeface="Calibri Light" panose="020F0302020204030204" pitchFamily="34" charset="0"/>
+                          </a:rPr>
+                          <m:t>𝑓</m:t>
+                        </m:r>
+                        <m:d>
+                          <m:dPr>
+                            <m:ctrlPr>
+                              <a:rPr lang="en-US" sz="2000" i="1">
+                                <a:solidFill>
+                                  <a:schemeClr val="tx1"/>
+                                </a:solidFill>
+                                <a:latin typeface="Cambria Math" panose="02040503050406030204" pitchFamily="18" charset="0"/>
+                                <a:ea typeface="Cambria Math" panose="02040503050406030204" pitchFamily="18" charset="0"/>
+                                <a:cs typeface="Calibri Light" panose="020F0302020204030204" pitchFamily="34" charset="0"/>
+                              </a:rPr>
+                            </m:ctrlPr>
+                          </m:dPr>
+                          <m:e>
+                            <m:acc>
+                              <m:accPr>
+                                <m:chr m:val="⃗"/>
+                                <m:ctrlPr>
+                                  <a:rPr lang="en-US" sz="2000" i="1">
+                                    <a:solidFill>
+                                      <a:schemeClr val="tx1"/>
+                                    </a:solidFill>
+                                    <a:latin typeface="Cambria Math" panose="02040503050406030204" pitchFamily="18" charset="0"/>
+                                    <a:ea typeface="Cambria Math" panose="02040503050406030204" pitchFamily="18" charset="0"/>
+                                    <a:cs typeface="Calibri Light" panose="020F0302020204030204" pitchFamily="34" charset="0"/>
+                                  </a:rPr>
+                                </m:ctrlPr>
+                              </m:accPr>
+                              <m:e>
+                                <m:r>
+                                  <a:rPr lang="en-US" sz="2000" i="1">
+                                    <a:solidFill>
+                                      <a:schemeClr val="tx1"/>
+                                    </a:solidFill>
+                                    <a:latin typeface="Cambria Math" panose="02040503050406030204" pitchFamily="18" charset="0"/>
+                                    <a:ea typeface="Cambria Math" panose="02040503050406030204" pitchFamily="18" charset="0"/>
+                                    <a:cs typeface="Calibri Light" panose="020F0302020204030204" pitchFamily="34" charset="0"/>
+                                  </a:rPr>
+                                  <m:t>𝑥</m:t>
+                                </m:r>
+                              </m:e>
+                            </m:acc>
+                            <m:r>
+                              <a:rPr lang="en-US" sz="2000" i="1">
+                                <a:solidFill>
+                                  <a:schemeClr val="tx1"/>
+                                </a:solidFill>
+                                <a:latin typeface="Cambria Math" panose="02040503050406030204" pitchFamily="18" charset="0"/>
+                                <a:ea typeface="Cambria Math" panose="02040503050406030204" pitchFamily="18" charset="0"/>
+                                <a:cs typeface="Calibri Light" panose="020F0302020204030204" pitchFamily="34" charset="0"/>
+                              </a:rPr>
+                              <m:t>,</m:t>
+                            </m:r>
+                            <m:r>
+                              <a:rPr lang="en-US" sz="2000" i="1">
+                                <a:solidFill>
+                                  <a:schemeClr val="tx1"/>
+                                </a:solidFill>
+                                <a:latin typeface="Cambria Math" panose="02040503050406030204" pitchFamily="18" charset="0"/>
+                                <a:ea typeface="Cambria Math" panose="02040503050406030204" pitchFamily="18" charset="0"/>
+                                <a:cs typeface="Calibri Light" panose="020F0302020204030204" pitchFamily="34" charset="0"/>
+                              </a:rPr>
+                              <m:t>𝑡</m:t>
+                            </m:r>
+                          </m:e>
+                        </m:d>
+                      </m:e>
+                    </m:d>
+                    <m:r>
+                      <a:rPr lang="en-US" sz="2000" i="1">
+                        <a:solidFill>
+                          <a:schemeClr val="tx1"/>
+                        </a:solidFill>
+                        <a:latin typeface="Cambria Math" panose="02040503050406030204" pitchFamily="18" charset="0"/>
+                        <a:ea typeface="Cambria Math" panose="02040503050406030204" pitchFamily="18" charset="0"/>
+                        <a:cs typeface="Calibri Light" panose="020F0302020204030204" pitchFamily="34" charset="0"/>
+                      </a:rPr>
+                      <m:t>+</m:t>
+                    </m:r>
+                    <m:sSup>
+                      <m:sSupPr>
+                        <m:ctrlPr>
+                          <a:rPr lang="en-US" sz="2000" i="1">
+                            <a:solidFill>
+                              <a:schemeClr val="tx1"/>
+                            </a:solidFill>
+                            <a:latin typeface="Cambria Math" panose="02040503050406030204" pitchFamily="18" charset="0"/>
+                            <a:ea typeface="Cambria Math" panose="02040503050406030204" pitchFamily="18" charset="0"/>
+                            <a:cs typeface="Calibri Light" panose="020F0302020204030204" pitchFamily="34" charset="0"/>
+                          </a:rPr>
+                        </m:ctrlPr>
+                      </m:sSupPr>
+                      <m:e>
+                        <m:r>
+                          <a:rPr lang="en-US" sz="2000" i="1">
+                            <a:solidFill>
+                              <a:schemeClr val="tx1"/>
+                            </a:solidFill>
+                            <a:latin typeface="Cambria Math" panose="02040503050406030204" pitchFamily="18" charset="0"/>
+                            <a:ea typeface="Cambria Math" panose="02040503050406030204" pitchFamily="18" charset="0"/>
+                            <a:cs typeface="Calibri Light" panose="020F0302020204030204" pitchFamily="34" charset="0"/>
+                          </a:rPr>
+                          <m:t>𝑀</m:t>
+                        </m:r>
+                      </m:e>
+                      <m:sup>
+                        <m:r>
+                          <a:rPr lang="en-US" sz="2000" i="1">
+                            <a:solidFill>
+                              <a:schemeClr val="tx1"/>
+                            </a:solidFill>
+                            <a:latin typeface="Cambria Math" panose="02040503050406030204" pitchFamily="18" charset="0"/>
+                            <a:ea typeface="Cambria Math" panose="02040503050406030204" pitchFamily="18" charset="0"/>
+                            <a:cs typeface="Calibri Light" panose="020F0302020204030204" pitchFamily="34" charset="0"/>
+                          </a:rPr>
+                          <m:t>−1</m:t>
+                        </m:r>
+                      </m:sup>
+                    </m:sSup>
+                    <m:r>
+                      <a:rPr lang="en-US" sz="2000" i="1">
+                        <a:solidFill>
+                          <a:schemeClr val="tx1"/>
+                        </a:solidFill>
+                        <a:latin typeface="Cambria Math" panose="02040503050406030204" pitchFamily="18" charset="0"/>
+                        <a:ea typeface="Cambria Math" panose="02040503050406030204" pitchFamily="18" charset="0"/>
+                        <a:cs typeface="Calibri Light" panose="020F0302020204030204" pitchFamily="34" charset="0"/>
+                      </a:rPr>
+                      <m:t>|</m:t>
+                    </m:r>
+                    <m:r>
+                      <m:rPr>
+                        <m:sty m:val="p"/>
+                      </m:rPr>
+                      <a:rPr lang="el-GR" sz="2000" i="1">
+                        <a:solidFill>
+                          <a:schemeClr val="tx1"/>
+                        </a:solidFill>
+                        <a:latin typeface="Cambria Math" panose="02040503050406030204" pitchFamily="18" charset="0"/>
+                        <a:ea typeface="Cambria Math" panose="02040503050406030204" pitchFamily="18" charset="0"/>
+                        <a:cs typeface="Calibri Light" panose="020F0302020204030204" pitchFamily="34" charset="0"/>
+                      </a:rPr>
+                      <m:t>Δ</m:t>
+                    </m:r>
+                    <m:d>
+                      <m:dPr>
+                        <m:begChr m:val=""/>
+                        <m:endChr m:val="⟩"/>
+                        <m:ctrlPr>
+                          <a:rPr lang="en-US" sz="2000" i="1">
+                            <a:solidFill>
+                              <a:schemeClr val="tx1"/>
+                            </a:solidFill>
+                            <a:latin typeface="Cambria Math" panose="02040503050406030204" pitchFamily="18" charset="0"/>
+                            <a:ea typeface="Cambria Math" panose="02040503050406030204" pitchFamily="18" charset="0"/>
+                            <a:cs typeface="Calibri Light" panose="020F0302020204030204" pitchFamily="34" charset="0"/>
+                          </a:rPr>
+                        </m:ctrlPr>
+                      </m:dPr>
+                      <m:e>
+                        <m:r>
+                          <a:rPr lang="en-US" sz="2000" i="1">
+                            <a:solidFill>
+                              <a:schemeClr val="tx1"/>
+                            </a:solidFill>
+                            <a:latin typeface="Cambria Math" panose="02040503050406030204" pitchFamily="18" charset="0"/>
+                            <a:ea typeface="Cambria Math" panose="02040503050406030204" pitchFamily="18" charset="0"/>
+                            <a:cs typeface="Calibri Light" panose="020F0302020204030204" pitchFamily="34" charset="0"/>
+                          </a:rPr>
+                          <m:t>𝜚</m:t>
+                        </m:r>
+                      </m:e>
+                    </m:d>
+                  </m:oMath>
+                </a14:m>
+                <a:endParaRPr lang="es-CO" dirty="0">
+                  <a:solidFill>
+                    <a:schemeClr val="tx1"/>
+                  </a:solidFill>
+                  <a:latin typeface="Calibri Light" panose="020F0302020204030204" pitchFamily="34" charset="0"/>
+                  <a:cs typeface="Calibri Light" panose="020F0302020204030204" pitchFamily="34" charset="0"/>
+                </a:endParaRPr>
+              </a:p>
+              <a:p>
+                <a:pPr marL="502920" indent="-457200">
+                  <a:buFont typeface="+mj-lt"/>
+                  <a:buAutoNum type="arabicPeriod"/>
+                </a:pPr>
+                <a:endParaRPr lang="es-CO" dirty="0">
+                  <a:solidFill>
+                    <a:schemeClr val="tx1"/>
+                  </a:solidFill>
+                  <a:latin typeface="Calibri Light" panose="020F0302020204030204" pitchFamily="34" charset="0"/>
+                  <a:cs typeface="Calibri Light" panose="020F0302020204030204" pitchFamily="34" charset="0"/>
+                </a:endParaRPr>
+              </a:p>
+              <a:p>
+                <a:pPr marL="502920" indent="-457200">
+                  <a:buFont typeface="+mj-lt"/>
+                  <a:buAutoNum type="arabicPeriod"/>
+                </a:pPr>
+                <a:r>
+                  <a:rPr lang="es-CO" dirty="0" err="1">
+                    <a:solidFill>
+                      <a:schemeClr val="tx1"/>
+                    </a:solidFill>
+                    <a:latin typeface="Calibri Light" panose="020F0302020204030204" pitchFamily="34" charset="0"/>
+                    <a:cs typeface="Calibri Light" panose="020F0302020204030204" pitchFamily="34" charset="0"/>
+                  </a:rPr>
+                  <a:t>Adveccione</a:t>
+                </a:r>
+                <a:r>
+                  <a:rPr lang="es-CO" dirty="0">
+                    <a:solidFill>
+                      <a:schemeClr val="tx1"/>
+                    </a:solidFill>
+                    <a:latin typeface="Calibri Light" panose="020F0302020204030204" pitchFamily="34" charset="0"/>
+                    <a:cs typeface="Calibri Light" panose="020F0302020204030204" pitchFamily="34" charset="0"/>
+                  </a:rPr>
+                  <a:t>: </a:t>
+                </a:r>
+                <a14:m>
+                  <m:oMath xmlns:m="http://schemas.openxmlformats.org/officeDocument/2006/math">
+                    <m:r>
+                      <a:rPr lang="en-US" sz="2000" i="1">
+                        <a:solidFill>
+                          <a:schemeClr val="tx1"/>
+                        </a:solidFill>
+                        <a:latin typeface="Cambria Math" panose="02040503050406030204" pitchFamily="18" charset="0"/>
+                        <a:ea typeface="Cambria Math" panose="02040503050406030204" pitchFamily="18" charset="0"/>
+                        <a:cs typeface="Calibri Light" panose="020F0302020204030204" pitchFamily="34" charset="0"/>
+                      </a:rPr>
+                      <m:t>|</m:t>
+                    </m:r>
+                    <m:d>
+                      <m:dPr>
+                        <m:begChr m:val=""/>
+                        <m:endChr m:val="⟩"/>
+                        <m:ctrlPr>
+                          <a:rPr lang="en-US" sz="2000" i="1">
+                            <a:solidFill>
+                              <a:schemeClr val="tx1"/>
+                            </a:solidFill>
+                            <a:latin typeface="Cambria Math" panose="02040503050406030204" pitchFamily="18" charset="0"/>
+                            <a:ea typeface="Cambria Math" panose="02040503050406030204" pitchFamily="18" charset="0"/>
+                            <a:cs typeface="Calibri Light" panose="020F0302020204030204" pitchFamily="34" charset="0"/>
+                          </a:rPr>
+                        </m:ctrlPr>
+                      </m:dPr>
+                      <m:e>
+                        <m:r>
+                          <a:rPr lang="en-US" sz="2000" i="1">
+                            <a:solidFill>
+                              <a:schemeClr val="tx1"/>
+                            </a:solidFill>
+                            <a:latin typeface="Cambria Math" panose="02040503050406030204" pitchFamily="18" charset="0"/>
+                            <a:ea typeface="Cambria Math" panose="02040503050406030204" pitchFamily="18" charset="0"/>
+                            <a:cs typeface="Calibri Light" panose="020F0302020204030204" pitchFamily="34" charset="0"/>
+                          </a:rPr>
+                          <m:t>𝑓</m:t>
+                        </m:r>
+                        <m:d>
+                          <m:dPr>
+                            <m:ctrlPr>
+                              <a:rPr lang="en-US" sz="2000" i="1">
+                                <a:solidFill>
+                                  <a:schemeClr val="tx1"/>
+                                </a:solidFill>
+                                <a:latin typeface="Cambria Math" panose="02040503050406030204" pitchFamily="18" charset="0"/>
+                                <a:ea typeface="Cambria Math" panose="02040503050406030204" pitchFamily="18" charset="0"/>
+                                <a:cs typeface="Calibri Light" panose="020F0302020204030204" pitchFamily="34" charset="0"/>
+                              </a:rPr>
+                            </m:ctrlPr>
+                          </m:dPr>
+                          <m:e>
+                            <m:acc>
+                              <m:accPr>
+                                <m:chr m:val="⃗"/>
+                                <m:ctrlPr>
+                                  <a:rPr lang="en-US" sz="2000" i="1">
+                                    <a:solidFill>
+                                      <a:schemeClr val="tx1"/>
+                                    </a:solidFill>
+                                    <a:latin typeface="Cambria Math" panose="02040503050406030204" pitchFamily="18" charset="0"/>
+                                    <a:ea typeface="Cambria Math" panose="02040503050406030204" pitchFamily="18" charset="0"/>
+                                    <a:cs typeface="Calibri Light" panose="020F0302020204030204" pitchFamily="34" charset="0"/>
+                                  </a:rPr>
+                                </m:ctrlPr>
+                              </m:accPr>
+                              <m:e>
+                                <m:r>
+                                  <a:rPr lang="en-US" sz="2000" i="1">
+                                    <a:solidFill>
+                                      <a:schemeClr val="tx1"/>
+                                    </a:solidFill>
+                                    <a:latin typeface="Cambria Math" panose="02040503050406030204" pitchFamily="18" charset="0"/>
+                                    <a:ea typeface="Cambria Math" panose="02040503050406030204" pitchFamily="18" charset="0"/>
+                                    <a:cs typeface="Calibri Light" panose="020F0302020204030204" pitchFamily="34" charset="0"/>
+                                  </a:rPr>
+                                  <m:t>𝑥</m:t>
+                                </m:r>
+                              </m:e>
+                            </m:acc>
+                            <m:r>
+                              <a:rPr lang="en-US" sz="2000" i="1">
+                                <a:solidFill>
+                                  <a:schemeClr val="tx1"/>
+                                </a:solidFill>
+                                <a:latin typeface="Cambria Math" panose="02040503050406030204" pitchFamily="18" charset="0"/>
+                                <a:ea typeface="Cambria Math" panose="02040503050406030204" pitchFamily="18" charset="0"/>
+                                <a:cs typeface="Calibri Light" panose="020F0302020204030204" pitchFamily="34" charset="0"/>
+                              </a:rPr>
+                              <m:t>+</m:t>
+                            </m:r>
+                            <m:acc>
+                              <m:accPr>
+                                <m:chr m:val="⃗"/>
+                                <m:ctrlPr>
+                                  <a:rPr lang="en-US" sz="2000" b="0" i="1" smtClean="0">
+                                    <a:solidFill>
+                                      <a:schemeClr val="tx1"/>
+                                    </a:solidFill>
+                                    <a:latin typeface="Cambria Math" panose="02040503050406030204" pitchFamily="18" charset="0"/>
+                                    <a:ea typeface="Cambria Math" panose="02040503050406030204" pitchFamily="18" charset="0"/>
+                                    <a:cs typeface="Calibri Light" panose="020F0302020204030204" pitchFamily="34" charset="0"/>
+                                  </a:rPr>
+                                </m:ctrlPr>
+                              </m:accPr>
+                              <m:e>
+                                <m:r>
+                                  <a:rPr lang="en-US" sz="2000" b="0" i="1" smtClean="0">
+                                    <a:solidFill>
+                                      <a:schemeClr val="tx1"/>
+                                    </a:solidFill>
+                                    <a:latin typeface="Cambria Math" panose="02040503050406030204" pitchFamily="18" charset="0"/>
+                                    <a:ea typeface="Cambria Math" panose="02040503050406030204" pitchFamily="18" charset="0"/>
+                                    <a:cs typeface="Calibri Light" panose="020F0302020204030204" pitchFamily="34" charset="0"/>
+                                  </a:rPr>
+                                  <m:t>𝑣</m:t>
+                                </m:r>
+                              </m:e>
+                            </m:acc>
+                            <m:r>
+                              <a:rPr lang="en-US" sz="2000" i="1">
+                                <a:solidFill>
+                                  <a:schemeClr val="tx1"/>
+                                </a:solidFill>
+                                <a:latin typeface="Cambria Math" panose="02040503050406030204" pitchFamily="18" charset="0"/>
+                                <a:ea typeface="Cambria Math" panose="02040503050406030204" pitchFamily="18" charset="0"/>
+                                <a:cs typeface="Calibri Light" panose="020F0302020204030204" pitchFamily="34" charset="0"/>
+                              </a:rPr>
+                              <m:t>,  </m:t>
+                            </m:r>
+                            <m:r>
+                              <a:rPr lang="en-US" sz="2000" i="1">
+                                <a:solidFill>
+                                  <a:schemeClr val="tx1"/>
+                                </a:solidFill>
+                                <a:latin typeface="Cambria Math" panose="02040503050406030204" pitchFamily="18" charset="0"/>
+                                <a:ea typeface="Cambria Math" panose="02040503050406030204" pitchFamily="18" charset="0"/>
+                                <a:cs typeface="Calibri Light" panose="020F0302020204030204" pitchFamily="34" charset="0"/>
+                              </a:rPr>
+                              <m:t>𝑡</m:t>
+                            </m:r>
+                            <m:r>
+                              <a:rPr lang="en-US" sz="2000" i="1">
+                                <a:solidFill>
+                                  <a:schemeClr val="tx1"/>
+                                </a:solidFill>
+                                <a:latin typeface="Cambria Math" panose="02040503050406030204" pitchFamily="18" charset="0"/>
+                                <a:ea typeface="Cambria Math" panose="02040503050406030204" pitchFamily="18" charset="0"/>
+                                <a:cs typeface="Calibri Light" panose="020F0302020204030204" pitchFamily="34" charset="0"/>
+                              </a:rPr>
+                              <m:t>+1</m:t>
+                            </m:r>
+                          </m:e>
+                        </m:d>
+                      </m:e>
+                    </m:d>
+                    <m:r>
+                      <a:rPr lang="en-US" sz="2000" b="0" i="1" smtClean="0">
+                        <a:solidFill>
+                          <a:schemeClr val="tx1"/>
+                        </a:solidFill>
+                        <a:latin typeface="Cambria Math" panose="02040503050406030204" pitchFamily="18" charset="0"/>
+                        <a:ea typeface="Cambria Math" panose="02040503050406030204" pitchFamily="18" charset="0"/>
+                        <a:cs typeface="Calibri Light" panose="020F0302020204030204" pitchFamily="34" charset="0"/>
+                      </a:rPr>
+                      <m:t>=</m:t>
+                    </m:r>
+                    <m:r>
+                      <a:rPr lang="en-US" sz="2000" i="1">
+                        <a:solidFill>
+                          <a:schemeClr val="tx1"/>
+                        </a:solidFill>
+                        <a:latin typeface="Cambria Math" panose="02040503050406030204" pitchFamily="18" charset="0"/>
+                        <a:ea typeface="Cambria Math" panose="02040503050406030204" pitchFamily="18" charset="0"/>
+                        <a:cs typeface="Calibri Light" panose="020F0302020204030204" pitchFamily="34" charset="0"/>
+                      </a:rPr>
+                      <m:t>|</m:t>
+                    </m:r>
+                    <m:d>
+                      <m:dPr>
+                        <m:begChr m:val=""/>
+                        <m:endChr m:val="⟩"/>
+                        <m:ctrlPr>
+                          <a:rPr lang="en-US" sz="2000" i="1">
+                            <a:solidFill>
+                              <a:schemeClr val="tx1"/>
+                            </a:solidFill>
+                            <a:latin typeface="Cambria Math" panose="02040503050406030204" pitchFamily="18" charset="0"/>
+                            <a:ea typeface="Cambria Math" panose="02040503050406030204" pitchFamily="18" charset="0"/>
+                            <a:cs typeface="Calibri Light" panose="020F0302020204030204" pitchFamily="34" charset="0"/>
+                          </a:rPr>
+                        </m:ctrlPr>
+                      </m:dPr>
+                      <m:e>
+                        <m:sSup>
+                          <m:sSupPr>
+                            <m:ctrlPr>
+                              <a:rPr lang="en-US" sz="2000" i="1">
+                                <a:solidFill>
+                                  <a:schemeClr val="tx1"/>
+                                </a:solidFill>
+                                <a:latin typeface="Cambria Math" panose="02040503050406030204" pitchFamily="18" charset="0"/>
+                                <a:ea typeface="Cambria Math" panose="02040503050406030204" pitchFamily="18" charset="0"/>
+                                <a:cs typeface="Calibri Light" panose="020F0302020204030204" pitchFamily="34" charset="0"/>
+                              </a:rPr>
+                            </m:ctrlPr>
+                          </m:sSupPr>
+                          <m:e>
+                            <m:r>
+                              <a:rPr lang="en-US" sz="2000" i="1">
+                                <a:solidFill>
+                                  <a:schemeClr val="tx1"/>
+                                </a:solidFill>
+                                <a:latin typeface="Cambria Math" panose="02040503050406030204" pitchFamily="18" charset="0"/>
+                                <a:ea typeface="Cambria Math" panose="02040503050406030204" pitchFamily="18" charset="0"/>
+                                <a:cs typeface="Calibri Light" panose="020F0302020204030204" pitchFamily="34" charset="0"/>
+                              </a:rPr>
+                              <m:t>𝑓</m:t>
+                            </m:r>
+                          </m:e>
+                          <m:sup>
+                            <m:r>
+                              <m:rPr>
+                                <m:sty m:val="p"/>
+                              </m:rPr>
+                              <a:rPr lang="en-US" sz="2000">
+                                <a:solidFill>
+                                  <a:schemeClr val="tx1"/>
+                                </a:solidFill>
+                                <a:latin typeface="Cambria Math" panose="02040503050406030204" pitchFamily="18" charset="0"/>
+                                <a:ea typeface="Cambria Math" panose="02040503050406030204" pitchFamily="18" charset="0"/>
+                                <a:cs typeface="Calibri Light" panose="020F0302020204030204" pitchFamily="34" charset="0"/>
+                              </a:rPr>
+                              <m:t>new</m:t>
+                            </m:r>
+                          </m:sup>
+                        </m:sSup>
+                        <m:d>
+                          <m:dPr>
+                            <m:ctrlPr>
+                              <a:rPr lang="en-US" sz="2000" i="1">
+                                <a:solidFill>
+                                  <a:schemeClr val="tx1"/>
+                                </a:solidFill>
+                                <a:latin typeface="Cambria Math" panose="02040503050406030204" pitchFamily="18" charset="0"/>
+                                <a:ea typeface="Cambria Math" panose="02040503050406030204" pitchFamily="18" charset="0"/>
+                                <a:cs typeface="Calibri Light" panose="020F0302020204030204" pitchFamily="34" charset="0"/>
+                              </a:rPr>
+                            </m:ctrlPr>
+                          </m:dPr>
+                          <m:e>
+                            <m:acc>
+                              <m:accPr>
+                                <m:chr m:val="⃗"/>
+                                <m:ctrlPr>
+                                  <a:rPr lang="en-US" sz="2000" i="1">
+                                    <a:solidFill>
+                                      <a:schemeClr val="tx1"/>
+                                    </a:solidFill>
+                                    <a:latin typeface="Cambria Math" panose="02040503050406030204" pitchFamily="18" charset="0"/>
+                                    <a:ea typeface="Cambria Math" panose="02040503050406030204" pitchFamily="18" charset="0"/>
+                                    <a:cs typeface="Calibri Light" panose="020F0302020204030204" pitchFamily="34" charset="0"/>
+                                  </a:rPr>
+                                </m:ctrlPr>
+                              </m:accPr>
+                              <m:e>
+                                <m:r>
+                                  <a:rPr lang="en-US" sz="2000" i="1">
+                                    <a:solidFill>
+                                      <a:schemeClr val="tx1"/>
+                                    </a:solidFill>
+                                    <a:latin typeface="Cambria Math" panose="02040503050406030204" pitchFamily="18" charset="0"/>
+                                    <a:ea typeface="Cambria Math" panose="02040503050406030204" pitchFamily="18" charset="0"/>
+                                    <a:cs typeface="Calibri Light" panose="020F0302020204030204" pitchFamily="34" charset="0"/>
+                                  </a:rPr>
+                                  <m:t>𝑥</m:t>
+                                </m:r>
+                              </m:e>
+                            </m:acc>
+                            <m:r>
+                              <a:rPr lang="en-US" sz="2000" i="1">
+                                <a:solidFill>
+                                  <a:schemeClr val="tx1"/>
+                                </a:solidFill>
+                                <a:latin typeface="Cambria Math" panose="02040503050406030204" pitchFamily="18" charset="0"/>
+                                <a:ea typeface="Cambria Math" panose="02040503050406030204" pitchFamily="18" charset="0"/>
+                                <a:cs typeface="Calibri Light" panose="020F0302020204030204" pitchFamily="34" charset="0"/>
+                              </a:rPr>
+                              <m:t>,</m:t>
+                            </m:r>
+                            <m:r>
+                              <a:rPr lang="en-US" sz="2000" i="1">
+                                <a:solidFill>
+                                  <a:schemeClr val="tx1"/>
+                                </a:solidFill>
+                                <a:latin typeface="Cambria Math" panose="02040503050406030204" pitchFamily="18" charset="0"/>
+                                <a:ea typeface="Cambria Math" panose="02040503050406030204" pitchFamily="18" charset="0"/>
+                                <a:cs typeface="Calibri Light" panose="020F0302020204030204" pitchFamily="34" charset="0"/>
+                              </a:rPr>
+                              <m:t>𝑡</m:t>
+                            </m:r>
+                          </m:e>
+                        </m:d>
+                      </m:e>
+                    </m:d>
+                  </m:oMath>
+                </a14:m>
+                <a:br>
+                  <a:rPr lang="en-US" sz="2000" dirty="0">
+                    <a:solidFill>
+                      <a:schemeClr val="tx1"/>
+                    </a:solidFill>
+                    <a:latin typeface="Calibri Light" panose="020F0302020204030204" pitchFamily="34" charset="0"/>
+                    <a:cs typeface="Calibri Light" panose="020F0302020204030204" pitchFamily="34" charset="0"/>
+                  </a:rPr>
+                </a:br>
+                <a:br>
+                  <a:rPr lang="en-US" sz="2000" dirty="0">
+                    <a:solidFill>
+                      <a:schemeClr val="tx1"/>
+                    </a:solidFill>
+                    <a:latin typeface="Calibri Light" panose="020F0302020204030204" pitchFamily="34" charset="0"/>
+                    <a:cs typeface="Calibri Light" panose="020F0302020204030204" pitchFamily="34" charset="0"/>
+                  </a:rPr>
+                </a:br>
+                <a14:m>
+                  <m:oMath xmlns:m="http://schemas.openxmlformats.org/officeDocument/2006/math">
+                    <m:r>
+                      <a:rPr lang="en-US" sz="2000" i="1">
+                        <a:solidFill>
+                          <a:schemeClr val="tx1"/>
+                        </a:solidFill>
+                        <a:latin typeface="Cambria Math" panose="02040503050406030204" pitchFamily="18" charset="0"/>
+                        <a:ea typeface="Cambria Math" panose="02040503050406030204" pitchFamily="18" charset="0"/>
+                        <a:cs typeface="Calibri Light" panose="020F0302020204030204" pitchFamily="34" charset="0"/>
+                      </a:rPr>
+                      <m:t>|</m:t>
+                    </m:r>
+                    <m:d>
+                      <m:dPr>
+                        <m:begChr m:val=""/>
+                        <m:endChr m:val="⟩"/>
+                        <m:ctrlPr>
+                          <a:rPr lang="en-US" sz="2000" i="1">
+                            <a:solidFill>
+                              <a:schemeClr val="tx1"/>
+                            </a:solidFill>
+                            <a:latin typeface="Cambria Math" panose="02040503050406030204" pitchFamily="18" charset="0"/>
+                            <a:ea typeface="Cambria Math" panose="02040503050406030204" pitchFamily="18" charset="0"/>
+                            <a:cs typeface="Calibri Light" panose="020F0302020204030204" pitchFamily="34" charset="0"/>
+                          </a:rPr>
+                        </m:ctrlPr>
+                      </m:dPr>
+                      <m:e>
+                        <m:r>
+                          <a:rPr lang="en-US" sz="2000" i="1" smtClean="0">
+                            <a:solidFill>
+                              <a:schemeClr val="tx1"/>
+                            </a:solidFill>
+                            <a:latin typeface="Cambria Math" panose="02040503050406030204" pitchFamily="18" charset="0"/>
+                            <a:ea typeface="Cambria Math" panose="02040503050406030204" pitchFamily="18" charset="0"/>
+                            <a:cs typeface="Calibri Light" panose="020F0302020204030204" pitchFamily="34" charset="0"/>
+                          </a:rPr>
+                          <m:t>𝜚</m:t>
+                        </m:r>
+                        <m:d>
+                          <m:dPr>
+                            <m:ctrlPr>
+                              <a:rPr lang="en-US" sz="2000" i="1">
+                                <a:solidFill>
+                                  <a:schemeClr val="tx1"/>
+                                </a:solidFill>
+                                <a:latin typeface="Cambria Math" panose="02040503050406030204" pitchFamily="18" charset="0"/>
+                                <a:ea typeface="Cambria Math" panose="02040503050406030204" pitchFamily="18" charset="0"/>
+                                <a:cs typeface="Calibri Light" panose="020F0302020204030204" pitchFamily="34" charset="0"/>
+                              </a:rPr>
+                            </m:ctrlPr>
+                          </m:dPr>
+                          <m:e>
+                            <m:acc>
+                              <m:accPr>
+                                <m:chr m:val="⃗"/>
+                                <m:ctrlPr>
+                                  <a:rPr lang="en-US" sz="2000" i="1">
+                                    <a:solidFill>
+                                      <a:schemeClr val="tx1"/>
+                                    </a:solidFill>
+                                    <a:latin typeface="Cambria Math" panose="02040503050406030204" pitchFamily="18" charset="0"/>
+                                    <a:ea typeface="Cambria Math" panose="02040503050406030204" pitchFamily="18" charset="0"/>
+                                    <a:cs typeface="Calibri Light" panose="020F0302020204030204" pitchFamily="34" charset="0"/>
+                                  </a:rPr>
+                                </m:ctrlPr>
+                              </m:accPr>
+                              <m:e>
+                                <m:r>
+                                  <a:rPr lang="en-US" sz="2000" i="1">
+                                    <a:solidFill>
+                                      <a:schemeClr val="tx1"/>
+                                    </a:solidFill>
+                                    <a:latin typeface="Cambria Math" panose="02040503050406030204" pitchFamily="18" charset="0"/>
+                                    <a:ea typeface="Cambria Math" panose="02040503050406030204" pitchFamily="18" charset="0"/>
+                                    <a:cs typeface="Calibri Light" panose="020F0302020204030204" pitchFamily="34" charset="0"/>
+                                  </a:rPr>
+                                  <m:t>𝑥</m:t>
+                                </m:r>
+                              </m:e>
+                            </m:acc>
+                            <m:r>
+                              <a:rPr lang="en-US" sz="2000" i="1">
+                                <a:solidFill>
+                                  <a:schemeClr val="tx1"/>
+                                </a:solidFill>
+                                <a:latin typeface="Cambria Math" panose="02040503050406030204" pitchFamily="18" charset="0"/>
+                                <a:ea typeface="Cambria Math" panose="02040503050406030204" pitchFamily="18" charset="0"/>
+                                <a:cs typeface="Calibri Light" panose="020F0302020204030204" pitchFamily="34" charset="0"/>
+                              </a:rPr>
+                              <m:t>+</m:t>
+                            </m:r>
+                            <m:acc>
+                              <m:accPr>
+                                <m:chr m:val="⃗"/>
+                                <m:ctrlPr>
+                                  <a:rPr lang="en-US" sz="2000" i="1">
+                                    <a:solidFill>
+                                      <a:schemeClr val="tx1"/>
+                                    </a:solidFill>
+                                    <a:latin typeface="Cambria Math" panose="02040503050406030204" pitchFamily="18" charset="0"/>
+                                    <a:ea typeface="Cambria Math" panose="02040503050406030204" pitchFamily="18" charset="0"/>
+                                    <a:cs typeface="Calibri Light" panose="020F0302020204030204" pitchFamily="34" charset="0"/>
+                                  </a:rPr>
+                                </m:ctrlPr>
+                              </m:accPr>
+                              <m:e>
+                                <m:r>
+                                  <a:rPr lang="en-US" sz="2000" i="1">
+                                    <a:solidFill>
+                                      <a:schemeClr val="tx1"/>
+                                    </a:solidFill>
+                                    <a:latin typeface="Cambria Math" panose="02040503050406030204" pitchFamily="18" charset="0"/>
+                                    <a:ea typeface="Cambria Math" panose="02040503050406030204" pitchFamily="18" charset="0"/>
+                                    <a:cs typeface="Calibri Light" panose="020F0302020204030204" pitchFamily="34" charset="0"/>
+                                  </a:rPr>
+                                  <m:t>𝑣</m:t>
+                                </m:r>
+                              </m:e>
+                            </m:acc>
+                            <m:r>
+                              <a:rPr lang="en-US" sz="2000" i="1">
+                                <a:solidFill>
+                                  <a:schemeClr val="tx1"/>
+                                </a:solidFill>
+                                <a:latin typeface="Cambria Math" panose="02040503050406030204" pitchFamily="18" charset="0"/>
+                                <a:ea typeface="Cambria Math" panose="02040503050406030204" pitchFamily="18" charset="0"/>
+                                <a:cs typeface="Calibri Light" panose="020F0302020204030204" pitchFamily="34" charset="0"/>
+                              </a:rPr>
+                              <m:t>, </m:t>
+                            </m:r>
+                            <m:r>
+                              <a:rPr lang="en-US" sz="2000" i="1">
+                                <a:solidFill>
+                                  <a:schemeClr val="tx1"/>
+                                </a:solidFill>
+                                <a:latin typeface="Cambria Math" panose="02040503050406030204" pitchFamily="18" charset="0"/>
+                                <a:ea typeface="Cambria Math" panose="02040503050406030204" pitchFamily="18" charset="0"/>
+                                <a:cs typeface="Calibri Light" panose="020F0302020204030204" pitchFamily="34" charset="0"/>
+                              </a:rPr>
+                              <m:t>𝑡</m:t>
+                            </m:r>
+                            <m:r>
+                              <a:rPr lang="en-US" sz="2000" i="1">
+                                <a:solidFill>
+                                  <a:schemeClr val="tx1"/>
+                                </a:solidFill>
+                                <a:latin typeface="Cambria Math" panose="02040503050406030204" pitchFamily="18" charset="0"/>
+                                <a:ea typeface="Cambria Math" panose="02040503050406030204" pitchFamily="18" charset="0"/>
+                                <a:cs typeface="Calibri Light" panose="020F0302020204030204" pitchFamily="34" charset="0"/>
+                              </a:rPr>
+                              <m:t>+1</m:t>
+                            </m:r>
+                          </m:e>
+                        </m:d>
+                      </m:e>
+                    </m:d>
+                    <m:r>
+                      <a:rPr lang="en-US" sz="2000" b="0" i="1" smtClean="0">
+                        <a:solidFill>
+                          <a:schemeClr val="tx1"/>
+                        </a:solidFill>
+                        <a:latin typeface="Cambria Math" panose="02040503050406030204" pitchFamily="18" charset="0"/>
+                        <a:ea typeface="Cambria Math" panose="02040503050406030204" pitchFamily="18" charset="0"/>
+                        <a:cs typeface="Calibri Light" panose="020F0302020204030204" pitchFamily="34" charset="0"/>
+                      </a:rPr>
+                      <m:t>=</m:t>
+                    </m:r>
+                    <m:r>
+                      <a:rPr lang="en-US" sz="2000" b="0" i="1" smtClean="0">
+                        <a:solidFill>
+                          <a:schemeClr val="tx1"/>
+                        </a:solidFill>
+                        <a:latin typeface="Cambria Math" panose="02040503050406030204" pitchFamily="18" charset="0"/>
+                        <a:ea typeface="Cambria Math" panose="02040503050406030204" pitchFamily="18" charset="0"/>
+                        <a:cs typeface="Calibri Light" panose="020F0302020204030204" pitchFamily="34" charset="0"/>
+                      </a:rPr>
+                      <m:t>𝑀</m:t>
+                    </m:r>
+                    <m:r>
+                      <a:rPr lang="en-US" sz="2000" i="1">
+                        <a:solidFill>
+                          <a:schemeClr val="tx1"/>
+                        </a:solidFill>
+                        <a:latin typeface="Cambria Math" panose="02040503050406030204" pitchFamily="18" charset="0"/>
+                        <a:ea typeface="Cambria Math" panose="02040503050406030204" pitchFamily="18" charset="0"/>
+                        <a:cs typeface="Calibri Light" panose="020F0302020204030204" pitchFamily="34" charset="0"/>
+                      </a:rPr>
+                      <m:t>|</m:t>
+                    </m:r>
+                    <m:d>
+                      <m:dPr>
+                        <m:begChr m:val=""/>
+                        <m:endChr m:val="⟩"/>
+                        <m:ctrlPr>
+                          <a:rPr lang="en-US" sz="2000" i="1">
+                            <a:solidFill>
+                              <a:schemeClr val="tx1"/>
+                            </a:solidFill>
+                            <a:latin typeface="Cambria Math" panose="02040503050406030204" pitchFamily="18" charset="0"/>
+                            <a:ea typeface="Cambria Math" panose="02040503050406030204" pitchFamily="18" charset="0"/>
+                            <a:cs typeface="Calibri Light" panose="020F0302020204030204" pitchFamily="34" charset="0"/>
+                          </a:rPr>
+                        </m:ctrlPr>
+                      </m:dPr>
+                      <m:e>
+                        <m:r>
+                          <a:rPr lang="en-US" sz="2000" i="1">
+                            <a:solidFill>
+                              <a:schemeClr val="tx1"/>
+                            </a:solidFill>
+                            <a:latin typeface="Cambria Math" panose="02040503050406030204" pitchFamily="18" charset="0"/>
+                            <a:ea typeface="Cambria Math" panose="02040503050406030204" pitchFamily="18" charset="0"/>
+                            <a:cs typeface="Calibri Light" panose="020F0302020204030204" pitchFamily="34" charset="0"/>
+                          </a:rPr>
+                          <m:t>𝑓</m:t>
+                        </m:r>
+                        <m:d>
+                          <m:dPr>
+                            <m:ctrlPr>
+                              <a:rPr lang="en-US" sz="2000" i="1">
+                                <a:solidFill>
+                                  <a:schemeClr val="tx1"/>
+                                </a:solidFill>
+                                <a:latin typeface="Cambria Math" panose="02040503050406030204" pitchFamily="18" charset="0"/>
+                                <a:ea typeface="Cambria Math" panose="02040503050406030204" pitchFamily="18" charset="0"/>
+                                <a:cs typeface="Calibri Light" panose="020F0302020204030204" pitchFamily="34" charset="0"/>
+                              </a:rPr>
+                            </m:ctrlPr>
+                          </m:dPr>
+                          <m:e>
+                            <m:acc>
+                              <m:accPr>
+                                <m:chr m:val="⃗"/>
+                                <m:ctrlPr>
+                                  <a:rPr lang="en-US" sz="2000" i="1">
+                                    <a:solidFill>
+                                      <a:schemeClr val="tx1"/>
+                                    </a:solidFill>
+                                    <a:latin typeface="Cambria Math" panose="02040503050406030204" pitchFamily="18" charset="0"/>
+                                    <a:ea typeface="Cambria Math" panose="02040503050406030204" pitchFamily="18" charset="0"/>
+                                    <a:cs typeface="Calibri Light" panose="020F0302020204030204" pitchFamily="34" charset="0"/>
+                                  </a:rPr>
+                                </m:ctrlPr>
+                              </m:accPr>
+                              <m:e>
+                                <m:r>
+                                  <a:rPr lang="en-US" sz="2000" i="1">
+                                    <a:solidFill>
+                                      <a:schemeClr val="tx1"/>
+                                    </a:solidFill>
+                                    <a:latin typeface="Cambria Math" panose="02040503050406030204" pitchFamily="18" charset="0"/>
+                                    <a:ea typeface="Cambria Math" panose="02040503050406030204" pitchFamily="18" charset="0"/>
+                                    <a:cs typeface="Calibri Light" panose="020F0302020204030204" pitchFamily="34" charset="0"/>
+                                  </a:rPr>
+                                  <m:t>𝑥</m:t>
+                                </m:r>
+                              </m:e>
+                            </m:acc>
+                            <m:r>
+                              <a:rPr lang="en-US" sz="2000" i="1">
+                                <a:solidFill>
+                                  <a:schemeClr val="tx1"/>
+                                </a:solidFill>
+                                <a:latin typeface="Cambria Math" panose="02040503050406030204" pitchFamily="18" charset="0"/>
+                                <a:ea typeface="Cambria Math" panose="02040503050406030204" pitchFamily="18" charset="0"/>
+                                <a:cs typeface="Calibri Light" panose="020F0302020204030204" pitchFamily="34" charset="0"/>
+                              </a:rPr>
+                              <m:t>+</m:t>
+                            </m:r>
+                            <m:acc>
+                              <m:accPr>
+                                <m:chr m:val="⃗"/>
+                                <m:ctrlPr>
+                                  <a:rPr lang="en-US" sz="2000" i="1">
+                                    <a:solidFill>
+                                      <a:schemeClr val="tx1"/>
+                                    </a:solidFill>
+                                    <a:latin typeface="Cambria Math" panose="02040503050406030204" pitchFamily="18" charset="0"/>
+                                    <a:ea typeface="Cambria Math" panose="02040503050406030204" pitchFamily="18" charset="0"/>
+                                    <a:cs typeface="Calibri Light" panose="020F0302020204030204" pitchFamily="34" charset="0"/>
+                                  </a:rPr>
+                                </m:ctrlPr>
+                              </m:accPr>
+                              <m:e>
+                                <m:r>
+                                  <a:rPr lang="en-US" sz="2000" i="1">
+                                    <a:solidFill>
+                                      <a:schemeClr val="tx1"/>
+                                    </a:solidFill>
+                                    <a:latin typeface="Cambria Math" panose="02040503050406030204" pitchFamily="18" charset="0"/>
+                                    <a:ea typeface="Cambria Math" panose="02040503050406030204" pitchFamily="18" charset="0"/>
+                                    <a:cs typeface="Calibri Light" panose="020F0302020204030204" pitchFamily="34" charset="0"/>
+                                  </a:rPr>
+                                  <m:t>𝑣</m:t>
+                                </m:r>
+                              </m:e>
+                            </m:acc>
+                            <m:r>
+                              <a:rPr lang="en-US" sz="2000" i="1">
+                                <a:solidFill>
+                                  <a:schemeClr val="tx1"/>
+                                </a:solidFill>
+                                <a:latin typeface="Cambria Math" panose="02040503050406030204" pitchFamily="18" charset="0"/>
+                                <a:ea typeface="Cambria Math" panose="02040503050406030204" pitchFamily="18" charset="0"/>
+                                <a:cs typeface="Calibri Light" panose="020F0302020204030204" pitchFamily="34" charset="0"/>
+                              </a:rPr>
+                              <m:t>, </m:t>
+                            </m:r>
+                            <m:r>
+                              <a:rPr lang="en-US" sz="2000" i="1">
+                                <a:solidFill>
+                                  <a:schemeClr val="tx1"/>
+                                </a:solidFill>
+                                <a:latin typeface="Cambria Math" panose="02040503050406030204" pitchFamily="18" charset="0"/>
+                                <a:ea typeface="Cambria Math" panose="02040503050406030204" pitchFamily="18" charset="0"/>
+                                <a:cs typeface="Calibri Light" panose="020F0302020204030204" pitchFamily="34" charset="0"/>
+                              </a:rPr>
+                              <m:t>𝑡</m:t>
+                            </m:r>
+                            <m:r>
+                              <a:rPr lang="en-US" sz="2000" i="1">
+                                <a:solidFill>
+                                  <a:schemeClr val="tx1"/>
+                                </a:solidFill>
+                                <a:latin typeface="Cambria Math" panose="02040503050406030204" pitchFamily="18" charset="0"/>
+                                <a:ea typeface="Cambria Math" panose="02040503050406030204" pitchFamily="18" charset="0"/>
+                                <a:cs typeface="Calibri Light" panose="020F0302020204030204" pitchFamily="34" charset="0"/>
+                              </a:rPr>
+                              <m:t>+1</m:t>
+                            </m:r>
+                          </m:e>
+                        </m:d>
+                      </m:e>
+                    </m:d>
+                  </m:oMath>
+                </a14:m>
+                <a:br>
+                  <a:rPr lang="en-US" sz="2000" dirty="0">
+                    <a:solidFill>
+                      <a:schemeClr val="tx1"/>
+                    </a:solidFill>
+                    <a:latin typeface="Calibri Light" panose="020F0302020204030204" pitchFamily="34" charset="0"/>
+                    <a:cs typeface="Calibri Light" panose="020F0302020204030204" pitchFamily="34" charset="0"/>
+                  </a:rPr>
+                </a:br>
+                <a:endParaRPr lang="es-CO" dirty="0">
+                  <a:solidFill>
+                    <a:schemeClr val="tx1"/>
+                  </a:solidFill>
+                  <a:latin typeface="Calibri Light" panose="020F0302020204030204" pitchFamily="34" charset="0"/>
+                  <a:cs typeface="Calibri Light" panose="020F0302020204030204" pitchFamily="34" charset="0"/>
+                </a:endParaRPr>
               </a:p>
             </p:txBody>
           </p:sp>
@@ -10504,1351 +12768,23 @@
         <mc:Fallback>
           <p:sp>
             <p:nvSpPr>
-              <p:cNvPr id="4" name="Rectangle 3"/>
+              <p:cNvPr id="3" name="Content Placeholder 2"/>
               <p:cNvSpPr>
-                <a:spLocks noRot="1" noChangeAspect="1" noMove="1" noResize="1" noEditPoints="1" noAdjustHandles="1" noChangeArrowheads="1" noChangeShapeType="1" noTextEdit="1"/>
+                <a:spLocks noGrp="1" noRot="1" noChangeAspect="1" noMove="1" noResize="1" noEditPoints="1" noAdjustHandles="1" noChangeArrowheads="1" noChangeShapeType="1" noTextEdit="1"/>
               </p:cNvSpPr>
-              <p:nvPr/>
+              <p:nvPr>
+                <p:ph idx="1"/>
+              </p:nvPr>
             </p:nvSpPr>
             <p:spPr>
               <a:xfrm>
-                <a:off x="7083735" y="3127725"/>
-                <a:ext cx="1682127" cy="461665"/>
+                <a:off x="1142999" y="1965960"/>
+                <a:ext cx="11247539" cy="4347780"/>
               </a:xfrm>
-              <a:prstGeom prst="rect">
-                <a:avLst/>
-              </a:prstGeom>
-              <a:blipFill rotWithShape="0">
+              <a:blipFill>
                 <a:blip r:embed="rId2"/>
                 <a:stretch>
-                  <a:fillRect l="-9783" t="-130263" r="-36594" b="-194737"/>
-                </a:stretch>
-              </a:blipFill>
-            </p:spPr>
-            <p:txBody>
-              <a:bodyPr/>
-              <a:lstStyle/>
-              <a:p>
-                <a:r>
-                  <a:rPr lang="es-CO">
-                    <a:noFill/>
-                  </a:rPr>
-                  <a:t> </a:t>
-                </a:r>
-              </a:p>
-            </p:txBody>
-          </p:sp>
-        </mc:Fallback>
-      </mc:AlternateContent>
-      <mc:AlternateContent xmlns:mc="http://schemas.openxmlformats.org/markup-compatibility/2006">
-        <mc:Choice xmlns:a14="http://schemas.microsoft.com/office/drawing/2010/main" Requires="a14">
-          <p:sp>
-            <p:nvSpPr>
-              <p:cNvPr id="5" name="Rectangle 4"/>
-              <p:cNvSpPr/>
-              <p:nvPr/>
-            </p:nvSpPr>
-            <p:spPr>
-              <a:xfrm>
-                <a:off x="9217731" y="3124597"/>
-                <a:ext cx="1988237" cy="461665"/>
-              </a:xfrm>
-              <a:prstGeom prst="rect">
-                <a:avLst/>
-              </a:prstGeom>
-            </p:spPr>
-            <p:txBody>
-              <a:bodyPr wrap="none">
-                <a:spAutoFit/>
-              </a:bodyPr>
-              <a:lstStyle/>
-              <a:p>
-                <a14:m>
-                  <m:oMathPara xmlns:m="http://schemas.openxmlformats.org/officeDocument/2006/math">
-                    <m:oMathParaPr>
-                      <m:jc m:val="centerGroup"/>
-                    </m:oMathParaPr>
-                    <m:oMath xmlns:m="http://schemas.openxmlformats.org/officeDocument/2006/math">
-                      <m:r>
-                        <a:rPr lang="en-US" sz="2400" i="1" smtClean="0">
-                          <a:latin typeface="Cambria Math" panose="02040503050406030204" pitchFamily="18" charset="0"/>
-                          <a:cs typeface="Calibri Light" panose="020F0302020204030204" pitchFamily="34" charset="0"/>
-                        </a:rPr>
-                        <m:t>|</m:t>
-                      </m:r>
-                      <m:d>
-                        <m:dPr>
-                          <m:begChr m:val=""/>
-                          <m:endChr m:val="⟩"/>
-                          <m:ctrlPr>
-                            <a:rPr lang="en-US" sz="2400" i="1" smtClean="0">
-                              <a:latin typeface="Cambria Math" panose="02040503050406030204" pitchFamily="18" charset="0"/>
-                              <a:ea typeface="Cambria Math" panose="02040503050406030204" pitchFamily="18" charset="0"/>
-                              <a:cs typeface="Calibri Light" panose="020F0302020204030204" pitchFamily="34" charset="0"/>
-                            </a:rPr>
-                          </m:ctrlPr>
-                        </m:dPr>
-                        <m:e>
-                          <m:r>
-                            <a:rPr lang="en-US" sz="2400" b="0" i="1" smtClean="0">
-                              <a:latin typeface="Cambria Math" panose="02040503050406030204" pitchFamily="18" charset="0"/>
-                              <a:ea typeface="Cambria Math" panose="02040503050406030204" pitchFamily="18" charset="0"/>
-                              <a:cs typeface="Calibri Light" panose="020F0302020204030204" pitchFamily="34" charset="0"/>
-                            </a:rPr>
-                            <m:t>𝑓</m:t>
-                          </m:r>
-                        </m:e>
-                      </m:d>
-                      <m:r>
-                        <a:rPr lang="en-US" sz="2400" i="1">
-                          <a:latin typeface="Cambria Math" panose="02040503050406030204" pitchFamily="18" charset="0"/>
-                          <a:ea typeface="Cambria Math" panose="02040503050406030204" pitchFamily="18" charset="0"/>
-                          <a:cs typeface="Calibri Light" panose="020F0302020204030204" pitchFamily="34" charset="0"/>
-                        </a:rPr>
-                        <m:t>=</m:t>
-                      </m:r>
-                      <m:sSup>
-                        <m:sSupPr>
-                          <m:ctrlPr>
-                            <a:rPr lang="en-US" sz="2400" i="1" smtClean="0">
-                              <a:latin typeface="Cambria Math" panose="02040503050406030204" pitchFamily="18" charset="0"/>
-                              <a:ea typeface="Cambria Math" panose="02040503050406030204" pitchFamily="18" charset="0"/>
-                              <a:cs typeface="Calibri Light" panose="020F0302020204030204" pitchFamily="34" charset="0"/>
-                            </a:rPr>
-                          </m:ctrlPr>
-                        </m:sSupPr>
-                        <m:e>
-                          <m:r>
-                            <a:rPr lang="en-US" sz="2400" b="0" i="1" smtClean="0">
-                              <a:latin typeface="Cambria Math" panose="02040503050406030204" pitchFamily="18" charset="0"/>
-                              <a:ea typeface="Cambria Math" panose="02040503050406030204" pitchFamily="18" charset="0"/>
-                              <a:cs typeface="Calibri Light" panose="020F0302020204030204" pitchFamily="34" charset="0"/>
-                            </a:rPr>
-                            <m:t>𝑀</m:t>
-                          </m:r>
-                        </m:e>
-                        <m:sup>
-                          <m:r>
-                            <a:rPr lang="en-US" sz="2400" b="0" i="1" smtClean="0">
-                              <a:latin typeface="Cambria Math" panose="02040503050406030204" pitchFamily="18" charset="0"/>
-                              <a:ea typeface="Cambria Math" panose="02040503050406030204" pitchFamily="18" charset="0"/>
-                              <a:cs typeface="Calibri Light" panose="020F0302020204030204" pitchFamily="34" charset="0"/>
-                            </a:rPr>
-                            <m:t>−1</m:t>
-                          </m:r>
-                        </m:sup>
-                      </m:sSup>
-                      <m:r>
-                        <a:rPr lang="en-US" sz="2400" i="1">
-                          <a:latin typeface="Cambria Math" panose="02040503050406030204" pitchFamily="18" charset="0"/>
-                          <a:cs typeface="Calibri Light" panose="020F0302020204030204" pitchFamily="34" charset="0"/>
-                        </a:rPr>
-                        <m:t>|</m:t>
-                      </m:r>
-                      <m:d>
-                        <m:dPr>
-                          <m:begChr m:val=""/>
-                          <m:endChr m:val="⟩"/>
-                          <m:ctrlPr>
-                            <a:rPr lang="en-US" sz="2400" i="1">
-                              <a:latin typeface="Cambria Math" panose="02040503050406030204" pitchFamily="18" charset="0"/>
-                              <a:ea typeface="Cambria Math" panose="02040503050406030204" pitchFamily="18" charset="0"/>
-                              <a:cs typeface="Calibri Light" panose="020F0302020204030204" pitchFamily="34" charset="0"/>
-                            </a:rPr>
-                          </m:ctrlPr>
-                        </m:dPr>
-                        <m:e>
-                          <m:r>
-                            <a:rPr lang="en-US" sz="2400" i="1">
-                              <a:latin typeface="Cambria Math" panose="02040503050406030204" pitchFamily="18" charset="0"/>
-                              <a:ea typeface="Cambria Math" panose="02040503050406030204" pitchFamily="18" charset="0"/>
-                              <a:cs typeface="Calibri Light" panose="020F0302020204030204" pitchFamily="34" charset="0"/>
-                            </a:rPr>
-                            <m:t>𝜚</m:t>
-                          </m:r>
-                        </m:e>
-                      </m:d>
-                    </m:oMath>
-                  </m:oMathPara>
-                </a14:m>
-                <a:endParaRPr lang="es-CO" sz="2400" dirty="0"/>
-              </a:p>
-            </p:txBody>
-          </p:sp>
-        </mc:Choice>
-        <mc:Fallback>
-          <p:sp>
-            <p:nvSpPr>
-              <p:cNvPr id="5" name="Rectangle 4"/>
-              <p:cNvSpPr>
-                <a:spLocks noRot="1" noChangeAspect="1" noMove="1" noResize="1" noEditPoints="1" noAdjustHandles="1" noChangeArrowheads="1" noChangeShapeType="1" noTextEdit="1"/>
-              </p:cNvSpPr>
-              <p:nvPr/>
-            </p:nvSpPr>
-            <p:spPr>
-              <a:xfrm>
-                <a:off x="9217731" y="3124597"/>
-                <a:ext cx="1988237" cy="461665"/>
-              </a:xfrm>
-              <a:prstGeom prst="rect">
-                <a:avLst/>
-              </a:prstGeom>
-              <a:blipFill rotWithShape="0">
-                <a:blip r:embed="rId3"/>
-                <a:stretch>
-                  <a:fillRect l="-8282" t="-132000" r="-31288" b="-198667"/>
-                </a:stretch>
-              </a:blipFill>
-            </p:spPr>
-            <p:txBody>
-              <a:bodyPr/>
-              <a:lstStyle/>
-              <a:p>
-                <a:r>
-                  <a:rPr lang="es-CO">
-                    <a:noFill/>
-                  </a:rPr>
-                  <a:t> </a:t>
-                </a:r>
-              </a:p>
-            </p:txBody>
-          </p:sp>
-        </mc:Fallback>
-      </mc:AlternateContent>
-      <mc:AlternateContent xmlns:mc="http://schemas.openxmlformats.org/markup-compatibility/2006">
-        <mc:Choice xmlns:a14="http://schemas.microsoft.com/office/drawing/2010/main" Requires="a14">
-          <p:sp>
-            <p:nvSpPr>
-              <p:cNvPr id="6" name="Rectangle 5"/>
-              <p:cNvSpPr/>
-              <p:nvPr/>
-            </p:nvSpPr>
-            <p:spPr>
-              <a:xfrm>
-                <a:off x="5418050" y="3783984"/>
-                <a:ext cx="6229462" cy="2367892"/>
-              </a:xfrm>
-              <a:prstGeom prst="rect">
-                <a:avLst/>
-              </a:prstGeom>
-            </p:spPr>
-            <p:txBody>
-              <a:bodyPr wrap="none">
-                <a:spAutoFit/>
-              </a:bodyPr>
-              <a:lstStyle/>
-              <a:p>
-                <a:r>
-                  <a:rPr lang="en-US" sz="2200" dirty="0" smtClean="0">
-                    <a:cs typeface="Calibri Light" panose="020F0302020204030204" pitchFamily="34" charset="0"/>
-                  </a:rPr>
-                  <a:t>d</a:t>
-                </a:r>
-                <a:r>
-                  <a:rPr lang="en-US" sz="2200" dirty="0" err="1" smtClean="0">
-                    <a:cs typeface="Calibri Light" panose="020F0302020204030204" pitchFamily="34" charset="0"/>
-                  </a:rPr>
-                  <a:t>onde</a:t>
-                </a:r>
-                <a:r>
-                  <a:rPr lang="en-US" dirty="0" smtClean="0">
-                    <a:cs typeface="Calibri Light" panose="020F0302020204030204" pitchFamily="34" charset="0"/>
-                  </a:rPr>
-                  <a:t> </a:t>
-                </a:r>
-                <a14:m>
-                  <m:oMath xmlns:m="http://schemas.openxmlformats.org/officeDocument/2006/math">
-                    <m:r>
-                      <a:rPr lang="en-US" b="0" i="1" smtClean="0">
-                        <a:latin typeface="Cambria Math" panose="02040503050406030204" pitchFamily="18" charset="0"/>
-                        <a:cs typeface="Calibri Light" panose="020F0302020204030204" pitchFamily="34" charset="0"/>
-                      </a:rPr>
-                      <m:t>𝑀</m:t>
-                    </m:r>
-                    <m:r>
-                      <a:rPr lang="en-US" b="0" i="1" smtClean="0">
-                        <a:latin typeface="Cambria Math" panose="02040503050406030204" pitchFamily="18" charset="0"/>
-                        <a:cs typeface="Calibri Light" panose="020F0302020204030204" pitchFamily="34" charset="0"/>
-                      </a:rPr>
-                      <m:t>=</m:t>
-                    </m:r>
-                    <m:d>
-                      <m:dPr>
-                        <m:ctrlPr>
-                          <a:rPr lang="en-US" b="0" i="1" smtClean="0">
-                            <a:latin typeface="Cambria Math" panose="02040503050406030204" pitchFamily="18" charset="0"/>
-                            <a:cs typeface="Calibri Light" panose="020F0302020204030204" pitchFamily="34" charset="0"/>
-                          </a:rPr>
-                        </m:ctrlPr>
-                      </m:dPr>
-                      <m:e>
-                        <m:eqArr>
-                          <m:eqArrPr>
-                            <m:ctrlPr>
-                              <a:rPr lang="en-US" b="0" i="1" smtClean="0">
-                                <a:latin typeface="Cambria Math" panose="02040503050406030204" pitchFamily="18" charset="0"/>
-                                <a:cs typeface="Calibri Light" panose="020F0302020204030204" pitchFamily="34" charset="0"/>
-                              </a:rPr>
-                            </m:ctrlPr>
-                          </m:eqArrPr>
-                          <m:e>
-                            <m:m>
-                              <m:mPr>
-                                <m:mcs>
-                                  <m:mc>
-                                    <m:mcPr>
-                                      <m:count m:val="3"/>
-                                      <m:mcJc m:val="center"/>
-                                    </m:mcPr>
-                                  </m:mc>
-                                </m:mcs>
-                                <m:ctrlPr>
-                                  <a:rPr lang="en-US" b="0" i="1" smtClean="0">
-                                    <a:latin typeface="Cambria Math" panose="02040503050406030204" pitchFamily="18" charset="0"/>
-                                    <a:cs typeface="Calibri Light" panose="020F0302020204030204" pitchFamily="34" charset="0"/>
-                                  </a:rPr>
-                                </m:ctrlPr>
-                              </m:mPr>
-                              <m:mr>
-                                <m:e>
-                                  <m:r>
-                                    <m:rPr>
-                                      <m:brk m:alnAt="7"/>
-                                    </m:rPr>
-                                    <a:rPr lang="en-US" b="0" i="1" smtClean="0">
-                                      <a:latin typeface="Cambria Math" panose="02040503050406030204" pitchFamily="18" charset="0"/>
-                                      <a:cs typeface="Calibri Light" panose="020F0302020204030204" pitchFamily="34" charset="0"/>
-                                    </a:rPr>
-                                    <m:t>1</m:t>
-                                  </m:r>
-                                </m:e>
-                                <m:e>
-                                  <m:r>
-                                    <a:rPr lang="en-US" b="0" i="1" smtClean="0">
-                                      <a:latin typeface="Cambria Math" panose="02040503050406030204" pitchFamily="18" charset="0"/>
-                                      <a:cs typeface="Calibri Light" panose="020F0302020204030204" pitchFamily="34" charset="0"/>
-                                    </a:rPr>
-                                    <m:t>1</m:t>
-                                  </m:r>
-                                </m:e>
-                                <m:e>
-                                  <m:r>
-                                    <a:rPr lang="en-US" b="0" i="1" smtClean="0">
-                                      <a:latin typeface="Cambria Math" panose="02040503050406030204" pitchFamily="18" charset="0"/>
-                                      <a:cs typeface="Calibri Light" panose="020F0302020204030204" pitchFamily="34" charset="0"/>
-                                    </a:rPr>
-                                    <m:t>1</m:t>
-                                  </m:r>
-                                </m:e>
-                              </m:mr>
-                              <m:mr>
-                                <m:e>
-                                  <m:r>
-                                    <a:rPr lang="en-US" b="0" i="1" smtClean="0">
-                                      <a:latin typeface="Cambria Math" panose="02040503050406030204" pitchFamily="18" charset="0"/>
-                                      <a:cs typeface="Calibri Light" panose="020F0302020204030204" pitchFamily="34" charset="0"/>
-                                    </a:rPr>
-                                    <m:t>0</m:t>
-                                  </m:r>
-                                </m:e>
-                                <m:e>
-                                  <m:r>
-                                    <a:rPr lang="en-US" b="0" i="1" smtClean="0">
-                                      <a:latin typeface="Cambria Math" panose="02040503050406030204" pitchFamily="18" charset="0"/>
-                                      <a:cs typeface="Calibri Light" panose="020F0302020204030204" pitchFamily="34" charset="0"/>
-                                    </a:rPr>
-                                    <m:t>1</m:t>
-                                  </m:r>
-                                </m:e>
-                                <m:e>
-                                  <m:r>
-                                    <a:rPr lang="en-US" b="0" i="1" smtClean="0">
-                                      <a:latin typeface="Cambria Math" panose="02040503050406030204" pitchFamily="18" charset="0"/>
-                                      <a:cs typeface="Calibri Light" panose="020F0302020204030204" pitchFamily="34" charset="0"/>
-                                    </a:rPr>
-                                    <m:t>1</m:t>
-                                  </m:r>
-                                </m:e>
-                              </m:mr>
-                              <m:mr>
-                                <m:e>
-                                  <m:r>
-                                    <a:rPr lang="en-US" b="0" i="1" smtClean="0">
-                                      <a:latin typeface="Cambria Math" panose="02040503050406030204" pitchFamily="18" charset="0"/>
-                                      <a:cs typeface="Calibri Light" panose="020F0302020204030204" pitchFamily="34" charset="0"/>
-                                    </a:rPr>
-                                    <m:t>0</m:t>
-                                  </m:r>
-                                </m:e>
-                                <m:e>
-                                  <m:r>
-                                    <a:rPr lang="en-US" b="0" i="1" smtClean="0">
-                                      <a:latin typeface="Cambria Math" panose="02040503050406030204" pitchFamily="18" charset="0"/>
-                                      <a:cs typeface="Calibri Light" panose="020F0302020204030204" pitchFamily="34" charset="0"/>
-                                    </a:rPr>
-                                    <m:t>0</m:t>
-                                  </m:r>
-                                </m:e>
-                                <m:e>
-                                  <m:r>
-                                    <a:rPr lang="en-US" b="0" i="1" smtClean="0">
-                                      <a:latin typeface="Cambria Math" panose="02040503050406030204" pitchFamily="18" charset="0"/>
-                                      <a:cs typeface="Calibri Light" panose="020F0302020204030204" pitchFamily="34" charset="0"/>
-                                    </a:rPr>
-                                    <m:t>1</m:t>
-                                  </m:r>
-                                </m:e>
-                              </m:mr>
-                            </m:m>
-                            <m:r>
-                              <a:rPr lang="en-US" b="0" i="1" smtClean="0">
-                                <a:latin typeface="Cambria Math" panose="02040503050406030204" pitchFamily="18" charset="0"/>
-                                <a:cs typeface="Calibri Light" panose="020F0302020204030204" pitchFamily="34" charset="0"/>
-                              </a:rPr>
-                              <m:t>      </m:t>
-                            </m:r>
-                            <m:m>
-                              <m:mPr>
-                                <m:mcs>
-                                  <m:mc>
-                                    <m:mcPr>
-                                      <m:count m:val="3"/>
-                                      <m:mcJc m:val="center"/>
-                                    </m:mcPr>
-                                  </m:mc>
-                                </m:mcs>
-                                <m:ctrlPr>
-                                  <a:rPr lang="en-US" b="0" i="1" smtClean="0">
-                                    <a:latin typeface="Cambria Math" panose="02040503050406030204" pitchFamily="18" charset="0"/>
-                                    <a:cs typeface="Calibri Light" panose="020F0302020204030204" pitchFamily="34" charset="0"/>
-                                  </a:rPr>
-                                </m:ctrlPr>
-                              </m:mPr>
-                              <m:mr>
-                                <m:e>
-                                  <m:r>
-                                    <m:rPr>
-                                      <m:brk m:alnAt="7"/>
-                                    </m:rPr>
-                                    <a:rPr lang="en-US" b="0" i="1" smtClean="0">
-                                      <a:latin typeface="Cambria Math" panose="02040503050406030204" pitchFamily="18" charset="0"/>
-                                      <a:cs typeface="Calibri Light" panose="020F0302020204030204" pitchFamily="34" charset="0"/>
-                                    </a:rPr>
-                                    <m:t>1</m:t>
-                                  </m:r>
-                                </m:e>
-                                <m:e>
-                                  <m:r>
-                                    <a:rPr lang="en-US" b="0" i="1" smtClean="0">
-                                      <a:latin typeface="Cambria Math" panose="02040503050406030204" pitchFamily="18" charset="0"/>
-                                      <a:cs typeface="Calibri Light" panose="020F0302020204030204" pitchFamily="34" charset="0"/>
-                                    </a:rPr>
-                                    <m:t>1</m:t>
-                                  </m:r>
-                                </m:e>
-                                <m:e>
-                                  <m:r>
-                                    <a:rPr lang="en-US" b="0" i="1" smtClean="0">
-                                      <a:latin typeface="Cambria Math" panose="02040503050406030204" pitchFamily="18" charset="0"/>
-                                      <a:cs typeface="Calibri Light" panose="020F0302020204030204" pitchFamily="34" charset="0"/>
-                                    </a:rPr>
-                                    <m:t>1</m:t>
-                                  </m:r>
-                                </m:e>
-                              </m:mr>
-                              <m:mr>
-                                <m:e>
-                                  <m:r>
-                                    <a:rPr lang="en-US" b="0" i="1" smtClean="0">
-                                      <a:latin typeface="Cambria Math" panose="02040503050406030204" pitchFamily="18" charset="0"/>
-                                      <a:cs typeface="Calibri Light" panose="020F0302020204030204" pitchFamily="34" charset="0"/>
-                                    </a:rPr>
-                                    <m:t>0</m:t>
-                                  </m:r>
-                                </m:e>
-                                <m:e>
-                                  <m:r>
-                                    <a:rPr lang="en-US" b="0" i="1" smtClean="0">
-                                      <a:latin typeface="Cambria Math" panose="02040503050406030204" pitchFamily="18" charset="0"/>
-                                      <a:cs typeface="Calibri Light" panose="020F0302020204030204" pitchFamily="34" charset="0"/>
-                                    </a:rPr>
-                                    <m:t>−1</m:t>
-                                  </m:r>
-                                </m:e>
-                                <m:e>
-                                  <m:r>
-                                    <a:rPr lang="en-US" b="0" i="1" smtClean="0">
-                                      <a:latin typeface="Cambria Math" panose="02040503050406030204" pitchFamily="18" charset="0"/>
-                                      <a:cs typeface="Calibri Light" panose="020F0302020204030204" pitchFamily="34" charset="0"/>
-                                    </a:rPr>
-                                    <m:t>−1</m:t>
-                                  </m:r>
-                                </m:e>
-                              </m:mr>
-                              <m:mr>
-                                <m:e>
-                                  <m:r>
-                                    <a:rPr lang="en-US" b="0" i="1" smtClean="0">
-                                      <a:latin typeface="Cambria Math" panose="02040503050406030204" pitchFamily="18" charset="0"/>
-                                      <a:cs typeface="Calibri Light" panose="020F0302020204030204" pitchFamily="34" charset="0"/>
-                                    </a:rPr>
-                                    <m:t>1</m:t>
-                                  </m:r>
-                                </m:e>
-                                <m:e>
-                                  <m:r>
-                                    <a:rPr lang="en-US" b="0" i="1" smtClean="0">
-                                      <a:latin typeface="Cambria Math" panose="02040503050406030204" pitchFamily="18" charset="0"/>
-                                      <a:cs typeface="Calibri Light" panose="020F0302020204030204" pitchFamily="34" charset="0"/>
-                                    </a:rPr>
-                                    <m:t>1</m:t>
-                                  </m:r>
-                                </m:e>
-                                <m:e>
-                                  <m:r>
-                                    <a:rPr lang="en-US" b="0" i="1" smtClean="0">
-                                      <a:latin typeface="Cambria Math" panose="02040503050406030204" pitchFamily="18" charset="0"/>
-                                      <a:cs typeface="Calibri Light" panose="020F0302020204030204" pitchFamily="34" charset="0"/>
-                                    </a:rPr>
-                                    <m:t>0</m:t>
-                                  </m:r>
-                                </m:e>
-                              </m:mr>
-                            </m:m>
-                            <m:r>
-                              <a:rPr lang="en-US" b="0" i="1" smtClean="0">
-                                <a:latin typeface="Cambria Math" panose="02040503050406030204" pitchFamily="18" charset="0"/>
-                                <a:cs typeface="Calibri Light" panose="020F0302020204030204" pitchFamily="34" charset="0"/>
-                              </a:rPr>
-                              <m:t>    </m:t>
-                            </m:r>
-                            <m:m>
-                              <m:mPr>
-                                <m:mcs>
-                                  <m:mc>
-                                    <m:mcPr>
-                                      <m:count m:val="3"/>
-                                      <m:mcJc m:val="center"/>
-                                    </m:mcPr>
-                                  </m:mc>
-                                </m:mcs>
-                                <m:ctrlPr>
-                                  <a:rPr lang="en-US" b="0" i="1" smtClean="0">
-                                    <a:latin typeface="Cambria Math" panose="02040503050406030204" pitchFamily="18" charset="0"/>
-                                    <a:cs typeface="Calibri Light" panose="020F0302020204030204" pitchFamily="34" charset="0"/>
-                                  </a:rPr>
-                                </m:ctrlPr>
-                              </m:mPr>
-                              <m:mr>
-                                <m:e>
-                                  <m:r>
-                                    <m:rPr>
-                                      <m:brk m:alnAt="7"/>
-                                    </m:rPr>
-                                    <a:rPr lang="en-US" b="0" i="1" smtClean="0">
-                                      <a:latin typeface="Cambria Math" panose="02040503050406030204" pitchFamily="18" charset="0"/>
-                                      <a:cs typeface="Calibri Light" panose="020F0302020204030204" pitchFamily="34" charset="0"/>
-                                    </a:rPr>
-                                    <m:t>1</m:t>
-                                  </m:r>
-                                </m:e>
-                                <m:e>
-                                  <m:r>
-                                    <a:rPr lang="en-US" b="0" i="1" smtClean="0">
-                                      <a:latin typeface="Cambria Math" panose="02040503050406030204" pitchFamily="18" charset="0"/>
-                                      <a:cs typeface="Calibri Light" panose="020F0302020204030204" pitchFamily="34" charset="0"/>
-                                    </a:rPr>
-                                    <m:t>1</m:t>
-                                  </m:r>
-                                </m:e>
-                                <m:e>
-                                  <m:r>
-                                    <a:rPr lang="en-US" b="0" i="1" smtClean="0">
-                                      <a:latin typeface="Cambria Math" panose="02040503050406030204" pitchFamily="18" charset="0"/>
-                                      <a:cs typeface="Calibri Light" panose="020F0302020204030204" pitchFamily="34" charset="0"/>
-                                    </a:rPr>
-                                    <m:t>1</m:t>
-                                  </m:r>
-                                </m:e>
-                              </m:mr>
-                              <m:mr>
-                                <m:e>
-                                  <m:r>
-                                    <a:rPr lang="en-US" b="0" i="1" smtClean="0">
-                                      <a:latin typeface="Cambria Math" panose="02040503050406030204" pitchFamily="18" charset="0"/>
-                                      <a:cs typeface="Calibri Light" panose="020F0302020204030204" pitchFamily="34" charset="0"/>
-                                    </a:rPr>
-                                    <m:t>−1</m:t>
-                                  </m:r>
-                                </m:e>
-                                <m:e>
-                                  <m:r>
-                                    <a:rPr lang="en-US" b="0" i="1" smtClean="0">
-                                      <a:latin typeface="Cambria Math" panose="02040503050406030204" pitchFamily="18" charset="0"/>
-                                      <a:cs typeface="Calibri Light" panose="020F0302020204030204" pitchFamily="34" charset="0"/>
-                                    </a:rPr>
-                                    <m:t>0</m:t>
-                                  </m:r>
-                                </m:e>
-                                <m:e>
-                                  <m:r>
-                                    <a:rPr lang="en-US" b="0" i="1" smtClean="0">
-                                      <a:latin typeface="Cambria Math" panose="02040503050406030204" pitchFamily="18" charset="0"/>
-                                      <a:cs typeface="Calibri Light" panose="020F0302020204030204" pitchFamily="34" charset="0"/>
-                                    </a:rPr>
-                                    <m:t>−1</m:t>
-                                  </m:r>
-                                </m:e>
-                              </m:mr>
-                              <m:mr>
-                                <m:e>
-                                  <m:r>
-                                    <a:rPr lang="en-US" b="0" i="1" smtClean="0">
-                                      <a:latin typeface="Cambria Math" panose="02040503050406030204" pitchFamily="18" charset="0"/>
-                                      <a:cs typeface="Calibri Light" panose="020F0302020204030204" pitchFamily="34" charset="0"/>
-                                    </a:rPr>
-                                    <m:t>−1</m:t>
-                                  </m:r>
-                                </m:e>
-                                <m:e>
-                                  <m:r>
-                                    <a:rPr lang="en-US" b="0" i="1" smtClean="0">
-                                      <a:latin typeface="Cambria Math" panose="02040503050406030204" pitchFamily="18" charset="0"/>
-                                      <a:cs typeface="Calibri Light" panose="020F0302020204030204" pitchFamily="34" charset="0"/>
-                                    </a:rPr>
-                                    <m:t>−1</m:t>
-                                  </m:r>
-                                </m:e>
-                                <m:e>
-                                  <m:r>
-                                    <a:rPr lang="en-US" b="0" i="1" smtClean="0">
-                                      <a:latin typeface="Cambria Math" panose="02040503050406030204" pitchFamily="18" charset="0"/>
-                                      <a:cs typeface="Calibri Light" panose="020F0302020204030204" pitchFamily="34" charset="0"/>
-                                    </a:rPr>
-                                    <m:t>−1</m:t>
-                                  </m:r>
-                                </m:e>
-                              </m:mr>
-                            </m:m>
-                          </m:e>
-                          <m:e>
-                            <m:r>
-                              <a:rPr lang="en-US" b="0" i="1" smtClean="0">
-                                <a:latin typeface="Cambria Math" panose="02040503050406030204" pitchFamily="18" charset="0"/>
-                                <a:cs typeface="Calibri Light" panose="020F0302020204030204" pitchFamily="34" charset="0"/>
-                              </a:rPr>
-                              <m:t>   </m:t>
-                            </m:r>
-                            <m:m>
-                              <m:mPr>
-                                <m:mcs>
-                                  <m:mc>
-                                    <m:mcPr>
-                                      <m:count m:val="3"/>
-                                      <m:mcJc m:val="center"/>
-                                    </m:mcPr>
-                                  </m:mc>
-                                </m:mcs>
-                                <m:ctrlPr>
-                                  <a:rPr lang="en-US" b="0" i="1" smtClean="0">
-                                    <a:latin typeface="Cambria Math" panose="02040503050406030204" pitchFamily="18" charset="0"/>
-                                    <a:cs typeface="Calibri Light" panose="020F0302020204030204" pitchFamily="34" charset="0"/>
-                                  </a:rPr>
-                                </m:ctrlPr>
-                              </m:mPr>
-                              <m:mr>
-                                <m:e>
-                                  <m:r>
-                                    <m:rPr>
-                                      <m:brk m:alnAt="7"/>
-                                    </m:rPr>
-                                    <a:rPr lang="en-US" b="0" i="1" smtClean="0">
-                                      <a:latin typeface="Cambria Math" panose="02040503050406030204" pitchFamily="18" charset="0"/>
-                                      <a:cs typeface="Calibri Light" panose="020F0302020204030204" pitchFamily="34" charset="0"/>
-                                    </a:rPr>
-                                    <m:t>0</m:t>
-                                  </m:r>
-                                </m:e>
-                                <m:e>
-                                  <m:r>
-                                    <a:rPr lang="en-US" b="0" i="1" smtClean="0">
-                                      <a:latin typeface="Cambria Math" panose="02040503050406030204" pitchFamily="18" charset="0"/>
-                                      <a:cs typeface="Calibri Light" panose="020F0302020204030204" pitchFamily="34" charset="0"/>
-                                    </a:rPr>
-                                    <m:t>−2</m:t>
-                                  </m:r>
-                                </m:e>
-                                <m:e>
-                                  <m:r>
-                                    <a:rPr lang="en-US" b="0" i="1" smtClean="0">
-                                      <a:latin typeface="Cambria Math" panose="02040503050406030204" pitchFamily="18" charset="0"/>
-                                      <a:cs typeface="Calibri Light" panose="020F0302020204030204" pitchFamily="34" charset="0"/>
-                                    </a:rPr>
-                                    <m:t>1</m:t>
-                                  </m:r>
-                                </m:e>
-                              </m:mr>
-                              <m:mr>
-                                <m:e>
-                                  <m:r>
-                                    <a:rPr lang="en-US" b="0" i="1" smtClean="0">
-                                      <a:latin typeface="Cambria Math" panose="02040503050406030204" pitchFamily="18" charset="0"/>
-                                      <a:cs typeface="Calibri Light" panose="020F0302020204030204" pitchFamily="34" charset="0"/>
-                                    </a:rPr>
-                                    <m:t>0</m:t>
-                                  </m:r>
-                                </m:e>
-                                <m:e>
-                                  <m:r>
-                                    <a:rPr lang="en-US" b="0" i="1" smtClean="0">
-                                      <a:latin typeface="Cambria Math" panose="02040503050406030204" pitchFamily="18" charset="0"/>
-                                      <a:cs typeface="Calibri Light" panose="020F0302020204030204" pitchFamily="34" charset="0"/>
-                                    </a:rPr>
-                                    <m:t>0</m:t>
-                                  </m:r>
-                                </m:e>
-                                <m:e>
-                                  <m:r>
-                                    <a:rPr lang="en-US" b="0" i="1" smtClean="0">
-                                      <a:latin typeface="Cambria Math" panose="02040503050406030204" pitchFamily="18" charset="0"/>
-                                      <a:cs typeface="Calibri Light" panose="020F0302020204030204" pitchFamily="34" charset="0"/>
-                                    </a:rPr>
-                                    <m:t>1</m:t>
-                                  </m:r>
-                                </m:e>
-                              </m:mr>
-                              <m:mr>
-                                <m:e>
-                                  <m:r>
-                                    <a:rPr lang="en-US" b="0" i="1" smtClean="0">
-                                      <a:latin typeface="Cambria Math" panose="02040503050406030204" pitchFamily="18" charset="0"/>
-                                      <a:cs typeface="Calibri Light" panose="020F0302020204030204" pitchFamily="34" charset="0"/>
-                                    </a:rPr>
-                                    <m:t>4</m:t>
-                                  </m:r>
-                                </m:e>
-                                <m:e>
-                                  <m:r>
-                                    <a:rPr lang="en-US" b="0" i="1" smtClean="0">
-                                      <a:latin typeface="Cambria Math" panose="02040503050406030204" pitchFamily="18" charset="0"/>
-                                      <a:cs typeface="Calibri Light" panose="020F0302020204030204" pitchFamily="34" charset="0"/>
-                                    </a:rPr>
-                                    <m:t>−2</m:t>
-                                  </m:r>
-                                </m:e>
-                                <m:e>
-                                  <m:r>
-                                    <a:rPr lang="en-US" b="0" i="1" smtClean="0">
-                                      <a:latin typeface="Cambria Math" panose="02040503050406030204" pitchFamily="18" charset="0"/>
-                                      <a:cs typeface="Calibri Light" panose="020F0302020204030204" pitchFamily="34" charset="0"/>
-                                    </a:rPr>
-                                    <m:t>1</m:t>
-                                  </m:r>
-                                </m:e>
-                              </m:mr>
-                            </m:m>
-                            <m:r>
-                              <a:rPr lang="en-US" b="0" i="1" smtClean="0">
-                                <a:latin typeface="Cambria Math" panose="02040503050406030204" pitchFamily="18" charset="0"/>
-                                <a:cs typeface="Calibri Light" panose="020F0302020204030204" pitchFamily="34" charset="0"/>
-                              </a:rPr>
-                              <m:t>      </m:t>
-                            </m:r>
-                            <m:m>
-                              <m:mPr>
-                                <m:mcs>
-                                  <m:mc>
-                                    <m:mcPr>
-                                      <m:count m:val="3"/>
-                                      <m:mcJc m:val="center"/>
-                                    </m:mcPr>
-                                  </m:mc>
-                                </m:mcs>
-                                <m:ctrlPr>
-                                  <a:rPr lang="en-US" b="0" i="1" smtClean="0">
-                                    <a:latin typeface="Cambria Math" panose="02040503050406030204" pitchFamily="18" charset="0"/>
-                                    <a:cs typeface="Calibri Light" panose="020F0302020204030204" pitchFamily="34" charset="0"/>
-                                  </a:rPr>
-                                </m:ctrlPr>
-                              </m:mPr>
-                              <m:mr>
-                                <m:e>
-                                  <m:r>
-                                    <m:rPr>
-                                      <m:brk m:alnAt="7"/>
-                                    </m:rPr>
-                                    <a:rPr lang="en-US" b="0" i="1" smtClean="0">
-                                      <a:latin typeface="Cambria Math" panose="02040503050406030204" pitchFamily="18" charset="0"/>
-                                      <a:cs typeface="Calibri Light" panose="020F0302020204030204" pitchFamily="34" charset="0"/>
-                                    </a:rPr>
-                                    <m:t>0</m:t>
-                                  </m:r>
-                                </m:e>
-                                <m:e>
-                                  <m:r>
-                                    <a:rPr lang="en-US" b="0" i="1" smtClean="0">
-                                      <a:latin typeface="Cambria Math" panose="02040503050406030204" pitchFamily="18" charset="0"/>
-                                      <a:cs typeface="Calibri Light" panose="020F0302020204030204" pitchFamily="34" charset="0"/>
-                                    </a:rPr>
-                                    <m:t>−1</m:t>
-                                  </m:r>
-                                </m:e>
-                                <m:e>
-                                  <m:r>
-                                    <a:rPr lang="en-US" b="0" i="1" smtClean="0">
-                                      <a:latin typeface="Cambria Math" panose="02040503050406030204" pitchFamily="18" charset="0"/>
-                                      <a:cs typeface="Calibri Light" panose="020F0302020204030204" pitchFamily="34" charset="0"/>
-                                    </a:rPr>
-                                    <m:t>2</m:t>
-                                  </m:r>
-                                </m:e>
-                              </m:mr>
-                              <m:mr>
-                                <m:e>
-                                  <m:r>
-                                    <a:rPr lang="en-US" b="0" i="1" smtClean="0">
-                                      <a:latin typeface="Cambria Math" panose="02040503050406030204" pitchFamily="18" charset="0"/>
-                                      <a:cs typeface="Calibri Light" panose="020F0302020204030204" pitchFamily="34" charset="0"/>
-                                    </a:rPr>
-                                    <m:t>−2</m:t>
-                                  </m:r>
-                                </m:e>
-                                <m:e>
-                                  <m:r>
-                                    <a:rPr lang="en-US" b="0" i="1" smtClean="0">
-                                      <a:latin typeface="Cambria Math" panose="02040503050406030204" pitchFamily="18" charset="0"/>
-                                      <a:cs typeface="Calibri Light" panose="020F0302020204030204" pitchFamily="34" charset="0"/>
-                                    </a:rPr>
-                                    <m:t>1</m:t>
-                                  </m:r>
-                                </m:e>
-                                <m:e>
-                                  <m:r>
-                                    <a:rPr lang="en-US" b="0" i="1" smtClean="0">
-                                      <a:latin typeface="Cambria Math" panose="02040503050406030204" pitchFamily="18" charset="0"/>
-                                      <a:cs typeface="Calibri Light" panose="020F0302020204030204" pitchFamily="34" charset="0"/>
-                                    </a:rPr>
-                                    <m:t>0</m:t>
-                                  </m:r>
-                                </m:e>
-                              </m:mr>
-                              <m:mr>
-                                <m:e>
-                                  <m:r>
-                                    <a:rPr lang="en-US" b="0" i="1" smtClean="0">
-                                      <a:latin typeface="Cambria Math" panose="02040503050406030204" pitchFamily="18" charset="0"/>
-                                      <a:cs typeface="Calibri Light" panose="020F0302020204030204" pitchFamily="34" charset="0"/>
-                                    </a:rPr>
-                                    <m:t>−2</m:t>
-                                  </m:r>
-                                </m:e>
-                                <m:e>
-                                  <m:r>
-                                    <a:rPr lang="en-US" b="0" i="1" smtClean="0">
-                                      <a:latin typeface="Cambria Math" panose="02040503050406030204" pitchFamily="18" charset="0"/>
-                                      <a:cs typeface="Calibri Light" panose="020F0302020204030204" pitchFamily="34" charset="0"/>
-                                    </a:rPr>
-                                    <m:t>1</m:t>
-                                  </m:r>
-                                </m:e>
-                                <m:e>
-                                  <m:r>
-                                    <a:rPr lang="en-US" b="0" i="1" smtClean="0">
-                                      <a:latin typeface="Cambria Math" panose="02040503050406030204" pitchFamily="18" charset="0"/>
-                                      <a:cs typeface="Calibri Light" panose="020F0302020204030204" pitchFamily="34" charset="0"/>
-                                    </a:rPr>
-                                    <m:t>−2</m:t>
-                                  </m:r>
-                                </m:e>
-                              </m:mr>
-                            </m:m>
-                            <m:r>
-                              <a:rPr lang="en-US" b="0" i="1" smtClean="0">
-                                <a:latin typeface="Cambria Math" panose="02040503050406030204" pitchFamily="18" charset="0"/>
-                                <a:cs typeface="Calibri Light" panose="020F0302020204030204" pitchFamily="34" charset="0"/>
-                              </a:rPr>
-                              <m:t>    </m:t>
-                            </m:r>
-                            <m:m>
-                              <m:mPr>
-                                <m:mcs>
-                                  <m:mc>
-                                    <m:mcPr>
-                                      <m:count m:val="3"/>
-                                      <m:mcJc m:val="center"/>
-                                    </m:mcPr>
-                                  </m:mc>
-                                </m:mcs>
-                                <m:ctrlPr>
-                                  <a:rPr lang="en-US" b="0" i="1" smtClean="0">
-                                    <a:latin typeface="Cambria Math" panose="02040503050406030204" pitchFamily="18" charset="0"/>
-                                    <a:cs typeface="Calibri Light" panose="020F0302020204030204" pitchFamily="34" charset="0"/>
-                                  </a:rPr>
-                                </m:ctrlPr>
-                              </m:mPr>
-                              <m:mr>
-                                <m:e>
-                                  <m:r>
-                                    <m:rPr>
-                                      <m:brk m:alnAt="7"/>
-                                    </m:rPr>
-                                    <a:rPr lang="en-US" b="0" i="1" smtClean="0">
-                                      <a:latin typeface="Cambria Math" panose="02040503050406030204" pitchFamily="18" charset="0"/>
-                                      <a:cs typeface="Calibri Light" panose="020F0302020204030204" pitchFamily="34" charset="0"/>
-                                    </a:rPr>
-                                    <m:t>−1</m:t>
-                                  </m:r>
-                                </m:e>
-                                <m:e>
-                                  <m:r>
-                                    <a:rPr lang="en-US" b="0" i="1" smtClean="0">
-                                      <a:latin typeface="Cambria Math" panose="02040503050406030204" pitchFamily="18" charset="0"/>
-                                      <a:cs typeface="Calibri Light" panose="020F0302020204030204" pitchFamily="34" charset="0"/>
-                                    </a:rPr>
-                                    <m:t>0</m:t>
-                                  </m:r>
-                                </m:e>
-                                <m:e>
-                                  <m:r>
-                                    <a:rPr lang="en-US" b="0" i="1" smtClean="0">
-                                      <a:latin typeface="Cambria Math" panose="02040503050406030204" pitchFamily="18" charset="0"/>
-                                      <a:cs typeface="Calibri Light" panose="020F0302020204030204" pitchFamily="34" charset="0"/>
-                                    </a:rPr>
-                                    <m:t>1</m:t>
-                                  </m:r>
-                                </m:e>
-                              </m:mr>
-                              <m:mr>
-                                <m:e>
-                                  <m:r>
-                                    <a:rPr lang="en-US" b="0" i="1" smtClean="0">
-                                      <a:latin typeface="Cambria Math" panose="02040503050406030204" pitchFamily="18" charset="0"/>
-                                      <a:cs typeface="Calibri Light" panose="020F0302020204030204" pitchFamily="34" charset="0"/>
-                                    </a:rPr>
-                                    <m:t>−1</m:t>
-                                  </m:r>
-                                </m:e>
-                                <m:e>
-                                  <m:r>
-                                    <a:rPr lang="en-US" b="0" i="1" smtClean="0">
-                                      <a:latin typeface="Cambria Math" panose="02040503050406030204" pitchFamily="18" charset="0"/>
-                                      <a:cs typeface="Calibri Light" panose="020F0302020204030204" pitchFamily="34" charset="0"/>
-                                    </a:rPr>
-                                    <m:t>2</m:t>
-                                  </m:r>
-                                </m:e>
-                                <m:e>
-                                  <m:r>
-                                    <a:rPr lang="en-US" b="0" i="1" smtClean="0">
-                                      <a:latin typeface="Cambria Math" panose="02040503050406030204" pitchFamily="18" charset="0"/>
-                                      <a:cs typeface="Calibri Light" panose="020F0302020204030204" pitchFamily="34" charset="0"/>
-                                    </a:rPr>
-                                    <m:t>−1</m:t>
-                                  </m:r>
-                                </m:e>
-                              </m:mr>
-                              <m:mr>
-                                <m:e>
-                                  <m:r>
-                                    <a:rPr lang="en-US" b="0" i="1" smtClean="0">
-                                      <a:latin typeface="Cambria Math" panose="02040503050406030204" pitchFamily="18" charset="0"/>
-                                      <a:cs typeface="Calibri Light" panose="020F0302020204030204" pitchFamily="34" charset="0"/>
-                                    </a:rPr>
-                                    <m:t>1</m:t>
-                                  </m:r>
-                                </m:e>
-                                <m:e>
-                                  <m:r>
-                                    <a:rPr lang="en-US" b="0" i="1" smtClean="0">
-                                      <a:latin typeface="Cambria Math" panose="02040503050406030204" pitchFamily="18" charset="0"/>
-                                      <a:cs typeface="Calibri Light" panose="020F0302020204030204" pitchFamily="34" charset="0"/>
-                                    </a:rPr>
-                                    <m:t>−2</m:t>
-                                  </m:r>
-                                </m:e>
-                                <m:e>
-                                  <m:r>
-                                    <a:rPr lang="en-US" b="0" i="1" smtClean="0">
-                                      <a:latin typeface="Cambria Math" panose="02040503050406030204" pitchFamily="18" charset="0"/>
-                                      <a:cs typeface="Calibri Light" panose="020F0302020204030204" pitchFamily="34" charset="0"/>
-                                    </a:rPr>
-                                    <m:t>1</m:t>
-                                  </m:r>
-                                </m:e>
-                              </m:mr>
-                            </m:m>
-                          </m:e>
-                          <m:e>
-                            <m:m>
-                              <m:mPr>
-                                <m:mcs>
-                                  <m:mc>
-                                    <m:mcPr>
-                                      <m:count m:val="3"/>
-                                      <m:mcJc m:val="center"/>
-                                    </m:mcPr>
-                                  </m:mc>
-                                </m:mcs>
-                                <m:ctrlPr>
-                                  <a:rPr lang="en-US" b="0" i="1" smtClean="0">
-                                    <a:latin typeface="Cambria Math" panose="02040503050406030204" pitchFamily="18" charset="0"/>
-                                    <a:cs typeface="Calibri Light" panose="020F0302020204030204" pitchFamily="34" charset="0"/>
-                                  </a:rPr>
-                                </m:ctrlPr>
-                              </m:mPr>
-                              <m:mr>
-                                <m:e>
-                                  <m:r>
-                                    <m:rPr>
-                                      <m:brk m:alnAt="7"/>
-                                    </m:rPr>
-                                    <a:rPr lang="en-US" b="0" i="1" smtClean="0">
-                                      <a:latin typeface="Cambria Math" panose="02040503050406030204" pitchFamily="18" charset="0"/>
-                                      <a:cs typeface="Calibri Light" panose="020F0302020204030204" pitchFamily="34" charset="0"/>
-                                    </a:rPr>
-                                    <m:t>−4</m:t>
-                                  </m:r>
-                                </m:e>
-                                <m:e>
-                                  <m:r>
-                                    <a:rPr lang="en-US" b="0" i="1" smtClean="0">
-                                      <a:latin typeface="Cambria Math" panose="02040503050406030204" pitchFamily="18" charset="0"/>
-                                      <a:cs typeface="Calibri Light" panose="020F0302020204030204" pitchFamily="34" charset="0"/>
-                                    </a:rPr>
-                                    <m:t>−1</m:t>
-                                  </m:r>
-                                </m:e>
-                                <m:e>
-                                  <m:r>
-                                    <a:rPr lang="en-US" b="0" i="1" smtClean="0">
-                                      <a:latin typeface="Cambria Math" panose="02040503050406030204" pitchFamily="18" charset="0"/>
-                                      <a:cs typeface="Calibri Light" panose="020F0302020204030204" pitchFamily="34" charset="0"/>
-                                    </a:rPr>
-                                    <m:t>2</m:t>
-                                  </m:r>
-                                </m:e>
-                              </m:mr>
-                              <m:mr>
-                                <m:e>
-                                  <m:r>
-                                    <a:rPr lang="en-US" b="0" i="1" smtClean="0">
-                                      <a:latin typeface="Cambria Math" panose="02040503050406030204" pitchFamily="18" charset="0"/>
-                                      <a:cs typeface="Calibri Light" panose="020F0302020204030204" pitchFamily="34" charset="0"/>
-                                    </a:rPr>
-                                    <m:t>0</m:t>
-                                  </m:r>
-                                </m:e>
-                                <m:e>
-                                  <m:r>
-                                    <a:rPr lang="en-US" b="0" i="1" smtClean="0">
-                                      <a:latin typeface="Cambria Math" panose="02040503050406030204" pitchFamily="18" charset="0"/>
-                                      <a:cs typeface="Calibri Light" panose="020F0302020204030204" pitchFamily="34" charset="0"/>
-                                    </a:rPr>
-                                    <m:t>1</m:t>
-                                  </m:r>
-                                </m:e>
-                                <m:e>
-                                  <m:r>
-                                    <a:rPr lang="en-US" b="0" i="1" smtClean="0">
-                                      <a:latin typeface="Cambria Math" panose="02040503050406030204" pitchFamily="18" charset="0"/>
-                                      <a:cs typeface="Calibri Light" panose="020F0302020204030204" pitchFamily="34" charset="0"/>
-                                    </a:rPr>
-                                    <m:t>0</m:t>
-                                  </m:r>
-                                </m:e>
-                              </m:mr>
-                              <m:mr>
-                                <m:e>
-                                  <m:r>
-                                    <a:rPr lang="en-US" b="0" i="1" smtClean="0">
-                                      <a:latin typeface="Cambria Math" panose="02040503050406030204" pitchFamily="18" charset="0"/>
-                                      <a:cs typeface="Calibri Light" panose="020F0302020204030204" pitchFamily="34" charset="0"/>
-                                    </a:rPr>
-                                    <m:t>0</m:t>
-                                  </m:r>
-                                </m:e>
-                                <m:e>
-                                  <m:r>
-                                    <a:rPr lang="en-US" b="0" i="1" smtClean="0">
-                                      <a:latin typeface="Cambria Math" panose="02040503050406030204" pitchFamily="18" charset="0"/>
-                                      <a:cs typeface="Calibri Light" panose="020F0302020204030204" pitchFamily="34" charset="0"/>
-                                    </a:rPr>
-                                    <m:t>0</m:t>
-                                  </m:r>
-                                </m:e>
-                                <m:e>
-                                  <m:r>
-                                    <a:rPr lang="en-US" b="0" i="1" smtClean="0">
-                                      <a:latin typeface="Cambria Math" panose="02040503050406030204" pitchFamily="18" charset="0"/>
-                                      <a:cs typeface="Calibri Light" panose="020F0302020204030204" pitchFamily="34" charset="0"/>
-                                    </a:rPr>
-                                    <m:t>1.</m:t>
-                                  </m:r>
-                                </m:e>
-                              </m:mr>
-                            </m:m>
-                            <m:r>
-                              <a:rPr lang="en-US" b="0" i="1" smtClean="0">
-                                <a:latin typeface="Cambria Math" panose="02040503050406030204" pitchFamily="18" charset="0"/>
-                                <a:cs typeface="Calibri Light" panose="020F0302020204030204" pitchFamily="34" charset="0"/>
-                              </a:rPr>
-                              <m:t>      </m:t>
-                            </m:r>
-                            <m:m>
-                              <m:mPr>
-                                <m:mcs>
-                                  <m:mc>
-                                    <m:mcPr>
-                                      <m:count m:val="3"/>
-                                      <m:mcJc m:val="center"/>
-                                    </m:mcPr>
-                                  </m:mc>
-                                </m:mcs>
-                                <m:ctrlPr>
-                                  <a:rPr lang="en-US" b="0" i="1" smtClean="0">
-                                    <a:latin typeface="Cambria Math" panose="02040503050406030204" pitchFamily="18" charset="0"/>
-                                    <a:cs typeface="Calibri Light" panose="020F0302020204030204" pitchFamily="34" charset="0"/>
-                                  </a:rPr>
-                                </m:ctrlPr>
-                              </m:mPr>
-                              <m:mr>
-                                <m:e>
-                                  <m:r>
-                                    <m:rPr>
-                                      <m:brk m:alnAt="7"/>
-                                    </m:rPr>
-                                    <a:rPr lang="en-US" b="0" i="1" smtClean="0">
-                                      <a:latin typeface="Cambria Math" panose="02040503050406030204" pitchFamily="18" charset="0"/>
-                                      <a:cs typeface="Calibri Light" panose="020F0302020204030204" pitchFamily="34" charset="0"/>
-                                    </a:rPr>
-                                    <m:t>−1</m:t>
-                                  </m:r>
-                                </m:e>
-                                <m:e>
-                                  <m:r>
-                                    <a:rPr lang="en-US" b="0" i="1" smtClean="0">
-                                      <a:latin typeface="Cambria Math" panose="02040503050406030204" pitchFamily="18" charset="0"/>
-                                      <a:cs typeface="Calibri Light" panose="020F0302020204030204" pitchFamily="34" charset="0"/>
-                                    </a:rPr>
-                                    <m:t>2</m:t>
-                                  </m:r>
-                                </m:e>
-                                <m:e>
-                                  <m:r>
-                                    <a:rPr lang="en-US" b="0" i="1" smtClean="0">
-                                      <a:latin typeface="Cambria Math" panose="02040503050406030204" pitchFamily="18" charset="0"/>
-                                      <a:cs typeface="Calibri Light" panose="020F0302020204030204" pitchFamily="34" charset="0"/>
-                                    </a:rPr>
-                                    <m:t>−1</m:t>
-                                  </m:r>
-                                </m:e>
-                              </m:mr>
-                              <m:mr>
-                                <m:e>
-                                  <m:r>
-                                    <a:rPr lang="en-US" b="0" i="1" smtClean="0">
-                                      <a:latin typeface="Cambria Math" panose="02040503050406030204" pitchFamily="18" charset="0"/>
-                                      <a:cs typeface="Calibri Light" panose="020F0302020204030204" pitchFamily="34" charset="0"/>
-                                    </a:rPr>
-                                    <m:t>−1</m:t>
-                                  </m:r>
-                                </m:e>
-                                <m:e>
-                                  <m:r>
-                                    <a:rPr lang="en-US" b="0" i="1" smtClean="0">
-                                      <a:latin typeface="Cambria Math" panose="02040503050406030204" pitchFamily="18" charset="0"/>
-                                      <a:cs typeface="Calibri Light" panose="020F0302020204030204" pitchFamily="34" charset="0"/>
-                                    </a:rPr>
-                                    <m:t>0</m:t>
-                                  </m:r>
-                                </m:e>
-                                <m:e>
-                                  <m:r>
-                                    <a:rPr lang="en-US" b="0" i="1" smtClean="0">
-                                      <a:latin typeface="Cambria Math" panose="02040503050406030204" pitchFamily="18" charset="0"/>
-                                      <a:cs typeface="Calibri Light" panose="020F0302020204030204" pitchFamily="34" charset="0"/>
-                                    </a:rPr>
-                                    <m:t>1</m:t>
-                                  </m:r>
-                                </m:e>
-                              </m:mr>
-                              <m:mr>
-                                <m:e>
-                                  <m:r>
-                                    <a:rPr lang="en-US" b="0" i="1" smtClean="0">
-                                      <a:latin typeface="Cambria Math" panose="02040503050406030204" pitchFamily="18" charset="0"/>
-                                      <a:cs typeface="Calibri Light" panose="020F0302020204030204" pitchFamily="34" charset="0"/>
-                                    </a:rPr>
-                                    <m:t>0</m:t>
-                                  </m:r>
-                                </m:e>
-                                <m:e>
-                                  <m:r>
-                                    <a:rPr lang="en-US" b="0" i="1" smtClean="0">
-                                      <a:latin typeface="Cambria Math" panose="02040503050406030204" pitchFamily="18" charset="0"/>
-                                      <a:cs typeface="Calibri Light" panose="020F0302020204030204" pitchFamily="34" charset="0"/>
-                                    </a:rPr>
-                                    <m:t>−1</m:t>
-                                  </m:r>
-                                </m:e>
-                                <m:e>
-                                  <m:r>
-                                    <a:rPr lang="en-US" b="0" i="1" smtClean="0">
-                                      <a:latin typeface="Cambria Math" panose="02040503050406030204" pitchFamily="18" charset="0"/>
-                                      <a:cs typeface="Calibri Light" panose="020F0302020204030204" pitchFamily="34" charset="0"/>
-                                    </a:rPr>
-                                    <m:t>0</m:t>
-                                  </m:r>
-                                </m:e>
-                              </m:mr>
-                            </m:m>
-                            <m:r>
-                              <a:rPr lang="en-US" b="0" i="1" smtClean="0">
-                                <a:latin typeface="Cambria Math" panose="02040503050406030204" pitchFamily="18" charset="0"/>
-                                <a:cs typeface="Calibri Light" panose="020F0302020204030204" pitchFamily="34" charset="0"/>
-                              </a:rPr>
-                              <m:t>    </m:t>
-                            </m:r>
-                            <m:m>
-                              <m:mPr>
-                                <m:mcs>
-                                  <m:mc>
-                                    <m:mcPr>
-                                      <m:count m:val="3"/>
-                                      <m:mcJc m:val="center"/>
-                                    </m:mcPr>
-                                  </m:mc>
-                                </m:mcs>
-                                <m:ctrlPr>
-                                  <a:rPr lang="en-US" b="0" i="1" smtClean="0">
-                                    <a:latin typeface="Cambria Math" panose="02040503050406030204" pitchFamily="18" charset="0"/>
-                                    <a:cs typeface="Calibri Light" panose="020F0302020204030204" pitchFamily="34" charset="0"/>
-                                  </a:rPr>
-                                </m:ctrlPr>
-                              </m:mPr>
-                              <m:mr>
-                                <m:e>
-                                  <m:r>
-                                    <m:rPr>
-                                      <m:brk m:alnAt="7"/>
-                                    </m:rPr>
-                                    <a:rPr lang="en-US" b="0" i="1" smtClean="0">
-                                      <a:latin typeface="Cambria Math" panose="02040503050406030204" pitchFamily="18" charset="0"/>
-                                      <a:cs typeface="Calibri Light" panose="020F0302020204030204" pitchFamily="34" charset="0"/>
-                                    </a:rPr>
-                                    <m:t>2</m:t>
-                                  </m:r>
-                                </m:e>
-                                <m:e>
-                                  <m:r>
-                                    <a:rPr lang="en-US" b="0" i="1" smtClean="0">
-                                      <a:latin typeface="Cambria Math" panose="02040503050406030204" pitchFamily="18" charset="0"/>
-                                      <a:cs typeface="Calibri Light" panose="020F0302020204030204" pitchFamily="34" charset="0"/>
-                                    </a:rPr>
-                                    <m:t>−1</m:t>
-                                  </m:r>
-                                </m:e>
-                                <m:e>
-                                  <m:r>
-                                    <a:rPr lang="en-US" b="0" i="1" smtClean="0">
-                                      <a:latin typeface="Cambria Math" panose="02040503050406030204" pitchFamily="18" charset="0"/>
-                                      <a:cs typeface="Calibri Light" panose="020F0302020204030204" pitchFamily="34" charset="0"/>
-                                    </a:rPr>
-                                    <m:t>2</m:t>
-                                  </m:r>
-                                </m:e>
-                              </m:mr>
-                              <m:mr>
-                                <m:e>
-                                  <m:r>
-                                    <a:rPr lang="en-US" b="0" i="1" smtClean="0">
-                                      <a:latin typeface="Cambria Math" panose="02040503050406030204" pitchFamily="18" charset="0"/>
-                                      <a:cs typeface="Calibri Light" panose="020F0302020204030204" pitchFamily="34" charset="0"/>
-                                    </a:rPr>
-                                    <m:t>0</m:t>
-                                  </m:r>
-                                </m:e>
-                                <m:e>
-                                  <m:r>
-                                    <a:rPr lang="en-US" b="0" i="1" smtClean="0">
-                                      <a:latin typeface="Cambria Math" panose="02040503050406030204" pitchFamily="18" charset="0"/>
-                                      <a:cs typeface="Calibri Light" panose="020F0302020204030204" pitchFamily="34" charset="0"/>
-                                    </a:rPr>
-                                    <m:t>−1</m:t>
-                                  </m:r>
-                                </m:e>
-                                <m:e>
-                                  <m:r>
-                                    <a:rPr lang="en-US" b="0" i="1" smtClean="0">
-                                      <a:latin typeface="Cambria Math" panose="02040503050406030204" pitchFamily="18" charset="0"/>
-                                      <a:cs typeface="Calibri Light" panose="020F0302020204030204" pitchFamily="34" charset="0"/>
-                                    </a:rPr>
-                                    <m:t>0</m:t>
-                                  </m:r>
-                                </m:e>
-                              </m:mr>
-                              <m:mr>
-                                <m:e>
-                                  <m:r>
-                                    <a:rPr lang="en-US" b="0" i="1" smtClean="0">
-                                      <a:latin typeface="Cambria Math" panose="02040503050406030204" pitchFamily="18" charset="0"/>
-                                      <a:cs typeface="Calibri Light" panose="020F0302020204030204" pitchFamily="34" charset="0"/>
-                                    </a:rPr>
-                                    <m:t>1</m:t>
-                                  </m:r>
-                                </m:e>
-                                <m:e>
-                                  <m:r>
-                                    <a:rPr lang="en-US" b="0" i="1" smtClean="0">
-                                      <a:latin typeface="Cambria Math" panose="02040503050406030204" pitchFamily="18" charset="0"/>
-                                      <a:cs typeface="Calibri Light" panose="020F0302020204030204" pitchFamily="34" charset="0"/>
-                                    </a:rPr>
-                                    <m:t>0</m:t>
-                                  </m:r>
-                                </m:e>
-                                <m:e>
-                                  <m:r>
-                                    <a:rPr lang="en-US" b="0" i="1" smtClean="0">
-                                      <a:latin typeface="Cambria Math" panose="02040503050406030204" pitchFamily="18" charset="0"/>
-                                      <a:cs typeface="Calibri Light" panose="020F0302020204030204" pitchFamily="34" charset="0"/>
-                                    </a:rPr>
-                                    <m:t>−1</m:t>
-                                  </m:r>
-                                </m:e>
-                              </m:mr>
-                            </m:m>
-                          </m:e>
-                        </m:eqArr>
-                      </m:e>
-                    </m:d>
-                  </m:oMath>
-                </a14:m>
-                <a:endParaRPr lang="es-CO" dirty="0"/>
-              </a:p>
-            </p:txBody>
-          </p:sp>
-        </mc:Choice>
-        <mc:Fallback>
-          <p:sp>
-            <p:nvSpPr>
-              <p:cNvPr id="6" name="Rectangle 5"/>
-              <p:cNvSpPr>
-                <a:spLocks noRot="1" noChangeAspect="1" noMove="1" noResize="1" noEditPoints="1" noAdjustHandles="1" noChangeArrowheads="1" noChangeShapeType="1" noTextEdit="1"/>
-              </p:cNvSpPr>
-              <p:nvPr/>
-            </p:nvSpPr>
-            <p:spPr>
-              <a:xfrm>
-                <a:off x="5418050" y="3783984"/>
-                <a:ext cx="6229462" cy="2367892"/>
-              </a:xfrm>
-              <a:prstGeom prst="rect">
-                <a:avLst/>
-              </a:prstGeom>
-              <a:blipFill rotWithShape="0">
-                <a:blip r:embed="rId4"/>
-                <a:stretch>
-                  <a:fillRect l="-1272"/>
+                  <a:fillRect l="-108" t="-2384" b="-10519"/>
                 </a:stretch>
               </a:blipFill>
             </p:spPr>
@@ -11877,13 +12813,6 @@
   <p:clrMapOvr>
     <a:masterClrMapping/>
   </p:clrMapOvr>
-  <p:timing>
-    <p:tnLst>
-      <p:par>
-        <p:cTn id="1" dur="indefinite" restart="never" nodeType="tmRoot"/>
-      </p:par>
-    </p:tnLst>
-  </p:timing>
 </p:sld>
 </file>
 
@@ -11920,7 +12849,7 @@
           <a:lstStyle/>
           <a:p>
             <a:r>
-              <a:rPr lang="en-US" dirty="0" err="1" smtClean="0"/>
+              <a:rPr lang="en-US" dirty="0" err="1"/>
               <a:t>Código</a:t>
             </a:r>
             <a:endParaRPr lang="es-CO" dirty="0"/>
@@ -11948,7 +12877,7 @@
           <a:lstStyle/>
           <a:p>
             <a:r>
-              <a:rPr lang="en-US" dirty="0" err="1" smtClean="0">
+              <a:rPr lang="en-US" dirty="0" err="1">
                 <a:solidFill>
                   <a:schemeClr val="tx1"/>
                 </a:solidFill>
@@ -11958,7 +12887,7 @@
               <a:t>Qué</a:t>
             </a:r>
             <a:r>
-              <a:rPr lang="en-US" dirty="0" smtClean="0">
+              <a:rPr lang="en-US" dirty="0">
                 <a:solidFill>
                   <a:schemeClr val="tx1"/>
                 </a:solidFill>
@@ -11968,7 +12897,7 @@
               <a:t> </a:t>
             </a:r>
             <a:r>
-              <a:rPr lang="en-US" dirty="0" err="1" smtClean="0">
+              <a:rPr lang="en-US" dirty="0" err="1">
                 <a:solidFill>
                   <a:schemeClr val="tx1"/>
                 </a:solidFill>
@@ -11978,7 +12907,7 @@
               <a:t>código</a:t>
             </a:r>
             <a:r>
-              <a:rPr lang="en-US" dirty="0" smtClean="0">
+              <a:rPr lang="en-US" dirty="0">
                 <a:solidFill>
                   <a:schemeClr val="tx1"/>
                 </a:solidFill>
@@ -11988,7 +12917,7 @@
               <a:t> </a:t>
             </a:r>
             <a:r>
-              <a:rPr lang="en-US" dirty="0" err="1" smtClean="0">
+              <a:rPr lang="en-US" dirty="0" err="1">
                 <a:solidFill>
                   <a:schemeClr val="tx1"/>
                 </a:solidFill>
@@ -11998,7 +12927,7 @@
               <a:t>modificamos</a:t>
             </a:r>
             <a:r>
-              <a:rPr lang="en-US" dirty="0" smtClean="0">
+              <a:rPr lang="en-US" dirty="0">
                 <a:solidFill>
                   <a:schemeClr val="tx1"/>
                 </a:solidFill>
@@ -12008,7 +12937,7 @@
               <a:t>, </a:t>
             </a:r>
             <a:r>
-              <a:rPr lang="en-US" dirty="0" err="1" smtClean="0">
+              <a:rPr lang="en-US" dirty="0" err="1">
                 <a:solidFill>
                   <a:schemeClr val="tx1"/>
                 </a:solidFill>
@@ -12018,7 +12947,7 @@
               <a:t>qué</a:t>
             </a:r>
             <a:r>
-              <a:rPr lang="en-US" dirty="0" smtClean="0">
+              <a:rPr lang="en-US" dirty="0">
                 <a:solidFill>
                   <a:schemeClr val="tx1"/>
                 </a:solidFill>
@@ -12028,7 +12957,7 @@
               <a:t> </a:t>
             </a:r>
             <a:r>
-              <a:rPr lang="en-US" dirty="0" err="1" smtClean="0">
+              <a:rPr lang="en-US" dirty="0" err="1">
                 <a:solidFill>
                   <a:schemeClr val="tx1"/>
                 </a:solidFill>
@@ -12038,7 +12967,7 @@
               <a:t>nuevo</a:t>
             </a:r>
             <a:r>
-              <a:rPr lang="en-US" dirty="0" smtClean="0">
+              <a:rPr lang="en-US" dirty="0">
                 <a:solidFill>
                   <a:schemeClr val="tx1"/>
                 </a:solidFill>
@@ -12048,7 +12977,7 @@
               <a:t> </a:t>
             </a:r>
             <a:r>
-              <a:rPr lang="en-US" dirty="0" err="1" smtClean="0">
+              <a:rPr lang="en-US" dirty="0" err="1">
                 <a:solidFill>
                   <a:schemeClr val="tx1"/>
                 </a:solidFill>
@@ -12058,7 +12987,7 @@
               <a:t>introdujimos</a:t>
             </a:r>
             <a:r>
-              <a:rPr lang="en-US" dirty="0" smtClean="0">
+              <a:rPr lang="en-US" dirty="0">
                 <a:solidFill>
                   <a:schemeClr val="tx1"/>
                 </a:solidFill>
@@ -12068,7 +12997,7 @@
               <a:t>, </a:t>
             </a:r>
             <a:r>
-              <a:rPr lang="en-US" dirty="0" err="1" smtClean="0">
+              <a:rPr lang="en-US" dirty="0" err="1">
                 <a:solidFill>
                   <a:schemeClr val="tx1"/>
                 </a:solidFill>
@@ -12078,7 +13007,7 @@
               <a:t>implementamos</a:t>
             </a:r>
             <a:r>
-              <a:rPr lang="en-US" dirty="0" smtClean="0">
+              <a:rPr lang="en-US" dirty="0">
                 <a:solidFill>
                   <a:schemeClr val="tx1"/>
                 </a:solidFill>
@@ -12107,13 +13036,6 @@
   <p:clrMapOvr>
     <a:masterClrMapping/>
   </p:clrMapOvr>
-  <p:timing>
-    <p:tnLst>
-      <p:par>
-        <p:cTn id="1" dur="indefinite" restart="never" nodeType="tmRoot"/>
-      </p:par>
-    </p:tnLst>
-  </p:timing>
 </p:sld>
 </file>
 
@@ -12150,7 +13072,7 @@
           <a:lstStyle/>
           <a:p>
             <a:r>
-              <a:rPr lang="en-US" dirty="0" err="1" smtClean="0"/>
+              <a:rPr lang="en-US" dirty="0" err="1"/>
               <a:t>Resultados</a:t>
             </a:r>
             <a:endParaRPr lang="es-CO" dirty="0"/>
@@ -12178,7 +13100,7 @@
           <a:lstStyle/>
           <a:p>
             <a:r>
-              <a:rPr lang="en-US" dirty="0" err="1" smtClean="0">
+              <a:rPr lang="en-US" dirty="0" err="1">
                 <a:solidFill>
                   <a:schemeClr val="tx1"/>
                 </a:solidFill>
@@ -12188,7 +13110,7 @@
               <a:t>Muestra</a:t>
             </a:r>
             <a:r>
-              <a:rPr lang="en-US" dirty="0" smtClean="0">
+              <a:rPr lang="en-US" dirty="0">
                 <a:solidFill>
                   <a:schemeClr val="tx1"/>
                 </a:solidFill>
@@ -12198,7 +13120,7 @@
               <a:t> de que </a:t>
             </a:r>
             <a:r>
-              <a:rPr lang="en-US" dirty="0" err="1" smtClean="0">
+              <a:rPr lang="en-US" dirty="0" err="1">
                 <a:solidFill>
                   <a:schemeClr val="tx1"/>
                 </a:solidFill>
@@ -12227,13 +13149,6 @@
   <p:clrMapOvr>
     <a:masterClrMapping/>
   </p:clrMapOvr>
-  <p:timing>
-    <p:tnLst>
-      <p:par>
-        <p:cTn id="1" dur="indefinite" restart="never" nodeType="tmRoot"/>
-      </p:par>
-    </p:tnLst>
-  </p:timing>
 </p:sld>
 </file>
 

--- a/Presentación.pptx
+++ b/Presentación.pptx
@@ -10027,7 +10027,7 @@
                     <a:latin typeface="Calibri Light" panose="020F0302020204030204" pitchFamily="34" charset="0"/>
                     <a:cs typeface="Calibri Light" panose="020F0302020204030204" pitchFamily="34" charset="0"/>
                   </a:rPr>
-                  <a:t>: </a:t>
+                  <a:t>:      </a:t>
                 </a:r>
                 <a14:m>
                   <m:oMath xmlns:m="http://schemas.openxmlformats.org/officeDocument/2006/math">
@@ -11156,26 +11156,41 @@
                     </m:sSup>
                   </m:oMath>
                 </a14:m>
-                <a:br>
-                  <a:rPr lang="en-US" sz="2000" i="1" dirty="0">
+                <a:endParaRPr lang="en-US" sz="2000" i="1" dirty="0">
+                  <a:solidFill>
+                    <a:schemeClr val="tx1"/>
+                  </a:solidFill>
+                  <a:latin typeface="Cambria Math" panose="02040503050406030204" pitchFamily="18" charset="0"/>
+                  <a:ea typeface="Cambria Math" panose="02040503050406030204" pitchFamily="18" charset="0"/>
+                  <a:cs typeface="Calibri Light" panose="020F0302020204030204" pitchFamily="34" charset="0"/>
+                </a:endParaRPr>
+              </a:p>
+              <a:p>
+                <a:pPr marL="502920" indent="-457200">
+                  <a:buFont typeface="+mj-lt"/>
+                  <a:buAutoNum type="arabicPeriod"/>
+                </a:pPr>
+                <a:r>
+                  <a:rPr lang="en-US" sz="2000" dirty="0">
                     <a:solidFill>
                       <a:schemeClr val="tx1"/>
                     </a:solidFill>
-                    <a:latin typeface="Cambria Math" panose="02040503050406030204" pitchFamily="18" charset="0"/>
+                    <a:latin typeface="Calibri Light" panose="020F0302020204030204" pitchFamily="34" charset="0"/>
                     <a:ea typeface="Cambria Math" panose="02040503050406030204" pitchFamily="18" charset="0"/>
                     <a:cs typeface="Calibri Light" panose="020F0302020204030204" pitchFamily="34" charset="0"/>
                   </a:rPr>
-                </a:br>
-                <a:br>
-                  <a:rPr lang="en-US" sz="2000" i="1" dirty="0">
+                  <a:t>  </a:t>
+                </a:r>
+                <a:r>
+                  <a:rPr lang="en-US" sz="2000" dirty="0">
                     <a:solidFill>
                       <a:schemeClr val="tx1"/>
                     </a:solidFill>
-                    <a:latin typeface="Cambria Math" panose="02040503050406030204" pitchFamily="18" charset="0"/>
                     <a:ea typeface="Cambria Math" panose="02040503050406030204" pitchFamily="18" charset="0"/>
                     <a:cs typeface="Calibri Light" panose="020F0302020204030204" pitchFamily="34" charset="0"/>
                   </a:rPr>
-                </a:br>
+                  <a:t>                  </a:t>
+                </a:r>
                 <a14:m>
                   <m:oMath xmlns:m="http://schemas.openxmlformats.org/officeDocument/2006/math">
                     <m:r>
@@ -11413,7 +11428,7 @@
                     <a:latin typeface="Calibri Light" panose="020F0302020204030204" pitchFamily="34" charset="0"/>
                     <a:cs typeface="Calibri Light" panose="020F0302020204030204" pitchFamily="34" charset="0"/>
                   </a:rPr>
-                  <a:t>Colisione: </a:t>
+                  <a:t>Colisione:      </a:t>
                 </a:r>
                 <a14:m>
                   <m:oMath xmlns:m="http://schemas.openxmlformats.org/officeDocument/2006/math">
@@ -11652,24 +11667,41 @@
                   </a:rPr>
                   <a:t> </a:t>
                 </a:r>
-                <a:br>
-                  <a:rPr lang="es-CO" dirty="0">
+                <a:endParaRPr lang="en-US" sz="2000" i="1" dirty="0">
+                  <a:solidFill>
+                    <a:schemeClr val="tx1"/>
+                  </a:solidFill>
+                  <a:latin typeface="Cambria Math" panose="02040503050406030204" pitchFamily="18" charset="0"/>
+                  <a:ea typeface="Cambria Math" panose="02040503050406030204" pitchFamily="18" charset="0"/>
+                  <a:cs typeface="Calibri Light" panose="020F0302020204030204" pitchFamily="34" charset="0"/>
+                </a:endParaRPr>
+              </a:p>
+              <a:p>
+                <a:pPr marL="502920" indent="-457200">
+                  <a:buFont typeface="+mj-lt"/>
+                  <a:buAutoNum type="arabicPeriod"/>
+                </a:pPr>
+                <a:r>
+                  <a:rPr lang="en-US" sz="2000" dirty="0">
                     <a:solidFill>
                       <a:schemeClr val="tx1"/>
                     </a:solidFill>
                     <a:latin typeface="Calibri Light" panose="020F0302020204030204" pitchFamily="34" charset="0"/>
+                    <a:ea typeface="Cambria Math" panose="02040503050406030204" pitchFamily="18" charset="0"/>
                     <a:cs typeface="Calibri Light" panose="020F0302020204030204" pitchFamily="34" charset="0"/>
                   </a:rPr>
-                </a:br>
-                <a:br>
-                  <a:rPr lang="es-CO" dirty="0">
+                  <a:t>        </a:t>
+                </a:r>
+                <a:r>
+                  <a:rPr lang="en-US" sz="2000" dirty="0">
                     <a:solidFill>
                       <a:schemeClr val="tx1"/>
                     </a:solidFill>
-                    <a:latin typeface="Calibri Light" panose="020F0302020204030204" pitchFamily="34" charset="0"/>
+                    <a:ea typeface="Cambria Math" panose="02040503050406030204" pitchFamily="18" charset="0"/>
                     <a:cs typeface="Calibri Light" panose="020F0302020204030204" pitchFamily="34" charset="0"/>
                   </a:rPr>
-                </a:br>
+                  <a:t>                   </a:t>
+                </a:r>
                 <a14:m>
                   <m:oMath xmlns:m="http://schemas.openxmlformats.org/officeDocument/2006/math">
                     <m:d>
@@ -12078,7 +12110,7 @@
                     <a:latin typeface="Calibri Light" panose="020F0302020204030204" pitchFamily="34" charset="0"/>
                     <a:cs typeface="Calibri Light" panose="020F0302020204030204" pitchFamily="34" charset="0"/>
                   </a:rPr>
-                  <a:t>: </a:t>
+                  <a:t>:      </a:t>
                 </a:r>
                 <a14:m>
                   <m:oMath xmlns:m="http://schemas.openxmlformats.org/officeDocument/2006/math">
@@ -12389,24 +12421,41 @@
                     </m:d>
                   </m:oMath>
                 </a14:m>
-                <a:br>
+                <a:endParaRPr lang="en-US" sz="2000" i="1" dirty="0">
+                  <a:solidFill>
+                    <a:schemeClr val="tx1"/>
+                  </a:solidFill>
+                  <a:latin typeface="Cambria Math" panose="02040503050406030204" pitchFamily="18" charset="0"/>
+                  <a:ea typeface="Cambria Math" panose="02040503050406030204" pitchFamily="18" charset="0"/>
+                  <a:cs typeface="Calibri Light" panose="020F0302020204030204" pitchFamily="34" charset="0"/>
+                </a:endParaRPr>
+              </a:p>
+              <a:p>
+                <a:pPr marL="502920" indent="-457200">
+                  <a:buFont typeface="+mj-lt"/>
+                  <a:buAutoNum type="arabicPeriod"/>
+                </a:pPr>
+                <a:r>
                   <a:rPr lang="en-US" sz="2000" dirty="0">
                     <a:solidFill>
                       <a:schemeClr val="tx1"/>
                     </a:solidFill>
                     <a:latin typeface="Calibri Light" panose="020F0302020204030204" pitchFamily="34" charset="0"/>
+                    <a:ea typeface="Cambria Math" panose="02040503050406030204" pitchFamily="18" charset="0"/>
                     <a:cs typeface="Calibri Light" panose="020F0302020204030204" pitchFamily="34" charset="0"/>
                   </a:rPr>
-                </a:br>
-                <a:br>
+                  <a:t>            </a:t>
+                </a:r>
+                <a:r>
                   <a:rPr lang="en-US" sz="2000" dirty="0">
                     <a:solidFill>
                       <a:schemeClr val="tx1"/>
                     </a:solidFill>
-                    <a:latin typeface="Calibri Light" panose="020F0302020204030204" pitchFamily="34" charset="0"/>
+                    <a:ea typeface="Cambria Math" panose="02040503050406030204" pitchFamily="18" charset="0"/>
                     <a:cs typeface="Calibri Light" panose="020F0302020204030204" pitchFamily="34" charset="0"/>
                   </a:rPr>
-                </a:br>
+                  <a:t>                    </a:t>
+                </a:r>
                 <a14:m>
                   <m:oMath xmlns:m="http://schemas.openxmlformats.org/officeDocument/2006/math">
                     <m:r>
@@ -12784,7 +12833,7 @@
               <a:blipFill>
                 <a:blip r:embed="rId2"/>
                 <a:stretch>
-                  <a:fillRect l="-108" t="-2384" b="-10519"/>
+                  <a:fillRect l="-108" t="-2384" b="-6452"/>
                 </a:stretch>
               </a:blipFill>
             </p:spPr>

--- a/Presentación.pptx
+++ b/Presentación.pptx
@@ -12,11 +12,13 @@
     <p:sldId id="265" r:id="rId6"/>
     <p:sldId id="267" r:id="rId7"/>
     <p:sldId id="268" r:id="rId8"/>
-    <p:sldId id="259" r:id="rId9"/>
-    <p:sldId id="261" r:id="rId10"/>
-    <p:sldId id="262" r:id="rId11"/>
-    <p:sldId id="263" r:id="rId12"/>
-    <p:sldId id="264" r:id="rId13"/>
+    <p:sldId id="269" r:id="rId9"/>
+    <p:sldId id="259" r:id="rId10"/>
+    <p:sldId id="270" r:id="rId11"/>
+    <p:sldId id="261" r:id="rId12"/>
+    <p:sldId id="262" r:id="rId13"/>
+    <p:sldId id="263" r:id="rId14"/>
+    <p:sldId id="264" r:id="rId15"/>
   </p:sldIdLst>
   <p:sldSz cx="12192000" cy="6858000"/>
   <p:notesSz cx="6858000" cy="9144000"/>
@@ -3612,6 +3614,583 @@
           <a:p>
             <a:r>
               <a:rPr lang="en-US" dirty="0" err="1"/>
+              <a:t>Código</a:t>
+            </a:r>
+            <a:endParaRPr lang="es-CO" dirty="0"/>
+          </a:p>
+        </p:txBody>
+      </p:sp>
+      <p:sp>
+        <p:nvSpPr>
+          <p:cNvPr id="9" name="Rectangle 8">
+            <a:extLst>
+              <a:ext uri="{FF2B5EF4-FFF2-40B4-BE49-F238E27FC236}">
+                <a16:creationId xmlns:a16="http://schemas.microsoft.com/office/drawing/2014/main" id="{0C3D562A-A901-4541-B26D-57B05CF3DD50}"/>
+              </a:ext>
+            </a:extLst>
+          </p:cNvPr>
+          <p:cNvSpPr/>
+          <p:nvPr/>
+        </p:nvSpPr>
+        <p:spPr>
+          <a:xfrm>
+            <a:off x="4750459" y="1955750"/>
+            <a:ext cx="3121817" cy="461665"/>
+          </a:xfrm>
+          <a:prstGeom prst="rect">
+            <a:avLst/>
+          </a:prstGeom>
+        </p:spPr>
+        <p:txBody>
+          <a:bodyPr wrap="none">
+            <a:spAutoFit/>
+          </a:bodyPr>
+          <a:lstStyle/>
+          <a:p>
+            <a:r>
+              <a:rPr lang="en-US" sz="2400" dirty="0" err="1">
+                <a:latin typeface="Calibri Light" panose="020F0302020204030204" pitchFamily="34" charset="0"/>
+                <a:cs typeface="Calibri Light" panose="020F0302020204030204" pitchFamily="34" charset="0"/>
+              </a:rPr>
+              <a:t>Objeto</a:t>
+            </a:r>
+            <a:r>
+              <a:rPr lang="en-US" sz="2400" dirty="0">
+                <a:latin typeface="Calibri Light" panose="020F0302020204030204" pitchFamily="34" charset="0"/>
+                <a:cs typeface="Calibri Light" panose="020F0302020204030204" pitchFamily="34" charset="0"/>
+              </a:rPr>
+              <a:t>:  Ala NACA-0012</a:t>
+            </a:r>
+            <a:endParaRPr lang="es-CO" sz="2400" dirty="0"/>
+          </a:p>
+        </p:txBody>
+      </p:sp>
+      <p:pic>
+        <p:nvPicPr>
+          <p:cNvPr id="6" name="Picture 5">
+            <a:extLst>
+              <a:ext uri="{FF2B5EF4-FFF2-40B4-BE49-F238E27FC236}">
+                <a16:creationId xmlns:a16="http://schemas.microsoft.com/office/drawing/2014/main" id="{BCDB7B10-7671-4FAC-AAA9-FE3C292C5EC3}"/>
+              </a:ext>
+            </a:extLst>
+          </p:cNvPr>
+          <p:cNvPicPr>
+            <a:picLocks noChangeAspect="1"/>
+          </p:cNvPicPr>
+          <p:nvPr/>
+        </p:nvPicPr>
+        <p:blipFill>
+          <a:blip r:embed="rId2"/>
+          <a:stretch>
+            <a:fillRect/>
+          </a:stretch>
+        </p:blipFill>
+        <p:spPr>
+          <a:xfrm>
+            <a:off x="3553883" y="2903220"/>
+            <a:ext cx="5514975" cy="838200"/>
+          </a:xfrm>
+          <a:prstGeom prst="rect">
+            <a:avLst/>
+          </a:prstGeom>
+        </p:spPr>
+      </p:pic>
+      <p:pic>
+        <p:nvPicPr>
+          <p:cNvPr id="8" name="Picture 7">
+            <a:extLst>
+              <a:ext uri="{FF2B5EF4-FFF2-40B4-BE49-F238E27FC236}">
+                <a16:creationId xmlns:a16="http://schemas.microsoft.com/office/drawing/2014/main" id="{F5F12EB2-C46A-4F34-B441-DB8A11AE41EC}"/>
+              </a:ext>
+            </a:extLst>
+          </p:cNvPr>
+          <p:cNvPicPr>
+            <a:picLocks noChangeAspect="1"/>
+          </p:cNvPicPr>
+          <p:nvPr/>
+        </p:nvPicPr>
+        <p:blipFill>
+          <a:blip r:embed="rId3"/>
+          <a:stretch>
+            <a:fillRect/>
+          </a:stretch>
+        </p:blipFill>
+        <p:spPr>
+          <a:xfrm>
+            <a:off x="3553883" y="4644332"/>
+            <a:ext cx="5524500" cy="800100"/>
+          </a:xfrm>
+          <a:prstGeom prst="rect">
+            <a:avLst/>
+          </a:prstGeom>
+        </p:spPr>
+      </p:pic>
+      <p:cxnSp>
+        <p:nvCxnSpPr>
+          <p:cNvPr id="11" name="Straight Connector 10">
+            <a:extLst>
+              <a:ext uri="{FF2B5EF4-FFF2-40B4-BE49-F238E27FC236}">
+                <a16:creationId xmlns:a16="http://schemas.microsoft.com/office/drawing/2014/main" id="{399B9DDB-FF0A-459E-BA19-69680EE4248A}"/>
+              </a:ext>
+            </a:extLst>
+          </p:cNvPr>
+          <p:cNvCxnSpPr/>
+          <p:nvPr/>
+        </p:nvCxnSpPr>
+        <p:spPr>
+          <a:xfrm>
+            <a:off x="9448800" y="4606232"/>
+            <a:ext cx="0" cy="838200"/>
+          </a:xfrm>
+          <a:prstGeom prst="line">
+            <a:avLst/>
+          </a:prstGeom>
+        </p:spPr>
+        <p:style>
+          <a:lnRef idx="1">
+            <a:schemeClr val="dk1"/>
+          </a:lnRef>
+          <a:fillRef idx="0">
+            <a:schemeClr val="dk1"/>
+          </a:fillRef>
+          <a:effectRef idx="0">
+            <a:schemeClr val="dk1"/>
+          </a:effectRef>
+          <a:fontRef idx="minor">
+            <a:schemeClr val="tx1"/>
+          </a:fontRef>
+        </p:style>
+      </p:cxnSp>
+      <p:cxnSp>
+        <p:nvCxnSpPr>
+          <p:cNvPr id="13" name="Straight Connector 12">
+            <a:extLst>
+              <a:ext uri="{FF2B5EF4-FFF2-40B4-BE49-F238E27FC236}">
+                <a16:creationId xmlns:a16="http://schemas.microsoft.com/office/drawing/2014/main" id="{D96F4B52-4F02-481E-9FC3-E2B9F5817920}"/>
+              </a:ext>
+            </a:extLst>
+          </p:cNvPr>
+          <p:cNvCxnSpPr/>
+          <p:nvPr/>
+        </p:nvCxnSpPr>
+        <p:spPr>
+          <a:xfrm>
+            <a:off x="9330266" y="4606232"/>
+            <a:ext cx="237067" cy="0"/>
+          </a:xfrm>
+          <a:prstGeom prst="line">
+            <a:avLst/>
+          </a:prstGeom>
+        </p:spPr>
+        <p:style>
+          <a:lnRef idx="1">
+            <a:schemeClr val="dk1"/>
+          </a:lnRef>
+          <a:fillRef idx="0">
+            <a:schemeClr val="dk1"/>
+          </a:fillRef>
+          <a:effectRef idx="0">
+            <a:schemeClr val="dk1"/>
+          </a:effectRef>
+          <a:fontRef idx="minor">
+            <a:schemeClr val="tx1"/>
+          </a:fontRef>
+        </p:style>
+      </p:cxnSp>
+      <p:cxnSp>
+        <p:nvCxnSpPr>
+          <p:cNvPr id="14" name="Straight Connector 13">
+            <a:extLst>
+              <a:ext uri="{FF2B5EF4-FFF2-40B4-BE49-F238E27FC236}">
+                <a16:creationId xmlns:a16="http://schemas.microsoft.com/office/drawing/2014/main" id="{B280A42A-856B-47F2-BB8B-C86269988F48}"/>
+              </a:ext>
+            </a:extLst>
+          </p:cNvPr>
+          <p:cNvCxnSpPr/>
+          <p:nvPr/>
+        </p:nvCxnSpPr>
+        <p:spPr>
+          <a:xfrm>
+            <a:off x="9338730" y="5444432"/>
+            <a:ext cx="237067" cy="0"/>
+          </a:xfrm>
+          <a:prstGeom prst="line">
+            <a:avLst/>
+          </a:prstGeom>
+        </p:spPr>
+        <p:style>
+          <a:lnRef idx="1">
+            <a:schemeClr val="dk1"/>
+          </a:lnRef>
+          <a:fillRef idx="0">
+            <a:schemeClr val="dk1"/>
+          </a:fillRef>
+          <a:effectRef idx="0">
+            <a:schemeClr val="dk1"/>
+          </a:effectRef>
+          <a:fontRef idx="minor">
+            <a:schemeClr val="tx1"/>
+          </a:fontRef>
+        </p:style>
+      </p:cxnSp>
+      <p:cxnSp>
+        <p:nvCxnSpPr>
+          <p:cNvPr id="22" name="Straight Connector 21">
+            <a:extLst>
+              <a:ext uri="{FF2B5EF4-FFF2-40B4-BE49-F238E27FC236}">
+                <a16:creationId xmlns:a16="http://schemas.microsoft.com/office/drawing/2014/main" id="{18C0DAC6-F0C4-40C4-82A2-D844D21DC8BD}"/>
+              </a:ext>
+            </a:extLst>
+          </p:cNvPr>
+          <p:cNvCxnSpPr/>
+          <p:nvPr/>
+        </p:nvCxnSpPr>
+        <p:spPr>
+          <a:xfrm>
+            <a:off x="3592511" y="5740402"/>
+            <a:ext cx="5437717" cy="0"/>
+          </a:xfrm>
+          <a:prstGeom prst="line">
+            <a:avLst/>
+          </a:prstGeom>
+        </p:spPr>
+        <p:style>
+          <a:lnRef idx="1">
+            <a:schemeClr val="dk1"/>
+          </a:lnRef>
+          <a:fillRef idx="0">
+            <a:schemeClr val="dk1"/>
+          </a:fillRef>
+          <a:effectRef idx="0">
+            <a:schemeClr val="dk1"/>
+          </a:effectRef>
+          <a:fontRef idx="minor">
+            <a:schemeClr val="tx1"/>
+          </a:fontRef>
+        </p:style>
+      </p:cxnSp>
+      <p:cxnSp>
+        <p:nvCxnSpPr>
+          <p:cNvPr id="24" name="Straight Connector 23">
+            <a:extLst>
+              <a:ext uri="{FF2B5EF4-FFF2-40B4-BE49-F238E27FC236}">
+                <a16:creationId xmlns:a16="http://schemas.microsoft.com/office/drawing/2014/main" id="{8B21056B-B8AA-400F-9FD7-7ADDD1CFB4FB}"/>
+              </a:ext>
+            </a:extLst>
+          </p:cNvPr>
+          <p:cNvCxnSpPr/>
+          <p:nvPr/>
+        </p:nvCxnSpPr>
+        <p:spPr>
+          <a:xfrm>
+            <a:off x="9030228" y="5583768"/>
+            <a:ext cx="0" cy="313267"/>
+          </a:xfrm>
+          <a:prstGeom prst="line">
+            <a:avLst/>
+          </a:prstGeom>
+        </p:spPr>
+        <p:style>
+          <a:lnRef idx="1">
+            <a:schemeClr val="dk1"/>
+          </a:lnRef>
+          <a:fillRef idx="0">
+            <a:schemeClr val="dk1"/>
+          </a:fillRef>
+          <a:effectRef idx="0">
+            <a:schemeClr val="dk1"/>
+          </a:effectRef>
+          <a:fontRef idx="minor">
+            <a:schemeClr val="tx1"/>
+          </a:fontRef>
+        </p:style>
+      </p:cxnSp>
+      <p:cxnSp>
+        <p:nvCxnSpPr>
+          <p:cNvPr id="25" name="Straight Connector 24">
+            <a:extLst>
+              <a:ext uri="{FF2B5EF4-FFF2-40B4-BE49-F238E27FC236}">
+                <a16:creationId xmlns:a16="http://schemas.microsoft.com/office/drawing/2014/main" id="{E73B7F1A-7D23-42E9-9345-73BC366A5969}"/>
+              </a:ext>
+            </a:extLst>
+          </p:cNvPr>
+          <p:cNvCxnSpPr/>
+          <p:nvPr/>
+        </p:nvCxnSpPr>
+        <p:spPr>
+          <a:xfrm>
+            <a:off x="3592511" y="5583768"/>
+            <a:ext cx="0" cy="313267"/>
+          </a:xfrm>
+          <a:prstGeom prst="line">
+            <a:avLst/>
+          </a:prstGeom>
+        </p:spPr>
+        <p:style>
+          <a:lnRef idx="1">
+            <a:schemeClr val="dk1"/>
+          </a:lnRef>
+          <a:fillRef idx="0">
+            <a:schemeClr val="dk1"/>
+          </a:fillRef>
+          <a:effectRef idx="0">
+            <a:schemeClr val="dk1"/>
+          </a:effectRef>
+          <a:fontRef idx="minor">
+            <a:schemeClr val="tx1"/>
+          </a:fontRef>
+        </p:style>
+      </p:cxnSp>
+      <p:sp>
+        <p:nvSpPr>
+          <p:cNvPr id="26" name="Rectangle 25">
+            <a:extLst>
+              <a:ext uri="{FF2B5EF4-FFF2-40B4-BE49-F238E27FC236}">
+                <a16:creationId xmlns:a16="http://schemas.microsoft.com/office/drawing/2014/main" id="{32F726AB-C1A2-4EE1-92CC-6F4AC0FFA447}"/>
+              </a:ext>
+            </a:extLst>
+          </p:cNvPr>
+          <p:cNvSpPr/>
+          <p:nvPr/>
+        </p:nvSpPr>
+        <p:spPr>
+          <a:xfrm>
+            <a:off x="5863169" y="5740401"/>
+            <a:ext cx="896399" cy="307777"/>
+          </a:xfrm>
+          <a:prstGeom prst="rect">
+            <a:avLst/>
+          </a:prstGeom>
+        </p:spPr>
+        <p:txBody>
+          <a:bodyPr wrap="none">
+            <a:spAutoFit/>
+          </a:bodyPr>
+          <a:lstStyle/>
+          <a:p>
+            <a:r>
+              <a:rPr lang="en-US" sz="1400" dirty="0">
+                <a:latin typeface="Calibri Light" panose="020F0302020204030204" pitchFamily="34" charset="0"/>
+                <a:cs typeface="Calibri Light" panose="020F0302020204030204" pitchFamily="34" charset="0"/>
+              </a:rPr>
+              <a:t>58 </a:t>
+            </a:r>
+            <a:r>
+              <a:rPr lang="en-US" sz="1400" dirty="0" err="1">
+                <a:latin typeface="Calibri Light" panose="020F0302020204030204" pitchFamily="34" charset="0"/>
+                <a:cs typeface="Calibri Light" panose="020F0302020204030204" pitchFamily="34" charset="0"/>
+              </a:rPr>
+              <a:t>pixeles</a:t>
+            </a:r>
+            <a:endParaRPr lang="es-CO" sz="1400" dirty="0"/>
+          </a:p>
+        </p:txBody>
+      </p:sp>
+      <p:sp>
+        <p:nvSpPr>
+          <p:cNvPr id="27" name="Rectangle 26">
+            <a:extLst>
+              <a:ext uri="{FF2B5EF4-FFF2-40B4-BE49-F238E27FC236}">
+                <a16:creationId xmlns:a16="http://schemas.microsoft.com/office/drawing/2014/main" id="{F0AE80B3-1EE1-420B-B24A-BAAA8F767052}"/>
+              </a:ext>
+            </a:extLst>
+          </p:cNvPr>
+          <p:cNvSpPr/>
+          <p:nvPr/>
+        </p:nvSpPr>
+        <p:spPr>
+          <a:xfrm>
+            <a:off x="9448799" y="4871444"/>
+            <a:ext cx="805029" cy="307777"/>
+          </a:xfrm>
+          <a:prstGeom prst="rect">
+            <a:avLst/>
+          </a:prstGeom>
+        </p:spPr>
+        <p:txBody>
+          <a:bodyPr wrap="none">
+            <a:spAutoFit/>
+          </a:bodyPr>
+          <a:lstStyle/>
+          <a:p>
+            <a:r>
+              <a:rPr lang="en-US" sz="1400" dirty="0">
+                <a:latin typeface="Calibri Light" panose="020F0302020204030204" pitchFamily="34" charset="0"/>
+                <a:cs typeface="Calibri Light" panose="020F0302020204030204" pitchFamily="34" charset="0"/>
+              </a:rPr>
+              <a:t>7 </a:t>
+            </a:r>
+            <a:r>
+              <a:rPr lang="en-US" sz="1400" dirty="0" err="1">
+                <a:latin typeface="Calibri Light" panose="020F0302020204030204" pitchFamily="34" charset="0"/>
+                <a:cs typeface="Calibri Light" panose="020F0302020204030204" pitchFamily="34" charset="0"/>
+              </a:rPr>
+              <a:t>pixeles</a:t>
+            </a:r>
+            <a:endParaRPr lang="es-CO" sz="1400" dirty="0"/>
+          </a:p>
+        </p:txBody>
+      </p:sp>
+    </p:spTree>
+    <p:extLst>
+      <p:ext uri="{BB962C8B-B14F-4D97-AF65-F5344CB8AC3E}">
+        <p14:creationId xmlns:p14="http://schemas.microsoft.com/office/powerpoint/2010/main" val="3920660394"/>
+      </p:ext>
+    </p:extLst>
+  </p:cSld>
+  <p:clrMapOvr>
+    <a:masterClrMapping/>
+  </p:clrMapOvr>
+</p:sld>
+</file>
+
+<file path=ppt/slides/slide11.xml><?xml version="1.0" encoding="utf-8"?>
+<p:sld xmlns:a="http://schemas.openxmlformats.org/drawingml/2006/main" xmlns:r="http://schemas.openxmlformats.org/officeDocument/2006/relationships" xmlns:p="http://schemas.openxmlformats.org/presentationml/2006/main">
+  <p:cSld>
+    <p:spTree>
+      <p:nvGrpSpPr>
+        <p:cNvPr id="1" name=""/>
+        <p:cNvGrpSpPr/>
+        <p:nvPr/>
+      </p:nvGrpSpPr>
+      <p:grpSpPr>
+        <a:xfrm>
+          <a:off x="0" y="0"/>
+          <a:ext cx="0" cy="0"/>
+          <a:chOff x="0" y="0"/>
+          <a:chExt cx="0" cy="0"/>
+        </a:xfrm>
+      </p:grpSpPr>
+      <p:sp>
+        <p:nvSpPr>
+          <p:cNvPr id="2" name="Title 1"/>
+          <p:cNvSpPr>
+            <a:spLocks noGrp="1"/>
+          </p:cNvSpPr>
+          <p:nvPr>
+            <p:ph type="title"/>
+          </p:nvPr>
+        </p:nvSpPr>
+        <p:spPr/>
+        <p:txBody>
+          <a:bodyPr/>
+          <a:lstStyle/>
+          <a:p>
+            <a:r>
+              <a:rPr lang="en-US" dirty="0" err="1"/>
+              <a:t>Resultados</a:t>
+            </a:r>
+            <a:endParaRPr lang="es-CO" dirty="0"/>
+          </a:p>
+        </p:txBody>
+      </p:sp>
+      <p:sp>
+        <p:nvSpPr>
+          <p:cNvPr id="3" name="Content Placeholder 2"/>
+          <p:cNvSpPr>
+            <a:spLocks noGrp="1"/>
+          </p:cNvSpPr>
+          <p:nvPr>
+            <p:ph idx="1"/>
+          </p:nvPr>
+        </p:nvSpPr>
+        <p:spPr>
+          <a:xfrm>
+            <a:off x="1143000" y="2047009"/>
+            <a:ext cx="9872871" cy="4038600"/>
+          </a:xfrm>
+        </p:spPr>
+        <p:txBody>
+          <a:bodyPr/>
+          <a:lstStyle/>
+          <a:p>
+            <a:r>
+              <a:rPr lang="en-US" dirty="0" err="1">
+                <a:solidFill>
+                  <a:schemeClr val="tx1"/>
+                </a:solidFill>
+                <a:latin typeface="Calibri Light" panose="020F0302020204030204" pitchFamily="34" charset="0"/>
+                <a:cs typeface="Calibri Light" panose="020F0302020204030204" pitchFamily="34" charset="0"/>
+              </a:rPr>
+              <a:t>Muestra</a:t>
+            </a:r>
+            <a:r>
+              <a:rPr lang="en-US" dirty="0">
+                <a:solidFill>
+                  <a:schemeClr val="tx1"/>
+                </a:solidFill>
+                <a:latin typeface="Calibri Light" panose="020F0302020204030204" pitchFamily="34" charset="0"/>
+                <a:cs typeface="Calibri Light" panose="020F0302020204030204" pitchFamily="34" charset="0"/>
+              </a:rPr>
+              <a:t> de que </a:t>
+            </a:r>
+            <a:r>
+              <a:rPr lang="en-US" dirty="0" err="1">
+                <a:solidFill>
+                  <a:schemeClr val="tx1"/>
+                </a:solidFill>
+                <a:latin typeface="Calibri Light" panose="020F0302020204030204" pitchFamily="34" charset="0"/>
+                <a:cs typeface="Calibri Light" panose="020F0302020204030204" pitchFamily="34" charset="0"/>
+              </a:rPr>
+              <a:t>funciona</a:t>
+            </a:r>
+            <a:endParaRPr lang="es-CO" dirty="0">
+              <a:solidFill>
+                <a:schemeClr val="tx1"/>
+              </a:solidFill>
+              <a:latin typeface="Calibri Light" panose="020F0302020204030204" pitchFamily="34" charset="0"/>
+              <a:cs typeface="Calibri Light" panose="020F0302020204030204" pitchFamily="34" charset="0"/>
+            </a:endParaRPr>
+          </a:p>
+        </p:txBody>
+      </p:sp>
+    </p:spTree>
+    <p:extLst>
+      <p:ext uri="{BB962C8B-B14F-4D97-AF65-F5344CB8AC3E}">
+        <p14:creationId xmlns:p14="http://schemas.microsoft.com/office/powerpoint/2010/main" val="303243304"/>
+      </p:ext>
+    </p:extLst>
+  </p:cSld>
+  <p:clrMapOvr>
+    <a:masterClrMapping/>
+  </p:clrMapOvr>
+</p:sld>
+</file>
+
+<file path=ppt/slides/slide12.xml><?xml version="1.0" encoding="utf-8"?>
+<p:sld xmlns:a="http://schemas.openxmlformats.org/drawingml/2006/main" xmlns:r="http://schemas.openxmlformats.org/officeDocument/2006/relationships" xmlns:p="http://schemas.openxmlformats.org/presentationml/2006/main">
+  <p:cSld>
+    <p:spTree>
+      <p:nvGrpSpPr>
+        <p:cNvPr id="1" name=""/>
+        <p:cNvGrpSpPr/>
+        <p:nvPr/>
+      </p:nvGrpSpPr>
+      <p:grpSpPr>
+        <a:xfrm>
+          <a:off x="0" y="0"/>
+          <a:ext cx="0" cy="0"/>
+          <a:chOff x="0" y="0"/>
+          <a:chExt cx="0" cy="0"/>
+        </a:xfrm>
+      </p:grpSpPr>
+      <p:sp>
+        <p:nvSpPr>
+          <p:cNvPr id="2" name="Title 1"/>
+          <p:cNvSpPr>
+            <a:spLocks noGrp="1"/>
+          </p:cNvSpPr>
+          <p:nvPr>
+            <p:ph type="title"/>
+          </p:nvPr>
+        </p:nvSpPr>
+        <p:spPr/>
+        <p:txBody>
+          <a:bodyPr/>
+          <a:lstStyle/>
+          <a:p>
+            <a:r>
+              <a:rPr lang="en-US" dirty="0" err="1"/>
               <a:t>Resultados</a:t>
             </a:r>
             <a:endParaRPr lang="es-CO" dirty="0"/>
@@ -3791,7 +4370,7 @@
 </p:sld>
 </file>
 
-<file path=ppt/slides/slide11.xml><?xml version="1.0" encoding="utf-8"?>
+<file path=ppt/slides/slide13.xml><?xml version="1.0" encoding="utf-8"?>
 <p:sld xmlns:a="http://schemas.openxmlformats.org/drawingml/2006/main" xmlns:r="http://schemas.openxmlformats.org/officeDocument/2006/relationships" xmlns:p="http://schemas.openxmlformats.org/presentationml/2006/main">
   <p:cSld>
     <p:spTree>
@@ -3874,7 +4453,7 @@
 </p:sld>
 </file>
 
-<file path=ppt/slides/slide12.xml><?xml version="1.0" encoding="utf-8"?>
+<file path=ppt/slides/slide14.xml><?xml version="1.0" encoding="utf-8"?>
 <p:sld xmlns:a="http://schemas.openxmlformats.org/drawingml/2006/main" xmlns:r="http://schemas.openxmlformats.org/officeDocument/2006/relationships" xmlns:p="http://schemas.openxmlformats.org/presentationml/2006/main">
   <p:cSld>
     <p:spTree>
@@ -3936,6 +4515,10 @@
           </a:bodyPr>
           <a:lstStyle/>
           <a:p>
+            <a:pPr marL="502920" indent="-457200">
+              <a:buFont typeface="+mj-lt"/>
+              <a:buAutoNum type="arabicPeriod"/>
+            </a:pPr>
             <a:r>
               <a:rPr lang="en-US" sz="2400" dirty="0" err="1">
                 <a:solidFill>
@@ -3968,6 +4551,10 @@
             </a:r>
           </a:p>
           <a:p>
+            <a:pPr marL="502920" indent="-457200">
+              <a:buFont typeface="+mj-lt"/>
+              <a:buAutoNum type="arabicPeriod"/>
+            </a:pPr>
             <a:endParaRPr lang="es-CO" sz="2400" dirty="0">
               <a:solidFill>
                 <a:schemeClr val="tx1"/>
@@ -3977,6 +4564,10 @@
             </a:endParaRPr>
           </a:p>
           <a:p>
+            <a:pPr marL="502920" indent="-457200">
+              <a:buFont typeface="+mj-lt"/>
+              <a:buAutoNum type="arabicPeriod"/>
+            </a:pPr>
             <a:r>
               <a:rPr lang="en-US" sz="2400" dirty="0">
                 <a:solidFill>
@@ -4029,6 +4620,10 @@
             </a:r>
           </a:p>
           <a:p>
+            <a:pPr marL="502920" indent="-457200">
+              <a:buFont typeface="+mj-lt"/>
+              <a:buAutoNum type="arabicPeriod"/>
+            </a:pPr>
             <a:endParaRPr lang="en-US" sz="2400" dirty="0">
               <a:solidFill>
                 <a:schemeClr val="tx1"/>
@@ -4038,6 +4633,10 @@
             </a:endParaRPr>
           </a:p>
           <a:p>
+            <a:pPr marL="502920" indent="-457200">
+              <a:buFont typeface="+mj-lt"/>
+              <a:buAutoNum type="arabicPeriod"/>
+            </a:pPr>
             <a:r>
               <a:rPr lang="es-CO" sz="2400" dirty="0">
                 <a:solidFill>
@@ -5661,8 +6260,8 @@
           </a:p>
         </p:txBody>
       </p:sp>
-      <mc:AlternateContent xmlns:mc="http://schemas.openxmlformats.org/markup-compatibility/2006" xmlns:a14="http://schemas.microsoft.com/office/drawing/2010/main">
-        <mc:Choice Requires="a14">
+      <mc:AlternateContent xmlns:mc="http://schemas.openxmlformats.org/markup-compatibility/2006">
+        <mc:Choice xmlns:a14="http://schemas.microsoft.com/office/drawing/2010/main" Requires="a14">
           <p:sp>
             <p:nvSpPr>
               <p:cNvPr id="3" name="Content Placeholder 2"/>
@@ -5909,27 +6508,7 @@
                     <a:latin typeface="Calibri Light" panose="020F0302020204030204" pitchFamily="34" charset="0"/>
                     <a:cs typeface="Calibri Light" panose="020F0302020204030204" pitchFamily="34" charset="0"/>
                   </a:rPr>
-                  <a:t> </a:t>
-                </a:r>
-                <a:r>
-                  <a:rPr lang="es-CO" sz="2400" dirty="0" err="1">
-                    <a:solidFill>
-                      <a:schemeClr val="tx1"/>
-                    </a:solidFill>
-                    <a:latin typeface="Calibri Light" panose="020F0302020204030204" pitchFamily="34" charset="0"/>
-                    <a:cs typeface="Calibri Light" panose="020F0302020204030204" pitchFamily="34" charset="0"/>
-                  </a:rPr>
-                  <a:t>obtenermos</a:t>
-                </a:r>
-                <a:r>
-                  <a:rPr lang="es-CO" sz="2400" dirty="0">
-                    <a:solidFill>
-                      <a:schemeClr val="tx1"/>
-                    </a:solidFill>
-                    <a:latin typeface="Calibri Light" panose="020F0302020204030204" pitchFamily="34" charset="0"/>
-                    <a:cs typeface="Calibri Light" panose="020F0302020204030204" pitchFamily="34" charset="0"/>
-                  </a:rPr>
-                  <a:t> la ecuaci</a:t>
+                  <a:t> obtenemos la ecuaci</a:t>
                 </a:r>
                 <a:r>
                   <a:rPr lang="en-US" sz="2400" dirty="0">
@@ -6890,10 +7469,11 @@
                         </m:ctrlPr>
                       </m:fPr>
                       <m:num>
-                        <m:sSub>
-                          <m:sSubPr>
+                        <m:acc>
+                          <m:accPr>
+                            <m:chr m:val="⃗"/>
                             <m:ctrlPr>
-                              <a:rPr lang="en-US" sz="2600" b="0" i="1" smtClean="0">
+                              <a:rPr lang="es-CO" sz="2600" b="0" i="1" smtClean="0">
                                 <a:solidFill>
                                   <a:schemeClr val="tx1"/>
                                 </a:solidFill>
@@ -6902,34 +7482,50 @@
                                 <a:cs typeface="Calibri Light" panose="020F0302020204030204" pitchFamily="34" charset="0"/>
                               </a:rPr>
                             </m:ctrlPr>
-                          </m:sSubPr>
+                          </m:accPr>
                           <m:e>
-                            <m:r>
-                              <a:rPr lang="en-US" sz="2600" b="0" i="1" smtClean="0">
-                                <a:solidFill>
-                                  <a:schemeClr val="tx1"/>
-                                </a:solidFill>
-                                <a:latin typeface="Cambria Math" panose="02040503050406030204" pitchFamily="18" charset="0"/>
-                                <a:ea typeface="Cambria Math" panose="02040503050406030204" pitchFamily="18" charset="0"/>
-                                <a:cs typeface="Calibri Light" panose="020F0302020204030204" pitchFamily="34" charset="0"/>
-                              </a:rPr>
-                              <m:t>𝑣</m:t>
-                            </m:r>
+                            <m:sSub>
+                              <m:sSubPr>
+                                <m:ctrlPr>
+                                  <a:rPr lang="en-US" sz="2600" b="0" i="1" smtClean="0">
+                                    <a:solidFill>
+                                      <a:schemeClr val="tx1"/>
+                                    </a:solidFill>
+                                    <a:latin typeface="Cambria Math" panose="02040503050406030204" pitchFamily="18" charset="0"/>
+                                    <a:ea typeface="Cambria Math" panose="02040503050406030204" pitchFamily="18" charset="0"/>
+                                    <a:cs typeface="Calibri Light" panose="020F0302020204030204" pitchFamily="34" charset="0"/>
+                                  </a:rPr>
+                                </m:ctrlPr>
+                              </m:sSubPr>
+                              <m:e>
+                                <m:r>
+                                  <a:rPr lang="en-US" sz="2600" b="0" i="1" smtClean="0">
+                                    <a:solidFill>
+                                      <a:schemeClr val="tx1"/>
+                                    </a:solidFill>
+                                    <a:latin typeface="Cambria Math" panose="02040503050406030204" pitchFamily="18" charset="0"/>
+                                    <a:ea typeface="Cambria Math" panose="02040503050406030204" pitchFamily="18" charset="0"/>
+                                    <a:cs typeface="Calibri Light" panose="020F0302020204030204" pitchFamily="34" charset="0"/>
+                                  </a:rPr>
+                                  <m:t>𝑣</m:t>
+                                </m:r>
+                              </m:e>
+                              <m:sub>
+                                <m:r>
+                                  <a:rPr lang="en-US" sz="2600" b="0" i="1" smtClean="0">
+                                    <a:solidFill>
+                                      <a:schemeClr val="tx1"/>
+                                    </a:solidFill>
+                                    <a:latin typeface="Cambria Math" panose="02040503050406030204" pitchFamily="18" charset="0"/>
+                                    <a:ea typeface="Cambria Math" panose="02040503050406030204" pitchFamily="18" charset="0"/>
+                                    <a:cs typeface="Calibri Light" panose="020F0302020204030204" pitchFamily="34" charset="0"/>
+                                  </a:rPr>
+                                  <m:t>𝛼</m:t>
+                                </m:r>
+                              </m:sub>
+                            </m:sSub>
                           </m:e>
-                          <m:sub>
-                            <m:r>
-                              <a:rPr lang="en-US" sz="2600" b="0" i="1" smtClean="0">
-                                <a:solidFill>
-                                  <a:schemeClr val="tx1"/>
-                                </a:solidFill>
-                                <a:latin typeface="Cambria Math" panose="02040503050406030204" pitchFamily="18" charset="0"/>
-                                <a:ea typeface="Cambria Math" panose="02040503050406030204" pitchFamily="18" charset="0"/>
-                                <a:cs typeface="Calibri Light" panose="020F0302020204030204" pitchFamily="34" charset="0"/>
-                              </a:rPr>
-                              <m:t>𝛼</m:t>
-                            </m:r>
-                          </m:sub>
-                        </m:sSub>
+                        </m:acc>
                         <m:r>
                           <a:rPr lang="en-US" sz="2600" i="1">
                             <a:solidFill>
@@ -7077,10 +7673,11 @@
                                 </m:ctrlPr>
                               </m:dPr>
                               <m:e>
-                                <m:sSub>
-                                  <m:sSubPr>
+                                <m:acc>
+                                  <m:accPr>
+                                    <m:chr m:val="⃗"/>
                                     <m:ctrlPr>
-                                      <a:rPr lang="en-US" sz="2600" i="1">
+                                      <a:rPr lang="es-CO" sz="2600" b="0" i="1" smtClean="0">
                                         <a:solidFill>
                                           <a:schemeClr val="tx1"/>
                                         </a:solidFill>
@@ -7089,34 +7686,50 @@
                                         <a:cs typeface="Calibri Light" panose="020F0302020204030204" pitchFamily="34" charset="0"/>
                                       </a:rPr>
                                     </m:ctrlPr>
-                                  </m:sSubPr>
+                                  </m:accPr>
                                   <m:e>
-                                    <m:r>
-                                      <a:rPr lang="en-US" sz="2600" i="1">
-                                        <a:solidFill>
-                                          <a:schemeClr val="tx1"/>
-                                        </a:solidFill>
-                                        <a:latin typeface="Cambria Math" panose="02040503050406030204" pitchFamily="18" charset="0"/>
-                                        <a:ea typeface="Cambria Math" panose="02040503050406030204" pitchFamily="18" charset="0"/>
-                                        <a:cs typeface="Calibri Light" panose="020F0302020204030204" pitchFamily="34" charset="0"/>
-                                      </a:rPr>
-                                      <m:t>𝑣</m:t>
-                                    </m:r>
+                                    <m:sSub>
+                                      <m:sSubPr>
+                                        <m:ctrlPr>
+                                          <a:rPr lang="en-US" sz="2600" i="1">
+                                            <a:solidFill>
+                                              <a:schemeClr val="tx1"/>
+                                            </a:solidFill>
+                                            <a:latin typeface="Cambria Math" panose="02040503050406030204" pitchFamily="18" charset="0"/>
+                                            <a:ea typeface="Cambria Math" panose="02040503050406030204" pitchFamily="18" charset="0"/>
+                                            <a:cs typeface="Calibri Light" panose="020F0302020204030204" pitchFamily="34" charset="0"/>
+                                          </a:rPr>
+                                        </m:ctrlPr>
+                                      </m:sSubPr>
+                                      <m:e>
+                                        <m:r>
+                                          <a:rPr lang="en-US" sz="2600" i="1">
+                                            <a:solidFill>
+                                              <a:schemeClr val="tx1"/>
+                                            </a:solidFill>
+                                            <a:latin typeface="Cambria Math" panose="02040503050406030204" pitchFamily="18" charset="0"/>
+                                            <a:ea typeface="Cambria Math" panose="02040503050406030204" pitchFamily="18" charset="0"/>
+                                            <a:cs typeface="Calibri Light" panose="020F0302020204030204" pitchFamily="34" charset="0"/>
+                                          </a:rPr>
+                                          <m:t>𝑣</m:t>
+                                        </m:r>
+                                      </m:e>
+                                      <m:sub>
+                                        <m:r>
+                                          <a:rPr lang="en-US" sz="2600" i="1">
+                                            <a:solidFill>
+                                              <a:schemeClr val="tx1"/>
+                                            </a:solidFill>
+                                            <a:latin typeface="Cambria Math" panose="02040503050406030204" pitchFamily="18" charset="0"/>
+                                            <a:ea typeface="Cambria Math" panose="02040503050406030204" pitchFamily="18" charset="0"/>
+                                            <a:cs typeface="Calibri Light" panose="020F0302020204030204" pitchFamily="34" charset="0"/>
+                                          </a:rPr>
+                                          <m:t>𝛼</m:t>
+                                        </m:r>
+                                      </m:sub>
+                                    </m:sSub>
                                   </m:e>
-                                  <m:sub>
-                                    <m:r>
-                                      <a:rPr lang="en-US" sz="2600" i="1">
-                                        <a:solidFill>
-                                          <a:schemeClr val="tx1"/>
-                                        </a:solidFill>
-                                        <a:latin typeface="Cambria Math" panose="02040503050406030204" pitchFamily="18" charset="0"/>
-                                        <a:ea typeface="Cambria Math" panose="02040503050406030204" pitchFamily="18" charset="0"/>
-                                        <a:cs typeface="Calibri Light" panose="020F0302020204030204" pitchFamily="34" charset="0"/>
-                                      </a:rPr>
-                                      <m:t>𝛼</m:t>
-                                    </m:r>
-                                  </m:sub>
-                                </m:sSub>
+                                </m:acc>
                                 <m:r>
                                   <a:rPr lang="en-US" sz="2600" i="1">
                                     <a:solidFill>
@@ -7279,7 +7892,7 @@
                           </m:sSupPr>
                           <m:e>
                             <m:r>
-                              <a:rPr lang="en-US" sz="2600" b="0" i="1" smtClean="0">
+                              <a:rPr lang="es-CO" sz="2600" b="0" i="1" smtClean="0">
                                 <a:solidFill>
                                   <a:schemeClr val="tx1"/>
                                 </a:solidFill>
@@ -7287,7 +7900,46 @@
                                 <a:ea typeface="Cambria Math" panose="02040503050406030204" pitchFamily="18" charset="0"/>
                                 <a:cs typeface="Calibri Light" panose="020F0302020204030204" pitchFamily="34" charset="0"/>
                               </a:rPr>
-                              <m:t>𝑢</m:t>
+                              <m:t>|</m:t>
+                            </m:r>
+                            <m:acc>
+                              <m:accPr>
+                                <m:chr m:val="⃗"/>
+                                <m:ctrlPr>
+                                  <a:rPr lang="es-CO" sz="2600" b="0" i="1" smtClean="0">
+                                    <a:solidFill>
+                                      <a:schemeClr val="tx1"/>
+                                    </a:solidFill>
+                                    <a:latin typeface="Cambria Math" panose="02040503050406030204" pitchFamily="18" charset="0"/>
+                                    <a:ea typeface="Cambria Math" panose="02040503050406030204" pitchFamily="18" charset="0"/>
+                                    <a:cs typeface="Calibri Light" panose="020F0302020204030204" pitchFamily="34" charset="0"/>
+                                  </a:rPr>
+                                </m:ctrlPr>
+                              </m:accPr>
+                              <m:e>
+                                <m:r>
+                                  <a:rPr lang="en-US" sz="2600" b="0" i="1" smtClean="0">
+                                    <a:solidFill>
+                                      <a:schemeClr val="tx1"/>
+                                    </a:solidFill>
+                                    <a:latin typeface="Cambria Math" panose="02040503050406030204" pitchFamily="18" charset="0"/>
+                                    <a:ea typeface="Cambria Math" panose="02040503050406030204" pitchFamily="18" charset="0"/>
+                                    <a:cs typeface="Calibri Light" panose="020F0302020204030204" pitchFamily="34" charset="0"/>
+                                  </a:rPr>
+                                  <m:t>𝑢</m:t>
+                                </m:r>
+                              </m:e>
+                            </m:acc>
+                            <m:r>
+                              <a:rPr lang="es-CO" sz="2400" b="0" i="1" dirty="0" smtClean="0">
+                                <a:solidFill>
+                                  <a:schemeClr val="tx1"/>
+                                </a:solidFill>
+                                <a:latin typeface="Cambria Math" panose="02040503050406030204" pitchFamily="18" charset="0"/>
+                                <a:ea typeface="Cambria Math" panose="02040503050406030204" pitchFamily="18" charset="0"/>
+                                <a:cs typeface="Calibri Light" panose="020F0302020204030204" pitchFamily="34" charset="0"/>
+                              </a:rPr>
+                              <m:t>|</m:t>
                             </m:r>
                           </m:e>
                           <m:sup>
@@ -7431,7 +8083,7 @@
             </p:txBody>
           </p:sp>
         </mc:Choice>
-        <mc:Fallback xmlns="">
+        <mc:Fallback>
           <p:sp>
             <p:nvSpPr>
               <p:cNvPr id="3" name="Content Placeholder 2"/>
@@ -7447,12 +8099,371 @@
                 <a:off x="1143000" y="1965960"/>
                 <a:ext cx="9875520" cy="4347780"/>
               </a:xfrm>
-              <a:blipFill rotWithShape="0">
+              <a:blipFill>
                 <a:blip r:embed="rId2"/>
                 <a:stretch>
                   <a:fillRect l="-494"/>
                 </a:stretch>
               </a:blipFill>
+            </p:spPr>
+            <p:txBody>
+              <a:bodyPr/>
+              <a:lstStyle/>
+              <a:p>
+                <a:r>
+                  <a:rPr lang="es-CO">
+                    <a:noFill/>
+                  </a:rPr>
+                  <a:t> </a:t>
+                </a:r>
+              </a:p>
+            </p:txBody>
+          </p:sp>
+        </mc:Fallback>
+      </mc:AlternateContent>
+      <mc:AlternateContent xmlns:mc="http://schemas.openxmlformats.org/markup-compatibility/2006">
+        <mc:Choice xmlns:a14="http://schemas.microsoft.com/office/drawing/2010/main" Requires="a14">
+          <p:sp>
+            <p:nvSpPr>
+              <p:cNvPr id="4" name="TextBox 3">
+                <a:extLst>
+                  <a:ext uri="{FF2B5EF4-FFF2-40B4-BE49-F238E27FC236}">
+                    <a16:creationId xmlns:a16="http://schemas.microsoft.com/office/drawing/2014/main" id="{5188CEAF-1F1E-430C-BC11-94E1772FC1A6}"/>
+                  </a:ext>
+                </a:extLst>
+              </p:cNvPr>
+              <p:cNvSpPr txBox="1"/>
+              <p:nvPr/>
+            </p:nvSpPr>
+            <p:spPr>
+              <a:xfrm>
+                <a:off x="8229599" y="4037299"/>
+                <a:ext cx="3144852" cy="1595052"/>
+              </a:xfrm>
+              <a:prstGeom prst="rect">
+                <a:avLst/>
+              </a:prstGeom>
+              <a:noFill/>
+              <a:ln>
+                <a:solidFill>
+                  <a:srgbClr val="C00000"/>
+                </a:solidFill>
+                <a:prstDash val="dash"/>
+              </a:ln>
+            </p:spPr>
+            <p:txBody>
+              <a:bodyPr wrap="square" rtlCol="0">
+                <a:spAutoFit/>
+              </a:bodyPr>
+              <a:lstStyle/>
+              <a:p>
+                <a:pPr algn="ctr"/>
+                <a:r>
+                  <a:rPr lang="es-CO" sz="2000" dirty="0">
+                    <a:latin typeface="Calibri Light" panose="020F0302020204030204" pitchFamily="34" charset="0"/>
+                    <a:cs typeface="Calibri Light" panose="020F0302020204030204" pitchFamily="34" charset="0"/>
+                  </a:rPr>
+                  <a:t>Cantidades macroscópicas</a:t>
+                </a:r>
+                <a:endParaRPr lang="es-CO" sz="1600" dirty="0"/>
+              </a:p>
+              <a:p>
+                <a14:m>
+                  <m:oMathPara xmlns:m="http://schemas.openxmlformats.org/officeDocument/2006/math">
+                    <m:oMathParaPr>
+                      <m:jc m:val="centerGroup"/>
+                    </m:oMathParaPr>
+                    <m:oMath xmlns:m="http://schemas.openxmlformats.org/officeDocument/2006/math">
+                      <m:r>
+                        <a:rPr lang="es-CO" sz="1600" i="1" smtClean="0">
+                          <a:latin typeface="Cambria Math" panose="02040503050406030204" pitchFamily="18" charset="0"/>
+                          <a:ea typeface="Cambria Math" panose="02040503050406030204" pitchFamily="18" charset="0"/>
+                        </a:rPr>
+                        <m:t>𝜌</m:t>
+                      </m:r>
+                      <m:r>
+                        <a:rPr lang="es-CO" sz="1600" b="0" i="1" smtClean="0">
+                          <a:latin typeface="Cambria Math" panose="02040503050406030204" pitchFamily="18" charset="0"/>
+                          <a:ea typeface="Cambria Math" panose="02040503050406030204" pitchFamily="18" charset="0"/>
+                        </a:rPr>
+                        <m:t>=</m:t>
+                      </m:r>
+                      <m:nary>
+                        <m:naryPr>
+                          <m:chr m:val="∑"/>
+                          <m:supHide m:val="on"/>
+                          <m:ctrlPr>
+                            <a:rPr lang="es-CO" sz="1600" b="0" i="1" smtClean="0">
+                              <a:latin typeface="Cambria Math" panose="02040503050406030204" pitchFamily="18" charset="0"/>
+                              <a:ea typeface="Cambria Math" panose="02040503050406030204" pitchFamily="18" charset="0"/>
+                            </a:rPr>
+                          </m:ctrlPr>
+                        </m:naryPr>
+                        <m:sub>
+                          <m:r>
+                            <m:rPr>
+                              <m:brk m:alnAt="7"/>
+                            </m:rPr>
+                            <a:rPr lang="es-CO" sz="1600" b="0" i="1" smtClean="0">
+                              <a:latin typeface="Cambria Math" panose="02040503050406030204" pitchFamily="18" charset="0"/>
+                              <a:ea typeface="Cambria Math" panose="02040503050406030204" pitchFamily="18" charset="0"/>
+                            </a:rPr>
+                            <m:t>𝛼</m:t>
+                          </m:r>
+                        </m:sub>
+                        <m:sup/>
+                        <m:e>
+                          <m:sSub>
+                            <m:sSubPr>
+                              <m:ctrlPr>
+                                <a:rPr lang="es-CO" sz="1600" b="0" i="1" smtClean="0">
+                                  <a:latin typeface="Cambria Math" panose="02040503050406030204" pitchFamily="18" charset="0"/>
+                                  <a:ea typeface="Cambria Math" panose="02040503050406030204" pitchFamily="18" charset="0"/>
+                                </a:rPr>
+                              </m:ctrlPr>
+                            </m:sSubPr>
+                            <m:e>
+                              <m:r>
+                                <a:rPr lang="es-CO" sz="1600" b="0" i="1" smtClean="0">
+                                  <a:latin typeface="Cambria Math" panose="02040503050406030204" pitchFamily="18" charset="0"/>
+                                  <a:ea typeface="Cambria Math" panose="02040503050406030204" pitchFamily="18" charset="0"/>
+                                </a:rPr>
+                                <m:t>𝑓</m:t>
+                              </m:r>
+                            </m:e>
+                            <m:sub>
+                              <m:r>
+                                <a:rPr lang="es-CO" sz="1600" b="0" i="1" smtClean="0">
+                                  <a:latin typeface="Cambria Math" panose="02040503050406030204" pitchFamily="18" charset="0"/>
+                                  <a:ea typeface="Cambria Math" panose="02040503050406030204" pitchFamily="18" charset="0"/>
+                                </a:rPr>
+                                <m:t>𝛼</m:t>
+                              </m:r>
+                            </m:sub>
+                          </m:sSub>
+                        </m:e>
+                      </m:nary>
+                    </m:oMath>
+                  </m:oMathPara>
+                </a14:m>
+                <a:endParaRPr lang="es-CO" sz="1600" dirty="0"/>
+              </a:p>
+              <a:p>
+                <a14:m>
+                  <m:oMathPara xmlns:m="http://schemas.openxmlformats.org/officeDocument/2006/math">
+                    <m:oMathParaPr>
+                      <m:jc m:val="centerGroup"/>
+                    </m:oMathParaPr>
+                    <m:oMath xmlns:m="http://schemas.openxmlformats.org/officeDocument/2006/math">
+                      <m:acc>
+                        <m:accPr>
+                          <m:chr m:val="⃗"/>
+                          <m:ctrlPr>
+                            <a:rPr lang="es-CO" sz="1600" b="0" i="1" dirty="0" smtClean="0">
+                              <a:latin typeface="Cambria Math" panose="02040503050406030204" pitchFamily="18" charset="0"/>
+                              <a:ea typeface="Cambria Math" panose="02040503050406030204" pitchFamily="18" charset="0"/>
+                              <a:cs typeface="Calibri Light" panose="020F0302020204030204" pitchFamily="34" charset="0"/>
+                            </a:rPr>
+                          </m:ctrlPr>
+                        </m:accPr>
+                        <m:e>
+                          <m:r>
+                            <a:rPr lang="es-CO" sz="1600" b="0" i="1" dirty="0" smtClean="0">
+                              <a:latin typeface="Cambria Math" panose="02040503050406030204" pitchFamily="18" charset="0"/>
+                              <a:ea typeface="Cambria Math" panose="02040503050406030204" pitchFamily="18" charset="0"/>
+                              <a:cs typeface="Calibri Light" panose="020F0302020204030204" pitchFamily="34" charset="0"/>
+                            </a:rPr>
+                            <m:t>𝑗</m:t>
+                          </m:r>
+                        </m:e>
+                      </m:acc>
+                      <m:r>
+                        <a:rPr lang="es-CO" sz="1600" i="1">
+                          <a:latin typeface="Cambria Math" panose="02040503050406030204" pitchFamily="18" charset="0"/>
+                          <a:ea typeface="Cambria Math" panose="02040503050406030204" pitchFamily="18" charset="0"/>
+                        </a:rPr>
+                        <m:t>=</m:t>
+                      </m:r>
+                      <m:r>
+                        <a:rPr lang="es-CO" sz="1600" i="1">
+                          <a:latin typeface="Cambria Math" panose="02040503050406030204" pitchFamily="18" charset="0"/>
+                          <a:ea typeface="Cambria Math" panose="02040503050406030204" pitchFamily="18" charset="0"/>
+                        </a:rPr>
+                        <m:t>𝜌</m:t>
+                      </m:r>
+                      <m:r>
+                        <a:rPr lang="es-CO" sz="1600" b="0" i="1" smtClean="0">
+                          <a:latin typeface="Cambria Math" panose="02040503050406030204" pitchFamily="18" charset="0"/>
+                          <a:ea typeface="Cambria Math" panose="02040503050406030204" pitchFamily="18" charset="0"/>
+                        </a:rPr>
+                        <m:t> </m:t>
+                      </m:r>
+                      <m:acc>
+                        <m:accPr>
+                          <m:chr m:val="⃗"/>
+                          <m:ctrlPr>
+                            <a:rPr lang="es-CO" sz="1600" b="0" i="1" smtClean="0">
+                              <a:latin typeface="Cambria Math" panose="02040503050406030204" pitchFamily="18" charset="0"/>
+                              <a:ea typeface="Cambria Math" panose="02040503050406030204" pitchFamily="18" charset="0"/>
+                            </a:rPr>
+                          </m:ctrlPr>
+                        </m:accPr>
+                        <m:e>
+                          <m:r>
+                            <a:rPr lang="es-CO" sz="1600" b="0" i="1" smtClean="0">
+                              <a:latin typeface="Cambria Math" panose="02040503050406030204" pitchFamily="18" charset="0"/>
+                              <a:ea typeface="Cambria Math" panose="02040503050406030204" pitchFamily="18" charset="0"/>
+                            </a:rPr>
+                            <m:t>𝑈</m:t>
+                          </m:r>
+                        </m:e>
+                      </m:acc>
+                      <m:r>
+                        <a:rPr lang="es-CO" sz="1600" b="0" i="1" smtClean="0">
+                          <a:latin typeface="Cambria Math" panose="02040503050406030204" pitchFamily="18" charset="0"/>
+                          <a:ea typeface="Cambria Math" panose="02040503050406030204" pitchFamily="18" charset="0"/>
+                        </a:rPr>
+                        <m:t>=</m:t>
+                      </m:r>
+                      <m:nary>
+                        <m:naryPr>
+                          <m:chr m:val="∑"/>
+                          <m:supHide m:val="on"/>
+                          <m:ctrlPr>
+                            <a:rPr lang="es-CO" sz="1600" i="1">
+                              <a:latin typeface="Cambria Math" panose="02040503050406030204" pitchFamily="18" charset="0"/>
+                              <a:ea typeface="Cambria Math" panose="02040503050406030204" pitchFamily="18" charset="0"/>
+                            </a:rPr>
+                          </m:ctrlPr>
+                        </m:naryPr>
+                        <m:sub>
+                          <m:r>
+                            <m:rPr>
+                              <m:brk m:alnAt="7"/>
+                            </m:rPr>
+                            <a:rPr lang="es-CO" sz="1600" i="1">
+                              <a:latin typeface="Cambria Math" panose="02040503050406030204" pitchFamily="18" charset="0"/>
+                              <a:ea typeface="Cambria Math" panose="02040503050406030204" pitchFamily="18" charset="0"/>
+                            </a:rPr>
+                            <m:t>𝛼</m:t>
+                          </m:r>
+                        </m:sub>
+                        <m:sup/>
+                        <m:e>
+                          <m:sSub>
+                            <m:sSubPr>
+                              <m:ctrlPr>
+                                <a:rPr lang="es-CO" sz="1600" i="1">
+                                  <a:latin typeface="Cambria Math" panose="02040503050406030204" pitchFamily="18" charset="0"/>
+                                  <a:ea typeface="Cambria Math" panose="02040503050406030204" pitchFamily="18" charset="0"/>
+                                </a:rPr>
+                              </m:ctrlPr>
+                            </m:sSubPr>
+                            <m:e>
+                              <m:r>
+                                <a:rPr lang="es-CO" sz="1600" i="1">
+                                  <a:latin typeface="Cambria Math" panose="02040503050406030204" pitchFamily="18" charset="0"/>
+                                  <a:ea typeface="Cambria Math" panose="02040503050406030204" pitchFamily="18" charset="0"/>
+                                </a:rPr>
+                                <m:t>𝑓</m:t>
+                              </m:r>
+                            </m:e>
+                            <m:sub>
+                              <m:r>
+                                <a:rPr lang="es-CO" sz="1600" i="1">
+                                  <a:latin typeface="Cambria Math" panose="02040503050406030204" pitchFamily="18" charset="0"/>
+                                  <a:ea typeface="Cambria Math" panose="02040503050406030204" pitchFamily="18" charset="0"/>
+                                </a:rPr>
+                                <m:t>𝛼</m:t>
+                              </m:r>
+                            </m:sub>
+                          </m:sSub>
+                          <m:acc>
+                            <m:accPr>
+                              <m:chr m:val="⃗"/>
+                              <m:ctrlPr>
+                                <a:rPr lang="es-CO" sz="1600" i="1">
+                                  <a:latin typeface="Cambria Math" panose="02040503050406030204" pitchFamily="18" charset="0"/>
+                                  <a:ea typeface="Cambria Math" panose="02040503050406030204" pitchFamily="18" charset="0"/>
+                                </a:rPr>
+                              </m:ctrlPr>
+                            </m:accPr>
+                            <m:e>
+                              <m:sSub>
+                                <m:sSubPr>
+                                  <m:ctrlPr>
+                                    <a:rPr lang="es-CO" sz="1600" i="1" smtClean="0">
+                                      <a:latin typeface="Cambria Math" panose="02040503050406030204" pitchFamily="18" charset="0"/>
+                                      <a:ea typeface="Cambria Math" panose="02040503050406030204" pitchFamily="18" charset="0"/>
+                                    </a:rPr>
+                                  </m:ctrlPr>
+                                </m:sSubPr>
+                                <m:e>
+                                  <m:r>
+                                    <a:rPr lang="es-CO" sz="1600" b="0" i="1" smtClean="0">
+                                      <a:latin typeface="Cambria Math" panose="02040503050406030204" pitchFamily="18" charset="0"/>
+                                      <a:ea typeface="Cambria Math" panose="02040503050406030204" pitchFamily="18" charset="0"/>
+                                    </a:rPr>
+                                    <m:t>𝑣</m:t>
+                                  </m:r>
+                                </m:e>
+                                <m:sub>
+                                  <m:r>
+                                    <a:rPr lang="es-CO" sz="1600" i="1" smtClean="0">
+                                      <a:latin typeface="Cambria Math" panose="02040503050406030204" pitchFamily="18" charset="0"/>
+                                      <a:ea typeface="Cambria Math" panose="02040503050406030204" pitchFamily="18" charset="0"/>
+                                    </a:rPr>
+                                    <m:t>𝛼</m:t>
+                                  </m:r>
+                                </m:sub>
+                              </m:sSub>
+                            </m:e>
+                          </m:acc>
+                        </m:e>
+                      </m:nary>
+                    </m:oMath>
+                  </m:oMathPara>
+                </a14:m>
+                <a:endParaRPr lang="es-CO" sz="1600" dirty="0"/>
+              </a:p>
+            </p:txBody>
+          </p:sp>
+        </mc:Choice>
+        <mc:Fallback>
+          <p:sp>
+            <p:nvSpPr>
+              <p:cNvPr id="4" name="TextBox 3">
+                <a:extLst>
+                  <a:ext uri="{FF2B5EF4-FFF2-40B4-BE49-F238E27FC236}">
+                    <a16:creationId xmlns:a16="http://schemas.microsoft.com/office/drawing/2014/main" id="{5188CEAF-1F1E-430C-BC11-94E1772FC1A6}"/>
+                  </a:ext>
+                </a:extLst>
+              </p:cNvPr>
+              <p:cNvSpPr txBox="1">
+                <a:spLocks noRot="1" noChangeAspect="1" noMove="1" noResize="1" noEditPoints="1" noAdjustHandles="1" noChangeArrowheads="1" noChangeShapeType="1" noTextEdit="1"/>
+              </p:cNvSpPr>
+              <p:nvPr/>
+            </p:nvSpPr>
+            <p:spPr>
+              <a:xfrm>
+                <a:off x="8229599" y="4037299"/>
+                <a:ext cx="3144852" cy="1595052"/>
+              </a:xfrm>
+              <a:prstGeom prst="rect">
+                <a:avLst/>
+              </a:prstGeom>
+              <a:blipFill>
+                <a:blip r:embed="rId3"/>
+                <a:stretch>
+                  <a:fillRect t="-1515"/>
+                </a:stretch>
+              </a:blipFill>
+              <a:ln>
+                <a:solidFill>
+                  <a:srgbClr val="C00000"/>
+                </a:solidFill>
+                <a:prstDash val="dash"/>
+              </a:ln>
             </p:spPr>
             <p:txBody>
               <a:bodyPr/>
@@ -7522,8 +8533,8 @@
           </a:p>
         </p:txBody>
       </p:sp>
-      <mc:AlternateContent xmlns:mc="http://schemas.openxmlformats.org/markup-compatibility/2006" xmlns:a14="http://schemas.microsoft.com/office/drawing/2010/main">
-        <mc:Choice Requires="a14">
+      <mc:AlternateContent xmlns:mc="http://schemas.openxmlformats.org/markup-compatibility/2006">
+        <mc:Choice xmlns:a14="http://schemas.microsoft.com/office/drawing/2010/main" Requires="a14">
           <p:sp>
             <p:nvSpPr>
               <p:cNvPr id="3" name="Content Placeholder 2"/>
@@ -7550,7 +8561,7 @@
                   <a:buNone/>
                 </a:pPr>
                 <a:r>
-                  <a:rPr lang="en-US" sz="2400" dirty="0">
+                  <a:rPr lang="en-US" sz="2000" dirty="0">
                     <a:solidFill>
                       <a:schemeClr val="tx1"/>
                     </a:solidFill>
@@ -7560,7 +8571,7 @@
                   <a:t>Lattice </a:t>
                 </a:r>
                 <a:r>
-                  <a:rPr lang="es-CO" dirty="0" err="1">
+                  <a:rPr lang="es-CO" sz="2000" dirty="0" err="1">
                     <a:solidFill>
                       <a:schemeClr val="tx1"/>
                     </a:solidFill>
@@ -7570,7 +8581,7 @@
                   <a:t>Boltzmann</a:t>
                 </a:r>
                 <a:r>
-                  <a:rPr lang="es-CO" dirty="0">
+                  <a:rPr lang="es-CO" sz="2000" dirty="0">
                     <a:solidFill>
                       <a:schemeClr val="tx1"/>
                     </a:solidFill>
@@ -7580,7 +8591,7 @@
                   <a:t> de múltiples tiempos de </a:t>
                 </a:r>
                 <a:r>
-                  <a:rPr lang="es-CO" dirty="0" err="1">
+                  <a:rPr lang="es-CO" sz="2000" dirty="0" err="1">
                     <a:solidFill>
                       <a:schemeClr val="tx1"/>
                     </a:solidFill>
@@ -7590,7 +8601,7 @@
                   <a:t>relajaci</a:t>
                 </a:r>
                 <a:r>
-                  <a:rPr lang="en-US" dirty="0" err="1">
+                  <a:rPr lang="en-US" sz="2000" dirty="0" err="1">
                     <a:solidFill>
                       <a:schemeClr val="tx1"/>
                     </a:solidFill>
@@ -7600,7 +8611,7 @@
                   <a:t>ón</a:t>
                 </a:r>
                 <a:r>
-                  <a:rPr lang="en-US" dirty="0">
+                  <a:rPr lang="en-US" sz="2000" dirty="0">
                     <a:solidFill>
                       <a:schemeClr val="tx1"/>
                     </a:solidFill>
@@ -7609,7 +8620,7 @@
                   </a:rPr>
                   <a:t>: </a:t>
                 </a:r>
-                <a:endParaRPr lang="es-CO" dirty="0">
+                <a:endParaRPr lang="es-CO" sz="2000" dirty="0">
                   <a:solidFill>
                     <a:schemeClr val="tx1"/>
                   </a:solidFill>
@@ -7622,7 +8633,7 @@
                   <a:buNone/>
                 </a:pPr>
                 <a:r>
-                  <a:rPr lang="en-US" dirty="0" err="1">
+                  <a:rPr lang="en-US" sz="2000" dirty="0" err="1">
                     <a:solidFill>
                       <a:schemeClr val="tx1"/>
                     </a:solidFill>
@@ -7632,7 +8643,7 @@
                   <a:t>Momentos</a:t>
                 </a:r>
                 <a:r>
-                  <a:rPr lang="en-US" dirty="0">
+                  <a:rPr lang="en-US" sz="2000" dirty="0">
                     <a:solidFill>
                       <a:schemeClr val="tx1"/>
                     </a:solidFill>
@@ -7642,7 +8653,7 @@
                   <a:t>:</a:t>
                 </a:r>
                 <a:br>
-                  <a:rPr lang="en-US" dirty="0">
+                  <a:rPr lang="en-US" sz="2000" dirty="0">
                     <a:solidFill>
                       <a:schemeClr val="tx1"/>
                     </a:solidFill>
@@ -7657,7 +8668,7 @@
                     </m:oMathParaPr>
                     <m:oMath xmlns:m="http://schemas.openxmlformats.org/officeDocument/2006/math">
                       <m:r>
-                        <a:rPr lang="en-US" sz="2400" b="0" i="1" smtClean="0">
+                        <a:rPr lang="en-US" sz="2000" b="0" i="1" smtClean="0">
                           <a:solidFill>
                             <a:schemeClr val="tx1"/>
                           </a:solidFill>
@@ -7671,7 +8682,7 @@
                           <m:begChr m:val=""/>
                           <m:endChr m:val="⟩"/>
                           <m:ctrlPr>
-                            <a:rPr lang="en-US" sz="2400" b="0" i="1" smtClean="0">
+                            <a:rPr lang="en-US" sz="2000" b="0" i="1" smtClean="0">
                               <a:solidFill>
                                 <a:schemeClr val="tx1"/>
                               </a:solidFill>
@@ -7683,7 +8694,7 @@
                         </m:dPr>
                         <m:e>
                           <m:r>
-                            <a:rPr lang="en-US" sz="2400" i="1">
+                            <a:rPr lang="en-US" sz="2000" i="1">
                               <a:solidFill>
                                 <a:schemeClr val="tx1"/>
                               </a:solidFill>
@@ -7696,7 +8707,7 @@
                         </m:e>
                       </m:d>
                       <m:r>
-                        <a:rPr lang="en-US" sz="2400" b="0" i="1" smtClean="0">
+                        <a:rPr lang="en-US" sz="2000" b="0" i="1" smtClean="0">
                           <a:solidFill>
                             <a:schemeClr val="tx1"/>
                           </a:solidFill>
@@ -7709,7 +8720,7 @@
                       <m:sSup>
                         <m:sSupPr>
                           <m:ctrlPr>
-                            <a:rPr lang="en-US" sz="2400" b="0" i="1" smtClean="0">
+                            <a:rPr lang="en-US" sz="2000" b="0" i="1" smtClean="0">
                               <a:solidFill>
                                 <a:schemeClr val="tx1"/>
                               </a:solidFill>
@@ -7721,7 +8732,7 @@
                         </m:sSupPr>
                         <m:e>
                           <m:r>
-                            <a:rPr lang="en-US" sz="2400" i="1">
+                            <a:rPr lang="en-US" sz="2000" i="1">
                               <a:solidFill>
                                 <a:schemeClr val="tx1"/>
                               </a:solidFill>
@@ -7732,7 +8743,7 @@
                             <m:t>(</m:t>
                           </m:r>
                           <m:r>
-                            <a:rPr lang="en-US" sz="2400" i="1">
+                            <a:rPr lang="en-US" sz="2000" i="1">
                               <a:solidFill>
                                 <a:schemeClr val="tx1"/>
                               </a:solidFill>
@@ -7743,7 +8754,7 @@
                             <m:t>𝜌</m:t>
                           </m:r>
                           <m:r>
-                            <a:rPr lang="en-US" sz="2400" i="1">
+                            <a:rPr lang="en-US" sz="2000" i="1">
                               <a:solidFill>
                                 <a:schemeClr val="tx1"/>
                               </a:solidFill>
@@ -7756,7 +8767,7 @@
                           <m:sSub>
                             <m:sSubPr>
                               <m:ctrlPr>
-                                <a:rPr lang="en-US" sz="2400" i="1">
+                                <a:rPr lang="en-US" sz="2000" i="1">
                                   <a:solidFill>
                                     <a:schemeClr val="tx1"/>
                                   </a:solidFill>
@@ -7768,7 +8779,7 @@
                             </m:sSubPr>
                             <m:e>
                               <m:r>
-                                <a:rPr lang="en-US" sz="2400" i="1">
+                                <a:rPr lang="en-US" sz="2000" i="1">
                                   <a:solidFill>
                                     <a:schemeClr val="tx1"/>
                                   </a:solidFill>
@@ -7781,7 +8792,7 @@
                             </m:e>
                             <m:sub>
                               <m:r>
-                                <a:rPr lang="en-US" sz="2400" i="1">
+                                <a:rPr lang="en-US" sz="2000" i="1">
                                   <a:solidFill>
                                     <a:schemeClr val="tx1"/>
                                   </a:solidFill>
@@ -7794,7 +8805,7 @@
                             </m:sub>
                           </m:sSub>
                           <m:r>
-                            <a:rPr lang="en-US" sz="2400" i="1">
+                            <a:rPr lang="en-US" sz="2000" i="1">
                               <a:solidFill>
                                 <a:schemeClr val="tx1"/>
                               </a:solidFill>
@@ -7807,7 +8818,7 @@
                           <m:sSub>
                             <m:sSubPr>
                               <m:ctrlPr>
-                                <a:rPr lang="en-US" sz="2400" i="1">
+                                <a:rPr lang="en-US" sz="2000" i="1">
                                   <a:solidFill>
                                     <a:schemeClr val="tx1"/>
                                   </a:solidFill>
@@ -7819,7 +8830,7 @@
                             </m:sSubPr>
                             <m:e>
                               <m:r>
-                                <a:rPr lang="en-US" sz="2400" i="1">
+                                <a:rPr lang="en-US" sz="2000" i="1">
                                   <a:solidFill>
                                     <a:schemeClr val="tx1"/>
                                   </a:solidFill>
@@ -7832,7 +8843,7 @@
                             </m:e>
                             <m:sub>
                               <m:r>
-                                <a:rPr lang="en-US" sz="2400" i="1">
+                                <a:rPr lang="en-US" sz="2000" i="1">
                                   <a:solidFill>
                                     <a:schemeClr val="tx1"/>
                                   </a:solidFill>
@@ -7845,7 +8856,7 @@
                             </m:sub>
                           </m:sSub>
                           <m:r>
-                            <a:rPr lang="en-US" sz="2400" i="1">
+                            <a:rPr lang="en-US" sz="2000" i="1">
                               <a:solidFill>
                                 <a:schemeClr val="tx1"/>
                               </a:solidFill>
@@ -7858,7 +8869,7 @@
                           <m:sSub>
                             <m:sSubPr>
                               <m:ctrlPr>
-                                <a:rPr lang="en-US" sz="2400" i="1">
+                                <a:rPr lang="en-US" sz="2000" i="1">
                                   <a:solidFill>
                                     <a:schemeClr val="tx1"/>
                                   </a:solidFill>
@@ -7870,7 +8881,7 @@
                             </m:sSubPr>
                             <m:e>
                               <m:r>
-                                <a:rPr lang="en-US" sz="2400" i="1">
+                                <a:rPr lang="en-US" sz="2000" i="1">
                                   <a:solidFill>
                                     <a:schemeClr val="tx1"/>
                                   </a:solidFill>
@@ -7883,7 +8894,7 @@
                             </m:e>
                             <m:sub>
                               <m:r>
-                                <a:rPr lang="en-US" sz="2400" i="1">
+                                <a:rPr lang="en-US" sz="2000" i="1">
                                   <a:solidFill>
                                     <a:schemeClr val="tx1"/>
                                   </a:solidFill>
@@ -7896,7 +8907,7 @@
                             </m:sub>
                           </m:sSub>
                           <m:r>
-                            <a:rPr lang="en-US" sz="2400" i="1">
+                            <a:rPr lang="en-US" sz="2000" i="1">
                               <a:solidFill>
                                 <a:schemeClr val="tx1"/>
                               </a:solidFill>
@@ -7909,7 +8920,7 @@
                           <m:sSub>
                             <m:sSubPr>
                               <m:ctrlPr>
-                                <a:rPr lang="en-US" sz="2400" i="1">
+                                <a:rPr lang="en-US" sz="2000" i="1">
                                   <a:solidFill>
                                     <a:schemeClr val="tx1"/>
                                   </a:solidFill>
@@ -7921,7 +8932,7 @@
                             </m:sSubPr>
                             <m:e>
                               <m:r>
-                                <a:rPr lang="en-US" sz="2400" i="1">
+                                <a:rPr lang="en-US" sz="2000" i="1">
                                   <a:solidFill>
                                     <a:schemeClr val="tx1"/>
                                   </a:solidFill>
@@ -7934,7 +8945,7 @@
                             </m:e>
                             <m:sub>
                               <m:r>
-                                <a:rPr lang="en-US" sz="2400" i="1">
+                                <a:rPr lang="en-US" sz="2000" i="1">
                                   <a:solidFill>
                                     <a:schemeClr val="tx1"/>
                                   </a:solidFill>
@@ -7947,7 +8958,7 @@
                             </m:sub>
                           </m:sSub>
                           <m:r>
-                            <a:rPr lang="en-US" sz="2400" i="1">
+                            <a:rPr lang="en-US" sz="2000" i="1">
                               <a:solidFill>
                                 <a:schemeClr val="tx1"/>
                               </a:solidFill>
@@ -7958,7 +8969,7 @@
                             <m:t>,</m:t>
                           </m:r>
                           <m:r>
-                            <a:rPr lang="en-US" sz="2400" i="1">
+                            <a:rPr lang="en-US" sz="2000" i="1">
                               <a:solidFill>
                                 <a:schemeClr val="tx1"/>
                               </a:solidFill>
@@ -7969,7 +8980,7 @@
                             <m:t>𝜀</m:t>
                           </m:r>
                           <m:r>
-                            <a:rPr lang="en-US" sz="2400" i="1">
+                            <a:rPr lang="en-US" sz="2000" i="1">
                               <a:solidFill>
                                 <a:schemeClr val="tx1"/>
                               </a:solidFill>
@@ -7980,7 +8991,7 @@
                             <m:t>,</m:t>
                           </m:r>
                           <m:r>
-                            <a:rPr lang="en-US" sz="2400" i="1">
+                            <a:rPr lang="en-US" sz="2000" i="1">
                               <a:solidFill>
                                 <a:schemeClr val="tx1"/>
                               </a:solidFill>
@@ -7991,7 +9002,7 @@
                             <m:t>𝑒</m:t>
                           </m:r>
                           <m:r>
-                            <a:rPr lang="en-US" sz="2400" i="1">
+                            <a:rPr lang="en-US" sz="2000" i="1">
                               <a:solidFill>
                                 <a:schemeClr val="tx1"/>
                               </a:solidFill>
@@ -8004,7 +9015,7 @@
                           <m:sSub>
                             <m:sSubPr>
                               <m:ctrlPr>
-                                <a:rPr lang="en-US" sz="2400" i="1">
+                                <a:rPr lang="en-US" sz="2000" i="1">
                                   <a:solidFill>
                                     <a:schemeClr val="tx1"/>
                                   </a:solidFill>
@@ -8016,7 +9027,7 @@
                             </m:sSubPr>
                             <m:e>
                               <m:r>
-                                <a:rPr lang="en-US" sz="2400" i="1">
+                                <a:rPr lang="en-US" sz="2000" i="1">
                                   <a:solidFill>
                                     <a:schemeClr val="tx1"/>
                                   </a:solidFill>
@@ -8029,7 +9040,7 @@
                             </m:e>
                             <m:sub>
                               <m:r>
-                                <a:rPr lang="en-US" sz="2400" i="1">
+                                <a:rPr lang="en-US" sz="2000" i="1">
                                   <a:solidFill>
                                     <a:schemeClr val="tx1"/>
                                   </a:solidFill>
@@ -8042,7 +9053,7 @@
                             </m:sub>
                           </m:sSub>
                           <m:r>
-                            <a:rPr lang="en-US" sz="2400" i="1">
+                            <a:rPr lang="en-US" sz="2000" i="1">
                               <a:solidFill>
                                 <a:schemeClr val="tx1"/>
                               </a:solidFill>
@@ -8055,7 +9066,7 @@
                           <m:sSub>
                             <m:sSubPr>
                               <m:ctrlPr>
-                                <a:rPr lang="en-US" sz="2400" i="1">
+                                <a:rPr lang="en-US" sz="2000" i="1">
                                   <a:solidFill>
                                     <a:schemeClr val="tx1"/>
                                   </a:solidFill>
@@ -8067,7 +9078,7 @@
                             </m:sSubPr>
                             <m:e>
                               <m:r>
-                                <a:rPr lang="en-US" sz="2400" i="1">
+                                <a:rPr lang="en-US" sz="2000" i="1">
                                   <a:solidFill>
                                     <a:schemeClr val="tx1"/>
                                   </a:solidFill>
@@ -8080,7 +9091,7 @@
                             </m:e>
                             <m:sub>
                               <m:r>
-                                <a:rPr lang="en-US" sz="2400" i="1">
+                                <a:rPr lang="en-US" sz="2000" i="1">
                                   <a:solidFill>
                                     <a:schemeClr val="tx1"/>
                                   </a:solidFill>
@@ -8093,7 +9104,7 @@
                             </m:sub>
                           </m:sSub>
                           <m:r>
-                            <a:rPr lang="en-US" sz="2400" i="1">
+                            <a:rPr lang="en-US" sz="2000" i="1">
                               <a:solidFill>
                                 <a:schemeClr val="tx1"/>
                               </a:solidFill>
@@ -8106,7 +9117,7 @@
                         </m:e>
                         <m:sup>
                           <m:r>
-                            <a:rPr lang="en-US" sz="2400" b="0" i="1" smtClean="0">
+                            <a:rPr lang="en-US" sz="2000" b="0" i="1" smtClean="0">
                               <a:solidFill>
                                 <a:schemeClr val="tx1"/>
                               </a:solidFill>
@@ -8121,7 +9132,7 @@
                     </m:oMath>
                   </m:oMathPara>
                 </a14:m>
-                <a:endParaRPr lang="es-CO" dirty="0">
+                <a:endParaRPr lang="es-CO" sz="2000" dirty="0">
                   <a:solidFill>
                     <a:schemeClr val="tx1"/>
                   </a:solidFill>
@@ -8133,7 +9144,7 @@
                 <a:pPr marL="45720" indent="0">
                   <a:buNone/>
                 </a:pPr>
-                <a:endParaRPr lang="en-US" dirty="0">
+                <a:endParaRPr lang="en-US" sz="2000" dirty="0">
                   <a:solidFill>
                     <a:schemeClr val="tx1"/>
                   </a:solidFill>
@@ -8148,7 +9159,7 @@
                 <a14:m>
                   <m:oMath xmlns:m="http://schemas.openxmlformats.org/officeDocument/2006/math">
                     <m:r>
-                      <a:rPr lang="en-US" i="1">
+                      <a:rPr lang="en-US" sz="2000" i="1">
                         <a:solidFill>
                           <a:schemeClr val="tx1"/>
                         </a:solidFill>
@@ -8161,7 +9172,7 @@
                   </m:oMath>
                 </a14:m>
                 <a:r>
-                  <a:rPr lang="es-CO" dirty="0">
+                  <a:rPr lang="es-CO" sz="2000" dirty="0">
                     <a:solidFill>
                       <a:schemeClr val="tx1"/>
                     </a:solidFill>
@@ -8180,7 +9191,7 @@
                     <m:sSub>
                       <m:sSubPr>
                         <m:ctrlPr>
-                          <a:rPr lang="en-US" i="1">
+                          <a:rPr lang="en-US" sz="2000" i="1">
                             <a:solidFill>
                               <a:schemeClr val="tx1"/>
                             </a:solidFill>
@@ -8192,7 +9203,7 @@
                       </m:sSubPr>
                       <m:e>
                         <m:r>
-                          <a:rPr lang="en-US" i="1">
+                          <a:rPr lang="en-US" sz="2000" i="1">
                             <a:solidFill>
                               <a:schemeClr val="tx1"/>
                             </a:solidFill>
@@ -8205,7 +9216,7 @@
                       </m:e>
                       <m:sub>
                         <m:r>
-                          <a:rPr lang="en-US" i="1">
+                          <a:rPr lang="en-US" sz="2000" i="1">
                             <a:solidFill>
                               <a:schemeClr val="tx1"/>
                             </a:solidFill>
@@ -8216,7 +9227,7 @@
                           <m:t>𝑥</m:t>
                         </m:r>
                         <m:r>
-                          <a:rPr lang="en-US" b="0" i="1" smtClean="0">
+                          <a:rPr lang="en-US" sz="2000" b="0" i="1" smtClean="0">
                             <a:solidFill>
                               <a:schemeClr val="tx1"/>
                             </a:solidFill>
@@ -8227,7 +9238,7 @@
                           <m:t>,</m:t>
                         </m:r>
                         <m:r>
-                          <a:rPr lang="en-US" b="0" i="1" smtClean="0">
+                          <a:rPr lang="en-US" sz="2000" b="0" i="1" smtClean="0">
                             <a:solidFill>
                               <a:schemeClr val="tx1"/>
                             </a:solidFill>
@@ -8242,7 +9253,7 @@
                   </m:oMath>
                 </a14:m>
                 <a:r>
-                  <a:rPr lang="es-CO" dirty="0">
+                  <a:rPr lang="es-CO" sz="2000" dirty="0">
                     <a:solidFill>
                       <a:schemeClr val="tx1"/>
                     </a:solidFill>
@@ -8261,7 +9272,7 @@
                     <m:sSub>
                       <m:sSubPr>
                         <m:ctrlPr>
-                          <a:rPr lang="en-US" i="1">
+                          <a:rPr lang="en-US" sz="2000" i="1">
                             <a:solidFill>
                               <a:schemeClr val="tx1"/>
                             </a:solidFill>
@@ -8273,7 +9284,7 @@
                       </m:sSubPr>
                       <m:e>
                         <m:r>
-                          <a:rPr lang="en-US" b="0" i="1" smtClean="0">
+                          <a:rPr lang="en-US" sz="2000" b="0" i="1" smtClean="0">
                             <a:solidFill>
                               <a:schemeClr val="tx1"/>
                             </a:solidFill>
@@ -8286,7 +9297,7 @@
                       </m:e>
                       <m:sub>
                         <m:r>
-                          <a:rPr lang="en-US" i="1">
+                          <a:rPr lang="en-US" sz="2000" i="1">
                             <a:solidFill>
                               <a:schemeClr val="tx1"/>
                             </a:solidFill>
@@ -8297,7 +9308,7 @@
                           <m:t>𝑥</m:t>
                         </m:r>
                         <m:r>
-                          <a:rPr lang="en-US" b="0" i="1" smtClean="0">
+                          <a:rPr lang="en-US" sz="2000" b="0" i="1" smtClean="0">
                             <a:solidFill>
                               <a:schemeClr val="tx1"/>
                             </a:solidFill>
@@ -8308,7 +9319,7 @@
                           <m:t>,</m:t>
                         </m:r>
                         <m:r>
-                          <a:rPr lang="en-US" b="0" i="1" smtClean="0">
+                          <a:rPr lang="en-US" sz="2000" b="0" i="1" smtClean="0">
                             <a:solidFill>
                               <a:schemeClr val="tx1"/>
                             </a:solidFill>
@@ -8323,7 +9334,7 @@
                   </m:oMath>
                 </a14:m>
                 <a:r>
-                  <a:rPr lang="es-CO" dirty="0">
+                  <a:rPr lang="es-CO" sz="2000" dirty="0">
                     <a:solidFill>
                       <a:schemeClr val="tx1"/>
                     </a:solidFill>
@@ -8340,7 +9351,7 @@
                 <a14:m>
                   <m:oMath xmlns:m="http://schemas.openxmlformats.org/officeDocument/2006/math">
                     <m:r>
-                      <a:rPr lang="en-US" i="1">
+                      <a:rPr lang="en-US" sz="2000" i="1">
                         <a:solidFill>
                           <a:schemeClr val="tx1"/>
                         </a:solidFill>
@@ -8353,7 +9364,7 @@
                   </m:oMath>
                 </a14:m>
                 <a:r>
-                  <a:rPr lang="es-CO" dirty="0">
+                  <a:rPr lang="es-CO" sz="2000" dirty="0">
                     <a:solidFill>
                       <a:schemeClr val="tx1"/>
                     </a:solidFill>
@@ -8363,7 +9374,7 @@
                   <a:t>           cuadrado de la </a:t>
                 </a:r>
                 <a:r>
-                  <a:rPr lang="es-CO" dirty="0" err="1">
+                  <a:rPr lang="es-CO" sz="2000" dirty="0" err="1">
                     <a:solidFill>
                       <a:schemeClr val="tx1"/>
                     </a:solidFill>
@@ -8373,7 +9384,7 @@
                   <a:t>energ</a:t>
                 </a:r>
                 <a:r>
-                  <a:rPr lang="en-US" dirty="0" err="1">
+                  <a:rPr lang="en-US" sz="2000" dirty="0" err="1">
                     <a:solidFill>
                       <a:schemeClr val="tx1"/>
                     </a:solidFill>
@@ -8382,7 +9393,7 @@
                   </a:rPr>
                   <a:t>ía</a:t>
                 </a:r>
-                <a:endParaRPr lang="en-US" dirty="0">
+                <a:endParaRPr lang="en-US" sz="2000" dirty="0">
                   <a:solidFill>
                     <a:schemeClr val="tx1"/>
                   </a:solidFill>
@@ -8397,7 +9408,7 @@
                 <a14:m>
                   <m:oMath xmlns:m="http://schemas.openxmlformats.org/officeDocument/2006/math">
                     <m:r>
-                      <a:rPr lang="en-US" i="1">
+                      <a:rPr lang="en-US" sz="2000" i="1">
                         <a:solidFill>
                           <a:schemeClr val="tx1"/>
                         </a:solidFill>
@@ -8410,7 +9421,7 @@
                   </m:oMath>
                 </a14:m>
                 <a:r>
-                  <a:rPr lang="es-CO" dirty="0">
+                  <a:rPr lang="es-CO" sz="2000" dirty="0">
                     <a:solidFill>
                       <a:schemeClr val="tx1"/>
                     </a:solidFill>
@@ -8429,7 +9440,7 @@
                     <m:sSub>
                       <m:sSubPr>
                         <m:ctrlPr>
-                          <a:rPr lang="en-US" i="1">
+                          <a:rPr lang="en-US" sz="2000" i="1">
                             <a:solidFill>
                               <a:schemeClr val="tx1"/>
                             </a:solidFill>
@@ -8441,7 +9452,7 @@
                       </m:sSubPr>
                       <m:e>
                         <m:r>
-                          <a:rPr lang="en-US" i="1">
+                          <a:rPr lang="en-US" sz="2000" i="1">
                             <a:solidFill>
                               <a:schemeClr val="tx1"/>
                             </a:solidFill>
@@ -8454,7 +9465,7 @@
                       </m:e>
                       <m:sub>
                         <m:r>
-                          <a:rPr lang="en-US" i="1">
+                          <a:rPr lang="en-US" sz="2000" i="1">
                             <a:solidFill>
                               <a:schemeClr val="tx1"/>
                             </a:solidFill>
@@ -8465,7 +9476,7 @@
                           <m:t>𝑥𝑥</m:t>
                         </m:r>
                         <m:r>
-                          <a:rPr lang="en-US" b="0" i="1" smtClean="0">
+                          <a:rPr lang="en-US" sz="2000" b="0" i="1" smtClean="0">
                             <a:solidFill>
                               <a:schemeClr val="tx1"/>
                             </a:solidFill>
@@ -8476,7 +9487,7 @@
                           <m:t>,</m:t>
                         </m:r>
                         <m:r>
-                          <a:rPr lang="en-US" b="0" i="1" smtClean="0">
+                          <a:rPr lang="en-US" sz="2000" b="0" i="1" smtClean="0">
                             <a:solidFill>
                               <a:schemeClr val="tx1"/>
                             </a:solidFill>
@@ -8491,7 +9502,7 @@
                   </m:oMath>
                 </a14:m>
                 <a:r>
-                  <a:rPr lang="es-CO" dirty="0">
+                  <a:rPr lang="es-CO" sz="2000" dirty="0">
                     <a:solidFill>
                       <a:schemeClr val="tx1"/>
                     </a:solidFill>
@@ -8504,7 +9515,7 @@
             </p:txBody>
           </p:sp>
         </mc:Choice>
-        <mc:Fallback xmlns="">
+        <mc:Fallback>
           <p:sp>
             <p:nvSpPr>
               <p:cNvPr id="3" name="Content Placeholder 2"/>
@@ -8520,10 +9531,10 @@
                 <a:off x="1143000" y="1965960"/>
                 <a:ext cx="6763871" cy="4347780"/>
               </a:xfrm>
-              <a:blipFill rotWithShape="0">
+              <a:blipFill>
                 <a:blip r:embed="rId2"/>
                 <a:stretch>
-                  <a:fillRect l="-721" t="-2665" b="-2525"/>
+                  <a:fillRect l="-271" t="-2104"/>
                 </a:stretch>
               </a:blipFill>
             </p:spPr>
@@ -8552,8 +9563,8 @@
             </p:nvSpPr>
             <p:spPr>
               <a:xfrm>
-                <a:off x="7108902" y="3077391"/>
-                <a:ext cx="1682127" cy="461665"/>
+                <a:off x="7310087" y="3074263"/>
+                <a:ext cx="1435072" cy="400110"/>
               </a:xfrm>
               <a:prstGeom prst="rect">
                 <a:avLst/>
@@ -8573,7 +9584,7 @@
                     </m:oMathParaPr>
                     <m:oMath xmlns:m="http://schemas.openxmlformats.org/officeDocument/2006/math">
                       <m:r>
-                        <a:rPr lang="en-US" sz="2400" i="1" smtClean="0">
+                        <a:rPr lang="en-US" sz="2000" i="1" smtClean="0">
                           <a:latin typeface="Cambria Math" panose="02040503050406030204" pitchFamily="18" charset="0"/>
                           <a:cs typeface="Calibri Light" panose="020F0302020204030204" pitchFamily="34" charset="0"/>
                         </a:rPr>
@@ -8584,7 +9595,7 @@
                           <m:begChr m:val=""/>
                           <m:endChr m:val="⟩"/>
                           <m:ctrlPr>
-                            <a:rPr lang="en-US" sz="2400" i="1">
+                            <a:rPr lang="en-US" sz="2000" i="1">
                               <a:latin typeface="Cambria Math" panose="02040503050406030204" pitchFamily="18" charset="0"/>
                               <a:ea typeface="Cambria Math" panose="02040503050406030204" pitchFamily="18" charset="0"/>
                               <a:cs typeface="Calibri Light" panose="020F0302020204030204" pitchFamily="34" charset="0"/>
@@ -8593,7 +9604,7 @@
                         </m:dPr>
                         <m:e>
                           <m:r>
-                            <a:rPr lang="en-US" sz="2400" i="1">
+                            <a:rPr lang="en-US" sz="2000" i="1">
                               <a:latin typeface="Cambria Math" panose="02040503050406030204" pitchFamily="18" charset="0"/>
                               <a:ea typeface="Cambria Math" panose="02040503050406030204" pitchFamily="18" charset="0"/>
                               <a:cs typeface="Calibri Light" panose="020F0302020204030204" pitchFamily="34" charset="0"/>
@@ -8603,7 +9614,7 @@
                         </m:e>
                       </m:d>
                       <m:r>
-                        <a:rPr lang="en-US" sz="2400" i="1">
+                        <a:rPr lang="en-US" sz="2000" i="1">
                           <a:latin typeface="Cambria Math" panose="02040503050406030204" pitchFamily="18" charset="0"/>
                           <a:ea typeface="Cambria Math" panose="02040503050406030204" pitchFamily="18" charset="0"/>
                           <a:cs typeface="Calibri Light" panose="020F0302020204030204" pitchFamily="34" charset="0"/>
@@ -8611,7 +9622,7 @@
                         <m:t>=</m:t>
                       </m:r>
                       <m:r>
-                        <a:rPr lang="en-US" sz="2400" b="0" i="1" smtClean="0">
+                        <a:rPr lang="en-US" sz="2000" b="0" i="1" smtClean="0">
                           <a:latin typeface="Cambria Math" panose="02040503050406030204" pitchFamily="18" charset="0"/>
                           <a:ea typeface="Cambria Math" panose="02040503050406030204" pitchFamily="18" charset="0"/>
                           <a:cs typeface="Calibri Light" panose="020F0302020204030204" pitchFamily="34" charset="0"/>
@@ -8619,7 +9630,7 @@
                         <m:t>𝑀</m:t>
                       </m:r>
                       <m:r>
-                        <a:rPr lang="en-US" sz="2400" i="1">
+                        <a:rPr lang="en-US" sz="2000" i="1">
                           <a:latin typeface="Cambria Math" panose="02040503050406030204" pitchFamily="18" charset="0"/>
                           <a:cs typeface="Calibri Light" panose="020F0302020204030204" pitchFamily="34" charset="0"/>
                         </a:rPr>
@@ -8630,7 +9641,7 @@
                           <m:begChr m:val=""/>
                           <m:endChr m:val="⟩"/>
                           <m:ctrlPr>
-                            <a:rPr lang="en-US" sz="2400" i="1">
+                            <a:rPr lang="en-US" sz="2000" i="1">
                               <a:latin typeface="Cambria Math" panose="02040503050406030204" pitchFamily="18" charset="0"/>
                               <a:ea typeface="Cambria Math" panose="02040503050406030204" pitchFamily="18" charset="0"/>
                               <a:cs typeface="Calibri Light" panose="020F0302020204030204" pitchFamily="34" charset="0"/>
@@ -8639,7 +9650,7 @@
                         </m:dPr>
                         <m:e>
                           <m:r>
-                            <a:rPr lang="en-US" sz="2400" b="0" i="1" smtClean="0">
+                            <a:rPr lang="en-US" sz="2000" b="0" i="1" smtClean="0">
                               <a:latin typeface="Cambria Math" panose="02040503050406030204" pitchFamily="18" charset="0"/>
                               <a:ea typeface="Cambria Math" panose="02040503050406030204" pitchFamily="18" charset="0"/>
                               <a:cs typeface="Calibri Light" panose="020F0302020204030204" pitchFamily="34" charset="0"/>
@@ -8651,7 +9662,7 @@
                     </m:oMath>
                   </m:oMathPara>
                 </a14:m>
-                <a:endParaRPr lang="es-CO" sz="2400" dirty="0"/>
+                <a:endParaRPr lang="es-CO" sz="2000" dirty="0"/>
               </a:p>
             </p:txBody>
           </p:sp>
@@ -8667,8 +9678,8 @@
             </p:nvSpPr>
             <p:spPr>
               <a:xfrm>
-                <a:off x="7108902" y="3077391"/>
-                <a:ext cx="1682127" cy="461665"/>
+                <a:off x="7310087" y="3074263"/>
+                <a:ext cx="1435072" cy="400110"/>
               </a:xfrm>
               <a:prstGeom prst="rect">
                 <a:avLst/>
@@ -8676,7 +9687,7 @@
               <a:blipFill>
                 <a:blip r:embed="rId3"/>
                 <a:stretch>
-                  <a:fillRect l="-9783" t="-130263" r="-36594" b="-194737"/>
+                  <a:fillRect l="-8051" t="-122727" r="-34322" b="-181818"/>
                 </a:stretch>
               </a:blipFill>
             </p:spPr>
@@ -8706,7 +9717,7 @@
             <p:spPr>
               <a:xfrm>
                 <a:off x="9242898" y="3074263"/>
-                <a:ext cx="1988237" cy="461665"/>
+                <a:ext cx="1690976" cy="400110"/>
               </a:xfrm>
               <a:prstGeom prst="rect">
                 <a:avLst/>
@@ -8726,7 +9737,7 @@
                     </m:oMathParaPr>
                     <m:oMath xmlns:m="http://schemas.openxmlformats.org/officeDocument/2006/math">
                       <m:r>
-                        <a:rPr lang="en-US" sz="2400" i="1" smtClean="0">
+                        <a:rPr lang="en-US" sz="2000" i="1" smtClean="0">
                           <a:latin typeface="Cambria Math" panose="02040503050406030204" pitchFamily="18" charset="0"/>
                           <a:cs typeface="Calibri Light" panose="020F0302020204030204" pitchFamily="34" charset="0"/>
                         </a:rPr>
@@ -8737,7 +9748,7 @@
                           <m:begChr m:val=""/>
                           <m:endChr m:val="⟩"/>
                           <m:ctrlPr>
-                            <a:rPr lang="en-US" sz="2400" i="1" smtClean="0">
+                            <a:rPr lang="en-US" sz="2000" i="1" smtClean="0">
                               <a:latin typeface="Cambria Math" panose="02040503050406030204" pitchFamily="18" charset="0"/>
                               <a:ea typeface="Cambria Math" panose="02040503050406030204" pitchFamily="18" charset="0"/>
                               <a:cs typeface="Calibri Light" panose="020F0302020204030204" pitchFamily="34" charset="0"/>
@@ -8746,7 +9757,7 @@
                         </m:dPr>
                         <m:e>
                           <m:r>
-                            <a:rPr lang="en-US" sz="2400" b="0" i="1" smtClean="0">
+                            <a:rPr lang="en-US" sz="2000" b="0" i="1" smtClean="0">
                               <a:latin typeface="Cambria Math" panose="02040503050406030204" pitchFamily="18" charset="0"/>
                               <a:ea typeface="Cambria Math" panose="02040503050406030204" pitchFamily="18" charset="0"/>
                               <a:cs typeface="Calibri Light" panose="020F0302020204030204" pitchFamily="34" charset="0"/>
@@ -8756,7 +9767,7 @@
                         </m:e>
                       </m:d>
                       <m:r>
-                        <a:rPr lang="en-US" sz="2400" i="1">
+                        <a:rPr lang="en-US" sz="2000" i="1">
                           <a:latin typeface="Cambria Math" panose="02040503050406030204" pitchFamily="18" charset="0"/>
                           <a:ea typeface="Cambria Math" panose="02040503050406030204" pitchFamily="18" charset="0"/>
                           <a:cs typeface="Calibri Light" panose="020F0302020204030204" pitchFamily="34" charset="0"/>
@@ -8766,7 +9777,7 @@
                       <m:sSup>
                         <m:sSupPr>
                           <m:ctrlPr>
-                            <a:rPr lang="en-US" sz="2400" i="1" smtClean="0">
+                            <a:rPr lang="en-US" sz="2000" i="1" smtClean="0">
                               <a:latin typeface="Cambria Math" panose="02040503050406030204" pitchFamily="18" charset="0"/>
                               <a:ea typeface="Cambria Math" panose="02040503050406030204" pitchFamily="18" charset="0"/>
                               <a:cs typeface="Calibri Light" panose="020F0302020204030204" pitchFamily="34" charset="0"/>
@@ -8775,7 +9786,7 @@
                         </m:sSupPr>
                         <m:e>
                           <m:r>
-                            <a:rPr lang="en-US" sz="2400" b="0" i="1" smtClean="0">
+                            <a:rPr lang="en-US" sz="2000" b="0" i="1" smtClean="0">
                               <a:latin typeface="Cambria Math" panose="02040503050406030204" pitchFamily="18" charset="0"/>
                               <a:ea typeface="Cambria Math" panose="02040503050406030204" pitchFamily="18" charset="0"/>
                               <a:cs typeface="Calibri Light" panose="020F0302020204030204" pitchFamily="34" charset="0"/>
@@ -8785,7 +9796,7 @@
                         </m:e>
                         <m:sup>
                           <m:r>
-                            <a:rPr lang="en-US" sz="2400" b="0" i="1" smtClean="0">
+                            <a:rPr lang="en-US" sz="2000" b="0" i="1" smtClean="0">
                               <a:latin typeface="Cambria Math" panose="02040503050406030204" pitchFamily="18" charset="0"/>
                               <a:ea typeface="Cambria Math" panose="02040503050406030204" pitchFamily="18" charset="0"/>
                               <a:cs typeface="Calibri Light" panose="020F0302020204030204" pitchFamily="34" charset="0"/>
@@ -8795,7 +9806,7 @@
                         </m:sup>
                       </m:sSup>
                       <m:r>
-                        <a:rPr lang="en-US" sz="2400" i="1">
+                        <a:rPr lang="en-US" sz="2000" i="1">
                           <a:latin typeface="Cambria Math" panose="02040503050406030204" pitchFamily="18" charset="0"/>
                           <a:cs typeface="Calibri Light" panose="020F0302020204030204" pitchFamily="34" charset="0"/>
                         </a:rPr>
@@ -8806,7 +9817,7 @@
                           <m:begChr m:val=""/>
                           <m:endChr m:val="⟩"/>
                           <m:ctrlPr>
-                            <a:rPr lang="en-US" sz="2400" i="1">
+                            <a:rPr lang="en-US" sz="2000" i="1">
                               <a:latin typeface="Cambria Math" panose="02040503050406030204" pitchFamily="18" charset="0"/>
                               <a:ea typeface="Cambria Math" panose="02040503050406030204" pitchFamily="18" charset="0"/>
                               <a:cs typeface="Calibri Light" panose="020F0302020204030204" pitchFamily="34" charset="0"/>
@@ -8815,7 +9826,7 @@
                         </m:dPr>
                         <m:e>
                           <m:r>
-                            <a:rPr lang="en-US" sz="2400" i="1">
+                            <a:rPr lang="en-US" sz="2000" i="1">
                               <a:latin typeface="Cambria Math" panose="02040503050406030204" pitchFamily="18" charset="0"/>
                               <a:ea typeface="Cambria Math" panose="02040503050406030204" pitchFamily="18" charset="0"/>
                               <a:cs typeface="Calibri Light" panose="020F0302020204030204" pitchFamily="34" charset="0"/>
@@ -8827,7 +9838,7 @@
                     </m:oMath>
                   </m:oMathPara>
                 </a14:m>
-                <a:endParaRPr lang="es-CO" sz="2400" dirty="0"/>
+                <a:endParaRPr lang="es-CO" sz="2000" dirty="0"/>
               </a:p>
             </p:txBody>
           </p:sp>
@@ -8844,7 +9855,7 @@
             <p:spPr>
               <a:xfrm>
                 <a:off x="9242898" y="3074263"/>
-                <a:ext cx="1988237" cy="461665"/>
+                <a:ext cx="1690976" cy="400110"/>
               </a:xfrm>
               <a:prstGeom prst="rect">
                 <a:avLst/>
@@ -8852,7 +9863,7 @@
               <a:blipFill>
                 <a:blip r:embed="rId4"/>
                 <a:stretch>
-                  <a:fillRect l="-8282" t="-130263" r="-31288" b="-194737"/>
+                  <a:fillRect l="-6475" t="-122727" r="-29496" b="-181818"/>
                 </a:stretch>
               </a:blipFill>
             </p:spPr>
@@ -8881,8 +9892,8 @@
             </p:nvSpPr>
             <p:spPr>
               <a:xfrm>
-                <a:off x="5418050" y="3783984"/>
-                <a:ext cx="6190990" cy="2448812"/>
+                <a:off x="5781519" y="3798988"/>
+                <a:ext cx="5524910" cy="2187009"/>
               </a:xfrm>
               <a:prstGeom prst="rect">
                 <a:avLst/>
@@ -8895,19 +9906,21 @@
               <a:lstStyle/>
               <a:p>
                 <a:r>
-                  <a:rPr lang="en-US" sz="2200" dirty="0">
+                  <a:rPr lang="en-US" sz="2000" dirty="0">
+                    <a:latin typeface="Calibri Light" panose="020F0302020204030204" pitchFamily="34" charset="0"/>
                     <a:cs typeface="Calibri Light" panose="020F0302020204030204" pitchFamily="34" charset="0"/>
                   </a:rPr>
                   <a:t>d</a:t>
                 </a:r>
                 <a:r>
-                  <a:rPr lang="en-US" sz="2200" dirty="0" err="1">
+                  <a:rPr lang="en-US" sz="2000" dirty="0" err="1">
+                    <a:latin typeface="Calibri Light" panose="020F0302020204030204" pitchFamily="34" charset="0"/>
                     <a:cs typeface="Calibri Light" panose="020F0302020204030204" pitchFamily="34" charset="0"/>
                   </a:rPr>
                   <a:t>onde</a:t>
                 </a:r>
                 <a:r>
-                  <a:rPr lang="en-US" sz="2200" dirty="0">
+                  <a:rPr lang="en-US" sz="2000" dirty="0">
                     <a:cs typeface="Calibri Light" panose="020F0302020204030204" pitchFamily="34" charset="0"/>
                   </a:rPr>
                   <a:t> </a:t>
@@ -8915,21 +9928,21 @@
                 <a14:m>
                   <m:oMath xmlns:m="http://schemas.openxmlformats.org/officeDocument/2006/math">
                     <m:r>
-                      <a:rPr lang="en-US" b="0" i="0" smtClean="0">
+                      <a:rPr lang="en-US" sz="1600" b="0" i="0" smtClean="0">
                         <a:latin typeface="Cambria Math" panose="02040503050406030204" pitchFamily="18" charset="0"/>
                         <a:cs typeface="Calibri Light" panose="020F0302020204030204" pitchFamily="34" charset="0"/>
                       </a:rPr>
                       <m:t> </m:t>
                     </m:r>
                     <m:r>
-                      <a:rPr lang="en-US" i="1">
+                      <a:rPr lang="en-US" sz="1600" i="1" smtClean="0">
                         <a:latin typeface="Cambria Math" panose="02040503050406030204" pitchFamily="18" charset="0"/>
                         <a:cs typeface="Calibri Light" panose="020F0302020204030204" pitchFamily="34" charset="0"/>
                       </a:rPr>
                       <m:t>𝑀</m:t>
                     </m:r>
                     <m:r>
-                      <a:rPr lang="en-US" i="1">
+                      <a:rPr lang="en-US" sz="1600" i="1" smtClean="0">
                         <a:latin typeface="Cambria Math" panose="02040503050406030204" pitchFamily="18" charset="0"/>
                         <a:cs typeface="Calibri Light" panose="020F0302020204030204" pitchFamily="34" charset="0"/>
                       </a:rPr>
@@ -8938,7 +9951,7 @@
                     <m:d>
                       <m:dPr>
                         <m:ctrlPr>
-                          <a:rPr lang="en-US" i="1">
+                          <a:rPr lang="en-US" sz="1600" i="1">
                             <a:latin typeface="Cambria Math" panose="02040503050406030204" pitchFamily="18" charset="0"/>
                             <a:cs typeface="Calibri Light" panose="020F0302020204030204" pitchFamily="34" charset="0"/>
                           </a:rPr>
@@ -8956,7 +9969,7 @@
                               </m:mc>
                             </m:mcs>
                             <m:ctrlPr>
-                              <a:rPr lang="en-US" i="1">
+                              <a:rPr lang="en-US" sz="1600" i="1">
                                 <a:latin typeface="Cambria Math" panose="02040503050406030204" pitchFamily="18" charset="0"/>
                                 <a:cs typeface="Calibri Light" panose="020F0302020204030204" pitchFamily="34" charset="0"/>
                               </a:rPr>
@@ -8968,7 +9981,7 @@
                                 <m:rPr>
                                   <m:brk m:alnAt="7"/>
                                 </m:rPr>
-                                <a:rPr lang="en-US" i="1">
+                                <a:rPr lang="en-US" sz="1600" i="1">
                                   <a:latin typeface="Cambria Math" panose="02040503050406030204" pitchFamily="18" charset="0"/>
                                   <a:cs typeface="Calibri Light" panose="020F0302020204030204" pitchFamily="34" charset="0"/>
                                 </a:rPr>
@@ -8977,7 +9990,7 @@
                             </m:e>
                             <m:e>
                               <m:r>
-                                <a:rPr lang="en-US" i="1">
+                                <a:rPr lang="en-US" sz="1600" i="1">
                                   <a:latin typeface="Cambria Math" panose="02040503050406030204" pitchFamily="18" charset="0"/>
                                   <a:cs typeface="Calibri Light" panose="020F0302020204030204" pitchFamily="34" charset="0"/>
                                 </a:rPr>
@@ -8986,7 +9999,7 @@
                             </m:e>
                             <m:e>
                               <m:r>
-                                <a:rPr lang="en-US" i="1">
+                                <a:rPr lang="en-US" sz="1600" i="1">
                                   <a:latin typeface="Cambria Math" panose="02040503050406030204" pitchFamily="18" charset="0"/>
                                   <a:cs typeface="Calibri Light" panose="020F0302020204030204" pitchFamily="34" charset="0"/>
                                 </a:rPr>
@@ -8997,7 +10010,7 @@
                           <m:mr>
                             <m:e>
                               <m:r>
-                                <a:rPr lang="en-US" i="1">
+                                <a:rPr lang="en-US" sz="1600" i="1">
                                   <a:latin typeface="Cambria Math" panose="02040503050406030204" pitchFamily="18" charset="0"/>
                                   <a:cs typeface="Calibri Light" panose="020F0302020204030204" pitchFamily="34" charset="0"/>
                                 </a:rPr>
@@ -9006,7 +10019,7 @@
                             </m:e>
                             <m:e>
                               <m:r>
-                                <a:rPr lang="en-US" i="1">
+                                <a:rPr lang="en-US" sz="1600" i="1">
                                   <a:latin typeface="Cambria Math" panose="02040503050406030204" pitchFamily="18" charset="0"/>
                                   <a:cs typeface="Calibri Light" panose="020F0302020204030204" pitchFamily="34" charset="0"/>
                                 </a:rPr>
@@ -9015,7 +10028,7 @@
                             </m:e>
                             <m:e>
                               <m:r>
-                                <a:rPr lang="en-US" i="1">
+                                <a:rPr lang="en-US" sz="1600" i="1">
                                   <a:latin typeface="Cambria Math" panose="02040503050406030204" pitchFamily="18" charset="0"/>
                                   <a:cs typeface="Calibri Light" panose="020F0302020204030204" pitchFamily="34" charset="0"/>
                                 </a:rPr>
@@ -9026,7 +10039,7 @@
                           <m:mr>
                             <m:e>
                               <m:r>
-                                <a:rPr lang="en-US" i="1">
+                                <a:rPr lang="en-US" sz="1600" i="1">
                                   <a:latin typeface="Cambria Math" panose="02040503050406030204" pitchFamily="18" charset="0"/>
                                   <a:cs typeface="Calibri Light" panose="020F0302020204030204" pitchFamily="34" charset="0"/>
                                 </a:rPr>
@@ -9035,7 +10048,7 @@
                             </m:e>
                             <m:e>
                               <m:r>
-                                <a:rPr lang="en-US" i="1">
+                                <a:rPr lang="en-US" sz="1600" i="1">
                                   <a:latin typeface="Cambria Math" panose="02040503050406030204" pitchFamily="18" charset="0"/>
                                   <a:cs typeface="Calibri Light" panose="020F0302020204030204" pitchFamily="34" charset="0"/>
                                 </a:rPr>
@@ -9044,7 +10057,7 @@
                             </m:e>
                             <m:e>
                               <m:r>
-                                <a:rPr lang="en-US" i="1">
+                                <a:rPr lang="en-US" sz="1600" i="1">
                                   <a:latin typeface="Cambria Math" panose="02040503050406030204" pitchFamily="18" charset="0"/>
                                   <a:cs typeface="Calibri Light" panose="020F0302020204030204" pitchFamily="34" charset="0"/>
                                 </a:rPr>
@@ -9055,7 +10068,7 @@
                           <m:mr>
                             <m:e>
                               <m:r>
-                                <a:rPr lang="en-US" i="1">
+                                <a:rPr lang="en-US" sz="1600" i="1">
                                   <a:latin typeface="Cambria Math" panose="02040503050406030204" pitchFamily="18" charset="0"/>
                                   <a:cs typeface="Calibri Light" panose="020F0302020204030204" pitchFamily="34" charset="0"/>
                                 </a:rPr>
@@ -9064,7 +10077,7 @@
                             </m:e>
                             <m:e>
                               <m:r>
-                                <a:rPr lang="en-US" i="1">
+                                <a:rPr lang="en-US" sz="1600" i="1">
                                   <a:latin typeface="Cambria Math" panose="02040503050406030204" pitchFamily="18" charset="0"/>
                                   <a:cs typeface="Calibri Light" panose="020F0302020204030204" pitchFamily="34" charset="0"/>
                                 </a:rPr>
@@ -9073,7 +10086,7 @@
                             </m:e>
                             <m:e>
                               <m:r>
-                                <a:rPr lang="en-US" i="1">
+                                <a:rPr lang="en-US" sz="1600" i="1">
                                   <a:latin typeface="Cambria Math" panose="02040503050406030204" pitchFamily="18" charset="0"/>
                                   <a:cs typeface="Calibri Light" panose="020F0302020204030204" pitchFamily="34" charset="0"/>
                                 </a:rPr>
@@ -9084,7 +10097,7 @@
                           <m:mr>
                             <m:e>
                               <m:r>
-                                <a:rPr lang="en-US" i="1">
+                                <a:rPr lang="en-US" sz="1600" i="1">
                                   <a:latin typeface="Cambria Math" panose="02040503050406030204" pitchFamily="18" charset="0"/>
                                   <a:cs typeface="Calibri Light" panose="020F0302020204030204" pitchFamily="34" charset="0"/>
                                 </a:rPr>
@@ -9093,7 +10106,7 @@
                             </m:e>
                             <m:e>
                               <m:r>
-                                <a:rPr lang="en-US" i="1">
+                                <a:rPr lang="en-US" sz="1600" i="1">
                                   <a:latin typeface="Cambria Math" panose="02040503050406030204" pitchFamily="18" charset="0"/>
                                   <a:cs typeface="Calibri Light" panose="020F0302020204030204" pitchFamily="34" charset="0"/>
                                 </a:rPr>
@@ -9102,7 +10115,7 @@
                             </m:e>
                             <m:e>
                               <m:r>
-                                <a:rPr lang="en-US" i="1">
+                                <a:rPr lang="en-US" sz="1600" i="1">
                                   <a:latin typeface="Cambria Math" panose="02040503050406030204" pitchFamily="18" charset="0"/>
                                   <a:cs typeface="Calibri Light" panose="020F0302020204030204" pitchFamily="34" charset="0"/>
                                 </a:rPr>
@@ -9113,7 +10126,7 @@
                           <m:mr>
                             <m:e>
                               <m:r>
-                                <a:rPr lang="en-US" i="1">
+                                <a:rPr lang="en-US" sz="1600" i="1">
                                   <a:latin typeface="Cambria Math" panose="02040503050406030204" pitchFamily="18" charset="0"/>
                                   <a:cs typeface="Calibri Light" panose="020F0302020204030204" pitchFamily="34" charset="0"/>
                                 </a:rPr>
@@ -9122,7 +10135,7 @@
                             </m:e>
                             <m:e>
                               <m:r>
-                                <a:rPr lang="en-US" i="1">
+                                <a:rPr lang="en-US" sz="1600" i="1">
                                   <a:latin typeface="Cambria Math" panose="02040503050406030204" pitchFamily="18" charset="0"/>
                                   <a:cs typeface="Calibri Light" panose="020F0302020204030204" pitchFamily="34" charset="0"/>
                                 </a:rPr>
@@ -9131,7 +10144,7 @@
                             </m:e>
                             <m:e>
                               <m:r>
-                                <a:rPr lang="en-US" i="1">
+                                <a:rPr lang="en-US" sz="1600" i="1">
                                   <a:latin typeface="Cambria Math" panose="02040503050406030204" pitchFamily="18" charset="0"/>
                                   <a:cs typeface="Calibri Light" panose="020F0302020204030204" pitchFamily="34" charset="0"/>
                                 </a:rPr>
@@ -9142,7 +10155,7 @@
                           <m:mr>
                             <m:e>
                               <m:r>
-                                <a:rPr lang="en-US" i="1">
+                                <a:rPr lang="en-US" sz="1600" i="1">
                                   <a:latin typeface="Cambria Math" panose="02040503050406030204" pitchFamily="18" charset="0"/>
                                   <a:cs typeface="Calibri Light" panose="020F0302020204030204" pitchFamily="34" charset="0"/>
                                 </a:rPr>
@@ -9151,7 +10164,7 @@
                             </m:e>
                             <m:e>
                               <m:r>
-                                <a:rPr lang="en-US" i="1">
+                                <a:rPr lang="en-US" sz="1600" i="1">
                                   <a:latin typeface="Cambria Math" panose="02040503050406030204" pitchFamily="18" charset="0"/>
                                   <a:cs typeface="Calibri Light" panose="020F0302020204030204" pitchFamily="34" charset="0"/>
                                 </a:rPr>
@@ -9160,7 +10173,7 @@
                             </m:e>
                             <m:e>
                               <m:r>
-                                <a:rPr lang="en-US" i="1">
+                                <a:rPr lang="en-US" sz="1600" i="1">
                                   <a:latin typeface="Cambria Math" panose="02040503050406030204" pitchFamily="18" charset="0"/>
                                   <a:cs typeface="Calibri Light" panose="020F0302020204030204" pitchFamily="34" charset="0"/>
                                 </a:rPr>
@@ -9171,7 +10184,7 @@
                           <m:mr>
                             <m:e>
                               <m:r>
-                                <a:rPr lang="en-US" i="1">
+                                <a:rPr lang="en-US" sz="1600" i="1">
                                   <a:latin typeface="Cambria Math" panose="02040503050406030204" pitchFamily="18" charset="0"/>
                                   <a:cs typeface="Calibri Light" panose="020F0302020204030204" pitchFamily="34" charset="0"/>
                                 </a:rPr>
@@ -9180,7 +10193,7 @@
                             </m:e>
                             <m:e>
                               <m:r>
-                                <a:rPr lang="en-US" i="1">
+                                <a:rPr lang="en-US" sz="1600" i="1">
                                   <a:latin typeface="Cambria Math" panose="02040503050406030204" pitchFamily="18" charset="0"/>
                                   <a:cs typeface="Calibri Light" panose="020F0302020204030204" pitchFamily="34" charset="0"/>
                                 </a:rPr>
@@ -9189,7 +10202,7 @@
                             </m:e>
                             <m:e>
                               <m:r>
-                                <a:rPr lang="en-US" i="1">
+                                <a:rPr lang="en-US" sz="1600" i="1">
                                   <a:latin typeface="Cambria Math" panose="02040503050406030204" pitchFamily="18" charset="0"/>
                                   <a:cs typeface="Calibri Light" panose="020F0302020204030204" pitchFamily="34" charset="0"/>
                                 </a:rPr>
@@ -9200,7 +10213,7 @@
                           <m:mr>
                             <m:e>
                               <m:r>
-                                <a:rPr lang="en-US" i="1">
+                                <a:rPr lang="en-US" sz="1600" i="1">
                                   <a:latin typeface="Cambria Math" panose="02040503050406030204" pitchFamily="18" charset="0"/>
                                   <a:cs typeface="Calibri Light" panose="020F0302020204030204" pitchFamily="34" charset="0"/>
                                 </a:rPr>
@@ -9209,7 +10222,7 @@
                             </m:e>
                             <m:e>
                               <m:r>
-                                <a:rPr lang="en-US" i="1">
+                                <a:rPr lang="en-US" sz="1600" i="1">
                                   <a:latin typeface="Cambria Math" panose="02040503050406030204" pitchFamily="18" charset="0"/>
                                   <a:cs typeface="Calibri Light" panose="020F0302020204030204" pitchFamily="34" charset="0"/>
                                 </a:rPr>
@@ -9218,7 +10231,7 @@
                             </m:e>
                             <m:e>
                               <m:r>
-                                <a:rPr lang="en-US" i="1">
+                                <a:rPr lang="en-US" sz="1600" i="1">
                                   <a:latin typeface="Cambria Math" panose="02040503050406030204" pitchFamily="18" charset="0"/>
                                   <a:cs typeface="Calibri Light" panose="020F0302020204030204" pitchFamily="34" charset="0"/>
                                 </a:rPr>
@@ -9228,7 +10241,7 @@
                           </m:mr>
                         </m:m>
                         <m:r>
-                          <a:rPr lang="en-US" i="1">
+                          <a:rPr lang="en-US" sz="1600" i="1">
                             <a:latin typeface="Cambria Math" panose="02040503050406030204" pitchFamily="18" charset="0"/>
                             <a:cs typeface="Calibri Light" panose="020F0302020204030204" pitchFamily="34" charset="0"/>
                           </a:rPr>
@@ -9245,7 +10258,7 @@
                               </m:mc>
                             </m:mcs>
                             <m:ctrlPr>
-                              <a:rPr lang="en-US" i="1">
+                              <a:rPr lang="en-US" sz="1600" i="1">
                                 <a:latin typeface="Cambria Math" panose="02040503050406030204" pitchFamily="18" charset="0"/>
                                 <a:cs typeface="Calibri Light" panose="020F0302020204030204" pitchFamily="34" charset="0"/>
                               </a:rPr>
@@ -9257,7 +10270,7 @@
                                 <m:rPr>
                                   <m:brk m:alnAt="7"/>
                                 </m:rPr>
-                                <a:rPr lang="en-US" i="1">
+                                <a:rPr lang="en-US" sz="1600" i="1">
                                   <a:latin typeface="Cambria Math" panose="02040503050406030204" pitchFamily="18" charset="0"/>
                                   <a:cs typeface="Calibri Light" panose="020F0302020204030204" pitchFamily="34" charset="0"/>
                                 </a:rPr>
@@ -9266,7 +10279,7 @@
                             </m:e>
                             <m:e>
                               <m:r>
-                                <a:rPr lang="en-US" i="1">
+                                <a:rPr lang="en-US" sz="1600" i="1">
                                   <a:latin typeface="Cambria Math" panose="02040503050406030204" pitchFamily="18" charset="0"/>
                                   <a:cs typeface="Calibri Light" panose="020F0302020204030204" pitchFamily="34" charset="0"/>
                                 </a:rPr>
@@ -9275,7 +10288,7 @@
                             </m:e>
                             <m:e>
                               <m:r>
-                                <a:rPr lang="en-US" i="1">
+                                <a:rPr lang="en-US" sz="1600" i="1">
                                   <a:latin typeface="Cambria Math" panose="02040503050406030204" pitchFamily="18" charset="0"/>
                                   <a:cs typeface="Calibri Light" panose="020F0302020204030204" pitchFamily="34" charset="0"/>
                                 </a:rPr>
@@ -9286,7 +10299,7 @@
                           <m:mr>
                             <m:e>
                               <m:r>
-                                <a:rPr lang="en-US" i="1">
+                                <a:rPr lang="en-US" sz="1600" i="1">
                                   <a:latin typeface="Cambria Math" panose="02040503050406030204" pitchFamily="18" charset="0"/>
                                   <a:cs typeface="Calibri Light" panose="020F0302020204030204" pitchFamily="34" charset="0"/>
                                 </a:rPr>
@@ -9295,7 +10308,7 @@
                             </m:e>
                             <m:e>
                               <m:r>
-                                <a:rPr lang="en-US" i="1">
+                                <a:rPr lang="en-US" sz="1600" i="1">
                                   <a:latin typeface="Cambria Math" panose="02040503050406030204" pitchFamily="18" charset="0"/>
                                   <a:cs typeface="Calibri Light" panose="020F0302020204030204" pitchFamily="34" charset="0"/>
                                 </a:rPr>
@@ -9304,7 +10317,7 @@
                             </m:e>
                             <m:e>
                               <m:r>
-                                <a:rPr lang="en-US" i="1">
+                                <a:rPr lang="en-US" sz="1600" i="1">
                                   <a:latin typeface="Cambria Math" panose="02040503050406030204" pitchFamily="18" charset="0"/>
                                   <a:cs typeface="Calibri Light" panose="020F0302020204030204" pitchFamily="34" charset="0"/>
                                 </a:rPr>
@@ -9315,7 +10328,7 @@
                           <m:mr>
                             <m:e>
                               <m:r>
-                                <a:rPr lang="en-US" i="1">
+                                <a:rPr lang="en-US" sz="1600" i="1">
                                   <a:latin typeface="Cambria Math" panose="02040503050406030204" pitchFamily="18" charset="0"/>
                                   <a:cs typeface="Calibri Light" panose="020F0302020204030204" pitchFamily="34" charset="0"/>
                                 </a:rPr>
@@ -9324,7 +10337,7 @@
                             </m:e>
                             <m:e>
                               <m:r>
-                                <a:rPr lang="en-US" i="1">
+                                <a:rPr lang="en-US" sz="1600" i="1">
                                   <a:latin typeface="Cambria Math" panose="02040503050406030204" pitchFamily="18" charset="0"/>
                                   <a:cs typeface="Calibri Light" panose="020F0302020204030204" pitchFamily="34" charset="0"/>
                                 </a:rPr>
@@ -9333,7 +10346,7 @@
                             </m:e>
                             <m:e>
                               <m:r>
-                                <a:rPr lang="en-US" i="1">
+                                <a:rPr lang="en-US" sz="1600" i="1">
                                   <a:latin typeface="Cambria Math" panose="02040503050406030204" pitchFamily="18" charset="0"/>
                                   <a:cs typeface="Calibri Light" panose="020F0302020204030204" pitchFamily="34" charset="0"/>
                                 </a:rPr>
@@ -9344,7 +10357,7 @@
                           <m:mr>
                             <m:e>
                               <m:r>
-                                <a:rPr lang="en-US" i="1">
+                                <a:rPr lang="en-US" sz="1600" i="1">
                                   <a:latin typeface="Cambria Math" panose="02040503050406030204" pitchFamily="18" charset="0"/>
                                   <a:cs typeface="Calibri Light" panose="020F0302020204030204" pitchFamily="34" charset="0"/>
                                 </a:rPr>
@@ -9353,7 +10366,7 @@
                             </m:e>
                             <m:e>
                               <m:r>
-                                <a:rPr lang="en-US" i="1">
+                                <a:rPr lang="en-US" sz="1600" i="1">
                                   <a:latin typeface="Cambria Math" panose="02040503050406030204" pitchFamily="18" charset="0"/>
                                   <a:cs typeface="Calibri Light" panose="020F0302020204030204" pitchFamily="34" charset="0"/>
                                 </a:rPr>
@@ -9362,7 +10375,7 @@
                             </m:e>
                             <m:e>
                               <m:r>
-                                <a:rPr lang="en-US" i="1">
+                                <a:rPr lang="en-US" sz="1600" i="1">
                                   <a:latin typeface="Cambria Math" panose="02040503050406030204" pitchFamily="18" charset="0"/>
                                   <a:cs typeface="Calibri Light" panose="020F0302020204030204" pitchFamily="34" charset="0"/>
                                 </a:rPr>
@@ -9373,7 +10386,7 @@
                           <m:mr>
                             <m:e>
                               <m:r>
-                                <a:rPr lang="en-US" i="1">
+                                <a:rPr lang="en-US" sz="1600" i="1">
                                   <a:latin typeface="Cambria Math" panose="02040503050406030204" pitchFamily="18" charset="0"/>
                                   <a:cs typeface="Calibri Light" panose="020F0302020204030204" pitchFamily="34" charset="0"/>
                                 </a:rPr>
@@ -9382,7 +10395,7 @@
                             </m:e>
                             <m:e>
                               <m:r>
-                                <a:rPr lang="en-US" i="1">
+                                <a:rPr lang="en-US" sz="1600" i="1">
                                   <a:latin typeface="Cambria Math" panose="02040503050406030204" pitchFamily="18" charset="0"/>
                                   <a:cs typeface="Calibri Light" panose="020F0302020204030204" pitchFamily="34" charset="0"/>
                                 </a:rPr>
@@ -9391,7 +10404,7 @@
                             </m:e>
                             <m:e>
                               <m:r>
-                                <a:rPr lang="en-US" i="1">
+                                <a:rPr lang="en-US" sz="1600" i="1">
                                   <a:latin typeface="Cambria Math" panose="02040503050406030204" pitchFamily="18" charset="0"/>
                                   <a:cs typeface="Calibri Light" panose="020F0302020204030204" pitchFamily="34" charset="0"/>
                                 </a:rPr>
@@ -9402,7 +10415,7 @@
                           <m:mr>
                             <m:e>
                               <m:r>
-                                <a:rPr lang="en-US" i="1">
+                                <a:rPr lang="en-US" sz="1600" i="1">
                                   <a:latin typeface="Cambria Math" panose="02040503050406030204" pitchFamily="18" charset="0"/>
                                   <a:cs typeface="Calibri Light" panose="020F0302020204030204" pitchFamily="34" charset="0"/>
                                 </a:rPr>
@@ -9411,7 +10424,7 @@
                             </m:e>
                             <m:e>
                               <m:r>
-                                <a:rPr lang="en-US" i="1">
+                                <a:rPr lang="en-US" sz="1600" i="1">
                                   <a:latin typeface="Cambria Math" panose="02040503050406030204" pitchFamily="18" charset="0"/>
                                   <a:cs typeface="Calibri Light" panose="020F0302020204030204" pitchFamily="34" charset="0"/>
                                 </a:rPr>
@@ -9420,7 +10433,7 @@
                             </m:e>
                             <m:e>
                               <m:r>
-                                <a:rPr lang="en-US" i="1">
+                                <a:rPr lang="en-US" sz="1600" i="1">
                                   <a:latin typeface="Cambria Math" panose="02040503050406030204" pitchFamily="18" charset="0"/>
                                   <a:cs typeface="Calibri Light" panose="020F0302020204030204" pitchFamily="34" charset="0"/>
                                 </a:rPr>
@@ -9431,7 +10444,7 @@
                           <m:mr>
                             <m:e>
                               <m:r>
-                                <a:rPr lang="en-US" i="1">
+                                <a:rPr lang="en-US" sz="1600" i="1">
                                   <a:latin typeface="Cambria Math" panose="02040503050406030204" pitchFamily="18" charset="0"/>
                                   <a:cs typeface="Calibri Light" panose="020F0302020204030204" pitchFamily="34" charset="0"/>
                                 </a:rPr>
@@ -9440,7 +10453,7 @@
                             </m:e>
                             <m:e>
                               <m:r>
-                                <a:rPr lang="en-US" i="1">
+                                <a:rPr lang="en-US" sz="1600" i="1">
                                   <a:latin typeface="Cambria Math" panose="02040503050406030204" pitchFamily="18" charset="0"/>
                                   <a:cs typeface="Calibri Light" panose="020F0302020204030204" pitchFamily="34" charset="0"/>
                                 </a:rPr>
@@ -9449,7 +10462,7 @@
                             </m:e>
                             <m:e>
                               <m:r>
-                                <a:rPr lang="en-US" i="1">
+                                <a:rPr lang="en-US" sz="1600" i="1">
                                   <a:latin typeface="Cambria Math" panose="02040503050406030204" pitchFamily="18" charset="0"/>
                                   <a:cs typeface="Calibri Light" panose="020F0302020204030204" pitchFamily="34" charset="0"/>
                                 </a:rPr>
@@ -9460,7 +10473,7 @@
                           <m:mr>
                             <m:e>
                               <m:r>
-                                <a:rPr lang="en-US" i="1">
+                                <a:rPr lang="en-US" sz="1600" i="1">
                                   <a:latin typeface="Cambria Math" panose="02040503050406030204" pitchFamily="18" charset="0"/>
                                   <a:cs typeface="Calibri Light" panose="020F0302020204030204" pitchFamily="34" charset="0"/>
                                 </a:rPr>
@@ -9469,7 +10482,7 @@
                             </m:e>
                             <m:e>
                               <m:r>
-                                <a:rPr lang="en-US" i="1">
+                                <a:rPr lang="en-US" sz="1600" i="1">
                                   <a:latin typeface="Cambria Math" panose="02040503050406030204" pitchFamily="18" charset="0"/>
                                   <a:cs typeface="Calibri Light" panose="020F0302020204030204" pitchFamily="34" charset="0"/>
                                 </a:rPr>
@@ -9478,7 +10491,7 @@
                             </m:e>
                             <m:e>
                               <m:r>
-                                <a:rPr lang="en-US" i="1">
+                                <a:rPr lang="en-US" sz="1600" i="1">
                                   <a:latin typeface="Cambria Math" panose="02040503050406030204" pitchFamily="18" charset="0"/>
                                   <a:cs typeface="Calibri Light" panose="020F0302020204030204" pitchFamily="34" charset="0"/>
                                 </a:rPr>
@@ -9489,7 +10502,7 @@
                           <m:mr>
                             <m:e>
                               <m:r>
-                                <a:rPr lang="en-US" i="1">
+                                <a:rPr lang="en-US" sz="1600" i="1">
                                   <a:latin typeface="Cambria Math" panose="02040503050406030204" pitchFamily="18" charset="0"/>
                                   <a:cs typeface="Calibri Light" panose="020F0302020204030204" pitchFamily="34" charset="0"/>
                                 </a:rPr>
@@ -9498,7 +10511,7 @@
                             </m:e>
                             <m:e>
                               <m:r>
-                                <a:rPr lang="en-US" i="1">
+                                <a:rPr lang="en-US" sz="1600" i="1">
                                   <a:latin typeface="Cambria Math" panose="02040503050406030204" pitchFamily="18" charset="0"/>
                                   <a:cs typeface="Calibri Light" panose="020F0302020204030204" pitchFamily="34" charset="0"/>
                                 </a:rPr>
@@ -9507,7 +10520,7 @@
                             </m:e>
                             <m:e>
                               <m:r>
-                                <a:rPr lang="en-US" i="1">
+                                <a:rPr lang="en-US" sz="1600" i="1">
                                   <a:latin typeface="Cambria Math" panose="02040503050406030204" pitchFamily="18" charset="0"/>
                                   <a:cs typeface="Calibri Light" panose="020F0302020204030204" pitchFamily="34" charset="0"/>
                                 </a:rPr>
@@ -9517,7 +10530,7 @@
                           </m:mr>
                         </m:m>
                         <m:r>
-                          <a:rPr lang="en-US" i="1">
+                          <a:rPr lang="en-US" sz="1600" i="1">
                             <a:latin typeface="Cambria Math" panose="02040503050406030204" pitchFamily="18" charset="0"/>
                             <a:cs typeface="Calibri Light" panose="020F0302020204030204" pitchFamily="34" charset="0"/>
                           </a:rPr>
@@ -9534,7 +10547,7 @@
                               </m:mc>
                             </m:mcs>
                             <m:ctrlPr>
-                              <a:rPr lang="en-US" i="1">
+                              <a:rPr lang="en-US" sz="1600" i="1">
                                 <a:latin typeface="Cambria Math" panose="02040503050406030204" pitchFamily="18" charset="0"/>
                                 <a:cs typeface="Calibri Light" panose="020F0302020204030204" pitchFamily="34" charset="0"/>
                               </a:rPr>
@@ -9546,7 +10559,7 @@
                                 <m:rPr>
                                   <m:brk m:alnAt="7"/>
                                 </m:rPr>
-                                <a:rPr lang="en-US" i="1">
+                                <a:rPr lang="en-US" sz="1600" i="1">
                                   <a:latin typeface="Cambria Math" panose="02040503050406030204" pitchFamily="18" charset="0"/>
                                   <a:cs typeface="Calibri Light" panose="020F0302020204030204" pitchFamily="34" charset="0"/>
                                 </a:rPr>
@@ -9555,7 +10568,7 @@
                             </m:e>
                             <m:e>
                               <m:r>
-                                <a:rPr lang="en-US" i="1">
+                                <a:rPr lang="en-US" sz="1600" i="1">
                                   <a:latin typeface="Cambria Math" panose="02040503050406030204" pitchFamily="18" charset="0"/>
                                   <a:cs typeface="Calibri Light" panose="020F0302020204030204" pitchFamily="34" charset="0"/>
                                 </a:rPr>
@@ -9564,7 +10577,7 @@
                             </m:e>
                             <m:e>
                               <m:r>
-                                <a:rPr lang="en-US" i="1">
+                                <a:rPr lang="en-US" sz="1600" i="1">
                                   <a:latin typeface="Cambria Math" panose="02040503050406030204" pitchFamily="18" charset="0"/>
                                   <a:cs typeface="Calibri Light" panose="020F0302020204030204" pitchFamily="34" charset="0"/>
                                 </a:rPr>
@@ -9575,7 +10588,7 @@
                           <m:mr>
                             <m:e>
                               <m:r>
-                                <a:rPr lang="en-US" i="1">
+                                <a:rPr lang="en-US" sz="1600" i="1">
                                   <a:latin typeface="Cambria Math" panose="02040503050406030204" pitchFamily="18" charset="0"/>
                                   <a:cs typeface="Calibri Light" panose="020F0302020204030204" pitchFamily="34" charset="0"/>
                                 </a:rPr>
@@ -9584,7 +10597,7 @@
                             </m:e>
                             <m:e>
                               <m:r>
-                                <a:rPr lang="en-US" i="1">
+                                <a:rPr lang="en-US" sz="1600" i="1">
                                   <a:latin typeface="Cambria Math" panose="02040503050406030204" pitchFamily="18" charset="0"/>
                                   <a:cs typeface="Calibri Light" panose="020F0302020204030204" pitchFamily="34" charset="0"/>
                                 </a:rPr>
@@ -9593,7 +10606,7 @@
                             </m:e>
                             <m:e>
                               <m:r>
-                                <a:rPr lang="en-US" i="1">
+                                <a:rPr lang="en-US" sz="1600" i="1">
                                   <a:latin typeface="Cambria Math" panose="02040503050406030204" pitchFamily="18" charset="0"/>
                                   <a:cs typeface="Calibri Light" panose="020F0302020204030204" pitchFamily="34" charset="0"/>
                                 </a:rPr>
@@ -9604,7 +10617,7 @@
                           <m:mr>
                             <m:e>
                               <m:r>
-                                <a:rPr lang="en-US" i="1">
+                                <a:rPr lang="en-US" sz="1600" i="1">
                                   <a:latin typeface="Cambria Math" panose="02040503050406030204" pitchFamily="18" charset="0"/>
                                   <a:cs typeface="Calibri Light" panose="020F0302020204030204" pitchFamily="34" charset="0"/>
                                 </a:rPr>
@@ -9613,7 +10626,7 @@
                             </m:e>
                             <m:e>
                               <m:r>
-                                <a:rPr lang="en-US" i="1">
+                                <a:rPr lang="en-US" sz="1600" i="1">
                                   <a:latin typeface="Cambria Math" panose="02040503050406030204" pitchFamily="18" charset="0"/>
                                   <a:cs typeface="Calibri Light" panose="020F0302020204030204" pitchFamily="34" charset="0"/>
                                 </a:rPr>
@@ -9622,7 +10635,7 @@
                             </m:e>
                             <m:e>
                               <m:r>
-                                <a:rPr lang="en-US" i="1">
+                                <a:rPr lang="en-US" sz="1600" i="1">
                                   <a:latin typeface="Cambria Math" panose="02040503050406030204" pitchFamily="18" charset="0"/>
                                   <a:cs typeface="Calibri Light" panose="020F0302020204030204" pitchFamily="34" charset="0"/>
                                 </a:rPr>
@@ -9633,7 +10646,7 @@
                           <m:mr>
                             <m:e>
                               <m:r>
-                                <a:rPr lang="en-US" i="1">
+                                <a:rPr lang="en-US" sz="1600" i="1">
                                   <a:latin typeface="Cambria Math" panose="02040503050406030204" pitchFamily="18" charset="0"/>
                                   <a:cs typeface="Calibri Light" panose="020F0302020204030204" pitchFamily="34" charset="0"/>
                                 </a:rPr>
@@ -9642,7 +10655,7 @@
                             </m:e>
                             <m:e>
                               <m:r>
-                                <a:rPr lang="en-US" i="1">
+                                <a:rPr lang="en-US" sz="1600" i="1">
                                   <a:latin typeface="Cambria Math" panose="02040503050406030204" pitchFamily="18" charset="0"/>
                                   <a:cs typeface="Calibri Light" panose="020F0302020204030204" pitchFamily="34" charset="0"/>
                                 </a:rPr>
@@ -9651,7 +10664,7 @@
                             </m:e>
                             <m:e>
                               <m:r>
-                                <a:rPr lang="en-US" i="1">
+                                <a:rPr lang="en-US" sz="1600" i="1">
                                   <a:latin typeface="Cambria Math" panose="02040503050406030204" pitchFamily="18" charset="0"/>
                                   <a:cs typeface="Calibri Light" panose="020F0302020204030204" pitchFamily="34" charset="0"/>
                                 </a:rPr>
@@ -9662,7 +10675,7 @@
                           <m:mr>
                             <m:e>
                               <m:r>
-                                <a:rPr lang="en-US" i="1">
+                                <a:rPr lang="en-US" sz="1600" i="1">
                                   <a:latin typeface="Cambria Math" panose="02040503050406030204" pitchFamily="18" charset="0"/>
                                   <a:cs typeface="Calibri Light" panose="020F0302020204030204" pitchFamily="34" charset="0"/>
                                 </a:rPr>
@@ -9671,7 +10684,7 @@
                             </m:e>
                             <m:e>
                               <m:r>
-                                <a:rPr lang="en-US" i="1">
+                                <a:rPr lang="en-US" sz="1600" i="1">
                                   <a:latin typeface="Cambria Math" panose="02040503050406030204" pitchFamily="18" charset="0"/>
                                   <a:cs typeface="Calibri Light" panose="020F0302020204030204" pitchFamily="34" charset="0"/>
                                 </a:rPr>
@@ -9680,7 +10693,7 @@
                             </m:e>
                             <m:e>
                               <m:r>
-                                <a:rPr lang="en-US" i="1">
+                                <a:rPr lang="en-US" sz="1600" i="1">
                                   <a:latin typeface="Cambria Math" panose="02040503050406030204" pitchFamily="18" charset="0"/>
                                   <a:cs typeface="Calibri Light" panose="020F0302020204030204" pitchFamily="34" charset="0"/>
                                 </a:rPr>
@@ -9691,7 +10704,7 @@
                           <m:mr>
                             <m:e>
                               <m:r>
-                                <a:rPr lang="en-US" i="1">
+                                <a:rPr lang="en-US" sz="1600" i="1">
                                   <a:latin typeface="Cambria Math" panose="02040503050406030204" pitchFamily="18" charset="0"/>
                                   <a:cs typeface="Calibri Light" panose="020F0302020204030204" pitchFamily="34" charset="0"/>
                                 </a:rPr>
@@ -9700,7 +10713,7 @@
                             </m:e>
                             <m:e>
                               <m:r>
-                                <a:rPr lang="en-US" i="1">
+                                <a:rPr lang="en-US" sz="1600" i="1">
                                   <a:latin typeface="Cambria Math" panose="02040503050406030204" pitchFamily="18" charset="0"/>
                                   <a:cs typeface="Calibri Light" panose="020F0302020204030204" pitchFamily="34" charset="0"/>
                                 </a:rPr>
@@ -9709,7 +10722,7 @@
                             </m:e>
                             <m:e>
                               <m:r>
-                                <a:rPr lang="en-US" i="1">
+                                <a:rPr lang="en-US" sz="1600" i="1">
                                   <a:latin typeface="Cambria Math" panose="02040503050406030204" pitchFamily="18" charset="0"/>
                                   <a:cs typeface="Calibri Light" panose="020F0302020204030204" pitchFamily="34" charset="0"/>
                                 </a:rPr>
@@ -9720,7 +10733,7 @@
                           <m:mr>
                             <m:e>
                               <m:r>
-                                <a:rPr lang="en-US" i="1">
+                                <a:rPr lang="en-US" sz="1600" i="1">
                                   <a:latin typeface="Cambria Math" panose="02040503050406030204" pitchFamily="18" charset="0"/>
                                   <a:cs typeface="Calibri Light" panose="020F0302020204030204" pitchFamily="34" charset="0"/>
                                 </a:rPr>
@@ -9729,7 +10742,7 @@
                             </m:e>
                             <m:e>
                               <m:r>
-                                <a:rPr lang="en-US" i="1">
+                                <a:rPr lang="en-US" sz="1600" i="1">
                                   <a:latin typeface="Cambria Math" panose="02040503050406030204" pitchFamily="18" charset="0"/>
                                   <a:cs typeface="Calibri Light" panose="020F0302020204030204" pitchFamily="34" charset="0"/>
                                 </a:rPr>
@@ -9738,7 +10751,7 @@
                             </m:e>
                             <m:e>
                               <m:r>
-                                <a:rPr lang="en-US" i="1">
+                                <a:rPr lang="en-US" sz="1600" i="1">
                                   <a:latin typeface="Cambria Math" panose="02040503050406030204" pitchFamily="18" charset="0"/>
                                   <a:cs typeface="Calibri Light" panose="020F0302020204030204" pitchFamily="34" charset="0"/>
                                 </a:rPr>
@@ -9749,7 +10762,7 @@
                           <m:mr>
                             <m:e>
                               <m:r>
-                                <a:rPr lang="en-US" i="1">
+                                <a:rPr lang="en-US" sz="1600" i="1">
                                   <a:latin typeface="Cambria Math" panose="02040503050406030204" pitchFamily="18" charset="0"/>
                                   <a:cs typeface="Calibri Light" panose="020F0302020204030204" pitchFamily="34" charset="0"/>
                                 </a:rPr>
@@ -9758,7 +10771,7 @@
                             </m:e>
                             <m:e>
                               <m:r>
-                                <a:rPr lang="en-US" i="1">
+                                <a:rPr lang="en-US" sz="1600" i="1">
                                   <a:latin typeface="Cambria Math" panose="02040503050406030204" pitchFamily="18" charset="0"/>
                                   <a:cs typeface="Calibri Light" panose="020F0302020204030204" pitchFamily="34" charset="0"/>
                                 </a:rPr>
@@ -9767,7 +10780,7 @@
                             </m:e>
                             <m:e>
                               <m:r>
-                                <a:rPr lang="en-US" i="1">
+                                <a:rPr lang="en-US" sz="1600" i="1">
                                   <a:latin typeface="Cambria Math" panose="02040503050406030204" pitchFamily="18" charset="0"/>
                                   <a:cs typeface="Calibri Light" panose="020F0302020204030204" pitchFamily="34" charset="0"/>
                                 </a:rPr>
@@ -9778,7 +10791,7 @@
                           <m:mr>
                             <m:e>
                               <m:r>
-                                <a:rPr lang="en-US" i="1">
+                                <a:rPr lang="en-US" sz="1600" i="1">
                                   <a:latin typeface="Cambria Math" panose="02040503050406030204" pitchFamily="18" charset="0"/>
                                   <a:cs typeface="Calibri Light" panose="020F0302020204030204" pitchFamily="34" charset="0"/>
                                 </a:rPr>
@@ -9787,7 +10800,7 @@
                             </m:e>
                             <m:e>
                               <m:r>
-                                <a:rPr lang="en-US" i="1">
+                                <a:rPr lang="en-US" sz="1600" i="1">
                                   <a:latin typeface="Cambria Math" panose="02040503050406030204" pitchFamily="18" charset="0"/>
                                   <a:cs typeface="Calibri Light" panose="020F0302020204030204" pitchFamily="34" charset="0"/>
                                 </a:rPr>
@@ -9796,7 +10809,7 @@
                             </m:e>
                             <m:e>
                               <m:r>
-                                <a:rPr lang="en-US" i="1">
+                                <a:rPr lang="en-US" sz="1600" i="1">
                                   <a:latin typeface="Cambria Math" panose="02040503050406030204" pitchFamily="18" charset="0"/>
                                   <a:cs typeface="Calibri Light" panose="020F0302020204030204" pitchFamily="34" charset="0"/>
                                 </a:rPr>
@@ -9809,7 +10822,7 @@
                     </m:d>
                   </m:oMath>
                 </a14:m>
-                <a:endParaRPr lang="es-CO" dirty="0"/>
+                <a:endParaRPr lang="es-CO" sz="1600" dirty="0"/>
               </a:p>
             </p:txBody>
           </p:sp>
@@ -9825,8 +10838,8 @@
             </p:nvSpPr>
             <p:spPr>
               <a:xfrm>
-                <a:off x="5418050" y="3783984"/>
-                <a:ext cx="6190990" cy="2448812"/>
+                <a:off x="5781519" y="3798988"/>
+                <a:ext cx="5524910" cy="2187009"/>
               </a:xfrm>
               <a:prstGeom prst="rect">
                 <a:avLst/>
@@ -9834,7 +10847,7 @@
               <a:blipFill>
                 <a:blip r:embed="rId5"/>
                 <a:stretch>
-                  <a:fillRect l="-1281"/>
+                  <a:fillRect l="-1103"/>
                 </a:stretch>
               </a:blipFill>
             </p:spPr>
@@ -9920,8 +10933,8 @@
             </p:nvSpPr>
             <p:spPr>
               <a:xfrm>
-                <a:off x="1142999" y="1965960"/>
-                <a:ext cx="11247539" cy="4347780"/>
+                <a:off x="1143000" y="1965960"/>
+                <a:ext cx="8804306" cy="4347780"/>
               </a:xfrm>
             </p:spPr>
             <p:txBody>
@@ -9934,7 +10947,7 @@
                   <a:buNone/>
                 </a:pPr>
                 <a:r>
-                  <a:rPr lang="es-CO" dirty="0">
+                  <a:rPr lang="es-CO" sz="1600" dirty="0">
                     <a:solidFill>
                       <a:schemeClr val="tx1"/>
                     </a:solidFill>
@@ -9944,7 +10957,7 @@
                   <a:t>Pasos </a:t>
                 </a:r>
                 <a:r>
-                  <a:rPr lang="en-US" sz="2400" dirty="0">
+                  <a:rPr lang="en-US" sz="1800" dirty="0">
                     <a:solidFill>
                       <a:schemeClr val="tx1"/>
                     </a:solidFill>
@@ -9954,7 +10967,7 @@
                   <a:t>Lattice </a:t>
                 </a:r>
                 <a:r>
-                  <a:rPr lang="es-CO" dirty="0" err="1">
+                  <a:rPr lang="es-CO" sz="1600" dirty="0" err="1">
                     <a:solidFill>
                       <a:schemeClr val="tx1"/>
                     </a:solidFill>
@@ -9964,7 +10977,7 @@
                   <a:t>Boltzmann</a:t>
                 </a:r>
                 <a:r>
-                  <a:rPr lang="es-CO" dirty="0">
+                  <a:rPr lang="es-CO" sz="1600" dirty="0">
                     <a:solidFill>
                       <a:schemeClr val="tx1"/>
                     </a:solidFill>
@@ -9974,7 +10987,7 @@
                   <a:t> de múltiples tiempos de </a:t>
                 </a:r>
                 <a:r>
-                  <a:rPr lang="es-CO" dirty="0" err="1">
+                  <a:rPr lang="es-CO" sz="1600" dirty="0" err="1">
                     <a:solidFill>
                       <a:schemeClr val="tx1"/>
                     </a:solidFill>
@@ -9984,7 +10997,7 @@
                   <a:t>relajaci</a:t>
                 </a:r>
                 <a:r>
-                  <a:rPr lang="en-US" dirty="0" err="1">
+                  <a:rPr lang="en-US" sz="1600" dirty="0" err="1">
                     <a:solidFill>
                       <a:schemeClr val="tx1"/>
                     </a:solidFill>
@@ -9994,7 +11007,7 @@
                   <a:t>ón</a:t>
                 </a:r>
                 <a:r>
-                  <a:rPr lang="en-US" dirty="0">
+                  <a:rPr lang="en-US" sz="1600" dirty="0">
                     <a:solidFill>
                       <a:schemeClr val="tx1"/>
                     </a:solidFill>
@@ -10010,7 +11023,7 @@
                   <a:buAutoNum type="arabicPeriod"/>
                 </a:pPr>
                 <a:r>
-                  <a:rPr lang="en-US" dirty="0" err="1">
+                  <a:rPr lang="en-US" sz="1600" dirty="0" err="1">
                     <a:solidFill>
                       <a:schemeClr val="tx1"/>
                     </a:solidFill>
@@ -10020,7 +11033,7 @@
                   <a:t>Inicie</a:t>
                 </a:r>
                 <a:r>
-                  <a:rPr lang="en-US" dirty="0">
+                  <a:rPr lang="en-US" sz="1600" dirty="0">
                     <a:solidFill>
                       <a:schemeClr val="tx1"/>
                     </a:solidFill>
@@ -10032,7 +11045,7 @@
                 <a14:m>
                   <m:oMath xmlns:m="http://schemas.openxmlformats.org/officeDocument/2006/math">
                     <m:r>
-                      <a:rPr lang="en-US" sz="2000" i="1">
+                      <a:rPr lang="en-US" sz="1600" i="1">
                         <a:solidFill>
                           <a:schemeClr val="tx1"/>
                         </a:solidFill>
@@ -10047,7 +11060,7 @@
                         <m:begChr m:val=""/>
                         <m:endChr m:val="⟩"/>
                         <m:ctrlPr>
-                          <a:rPr lang="en-US" sz="2000" i="1">
+                          <a:rPr lang="en-US" sz="1600" i="1">
                             <a:solidFill>
                               <a:schemeClr val="tx1"/>
                             </a:solidFill>
@@ -10059,7 +11072,7 @@
                       </m:dPr>
                       <m:e>
                         <m:r>
-                          <a:rPr lang="en-US" sz="2000" i="1">
+                          <a:rPr lang="en-US" sz="1600" i="1">
                             <a:solidFill>
                               <a:schemeClr val="tx1"/>
                             </a:solidFill>
@@ -10069,10 +11082,76 @@
                           </a:rPr>
                           <m:t>𝜚</m:t>
                         </m:r>
+                        <m:d>
+                          <m:dPr>
+                            <m:ctrlPr>
+                              <a:rPr lang="en-US" sz="1600" i="1">
+                                <a:solidFill>
+                                  <a:schemeClr val="tx1"/>
+                                </a:solidFill>
+                                <a:latin typeface="Cambria Math" panose="02040503050406030204" pitchFamily="18" charset="0"/>
+                                <a:ea typeface="Cambria Math" panose="02040503050406030204" pitchFamily="18" charset="0"/>
+                                <a:cs typeface="Calibri Light" panose="020F0302020204030204" pitchFamily="34" charset="0"/>
+                              </a:rPr>
+                            </m:ctrlPr>
+                          </m:dPr>
+                          <m:e>
+                            <m:acc>
+                              <m:accPr>
+                                <m:chr m:val="⃗"/>
+                                <m:ctrlPr>
+                                  <a:rPr lang="en-US" sz="1600" i="1">
+                                    <a:solidFill>
+                                      <a:schemeClr val="tx1"/>
+                                    </a:solidFill>
+                                    <a:latin typeface="Cambria Math" panose="02040503050406030204" pitchFamily="18" charset="0"/>
+                                    <a:ea typeface="Cambria Math" panose="02040503050406030204" pitchFamily="18" charset="0"/>
+                                    <a:cs typeface="Calibri Light" panose="020F0302020204030204" pitchFamily="34" charset="0"/>
+                                  </a:rPr>
+                                </m:ctrlPr>
+                              </m:accPr>
+                              <m:e>
+                                <m:r>
+                                  <a:rPr lang="en-US" sz="1600" i="1">
+                                    <a:solidFill>
+                                      <a:schemeClr val="tx1"/>
+                                    </a:solidFill>
+                                    <a:latin typeface="Cambria Math" panose="02040503050406030204" pitchFamily="18" charset="0"/>
+                                    <a:ea typeface="Cambria Math" panose="02040503050406030204" pitchFamily="18" charset="0"/>
+                                    <a:cs typeface="Calibri Light" panose="020F0302020204030204" pitchFamily="34" charset="0"/>
+                                  </a:rPr>
+                                  <m:t>𝑥</m:t>
+                                </m:r>
+                              </m:e>
+                            </m:acc>
+                            <m:r>
+                              <a:rPr lang="en-US" sz="1600" i="1">
+                                <a:solidFill>
+                                  <a:schemeClr val="tx1"/>
+                                </a:solidFill>
+                                <a:latin typeface="Cambria Math" panose="02040503050406030204" pitchFamily="18" charset="0"/>
+                                <a:ea typeface="Cambria Math" panose="02040503050406030204" pitchFamily="18" charset="0"/>
+                                <a:cs typeface="Calibri Light" panose="020F0302020204030204" pitchFamily="34" charset="0"/>
+                              </a:rPr>
+                              <m:t>,</m:t>
+                            </m:r>
+                            <m:r>
+                              <a:rPr lang="en-US" sz="1600" i="1">
+                                <a:solidFill>
+                                  <a:schemeClr val="tx1"/>
+                                </a:solidFill>
+                                <a:latin typeface="Cambria Math" panose="02040503050406030204" pitchFamily="18" charset="0"/>
+                                <a:ea typeface="Cambria Math" panose="02040503050406030204" pitchFamily="18" charset="0"/>
+                                <a:cs typeface="Calibri Light" panose="020F0302020204030204" pitchFamily="34" charset="0"/>
+                              </a:rPr>
+                              <m:t>𝑡</m:t>
+                            </m:r>
+                          </m:e>
+                        </m:d>
                       </m:e>
                     </m:d>
                     <m:r>
-                      <a:rPr lang="en-US" sz="2000" i="1">
+                      <a:rPr lang="en-US" sz="1600" i="1">
                         <a:solidFill>
                           <a:schemeClr val="tx1"/>
                         </a:solidFill>
@@ -10083,7 +11162,7 @@
                       <m:t>=</m:t>
                     </m:r>
                     <m:r>
-                      <a:rPr lang="en-US" sz="2000" i="1">
+                      <a:rPr lang="en-US" sz="1600" i="1">
                         <a:solidFill>
                           <a:schemeClr val="tx1"/>
                         </a:solidFill>
@@ -10098,7 +11177,7 @@
                         <m:begChr m:val=""/>
                         <m:endChr m:val="⟩"/>
                         <m:ctrlPr>
-                          <a:rPr lang="en-US" sz="2000" i="1">
+                          <a:rPr lang="en-US" sz="1600" i="1">
                             <a:solidFill>
                               <a:schemeClr val="tx1"/>
                             </a:solidFill>
@@ -10112,7 +11191,7 @@
                         <m:sSup>
                           <m:sSupPr>
                             <m:ctrlPr>
-                              <a:rPr lang="en-US" sz="2000" i="1">
+                              <a:rPr lang="en-US" sz="1600" i="1">
                                 <a:solidFill>
                                   <a:schemeClr val="tx1"/>
                                 </a:solidFill>
@@ -10124,7 +11203,7 @@
                           </m:sSupPr>
                           <m:e>
                             <m:r>
-                              <a:rPr lang="en-US" sz="2000" i="1">
+                              <a:rPr lang="en-US" sz="1600" i="1">
                                 <a:solidFill>
                                   <a:schemeClr val="tx1"/>
                                 </a:solidFill>
@@ -10139,7 +11218,7 @@
                             <m:d>
                               <m:dPr>
                                 <m:ctrlPr>
-                                  <a:rPr lang="en-US" sz="2000" i="1">
+                                  <a:rPr lang="en-US" sz="1600" i="1">
                                     <a:solidFill>
                                       <a:schemeClr val="tx1"/>
                                     </a:solidFill>
@@ -10151,7 +11230,7 @@
                               </m:dPr>
                               <m:e>
                                 <m:r>
-                                  <a:rPr lang="en-US" sz="2000" i="1">
+                                  <a:rPr lang="en-US" sz="1600" i="1">
                                     <a:solidFill>
                                       <a:schemeClr val="tx1"/>
                                     </a:solidFill>
@@ -10168,7 +11247,7 @@
                       </m:e>
                     </m:d>
                     <m:r>
-                      <a:rPr lang="en-US" sz="2000" i="1">
+                      <a:rPr lang="en-US" sz="1600" i="1">
                         <a:solidFill>
                           <a:schemeClr val="tx1"/>
                         </a:solidFill>
@@ -10181,7 +11260,7 @@
                     <m:sSup>
                       <m:sSupPr>
                         <m:ctrlPr>
-                          <a:rPr lang="en-US" sz="2000" i="1">
+                          <a:rPr lang="en-US" sz="1600" i="1">
                             <a:solidFill>
                               <a:schemeClr val="tx1"/>
                             </a:solidFill>
@@ -10195,7 +11274,7 @@
                         <m:d>
                           <m:dPr>
                             <m:ctrlPr>
-                              <a:rPr lang="en-US" sz="2000" i="1">
+                              <a:rPr lang="en-US" sz="1600" i="1">
                                 <a:solidFill>
                                   <a:schemeClr val="tx1"/>
                                 </a:solidFill>
@@ -10207,7 +11286,7 @@
                           </m:dPr>
                           <m:e>
                             <m:r>
-                              <a:rPr lang="en-US" sz="2000" i="1" smtClean="0">
+                              <a:rPr lang="en-US" sz="1600" i="1" smtClean="0">
                                 <a:solidFill>
                                   <a:schemeClr val="tx1"/>
                                 </a:solidFill>
@@ -10218,7 +11297,7 @@
                               <m:t>𝜌</m:t>
                             </m:r>
                             <m:r>
-                              <a:rPr lang="en-US" sz="2000" i="1">
+                              <a:rPr lang="en-US" sz="1600" i="1">
                                 <a:solidFill>
                                   <a:schemeClr val="tx1"/>
                                 </a:solidFill>
@@ -10231,7 +11310,7 @@
                             <m:sSub>
                               <m:sSubPr>
                                 <m:ctrlPr>
-                                  <a:rPr lang="en-US" sz="2000" i="1">
+                                  <a:rPr lang="en-US" sz="1600" i="1">
                                     <a:solidFill>
                                       <a:schemeClr val="tx1"/>
                                     </a:solidFill>
@@ -10243,7 +11322,7 @@
                               </m:sSubPr>
                               <m:e>
                                 <m:r>
-                                  <a:rPr lang="en-US" sz="2000" i="1">
+                                  <a:rPr lang="en-US" sz="1600" i="1">
                                     <a:solidFill>
                                       <a:schemeClr val="tx1"/>
                                     </a:solidFill>
@@ -10256,7 +11335,7 @@
                               </m:e>
                               <m:sub>
                                 <m:r>
-                                  <a:rPr lang="en-US" sz="2000" i="1">
+                                  <a:rPr lang="en-US" sz="1600" i="1">
                                     <a:solidFill>
                                       <a:schemeClr val="tx1"/>
                                     </a:solidFill>
@@ -10269,7 +11348,7 @@
                               </m:sub>
                             </m:sSub>
                             <m:r>
-                              <a:rPr lang="en-US" sz="2000" i="1">
+                              <a:rPr lang="en-US" sz="1600" i="1">
                                 <a:solidFill>
                                   <a:schemeClr val="tx1"/>
                                 </a:solidFill>
@@ -10282,7 +11361,7 @@
                             <m:sSub>
                               <m:sSubPr>
                                 <m:ctrlPr>
-                                  <a:rPr lang="en-US" sz="2000" i="1">
+                                  <a:rPr lang="en-US" sz="1600" i="1">
                                     <a:solidFill>
                                       <a:schemeClr val="tx1"/>
                                     </a:solidFill>
@@ -10294,7 +11373,7 @@
                               </m:sSubPr>
                               <m:e>
                                 <m:r>
-                                  <a:rPr lang="en-US" sz="2000" i="1">
+                                  <a:rPr lang="en-US" sz="1600" i="1">
                                     <a:solidFill>
                                       <a:schemeClr val="tx1"/>
                                     </a:solidFill>
@@ -10307,7 +11386,7 @@
                               </m:e>
                               <m:sub>
                                 <m:r>
-                                  <a:rPr lang="en-US" sz="2000" i="1">
+                                  <a:rPr lang="en-US" sz="1600" i="1">
                                     <a:solidFill>
                                       <a:schemeClr val="tx1"/>
                                     </a:solidFill>
@@ -10320,7 +11399,7 @@
                               </m:sub>
                             </m:sSub>
                             <m:r>
-                              <a:rPr lang="en-US" sz="2000" i="1">
+                              <a:rPr lang="en-US" sz="1600" i="1">
                                 <a:solidFill>
                                   <a:schemeClr val="tx1"/>
                                 </a:solidFill>
@@ -10333,7 +11412,7 @@
                             <m:sSub>
                               <m:sSubPr>
                                 <m:ctrlPr>
-                                  <a:rPr lang="en-US" sz="2000" i="1">
+                                  <a:rPr lang="en-US" sz="1600" i="1">
                                     <a:solidFill>
                                       <a:schemeClr val="tx1"/>
                                     </a:solidFill>
@@ -10345,7 +11424,7 @@
                               </m:sSubPr>
                               <m:e>
                                 <m:r>
-                                  <a:rPr lang="en-US" sz="2000" b="0" i="1" smtClean="0">
+                                  <a:rPr lang="en-US" sz="1600" b="0" i="1" smtClean="0">
                                     <a:solidFill>
                                       <a:schemeClr val="tx1"/>
                                     </a:solidFill>
@@ -10356,7 +11435,7 @@
                                   <m:t>−</m:t>
                                 </m:r>
                                 <m:r>
-                                  <a:rPr lang="en-US" sz="2000" b="0" i="1" smtClean="0">
+                                  <a:rPr lang="en-US" sz="1600" b="0" i="1" smtClean="0">
                                     <a:solidFill>
                                       <a:schemeClr val="tx1"/>
                                     </a:solidFill>
@@ -10369,7 +11448,7 @@
                               </m:e>
                               <m:sub>
                                 <m:r>
-                                  <a:rPr lang="en-US" sz="2000" i="1">
+                                  <a:rPr lang="en-US" sz="1600" i="1">
                                     <a:solidFill>
                                       <a:schemeClr val="tx1"/>
                                     </a:solidFill>
@@ -10382,7 +11461,7 @@
                               </m:sub>
                             </m:sSub>
                             <m:r>
-                              <a:rPr lang="en-US" sz="2000" i="1">
+                              <a:rPr lang="en-US" sz="1600" i="1">
                                 <a:solidFill>
                                   <a:schemeClr val="tx1"/>
                                 </a:solidFill>
@@ -10395,7 +11474,7 @@
                             <m:sSub>
                               <m:sSubPr>
                                 <m:ctrlPr>
-                                  <a:rPr lang="en-US" sz="2000" i="1">
+                                  <a:rPr lang="en-US" sz="1600" i="1">
                                     <a:solidFill>
                                       <a:schemeClr val="tx1"/>
                                     </a:solidFill>
@@ -10407,7 +11486,7 @@
                               </m:sSubPr>
                               <m:e>
                                 <m:r>
-                                  <a:rPr lang="en-US" sz="2000" b="0" i="1" smtClean="0">
+                                  <a:rPr lang="en-US" sz="1600" b="0" i="1" smtClean="0">
                                     <a:solidFill>
                                       <a:schemeClr val="tx1"/>
                                     </a:solidFill>
@@ -10418,7 +11497,7 @@
                                   <m:t>−</m:t>
                                 </m:r>
                                 <m:r>
-                                  <a:rPr lang="en-US" sz="2000" b="0" i="1" smtClean="0">
+                                  <a:rPr lang="en-US" sz="1600" b="0" i="1" smtClean="0">
                                     <a:solidFill>
                                       <a:schemeClr val="tx1"/>
                                     </a:solidFill>
@@ -10431,7 +11510,7 @@
                               </m:e>
                               <m:sub>
                                 <m:r>
-                                  <a:rPr lang="en-US" sz="2000" i="1">
+                                  <a:rPr lang="en-US" sz="1600" i="1">
                                     <a:solidFill>
                                       <a:schemeClr val="tx1"/>
                                     </a:solidFill>
@@ -10444,7 +11523,7 @@
                               </m:sub>
                             </m:sSub>
                             <m:r>
-                              <a:rPr lang="en-US" sz="2000" i="1">
+                              <a:rPr lang="en-US" sz="1600" i="1">
                                 <a:solidFill>
                                   <a:schemeClr val="tx1"/>
                                 </a:solidFill>
@@ -10455,7 +11534,7 @@
                               <m:t>,</m:t>
                             </m:r>
                             <m:r>
-                              <a:rPr lang="en-US" sz="2000" i="1" smtClean="0">
+                              <a:rPr lang="en-US" sz="1600" i="1" smtClean="0">
                                 <a:solidFill>
                                   <a:schemeClr val="tx1"/>
                                 </a:solidFill>
@@ -10466,7 +11545,7 @@
                               <m:t>𝜌</m:t>
                             </m:r>
                             <m:r>
-                              <a:rPr lang="en-US" sz="2000" b="0" i="1" smtClean="0">
+                              <a:rPr lang="en-US" sz="1600" b="0" i="1" smtClean="0">
                                 <a:solidFill>
                                   <a:schemeClr val="tx1"/>
                                 </a:solidFill>
@@ -10479,7 +11558,7 @@
                             <m:f>
                               <m:fPr>
                                 <m:ctrlPr>
-                                  <a:rPr lang="en-US" sz="2000" b="0" i="1" smtClean="0">
+                                  <a:rPr lang="en-US" sz="1600" b="0" i="1" smtClean="0">
                                     <a:solidFill>
                                       <a:schemeClr val="tx1"/>
                                     </a:solidFill>
@@ -10493,7 +11572,7 @@
                                 <m:d>
                                   <m:dPr>
                                     <m:ctrlPr>
-                                      <a:rPr lang="en-US" sz="2000" b="0" i="1" smtClean="0">
+                                      <a:rPr lang="en-US" sz="1600" b="0" i="1" smtClean="0">
                                         <a:solidFill>
                                           <a:schemeClr val="tx1"/>
                                         </a:solidFill>
@@ -10507,7 +11586,7 @@
                                     <m:sSubSup>
                                       <m:sSubSupPr>
                                         <m:ctrlPr>
-                                          <a:rPr lang="en-US" sz="2000" b="0" i="1" smtClean="0">
+                                          <a:rPr lang="en-US" sz="1600" b="0" i="1" smtClean="0">
                                             <a:solidFill>
                                               <a:schemeClr val="tx1"/>
                                             </a:solidFill>
@@ -10519,7 +11598,7 @@
                                       </m:sSubSupPr>
                                       <m:e>
                                         <m:r>
-                                          <a:rPr lang="en-US" sz="2000" b="0" i="1" smtClean="0">
+                                          <a:rPr lang="en-US" sz="1600" b="0" i="1" smtClean="0">
                                             <a:solidFill>
                                               <a:schemeClr val="tx1"/>
                                             </a:solidFill>
@@ -10532,7 +11611,7 @@
                                       </m:e>
                                       <m:sub>
                                         <m:r>
-                                          <a:rPr lang="en-US" sz="2000" b="0" i="1" smtClean="0">
+                                          <a:rPr lang="en-US" sz="1600" b="0" i="1" smtClean="0">
                                             <a:solidFill>
                                               <a:schemeClr val="tx1"/>
                                             </a:solidFill>
@@ -10545,7 +11624,7 @@
                                       </m:sub>
                                       <m:sup>
                                         <m:r>
-                                          <a:rPr lang="en-US" sz="2000" b="0" i="1" smtClean="0">
+                                          <a:rPr lang="en-US" sz="1600" b="0" i="1" smtClean="0">
                                             <a:solidFill>
                                               <a:schemeClr val="tx1"/>
                                             </a:solidFill>
@@ -10558,7 +11637,7 @@
                                       </m:sup>
                                     </m:sSubSup>
                                     <m:r>
-                                      <a:rPr lang="en-US" sz="2000" b="0" i="1" smtClean="0">
+                                      <a:rPr lang="en-US" sz="1600" b="0" i="1" smtClean="0">
                                         <a:solidFill>
                                           <a:schemeClr val="tx1"/>
                                         </a:solidFill>
@@ -10571,7 +11650,7 @@
                                     <m:sSubSup>
                                       <m:sSubSupPr>
                                         <m:ctrlPr>
-                                          <a:rPr lang="en-US" sz="2000" b="0" i="1" smtClean="0">
+                                          <a:rPr lang="en-US" sz="1600" b="0" i="1" smtClean="0">
                                             <a:solidFill>
                                               <a:schemeClr val="tx1"/>
                                             </a:solidFill>
@@ -10583,7 +11662,7 @@
                                       </m:sSubSupPr>
                                       <m:e>
                                         <m:r>
-                                          <a:rPr lang="en-US" sz="2000" b="0" i="1" smtClean="0">
+                                          <a:rPr lang="en-US" sz="1600" b="0" i="1" smtClean="0">
                                             <a:solidFill>
                                               <a:schemeClr val="tx1"/>
                                             </a:solidFill>
@@ -10596,7 +11675,7 @@
                                       </m:e>
                                       <m:sub>
                                         <m:r>
-                                          <a:rPr lang="en-US" sz="2000" b="0" i="1" smtClean="0">
+                                          <a:rPr lang="en-US" sz="1600" b="0" i="1" smtClean="0">
                                             <a:solidFill>
                                               <a:schemeClr val="tx1"/>
                                             </a:solidFill>
@@ -10609,7 +11688,7 @@
                                       </m:sub>
                                       <m:sup>
                                         <m:r>
-                                          <a:rPr lang="en-US" sz="2000" b="0" i="1" smtClean="0">
+                                          <a:rPr lang="en-US" sz="1600" b="0" i="1" smtClean="0">
                                             <a:solidFill>
                                               <a:schemeClr val="tx1"/>
                                             </a:solidFill>
@@ -10626,7 +11705,7 @@
                               </m:num>
                               <m:den>
                                 <m:r>
-                                  <a:rPr lang="en-US" sz="2000" b="0" i="1" smtClean="0">
+                                  <a:rPr lang="en-US" sz="1600" b="0" i="1" smtClean="0">
                                     <a:solidFill>
                                       <a:schemeClr val="tx1"/>
                                     </a:solidFill>
@@ -10639,7 +11718,7 @@
                               </m:den>
                             </m:f>
                             <m:r>
-                              <a:rPr lang="en-US" sz="2000" i="1">
+                              <a:rPr lang="en-US" sz="1600" i="1">
                                 <a:solidFill>
                                   <a:schemeClr val="tx1"/>
                                 </a:solidFill>
@@ -10650,7 +11729,7 @@
                               <m:t>,</m:t>
                             </m:r>
                             <m:r>
-                              <a:rPr lang="en-US" sz="2000" b="0" i="1" smtClean="0">
+                              <a:rPr lang="en-US" sz="1600" b="0" i="1" smtClean="0">
                                 <a:solidFill>
                                   <a:schemeClr val="tx1"/>
                                 </a:solidFill>
@@ -10661,7 +11740,7 @@
                               <m:t>−2</m:t>
                             </m:r>
                             <m:r>
-                              <a:rPr lang="en-US" sz="2000" b="0" i="1" smtClean="0">
+                              <a:rPr lang="en-US" sz="1600" b="0" i="1" smtClean="0">
                                 <a:solidFill>
                                   <a:schemeClr val="tx1"/>
                                 </a:solidFill>
@@ -10672,7 +11751,7 @@
                               <m:t>𝜌</m:t>
                             </m:r>
                             <m:r>
-                              <a:rPr lang="en-US" sz="2000" b="0" i="1" smtClean="0">
+                              <a:rPr lang="en-US" sz="1600" b="0" i="1" smtClean="0">
                                 <a:solidFill>
                                   <a:schemeClr val="tx1"/>
                                 </a:solidFill>
@@ -10685,7 +11764,7 @@
                             <m:f>
                               <m:fPr>
                                 <m:ctrlPr>
-                                  <a:rPr lang="en-US" sz="2000" i="1">
+                                  <a:rPr lang="en-US" sz="1600" i="1">
                                     <a:solidFill>
                                       <a:schemeClr val="tx1"/>
                                     </a:solidFill>
@@ -10699,7 +11778,7 @@
                                 <m:d>
                                   <m:dPr>
                                     <m:ctrlPr>
-                                      <a:rPr lang="en-US" sz="2000" i="1">
+                                      <a:rPr lang="en-US" sz="1600" i="1">
                                         <a:solidFill>
                                           <a:schemeClr val="tx1"/>
                                         </a:solidFill>
@@ -10713,7 +11792,7 @@
                                     <m:sSubSup>
                                       <m:sSubSupPr>
                                         <m:ctrlPr>
-                                          <a:rPr lang="en-US" sz="2000" i="1">
+                                          <a:rPr lang="en-US" sz="1600" i="1">
                                             <a:solidFill>
                                               <a:schemeClr val="tx1"/>
                                             </a:solidFill>
@@ -10725,7 +11804,7 @@
                                       </m:sSubSupPr>
                                       <m:e>
                                         <m:r>
-                                          <a:rPr lang="en-US" sz="2000" i="1">
+                                          <a:rPr lang="en-US" sz="1600" i="1">
                                             <a:solidFill>
                                               <a:schemeClr val="tx1"/>
                                             </a:solidFill>
@@ -10738,7 +11817,7 @@
                                       </m:e>
                                       <m:sub>
                                         <m:r>
-                                          <a:rPr lang="en-US" sz="2000" i="1">
+                                          <a:rPr lang="en-US" sz="1600" i="1">
                                             <a:solidFill>
                                               <a:schemeClr val="tx1"/>
                                             </a:solidFill>
@@ -10751,7 +11830,7 @@
                                       </m:sub>
                                       <m:sup>
                                         <m:r>
-                                          <a:rPr lang="en-US" sz="2000" i="1">
+                                          <a:rPr lang="en-US" sz="1600" i="1">
                                             <a:solidFill>
                                               <a:schemeClr val="tx1"/>
                                             </a:solidFill>
@@ -10764,7 +11843,7 @@
                                       </m:sup>
                                     </m:sSubSup>
                                     <m:r>
-                                      <a:rPr lang="en-US" sz="2000" i="1">
+                                      <a:rPr lang="en-US" sz="1600" i="1">
                                         <a:solidFill>
                                           <a:schemeClr val="tx1"/>
                                         </a:solidFill>
@@ -10777,7 +11856,7 @@
                                     <m:sSubSup>
                                       <m:sSubSupPr>
                                         <m:ctrlPr>
-                                          <a:rPr lang="en-US" sz="2000" i="1">
+                                          <a:rPr lang="en-US" sz="1600" i="1">
                                             <a:solidFill>
                                               <a:schemeClr val="tx1"/>
                                             </a:solidFill>
@@ -10789,7 +11868,7 @@
                                       </m:sSubSupPr>
                                       <m:e>
                                         <m:r>
-                                          <a:rPr lang="en-US" sz="2000" i="1">
+                                          <a:rPr lang="en-US" sz="1600" i="1">
                                             <a:solidFill>
                                               <a:schemeClr val="tx1"/>
                                             </a:solidFill>
@@ -10802,7 +11881,7 @@
                                       </m:e>
                                       <m:sub>
                                         <m:r>
-                                          <a:rPr lang="en-US" sz="2000" i="1">
+                                          <a:rPr lang="en-US" sz="1600" i="1">
                                             <a:solidFill>
                                               <a:schemeClr val="tx1"/>
                                             </a:solidFill>
@@ -10815,7 +11894,7 @@
                                       </m:sub>
                                       <m:sup>
                                         <m:r>
-                                          <a:rPr lang="en-US" sz="2000" i="1">
+                                          <a:rPr lang="en-US" sz="1600" i="1">
                                             <a:solidFill>
                                               <a:schemeClr val="tx1"/>
                                             </a:solidFill>
@@ -10832,7 +11911,7 @@
                               </m:num>
                               <m:den>
                                 <m:r>
-                                  <a:rPr lang="en-US" sz="2000" i="1">
+                                  <a:rPr lang="en-US" sz="1600" i="1">
                                     <a:solidFill>
                                       <a:schemeClr val="tx1"/>
                                     </a:solidFill>
@@ -10845,7 +11924,7 @@
                               </m:den>
                             </m:f>
                             <m:r>
-                              <a:rPr lang="en-US" sz="2000" i="1">
+                              <a:rPr lang="en-US" sz="1600" i="1">
                                 <a:solidFill>
                                   <a:schemeClr val="tx1"/>
                                 </a:solidFill>
@@ -10858,7 +11937,7 @@
                             <m:f>
                               <m:fPr>
                                 <m:ctrlPr>
-                                  <a:rPr lang="en-US" sz="2000" i="1" smtClean="0">
+                                  <a:rPr lang="en-US" sz="1600" i="1" smtClean="0">
                                     <a:solidFill>
                                       <a:schemeClr val="tx1"/>
                                     </a:solidFill>
@@ -10872,7 +11951,7 @@
                                 <m:d>
                                   <m:dPr>
                                     <m:ctrlPr>
-                                      <a:rPr lang="en-US" sz="2000" b="0" i="1" smtClean="0">
+                                      <a:rPr lang="en-US" sz="1600" b="0" i="1" smtClean="0">
                                         <a:solidFill>
                                           <a:schemeClr val="tx1"/>
                                         </a:solidFill>
@@ -10886,7 +11965,7 @@
                                     <m:sSubSup>
                                       <m:sSubSupPr>
                                         <m:ctrlPr>
-                                          <a:rPr lang="en-US" sz="2000" b="0" i="1" smtClean="0">
+                                          <a:rPr lang="en-US" sz="1600" b="0" i="1" smtClean="0">
                                             <a:solidFill>
                                               <a:schemeClr val="tx1"/>
                                             </a:solidFill>
@@ -10898,7 +11977,7 @@
                                       </m:sSubSupPr>
                                       <m:e>
                                         <m:r>
-                                          <a:rPr lang="en-US" sz="2000" b="0" i="1" smtClean="0">
+                                          <a:rPr lang="en-US" sz="1600" b="0" i="1" smtClean="0">
                                             <a:solidFill>
                                               <a:schemeClr val="tx1"/>
                                             </a:solidFill>
@@ -10911,7 +11990,7 @@
                                       </m:e>
                                       <m:sub>
                                         <m:r>
-                                          <a:rPr lang="en-US" sz="2000" b="0" i="1" smtClean="0">
+                                          <a:rPr lang="en-US" sz="1600" b="0" i="1" smtClean="0">
                                             <a:solidFill>
                                               <a:schemeClr val="tx1"/>
                                             </a:solidFill>
@@ -10924,7 +12003,7 @@
                                       </m:sub>
                                       <m:sup>
                                         <m:r>
-                                          <a:rPr lang="en-US" sz="2000" b="0" i="1" smtClean="0">
+                                          <a:rPr lang="en-US" sz="1600" b="0" i="1" smtClean="0">
                                             <a:solidFill>
                                               <a:schemeClr val="tx1"/>
                                             </a:solidFill>
@@ -10937,7 +12016,7 @@
                                       </m:sup>
                                     </m:sSubSup>
                                     <m:r>
-                                      <a:rPr lang="en-US" sz="2000" b="0" i="1" smtClean="0">
+                                      <a:rPr lang="en-US" sz="1600" b="0" i="1" smtClean="0">
                                         <a:solidFill>
                                           <a:schemeClr val="tx1"/>
                                         </a:solidFill>
@@ -10950,7 +12029,7 @@
                                     <m:sSubSup>
                                       <m:sSubSupPr>
                                         <m:ctrlPr>
-                                          <a:rPr lang="en-US" sz="2000" b="0" i="1" smtClean="0">
+                                          <a:rPr lang="en-US" sz="1600" b="0" i="1" smtClean="0">
                                             <a:solidFill>
                                               <a:schemeClr val="tx1"/>
                                             </a:solidFill>
@@ -10962,7 +12041,7 @@
                                       </m:sSubSupPr>
                                       <m:e>
                                         <m:r>
-                                          <a:rPr lang="en-US" sz="2000" b="0" i="1" smtClean="0">
+                                          <a:rPr lang="en-US" sz="1600" b="0" i="1" smtClean="0">
                                             <a:solidFill>
                                               <a:schemeClr val="tx1"/>
                                             </a:solidFill>
@@ -10975,7 +12054,7 @@
                                       </m:e>
                                       <m:sub>
                                         <m:r>
-                                          <a:rPr lang="en-US" sz="2000" b="0" i="1" smtClean="0">
+                                          <a:rPr lang="en-US" sz="1600" b="0" i="1" smtClean="0">
                                             <a:solidFill>
                                               <a:schemeClr val="tx1"/>
                                             </a:solidFill>
@@ -10988,7 +12067,7 @@
                                       </m:sub>
                                       <m:sup>
                                         <m:r>
-                                          <a:rPr lang="en-US" sz="2000" b="0" i="1" smtClean="0">
+                                          <a:rPr lang="en-US" sz="1600" b="0" i="1" smtClean="0">
                                             <a:solidFill>
                                               <a:schemeClr val="tx1"/>
                                             </a:solidFill>
@@ -11005,7 +12084,7 @@
                               </m:num>
                               <m:den>
                                 <m:r>
-                                  <a:rPr lang="en-US" sz="2000" i="1" smtClean="0">
+                                  <a:rPr lang="en-US" sz="1600" i="1" smtClean="0">
                                     <a:solidFill>
                                       <a:schemeClr val="tx1"/>
                                     </a:solidFill>
@@ -11018,7 +12097,7 @@
                               </m:den>
                             </m:f>
                             <m:r>
-                              <a:rPr lang="en-US" sz="2000" i="1">
+                              <a:rPr lang="en-US" sz="1600" i="1">
                                 <a:solidFill>
                                   <a:schemeClr val="tx1"/>
                                 </a:solidFill>
@@ -11031,7 +12110,7 @@
                             <m:f>
                               <m:fPr>
                                 <m:ctrlPr>
-                                  <a:rPr lang="en-US" sz="2000" i="1" smtClean="0">
+                                  <a:rPr lang="en-US" sz="1600" i="1" smtClean="0">
                                     <a:solidFill>
                                       <a:schemeClr val="tx1"/>
                                     </a:solidFill>
@@ -11045,7 +12124,7 @@
                                 <m:sSub>
                                   <m:sSubPr>
                                     <m:ctrlPr>
-                                      <a:rPr lang="en-US" sz="2000" b="0" i="1" smtClean="0">
+                                      <a:rPr lang="en-US" sz="1600" b="0" i="1" smtClean="0">
                                         <a:solidFill>
                                           <a:schemeClr val="tx1"/>
                                         </a:solidFill>
@@ -11057,7 +12136,7 @@
                                   </m:sSubPr>
                                   <m:e>
                                     <m:r>
-                                      <a:rPr lang="en-US" sz="2000" b="0" i="1" smtClean="0">
+                                      <a:rPr lang="en-US" sz="1600" b="0" i="1" smtClean="0">
                                         <a:solidFill>
                                           <a:schemeClr val="tx1"/>
                                         </a:solidFill>
@@ -11070,7 +12149,7 @@
                                   </m:e>
                                   <m:sub>
                                     <m:r>
-                                      <a:rPr lang="en-US" sz="2000" b="0" i="1" smtClean="0">
+                                      <a:rPr lang="en-US" sz="1600" b="0" i="1" smtClean="0">
                                         <a:solidFill>
                                           <a:schemeClr val="tx1"/>
                                         </a:solidFill>
@@ -11085,7 +12164,7 @@
                                 <m:sSub>
                                   <m:sSubPr>
                                     <m:ctrlPr>
-                                      <a:rPr lang="en-US" sz="2000" b="0" i="1" smtClean="0">
+                                      <a:rPr lang="en-US" sz="1600" b="0" i="1" smtClean="0">
                                         <a:solidFill>
                                           <a:schemeClr val="tx1"/>
                                         </a:solidFill>
@@ -11097,7 +12176,7 @@
                                   </m:sSubPr>
                                   <m:e>
                                     <m:r>
-                                      <a:rPr lang="en-US" sz="2000" b="0" i="1" smtClean="0">
+                                      <a:rPr lang="en-US" sz="1600" b="0" i="1" smtClean="0">
                                         <a:solidFill>
                                           <a:schemeClr val="tx1"/>
                                         </a:solidFill>
@@ -11110,7 +12189,7 @@
                                   </m:e>
                                   <m:sub>
                                     <m:r>
-                                      <a:rPr lang="en-US" sz="2000" b="0" i="1" smtClean="0">
+                                      <a:rPr lang="en-US" sz="1600" b="0" i="1" smtClean="0">
                                         <a:solidFill>
                                           <a:schemeClr val="tx1"/>
                                         </a:solidFill>
@@ -11125,7 +12204,7 @@
                               </m:num>
                               <m:den>
                                 <m:r>
-                                  <a:rPr lang="en-US" sz="2000" i="1" smtClean="0">
+                                  <a:rPr lang="en-US" sz="1600" i="1" smtClean="0">
                                     <a:solidFill>
                                       <a:schemeClr val="tx1"/>
                                     </a:solidFill>
@@ -11142,7 +12221,7 @@
                       </m:e>
                       <m:sup>
                         <m:r>
-                          <a:rPr lang="en-US" sz="2000" i="1">
+                          <a:rPr lang="en-US" sz="1600" i="1">
                             <a:solidFill>
                               <a:schemeClr val="tx1"/>
                             </a:solidFill>
@@ -11156,7 +12235,7 @@
                     </m:sSup>
                   </m:oMath>
                 </a14:m>
-                <a:endParaRPr lang="en-US" sz="2000" i="1" dirty="0">
+                <a:endParaRPr lang="en-US" sz="1600" i="1" dirty="0">
                   <a:solidFill>
                     <a:schemeClr val="tx1"/>
                   </a:solidFill>
@@ -11171,7 +12250,7 @@
                   <a:buAutoNum type="arabicPeriod"/>
                 </a:pPr>
                 <a:r>
-                  <a:rPr lang="en-US" sz="2000" dirty="0">
+                  <a:rPr lang="en-US" sz="1600" dirty="0">
                     <a:solidFill>
                       <a:schemeClr val="tx1"/>
                     </a:solidFill>
@@ -11182,19 +12261,19 @@
                   <a:t>  </a:t>
                 </a:r>
                 <a:r>
-                  <a:rPr lang="en-US" sz="2000" dirty="0">
+                  <a:rPr lang="en-US" sz="1600" dirty="0">
                     <a:solidFill>
                       <a:schemeClr val="tx1"/>
                     </a:solidFill>
                     <a:ea typeface="Cambria Math" panose="02040503050406030204" pitchFamily="18" charset="0"/>
                     <a:cs typeface="Calibri Light" panose="020F0302020204030204" pitchFamily="34" charset="0"/>
                   </a:rPr>
-                  <a:t>                  </a:t>
+                  <a:t>                </a:t>
                 </a:r>
                 <a14:m>
                   <m:oMath xmlns:m="http://schemas.openxmlformats.org/officeDocument/2006/math">
                     <m:r>
-                      <a:rPr lang="en-US" sz="2000" i="1">
+                      <a:rPr lang="en-US" sz="1600" i="1">
                         <a:solidFill>
                           <a:schemeClr val="tx1"/>
                         </a:solidFill>
@@ -11209,7 +12288,7 @@
                         <m:begChr m:val=""/>
                         <m:endChr m:val="⟩"/>
                         <m:ctrlPr>
-                          <a:rPr lang="en-US" sz="2000" i="1">
+                          <a:rPr lang="en-US" sz="1600" i="1">
                             <a:solidFill>
                               <a:schemeClr val="tx1"/>
                             </a:solidFill>
@@ -11221,7 +12300,7 @@
                       </m:dPr>
                       <m:e>
                         <m:r>
-                          <a:rPr lang="en-US" sz="2000" i="1">
+                          <a:rPr lang="en-US" sz="1600" i="1">
                             <a:solidFill>
                               <a:schemeClr val="tx1"/>
                             </a:solidFill>
@@ -11234,7 +12313,7 @@
                         <m:d>
                           <m:dPr>
                             <m:ctrlPr>
-                              <a:rPr lang="en-US" sz="2000" i="1">
+                              <a:rPr lang="en-US" sz="1600" i="1">
                                 <a:solidFill>
                                   <a:schemeClr val="tx1"/>
                                 </a:solidFill>
@@ -11249,7 +12328,7 @@
                               <m:accPr>
                                 <m:chr m:val="⃗"/>
                                 <m:ctrlPr>
-                                  <a:rPr lang="en-US" sz="2000" i="1">
+                                  <a:rPr lang="en-US" sz="1600" i="1">
                                     <a:solidFill>
                                       <a:schemeClr val="tx1"/>
                                     </a:solidFill>
@@ -11261,7 +12340,7 @@
                               </m:accPr>
                               <m:e>
                                 <m:r>
-                                  <a:rPr lang="en-US" sz="2000" i="1">
+                                  <a:rPr lang="en-US" sz="1600" i="1">
                                     <a:solidFill>
                                       <a:schemeClr val="tx1"/>
                                     </a:solidFill>
@@ -11274,7 +12353,7 @@
                               </m:e>
                             </m:acc>
                             <m:r>
-                              <a:rPr lang="en-US" sz="2000" i="1">
+                              <a:rPr lang="en-US" sz="1600" i="1">
                                 <a:solidFill>
                                   <a:schemeClr val="tx1"/>
                                 </a:solidFill>
@@ -11285,7 +12364,7 @@
                               <m:t>,</m:t>
                             </m:r>
                             <m:r>
-                              <a:rPr lang="en-US" sz="2000" i="1">
+                              <a:rPr lang="en-US" sz="1600" i="1">
                                 <a:solidFill>
                                   <a:schemeClr val="tx1"/>
                                 </a:solidFill>
@@ -11300,7 +12379,7 @@
                       </m:e>
                     </m:d>
                     <m:r>
-                      <a:rPr lang="en-US" sz="2000" i="1">
+                      <a:rPr lang="en-US" sz="1600" i="1">
                         <a:solidFill>
                           <a:schemeClr val="tx1"/>
                         </a:solidFill>
@@ -11313,7 +12392,7 @@
                     <m:sSup>
                       <m:sSupPr>
                         <m:ctrlPr>
-                          <a:rPr lang="en-US" sz="2000" i="1">
+                          <a:rPr lang="en-US" sz="1600" i="1">
                             <a:solidFill>
                               <a:schemeClr val="tx1"/>
                             </a:solidFill>
@@ -11325,7 +12404,7 @@
                       </m:sSupPr>
                       <m:e>
                         <m:r>
-                          <a:rPr lang="en-US" sz="2000" i="1">
+                          <a:rPr lang="en-US" sz="1600" i="1">
                             <a:solidFill>
                               <a:schemeClr val="tx1"/>
                             </a:solidFill>
@@ -11338,7 +12417,7 @@
                       </m:e>
                       <m:sup>
                         <m:r>
-                          <a:rPr lang="en-US" sz="2000" i="1">
+                          <a:rPr lang="en-US" sz="1600" i="1">
                             <a:solidFill>
                               <a:schemeClr val="tx1"/>
                             </a:solidFill>
@@ -11351,7 +12430,7 @@
                       </m:sup>
                     </m:sSup>
                     <m:r>
-                      <a:rPr lang="en-US" sz="2000" i="1">
+                      <a:rPr lang="en-US" sz="1600" i="1">
                         <a:solidFill>
                           <a:schemeClr val="tx1"/>
                         </a:solidFill>
@@ -11366,7 +12445,7 @@
                         <m:begChr m:val=""/>
                         <m:endChr m:val="⟩"/>
                         <m:ctrlPr>
-                          <a:rPr lang="en-US" sz="2000" i="1">
+                          <a:rPr lang="en-US" sz="1600" i="1">
                             <a:solidFill>
                               <a:schemeClr val="tx1"/>
                             </a:solidFill>
@@ -11378,7 +12457,7 @@
                       </m:dPr>
                       <m:e>
                         <m:r>
-                          <a:rPr lang="en-US" sz="2000" i="1">
+                          <a:rPr lang="en-US" sz="1600" i="1">
                             <a:solidFill>
                               <a:schemeClr val="tx1"/>
                             </a:solidFill>
@@ -11388,11 +12467,77 @@
                           </a:rPr>
                           <m:t>𝜚</m:t>
                         </m:r>
+                        <m:d>
+                          <m:dPr>
+                            <m:ctrlPr>
+                              <a:rPr lang="en-US" sz="1600" i="1">
+                                <a:solidFill>
+                                  <a:schemeClr val="tx1"/>
+                                </a:solidFill>
+                                <a:latin typeface="Cambria Math" panose="02040503050406030204" pitchFamily="18" charset="0"/>
+                                <a:ea typeface="Cambria Math" panose="02040503050406030204" pitchFamily="18" charset="0"/>
+                                <a:cs typeface="Calibri Light" panose="020F0302020204030204" pitchFamily="34" charset="0"/>
+                              </a:rPr>
+                            </m:ctrlPr>
+                          </m:dPr>
+                          <m:e>
+                            <m:acc>
+                              <m:accPr>
+                                <m:chr m:val="⃗"/>
+                                <m:ctrlPr>
+                                  <a:rPr lang="en-US" sz="1600" i="1">
+                                    <a:solidFill>
+                                      <a:schemeClr val="tx1"/>
+                                    </a:solidFill>
+                                    <a:latin typeface="Cambria Math" panose="02040503050406030204" pitchFamily="18" charset="0"/>
+                                    <a:ea typeface="Cambria Math" panose="02040503050406030204" pitchFamily="18" charset="0"/>
+                                    <a:cs typeface="Calibri Light" panose="020F0302020204030204" pitchFamily="34" charset="0"/>
+                                  </a:rPr>
+                                </m:ctrlPr>
+                              </m:accPr>
+                              <m:e>
+                                <m:r>
+                                  <a:rPr lang="en-US" sz="1600" i="1">
+                                    <a:solidFill>
+                                      <a:schemeClr val="tx1"/>
+                                    </a:solidFill>
+                                    <a:latin typeface="Cambria Math" panose="02040503050406030204" pitchFamily="18" charset="0"/>
+                                    <a:ea typeface="Cambria Math" panose="02040503050406030204" pitchFamily="18" charset="0"/>
+                                    <a:cs typeface="Calibri Light" panose="020F0302020204030204" pitchFamily="34" charset="0"/>
+                                  </a:rPr>
+                                  <m:t>𝑥</m:t>
+                                </m:r>
+                              </m:e>
+                            </m:acc>
+                            <m:r>
+                              <a:rPr lang="en-US" sz="1600" i="1">
+                                <a:solidFill>
+                                  <a:schemeClr val="tx1"/>
+                                </a:solidFill>
+                                <a:latin typeface="Cambria Math" panose="02040503050406030204" pitchFamily="18" charset="0"/>
+                                <a:ea typeface="Cambria Math" panose="02040503050406030204" pitchFamily="18" charset="0"/>
+                                <a:cs typeface="Calibri Light" panose="020F0302020204030204" pitchFamily="34" charset="0"/>
+                              </a:rPr>
+                              <m:t>,</m:t>
+                            </m:r>
+                            <m:r>
+                              <a:rPr lang="en-US" sz="1600" i="1">
+                                <a:solidFill>
+                                  <a:schemeClr val="tx1"/>
+                                </a:solidFill>
+                                <a:latin typeface="Cambria Math" panose="02040503050406030204" pitchFamily="18" charset="0"/>
+                                <a:ea typeface="Cambria Math" panose="02040503050406030204" pitchFamily="18" charset="0"/>
+                                <a:cs typeface="Calibri Light" panose="020F0302020204030204" pitchFamily="34" charset="0"/>
+                              </a:rPr>
+                              <m:t>𝑡</m:t>
+                            </m:r>
+                          </m:e>
+                        </m:d>
                       </m:e>
                     </m:d>
                   </m:oMath>
                 </a14:m>
-                <a:endParaRPr lang="es-CO" sz="2000" i="1" dirty="0">
+                <a:endParaRPr lang="es-CO" sz="1600" i="1" dirty="0">
                   <a:solidFill>
                     <a:schemeClr val="tx1"/>
                   </a:solidFill>
@@ -11406,7 +12551,7 @@
                   <a:buFont typeface="+mj-lt"/>
                   <a:buAutoNum type="arabicPeriod"/>
                 </a:pPr>
-                <a:endParaRPr lang="es-CO" sz="2000" i="1" dirty="0">
+                <a:endParaRPr lang="es-CO" sz="1600" i="1" dirty="0">
                   <a:solidFill>
                     <a:schemeClr val="tx1"/>
                   </a:solidFill>
@@ -11421,7 +12566,7 @@
                   <a:buAutoNum type="arabicPeriod"/>
                 </a:pPr>
                 <a:r>
-                  <a:rPr lang="es-CO" dirty="0">
+                  <a:rPr lang="es-CO" sz="1600" dirty="0">
                     <a:solidFill>
                       <a:schemeClr val="tx1"/>
                     </a:solidFill>
@@ -11433,7 +12578,7 @@
                 <a14:m>
                   <m:oMath xmlns:m="http://schemas.openxmlformats.org/officeDocument/2006/math">
                     <m:r>
-                      <a:rPr lang="en-US" sz="2000" i="1">
+                      <a:rPr lang="en-US" sz="1600" i="1">
                         <a:solidFill>
                           <a:schemeClr val="tx1"/>
                         </a:solidFill>
@@ -11448,7 +12593,7 @@
                         <m:begChr m:val=""/>
                         <m:endChr m:val="⟩"/>
                         <m:ctrlPr>
-                          <a:rPr lang="en-US" sz="2000" i="1">
+                          <a:rPr lang="en-US" sz="1600" i="1">
                             <a:solidFill>
                               <a:schemeClr val="tx1"/>
                             </a:solidFill>
@@ -11463,7 +12608,7 @@
                           <m:rPr>
                             <m:sty m:val="p"/>
                           </m:rPr>
-                          <a:rPr lang="el-GR" sz="2000" i="1" smtClean="0">
+                          <a:rPr lang="el-GR" sz="1600" i="1" smtClean="0">
                             <a:solidFill>
                               <a:schemeClr val="tx1"/>
                             </a:solidFill>
@@ -11474,7 +12619,7 @@
                           <m:t>Δ</m:t>
                         </m:r>
                         <m:r>
-                          <a:rPr lang="en-US" sz="2000" i="1">
+                          <a:rPr lang="en-US" sz="1600" i="1">
                             <a:solidFill>
                               <a:schemeClr val="tx1"/>
                             </a:solidFill>
@@ -11487,7 +12632,7 @@
                       </m:e>
                     </m:d>
                     <m:r>
-                      <a:rPr lang="en-US" sz="2000" b="0" i="1" smtClean="0">
+                      <a:rPr lang="en-US" sz="1600" b="0" i="1" smtClean="0">
                         <a:solidFill>
                           <a:schemeClr val="tx1"/>
                         </a:solidFill>
@@ -11498,7 +12643,7 @@
                       <m:t>=</m:t>
                     </m:r>
                     <m:r>
-                      <a:rPr lang="en-US" sz="2000" b="0" i="1" smtClean="0">
+                      <a:rPr lang="en-US" sz="1600" b="0" i="1" smtClean="0">
                         <a:solidFill>
                           <a:schemeClr val="tx1"/>
                         </a:solidFill>
@@ -11509,7 +12654,7 @@
                       <m:t>𝑆</m:t>
                     </m:r>
                     <m:r>
-                      <a:rPr lang="en-US" sz="2000" b="0" i="1" smtClean="0">
+                      <a:rPr lang="en-US" sz="1600" b="0" i="1" smtClean="0">
                         <a:solidFill>
                           <a:schemeClr val="tx1"/>
                         </a:solidFill>
@@ -11524,7 +12669,7 @@
                         <m:begChr m:val=""/>
                         <m:endChr m:val="⟩"/>
                         <m:ctrlPr>
-                          <a:rPr lang="en-US" sz="2000" i="1">
+                          <a:rPr lang="en-US" sz="1600" i="1">
                             <a:solidFill>
                               <a:schemeClr val="tx1"/>
                             </a:solidFill>
@@ -11536,7 +12681,7 @@
                       </m:dPr>
                       <m:e>
                         <m:r>
-                          <a:rPr lang="en-US" sz="2000" i="1">
+                          <a:rPr lang="en-US" sz="1600" i="1">
                             <a:solidFill>
                               <a:schemeClr val="tx1"/>
                             </a:solidFill>
@@ -11549,7 +12694,7 @@
                       </m:e>
                     </m:d>
                     <m:r>
-                      <a:rPr lang="en-US" sz="2000" b="0" i="1" smtClean="0">
+                      <a:rPr lang="en-US" sz="1600" b="0" i="1" smtClean="0">
                         <a:solidFill>
                           <a:schemeClr val="tx1"/>
                         </a:solidFill>
@@ -11560,7 +12705,7 @@
                       <m:t>−</m:t>
                     </m:r>
                     <m:r>
-                      <a:rPr lang="en-US" sz="2000" i="1">
+                      <a:rPr lang="en-US" sz="1600" i="1">
                         <a:solidFill>
                           <a:schemeClr val="tx1"/>
                         </a:solidFill>
@@ -11575,7 +12720,7 @@
                         <m:begChr m:val=""/>
                         <m:endChr m:val="⟩"/>
                         <m:ctrlPr>
-                          <a:rPr lang="en-US" sz="2000" i="1">
+                          <a:rPr lang="en-US" sz="1600" i="1">
                             <a:solidFill>
                               <a:schemeClr val="tx1"/>
                             </a:solidFill>
@@ -11589,7 +12734,7 @@
                         <m:sSup>
                           <m:sSupPr>
                             <m:ctrlPr>
-                              <a:rPr lang="en-US" sz="2000" i="1">
+                              <a:rPr lang="en-US" sz="1600" i="1">
                                 <a:solidFill>
                                   <a:schemeClr val="tx1"/>
                                 </a:solidFill>
@@ -11601,7 +12746,7 @@
                           </m:sSupPr>
                           <m:e>
                             <m:r>
-                              <a:rPr lang="en-US" sz="2000" i="1">
+                              <a:rPr lang="en-US" sz="1600" i="1">
                                 <a:solidFill>
                                   <a:schemeClr val="tx1"/>
                                 </a:solidFill>
@@ -11616,7 +12761,7 @@
                             <m:d>
                               <m:dPr>
                                 <m:ctrlPr>
-                                  <a:rPr lang="en-US" sz="2000" i="1">
+                                  <a:rPr lang="en-US" sz="1600" i="1">
                                     <a:solidFill>
                                       <a:schemeClr val="tx1"/>
                                     </a:solidFill>
@@ -11628,7 +12773,7 @@
                               </m:dPr>
                               <m:e>
                                 <m:r>
-                                  <a:rPr lang="en-US" sz="2000" i="1">
+                                  <a:rPr lang="en-US" sz="1600" i="1">
                                     <a:solidFill>
                                       <a:schemeClr val="tx1"/>
                                     </a:solidFill>
@@ -11645,7 +12790,7 @@
                       </m:e>
                     </m:d>
                     <m:r>
-                      <a:rPr lang="en-US" sz="2000" b="0" i="1" smtClean="0">
+                      <a:rPr lang="en-US" sz="1600" b="0" i="1" smtClean="0">
                         <a:solidFill>
                           <a:schemeClr val="tx1"/>
                         </a:solidFill>
@@ -11658,7 +12803,7 @@
                   </m:oMath>
                 </a14:m>
                 <a:r>
-                  <a:rPr lang="es-CO" dirty="0">
+                  <a:rPr lang="es-CO" sz="1600" dirty="0">
                     <a:solidFill>
                       <a:schemeClr val="tx1"/>
                     </a:solidFill>
@@ -11667,7 +12812,7 @@
                   </a:rPr>
                   <a:t> </a:t>
                 </a:r>
-                <a:endParaRPr lang="en-US" sz="2000" i="1" dirty="0">
+                <a:endParaRPr lang="en-US" sz="1600" i="1" dirty="0">
                   <a:solidFill>
                     <a:schemeClr val="tx1"/>
                   </a:solidFill>
@@ -11682,7 +12827,7 @@
                   <a:buAutoNum type="arabicPeriod"/>
                 </a:pPr>
                 <a:r>
-                  <a:rPr lang="en-US" sz="2000" dirty="0">
+                  <a:rPr lang="en-US" sz="1600" dirty="0">
                     <a:solidFill>
                       <a:schemeClr val="tx1"/>
                     </a:solidFill>
@@ -11693,14 +12838,14 @@
                   <a:t>        </a:t>
                 </a:r>
                 <a:r>
-                  <a:rPr lang="en-US" sz="2000" dirty="0">
+                  <a:rPr lang="en-US" sz="1600" dirty="0">
                     <a:solidFill>
                       <a:schemeClr val="tx1"/>
                     </a:solidFill>
                     <a:ea typeface="Cambria Math" panose="02040503050406030204" pitchFamily="18" charset="0"/>
                     <a:cs typeface="Calibri Light" panose="020F0302020204030204" pitchFamily="34" charset="0"/>
                   </a:rPr>
-                  <a:t>                   </a:t>
+                  <a:t>                 </a:t>
                 </a:r>
                 <a14:m>
                   <m:oMath xmlns:m="http://schemas.openxmlformats.org/officeDocument/2006/math">
@@ -11709,7 +12854,7 @@
                         <m:begChr m:val=""/>
                         <m:endChr m:val="⟩"/>
                         <m:ctrlPr>
-                          <a:rPr lang="en-US" sz="2000" i="1">
+                          <a:rPr lang="en-US" sz="1600" i="1">
                             <a:solidFill>
                               <a:schemeClr val="tx1"/>
                             </a:solidFill>
@@ -11721,7 +12866,7 @@
                       </m:dPr>
                       <m:e>
                         <m:r>
-                          <a:rPr lang="en-US" sz="2000" i="1">
+                          <a:rPr lang="en-US" sz="1600" i="1">
                             <a:solidFill>
                               <a:schemeClr val="tx1"/>
                             </a:solidFill>
@@ -11734,7 +12879,7 @@
                         <m:sSup>
                           <m:sSupPr>
                             <m:ctrlPr>
-                              <a:rPr lang="en-US" sz="2000" i="1">
+                              <a:rPr lang="en-US" sz="1600" i="1">
                                 <a:solidFill>
                                   <a:schemeClr val="tx1"/>
                                 </a:solidFill>
@@ -11746,7 +12891,7 @@
                           </m:sSupPr>
                           <m:e>
                             <m:r>
-                              <a:rPr lang="en-US" sz="2000" i="1">
+                              <a:rPr lang="en-US" sz="1600" i="1">
                                 <a:solidFill>
                                   <a:schemeClr val="tx1"/>
                                 </a:solidFill>
@@ -11762,7 +12907,7 @@
                               <m:rPr>
                                 <m:sty m:val="p"/>
                               </m:rPr>
-                              <a:rPr lang="en-US" sz="2000">
+                              <a:rPr lang="en-US" sz="1600">
                                 <a:solidFill>
                                   <a:schemeClr val="tx1"/>
                                 </a:solidFill>
@@ -11777,7 +12922,7 @@
                         <m:d>
                           <m:dPr>
                             <m:ctrlPr>
-                              <a:rPr lang="en-US" sz="2000" i="1">
+                              <a:rPr lang="en-US" sz="1600" i="1">
                                 <a:solidFill>
                                   <a:schemeClr val="tx1"/>
                                 </a:solidFill>
@@ -11792,7 +12937,7 @@
                               <m:accPr>
                                 <m:chr m:val="⃗"/>
                                 <m:ctrlPr>
-                                  <a:rPr lang="en-US" sz="2000" i="1">
+                                  <a:rPr lang="en-US" sz="1600" i="1">
                                     <a:solidFill>
                                       <a:schemeClr val="tx1"/>
                                     </a:solidFill>
@@ -11804,7 +12949,7 @@
                               </m:accPr>
                               <m:e>
                                 <m:r>
-                                  <a:rPr lang="en-US" sz="2000" i="1">
+                                  <a:rPr lang="en-US" sz="1600" i="1">
                                     <a:solidFill>
                                       <a:schemeClr val="tx1"/>
                                     </a:solidFill>
@@ -11817,7 +12962,7 @@
                               </m:e>
                             </m:acc>
                             <m:r>
-                              <a:rPr lang="en-US" sz="2000" i="1">
+                              <a:rPr lang="en-US" sz="1600" i="1">
                                 <a:solidFill>
                                   <a:schemeClr val="tx1"/>
                                 </a:solidFill>
@@ -11828,7 +12973,7 @@
                               <m:t>,</m:t>
                             </m:r>
                             <m:r>
-                              <a:rPr lang="en-US" sz="2000" i="1">
+                              <a:rPr lang="en-US" sz="1600" i="1">
                                 <a:solidFill>
                                   <a:schemeClr val="tx1"/>
                                 </a:solidFill>
@@ -11843,7 +12988,7 @@
                       </m:e>
                     </m:d>
                     <m:r>
-                      <a:rPr lang="en-US" sz="2000" i="1">
+                      <a:rPr lang="en-US" sz="1600" i="1">
                         <a:solidFill>
                           <a:schemeClr val="tx1"/>
                         </a:solidFill>
@@ -11854,7 +12999,7 @@
                       <m:t>=</m:t>
                     </m:r>
                     <m:r>
-                      <a:rPr lang="en-US" sz="2000" i="1">
+                      <a:rPr lang="en-US" sz="1600" i="1">
                         <a:solidFill>
                           <a:schemeClr val="tx1"/>
                         </a:solidFill>
@@ -11869,7 +13014,7 @@
                         <m:begChr m:val=""/>
                         <m:endChr m:val="⟩"/>
                         <m:ctrlPr>
-                          <a:rPr lang="en-US" sz="2000" i="1">
+                          <a:rPr lang="en-US" sz="1600" i="1">
                             <a:solidFill>
                               <a:schemeClr val="tx1"/>
                             </a:solidFill>
@@ -11881,7 +13026,7 @@
                       </m:dPr>
                       <m:e>
                         <m:r>
-                          <a:rPr lang="en-US" sz="2000" i="1">
+                          <a:rPr lang="en-US" sz="1600" i="1">
                             <a:solidFill>
                               <a:schemeClr val="tx1"/>
                             </a:solidFill>
@@ -11894,7 +13039,7 @@
                         <m:d>
                           <m:dPr>
                             <m:ctrlPr>
-                              <a:rPr lang="en-US" sz="2000" i="1">
+                              <a:rPr lang="en-US" sz="1600" i="1">
                                 <a:solidFill>
                                   <a:schemeClr val="tx1"/>
                                 </a:solidFill>
@@ -11909,7 +13054,7 @@
                               <m:accPr>
                                 <m:chr m:val="⃗"/>
                                 <m:ctrlPr>
-                                  <a:rPr lang="en-US" sz="2000" i="1">
+                                  <a:rPr lang="en-US" sz="1600" i="1">
                                     <a:solidFill>
                                       <a:schemeClr val="tx1"/>
                                     </a:solidFill>
@@ -11921,7 +13066,7 @@
                               </m:accPr>
                               <m:e>
                                 <m:r>
-                                  <a:rPr lang="en-US" sz="2000" i="1">
+                                  <a:rPr lang="en-US" sz="1600" i="1">
                                     <a:solidFill>
                                       <a:schemeClr val="tx1"/>
                                     </a:solidFill>
@@ -11934,7 +13079,7 @@
                               </m:e>
                             </m:acc>
                             <m:r>
-                              <a:rPr lang="en-US" sz="2000" i="1">
+                              <a:rPr lang="en-US" sz="1600" i="1">
                                 <a:solidFill>
                                   <a:schemeClr val="tx1"/>
                                 </a:solidFill>
@@ -11945,7 +13090,7 @@
                               <m:t>,</m:t>
                             </m:r>
                             <m:r>
-                              <a:rPr lang="en-US" sz="2000" i="1">
+                              <a:rPr lang="en-US" sz="1600" i="1">
                                 <a:solidFill>
                                   <a:schemeClr val="tx1"/>
                                 </a:solidFill>
@@ -11960,7 +13105,7 @@
                       </m:e>
                     </m:d>
                     <m:r>
-                      <a:rPr lang="en-US" sz="2000" i="1">
+                      <a:rPr lang="en-US" sz="1600" i="1">
                         <a:solidFill>
                           <a:schemeClr val="tx1"/>
                         </a:solidFill>
@@ -11973,7 +13118,7 @@
                     <m:sSup>
                       <m:sSupPr>
                         <m:ctrlPr>
-                          <a:rPr lang="en-US" sz="2000" i="1">
+                          <a:rPr lang="en-US" sz="1600" i="1">
                             <a:solidFill>
                               <a:schemeClr val="tx1"/>
                             </a:solidFill>
@@ -11985,7 +13130,7 @@
                       </m:sSupPr>
                       <m:e>
                         <m:r>
-                          <a:rPr lang="en-US" sz="2000" i="1">
+                          <a:rPr lang="en-US" sz="1600" i="1">
                             <a:solidFill>
                               <a:schemeClr val="tx1"/>
                             </a:solidFill>
@@ -11998,7 +13143,7 @@
                       </m:e>
                       <m:sup>
                         <m:r>
-                          <a:rPr lang="en-US" sz="2000" i="1">
+                          <a:rPr lang="en-US" sz="1600" i="1">
                             <a:solidFill>
                               <a:schemeClr val="tx1"/>
                             </a:solidFill>
@@ -12011,7 +13156,7 @@
                       </m:sup>
                     </m:sSup>
                     <m:r>
-                      <a:rPr lang="en-US" sz="2000" i="1">
+                      <a:rPr lang="en-US" sz="1600" i="1">
                         <a:solidFill>
                           <a:schemeClr val="tx1"/>
                         </a:solidFill>
@@ -12025,7 +13170,7 @@
                       <m:rPr>
                         <m:sty m:val="p"/>
                       </m:rPr>
-                      <a:rPr lang="el-GR" sz="2000" i="1">
+                      <a:rPr lang="el-GR" sz="1600" i="1">
                         <a:solidFill>
                           <a:schemeClr val="tx1"/>
                         </a:solidFill>
@@ -12040,7 +13185,7 @@
                         <m:begChr m:val=""/>
                         <m:endChr m:val="⟩"/>
                         <m:ctrlPr>
-                          <a:rPr lang="en-US" sz="2000" i="1">
+                          <a:rPr lang="en-US" sz="1600" i="1">
                             <a:solidFill>
                               <a:schemeClr val="tx1"/>
                             </a:solidFill>
@@ -12052,7 +13197,7 @@
                       </m:dPr>
                       <m:e>
                         <m:r>
-                          <a:rPr lang="en-US" sz="2000" i="1">
+                          <a:rPr lang="en-US" sz="1600" i="1">
                             <a:solidFill>
                               <a:schemeClr val="tx1"/>
                             </a:solidFill>
@@ -12066,7 +13211,7 @@
                     </m:d>
                   </m:oMath>
                 </a14:m>
-                <a:endParaRPr lang="es-CO" dirty="0">
+                <a:endParaRPr lang="es-CO" sz="1600" dirty="0">
                   <a:solidFill>
                     <a:schemeClr val="tx1"/>
                   </a:solidFill>
@@ -12079,7 +13224,7 @@
                   <a:buFont typeface="+mj-lt"/>
                   <a:buAutoNum type="arabicPeriod"/>
                 </a:pPr>
-                <a:endParaRPr lang="es-CO" dirty="0">
+                <a:endParaRPr lang="es-CO" sz="1600" dirty="0">
                   <a:solidFill>
                     <a:schemeClr val="tx1"/>
                   </a:solidFill>
@@ -12093,7 +13238,7 @@
                   <a:buAutoNum type="arabicPeriod"/>
                 </a:pPr>
                 <a:r>
-                  <a:rPr lang="es-CO" dirty="0" err="1">
+                  <a:rPr lang="es-CO" sz="1600" dirty="0" err="1">
                     <a:solidFill>
                       <a:schemeClr val="tx1"/>
                     </a:solidFill>
@@ -12103,7 +13248,7 @@
                   <a:t>Adveccione</a:t>
                 </a:r>
                 <a:r>
-                  <a:rPr lang="es-CO" dirty="0">
+                  <a:rPr lang="es-CO" sz="1600" dirty="0">
                     <a:solidFill>
                       <a:schemeClr val="tx1"/>
                     </a:solidFill>
@@ -12115,7 +13260,7 @@
                 <a14:m>
                   <m:oMath xmlns:m="http://schemas.openxmlformats.org/officeDocument/2006/math">
                     <m:r>
-                      <a:rPr lang="en-US" sz="2000" i="1">
+                      <a:rPr lang="en-US" sz="1600" i="1">
                         <a:solidFill>
                           <a:schemeClr val="tx1"/>
                         </a:solidFill>
@@ -12130,7 +13275,7 @@
                         <m:begChr m:val=""/>
                         <m:endChr m:val="⟩"/>
                         <m:ctrlPr>
-                          <a:rPr lang="en-US" sz="2000" i="1">
+                          <a:rPr lang="en-US" sz="1600" i="1">
                             <a:solidFill>
                               <a:schemeClr val="tx1"/>
                             </a:solidFill>
@@ -12142,7 +13287,7 @@
                       </m:dPr>
                       <m:e>
                         <m:r>
-                          <a:rPr lang="en-US" sz="2000" i="1">
+                          <a:rPr lang="en-US" sz="1600" i="1">
                             <a:solidFill>
                               <a:schemeClr val="tx1"/>
                             </a:solidFill>
@@ -12155,7 +13300,7 @@
                         <m:d>
                           <m:dPr>
                             <m:ctrlPr>
-                              <a:rPr lang="en-US" sz="2000" i="1">
+                              <a:rPr lang="en-US" sz="1600" i="1">
                                 <a:solidFill>
                                   <a:schemeClr val="tx1"/>
                                 </a:solidFill>
@@ -12170,7 +13315,7 @@
                               <m:accPr>
                                 <m:chr m:val="⃗"/>
                                 <m:ctrlPr>
-                                  <a:rPr lang="en-US" sz="2000" i="1">
+                                  <a:rPr lang="en-US" sz="1600" i="1">
                                     <a:solidFill>
                                       <a:schemeClr val="tx1"/>
                                     </a:solidFill>
@@ -12182,7 +13327,7 @@
                               </m:accPr>
                               <m:e>
                                 <m:r>
-                                  <a:rPr lang="en-US" sz="2000" i="1">
+                                  <a:rPr lang="en-US" sz="1600" i="1">
                                     <a:solidFill>
                                       <a:schemeClr val="tx1"/>
                                     </a:solidFill>
@@ -12195,7 +13340,7 @@
                               </m:e>
                             </m:acc>
                             <m:r>
-                              <a:rPr lang="en-US" sz="2000" i="1">
+                              <a:rPr lang="en-US" sz="1600" i="1">
                                 <a:solidFill>
                                   <a:schemeClr val="tx1"/>
                                 </a:solidFill>
@@ -12209,7 +13354,7 @@
                               <m:accPr>
                                 <m:chr m:val="⃗"/>
                                 <m:ctrlPr>
-                                  <a:rPr lang="en-US" sz="2000" b="0" i="1" smtClean="0">
+                                  <a:rPr lang="en-US" sz="1600" b="0" i="1" smtClean="0">
                                     <a:solidFill>
                                       <a:schemeClr val="tx1"/>
                                     </a:solidFill>
@@ -12221,7 +13366,7 @@
                               </m:accPr>
                               <m:e>
                                 <m:r>
-                                  <a:rPr lang="en-US" sz="2000" b="0" i="1" smtClean="0">
+                                  <a:rPr lang="en-US" sz="1600" b="0" i="1" smtClean="0">
                                     <a:solidFill>
                                       <a:schemeClr val="tx1"/>
                                     </a:solidFill>
@@ -12234,7 +13379,7 @@
                               </m:e>
                             </m:acc>
                             <m:r>
-                              <a:rPr lang="en-US" sz="2000" i="1">
+                              <a:rPr lang="en-US" sz="1600" b="0" i="1" smtClean="0">
                                 <a:solidFill>
                                   <a:schemeClr val="tx1"/>
                                 </a:solidFill>
@@ -12242,10 +13387,21 @@
                                 <a:ea typeface="Cambria Math" panose="02040503050406030204" pitchFamily="18" charset="0"/>
                                 <a:cs typeface="Calibri Light" panose="020F0302020204030204" pitchFamily="34" charset="0"/>
                               </a:rPr>
-                              <m:t>,  </m:t>
+                              <m:t>,</m:t>
                             </m:r>
                             <m:r>
-                              <a:rPr lang="en-US" sz="2000" i="1">
+                              <a:rPr lang="en-US" sz="1600" i="1">
+                                <a:solidFill>
+                                  <a:schemeClr val="tx1"/>
+                                </a:solidFill>
+                                <a:latin typeface="Cambria Math" panose="02040503050406030204" pitchFamily="18" charset="0"/>
+                                <a:ea typeface="Cambria Math" panose="02040503050406030204" pitchFamily="18" charset="0"/>
+                                <a:cs typeface="Calibri Light" panose="020F0302020204030204" pitchFamily="34" charset="0"/>
+                              </a:rPr>
+                              <m:t> </m:t>
+                            </m:r>
+                            <m:r>
+                              <a:rPr lang="en-US" sz="1600" i="1">
                                 <a:solidFill>
                                   <a:schemeClr val="tx1"/>
                                 </a:solidFill>
@@ -12256,7 +13412,7 @@
                               <m:t>𝑡</m:t>
                             </m:r>
                             <m:r>
-                              <a:rPr lang="en-US" sz="2000" i="1">
+                              <a:rPr lang="en-US" sz="1600" i="1">
                                 <a:solidFill>
                                   <a:schemeClr val="tx1"/>
                                 </a:solidFill>
@@ -12271,7 +13427,7 @@
                       </m:e>
                     </m:d>
                     <m:r>
-                      <a:rPr lang="en-US" sz="2000" b="0" i="1" smtClean="0">
+                      <a:rPr lang="en-US" sz="1600" b="0" i="1" smtClean="0">
                         <a:solidFill>
                           <a:schemeClr val="tx1"/>
                         </a:solidFill>
@@ -12282,7 +13438,7 @@
                       <m:t>=</m:t>
                     </m:r>
                     <m:r>
-                      <a:rPr lang="en-US" sz="2000" i="1">
+                      <a:rPr lang="en-US" sz="1600" i="1">
                         <a:solidFill>
                           <a:schemeClr val="tx1"/>
                         </a:solidFill>
@@ -12297,7 +13453,7 @@
                         <m:begChr m:val=""/>
                         <m:endChr m:val="⟩"/>
                         <m:ctrlPr>
-                          <a:rPr lang="en-US" sz="2000" i="1">
+                          <a:rPr lang="en-US" sz="1600" i="1">
                             <a:solidFill>
                               <a:schemeClr val="tx1"/>
                             </a:solidFill>
@@ -12311,7 +13467,7 @@
                         <m:sSup>
                           <m:sSupPr>
                             <m:ctrlPr>
-                              <a:rPr lang="en-US" sz="2000" i="1">
+                              <a:rPr lang="en-US" sz="1600" i="1">
                                 <a:solidFill>
                                   <a:schemeClr val="tx1"/>
                                 </a:solidFill>
@@ -12323,7 +13479,7 @@
                           </m:sSupPr>
                           <m:e>
                             <m:r>
-                              <a:rPr lang="en-US" sz="2000" i="1">
+                              <a:rPr lang="en-US" sz="1600" i="1">
                                 <a:solidFill>
                                   <a:schemeClr val="tx1"/>
                                 </a:solidFill>
@@ -12339,7 +13495,7 @@
                               <m:rPr>
                                 <m:sty m:val="p"/>
                               </m:rPr>
-                              <a:rPr lang="en-US" sz="2000">
+                              <a:rPr lang="en-US" sz="1600">
                                 <a:solidFill>
                                   <a:schemeClr val="tx1"/>
                                 </a:solidFill>
@@ -12354,7 +13510,7 @@
                         <m:d>
                           <m:dPr>
                             <m:ctrlPr>
-                              <a:rPr lang="en-US" sz="2000" i="1">
+                              <a:rPr lang="en-US" sz="1600" i="1">
                                 <a:solidFill>
                                   <a:schemeClr val="tx1"/>
                                 </a:solidFill>
@@ -12369,7 +13525,7 @@
                               <m:accPr>
                                 <m:chr m:val="⃗"/>
                                 <m:ctrlPr>
-                                  <a:rPr lang="en-US" sz="2000" i="1">
+                                  <a:rPr lang="en-US" sz="1600" i="1">
                                     <a:solidFill>
                                       <a:schemeClr val="tx1"/>
                                     </a:solidFill>
@@ -12381,7 +13537,7 @@
                               </m:accPr>
                               <m:e>
                                 <m:r>
-                                  <a:rPr lang="en-US" sz="2000" i="1">
+                                  <a:rPr lang="en-US" sz="1600" i="1">
                                     <a:solidFill>
                                       <a:schemeClr val="tx1"/>
                                     </a:solidFill>
@@ -12394,7 +13550,7 @@
                               </m:e>
                             </m:acc>
                             <m:r>
-                              <a:rPr lang="en-US" sz="2000" i="1">
+                              <a:rPr lang="en-US" sz="1600" i="1">
                                 <a:solidFill>
                                   <a:schemeClr val="tx1"/>
                                 </a:solidFill>
@@ -12405,7 +13561,7 @@
                               <m:t>,</m:t>
                             </m:r>
                             <m:r>
-                              <a:rPr lang="en-US" sz="2000" i="1">
+                              <a:rPr lang="en-US" sz="1600" i="1">
                                 <a:solidFill>
                                   <a:schemeClr val="tx1"/>
                                 </a:solidFill>
@@ -12421,7 +13577,7 @@
                     </m:d>
                   </m:oMath>
                 </a14:m>
-                <a:endParaRPr lang="en-US" sz="2000" i="1" dirty="0">
+                <a:endParaRPr lang="en-US" sz="1600" i="1" dirty="0">
                   <a:solidFill>
                     <a:schemeClr val="tx1"/>
                   </a:solidFill>
@@ -12436,7 +13592,7 @@
                   <a:buAutoNum type="arabicPeriod"/>
                 </a:pPr>
                 <a:r>
-                  <a:rPr lang="en-US" sz="2000" dirty="0">
+                  <a:rPr lang="en-US" sz="1600" dirty="0">
                     <a:solidFill>
                       <a:schemeClr val="tx1"/>
                     </a:solidFill>
@@ -12447,19 +13603,19 @@
                   <a:t>            </a:t>
                 </a:r>
                 <a:r>
-                  <a:rPr lang="en-US" sz="2000" dirty="0">
+                  <a:rPr lang="en-US" sz="1600" dirty="0">
                     <a:solidFill>
                       <a:schemeClr val="tx1"/>
                     </a:solidFill>
                     <a:ea typeface="Cambria Math" panose="02040503050406030204" pitchFamily="18" charset="0"/>
                     <a:cs typeface="Calibri Light" panose="020F0302020204030204" pitchFamily="34" charset="0"/>
                   </a:rPr>
-                  <a:t>                    </a:t>
+                  <a:t>                  </a:t>
                 </a:r>
                 <a14:m>
                   <m:oMath xmlns:m="http://schemas.openxmlformats.org/officeDocument/2006/math">
                     <m:r>
-                      <a:rPr lang="en-US" sz="2000" i="1">
+                      <a:rPr lang="en-US" sz="1600" i="1">
                         <a:solidFill>
                           <a:schemeClr val="tx1"/>
                         </a:solidFill>
@@ -12474,7 +13630,7 @@
                         <m:begChr m:val=""/>
                         <m:endChr m:val="⟩"/>
                         <m:ctrlPr>
-                          <a:rPr lang="en-US" sz="2000" i="1">
+                          <a:rPr lang="en-US" sz="1600" i="1">
                             <a:solidFill>
                               <a:schemeClr val="tx1"/>
                             </a:solidFill>
@@ -12486,7 +13642,7 @@
                       </m:dPr>
                       <m:e>
                         <m:r>
-                          <a:rPr lang="en-US" sz="2000" i="1" smtClean="0">
+                          <a:rPr lang="en-US" sz="1600" i="1" smtClean="0">
                             <a:solidFill>
                               <a:schemeClr val="tx1"/>
                             </a:solidFill>
@@ -12499,7 +13655,7 @@
                         <m:d>
                           <m:dPr>
                             <m:ctrlPr>
-                              <a:rPr lang="en-US" sz="2000" i="1">
+                              <a:rPr lang="en-US" sz="1600" i="1">
                                 <a:solidFill>
                                   <a:schemeClr val="tx1"/>
                                 </a:solidFill>
@@ -12514,7 +13670,7 @@
                               <m:accPr>
                                 <m:chr m:val="⃗"/>
                                 <m:ctrlPr>
-                                  <a:rPr lang="en-US" sz="2000" i="1">
+                                  <a:rPr lang="en-US" sz="1600" i="1">
                                     <a:solidFill>
                                       <a:schemeClr val="tx1"/>
                                     </a:solidFill>
@@ -12526,7 +13682,7 @@
                               </m:accPr>
                               <m:e>
                                 <m:r>
-                                  <a:rPr lang="en-US" sz="2000" i="1">
+                                  <a:rPr lang="en-US" sz="1600" i="1">
                                     <a:solidFill>
                                       <a:schemeClr val="tx1"/>
                                     </a:solidFill>
@@ -12539,7 +13695,7 @@
                               </m:e>
                             </m:acc>
                             <m:r>
-                              <a:rPr lang="en-US" sz="2000" i="1">
+                              <a:rPr lang="en-US" sz="1600" i="1">
                                 <a:solidFill>
                                   <a:schemeClr val="tx1"/>
                                 </a:solidFill>
@@ -12553,7 +13709,7 @@
                               <m:accPr>
                                 <m:chr m:val="⃗"/>
                                 <m:ctrlPr>
-                                  <a:rPr lang="en-US" sz="2000" i="1">
+                                  <a:rPr lang="en-US" sz="1600" i="1">
                                     <a:solidFill>
                                       <a:schemeClr val="tx1"/>
                                     </a:solidFill>
@@ -12565,7 +13721,7 @@
                               </m:accPr>
                               <m:e>
                                 <m:r>
-                                  <a:rPr lang="en-US" sz="2000" i="1">
+                                  <a:rPr lang="en-US" sz="1600" i="1">
                                     <a:solidFill>
                                       <a:schemeClr val="tx1"/>
                                     </a:solidFill>
@@ -12578,7 +13734,7 @@
                               </m:e>
                             </m:acc>
                             <m:r>
-                              <a:rPr lang="en-US" sz="2000" i="1">
+                              <a:rPr lang="en-US" sz="1600" i="1">
                                 <a:solidFill>
                                   <a:schemeClr val="tx1"/>
                                 </a:solidFill>
@@ -12589,7 +13745,7 @@
                               <m:t>, </m:t>
                             </m:r>
                             <m:r>
-                              <a:rPr lang="en-US" sz="2000" i="1">
+                              <a:rPr lang="en-US" sz="1600" i="1">
                                 <a:solidFill>
                                   <a:schemeClr val="tx1"/>
                                 </a:solidFill>
@@ -12600,7 +13756,7 @@
                               <m:t>𝑡</m:t>
                             </m:r>
                             <m:r>
-                              <a:rPr lang="en-US" sz="2000" i="1">
+                              <a:rPr lang="en-US" sz="1600" i="1">
                                 <a:solidFill>
                                   <a:schemeClr val="tx1"/>
                                 </a:solidFill>
@@ -12615,7 +13771,7 @@
                       </m:e>
                     </m:d>
                     <m:r>
-                      <a:rPr lang="en-US" sz="2000" b="0" i="1" smtClean="0">
+                      <a:rPr lang="en-US" sz="1600" b="0" i="1" smtClean="0">
                         <a:solidFill>
                           <a:schemeClr val="tx1"/>
                         </a:solidFill>
@@ -12626,7 +13782,7 @@
                       <m:t>=</m:t>
                     </m:r>
                     <m:r>
-                      <a:rPr lang="en-US" sz="2000" b="0" i="1" smtClean="0">
+                      <a:rPr lang="en-US" sz="1600" b="0" i="1" smtClean="0">
                         <a:solidFill>
                           <a:schemeClr val="tx1"/>
                         </a:solidFill>
@@ -12637,7 +13793,7 @@
                       <m:t>𝑀</m:t>
                     </m:r>
                     <m:r>
-                      <a:rPr lang="en-US" sz="2000" i="1">
+                      <a:rPr lang="en-US" sz="1600" i="1">
                         <a:solidFill>
                           <a:schemeClr val="tx1"/>
                         </a:solidFill>
@@ -12652,7 +13808,7 @@
                         <m:begChr m:val=""/>
                         <m:endChr m:val="⟩"/>
                         <m:ctrlPr>
-                          <a:rPr lang="en-US" sz="2000" i="1">
+                          <a:rPr lang="en-US" sz="1600" i="1">
                             <a:solidFill>
                               <a:schemeClr val="tx1"/>
                             </a:solidFill>
@@ -12664,7 +13820,7 @@
                       </m:dPr>
                       <m:e>
                         <m:r>
-                          <a:rPr lang="en-US" sz="2000" i="1">
+                          <a:rPr lang="en-US" sz="1600" i="1">
                             <a:solidFill>
                               <a:schemeClr val="tx1"/>
                             </a:solidFill>
@@ -12677,7 +13833,7 @@
                         <m:d>
                           <m:dPr>
                             <m:ctrlPr>
-                              <a:rPr lang="en-US" sz="2000" i="1">
+                              <a:rPr lang="en-US" sz="1600" i="1">
                                 <a:solidFill>
                                   <a:schemeClr val="tx1"/>
                                 </a:solidFill>
@@ -12692,7 +13848,7 @@
                               <m:accPr>
                                 <m:chr m:val="⃗"/>
                                 <m:ctrlPr>
-                                  <a:rPr lang="en-US" sz="2000" i="1">
+                                  <a:rPr lang="en-US" sz="1600" i="1">
                                     <a:solidFill>
                                       <a:schemeClr val="tx1"/>
                                     </a:solidFill>
@@ -12704,7 +13860,7 @@
                               </m:accPr>
                               <m:e>
                                 <m:r>
-                                  <a:rPr lang="en-US" sz="2000" i="1">
+                                  <a:rPr lang="en-US" sz="1600" i="1">
                                     <a:solidFill>
                                       <a:schemeClr val="tx1"/>
                                     </a:solidFill>
@@ -12717,7 +13873,7 @@
                               </m:e>
                             </m:acc>
                             <m:r>
-                              <a:rPr lang="en-US" sz="2000" i="1">
+                              <a:rPr lang="en-US" sz="1600" i="1">
                                 <a:solidFill>
                                   <a:schemeClr val="tx1"/>
                                 </a:solidFill>
@@ -12731,7 +13887,7 @@
                               <m:accPr>
                                 <m:chr m:val="⃗"/>
                                 <m:ctrlPr>
-                                  <a:rPr lang="en-US" sz="2000" i="1">
+                                  <a:rPr lang="en-US" sz="1600" i="1">
                                     <a:solidFill>
                                       <a:schemeClr val="tx1"/>
                                     </a:solidFill>
@@ -12743,7 +13899,7 @@
                               </m:accPr>
                               <m:e>
                                 <m:r>
-                                  <a:rPr lang="en-US" sz="2000" i="1">
+                                  <a:rPr lang="en-US" sz="1600" i="1">
                                     <a:solidFill>
                                       <a:schemeClr val="tx1"/>
                                     </a:solidFill>
@@ -12756,7 +13912,7 @@
                               </m:e>
                             </m:acc>
                             <m:r>
-                              <a:rPr lang="en-US" sz="2000" i="1">
+                              <a:rPr lang="en-US" sz="1600" i="1">
                                 <a:solidFill>
                                   <a:schemeClr val="tx1"/>
                                 </a:solidFill>
@@ -12767,7 +13923,7 @@
                               <m:t>, </m:t>
                             </m:r>
                             <m:r>
-                              <a:rPr lang="en-US" sz="2000" i="1">
+                              <a:rPr lang="en-US" sz="1600" i="1">
                                 <a:solidFill>
                                   <a:schemeClr val="tx1"/>
                                 </a:solidFill>
@@ -12778,7 +13934,7 @@
                               <m:t>𝑡</m:t>
                             </m:r>
                             <m:r>
-                              <a:rPr lang="en-US" sz="2000" i="1">
+                              <a:rPr lang="en-US" sz="1600" i="1">
                                 <a:solidFill>
                                   <a:schemeClr val="tx1"/>
                                 </a:solidFill>
@@ -12794,16 +13950,682 @@
                     </m:d>
                   </m:oMath>
                 </a14:m>
-                <a:br>
-                  <a:rPr lang="en-US" sz="2000" dirty="0">
+                <a:endParaRPr lang="en-US" sz="1600" dirty="0">
+                  <a:solidFill>
+                    <a:schemeClr val="tx1"/>
+                  </a:solidFill>
+                  <a:latin typeface="Calibri Light" panose="020F0302020204030204" pitchFamily="34" charset="0"/>
+                  <a:cs typeface="Calibri Light" panose="020F0302020204030204" pitchFamily="34" charset="0"/>
+                </a:endParaRPr>
+              </a:p>
+              <a:p>
+                <a:pPr marL="502920" indent="-457200">
+                  <a:buFont typeface="+mj-lt"/>
+                  <a:buAutoNum type="arabicPeriod"/>
+                </a:pPr>
+                <a:endParaRPr lang="en-US" sz="1600" dirty="0">
+                  <a:solidFill>
+                    <a:schemeClr val="tx1"/>
+                  </a:solidFill>
+                  <a:latin typeface="Calibri Light" panose="020F0302020204030204" pitchFamily="34" charset="0"/>
+                  <a:cs typeface="Calibri Light" panose="020F0302020204030204" pitchFamily="34" charset="0"/>
+                </a:endParaRPr>
+              </a:p>
+              <a:p>
+                <a:pPr marL="45720" indent="0">
+                  <a:buNone/>
+                </a:pPr>
+                <a:r>
+                  <a:rPr lang="en-US" sz="1700" dirty="0">
                     <a:solidFill>
                       <a:schemeClr val="tx1"/>
                     </a:solidFill>
-                    <a:latin typeface="Calibri Light" panose="020F0302020204030204" pitchFamily="34" charset="0"/>
+                    <a:ea typeface="Cambria Math" panose="02040503050406030204" pitchFamily="18" charset="0"/>
                     <a:cs typeface="Calibri Light" panose="020F0302020204030204" pitchFamily="34" charset="0"/>
                   </a:rPr>
-                </a:br>
-                <a:endParaRPr lang="es-CO" dirty="0">
+                  <a:t>               </a:t>
+                </a:r>
+                <a14:m>
+                  <m:oMath xmlns:m="http://schemas.openxmlformats.org/officeDocument/2006/math">
+                    <m:r>
+                      <a:rPr lang="en-US" sz="1700" i="1" smtClean="0">
+                        <a:solidFill>
+                          <a:schemeClr val="tx1"/>
+                        </a:solidFill>
+                        <a:latin typeface="Cambria Math" panose="02040503050406030204" pitchFamily="18" charset="0"/>
+                        <a:ea typeface="Cambria Math" panose="02040503050406030204" pitchFamily="18" charset="0"/>
+                        <a:cs typeface="Calibri Light" panose="020F0302020204030204" pitchFamily="34" charset="0"/>
+                      </a:rPr>
+                      <m:t>⟹</m:t>
+                    </m:r>
+                    <m:r>
+                      <a:rPr lang="es-CO" sz="1700" b="0" i="1" smtClean="0">
+                        <a:solidFill>
+                          <a:schemeClr val="tx1"/>
+                        </a:solidFill>
+                        <a:latin typeface="Cambria Math" panose="02040503050406030204" pitchFamily="18" charset="0"/>
+                        <a:ea typeface="Cambria Math" panose="02040503050406030204" pitchFamily="18" charset="0"/>
+                        <a:cs typeface="Calibri Light" panose="020F0302020204030204" pitchFamily="34" charset="0"/>
+                      </a:rPr>
+                      <m:t> </m:t>
+                    </m:r>
+                    <m:r>
+                      <a:rPr lang="en-US" sz="1700" i="1">
+                        <a:solidFill>
+                          <a:schemeClr val="tx1"/>
+                        </a:solidFill>
+                        <a:latin typeface="Cambria Math" panose="02040503050406030204" pitchFamily="18" charset="0"/>
+                        <a:ea typeface="Cambria Math" panose="02040503050406030204" pitchFamily="18" charset="0"/>
+                        <a:cs typeface="Calibri Light" panose="020F0302020204030204" pitchFamily="34" charset="0"/>
+                      </a:rPr>
+                      <m:t>|</m:t>
+                    </m:r>
+                    <m:d>
+                      <m:dPr>
+                        <m:begChr m:val=""/>
+                        <m:endChr m:val="⟩"/>
+                        <m:ctrlPr>
+                          <a:rPr lang="en-US" sz="1700" i="1">
+                            <a:solidFill>
+                              <a:schemeClr val="tx1"/>
+                            </a:solidFill>
+                            <a:latin typeface="Cambria Math" panose="02040503050406030204" pitchFamily="18" charset="0"/>
+                            <a:ea typeface="Cambria Math" panose="02040503050406030204" pitchFamily="18" charset="0"/>
+                            <a:cs typeface="Calibri Light" panose="020F0302020204030204" pitchFamily="34" charset="0"/>
+                          </a:rPr>
+                        </m:ctrlPr>
+                      </m:dPr>
+                      <m:e>
+                        <m:r>
+                          <a:rPr lang="en-US" sz="1700" i="1">
+                            <a:solidFill>
+                              <a:schemeClr val="tx1"/>
+                            </a:solidFill>
+                            <a:latin typeface="Cambria Math" panose="02040503050406030204" pitchFamily="18" charset="0"/>
+                            <a:ea typeface="Cambria Math" panose="02040503050406030204" pitchFamily="18" charset="0"/>
+                            <a:cs typeface="Calibri Light" panose="020F0302020204030204" pitchFamily="34" charset="0"/>
+                          </a:rPr>
+                          <m:t>𝑓</m:t>
+                        </m:r>
+                        <m:d>
+                          <m:dPr>
+                            <m:ctrlPr>
+                              <a:rPr lang="en-US" sz="1700" i="1">
+                                <a:solidFill>
+                                  <a:schemeClr val="tx1"/>
+                                </a:solidFill>
+                                <a:latin typeface="Cambria Math" panose="02040503050406030204" pitchFamily="18" charset="0"/>
+                                <a:ea typeface="Cambria Math" panose="02040503050406030204" pitchFamily="18" charset="0"/>
+                                <a:cs typeface="Calibri Light" panose="020F0302020204030204" pitchFamily="34" charset="0"/>
+                              </a:rPr>
+                            </m:ctrlPr>
+                          </m:dPr>
+                          <m:e>
+                            <m:acc>
+                              <m:accPr>
+                                <m:chr m:val="⃗"/>
+                                <m:ctrlPr>
+                                  <a:rPr lang="en-US" sz="1700" i="1">
+                                    <a:solidFill>
+                                      <a:schemeClr val="tx1"/>
+                                    </a:solidFill>
+                                    <a:latin typeface="Cambria Math" panose="02040503050406030204" pitchFamily="18" charset="0"/>
+                                    <a:ea typeface="Cambria Math" panose="02040503050406030204" pitchFamily="18" charset="0"/>
+                                    <a:cs typeface="Calibri Light" panose="020F0302020204030204" pitchFamily="34" charset="0"/>
+                                  </a:rPr>
+                                </m:ctrlPr>
+                              </m:accPr>
+                              <m:e>
+                                <m:r>
+                                  <a:rPr lang="en-US" sz="1700" i="1">
+                                    <a:solidFill>
+                                      <a:schemeClr val="tx1"/>
+                                    </a:solidFill>
+                                    <a:latin typeface="Cambria Math" panose="02040503050406030204" pitchFamily="18" charset="0"/>
+                                    <a:ea typeface="Cambria Math" panose="02040503050406030204" pitchFamily="18" charset="0"/>
+                                    <a:cs typeface="Calibri Light" panose="020F0302020204030204" pitchFamily="34" charset="0"/>
+                                  </a:rPr>
+                                  <m:t>𝑥</m:t>
+                                </m:r>
+                              </m:e>
+                            </m:acc>
+                            <m:r>
+                              <a:rPr lang="en-US" sz="1700" i="1">
+                                <a:solidFill>
+                                  <a:schemeClr val="tx1"/>
+                                </a:solidFill>
+                                <a:latin typeface="Cambria Math" panose="02040503050406030204" pitchFamily="18" charset="0"/>
+                                <a:ea typeface="Cambria Math" panose="02040503050406030204" pitchFamily="18" charset="0"/>
+                                <a:cs typeface="Calibri Light" panose="020F0302020204030204" pitchFamily="34" charset="0"/>
+                              </a:rPr>
+                              <m:t>+</m:t>
+                            </m:r>
+                            <m:acc>
+                              <m:accPr>
+                                <m:chr m:val="⃗"/>
+                                <m:ctrlPr>
+                                  <a:rPr lang="en-US" sz="1700" i="1">
+                                    <a:solidFill>
+                                      <a:schemeClr val="tx1"/>
+                                    </a:solidFill>
+                                    <a:latin typeface="Cambria Math" panose="02040503050406030204" pitchFamily="18" charset="0"/>
+                                    <a:ea typeface="Cambria Math" panose="02040503050406030204" pitchFamily="18" charset="0"/>
+                                    <a:cs typeface="Calibri Light" panose="020F0302020204030204" pitchFamily="34" charset="0"/>
+                                  </a:rPr>
+                                </m:ctrlPr>
+                              </m:accPr>
+                              <m:e>
+                                <m:r>
+                                  <a:rPr lang="en-US" sz="1700" i="1">
+                                    <a:solidFill>
+                                      <a:schemeClr val="tx1"/>
+                                    </a:solidFill>
+                                    <a:latin typeface="Cambria Math" panose="02040503050406030204" pitchFamily="18" charset="0"/>
+                                    <a:ea typeface="Cambria Math" panose="02040503050406030204" pitchFamily="18" charset="0"/>
+                                    <a:cs typeface="Calibri Light" panose="020F0302020204030204" pitchFamily="34" charset="0"/>
+                                  </a:rPr>
+                                  <m:t>𝑣</m:t>
+                                </m:r>
+                              </m:e>
+                            </m:acc>
+                            <m:r>
+                              <a:rPr lang="en-US" sz="1700" i="1">
+                                <a:solidFill>
+                                  <a:schemeClr val="tx1"/>
+                                </a:solidFill>
+                                <a:latin typeface="Cambria Math" panose="02040503050406030204" pitchFamily="18" charset="0"/>
+                                <a:ea typeface="Cambria Math" panose="02040503050406030204" pitchFamily="18" charset="0"/>
+                                <a:cs typeface="Calibri Light" panose="020F0302020204030204" pitchFamily="34" charset="0"/>
+                              </a:rPr>
+                              <m:t>,</m:t>
+                            </m:r>
+                            <m:r>
+                              <a:rPr lang="en-US" sz="1700" i="1">
+                                <a:solidFill>
+                                  <a:schemeClr val="tx1"/>
+                                </a:solidFill>
+                                <a:latin typeface="Cambria Math" panose="02040503050406030204" pitchFamily="18" charset="0"/>
+                                <a:ea typeface="Cambria Math" panose="02040503050406030204" pitchFamily="18" charset="0"/>
+                                <a:cs typeface="Calibri Light" panose="020F0302020204030204" pitchFamily="34" charset="0"/>
+                              </a:rPr>
+                              <m:t> </m:t>
+                            </m:r>
+                            <m:r>
+                              <a:rPr lang="en-US" sz="1700" i="1">
+                                <a:solidFill>
+                                  <a:schemeClr val="tx1"/>
+                                </a:solidFill>
+                                <a:latin typeface="Cambria Math" panose="02040503050406030204" pitchFamily="18" charset="0"/>
+                                <a:ea typeface="Cambria Math" panose="02040503050406030204" pitchFamily="18" charset="0"/>
+                                <a:cs typeface="Calibri Light" panose="020F0302020204030204" pitchFamily="34" charset="0"/>
+                              </a:rPr>
+                              <m:t>𝑡</m:t>
+                            </m:r>
+                            <m:r>
+                              <a:rPr lang="en-US" sz="1700" i="1">
+                                <a:solidFill>
+                                  <a:schemeClr val="tx1"/>
+                                </a:solidFill>
+                                <a:latin typeface="Cambria Math" panose="02040503050406030204" pitchFamily="18" charset="0"/>
+                                <a:ea typeface="Cambria Math" panose="02040503050406030204" pitchFamily="18" charset="0"/>
+                                <a:cs typeface="Calibri Light" panose="020F0302020204030204" pitchFamily="34" charset="0"/>
+                              </a:rPr>
+                              <m:t>+1</m:t>
+                            </m:r>
+                          </m:e>
+                        </m:d>
+                      </m:e>
+                    </m:d>
+                    <m:r>
+                      <a:rPr lang="en-US" sz="1700" i="1">
+                        <a:solidFill>
+                          <a:schemeClr val="tx1"/>
+                        </a:solidFill>
+                        <a:latin typeface="Cambria Math" panose="02040503050406030204" pitchFamily="18" charset="0"/>
+                        <a:ea typeface="Cambria Math" panose="02040503050406030204" pitchFamily="18" charset="0"/>
+                        <a:cs typeface="Calibri Light" panose="020F0302020204030204" pitchFamily="34" charset="0"/>
+                      </a:rPr>
+                      <m:t>=|</m:t>
+                    </m:r>
+                    <m:d>
+                      <m:dPr>
+                        <m:begChr m:val=""/>
+                        <m:endChr m:val="⟩"/>
+                        <m:ctrlPr>
+                          <a:rPr lang="en-US" sz="1700" i="1">
+                            <a:solidFill>
+                              <a:schemeClr val="tx1"/>
+                            </a:solidFill>
+                            <a:latin typeface="Cambria Math" panose="02040503050406030204" pitchFamily="18" charset="0"/>
+                            <a:ea typeface="Cambria Math" panose="02040503050406030204" pitchFamily="18" charset="0"/>
+                            <a:cs typeface="Calibri Light" panose="020F0302020204030204" pitchFamily="34" charset="0"/>
+                          </a:rPr>
+                        </m:ctrlPr>
+                      </m:dPr>
+                      <m:e>
+                        <m:r>
+                          <a:rPr lang="en-US" sz="1700" i="1">
+                            <a:solidFill>
+                              <a:schemeClr val="tx1"/>
+                            </a:solidFill>
+                            <a:latin typeface="Cambria Math" panose="02040503050406030204" pitchFamily="18" charset="0"/>
+                            <a:ea typeface="Cambria Math" panose="02040503050406030204" pitchFamily="18" charset="0"/>
+                            <a:cs typeface="Calibri Light" panose="020F0302020204030204" pitchFamily="34" charset="0"/>
+                          </a:rPr>
+                          <m:t>𝑓</m:t>
+                        </m:r>
+                        <m:d>
+                          <m:dPr>
+                            <m:ctrlPr>
+                              <a:rPr lang="en-US" sz="1700" i="1">
+                                <a:solidFill>
+                                  <a:schemeClr val="tx1"/>
+                                </a:solidFill>
+                                <a:latin typeface="Cambria Math" panose="02040503050406030204" pitchFamily="18" charset="0"/>
+                                <a:ea typeface="Cambria Math" panose="02040503050406030204" pitchFamily="18" charset="0"/>
+                                <a:cs typeface="Calibri Light" panose="020F0302020204030204" pitchFamily="34" charset="0"/>
+                              </a:rPr>
+                            </m:ctrlPr>
+                          </m:dPr>
+                          <m:e>
+                            <m:acc>
+                              <m:accPr>
+                                <m:chr m:val="⃗"/>
+                                <m:ctrlPr>
+                                  <a:rPr lang="en-US" sz="1700" i="1">
+                                    <a:solidFill>
+                                      <a:schemeClr val="tx1"/>
+                                    </a:solidFill>
+                                    <a:latin typeface="Cambria Math" panose="02040503050406030204" pitchFamily="18" charset="0"/>
+                                    <a:ea typeface="Cambria Math" panose="02040503050406030204" pitchFamily="18" charset="0"/>
+                                    <a:cs typeface="Calibri Light" panose="020F0302020204030204" pitchFamily="34" charset="0"/>
+                                  </a:rPr>
+                                </m:ctrlPr>
+                              </m:accPr>
+                              <m:e>
+                                <m:r>
+                                  <a:rPr lang="en-US" sz="1700" i="1">
+                                    <a:solidFill>
+                                      <a:schemeClr val="tx1"/>
+                                    </a:solidFill>
+                                    <a:latin typeface="Cambria Math" panose="02040503050406030204" pitchFamily="18" charset="0"/>
+                                    <a:ea typeface="Cambria Math" panose="02040503050406030204" pitchFamily="18" charset="0"/>
+                                    <a:cs typeface="Calibri Light" panose="020F0302020204030204" pitchFamily="34" charset="0"/>
+                                  </a:rPr>
+                                  <m:t>𝑥</m:t>
+                                </m:r>
+                              </m:e>
+                            </m:acc>
+                            <m:r>
+                              <a:rPr lang="en-US" sz="1700" i="1">
+                                <a:solidFill>
+                                  <a:schemeClr val="tx1"/>
+                                </a:solidFill>
+                                <a:latin typeface="Cambria Math" panose="02040503050406030204" pitchFamily="18" charset="0"/>
+                                <a:ea typeface="Cambria Math" panose="02040503050406030204" pitchFamily="18" charset="0"/>
+                                <a:cs typeface="Calibri Light" panose="020F0302020204030204" pitchFamily="34" charset="0"/>
+                              </a:rPr>
+                              <m:t>,</m:t>
+                            </m:r>
+                            <m:r>
+                              <a:rPr lang="en-US" sz="1700" i="1">
+                                <a:solidFill>
+                                  <a:schemeClr val="tx1"/>
+                                </a:solidFill>
+                                <a:latin typeface="Cambria Math" panose="02040503050406030204" pitchFamily="18" charset="0"/>
+                                <a:ea typeface="Cambria Math" panose="02040503050406030204" pitchFamily="18" charset="0"/>
+                                <a:cs typeface="Calibri Light" panose="020F0302020204030204" pitchFamily="34" charset="0"/>
+                              </a:rPr>
+                              <m:t>𝑡</m:t>
+                            </m:r>
+                          </m:e>
+                        </m:d>
+                      </m:e>
+                    </m:d>
+                    <m:r>
+                      <a:rPr lang="en-US" sz="1700" i="1">
+                        <a:solidFill>
+                          <a:schemeClr val="tx1"/>
+                        </a:solidFill>
+                        <a:latin typeface="Cambria Math" panose="02040503050406030204" pitchFamily="18" charset="0"/>
+                        <a:ea typeface="Cambria Math" panose="02040503050406030204" pitchFamily="18" charset="0"/>
+                        <a:cs typeface="Calibri Light" panose="020F0302020204030204" pitchFamily="34" charset="0"/>
+                      </a:rPr>
+                      <m:t>+</m:t>
+                    </m:r>
+                    <m:sSup>
+                      <m:sSupPr>
+                        <m:ctrlPr>
+                          <a:rPr lang="en-US" sz="1700" i="1">
+                            <a:solidFill>
+                              <a:schemeClr val="tx1"/>
+                            </a:solidFill>
+                            <a:latin typeface="Cambria Math" panose="02040503050406030204" pitchFamily="18" charset="0"/>
+                            <a:ea typeface="Cambria Math" panose="02040503050406030204" pitchFamily="18" charset="0"/>
+                            <a:cs typeface="Calibri Light" panose="020F0302020204030204" pitchFamily="34" charset="0"/>
+                          </a:rPr>
+                        </m:ctrlPr>
+                      </m:sSupPr>
+                      <m:e>
+                        <m:r>
+                          <a:rPr lang="en-US" sz="1700" i="1">
+                            <a:solidFill>
+                              <a:schemeClr val="tx1"/>
+                            </a:solidFill>
+                            <a:latin typeface="Cambria Math" panose="02040503050406030204" pitchFamily="18" charset="0"/>
+                            <a:ea typeface="Cambria Math" panose="02040503050406030204" pitchFamily="18" charset="0"/>
+                            <a:cs typeface="Calibri Light" panose="020F0302020204030204" pitchFamily="34" charset="0"/>
+                          </a:rPr>
+                          <m:t>𝑀</m:t>
+                        </m:r>
+                      </m:e>
+                      <m:sup>
+                        <m:r>
+                          <a:rPr lang="en-US" sz="1700" i="1">
+                            <a:solidFill>
+                              <a:schemeClr val="tx1"/>
+                            </a:solidFill>
+                            <a:latin typeface="Cambria Math" panose="02040503050406030204" pitchFamily="18" charset="0"/>
+                            <a:ea typeface="Cambria Math" panose="02040503050406030204" pitchFamily="18" charset="0"/>
+                            <a:cs typeface="Calibri Light" panose="020F0302020204030204" pitchFamily="34" charset="0"/>
+                          </a:rPr>
+                          <m:t>−1</m:t>
+                        </m:r>
+                      </m:sup>
+                    </m:sSup>
+                    <m:r>
+                      <a:rPr lang="en-US" sz="1700" i="1">
+                        <a:solidFill>
+                          <a:schemeClr val="tx1"/>
+                        </a:solidFill>
+                        <a:latin typeface="Cambria Math" panose="02040503050406030204" pitchFamily="18" charset="0"/>
+                        <a:ea typeface="Cambria Math" panose="02040503050406030204" pitchFamily="18" charset="0"/>
+                        <a:cs typeface="Calibri Light" panose="020F0302020204030204" pitchFamily="34" charset="0"/>
+                      </a:rPr>
+                      <m:t>𝑆</m:t>
+                    </m:r>
+                    <m:r>
+                      <a:rPr lang="en-US" sz="1700" i="1">
+                        <a:solidFill>
+                          <a:schemeClr val="tx1"/>
+                        </a:solidFill>
+                        <a:latin typeface="Cambria Math" panose="02040503050406030204" pitchFamily="18" charset="0"/>
+                        <a:ea typeface="Cambria Math" panose="02040503050406030204" pitchFamily="18" charset="0"/>
+                        <a:cs typeface="Calibri Light" panose="020F0302020204030204" pitchFamily="34" charset="0"/>
+                      </a:rPr>
+                      <m:t>(|</m:t>
+                    </m:r>
+                    <m:d>
+                      <m:dPr>
+                        <m:begChr m:val=""/>
+                        <m:endChr m:val="⟩"/>
+                        <m:ctrlPr>
+                          <a:rPr lang="en-US" sz="1700" i="1">
+                            <a:solidFill>
+                              <a:schemeClr val="tx1"/>
+                            </a:solidFill>
+                            <a:latin typeface="Cambria Math" panose="02040503050406030204" pitchFamily="18" charset="0"/>
+                            <a:ea typeface="Cambria Math" panose="02040503050406030204" pitchFamily="18" charset="0"/>
+                            <a:cs typeface="Calibri Light" panose="020F0302020204030204" pitchFamily="34" charset="0"/>
+                          </a:rPr>
+                        </m:ctrlPr>
+                      </m:dPr>
+                      <m:e>
+                        <m:r>
+                          <a:rPr lang="en-US" sz="1700" i="1">
+                            <a:solidFill>
+                              <a:schemeClr val="tx1"/>
+                            </a:solidFill>
+                            <a:latin typeface="Cambria Math" panose="02040503050406030204" pitchFamily="18" charset="0"/>
+                            <a:ea typeface="Cambria Math" panose="02040503050406030204" pitchFamily="18" charset="0"/>
+                            <a:cs typeface="Calibri Light" panose="020F0302020204030204" pitchFamily="34" charset="0"/>
+                          </a:rPr>
+                          <m:t>𝜚</m:t>
+                        </m:r>
+                        <m:d>
+                          <m:dPr>
+                            <m:ctrlPr>
+                              <a:rPr lang="en-US" sz="1700" i="1">
+                                <a:solidFill>
+                                  <a:schemeClr val="tx1"/>
+                                </a:solidFill>
+                                <a:latin typeface="Cambria Math" panose="02040503050406030204" pitchFamily="18" charset="0"/>
+                                <a:ea typeface="Cambria Math" panose="02040503050406030204" pitchFamily="18" charset="0"/>
+                                <a:cs typeface="Calibri Light" panose="020F0302020204030204" pitchFamily="34" charset="0"/>
+                              </a:rPr>
+                            </m:ctrlPr>
+                          </m:dPr>
+                          <m:e>
+                            <m:acc>
+                              <m:accPr>
+                                <m:chr m:val="⃗"/>
+                                <m:ctrlPr>
+                                  <a:rPr lang="en-US" sz="1700" i="1">
+                                    <a:solidFill>
+                                      <a:schemeClr val="tx1"/>
+                                    </a:solidFill>
+                                    <a:latin typeface="Cambria Math" panose="02040503050406030204" pitchFamily="18" charset="0"/>
+                                    <a:ea typeface="Cambria Math" panose="02040503050406030204" pitchFamily="18" charset="0"/>
+                                    <a:cs typeface="Calibri Light" panose="020F0302020204030204" pitchFamily="34" charset="0"/>
+                                  </a:rPr>
+                                </m:ctrlPr>
+                              </m:accPr>
+                              <m:e>
+                                <m:r>
+                                  <a:rPr lang="en-US" sz="1700" i="1">
+                                    <a:solidFill>
+                                      <a:schemeClr val="tx1"/>
+                                    </a:solidFill>
+                                    <a:latin typeface="Cambria Math" panose="02040503050406030204" pitchFamily="18" charset="0"/>
+                                    <a:ea typeface="Cambria Math" panose="02040503050406030204" pitchFamily="18" charset="0"/>
+                                    <a:cs typeface="Calibri Light" panose="020F0302020204030204" pitchFamily="34" charset="0"/>
+                                  </a:rPr>
+                                  <m:t>𝑥</m:t>
+                                </m:r>
+                              </m:e>
+                            </m:acc>
+                            <m:r>
+                              <a:rPr lang="en-US" sz="1700" i="1">
+                                <a:solidFill>
+                                  <a:schemeClr val="tx1"/>
+                                </a:solidFill>
+                                <a:latin typeface="Cambria Math" panose="02040503050406030204" pitchFamily="18" charset="0"/>
+                                <a:ea typeface="Cambria Math" panose="02040503050406030204" pitchFamily="18" charset="0"/>
+                                <a:cs typeface="Calibri Light" panose="020F0302020204030204" pitchFamily="34" charset="0"/>
+                              </a:rPr>
+                              <m:t>,</m:t>
+                            </m:r>
+                            <m:r>
+                              <a:rPr lang="en-US" sz="1700" i="1">
+                                <a:solidFill>
+                                  <a:schemeClr val="tx1"/>
+                                </a:solidFill>
+                                <a:latin typeface="Cambria Math" panose="02040503050406030204" pitchFamily="18" charset="0"/>
+                                <a:ea typeface="Cambria Math" panose="02040503050406030204" pitchFamily="18" charset="0"/>
+                                <a:cs typeface="Calibri Light" panose="020F0302020204030204" pitchFamily="34" charset="0"/>
+                              </a:rPr>
+                              <m:t>𝑡</m:t>
+                            </m:r>
+                          </m:e>
+                        </m:d>
+                      </m:e>
+                    </m:d>
+                    <m:r>
+                      <a:rPr lang="en-US" sz="1700" i="1">
+                        <a:solidFill>
+                          <a:schemeClr val="tx1"/>
+                        </a:solidFill>
+                        <a:latin typeface="Cambria Math" panose="02040503050406030204" pitchFamily="18" charset="0"/>
+                        <a:ea typeface="Cambria Math" panose="02040503050406030204" pitchFamily="18" charset="0"/>
+                        <a:cs typeface="Calibri Light" panose="020F0302020204030204" pitchFamily="34" charset="0"/>
+                      </a:rPr>
+                      <m:t>−</m:t>
+                    </m:r>
+                    <m:r>
+                      <a:rPr lang="en-US" sz="1700" i="1">
+                        <a:solidFill>
+                          <a:schemeClr val="tx1"/>
+                        </a:solidFill>
+                        <a:latin typeface="Cambria Math" panose="02040503050406030204" pitchFamily="18" charset="0"/>
+                        <a:ea typeface="Cambria Math" panose="02040503050406030204" pitchFamily="18" charset="0"/>
+                        <a:cs typeface="Calibri Light" panose="020F0302020204030204" pitchFamily="34" charset="0"/>
+                      </a:rPr>
+                      <m:t>|</m:t>
+                    </m:r>
+                    <m:d>
+                      <m:dPr>
+                        <m:begChr m:val=""/>
+                        <m:endChr m:val="⟩"/>
+                        <m:ctrlPr>
+                          <a:rPr lang="en-US" sz="1700" i="1">
+                            <a:solidFill>
+                              <a:schemeClr val="tx1"/>
+                            </a:solidFill>
+                            <a:latin typeface="Cambria Math" panose="02040503050406030204" pitchFamily="18" charset="0"/>
+                            <a:ea typeface="Cambria Math" panose="02040503050406030204" pitchFamily="18" charset="0"/>
+                            <a:cs typeface="Calibri Light" panose="020F0302020204030204" pitchFamily="34" charset="0"/>
+                          </a:rPr>
+                        </m:ctrlPr>
+                      </m:dPr>
+                      <m:e>
+                        <m:sSup>
+                          <m:sSupPr>
+                            <m:ctrlPr>
+                              <a:rPr lang="en-US" sz="1700" i="1">
+                                <a:solidFill>
+                                  <a:schemeClr val="tx1"/>
+                                </a:solidFill>
+                                <a:latin typeface="Cambria Math" panose="02040503050406030204" pitchFamily="18" charset="0"/>
+                                <a:ea typeface="Cambria Math" panose="02040503050406030204" pitchFamily="18" charset="0"/>
+                                <a:cs typeface="Calibri Light" panose="020F0302020204030204" pitchFamily="34" charset="0"/>
+                              </a:rPr>
+                            </m:ctrlPr>
+                          </m:sSupPr>
+                          <m:e>
+                            <m:r>
+                              <a:rPr lang="en-US" sz="1700" i="1">
+                                <a:solidFill>
+                                  <a:schemeClr val="tx1"/>
+                                </a:solidFill>
+                                <a:latin typeface="Cambria Math" panose="02040503050406030204" pitchFamily="18" charset="0"/>
+                                <a:ea typeface="Cambria Math" panose="02040503050406030204" pitchFamily="18" charset="0"/>
+                                <a:cs typeface="Calibri Light" panose="020F0302020204030204" pitchFamily="34" charset="0"/>
+                              </a:rPr>
+                              <m:t>𝜚</m:t>
+                            </m:r>
+                          </m:e>
+                          <m:sup>
+                            <m:d>
+                              <m:dPr>
+                                <m:ctrlPr>
+                                  <a:rPr lang="en-US" sz="1700" i="1">
+                                    <a:solidFill>
+                                      <a:schemeClr val="tx1"/>
+                                    </a:solidFill>
+                                    <a:latin typeface="Cambria Math" panose="02040503050406030204" pitchFamily="18" charset="0"/>
+                                    <a:ea typeface="Cambria Math" panose="02040503050406030204" pitchFamily="18" charset="0"/>
+                                    <a:cs typeface="Calibri Light" panose="020F0302020204030204" pitchFamily="34" charset="0"/>
+                                  </a:rPr>
+                                </m:ctrlPr>
+                              </m:dPr>
+                              <m:e>
+                                <m:r>
+                                  <a:rPr lang="en-US" sz="1700" i="1">
+                                    <a:solidFill>
+                                      <a:schemeClr val="tx1"/>
+                                    </a:solidFill>
+                                    <a:latin typeface="Cambria Math" panose="02040503050406030204" pitchFamily="18" charset="0"/>
+                                    <a:ea typeface="Cambria Math" panose="02040503050406030204" pitchFamily="18" charset="0"/>
+                                    <a:cs typeface="Calibri Light" panose="020F0302020204030204" pitchFamily="34" charset="0"/>
+                                  </a:rPr>
+                                  <m:t>𝑒𝑞</m:t>
+                                </m:r>
+                              </m:e>
+                            </m:d>
+                          </m:sup>
+                        </m:sSup>
+                        <m:d>
+                          <m:dPr>
+                            <m:ctrlPr>
+                              <a:rPr lang="en-US" sz="1700" i="1">
+                                <a:solidFill>
+                                  <a:schemeClr val="tx1"/>
+                                </a:solidFill>
+                                <a:latin typeface="Cambria Math" panose="02040503050406030204" pitchFamily="18" charset="0"/>
+                                <a:ea typeface="Cambria Math" panose="02040503050406030204" pitchFamily="18" charset="0"/>
+                                <a:cs typeface="Calibri Light" panose="020F0302020204030204" pitchFamily="34" charset="0"/>
+                              </a:rPr>
+                            </m:ctrlPr>
+                          </m:dPr>
+                          <m:e>
+                            <m:acc>
+                              <m:accPr>
+                                <m:chr m:val="⃗"/>
+                                <m:ctrlPr>
+                                  <a:rPr lang="en-US" sz="1700" i="1">
+                                    <a:solidFill>
+                                      <a:schemeClr val="tx1"/>
+                                    </a:solidFill>
+                                    <a:latin typeface="Cambria Math" panose="02040503050406030204" pitchFamily="18" charset="0"/>
+                                    <a:ea typeface="Cambria Math" panose="02040503050406030204" pitchFamily="18" charset="0"/>
+                                    <a:cs typeface="Calibri Light" panose="020F0302020204030204" pitchFamily="34" charset="0"/>
+                                  </a:rPr>
+                                </m:ctrlPr>
+                              </m:accPr>
+                              <m:e>
+                                <m:r>
+                                  <a:rPr lang="en-US" sz="1700" i="1">
+                                    <a:solidFill>
+                                      <a:schemeClr val="tx1"/>
+                                    </a:solidFill>
+                                    <a:latin typeface="Cambria Math" panose="02040503050406030204" pitchFamily="18" charset="0"/>
+                                    <a:ea typeface="Cambria Math" panose="02040503050406030204" pitchFamily="18" charset="0"/>
+                                    <a:cs typeface="Calibri Light" panose="020F0302020204030204" pitchFamily="34" charset="0"/>
+                                  </a:rPr>
+                                  <m:t>𝑥</m:t>
+                                </m:r>
+                              </m:e>
+                            </m:acc>
+                            <m:r>
+                              <a:rPr lang="en-US" sz="1700" i="1">
+                                <a:solidFill>
+                                  <a:schemeClr val="tx1"/>
+                                </a:solidFill>
+                                <a:latin typeface="Cambria Math" panose="02040503050406030204" pitchFamily="18" charset="0"/>
+                                <a:ea typeface="Cambria Math" panose="02040503050406030204" pitchFamily="18" charset="0"/>
+                                <a:cs typeface="Calibri Light" panose="020F0302020204030204" pitchFamily="34" charset="0"/>
+                              </a:rPr>
+                              <m:t>,</m:t>
+                            </m:r>
+                            <m:r>
+                              <a:rPr lang="en-US" sz="1700" i="1">
+                                <a:solidFill>
+                                  <a:schemeClr val="tx1"/>
+                                </a:solidFill>
+                                <a:latin typeface="Cambria Math" panose="02040503050406030204" pitchFamily="18" charset="0"/>
+                                <a:ea typeface="Cambria Math" panose="02040503050406030204" pitchFamily="18" charset="0"/>
+                                <a:cs typeface="Calibri Light" panose="020F0302020204030204" pitchFamily="34" charset="0"/>
+                              </a:rPr>
+                              <m:t>𝑡</m:t>
+                            </m:r>
+                          </m:e>
+                        </m:d>
+                      </m:e>
+                    </m:d>
+                    <m:r>
+                      <a:rPr lang="en-US" sz="1700" i="1">
+                        <a:solidFill>
+                          <a:schemeClr val="tx1"/>
+                        </a:solidFill>
+                        <a:latin typeface="Cambria Math" panose="02040503050406030204" pitchFamily="18" charset="0"/>
+                        <a:ea typeface="Cambria Math" panose="02040503050406030204" pitchFamily="18" charset="0"/>
+                        <a:cs typeface="Calibri Light" panose="020F0302020204030204" pitchFamily="34" charset="0"/>
+                      </a:rPr>
+                      <m:t>)</m:t>
+                    </m:r>
+                  </m:oMath>
+                </a14:m>
+                <a:endParaRPr lang="es-CO" sz="1700" dirty="0">
                   <a:solidFill>
                     <a:schemeClr val="tx1"/>
                   </a:solidFill>
@@ -12827,15 +14649,703 @@
             </p:nvSpPr>
             <p:spPr>
               <a:xfrm>
-                <a:off x="1142999" y="1965960"/>
-                <a:ext cx="11247539" cy="4347780"/>
+                <a:off x="1143000" y="1965960"/>
+                <a:ext cx="8804306" cy="4347780"/>
               </a:xfrm>
               <a:blipFill>
                 <a:blip r:embed="rId2"/>
                 <a:stretch>
-                  <a:fillRect l="-108" t="-2384" b="-6452"/>
+                  <a:fillRect t="-1543" b="-13885"/>
                 </a:stretch>
               </a:blipFill>
+            </p:spPr>
+            <p:txBody>
+              <a:bodyPr/>
+              <a:lstStyle/>
+              <a:p>
+                <a:r>
+                  <a:rPr lang="es-CO">
+                    <a:noFill/>
+                  </a:rPr>
+                  <a:t> </a:t>
+                </a:r>
+              </a:p>
+            </p:txBody>
+          </p:sp>
+        </mc:Fallback>
+      </mc:AlternateContent>
+      <mc:AlternateContent xmlns:mc="http://schemas.openxmlformats.org/markup-compatibility/2006">
+        <mc:Choice xmlns:a14="http://schemas.microsoft.com/office/drawing/2010/main" Requires="a14">
+          <p:sp>
+            <p:nvSpPr>
+              <p:cNvPr id="7" name="Rectangle 6">
+                <a:extLst>
+                  <a:ext uri="{FF2B5EF4-FFF2-40B4-BE49-F238E27FC236}">
+                    <a16:creationId xmlns:a16="http://schemas.microsoft.com/office/drawing/2014/main" id="{076CE9C8-CC8A-4C3D-85F8-19F433915693}"/>
+                  </a:ext>
+                </a:extLst>
+              </p:cNvPr>
+              <p:cNvSpPr/>
+              <p:nvPr/>
+            </p:nvSpPr>
+            <p:spPr>
+              <a:xfrm>
+                <a:off x="6080760" y="3381043"/>
+                <a:ext cx="5323060" cy="670183"/>
+              </a:xfrm>
+              <a:prstGeom prst="rect">
+                <a:avLst/>
+              </a:prstGeom>
+              <a:ln>
+                <a:solidFill>
+                  <a:srgbClr val="C00000"/>
+                </a:solidFill>
+                <a:prstDash val="dash"/>
+              </a:ln>
+            </p:spPr>
+            <p:txBody>
+              <a:bodyPr wrap="none">
+                <a:spAutoFit/>
+              </a:bodyPr>
+              <a:lstStyle/>
+              <a:p>
+                <a:r>
+                  <a:rPr lang="en-US" sz="1600" dirty="0">
+                    <a:solidFill>
+                      <a:schemeClr val="tx1"/>
+                    </a:solidFill>
+                    <a:latin typeface="Calibri Light" panose="020F0302020204030204" pitchFamily="34" charset="0"/>
+                    <a:cs typeface="Calibri Light" panose="020F0302020204030204" pitchFamily="34" charset="0"/>
+                  </a:rPr>
+                  <a:t>d</a:t>
+                </a:r>
+                <a:r>
+                  <a:rPr lang="en-US" sz="1600" dirty="0" err="1">
+                    <a:solidFill>
+                      <a:schemeClr val="tx1"/>
+                    </a:solidFill>
+                    <a:latin typeface="Calibri Light" panose="020F0302020204030204" pitchFamily="34" charset="0"/>
+                    <a:cs typeface="Calibri Light" panose="020F0302020204030204" pitchFamily="34" charset="0"/>
+                  </a:rPr>
+                  <a:t>onde</a:t>
+                </a:r>
+                <a:r>
+                  <a:rPr lang="en-US" dirty="0">
+                    <a:solidFill>
+                      <a:schemeClr val="tx1"/>
+                    </a:solidFill>
+                    <a:cs typeface="Calibri Light" panose="020F0302020204030204" pitchFamily="34" charset="0"/>
+                  </a:rPr>
+                  <a:t> </a:t>
+                </a:r>
+                <a14:m>
+                  <m:oMath xmlns:m="http://schemas.openxmlformats.org/officeDocument/2006/math">
+                    <m:r>
+                      <a:rPr lang="en-US" sz="1400" b="0" i="0" smtClean="0">
+                        <a:solidFill>
+                          <a:schemeClr val="tx1"/>
+                        </a:solidFill>
+                        <a:latin typeface="Cambria Math" panose="02040503050406030204" pitchFamily="18" charset="0"/>
+                        <a:cs typeface="Calibri Light" panose="020F0302020204030204" pitchFamily="34" charset="0"/>
+                      </a:rPr>
+                      <m:t> </m:t>
+                    </m:r>
+                    <m:r>
+                      <a:rPr lang="en-US" sz="1400" b="0" i="1" smtClean="0">
+                        <a:solidFill>
+                          <a:schemeClr val="tx1"/>
+                        </a:solidFill>
+                        <a:latin typeface="Cambria Math" panose="02040503050406030204" pitchFamily="18" charset="0"/>
+                        <a:cs typeface="Calibri Light" panose="020F0302020204030204" pitchFamily="34" charset="0"/>
+                      </a:rPr>
+                      <m:t>𝑆</m:t>
+                    </m:r>
+                    <m:r>
+                      <a:rPr lang="en-US" sz="1400" i="1">
+                        <a:solidFill>
+                          <a:schemeClr val="tx1"/>
+                        </a:solidFill>
+                        <a:latin typeface="Cambria Math" panose="02040503050406030204" pitchFamily="18" charset="0"/>
+                        <a:cs typeface="Calibri Light" panose="020F0302020204030204" pitchFamily="34" charset="0"/>
+                      </a:rPr>
+                      <m:t>=</m:t>
+                    </m:r>
+                    <m:r>
+                      <a:rPr lang="en-US" sz="1400" b="0" i="1" smtClean="0">
+                        <a:solidFill>
+                          <a:schemeClr val="tx1"/>
+                        </a:solidFill>
+                        <a:latin typeface="Cambria Math" panose="02040503050406030204" pitchFamily="18" charset="0"/>
+                        <a:cs typeface="Calibri Light" panose="020F0302020204030204" pitchFamily="34" charset="0"/>
+                      </a:rPr>
+                      <m:t>−</m:t>
+                    </m:r>
+                    <m:r>
+                      <a:rPr lang="en-US" sz="1400" b="0" i="1" smtClean="0">
+                        <a:solidFill>
+                          <a:schemeClr val="tx1"/>
+                        </a:solidFill>
+                        <a:latin typeface="Cambria Math" panose="02040503050406030204" pitchFamily="18" charset="0"/>
+                        <a:cs typeface="Calibri Light" panose="020F0302020204030204" pitchFamily="34" charset="0"/>
+                      </a:rPr>
+                      <m:t>𝑑𝑖𝑎𝑔</m:t>
+                    </m:r>
+                    <m:r>
+                      <a:rPr lang="en-US" sz="1400" b="0" i="1" smtClean="0">
+                        <a:solidFill>
+                          <a:schemeClr val="tx1"/>
+                        </a:solidFill>
+                        <a:latin typeface="Cambria Math" panose="02040503050406030204" pitchFamily="18" charset="0"/>
+                        <a:cs typeface="Calibri Light" panose="020F0302020204030204" pitchFamily="34" charset="0"/>
+                      </a:rPr>
+                      <m:t>(</m:t>
+                    </m:r>
+                    <m:m>
+                      <m:mPr>
+                        <m:mcs>
+                          <m:mc>
+                            <m:mcPr>
+                              <m:count m:val="3"/>
+                              <m:mcJc m:val="center"/>
+                            </m:mcPr>
+                          </m:mc>
+                        </m:mcs>
+                        <m:ctrlPr>
+                          <a:rPr lang="en-US" sz="1400" i="1" smtClean="0">
+                            <a:solidFill>
+                              <a:schemeClr val="tx1"/>
+                            </a:solidFill>
+                            <a:latin typeface="Cambria Math" panose="02040503050406030204" pitchFamily="18" charset="0"/>
+                            <a:cs typeface="Calibri Light" panose="020F0302020204030204" pitchFamily="34" charset="0"/>
+                          </a:rPr>
+                        </m:ctrlPr>
+                      </m:mPr>
+                      <m:mr>
+                        <m:e>
+                          <m:r>
+                            <m:rPr>
+                              <m:brk m:alnAt="7"/>
+                            </m:rPr>
+                            <a:rPr lang="es-CO" sz="1400" b="0" i="1" smtClean="0">
+                              <a:solidFill>
+                                <a:schemeClr val="tx1"/>
+                              </a:solidFill>
+                              <a:latin typeface="Cambria Math" panose="02040503050406030204" pitchFamily="18" charset="0"/>
+                              <a:cs typeface="Calibri Light" panose="020F0302020204030204" pitchFamily="34" charset="0"/>
+                            </a:rPr>
+                            <m:t>0</m:t>
+                          </m:r>
+                        </m:e>
+                        <m:e>
+                          <m:r>
+                            <a:rPr lang="es-CO" sz="1400" b="0" i="1" smtClean="0">
+                              <a:solidFill>
+                                <a:schemeClr val="tx1"/>
+                              </a:solidFill>
+                              <a:latin typeface="Cambria Math" panose="02040503050406030204" pitchFamily="18" charset="0"/>
+                              <a:cs typeface="Calibri Light" panose="020F0302020204030204" pitchFamily="34" charset="0"/>
+                            </a:rPr>
+                            <m:t>0</m:t>
+                          </m:r>
+                        </m:e>
+                        <m:e>
+                          <m:r>
+                            <a:rPr lang="es-CO" sz="1400" b="0" i="1" smtClean="0">
+                              <a:solidFill>
+                                <a:schemeClr val="tx1"/>
+                              </a:solidFill>
+                              <a:latin typeface="Cambria Math" panose="02040503050406030204" pitchFamily="18" charset="0"/>
+                              <a:cs typeface="Calibri Light" panose="020F0302020204030204" pitchFamily="34" charset="0"/>
+                            </a:rPr>
+                            <m:t>0</m:t>
+                          </m:r>
+                        </m:e>
+                      </m:mr>
+                    </m:m>
+                    <m:r>
+                      <a:rPr lang="en-US" sz="1400" b="0" i="1" smtClean="0">
+                        <a:solidFill>
+                          <a:schemeClr val="tx1"/>
+                        </a:solidFill>
+                        <a:latin typeface="Cambria Math" panose="02040503050406030204" pitchFamily="18" charset="0"/>
+                        <a:cs typeface="Calibri Light" panose="020F0302020204030204" pitchFamily="34" charset="0"/>
+                      </a:rPr>
+                      <m:t>     </m:t>
+                    </m:r>
+                    <m:m>
+                      <m:mPr>
+                        <m:mcs>
+                          <m:mc>
+                            <m:mcPr>
+                              <m:count m:val="3"/>
+                              <m:mcJc m:val="center"/>
+                            </m:mcPr>
+                          </m:mc>
+                        </m:mcs>
+                        <m:ctrlPr>
+                          <a:rPr lang="en-US" sz="1400" i="1" smtClean="0">
+                            <a:solidFill>
+                              <a:schemeClr val="tx1"/>
+                            </a:solidFill>
+                            <a:latin typeface="Cambria Math" panose="02040503050406030204" pitchFamily="18" charset="0"/>
+                            <a:cs typeface="Calibri Light" panose="020F0302020204030204" pitchFamily="34" charset="0"/>
+                          </a:rPr>
+                        </m:ctrlPr>
+                      </m:mPr>
+                      <m:mr>
+                        <m:e>
+                          <m:r>
+                            <m:rPr>
+                              <m:brk m:alnAt="7"/>
+                            </m:rPr>
+                            <a:rPr lang="es-CO" sz="1400" b="0" i="1" smtClean="0">
+                              <a:solidFill>
+                                <a:schemeClr val="tx1"/>
+                              </a:solidFill>
+                              <a:latin typeface="Cambria Math" panose="02040503050406030204" pitchFamily="18" charset="0"/>
+                              <a:cs typeface="Calibri Light" panose="020F0302020204030204" pitchFamily="34" charset="0"/>
+                            </a:rPr>
+                            <m:t>3</m:t>
+                          </m:r>
+                          <m:f>
+                            <m:fPr>
+                              <m:ctrlPr>
+                                <a:rPr lang="es-CO" sz="1400" b="0" i="1" smtClean="0">
+                                  <a:solidFill>
+                                    <a:schemeClr val="tx1"/>
+                                  </a:solidFill>
+                                  <a:latin typeface="Cambria Math" panose="02040503050406030204" pitchFamily="18" charset="0"/>
+                                  <a:cs typeface="Calibri Light" panose="020F0302020204030204" pitchFamily="34" charset="0"/>
+                                </a:rPr>
+                              </m:ctrlPr>
+                            </m:fPr>
+                            <m:num>
+                              <m:r>
+                                <a:rPr lang="es-CO" sz="1400" b="0" i="1" smtClean="0">
+                                  <a:solidFill>
+                                    <a:schemeClr val="tx1"/>
+                                  </a:solidFill>
+                                  <a:latin typeface="Cambria Math" panose="02040503050406030204" pitchFamily="18" charset="0"/>
+                                  <a:cs typeface="Calibri Light" panose="020F0302020204030204" pitchFamily="34" charset="0"/>
+                                </a:rPr>
+                                <m:t>2−</m:t>
+                              </m:r>
+                              <m:sSub>
+                                <m:sSubPr>
+                                  <m:ctrlPr>
+                                    <a:rPr lang="es-CO" sz="1400" b="0" i="1" smtClean="0">
+                                      <a:solidFill>
+                                        <a:schemeClr val="tx1"/>
+                                      </a:solidFill>
+                                      <a:latin typeface="Cambria Math" panose="02040503050406030204" pitchFamily="18" charset="0"/>
+                                      <a:cs typeface="Calibri Light" panose="020F0302020204030204" pitchFamily="34" charset="0"/>
+                                    </a:rPr>
+                                  </m:ctrlPr>
+                                </m:sSubPr>
+                                <m:e>
+                                  <m:r>
+                                    <a:rPr lang="es-CO" sz="1400" b="0" i="1" smtClean="0">
+                                      <a:solidFill>
+                                        <a:schemeClr val="tx1"/>
+                                      </a:solidFill>
+                                      <a:latin typeface="Cambria Math" panose="02040503050406030204" pitchFamily="18" charset="0"/>
+                                      <a:cs typeface="Calibri Light" panose="020F0302020204030204" pitchFamily="34" charset="0"/>
+                                    </a:rPr>
+                                    <m:t>𝑠</m:t>
+                                  </m:r>
+                                </m:e>
+                                <m:sub>
+                                  <m:r>
+                                    <a:rPr lang="es-CO" sz="1400" b="0" i="1" smtClean="0">
+                                      <a:solidFill>
+                                        <a:schemeClr val="tx1"/>
+                                      </a:solidFill>
+                                      <a:latin typeface="Cambria Math" panose="02040503050406030204" pitchFamily="18" charset="0"/>
+                                      <a:cs typeface="Calibri Light" panose="020F0302020204030204" pitchFamily="34" charset="0"/>
+                                    </a:rPr>
+                                    <m:t>7</m:t>
+                                  </m:r>
+                                </m:sub>
+                              </m:sSub>
+                            </m:num>
+                            <m:den>
+                              <m:r>
+                                <a:rPr lang="es-CO" sz="1400" b="0" i="1" smtClean="0">
+                                  <a:solidFill>
+                                    <a:schemeClr val="tx1"/>
+                                  </a:solidFill>
+                                  <a:latin typeface="Cambria Math" panose="02040503050406030204" pitchFamily="18" charset="0"/>
+                                  <a:cs typeface="Calibri Light" panose="020F0302020204030204" pitchFamily="34" charset="0"/>
+                                </a:rPr>
+                                <m:t>3−</m:t>
+                              </m:r>
+                              <m:sSub>
+                                <m:sSubPr>
+                                  <m:ctrlPr>
+                                    <a:rPr lang="es-CO" sz="1400" b="0" i="1" smtClean="0">
+                                      <a:solidFill>
+                                        <a:schemeClr val="tx1"/>
+                                      </a:solidFill>
+                                      <a:latin typeface="Cambria Math" panose="02040503050406030204" pitchFamily="18" charset="0"/>
+                                      <a:cs typeface="Calibri Light" panose="020F0302020204030204" pitchFamily="34" charset="0"/>
+                                    </a:rPr>
+                                  </m:ctrlPr>
+                                </m:sSubPr>
+                                <m:e>
+                                  <m:r>
+                                    <a:rPr lang="es-CO" sz="1400" b="0" i="1" smtClean="0">
+                                      <a:solidFill>
+                                        <a:schemeClr val="tx1"/>
+                                      </a:solidFill>
+                                      <a:latin typeface="Cambria Math" panose="02040503050406030204" pitchFamily="18" charset="0"/>
+                                      <a:cs typeface="Calibri Light" panose="020F0302020204030204" pitchFamily="34" charset="0"/>
+                                    </a:rPr>
+                                    <m:t>𝑠</m:t>
+                                  </m:r>
+                                </m:e>
+                                <m:sub>
+                                  <m:r>
+                                    <a:rPr lang="es-CO" sz="1400" b="0" i="1" smtClean="0">
+                                      <a:solidFill>
+                                        <a:schemeClr val="tx1"/>
+                                      </a:solidFill>
+                                      <a:latin typeface="Cambria Math" panose="02040503050406030204" pitchFamily="18" charset="0"/>
+                                      <a:cs typeface="Calibri Light" panose="020F0302020204030204" pitchFamily="34" charset="0"/>
+                                    </a:rPr>
+                                    <m:t>7</m:t>
+                                  </m:r>
+                                </m:sub>
+                              </m:sSub>
+                            </m:den>
+                          </m:f>
+                        </m:e>
+                        <m:e>
+                          <m:r>
+                            <a:rPr lang="es-CO" sz="1400" b="0" i="1" smtClean="0">
+                              <a:solidFill>
+                                <a:schemeClr val="tx1"/>
+                              </a:solidFill>
+                              <a:latin typeface="Cambria Math" panose="02040503050406030204" pitchFamily="18" charset="0"/>
+                              <a:cs typeface="Calibri Light" panose="020F0302020204030204" pitchFamily="34" charset="0"/>
+                            </a:rPr>
+                            <m:t>1.92</m:t>
+                          </m:r>
+                        </m:e>
+                        <m:e>
+                          <m:r>
+                            <a:rPr lang="es-CO" sz="1400" b="0" i="1" smtClean="0">
+                              <a:solidFill>
+                                <a:schemeClr val="tx1"/>
+                              </a:solidFill>
+                              <a:latin typeface="Cambria Math" panose="02040503050406030204" pitchFamily="18" charset="0"/>
+                              <a:cs typeface="Calibri Light" panose="020F0302020204030204" pitchFamily="34" charset="0"/>
+                            </a:rPr>
+                            <m:t>1.14</m:t>
+                          </m:r>
+                        </m:e>
+                      </m:mr>
+                    </m:m>
+                    <m:r>
+                      <a:rPr lang="en-US" sz="1400" b="0" i="1" smtClean="0">
+                        <a:solidFill>
+                          <a:schemeClr val="tx1"/>
+                        </a:solidFill>
+                        <a:latin typeface="Cambria Math" panose="02040503050406030204" pitchFamily="18" charset="0"/>
+                        <a:cs typeface="Calibri Light" panose="020F0302020204030204" pitchFamily="34" charset="0"/>
+                      </a:rPr>
+                      <m:t>     </m:t>
+                    </m:r>
+                    <m:m>
+                      <m:mPr>
+                        <m:mcs>
+                          <m:mc>
+                            <m:mcPr>
+                              <m:count m:val="3"/>
+                              <m:mcJc m:val="center"/>
+                            </m:mcPr>
+                          </m:mc>
+                        </m:mcs>
+                        <m:ctrlPr>
+                          <a:rPr lang="en-US" sz="1400" i="1" smtClean="0">
+                            <a:solidFill>
+                              <a:schemeClr val="tx1"/>
+                            </a:solidFill>
+                            <a:latin typeface="Cambria Math" panose="02040503050406030204" pitchFamily="18" charset="0"/>
+                            <a:cs typeface="Calibri Light" panose="020F0302020204030204" pitchFamily="34" charset="0"/>
+                          </a:rPr>
+                        </m:ctrlPr>
+                      </m:mPr>
+                      <m:mr>
+                        <m:e>
+                          <m:r>
+                            <m:rPr>
+                              <m:brk m:alnAt="7"/>
+                            </m:rPr>
+                            <a:rPr lang="es-CO" sz="1400" b="0" i="1" smtClean="0">
+                              <a:solidFill>
+                                <a:schemeClr val="tx1"/>
+                              </a:solidFill>
+                              <a:latin typeface="Cambria Math" panose="02040503050406030204" pitchFamily="18" charset="0"/>
+                              <a:cs typeface="Calibri Light" panose="020F0302020204030204" pitchFamily="34" charset="0"/>
+                            </a:rPr>
+                            <m:t>1.64</m:t>
+                          </m:r>
+                        </m:e>
+                        <m:e>
+                          <m:sSub>
+                            <m:sSubPr>
+                              <m:ctrlPr>
+                                <a:rPr lang="es-CO" sz="1400" b="0" i="1" smtClean="0">
+                                  <a:solidFill>
+                                    <a:schemeClr val="tx1"/>
+                                  </a:solidFill>
+                                  <a:latin typeface="Cambria Math" panose="02040503050406030204" pitchFamily="18" charset="0"/>
+                                  <a:cs typeface="Calibri Light" panose="020F0302020204030204" pitchFamily="34" charset="0"/>
+                                </a:rPr>
+                              </m:ctrlPr>
+                            </m:sSubPr>
+                            <m:e>
+                              <m:r>
+                                <a:rPr lang="es-CO" sz="1400" b="0" i="1" smtClean="0">
+                                  <a:solidFill>
+                                    <a:schemeClr val="tx1"/>
+                                  </a:solidFill>
+                                  <a:latin typeface="Cambria Math" panose="02040503050406030204" pitchFamily="18" charset="0"/>
+                                  <a:cs typeface="Calibri Light" panose="020F0302020204030204" pitchFamily="34" charset="0"/>
+                                </a:rPr>
+                                <m:t>𝑠</m:t>
+                              </m:r>
+                            </m:e>
+                            <m:sub>
+                              <m:r>
+                                <a:rPr lang="es-CO" sz="1400" b="0" i="1" smtClean="0">
+                                  <a:solidFill>
+                                    <a:schemeClr val="tx1"/>
+                                  </a:solidFill>
+                                  <a:latin typeface="Cambria Math" panose="02040503050406030204" pitchFamily="18" charset="0"/>
+                                  <a:cs typeface="Calibri Light" panose="020F0302020204030204" pitchFamily="34" charset="0"/>
+                                </a:rPr>
+                                <m:t>7</m:t>
+                              </m:r>
+                            </m:sub>
+                          </m:sSub>
+                        </m:e>
+                        <m:e>
+                          <m:sSub>
+                            <m:sSubPr>
+                              <m:ctrlPr>
+                                <a:rPr lang="es-CO" sz="1400" b="0" i="1" smtClean="0">
+                                  <a:solidFill>
+                                    <a:schemeClr val="tx1"/>
+                                  </a:solidFill>
+                                  <a:latin typeface="Cambria Math" panose="02040503050406030204" pitchFamily="18" charset="0"/>
+                                  <a:cs typeface="Calibri Light" panose="020F0302020204030204" pitchFamily="34" charset="0"/>
+                                </a:rPr>
+                              </m:ctrlPr>
+                            </m:sSubPr>
+                            <m:e>
+                              <m:r>
+                                <a:rPr lang="es-CO" sz="1400" b="0" i="1" smtClean="0">
+                                  <a:solidFill>
+                                    <a:schemeClr val="tx1"/>
+                                  </a:solidFill>
+                                  <a:latin typeface="Cambria Math" panose="02040503050406030204" pitchFamily="18" charset="0"/>
+                                  <a:cs typeface="Calibri Light" panose="020F0302020204030204" pitchFamily="34" charset="0"/>
+                                </a:rPr>
+                                <m:t>𝑠</m:t>
+                              </m:r>
+                            </m:e>
+                            <m:sub>
+                              <m:r>
+                                <a:rPr lang="es-CO" sz="1400" b="0" i="1" smtClean="0">
+                                  <a:solidFill>
+                                    <a:schemeClr val="tx1"/>
+                                  </a:solidFill>
+                                  <a:latin typeface="Cambria Math" panose="02040503050406030204" pitchFamily="18" charset="0"/>
+                                  <a:cs typeface="Calibri Light" panose="020F0302020204030204" pitchFamily="34" charset="0"/>
+                                </a:rPr>
+                                <m:t>7</m:t>
+                              </m:r>
+                            </m:sub>
+                          </m:sSub>
+                        </m:e>
+                      </m:mr>
+                    </m:m>
+                    <m:r>
+                      <a:rPr lang="en-US" sz="1400" b="0" i="1" smtClean="0">
+                        <a:solidFill>
+                          <a:schemeClr val="tx1"/>
+                        </a:solidFill>
+                        <a:latin typeface="Cambria Math" panose="02040503050406030204" pitchFamily="18" charset="0"/>
+                        <a:cs typeface="Calibri Light" panose="020F0302020204030204" pitchFamily="34" charset="0"/>
+                      </a:rPr>
+                      <m:t>)</m:t>
+                    </m:r>
+                  </m:oMath>
+                </a14:m>
+                <a:endParaRPr lang="es-CO" sz="1400" dirty="0">
+                  <a:solidFill>
+                    <a:schemeClr val="tx1"/>
+                  </a:solidFill>
+                </a:endParaRPr>
+              </a:p>
+              <a:p>
+                <a:r>
+                  <a:rPr lang="es-CO" sz="1600" b="0" dirty="0">
+                    <a:solidFill>
+                      <a:schemeClr val="tx1"/>
+                    </a:solidFill>
+                    <a:cs typeface="Calibri Light" panose="020F0302020204030204" pitchFamily="34" charset="0"/>
+                  </a:rPr>
+                  <a:t>       </a:t>
+                </a:r>
+                <a:r>
+                  <a:rPr lang="es-CO" sz="1600" dirty="0">
+                    <a:solidFill>
+                      <a:schemeClr val="tx1"/>
+                    </a:solidFill>
+                    <a:latin typeface="Calibri Light" panose="020F0302020204030204" pitchFamily="34" charset="0"/>
+                    <a:cs typeface="Calibri Light" panose="020F0302020204030204" pitchFamily="34" charset="0"/>
+                  </a:rPr>
+                  <a:t>con</a:t>
+                </a:r>
+                <a:r>
+                  <a:rPr lang="es-CO" sz="1600" b="0" dirty="0">
+                    <a:solidFill>
+                      <a:schemeClr val="tx1"/>
+                    </a:solidFill>
+                    <a:cs typeface="Calibri Light" panose="020F0302020204030204" pitchFamily="34" charset="0"/>
+                  </a:rPr>
+                  <a:t> </a:t>
+                </a:r>
+                <a14:m>
+                  <m:oMath xmlns:m="http://schemas.openxmlformats.org/officeDocument/2006/math">
+                    <m:sSub>
+                      <m:sSubPr>
+                        <m:ctrlPr>
+                          <a:rPr lang="es-CO" sz="1400" b="0" i="1" smtClean="0">
+                            <a:solidFill>
+                              <a:schemeClr val="tx1"/>
+                            </a:solidFill>
+                            <a:latin typeface="Cambria Math" panose="02040503050406030204" pitchFamily="18" charset="0"/>
+                            <a:cs typeface="Calibri Light" panose="020F0302020204030204" pitchFamily="34" charset="0"/>
+                          </a:rPr>
+                        </m:ctrlPr>
+                      </m:sSubPr>
+                      <m:e>
+                        <m:r>
+                          <a:rPr lang="es-CO" sz="1400" b="0" i="1" smtClean="0">
+                            <a:solidFill>
+                              <a:schemeClr val="tx1"/>
+                            </a:solidFill>
+                            <a:latin typeface="Cambria Math" panose="02040503050406030204" pitchFamily="18" charset="0"/>
+                            <a:cs typeface="Calibri Light" panose="020F0302020204030204" pitchFamily="34" charset="0"/>
+                          </a:rPr>
+                          <m:t>𝑠</m:t>
+                        </m:r>
+                      </m:e>
+                      <m:sub>
+                        <m:r>
+                          <a:rPr lang="es-CO" sz="1400" b="0" i="1" smtClean="0">
+                            <a:solidFill>
+                              <a:schemeClr val="tx1"/>
+                            </a:solidFill>
+                            <a:latin typeface="Cambria Math" panose="02040503050406030204" pitchFamily="18" charset="0"/>
+                            <a:cs typeface="Calibri Light" panose="020F0302020204030204" pitchFamily="34" charset="0"/>
+                          </a:rPr>
+                          <m:t>7</m:t>
+                        </m:r>
+                      </m:sub>
+                    </m:sSub>
+                    <m:r>
+                      <a:rPr lang="es-CO" sz="1400" b="0" i="1" smtClean="0">
+                        <a:solidFill>
+                          <a:schemeClr val="tx1"/>
+                        </a:solidFill>
+                        <a:latin typeface="Cambria Math" panose="02040503050406030204" pitchFamily="18" charset="0"/>
+                        <a:cs typeface="Calibri Light" panose="020F0302020204030204" pitchFamily="34" charset="0"/>
+                      </a:rPr>
+                      <m:t>=1/</m:t>
+                    </m:r>
+                    <m:r>
+                      <a:rPr lang="es-CO" sz="1400" b="0" i="1" smtClean="0">
+                        <a:solidFill>
+                          <a:schemeClr val="tx1"/>
+                        </a:solidFill>
+                        <a:latin typeface="Cambria Math" panose="02040503050406030204" pitchFamily="18" charset="0"/>
+                        <a:ea typeface="Cambria Math" panose="02040503050406030204" pitchFamily="18" charset="0"/>
+                        <a:cs typeface="Calibri Light" panose="020F0302020204030204" pitchFamily="34" charset="0"/>
+                      </a:rPr>
+                      <m:t>𝜏</m:t>
+                    </m:r>
+                  </m:oMath>
+                </a14:m>
+                <a:r>
+                  <a:rPr lang="es-CO" sz="1400" dirty="0">
+                    <a:solidFill>
+                      <a:schemeClr val="tx1"/>
+                    </a:solidFill>
+                    <a:latin typeface="Calibri Light" panose="020F0302020204030204" pitchFamily="34" charset="0"/>
+                    <a:cs typeface="Calibri Light" panose="020F0302020204030204" pitchFamily="34" charset="0"/>
+                  </a:rPr>
+                  <a:t>,      </a:t>
+                </a:r>
+                <a:r>
+                  <a:rPr lang="es-CO" sz="1600" dirty="0">
+                    <a:solidFill>
+                      <a:schemeClr val="tx1"/>
+                    </a:solidFill>
+                    <a:latin typeface="Calibri Light" panose="020F0302020204030204" pitchFamily="34" charset="0"/>
+                    <a:cs typeface="Calibri Light" panose="020F0302020204030204" pitchFamily="34" charset="0"/>
+                  </a:rPr>
+                  <a:t>son </a:t>
+                </a:r>
+                <a:r>
+                  <a:rPr lang="es-CO" sz="1600" dirty="0">
+                    <a:latin typeface="Calibri Light" panose="020F0302020204030204" pitchFamily="34" charset="0"/>
+                    <a:cs typeface="Calibri Light" panose="020F0302020204030204" pitchFamily="34" charset="0"/>
+                  </a:rPr>
+                  <a:t>los parámetros de relajación</a:t>
+                </a:r>
+              </a:p>
+            </p:txBody>
+          </p:sp>
+        </mc:Choice>
+        <mc:Fallback>
+          <p:sp>
+            <p:nvSpPr>
+              <p:cNvPr id="7" name="Rectangle 6">
+                <a:extLst>
+                  <a:ext uri="{FF2B5EF4-FFF2-40B4-BE49-F238E27FC236}">
+                    <a16:creationId xmlns:a16="http://schemas.microsoft.com/office/drawing/2014/main" id="{076CE9C8-CC8A-4C3D-85F8-19F433915693}"/>
+                  </a:ext>
+                </a:extLst>
+              </p:cNvPr>
+              <p:cNvSpPr>
+                <a:spLocks noRot="1" noChangeAspect="1" noMove="1" noResize="1" noEditPoints="1" noAdjustHandles="1" noChangeArrowheads="1" noChangeShapeType="1" noTextEdit="1"/>
+              </p:cNvSpPr>
+              <p:nvPr/>
+            </p:nvSpPr>
+            <p:spPr>
+              <a:xfrm>
+                <a:off x="6080760" y="3381043"/>
+                <a:ext cx="5323060" cy="670183"/>
+              </a:xfrm>
+              <a:prstGeom prst="rect">
+                <a:avLst/>
+              </a:prstGeom>
+              <a:blipFill>
+                <a:blip r:embed="rId3"/>
+                <a:stretch>
+                  <a:fillRect l="-571" b="-9821"/>
+                </a:stretch>
+              </a:blipFill>
+              <a:ln>
+                <a:solidFill>
+                  <a:srgbClr val="C00000"/>
+                </a:solidFill>
+                <a:prstDash val="dash"/>
+              </a:ln>
             </p:spPr>
             <p:txBody>
               <a:bodyPr/>
@@ -12884,7 +15394,13 @@
       </p:grpSpPr>
       <p:sp>
         <p:nvSpPr>
-          <p:cNvPr id="2" name="Title 1"/>
+          <p:cNvPr id="2" name="Title 1">
+            <a:extLst>
+              <a:ext uri="{FF2B5EF4-FFF2-40B4-BE49-F238E27FC236}">
+                <a16:creationId xmlns:a16="http://schemas.microsoft.com/office/drawing/2014/main" id="{F2AFE6F8-2A65-4DEC-BFEE-AF5682477B54}"/>
+              </a:ext>
+            </a:extLst>
+          </p:cNvPr>
           <p:cNvSpPr>
             <a:spLocks noGrp="1"/>
           </p:cNvSpPr>
@@ -12899,186 +15415,50 @@
           <a:p>
             <a:r>
               <a:rPr lang="en-US" dirty="0" err="1"/>
-              <a:t>Código</a:t>
+              <a:t>Teor</a:t>
+            </a:r>
+            <a:r>
+              <a:rPr lang="es-CO" dirty="0" err="1"/>
+              <a:t>ía</a:t>
             </a:r>
             <a:endParaRPr lang="es-CO" dirty="0"/>
           </a:p>
         </p:txBody>
       </p:sp>
-      <p:sp>
-        <p:nvSpPr>
-          <p:cNvPr id="3" name="Content Placeholder 2"/>
-          <p:cNvSpPr>
-            <a:spLocks noGrp="1"/>
-          </p:cNvSpPr>
-          <p:nvPr>
-            <p:ph idx="1"/>
-          </p:nvPr>
-        </p:nvSpPr>
+      <p:pic>
+        <p:nvPicPr>
+          <p:cNvPr id="5" name="Picture 4">
+            <a:extLst>
+              <a:ext uri="{FF2B5EF4-FFF2-40B4-BE49-F238E27FC236}">
+                <a16:creationId xmlns:a16="http://schemas.microsoft.com/office/drawing/2014/main" id="{7DA28D64-667D-4909-9B56-2D204645D0F0}"/>
+              </a:ext>
+            </a:extLst>
+          </p:cNvPr>
+          <p:cNvPicPr>
+            <a:picLocks noChangeAspect="1"/>
+          </p:cNvPicPr>
+          <p:nvPr/>
+        </p:nvPicPr>
+        <p:blipFill>
+          <a:blip r:embed="rId2"/>
+          <a:stretch>
+            <a:fillRect/>
+          </a:stretch>
+        </p:blipFill>
         <p:spPr>
           <a:xfrm>
-            <a:off x="1143000" y="2047009"/>
-            <a:ext cx="9872871" cy="4038600"/>
+            <a:off x="2858690" y="1226183"/>
+            <a:ext cx="5915025" cy="4972050"/>
           </a:xfrm>
+          <a:prstGeom prst="rect">
+            <a:avLst/>
+          </a:prstGeom>
         </p:spPr>
-        <p:txBody>
-          <a:bodyPr/>
-          <a:lstStyle/>
-          <a:p>
-            <a:r>
-              <a:rPr lang="en-US" dirty="0" err="1">
-                <a:solidFill>
-                  <a:schemeClr val="tx1"/>
-                </a:solidFill>
-                <a:latin typeface="Calibri Light" panose="020F0302020204030204" pitchFamily="34" charset="0"/>
-                <a:cs typeface="Calibri Light" panose="020F0302020204030204" pitchFamily="34" charset="0"/>
-              </a:rPr>
-              <a:t>Qué</a:t>
-            </a:r>
-            <a:r>
-              <a:rPr lang="en-US" dirty="0">
-                <a:solidFill>
-                  <a:schemeClr val="tx1"/>
-                </a:solidFill>
-                <a:latin typeface="Calibri Light" panose="020F0302020204030204" pitchFamily="34" charset="0"/>
-                <a:cs typeface="Calibri Light" panose="020F0302020204030204" pitchFamily="34" charset="0"/>
-              </a:rPr>
-              <a:t> </a:t>
-            </a:r>
-            <a:r>
-              <a:rPr lang="en-US" dirty="0" err="1">
-                <a:solidFill>
-                  <a:schemeClr val="tx1"/>
-                </a:solidFill>
-                <a:latin typeface="Calibri Light" panose="020F0302020204030204" pitchFamily="34" charset="0"/>
-                <a:cs typeface="Calibri Light" panose="020F0302020204030204" pitchFamily="34" charset="0"/>
-              </a:rPr>
-              <a:t>código</a:t>
-            </a:r>
-            <a:r>
-              <a:rPr lang="en-US" dirty="0">
-                <a:solidFill>
-                  <a:schemeClr val="tx1"/>
-                </a:solidFill>
-                <a:latin typeface="Calibri Light" panose="020F0302020204030204" pitchFamily="34" charset="0"/>
-                <a:cs typeface="Calibri Light" panose="020F0302020204030204" pitchFamily="34" charset="0"/>
-              </a:rPr>
-              <a:t> </a:t>
-            </a:r>
-            <a:r>
-              <a:rPr lang="en-US" dirty="0" err="1">
-                <a:solidFill>
-                  <a:schemeClr val="tx1"/>
-                </a:solidFill>
-                <a:latin typeface="Calibri Light" panose="020F0302020204030204" pitchFamily="34" charset="0"/>
-                <a:cs typeface="Calibri Light" panose="020F0302020204030204" pitchFamily="34" charset="0"/>
-              </a:rPr>
-              <a:t>modificamos</a:t>
-            </a:r>
-            <a:r>
-              <a:rPr lang="en-US" dirty="0">
-                <a:solidFill>
-                  <a:schemeClr val="tx1"/>
-                </a:solidFill>
-                <a:latin typeface="Calibri Light" panose="020F0302020204030204" pitchFamily="34" charset="0"/>
-                <a:cs typeface="Calibri Light" panose="020F0302020204030204" pitchFamily="34" charset="0"/>
-              </a:rPr>
-              <a:t>, </a:t>
-            </a:r>
-            <a:r>
-              <a:rPr lang="en-US" dirty="0" err="1">
-                <a:solidFill>
-                  <a:schemeClr val="tx1"/>
-                </a:solidFill>
-                <a:latin typeface="Calibri Light" panose="020F0302020204030204" pitchFamily="34" charset="0"/>
-                <a:cs typeface="Calibri Light" panose="020F0302020204030204" pitchFamily="34" charset="0"/>
-              </a:rPr>
-              <a:t>qué</a:t>
-            </a:r>
-            <a:r>
-              <a:rPr lang="en-US" dirty="0">
-                <a:solidFill>
-                  <a:schemeClr val="tx1"/>
-                </a:solidFill>
-                <a:latin typeface="Calibri Light" panose="020F0302020204030204" pitchFamily="34" charset="0"/>
-                <a:cs typeface="Calibri Light" panose="020F0302020204030204" pitchFamily="34" charset="0"/>
-              </a:rPr>
-              <a:t> </a:t>
-            </a:r>
-            <a:r>
-              <a:rPr lang="en-US" dirty="0" err="1">
-                <a:solidFill>
-                  <a:schemeClr val="tx1"/>
-                </a:solidFill>
-                <a:latin typeface="Calibri Light" panose="020F0302020204030204" pitchFamily="34" charset="0"/>
-                <a:cs typeface="Calibri Light" panose="020F0302020204030204" pitchFamily="34" charset="0"/>
-              </a:rPr>
-              <a:t>nuevo</a:t>
-            </a:r>
-            <a:r>
-              <a:rPr lang="en-US" dirty="0">
-                <a:solidFill>
-                  <a:schemeClr val="tx1"/>
-                </a:solidFill>
-                <a:latin typeface="Calibri Light" panose="020F0302020204030204" pitchFamily="34" charset="0"/>
-                <a:cs typeface="Calibri Light" panose="020F0302020204030204" pitchFamily="34" charset="0"/>
-              </a:rPr>
-              <a:t> </a:t>
-            </a:r>
-            <a:r>
-              <a:rPr lang="en-US" dirty="0" err="1">
-                <a:solidFill>
-                  <a:schemeClr val="tx1"/>
-                </a:solidFill>
-                <a:latin typeface="Calibri Light" panose="020F0302020204030204" pitchFamily="34" charset="0"/>
-                <a:cs typeface="Calibri Light" panose="020F0302020204030204" pitchFamily="34" charset="0"/>
-              </a:rPr>
-              <a:t>introdujimos</a:t>
-            </a:r>
-            <a:r>
-              <a:rPr lang="en-US" dirty="0">
-                <a:solidFill>
-                  <a:schemeClr val="tx1"/>
-                </a:solidFill>
-                <a:latin typeface="Calibri Light" panose="020F0302020204030204" pitchFamily="34" charset="0"/>
-                <a:cs typeface="Calibri Light" panose="020F0302020204030204" pitchFamily="34" charset="0"/>
-              </a:rPr>
-              <a:t>, </a:t>
-            </a:r>
-            <a:r>
-              <a:rPr lang="en-US" dirty="0" err="1">
-                <a:solidFill>
-                  <a:schemeClr val="tx1"/>
-                </a:solidFill>
-                <a:latin typeface="Calibri Light" panose="020F0302020204030204" pitchFamily="34" charset="0"/>
-                <a:cs typeface="Calibri Light" panose="020F0302020204030204" pitchFamily="34" charset="0"/>
-              </a:rPr>
-              <a:t>implementamos</a:t>
-            </a:r>
-            <a:r>
-              <a:rPr lang="en-US" dirty="0">
-                <a:solidFill>
-                  <a:schemeClr val="tx1"/>
-                </a:solidFill>
-                <a:latin typeface="Calibri Light" panose="020F0302020204030204" pitchFamily="34" charset="0"/>
-                <a:cs typeface="Calibri Light" panose="020F0302020204030204" pitchFamily="34" charset="0"/>
-              </a:rPr>
-              <a:t>, </a:t>
-            </a:r>
-            <a:endParaRPr lang="es-CO" dirty="0">
-              <a:solidFill>
-                <a:schemeClr val="tx1"/>
-              </a:solidFill>
-              <a:latin typeface="Calibri Light" panose="020F0302020204030204" pitchFamily="34" charset="0"/>
-              <a:cs typeface="Calibri Light" panose="020F0302020204030204" pitchFamily="34" charset="0"/>
-            </a:endParaRPr>
-          </a:p>
-        </p:txBody>
-      </p:sp>
+      </p:pic>
     </p:spTree>
     <p:extLst>
       <p:ext uri="{BB962C8B-B14F-4D97-AF65-F5344CB8AC3E}">
-        <p14:creationId xmlns:p14="http://schemas.microsoft.com/office/powerpoint/2010/main" val="2979819189"/>
+        <p14:creationId xmlns:p14="http://schemas.microsoft.com/office/powerpoint/2010/main" val="1455214247"/>
       </p:ext>
     </p:extLst>
   </p:cSld>
@@ -13122,76 +15502,1009 @@
           <a:p>
             <a:r>
               <a:rPr lang="en-US" dirty="0" err="1"/>
-              <a:t>Resultados</a:t>
+              <a:t>Código</a:t>
             </a:r>
             <a:endParaRPr lang="es-CO" dirty="0"/>
           </a:p>
         </p:txBody>
       </p:sp>
-      <p:sp>
-        <p:nvSpPr>
-          <p:cNvPr id="3" name="Content Placeholder 2"/>
-          <p:cNvSpPr>
-            <a:spLocks noGrp="1"/>
-          </p:cNvSpPr>
-          <p:nvPr>
-            <p:ph idx="1"/>
-          </p:nvPr>
-        </p:nvSpPr>
-        <p:spPr>
-          <a:xfrm>
-            <a:off x="1143000" y="2047009"/>
-            <a:ext cx="9872871" cy="4038600"/>
-          </a:xfrm>
-        </p:spPr>
-        <p:txBody>
-          <a:bodyPr/>
-          <a:lstStyle/>
-          <a:p>
-            <a:r>
-              <a:rPr lang="en-US" dirty="0" err="1">
-                <a:solidFill>
-                  <a:schemeClr val="tx1"/>
-                </a:solidFill>
-                <a:latin typeface="Calibri Light" panose="020F0302020204030204" pitchFamily="34" charset="0"/>
-                <a:cs typeface="Calibri Light" panose="020F0302020204030204" pitchFamily="34" charset="0"/>
-              </a:rPr>
-              <a:t>Muestra</a:t>
-            </a:r>
-            <a:r>
-              <a:rPr lang="en-US" dirty="0">
-                <a:solidFill>
-                  <a:schemeClr val="tx1"/>
-                </a:solidFill>
-                <a:latin typeface="Calibri Light" panose="020F0302020204030204" pitchFamily="34" charset="0"/>
-                <a:cs typeface="Calibri Light" panose="020F0302020204030204" pitchFamily="34" charset="0"/>
-              </a:rPr>
-              <a:t> de que </a:t>
-            </a:r>
-            <a:r>
-              <a:rPr lang="en-US" dirty="0" err="1">
-                <a:solidFill>
-                  <a:schemeClr val="tx1"/>
-                </a:solidFill>
-                <a:latin typeface="Calibri Light" panose="020F0302020204030204" pitchFamily="34" charset="0"/>
-                <a:cs typeface="Calibri Light" panose="020F0302020204030204" pitchFamily="34" charset="0"/>
-              </a:rPr>
-              <a:t>funciona</a:t>
-            </a:r>
-            <a:endParaRPr lang="es-CO" dirty="0">
-              <a:solidFill>
-                <a:schemeClr val="tx1"/>
-              </a:solidFill>
-              <a:latin typeface="Calibri Light" panose="020F0302020204030204" pitchFamily="34" charset="0"/>
-              <a:cs typeface="Calibri Light" panose="020F0302020204030204" pitchFamily="34" charset="0"/>
-            </a:endParaRPr>
-          </a:p>
-        </p:txBody>
-      </p:sp>
+      <mc:AlternateContent xmlns:mc="http://schemas.openxmlformats.org/markup-compatibility/2006">
+        <mc:Choice xmlns:a14="http://schemas.microsoft.com/office/drawing/2010/main" Requires="a14">
+          <p:sp>
+            <p:nvSpPr>
+              <p:cNvPr id="3" name="Content Placeholder 2"/>
+              <p:cNvSpPr>
+                <a:spLocks noGrp="1"/>
+              </p:cNvSpPr>
+              <p:nvPr>
+                <p:ph idx="1"/>
+              </p:nvPr>
+            </p:nvSpPr>
+            <p:spPr>
+              <a:xfrm>
+                <a:off x="1143000" y="2047009"/>
+                <a:ext cx="9872871" cy="4038600"/>
+              </a:xfrm>
+            </p:spPr>
+            <p:txBody>
+              <a:bodyPr>
+                <a:normAutofit/>
+              </a:bodyPr>
+              <a:lstStyle/>
+              <a:p>
+                <a:r>
+                  <a:rPr lang="en-US" dirty="0">
+                    <a:solidFill>
+                      <a:schemeClr val="tx1"/>
+                    </a:solidFill>
+                    <a:latin typeface="Calibri Light" panose="020F0302020204030204" pitchFamily="34" charset="0"/>
+                    <a:cs typeface="Calibri Light" panose="020F0302020204030204" pitchFamily="34" charset="0"/>
+                  </a:rPr>
+                  <a:t>A </a:t>
+                </a:r>
+                <a:r>
+                  <a:rPr lang="en-US" dirty="0" err="1">
+                    <a:solidFill>
+                      <a:schemeClr val="tx1"/>
+                    </a:solidFill>
+                    <a:latin typeface="Calibri Light" panose="020F0302020204030204" pitchFamily="34" charset="0"/>
+                    <a:cs typeface="Calibri Light" panose="020F0302020204030204" pitchFamily="34" charset="0"/>
+                  </a:rPr>
+                  <a:t>partir</a:t>
+                </a:r>
+                <a:r>
+                  <a:rPr lang="en-US" dirty="0">
+                    <a:solidFill>
+                      <a:schemeClr val="tx1"/>
+                    </a:solidFill>
+                    <a:latin typeface="Calibri Light" panose="020F0302020204030204" pitchFamily="34" charset="0"/>
+                    <a:cs typeface="Calibri Light" panose="020F0302020204030204" pitchFamily="34" charset="0"/>
+                  </a:rPr>
+                  <a:t> del c</a:t>
+                </a:r>
+                <a:r>
+                  <a:rPr lang="es-CO" dirty="0" err="1">
+                    <a:solidFill>
+                      <a:schemeClr val="tx1"/>
+                    </a:solidFill>
+                    <a:latin typeface="Calibri Light" panose="020F0302020204030204" pitchFamily="34" charset="0"/>
+                    <a:cs typeface="Calibri Light" panose="020F0302020204030204" pitchFamily="34" charset="0"/>
+                  </a:rPr>
+                  <a:t>ódigo</a:t>
+                </a:r>
+                <a:r>
+                  <a:rPr lang="es-CO" dirty="0">
+                    <a:solidFill>
+                      <a:schemeClr val="tx1"/>
+                    </a:solidFill>
+                    <a:latin typeface="Calibri Light" panose="020F0302020204030204" pitchFamily="34" charset="0"/>
+                    <a:cs typeface="Calibri Light" panose="020F0302020204030204" pitchFamily="34" charset="0"/>
+                  </a:rPr>
+                  <a:t> </a:t>
+                </a:r>
+                <a:r>
+                  <a:rPr lang="es-CO" i="1" dirty="0">
+                    <a:solidFill>
+                      <a:schemeClr val="tx1"/>
+                    </a:solidFill>
+                    <a:latin typeface="Calibri Light" panose="020F0302020204030204" pitchFamily="34" charset="0"/>
+                    <a:cs typeface="Calibri Light" panose="020F0302020204030204" pitchFamily="34" charset="0"/>
+                  </a:rPr>
+                  <a:t>Fluido.cpp </a:t>
+                </a:r>
+                <a:r>
+                  <a:rPr lang="es-CO" dirty="0">
+                    <a:solidFill>
+                      <a:schemeClr val="tx1"/>
+                    </a:solidFill>
+                    <a:latin typeface="Calibri Light" panose="020F0302020204030204" pitchFamily="34" charset="0"/>
+                    <a:cs typeface="Calibri Light" panose="020F0302020204030204" pitchFamily="34" charset="0"/>
+                  </a:rPr>
+                  <a:t>que hicimos en clase en D2Q9 implementamos </a:t>
+                </a:r>
+                <a:r>
+                  <a:rPr lang="es-CO" dirty="0" err="1">
+                    <a:solidFill>
+                      <a:schemeClr val="tx1"/>
+                    </a:solidFill>
+                    <a:latin typeface="Calibri Light" panose="020F0302020204030204" pitchFamily="34" charset="0"/>
+                    <a:cs typeface="Calibri Light" panose="020F0302020204030204" pitchFamily="34" charset="0"/>
+                  </a:rPr>
+                  <a:t>Lattice</a:t>
+                </a:r>
+                <a:r>
+                  <a:rPr lang="es-CO" dirty="0">
+                    <a:solidFill>
+                      <a:schemeClr val="tx1"/>
+                    </a:solidFill>
+                    <a:latin typeface="Calibri Light" panose="020F0302020204030204" pitchFamily="34" charset="0"/>
+                    <a:cs typeface="Calibri Light" panose="020F0302020204030204" pitchFamily="34" charset="0"/>
+                  </a:rPr>
+                  <a:t> </a:t>
+                </a:r>
+                <a:r>
+                  <a:rPr lang="es-CO" dirty="0" err="1">
+                    <a:solidFill>
+                      <a:schemeClr val="tx1"/>
+                    </a:solidFill>
+                    <a:latin typeface="Calibri Light" panose="020F0302020204030204" pitchFamily="34" charset="0"/>
+                    <a:cs typeface="Calibri Light" panose="020F0302020204030204" pitchFamily="34" charset="0"/>
+                  </a:rPr>
+                  <a:t>Boltzmann</a:t>
+                </a:r>
+                <a:r>
+                  <a:rPr lang="es-CO" dirty="0">
+                    <a:solidFill>
+                      <a:schemeClr val="tx1"/>
+                    </a:solidFill>
+                    <a:latin typeface="Calibri Light" panose="020F0302020204030204" pitchFamily="34" charset="0"/>
+                    <a:cs typeface="Calibri Light" panose="020F0302020204030204" pitchFamily="34" charset="0"/>
+                  </a:rPr>
+                  <a:t> de múltiples tiempos de relajación. </a:t>
+                </a:r>
+              </a:p>
+              <a:p>
+                <a:endParaRPr lang="es-CO" dirty="0">
+                  <a:solidFill>
+                    <a:schemeClr val="tx1"/>
+                  </a:solidFill>
+                  <a:latin typeface="Calibri Light" panose="020F0302020204030204" pitchFamily="34" charset="0"/>
+                  <a:cs typeface="Calibri Light" panose="020F0302020204030204" pitchFamily="34" charset="0"/>
+                </a:endParaRPr>
+              </a:p>
+              <a:p>
+                <a:r>
+                  <a:rPr lang="es-CO" dirty="0">
+                    <a:solidFill>
+                      <a:schemeClr val="tx1"/>
+                    </a:solidFill>
+                    <a:latin typeface="Calibri Light" panose="020F0302020204030204" pitchFamily="34" charset="0"/>
+                    <a:cs typeface="Calibri Light" panose="020F0302020204030204" pitchFamily="34" charset="0"/>
+                  </a:rPr>
+                  <a:t>Parámetros: </a:t>
+                </a:r>
+                <a14:m>
+                  <m:oMath xmlns:m="http://schemas.openxmlformats.org/officeDocument/2006/math">
+                    <m:sSub>
+                      <m:sSubPr>
+                        <m:ctrlPr>
+                          <a:rPr lang="es-CO" b="0" i="1" dirty="0" smtClean="0">
+                            <a:solidFill>
+                              <a:schemeClr val="tx1"/>
+                            </a:solidFill>
+                            <a:latin typeface="Cambria Math" panose="02040503050406030204" pitchFamily="18" charset="0"/>
+                            <a:cs typeface="Calibri Light" panose="020F0302020204030204" pitchFamily="34" charset="0"/>
+                          </a:rPr>
+                        </m:ctrlPr>
+                      </m:sSubPr>
+                      <m:e>
+                        <m:r>
+                          <a:rPr lang="es-CO" i="1" dirty="0" smtClean="0">
+                            <a:solidFill>
+                              <a:schemeClr val="tx1"/>
+                            </a:solidFill>
+                            <a:latin typeface="Cambria Math" panose="02040503050406030204" pitchFamily="18" charset="0"/>
+                            <a:cs typeface="Calibri Light" panose="020F0302020204030204" pitchFamily="34" charset="0"/>
+                          </a:rPr>
+                          <m:t>𝐿</m:t>
+                        </m:r>
+                      </m:e>
+                      <m:sub>
+                        <m:r>
+                          <a:rPr lang="es-CO" i="1" dirty="0" smtClean="0">
+                            <a:solidFill>
+                              <a:schemeClr val="tx1"/>
+                            </a:solidFill>
+                            <a:latin typeface="Cambria Math" panose="02040503050406030204" pitchFamily="18" charset="0"/>
+                            <a:cs typeface="Calibri Light" panose="020F0302020204030204" pitchFamily="34" charset="0"/>
+                          </a:rPr>
+                          <m:t>𝑥</m:t>
+                        </m:r>
+                      </m:sub>
+                    </m:sSub>
+                    <m:r>
+                      <a:rPr lang="es-CO" i="1" dirty="0" smtClean="0">
+                        <a:solidFill>
+                          <a:schemeClr val="tx1"/>
+                        </a:solidFill>
+                        <a:latin typeface="Cambria Math" panose="02040503050406030204" pitchFamily="18" charset="0"/>
+                        <a:cs typeface="Calibri Light" panose="020F0302020204030204" pitchFamily="34" charset="0"/>
+                      </a:rPr>
+                      <m:t>=160</m:t>
+                    </m:r>
+                  </m:oMath>
+                </a14:m>
+                <a:r>
+                  <a:rPr lang="es-CO" dirty="0">
+                    <a:solidFill>
+                      <a:schemeClr val="tx1"/>
+                    </a:solidFill>
+                    <a:latin typeface="Calibri Light" panose="020F0302020204030204" pitchFamily="34" charset="0"/>
+                    <a:cs typeface="Calibri Light" panose="020F0302020204030204" pitchFamily="34" charset="0"/>
+                  </a:rPr>
+                  <a:t>,   </a:t>
+                </a:r>
+                <a14:m>
+                  <m:oMath xmlns:m="http://schemas.openxmlformats.org/officeDocument/2006/math">
+                    <m:sSub>
+                      <m:sSubPr>
+                        <m:ctrlPr>
+                          <a:rPr lang="es-CO" b="0" i="1" dirty="0" smtClean="0">
+                            <a:solidFill>
+                              <a:schemeClr val="tx1"/>
+                            </a:solidFill>
+                            <a:latin typeface="Cambria Math" panose="02040503050406030204" pitchFamily="18" charset="0"/>
+                            <a:cs typeface="Calibri Light" panose="020F0302020204030204" pitchFamily="34" charset="0"/>
+                          </a:rPr>
+                        </m:ctrlPr>
+                      </m:sSubPr>
+                      <m:e>
+                        <m:r>
+                          <a:rPr lang="es-CO" i="1" dirty="0" smtClean="0">
+                            <a:solidFill>
+                              <a:schemeClr val="tx1"/>
+                            </a:solidFill>
+                            <a:latin typeface="Cambria Math" panose="02040503050406030204" pitchFamily="18" charset="0"/>
+                            <a:cs typeface="Calibri Light" panose="020F0302020204030204" pitchFamily="34" charset="0"/>
+                          </a:rPr>
+                          <m:t>𝐿</m:t>
+                        </m:r>
+                      </m:e>
+                      <m:sub>
+                        <m:r>
+                          <a:rPr lang="es-CO" i="1" dirty="0" smtClean="0">
+                            <a:solidFill>
+                              <a:schemeClr val="tx1"/>
+                            </a:solidFill>
+                            <a:latin typeface="Cambria Math" panose="02040503050406030204" pitchFamily="18" charset="0"/>
+                            <a:cs typeface="Calibri Light" panose="020F0302020204030204" pitchFamily="34" charset="0"/>
+                          </a:rPr>
+                          <m:t>𝑦</m:t>
+                        </m:r>
+                      </m:sub>
+                    </m:sSub>
+                    <m:r>
+                      <a:rPr lang="es-CO" i="1" dirty="0" smtClean="0">
+                        <a:solidFill>
+                          <a:schemeClr val="tx1"/>
+                        </a:solidFill>
+                        <a:latin typeface="Cambria Math" panose="02040503050406030204" pitchFamily="18" charset="0"/>
+                        <a:cs typeface="Calibri Light" panose="020F0302020204030204" pitchFamily="34" charset="0"/>
+                      </a:rPr>
+                      <m:t>=100</m:t>
+                    </m:r>
+                  </m:oMath>
+                </a14:m>
+                <a:r>
+                  <a:rPr lang="es-CO" dirty="0">
+                    <a:solidFill>
+                      <a:schemeClr val="tx1"/>
+                    </a:solidFill>
+                    <a:latin typeface="Calibri Light" panose="020F0302020204030204" pitchFamily="34" charset="0"/>
+                    <a:cs typeface="Calibri Light" panose="020F0302020204030204" pitchFamily="34" charset="0"/>
+                  </a:rPr>
+                  <a:t>,   </a:t>
+                </a:r>
+                <a14:m>
+                  <m:oMath xmlns:m="http://schemas.openxmlformats.org/officeDocument/2006/math">
+                    <m:r>
+                      <a:rPr lang="es-CO" i="1" smtClean="0">
+                        <a:solidFill>
+                          <a:schemeClr val="tx1"/>
+                        </a:solidFill>
+                        <a:latin typeface="Cambria Math" panose="02040503050406030204" pitchFamily="18" charset="0"/>
+                        <a:ea typeface="Cambria Math" panose="02040503050406030204" pitchFamily="18" charset="0"/>
+                        <a:cs typeface="Calibri Light" panose="020F0302020204030204" pitchFamily="34" charset="0"/>
+                      </a:rPr>
+                      <m:t>𝜏</m:t>
+                    </m:r>
+                    <m:r>
+                      <a:rPr lang="es-CO" b="0" i="1" smtClean="0">
+                        <a:solidFill>
+                          <a:schemeClr val="tx1"/>
+                        </a:solidFill>
+                        <a:latin typeface="Cambria Math" panose="02040503050406030204" pitchFamily="18" charset="0"/>
+                        <a:ea typeface="Cambria Math" panose="02040503050406030204" pitchFamily="18" charset="0"/>
+                        <a:cs typeface="Calibri Light" panose="020F0302020204030204" pitchFamily="34" charset="0"/>
+                      </a:rPr>
+                      <m:t>=0.55</m:t>
+                    </m:r>
+                  </m:oMath>
+                </a14:m>
+                <a:r>
+                  <a:rPr lang="es-CO" dirty="0">
+                    <a:solidFill>
+                      <a:schemeClr val="tx1"/>
+                    </a:solidFill>
+                    <a:latin typeface="Calibri Light" panose="020F0302020204030204" pitchFamily="34" charset="0"/>
+                    <a:cs typeface="Calibri Light" panose="020F0302020204030204" pitchFamily="34" charset="0"/>
+                  </a:rPr>
+                  <a:t>,    </a:t>
+                </a:r>
+                <a14:m>
+                  <m:oMath xmlns:m="http://schemas.openxmlformats.org/officeDocument/2006/math">
+                    <m:sSub>
+                      <m:sSubPr>
+                        <m:ctrlPr>
+                          <a:rPr lang="es-CO" b="0" i="1" smtClean="0">
+                            <a:solidFill>
+                              <a:schemeClr val="tx1"/>
+                            </a:solidFill>
+                            <a:latin typeface="Cambria Math" panose="02040503050406030204" pitchFamily="18" charset="0"/>
+                            <a:cs typeface="Calibri Light" panose="020F0302020204030204" pitchFamily="34" charset="0"/>
+                          </a:rPr>
+                        </m:ctrlPr>
+                      </m:sSubPr>
+                      <m:e>
+                        <m:r>
+                          <a:rPr lang="es-CO" b="0" i="1" smtClean="0">
+                            <a:solidFill>
+                              <a:schemeClr val="tx1"/>
+                            </a:solidFill>
+                            <a:latin typeface="Cambria Math" panose="02040503050406030204" pitchFamily="18" charset="0"/>
+                            <a:cs typeface="Calibri Light" panose="020F0302020204030204" pitchFamily="34" charset="0"/>
+                          </a:rPr>
+                          <m:t>𝑡</m:t>
+                        </m:r>
+                      </m:e>
+                      <m:sub>
+                        <m:r>
+                          <a:rPr lang="es-CO" b="0" i="1" smtClean="0">
+                            <a:solidFill>
+                              <a:schemeClr val="tx1"/>
+                            </a:solidFill>
+                            <a:latin typeface="Cambria Math" panose="02040503050406030204" pitchFamily="18" charset="0"/>
+                            <a:cs typeface="Calibri Light" panose="020F0302020204030204" pitchFamily="34" charset="0"/>
+                          </a:rPr>
+                          <m:t>𝑚𝑎𝑥</m:t>
+                        </m:r>
+                      </m:sub>
+                    </m:sSub>
+                    <m:r>
+                      <a:rPr lang="es-CO" b="0" i="1" smtClean="0">
+                        <a:solidFill>
+                          <a:schemeClr val="tx1"/>
+                        </a:solidFill>
+                        <a:latin typeface="Cambria Math" panose="02040503050406030204" pitchFamily="18" charset="0"/>
+                        <a:cs typeface="Calibri Light" panose="020F0302020204030204" pitchFamily="34" charset="0"/>
+                      </a:rPr>
+                      <m:t>=1000</m:t>
+                    </m:r>
+                  </m:oMath>
+                </a14:m>
+                <a:endParaRPr lang="es-CO" dirty="0">
+                  <a:solidFill>
+                    <a:schemeClr val="tx1"/>
+                  </a:solidFill>
+                  <a:latin typeface="Calibri Light" panose="020F0302020204030204" pitchFamily="34" charset="0"/>
+                  <a:cs typeface="Calibri Light" panose="020F0302020204030204" pitchFamily="34" charset="0"/>
+                </a:endParaRPr>
+              </a:p>
+              <a:p>
+                <a:endParaRPr lang="es-CO" dirty="0">
+                  <a:solidFill>
+                    <a:schemeClr val="tx1"/>
+                  </a:solidFill>
+                  <a:latin typeface="Calibri Light" panose="020F0302020204030204" pitchFamily="34" charset="0"/>
+                  <a:cs typeface="Calibri Light" panose="020F0302020204030204" pitchFamily="34" charset="0"/>
+                </a:endParaRPr>
+              </a:p>
+              <a:p>
+                <a:r>
+                  <a:rPr lang="es-CO" dirty="0">
+                    <a:solidFill>
+                      <a:schemeClr val="tx1"/>
+                    </a:solidFill>
+                    <a:latin typeface="Calibri Light" panose="020F0302020204030204" pitchFamily="34" charset="0"/>
+                    <a:cs typeface="Calibri Light" panose="020F0302020204030204" pitchFamily="34" charset="0"/>
+                  </a:rPr>
+                  <a:t>Ventilador en </a:t>
+                </a:r>
+                <a14:m>
+                  <m:oMath xmlns:m="http://schemas.openxmlformats.org/officeDocument/2006/math">
+                    <m:r>
+                      <a:rPr lang="es-CO" b="0" i="1" smtClean="0">
+                        <a:solidFill>
+                          <a:schemeClr val="tx1"/>
+                        </a:solidFill>
+                        <a:latin typeface="Cambria Math" panose="02040503050406030204" pitchFamily="18" charset="0"/>
+                        <a:cs typeface="Calibri Light" panose="020F0302020204030204" pitchFamily="34" charset="0"/>
+                      </a:rPr>
+                      <m:t>𝑖𝑥</m:t>
+                    </m:r>
+                    <m:r>
+                      <a:rPr lang="es-CO" b="0" i="1" smtClean="0">
+                        <a:solidFill>
+                          <a:schemeClr val="tx1"/>
+                        </a:solidFill>
+                        <a:latin typeface="Cambria Math" panose="02040503050406030204" pitchFamily="18" charset="0"/>
+                        <a:cs typeface="Calibri Light" panose="020F0302020204030204" pitchFamily="34" charset="0"/>
+                      </a:rPr>
+                      <m:t>=0</m:t>
+                    </m:r>
+                  </m:oMath>
+                </a14:m>
+                <a:r>
+                  <a:rPr lang="es-CO" dirty="0">
+                    <a:solidFill>
+                      <a:schemeClr val="tx1"/>
+                    </a:solidFill>
+                    <a:latin typeface="Calibri Light" panose="020F0302020204030204" pitchFamily="34" charset="0"/>
+                    <a:cs typeface="Calibri Light" panose="020F0302020204030204" pitchFamily="34" charset="0"/>
+                  </a:rPr>
+                  <a:t>   con   </a:t>
+                </a:r>
+                <a14:m>
+                  <m:oMath xmlns:m="http://schemas.openxmlformats.org/officeDocument/2006/math">
+                    <m:sSub>
+                      <m:sSubPr>
+                        <m:ctrlPr>
+                          <a:rPr lang="es-CO" b="0" i="1" smtClean="0">
+                            <a:solidFill>
+                              <a:schemeClr val="tx1"/>
+                            </a:solidFill>
+                            <a:latin typeface="Cambria Math" panose="02040503050406030204" pitchFamily="18" charset="0"/>
+                            <a:cs typeface="Calibri Light" panose="020F0302020204030204" pitchFamily="34" charset="0"/>
+                          </a:rPr>
+                        </m:ctrlPr>
+                      </m:sSubPr>
+                      <m:e>
+                        <m:r>
+                          <a:rPr lang="es-CO" b="0" i="1" smtClean="0">
+                            <a:solidFill>
+                              <a:schemeClr val="tx1"/>
+                            </a:solidFill>
+                            <a:latin typeface="Cambria Math" panose="02040503050406030204" pitchFamily="18" charset="0"/>
+                            <a:cs typeface="Calibri Light" panose="020F0302020204030204" pitchFamily="34" charset="0"/>
+                          </a:rPr>
+                          <m:t>𝑗</m:t>
+                        </m:r>
+                      </m:e>
+                      <m:sub>
+                        <m:r>
+                          <a:rPr lang="es-CO" b="0" i="1" smtClean="0">
+                            <a:solidFill>
+                              <a:schemeClr val="tx1"/>
+                            </a:solidFill>
+                            <a:latin typeface="Cambria Math" panose="02040503050406030204" pitchFamily="18" charset="0"/>
+                            <a:cs typeface="Calibri Light" panose="020F0302020204030204" pitchFamily="34" charset="0"/>
+                          </a:rPr>
+                          <m:t>𝑥</m:t>
+                        </m:r>
+                      </m:sub>
+                    </m:sSub>
+                    <m:r>
+                      <a:rPr lang="es-CO" b="0" i="1" smtClean="0">
+                        <a:solidFill>
+                          <a:schemeClr val="tx1"/>
+                        </a:solidFill>
+                        <a:latin typeface="Cambria Math" panose="02040503050406030204" pitchFamily="18" charset="0"/>
+                        <a:cs typeface="Calibri Light" panose="020F0302020204030204" pitchFamily="34" charset="0"/>
+                      </a:rPr>
+                      <m:t>=</m:t>
+                    </m:r>
+                    <m:sSub>
+                      <m:sSubPr>
+                        <m:ctrlPr>
+                          <a:rPr lang="es-CO" b="0" i="1" smtClean="0">
+                            <a:solidFill>
+                              <a:schemeClr val="tx1"/>
+                            </a:solidFill>
+                            <a:latin typeface="Cambria Math" panose="02040503050406030204" pitchFamily="18" charset="0"/>
+                            <a:cs typeface="Calibri Light" panose="020F0302020204030204" pitchFamily="34" charset="0"/>
+                          </a:rPr>
+                        </m:ctrlPr>
+                      </m:sSubPr>
+                      <m:e>
+                        <m:r>
+                          <a:rPr lang="es-CO" b="0" i="1" smtClean="0">
+                            <a:solidFill>
+                              <a:schemeClr val="tx1"/>
+                            </a:solidFill>
+                            <a:latin typeface="Cambria Math" panose="02040503050406030204" pitchFamily="18" charset="0"/>
+                            <a:cs typeface="Calibri Light" panose="020F0302020204030204" pitchFamily="34" charset="0"/>
+                          </a:rPr>
+                          <m:t>𝑈</m:t>
+                        </m:r>
+                      </m:e>
+                      <m:sub>
+                        <m:r>
+                          <a:rPr lang="es-CO" b="0" i="1" smtClean="0">
+                            <a:solidFill>
+                              <a:schemeClr val="tx1"/>
+                            </a:solidFill>
+                            <a:latin typeface="Cambria Math" panose="02040503050406030204" pitchFamily="18" charset="0"/>
+                            <a:cs typeface="Calibri Light" panose="020F0302020204030204" pitchFamily="34" charset="0"/>
+                          </a:rPr>
+                          <m:t>𝑒𝑛𝑡𝑟𝑎𝑑𝑎</m:t>
+                        </m:r>
+                      </m:sub>
+                    </m:sSub>
+                    <m:r>
+                      <a:rPr lang="es-CO" b="0" i="1" smtClean="0">
+                        <a:solidFill>
+                          <a:schemeClr val="tx1"/>
+                        </a:solidFill>
+                        <a:latin typeface="Cambria Math" panose="02040503050406030204" pitchFamily="18" charset="0"/>
+                        <a:cs typeface="Calibri Light" panose="020F0302020204030204" pitchFamily="34" charset="0"/>
+                      </a:rPr>
+                      <m:t>∗</m:t>
+                    </m:r>
+                    <m:r>
+                      <a:rPr lang="es-CO" b="0" i="1" smtClean="0">
+                        <a:solidFill>
+                          <a:schemeClr val="tx1"/>
+                        </a:solidFill>
+                        <a:latin typeface="Cambria Math" panose="02040503050406030204" pitchFamily="18" charset="0"/>
+                        <a:cs typeface="Calibri Light" panose="020F0302020204030204" pitchFamily="34" charset="0"/>
+                      </a:rPr>
+                      <m:t>𝑟h</m:t>
+                    </m:r>
+                    <m:sSub>
+                      <m:sSubPr>
+                        <m:ctrlPr>
+                          <a:rPr lang="es-CO" b="0" i="1" smtClean="0">
+                            <a:solidFill>
+                              <a:schemeClr val="tx1"/>
+                            </a:solidFill>
+                            <a:latin typeface="Cambria Math" panose="02040503050406030204" pitchFamily="18" charset="0"/>
+                            <a:cs typeface="Calibri Light" panose="020F0302020204030204" pitchFamily="34" charset="0"/>
+                          </a:rPr>
+                        </m:ctrlPr>
+                      </m:sSubPr>
+                      <m:e>
+                        <m:r>
+                          <a:rPr lang="es-CO" b="0" i="1" smtClean="0">
+                            <a:solidFill>
+                              <a:schemeClr val="tx1"/>
+                            </a:solidFill>
+                            <a:latin typeface="Cambria Math" panose="02040503050406030204" pitchFamily="18" charset="0"/>
+                            <a:cs typeface="Calibri Light" panose="020F0302020204030204" pitchFamily="34" charset="0"/>
+                          </a:rPr>
+                          <m:t>𝑜</m:t>
+                        </m:r>
+                      </m:e>
+                      <m:sub>
+                        <m:r>
+                          <a:rPr lang="es-CO" b="0" i="1" smtClean="0">
+                            <a:solidFill>
+                              <a:schemeClr val="tx1"/>
+                            </a:solidFill>
+                            <a:latin typeface="Cambria Math" panose="02040503050406030204" pitchFamily="18" charset="0"/>
+                            <a:cs typeface="Calibri Light" panose="020F0302020204030204" pitchFamily="34" charset="0"/>
+                          </a:rPr>
+                          <m:t>𝑖𝑛𝑖𝑐𝑖𝑎𝑙</m:t>
+                        </m:r>
+                      </m:sub>
+                    </m:sSub>
+                  </m:oMath>
+                </a14:m>
+                <a:r>
+                  <a:rPr lang="es-CO" dirty="0">
+                    <a:solidFill>
+                      <a:schemeClr val="tx1"/>
+                    </a:solidFill>
+                    <a:latin typeface="Calibri Light" panose="020F0302020204030204" pitchFamily="34" charset="0"/>
+                    <a:cs typeface="Calibri Light" panose="020F0302020204030204" pitchFamily="34" charset="0"/>
+                  </a:rPr>
+                  <a:t>,   </a:t>
+                </a:r>
+                <a14:m>
+                  <m:oMath xmlns:m="http://schemas.openxmlformats.org/officeDocument/2006/math">
+                    <m:sSub>
+                      <m:sSubPr>
+                        <m:ctrlPr>
+                          <a:rPr lang="es-CO" b="0" i="1" smtClean="0">
+                            <a:solidFill>
+                              <a:schemeClr val="tx1"/>
+                            </a:solidFill>
+                            <a:latin typeface="Cambria Math" panose="02040503050406030204" pitchFamily="18" charset="0"/>
+                            <a:cs typeface="Calibri Light" panose="020F0302020204030204" pitchFamily="34" charset="0"/>
+                          </a:rPr>
+                        </m:ctrlPr>
+                      </m:sSubPr>
+                      <m:e>
+                        <m:r>
+                          <a:rPr lang="es-CO" b="0" i="1" smtClean="0">
+                            <a:solidFill>
+                              <a:schemeClr val="tx1"/>
+                            </a:solidFill>
+                            <a:latin typeface="Cambria Math" panose="02040503050406030204" pitchFamily="18" charset="0"/>
+                            <a:cs typeface="Calibri Light" panose="020F0302020204030204" pitchFamily="34" charset="0"/>
+                          </a:rPr>
+                          <m:t>𝑗</m:t>
+                        </m:r>
+                      </m:e>
+                      <m:sub>
+                        <m:r>
+                          <a:rPr lang="es-CO" b="0" i="1" smtClean="0">
+                            <a:solidFill>
+                              <a:schemeClr val="tx1"/>
+                            </a:solidFill>
+                            <a:latin typeface="Cambria Math" panose="02040503050406030204" pitchFamily="18" charset="0"/>
+                            <a:cs typeface="Calibri Light" panose="020F0302020204030204" pitchFamily="34" charset="0"/>
+                          </a:rPr>
+                          <m:t>𝑦</m:t>
+                        </m:r>
+                      </m:sub>
+                    </m:sSub>
+                    <m:r>
+                      <a:rPr lang="es-CO" b="0" i="1" smtClean="0">
+                        <a:solidFill>
+                          <a:schemeClr val="tx1"/>
+                        </a:solidFill>
+                        <a:latin typeface="Cambria Math" panose="02040503050406030204" pitchFamily="18" charset="0"/>
+                        <a:cs typeface="Calibri Light" panose="020F0302020204030204" pitchFamily="34" charset="0"/>
+                      </a:rPr>
+                      <m:t>=0</m:t>
+                    </m:r>
+                  </m:oMath>
+                </a14:m>
+                <a:endParaRPr lang="es-CO" b="0" dirty="0">
+                  <a:solidFill>
+                    <a:schemeClr val="tx1"/>
+                  </a:solidFill>
+                  <a:latin typeface="Calibri Light" panose="020F0302020204030204" pitchFamily="34" charset="0"/>
+                  <a:cs typeface="Calibri Light" panose="020F0302020204030204" pitchFamily="34" charset="0"/>
+                </a:endParaRPr>
+              </a:p>
+              <a:p>
+                <a:endParaRPr lang="es-CO" dirty="0">
+                  <a:solidFill>
+                    <a:schemeClr val="tx1"/>
+                  </a:solidFill>
+                  <a:latin typeface="Calibri Light" panose="020F0302020204030204" pitchFamily="34" charset="0"/>
+                  <a:cs typeface="Calibri Light" panose="020F0302020204030204" pitchFamily="34" charset="0"/>
+                </a:endParaRPr>
+              </a:p>
+              <a:p>
+                <a:r>
+                  <a:rPr lang="es-CO" dirty="0">
+                    <a:solidFill>
+                      <a:schemeClr val="tx1"/>
+                    </a:solidFill>
+                    <a:latin typeface="Calibri Light" panose="020F0302020204030204" pitchFamily="34" charset="0"/>
+                    <a:cs typeface="Calibri Light" panose="020F0302020204030204" pitchFamily="34" charset="0"/>
+                  </a:rPr>
+                  <a:t>Objeto centrado en </a:t>
+                </a:r>
+                <a14:m>
+                  <m:oMath xmlns:m="http://schemas.openxmlformats.org/officeDocument/2006/math">
+                    <m:sSub>
+                      <m:sSubPr>
+                        <m:ctrlPr>
+                          <a:rPr lang="es-CO" i="1" dirty="0">
+                            <a:solidFill>
+                              <a:schemeClr val="tx1"/>
+                            </a:solidFill>
+                            <a:latin typeface="Cambria Math" panose="02040503050406030204" pitchFamily="18" charset="0"/>
+                            <a:cs typeface="Calibri Light" panose="020F0302020204030204" pitchFamily="34" charset="0"/>
+                          </a:rPr>
+                        </m:ctrlPr>
+                      </m:sSubPr>
+                      <m:e>
+                        <m:r>
+                          <a:rPr lang="es-CO" b="0" i="1" dirty="0" smtClean="0">
+                            <a:solidFill>
+                              <a:schemeClr val="tx1"/>
+                            </a:solidFill>
+                            <a:latin typeface="Cambria Math" panose="02040503050406030204" pitchFamily="18" charset="0"/>
+                            <a:cs typeface="Calibri Light" panose="020F0302020204030204" pitchFamily="34" charset="0"/>
+                          </a:rPr>
+                          <m:t>𝑖𝑥</m:t>
+                        </m:r>
+                        <m:r>
+                          <a:rPr lang="es-CO" b="0" i="1" dirty="0" smtClean="0">
+                            <a:solidFill>
+                              <a:schemeClr val="tx1"/>
+                            </a:solidFill>
+                            <a:latin typeface="Cambria Math" panose="02040503050406030204" pitchFamily="18" charset="0"/>
+                            <a:cs typeface="Calibri Light" panose="020F0302020204030204" pitchFamily="34" charset="0"/>
+                          </a:rPr>
+                          <m:t>=</m:t>
+                        </m:r>
+                        <m:r>
+                          <a:rPr lang="es-CO" i="1" dirty="0">
+                            <a:solidFill>
+                              <a:schemeClr val="tx1"/>
+                            </a:solidFill>
+                            <a:latin typeface="Cambria Math" panose="02040503050406030204" pitchFamily="18" charset="0"/>
+                            <a:cs typeface="Calibri Light" panose="020F0302020204030204" pitchFamily="34" charset="0"/>
+                          </a:rPr>
+                          <m:t>𝐿</m:t>
+                        </m:r>
+                      </m:e>
+                      <m:sub>
+                        <m:r>
+                          <a:rPr lang="es-CO" i="1" dirty="0">
+                            <a:solidFill>
+                              <a:schemeClr val="tx1"/>
+                            </a:solidFill>
+                            <a:latin typeface="Cambria Math" panose="02040503050406030204" pitchFamily="18" charset="0"/>
+                            <a:cs typeface="Calibri Light" panose="020F0302020204030204" pitchFamily="34" charset="0"/>
+                          </a:rPr>
+                          <m:t>𝑥</m:t>
+                        </m:r>
+                      </m:sub>
+                    </m:sSub>
+                    <m:r>
+                      <a:rPr lang="es-CO" b="0" i="1" dirty="0" smtClean="0">
+                        <a:solidFill>
+                          <a:schemeClr val="tx1"/>
+                        </a:solidFill>
+                        <a:latin typeface="Cambria Math" panose="02040503050406030204" pitchFamily="18" charset="0"/>
+                        <a:cs typeface="Calibri Light" panose="020F0302020204030204" pitchFamily="34" charset="0"/>
+                      </a:rPr>
+                      <m:t>/2</m:t>
+                    </m:r>
+                  </m:oMath>
+                </a14:m>
+                <a:r>
+                  <a:rPr lang="es-CO" dirty="0">
+                    <a:solidFill>
+                      <a:schemeClr val="tx1"/>
+                    </a:solidFill>
+                    <a:latin typeface="Calibri Light" panose="020F0302020204030204" pitchFamily="34" charset="0"/>
+                    <a:cs typeface="Calibri Light" panose="020F0302020204030204" pitchFamily="34" charset="0"/>
+                  </a:rPr>
+                  <a:t>,  </a:t>
+                </a:r>
+                <a14:m>
+                  <m:oMath xmlns:m="http://schemas.openxmlformats.org/officeDocument/2006/math">
+                    <m:sSub>
+                      <m:sSubPr>
+                        <m:ctrlPr>
+                          <a:rPr lang="es-CO" i="1" dirty="0">
+                            <a:solidFill>
+                              <a:schemeClr val="tx1"/>
+                            </a:solidFill>
+                            <a:latin typeface="Cambria Math" panose="02040503050406030204" pitchFamily="18" charset="0"/>
+                            <a:cs typeface="Calibri Light" panose="020F0302020204030204" pitchFamily="34" charset="0"/>
+                          </a:rPr>
+                        </m:ctrlPr>
+                      </m:sSubPr>
+                      <m:e>
+                        <m:r>
+                          <a:rPr lang="es-CO" i="1" dirty="0">
+                            <a:solidFill>
+                              <a:schemeClr val="tx1"/>
+                            </a:solidFill>
+                            <a:latin typeface="Cambria Math" panose="02040503050406030204" pitchFamily="18" charset="0"/>
+                            <a:cs typeface="Calibri Light" panose="020F0302020204030204" pitchFamily="34" charset="0"/>
+                          </a:rPr>
+                          <m:t>𝑖</m:t>
+                        </m:r>
+                        <m:r>
+                          <a:rPr lang="es-CO" b="0" i="1" dirty="0" smtClean="0">
+                            <a:solidFill>
+                              <a:schemeClr val="tx1"/>
+                            </a:solidFill>
+                            <a:latin typeface="Cambria Math" panose="02040503050406030204" pitchFamily="18" charset="0"/>
+                            <a:cs typeface="Calibri Light" panose="020F0302020204030204" pitchFamily="34" charset="0"/>
+                          </a:rPr>
+                          <m:t>𝑦</m:t>
+                        </m:r>
+                        <m:r>
+                          <a:rPr lang="es-CO" i="1" dirty="0">
+                            <a:solidFill>
+                              <a:schemeClr val="tx1"/>
+                            </a:solidFill>
+                            <a:latin typeface="Cambria Math" panose="02040503050406030204" pitchFamily="18" charset="0"/>
+                            <a:cs typeface="Calibri Light" panose="020F0302020204030204" pitchFamily="34" charset="0"/>
+                          </a:rPr>
+                          <m:t>=</m:t>
+                        </m:r>
+                        <m:r>
+                          <a:rPr lang="es-CO" i="1" dirty="0">
+                            <a:solidFill>
+                              <a:schemeClr val="tx1"/>
+                            </a:solidFill>
+                            <a:latin typeface="Cambria Math" panose="02040503050406030204" pitchFamily="18" charset="0"/>
+                            <a:cs typeface="Calibri Light" panose="020F0302020204030204" pitchFamily="34" charset="0"/>
+                          </a:rPr>
+                          <m:t>𝐿</m:t>
+                        </m:r>
+                      </m:e>
+                      <m:sub>
+                        <m:r>
+                          <a:rPr lang="es-CO" b="0" i="1" dirty="0" smtClean="0">
+                            <a:solidFill>
+                              <a:schemeClr val="tx1"/>
+                            </a:solidFill>
+                            <a:latin typeface="Cambria Math" panose="02040503050406030204" pitchFamily="18" charset="0"/>
+                            <a:cs typeface="Calibri Light" panose="020F0302020204030204" pitchFamily="34" charset="0"/>
+                          </a:rPr>
+                          <m:t>𝑦</m:t>
+                        </m:r>
+                      </m:sub>
+                    </m:sSub>
+                    <m:r>
+                      <a:rPr lang="es-CO" i="1" dirty="0">
+                        <a:solidFill>
+                          <a:schemeClr val="tx1"/>
+                        </a:solidFill>
+                        <a:latin typeface="Cambria Math" panose="02040503050406030204" pitchFamily="18" charset="0"/>
+                        <a:cs typeface="Calibri Light" panose="020F0302020204030204" pitchFamily="34" charset="0"/>
+                      </a:rPr>
+                      <m:t>/2</m:t>
+                    </m:r>
+                  </m:oMath>
+                </a14:m>
+                <a:r>
+                  <a:rPr lang="es-CO" dirty="0">
+                    <a:solidFill>
+                      <a:schemeClr val="tx1"/>
+                    </a:solidFill>
+                    <a:latin typeface="Calibri Light" panose="020F0302020204030204" pitchFamily="34" charset="0"/>
+                    <a:cs typeface="Calibri Light" panose="020F0302020204030204" pitchFamily="34" charset="0"/>
+                  </a:rPr>
+                  <a:t>  con  </a:t>
+                </a:r>
+                <a14:m>
+                  <m:oMath xmlns:m="http://schemas.openxmlformats.org/officeDocument/2006/math">
+                    <m:sSub>
+                      <m:sSubPr>
+                        <m:ctrlPr>
+                          <a:rPr lang="es-CO" i="1">
+                            <a:solidFill>
+                              <a:schemeClr val="tx1"/>
+                            </a:solidFill>
+                            <a:latin typeface="Cambria Math" panose="02040503050406030204" pitchFamily="18" charset="0"/>
+                            <a:cs typeface="Calibri Light" panose="020F0302020204030204" pitchFamily="34" charset="0"/>
+                          </a:rPr>
+                        </m:ctrlPr>
+                      </m:sSubPr>
+                      <m:e>
+                        <m:r>
+                          <a:rPr lang="es-CO" i="1">
+                            <a:solidFill>
+                              <a:schemeClr val="tx1"/>
+                            </a:solidFill>
+                            <a:latin typeface="Cambria Math" panose="02040503050406030204" pitchFamily="18" charset="0"/>
+                            <a:cs typeface="Calibri Light" panose="020F0302020204030204" pitchFamily="34" charset="0"/>
+                          </a:rPr>
+                          <m:t>𝑗</m:t>
+                        </m:r>
+                      </m:e>
+                      <m:sub>
+                        <m:r>
+                          <a:rPr lang="es-CO" b="0" i="1" smtClean="0">
+                            <a:solidFill>
+                              <a:schemeClr val="tx1"/>
+                            </a:solidFill>
+                            <a:latin typeface="Cambria Math" panose="02040503050406030204" pitchFamily="18" charset="0"/>
+                            <a:cs typeface="Calibri Light" panose="020F0302020204030204" pitchFamily="34" charset="0"/>
+                          </a:rPr>
+                          <m:t>𝑥</m:t>
+                        </m:r>
+                      </m:sub>
+                    </m:sSub>
+                    <m:r>
+                      <a:rPr lang="es-CO" i="1">
+                        <a:solidFill>
+                          <a:schemeClr val="tx1"/>
+                        </a:solidFill>
+                        <a:latin typeface="Cambria Math" panose="02040503050406030204" pitchFamily="18" charset="0"/>
+                        <a:cs typeface="Calibri Light" panose="020F0302020204030204" pitchFamily="34" charset="0"/>
+                      </a:rPr>
+                      <m:t>=0</m:t>
+                    </m:r>
+                  </m:oMath>
+                </a14:m>
+                <a:r>
+                  <a:rPr lang="es-CO" dirty="0">
+                    <a:solidFill>
+                      <a:schemeClr val="tx1"/>
+                    </a:solidFill>
+                    <a:latin typeface="Calibri Light" panose="020F0302020204030204" pitchFamily="34" charset="0"/>
+                    <a:cs typeface="Calibri Light" panose="020F0302020204030204" pitchFamily="34" charset="0"/>
+                  </a:rPr>
+                  <a:t>,   </a:t>
+                </a:r>
+                <a14:m>
+                  <m:oMath xmlns:m="http://schemas.openxmlformats.org/officeDocument/2006/math">
+                    <m:sSub>
+                      <m:sSubPr>
+                        <m:ctrlPr>
+                          <a:rPr lang="es-CO" i="1">
+                            <a:solidFill>
+                              <a:schemeClr val="tx1"/>
+                            </a:solidFill>
+                            <a:latin typeface="Cambria Math" panose="02040503050406030204" pitchFamily="18" charset="0"/>
+                            <a:cs typeface="Calibri Light" panose="020F0302020204030204" pitchFamily="34" charset="0"/>
+                          </a:rPr>
+                        </m:ctrlPr>
+                      </m:sSubPr>
+                      <m:e>
+                        <m:r>
+                          <a:rPr lang="es-CO" i="1">
+                            <a:solidFill>
+                              <a:schemeClr val="tx1"/>
+                            </a:solidFill>
+                            <a:latin typeface="Cambria Math" panose="02040503050406030204" pitchFamily="18" charset="0"/>
+                            <a:cs typeface="Calibri Light" panose="020F0302020204030204" pitchFamily="34" charset="0"/>
+                          </a:rPr>
+                          <m:t>𝑗</m:t>
+                        </m:r>
+                      </m:e>
+                      <m:sub>
+                        <m:r>
+                          <a:rPr lang="es-CO" i="1">
+                            <a:solidFill>
+                              <a:schemeClr val="tx1"/>
+                            </a:solidFill>
+                            <a:latin typeface="Cambria Math" panose="02040503050406030204" pitchFamily="18" charset="0"/>
+                            <a:cs typeface="Calibri Light" panose="020F0302020204030204" pitchFamily="34" charset="0"/>
+                          </a:rPr>
+                          <m:t>𝑦</m:t>
+                        </m:r>
+                      </m:sub>
+                    </m:sSub>
+                    <m:r>
+                      <a:rPr lang="es-CO" i="1">
+                        <a:solidFill>
+                          <a:schemeClr val="tx1"/>
+                        </a:solidFill>
+                        <a:latin typeface="Cambria Math" panose="02040503050406030204" pitchFamily="18" charset="0"/>
+                        <a:cs typeface="Calibri Light" panose="020F0302020204030204" pitchFamily="34" charset="0"/>
+                      </a:rPr>
+                      <m:t>=0</m:t>
+                    </m:r>
+                  </m:oMath>
+                </a14:m>
+                <a:endParaRPr lang="es-CO" dirty="0">
+                  <a:solidFill>
+                    <a:schemeClr val="tx1"/>
+                  </a:solidFill>
+                  <a:latin typeface="Calibri Light" panose="020F0302020204030204" pitchFamily="34" charset="0"/>
+                  <a:cs typeface="Calibri Light" panose="020F0302020204030204" pitchFamily="34" charset="0"/>
+                </a:endParaRPr>
+              </a:p>
+            </p:txBody>
+          </p:sp>
+        </mc:Choice>
+        <mc:Fallback>
+          <p:sp>
+            <p:nvSpPr>
+              <p:cNvPr id="3" name="Content Placeholder 2"/>
+              <p:cNvSpPr>
+                <a:spLocks noGrp="1" noRot="1" noChangeAspect="1" noMove="1" noResize="1" noEditPoints="1" noAdjustHandles="1" noChangeArrowheads="1" noChangeShapeType="1" noTextEdit="1"/>
+              </p:cNvSpPr>
+              <p:nvPr>
+                <p:ph idx="1"/>
+              </p:nvPr>
+            </p:nvSpPr>
+            <p:spPr>
+              <a:xfrm>
+                <a:off x="1143000" y="2047009"/>
+                <a:ext cx="9872871" cy="4038600"/>
+              </a:xfrm>
+              <a:blipFill>
+                <a:blip r:embed="rId2"/>
+                <a:stretch>
+                  <a:fillRect t="-1964" r="-185"/>
+                </a:stretch>
+              </a:blipFill>
+            </p:spPr>
+            <p:txBody>
+              <a:bodyPr/>
+              <a:lstStyle/>
+              <a:p>
+                <a:r>
+                  <a:rPr lang="es-CO">
+                    <a:noFill/>
+                  </a:rPr>
+                  <a:t> </a:t>
+                </a:r>
+              </a:p>
+            </p:txBody>
+          </p:sp>
+        </mc:Fallback>
+      </mc:AlternateContent>
     </p:spTree>
     <p:extLst>
       <p:ext uri="{BB962C8B-B14F-4D97-AF65-F5344CB8AC3E}">
-        <p14:creationId xmlns:p14="http://schemas.microsoft.com/office/powerpoint/2010/main" val="303243304"/>
+        <p14:creationId xmlns:p14="http://schemas.microsoft.com/office/powerpoint/2010/main" val="2979819189"/>
       </p:ext>
     </p:extLst>
   </p:cSld>
@@ -13204,7 +16517,7 @@
 <file path=ppt/theme/theme1.xml><?xml version="1.0" encoding="utf-8"?>
 <a:theme xmlns:a="http://schemas.openxmlformats.org/drawingml/2006/main" name="Basis">
   <a:themeElements>
-    <a:clrScheme name="Custom 20">
+    <a:clrScheme name="Custom 1">
       <a:dk1>
         <a:sysClr val="windowText" lastClr="000000"/>
       </a:dk1>
@@ -13218,7 +16531,7 @@
         <a:srgbClr val="E1E1DB"/>
       </a:lt2>
       <a:accent1>
-        <a:srgbClr val="48A273"/>
+        <a:srgbClr val="3EAC70"/>
       </a:accent1>
       <a:accent2>
         <a:srgbClr val="DB8631"/>

--- a/Presentación.pptx
+++ b/Presentación.pptx
@@ -10,9 +10,9 @@
     <p:sldId id="258" r:id="rId4"/>
     <p:sldId id="260" r:id="rId5"/>
     <p:sldId id="265" r:id="rId6"/>
-    <p:sldId id="267" r:id="rId7"/>
-    <p:sldId id="268" r:id="rId8"/>
-    <p:sldId id="269" r:id="rId9"/>
+    <p:sldId id="269" r:id="rId7"/>
+    <p:sldId id="267" r:id="rId8"/>
+    <p:sldId id="268" r:id="rId9"/>
     <p:sldId id="259" r:id="rId10"/>
     <p:sldId id="270" r:id="rId11"/>
     <p:sldId id="261" r:id="rId12"/>
@@ -3614,7 +3614,7 @@
           <a:p>
             <a:r>
               <a:rPr lang="en-US" dirty="0" err="1"/>
-              <a:t>Código</a:t>
+              <a:t>Implementación</a:t>
             </a:r>
             <a:endParaRPr lang="es-CO" dirty="0"/>
           </a:p>
@@ -3634,7 +3634,7 @@
         </p:nvSpPr>
         <p:spPr>
           <a:xfrm>
-            <a:off x="4750459" y="1955750"/>
+            <a:off x="4519851" y="2000308"/>
             <a:ext cx="3121817" cy="461665"/>
           </a:xfrm>
           <a:prstGeom prst="rect">
@@ -4084,66 +4084,6 @@
           </a:p>
         </p:txBody>
       </p:sp>
-      <p:sp>
-        <p:nvSpPr>
-          <p:cNvPr id="3" name="Content Placeholder 2"/>
-          <p:cNvSpPr>
-            <a:spLocks noGrp="1"/>
-          </p:cNvSpPr>
-          <p:nvPr>
-            <p:ph idx="1"/>
-          </p:nvPr>
-        </p:nvSpPr>
-        <p:spPr>
-          <a:xfrm>
-            <a:off x="1143000" y="2047009"/>
-            <a:ext cx="9872871" cy="4038600"/>
-          </a:xfrm>
-        </p:spPr>
-        <p:txBody>
-          <a:bodyPr/>
-          <a:lstStyle/>
-          <a:p>
-            <a:r>
-              <a:rPr lang="en-US" dirty="0" err="1">
-                <a:solidFill>
-                  <a:schemeClr val="tx1"/>
-                </a:solidFill>
-                <a:latin typeface="Calibri Light" panose="020F0302020204030204" pitchFamily="34" charset="0"/>
-                <a:cs typeface="Calibri Light" panose="020F0302020204030204" pitchFamily="34" charset="0"/>
-              </a:rPr>
-              <a:t>Muestra</a:t>
-            </a:r>
-            <a:r>
-              <a:rPr lang="en-US" dirty="0">
-                <a:solidFill>
-                  <a:schemeClr val="tx1"/>
-                </a:solidFill>
-                <a:latin typeface="Calibri Light" panose="020F0302020204030204" pitchFamily="34" charset="0"/>
-                <a:cs typeface="Calibri Light" panose="020F0302020204030204" pitchFamily="34" charset="0"/>
-              </a:rPr>
-              <a:t> de que </a:t>
-            </a:r>
-            <a:r>
-              <a:rPr lang="en-US" dirty="0" err="1">
-                <a:solidFill>
-                  <a:schemeClr val="tx1"/>
-                </a:solidFill>
-                <a:latin typeface="Calibri Light" panose="020F0302020204030204" pitchFamily="34" charset="0"/>
-                <a:cs typeface="Calibri Light" panose="020F0302020204030204" pitchFamily="34" charset="0"/>
-              </a:rPr>
-              <a:t>funciona</a:t>
-            </a:r>
-            <a:endParaRPr lang="es-CO" dirty="0">
-              <a:solidFill>
-                <a:schemeClr val="tx1"/>
-              </a:solidFill>
-              <a:latin typeface="Calibri Light" panose="020F0302020204030204" pitchFamily="34" charset="0"/>
-              <a:cs typeface="Calibri Light" panose="020F0302020204030204" pitchFamily="34" charset="0"/>
-            </a:endParaRPr>
-          </a:p>
-        </p:txBody>
-      </p:sp>
     </p:spTree>
     <p:extLst>
       <p:ext uri="{BB962C8B-B14F-4D97-AF65-F5344CB8AC3E}">
@@ -4194,166 +4134,6 @@
               <a:t>Resultados</a:t>
             </a:r>
             <a:endParaRPr lang="es-CO" dirty="0"/>
-          </a:p>
-        </p:txBody>
-      </p:sp>
-      <p:sp>
-        <p:nvSpPr>
-          <p:cNvPr id="3" name="Content Placeholder 2"/>
-          <p:cNvSpPr>
-            <a:spLocks noGrp="1"/>
-          </p:cNvSpPr>
-          <p:nvPr>
-            <p:ph idx="1"/>
-          </p:nvPr>
-        </p:nvSpPr>
-        <p:spPr>
-          <a:xfrm>
-            <a:off x="1143000" y="2047009"/>
-            <a:ext cx="9872871" cy="4038600"/>
-          </a:xfrm>
-        </p:spPr>
-        <p:txBody>
-          <a:bodyPr/>
-          <a:lstStyle/>
-          <a:p>
-            <a:r>
-              <a:rPr lang="en-US" dirty="0" err="1">
-                <a:solidFill>
-                  <a:schemeClr val="tx1"/>
-                </a:solidFill>
-                <a:latin typeface="Calibri Light" panose="020F0302020204030204" pitchFamily="34" charset="0"/>
-                <a:cs typeface="Calibri Light" panose="020F0302020204030204" pitchFamily="34" charset="0"/>
-              </a:rPr>
-              <a:t>Por</a:t>
-            </a:r>
-            <a:r>
-              <a:rPr lang="en-US" dirty="0">
-                <a:solidFill>
-                  <a:schemeClr val="tx1"/>
-                </a:solidFill>
-                <a:latin typeface="Calibri Light" panose="020F0302020204030204" pitchFamily="34" charset="0"/>
-                <a:cs typeface="Calibri Light" panose="020F0302020204030204" pitchFamily="34" charset="0"/>
-              </a:rPr>
-              <a:t> </a:t>
-            </a:r>
-            <a:r>
-              <a:rPr lang="en-US" dirty="0" err="1">
-                <a:solidFill>
-                  <a:schemeClr val="tx1"/>
-                </a:solidFill>
-                <a:latin typeface="Calibri Light" panose="020F0302020204030204" pitchFamily="34" charset="0"/>
-                <a:cs typeface="Calibri Light" panose="020F0302020204030204" pitchFamily="34" charset="0"/>
-              </a:rPr>
-              <a:t>ejemplo</a:t>
-            </a:r>
-            <a:r>
-              <a:rPr lang="en-US" dirty="0">
-                <a:solidFill>
-                  <a:schemeClr val="tx1"/>
-                </a:solidFill>
-                <a:latin typeface="Calibri Light" panose="020F0302020204030204" pitchFamily="34" charset="0"/>
-                <a:cs typeface="Calibri Light" panose="020F0302020204030204" pitchFamily="34" charset="0"/>
-              </a:rPr>
-              <a:t> </a:t>
-            </a:r>
-            <a:r>
-              <a:rPr lang="en-US" dirty="0" err="1">
-                <a:solidFill>
-                  <a:schemeClr val="tx1"/>
-                </a:solidFill>
-                <a:latin typeface="Calibri Light" panose="020F0302020204030204" pitchFamily="34" charset="0"/>
-                <a:cs typeface="Calibri Light" panose="020F0302020204030204" pitchFamily="34" charset="0"/>
-              </a:rPr>
-              <a:t>variar</a:t>
-            </a:r>
-            <a:r>
-              <a:rPr lang="en-US" dirty="0">
-                <a:solidFill>
-                  <a:schemeClr val="tx1"/>
-                </a:solidFill>
-                <a:latin typeface="Calibri Light" panose="020F0302020204030204" pitchFamily="34" charset="0"/>
-                <a:cs typeface="Calibri Light" panose="020F0302020204030204" pitchFamily="34" charset="0"/>
-              </a:rPr>
-              <a:t> </a:t>
-            </a:r>
-            <a:r>
-              <a:rPr lang="en-US" dirty="0" err="1">
-                <a:solidFill>
-                  <a:schemeClr val="tx1"/>
-                </a:solidFill>
-                <a:latin typeface="Calibri Light" panose="020F0302020204030204" pitchFamily="34" charset="0"/>
-                <a:cs typeface="Calibri Light" panose="020F0302020204030204" pitchFamily="34" charset="0"/>
-              </a:rPr>
-              <a:t>taus</a:t>
-            </a:r>
-            <a:r>
-              <a:rPr lang="en-US" dirty="0">
-                <a:solidFill>
-                  <a:schemeClr val="tx1"/>
-                </a:solidFill>
-                <a:latin typeface="Calibri Light" panose="020F0302020204030204" pitchFamily="34" charset="0"/>
-                <a:cs typeface="Calibri Light" panose="020F0302020204030204" pitchFamily="34" charset="0"/>
-              </a:rPr>
-              <a:t> o </a:t>
-            </a:r>
-            <a:r>
-              <a:rPr lang="en-US" dirty="0" err="1">
-                <a:solidFill>
-                  <a:schemeClr val="tx1"/>
-                </a:solidFill>
-                <a:latin typeface="Calibri Light" panose="020F0302020204030204" pitchFamily="34" charset="0"/>
-                <a:cs typeface="Calibri Light" panose="020F0302020204030204" pitchFamily="34" charset="0"/>
-              </a:rPr>
-              <a:t>velocidad</a:t>
-            </a:r>
-            <a:r>
-              <a:rPr lang="en-US" dirty="0">
-                <a:solidFill>
-                  <a:schemeClr val="tx1"/>
-                </a:solidFill>
-                <a:latin typeface="Calibri Light" panose="020F0302020204030204" pitchFamily="34" charset="0"/>
-                <a:cs typeface="Calibri Light" panose="020F0302020204030204" pitchFamily="34" charset="0"/>
-              </a:rPr>
-              <a:t> de entrada o rho – </a:t>
-            </a:r>
-            <a:r>
-              <a:rPr lang="en-US" dirty="0" err="1">
-                <a:solidFill>
-                  <a:schemeClr val="tx1"/>
-                </a:solidFill>
-                <a:latin typeface="Calibri Light" panose="020F0302020204030204" pitchFamily="34" charset="0"/>
-                <a:cs typeface="Calibri Light" panose="020F0302020204030204" pitchFamily="34" charset="0"/>
-              </a:rPr>
-              <a:t>gráfica</a:t>
-            </a:r>
-            <a:r>
-              <a:rPr lang="en-US" dirty="0">
-                <a:solidFill>
-                  <a:schemeClr val="tx1"/>
-                </a:solidFill>
-                <a:latin typeface="Calibri Light" panose="020F0302020204030204" pitchFamily="34" charset="0"/>
-                <a:cs typeface="Calibri Light" panose="020F0302020204030204" pitchFamily="34" charset="0"/>
-              </a:rPr>
-              <a:t> de </a:t>
-            </a:r>
-            <a:r>
-              <a:rPr lang="en-US" dirty="0" err="1">
-                <a:solidFill>
-                  <a:schemeClr val="tx1"/>
-                </a:solidFill>
-                <a:latin typeface="Calibri Light" panose="020F0302020204030204" pitchFamily="34" charset="0"/>
-                <a:cs typeface="Calibri Light" panose="020F0302020204030204" pitchFamily="34" charset="0"/>
-              </a:rPr>
-              <a:t>tendencia</a:t>
-            </a:r>
-            <a:endParaRPr lang="es-CO" dirty="0">
-              <a:solidFill>
-                <a:schemeClr val="tx1"/>
-              </a:solidFill>
-              <a:latin typeface="Calibri Light" panose="020F0302020204030204" pitchFamily="34" charset="0"/>
-              <a:cs typeface="Calibri Light" panose="020F0302020204030204" pitchFamily="34" charset="0"/>
-            </a:endParaRPr>
           </a:p>
         </p:txBody>
       </p:sp>
@@ -4720,26 +4500,48 @@
         </p:nvSpPr>
         <p:spPr>
           <a:xfrm>
-            <a:off x="1143000" y="2036618"/>
-            <a:ext cx="9872871" cy="4038600"/>
+            <a:off x="8110814" y="2548616"/>
+            <a:ext cx="3403853" cy="2696792"/>
           </a:xfrm>
         </p:spPr>
         <p:txBody>
-          <a:bodyPr/>
+          <a:bodyPr>
+            <a:normAutofit fontScale="92500" lnSpcReduction="10000"/>
+          </a:bodyPr>
           <a:lstStyle/>
           <a:p>
             <a:r>
-              <a:rPr lang="en-US" dirty="0" err="1">
+              <a:rPr lang="en-US" sz="2000" dirty="0">
                 <a:solidFill>
                   <a:schemeClr val="tx1"/>
                 </a:solidFill>
                 <a:latin typeface="Calibri Light" panose="020F0302020204030204" pitchFamily="34" charset="0"/>
                 <a:cs typeface="Calibri Light" panose="020F0302020204030204" pitchFamily="34" charset="0"/>
               </a:rPr>
-              <a:t>plantear</a:t>
-            </a:r>
-            <a:r>
-              <a:rPr lang="en-US" dirty="0">
+              <a:t>Se simul</a:t>
+            </a:r>
+            <a:r>
+              <a:rPr lang="es-CO" sz="2000" dirty="0">
+                <a:solidFill>
+                  <a:schemeClr val="tx1"/>
+                </a:solidFill>
+                <a:latin typeface="Calibri Light" panose="020F0302020204030204" pitchFamily="34" charset="0"/>
+                <a:cs typeface="Calibri Light" panose="020F0302020204030204" pitchFamily="34" charset="0"/>
+              </a:rPr>
+              <a:t>ó las fuerzas de sustentación que experimenta un perfil de ala de un avión durante su vuelo debido a su interacción con el aire, utilizando </a:t>
+            </a:r>
+            <a:r>
+              <a:rPr lang="es-CO" sz="2000" dirty="0" err="1">
+                <a:solidFill>
+                  <a:schemeClr val="tx1"/>
+                </a:solidFill>
+                <a:latin typeface="Calibri Light" panose="020F0302020204030204" pitchFamily="34" charset="0"/>
+                <a:cs typeface="Calibri Light" panose="020F0302020204030204" pitchFamily="34" charset="0"/>
+              </a:rPr>
+              <a:t>Lattice</a:t>
+            </a:r>
+            <a:r>
+              <a:rPr lang="es-CO" sz="2000" dirty="0">
                 <a:solidFill>
                   <a:schemeClr val="tx1"/>
                 </a:solidFill>
@@ -4749,65 +4551,87 @@
               <a:t> </a:t>
             </a:r>
             <a:r>
-              <a:rPr lang="en-US" dirty="0" err="1">
+              <a:rPr lang="es-CO" sz="2000" dirty="0" err="1">
                 <a:solidFill>
                   <a:schemeClr val="tx1"/>
                 </a:solidFill>
                 <a:latin typeface="Calibri Light" panose="020F0302020204030204" pitchFamily="34" charset="0"/>
                 <a:cs typeface="Calibri Light" panose="020F0302020204030204" pitchFamily="34" charset="0"/>
               </a:rPr>
-              <a:t>fenómeno</a:t>
-            </a:r>
-            <a:r>
-              <a:rPr lang="en-US" dirty="0">
+              <a:t>Boltzmann</a:t>
+            </a:r>
+            <a:r>
+              <a:rPr lang="es-CO" sz="2000" dirty="0">
                 <a:solidFill>
                   <a:schemeClr val="tx1"/>
                 </a:solidFill>
                 <a:latin typeface="Calibri Light" panose="020F0302020204030204" pitchFamily="34" charset="0"/>
                 <a:cs typeface="Calibri Light" panose="020F0302020204030204" pitchFamily="34" charset="0"/>
               </a:rPr>
-              <a:t> que se </a:t>
-            </a:r>
-            <a:r>
-              <a:rPr lang="en-US" dirty="0" err="1">
+              <a:t> </a:t>
+            </a:r>
+          </a:p>
+          <a:p>
+            <a:r>
+              <a:rPr lang="es-CO" sz="2000" dirty="0">
                 <a:solidFill>
                   <a:schemeClr val="tx1"/>
                 </a:solidFill>
                 <a:latin typeface="Calibri Light" panose="020F0302020204030204" pitchFamily="34" charset="0"/>
                 <a:cs typeface="Calibri Light" panose="020F0302020204030204" pitchFamily="34" charset="0"/>
               </a:rPr>
-              <a:t>va</a:t>
-            </a:r>
-            <a:r>
-              <a:rPr lang="en-US" dirty="0">
-                <a:solidFill>
-                  <a:schemeClr val="tx1"/>
-                </a:solidFill>
-                <a:latin typeface="Calibri Light" panose="020F0302020204030204" pitchFamily="34" charset="0"/>
-                <a:cs typeface="Calibri Light" panose="020F0302020204030204" pitchFamily="34" charset="0"/>
-              </a:rPr>
-              <a:t> a </a:t>
-            </a:r>
-            <a:r>
-              <a:rPr lang="en-US" dirty="0" err="1">
-                <a:solidFill>
-                  <a:schemeClr val="tx1"/>
-                </a:solidFill>
-                <a:latin typeface="Calibri Light" panose="020F0302020204030204" pitchFamily="34" charset="0"/>
-                <a:cs typeface="Calibri Light" panose="020F0302020204030204" pitchFamily="34" charset="0"/>
-              </a:rPr>
-              <a:t>simular</a:t>
-            </a:r>
-            <a:endParaRPr lang="es-CO" dirty="0">
-              <a:solidFill>
-                <a:schemeClr val="tx1"/>
-              </a:solidFill>
-              <a:latin typeface="Calibri Light" panose="020F0302020204030204" pitchFamily="34" charset="0"/>
-              <a:cs typeface="Calibri Light" panose="020F0302020204030204" pitchFamily="34" charset="0"/>
-            </a:endParaRPr>
+              <a:t>Se hizo un análisis de cómo varían las cantidades macroscópicas al modificar las condiciones iniciales </a:t>
+            </a:r>
           </a:p>
         </p:txBody>
       </p:sp>
+      <p:pic>
+        <p:nvPicPr>
+          <p:cNvPr id="1026" name="Picture 2" descr="https://i.ytimg.com/vi/q-7qe4FBajo/maxresdefault.jpg">
+            <a:extLst>
+              <a:ext uri="{FF2B5EF4-FFF2-40B4-BE49-F238E27FC236}">
+                <a16:creationId xmlns:a16="http://schemas.microsoft.com/office/drawing/2014/main" id="{69D9AE4A-ABF6-4F63-B90A-E08D0FFDC50C}"/>
+              </a:ext>
+            </a:extLst>
+          </p:cNvPr>
+          <p:cNvPicPr>
+            <a:picLocks noChangeAspect="1" noChangeArrowheads="1"/>
+          </p:cNvPicPr>
+          <p:nvPr/>
+        </p:nvPicPr>
+        <p:blipFill>
+          <a:blip r:embed="rId2">
+            <a:extLst>
+              <a:ext uri="{28A0092B-C50C-407E-A947-70E740481C1C}">
+                <a14:useLocalDpi xmlns:a14="http://schemas.microsoft.com/office/drawing/2010/main" val="0"/>
+              </a:ext>
+            </a:extLst>
+          </a:blip>
+          <a:srcRect/>
+          <a:stretch>
+            <a:fillRect/>
+          </a:stretch>
+        </p:blipFill>
+        <p:spPr bwMode="auto">
+          <a:xfrm>
+            <a:off x="1143000" y="2268835"/>
+            <a:ext cx="6519081" cy="3256354"/>
+          </a:xfrm>
+          <a:prstGeom prst="rect">
+            <a:avLst/>
+          </a:prstGeom>
+          <a:noFill/>
+          <a:extLst>
+            <a:ext uri="{909E8E84-426E-40DD-AFC4-6F175D3DCCD1}">
+              <a14:hiddenFill xmlns:a14="http://schemas.microsoft.com/office/drawing/2010/main">
+                <a:solidFill>
+                  <a:srgbClr val="FFFFFF"/>
+                </a:solidFill>
+              </a14:hiddenFill>
+            </a:ext>
+          </a:extLst>
+        </p:spPr>
+      </p:pic>
     </p:spTree>
     <p:extLst>
       <p:ext uri="{BB962C8B-B14F-4D97-AF65-F5344CB8AC3E}">
@@ -4873,26 +4697,58 @@
         </p:nvSpPr>
         <p:spPr>
           <a:xfrm>
-            <a:off x="1143000" y="2047009"/>
-            <a:ext cx="9872871" cy="4038600"/>
+            <a:off x="1143000" y="2361450"/>
+            <a:ext cx="4521200" cy="2872124"/>
           </a:xfrm>
         </p:spPr>
         <p:txBody>
-          <a:bodyPr/>
+          <a:bodyPr>
+            <a:normAutofit/>
+          </a:bodyPr>
           <a:lstStyle/>
           <a:p>
             <a:r>
-              <a:rPr lang="en-US" dirty="0" err="1">
+              <a:rPr lang="en-US" sz="1900" dirty="0">
                 <a:solidFill>
                   <a:schemeClr val="tx1"/>
                 </a:solidFill>
                 <a:latin typeface="Calibri Light" panose="020F0302020204030204" pitchFamily="34" charset="0"/>
                 <a:cs typeface="Calibri Light" panose="020F0302020204030204" pitchFamily="34" charset="0"/>
               </a:rPr>
-              <a:t>por</a:t>
-            </a:r>
-            <a:r>
-              <a:rPr lang="en-US" dirty="0">
+              <a:t>Este </a:t>
+            </a:r>
+            <a:r>
+              <a:rPr lang="en-US" sz="1900" dirty="0" err="1">
+                <a:solidFill>
+                  <a:schemeClr val="tx1"/>
+                </a:solidFill>
+                <a:latin typeface="Calibri Light" panose="020F0302020204030204" pitchFamily="34" charset="0"/>
+                <a:cs typeface="Calibri Light" panose="020F0302020204030204" pitchFamily="34" charset="0"/>
+              </a:rPr>
+              <a:t>tipo</a:t>
+            </a:r>
+            <a:r>
+              <a:rPr lang="en-US" sz="1900" dirty="0">
+                <a:solidFill>
+                  <a:schemeClr val="tx1"/>
+                </a:solidFill>
+                <a:latin typeface="Calibri Light" panose="020F0302020204030204" pitchFamily="34" charset="0"/>
+                <a:cs typeface="Calibri Light" panose="020F0302020204030204" pitchFamily="34" charset="0"/>
+              </a:rPr>
+              <a:t> de </a:t>
+            </a:r>
+            <a:r>
+              <a:rPr lang="en-US" sz="1900" dirty="0" err="1">
+                <a:solidFill>
+                  <a:schemeClr val="tx1"/>
+                </a:solidFill>
+                <a:latin typeface="Calibri Light" panose="020F0302020204030204" pitchFamily="34" charset="0"/>
+                <a:cs typeface="Calibri Light" panose="020F0302020204030204" pitchFamily="34" charset="0"/>
+              </a:rPr>
+              <a:t>simulaciones</a:t>
+            </a:r>
+            <a:r>
+              <a:rPr lang="en-US" sz="1900" dirty="0">
                 <a:solidFill>
                   <a:schemeClr val="tx1"/>
                 </a:solidFill>
@@ -4902,17 +4758,17 @@
               <a:t> </a:t>
             </a:r>
             <a:r>
-              <a:rPr lang="en-US" dirty="0" err="1">
+              <a:rPr lang="en-US" sz="1900" dirty="0" err="1">
                 <a:solidFill>
                   <a:schemeClr val="tx1"/>
                 </a:solidFill>
                 <a:latin typeface="Calibri Light" panose="020F0302020204030204" pitchFamily="34" charset="0"/>
                 <a:cs typeface="Calibri Light" panose="020F0302020204030204" pitchFamily="34" charset="0"/>
               </a:rPr>
-              <a:t>qué</a:t>
-            </a:r>
-            <a:r>
-              <a:rPr lang="en-US" dirty="0">
+              <a:t>es</a:t>
+            </a:r>
+            <a:r>
+              <a:rPr lang="en-US" sz="1900" dirty="0">
                 <a:solidFill>
                   <a:schemeClr val="tx1"/>
                 </a:solidFill>
@@ -4922,7 +4778,7 @@
               <a:t> </a:t>
             </a:r>
             <a:r>
-              <a:rPr lang="en-US" dirty="0" err="1">
+              <a:rPr lang="en-US" sz="1900" dirty="0" err="1">
                 <a:solidFill>
                   <a:schemeClr val="tx1"/>
                 </a:solidFill>
@@ -4932,56 +4788,647 @@
               <a:t>importante</a:t>
             </a:r>
             <a:r>
-              <a:rPr lang="en-US" dirty="0">
+              <a:rPr lang="en-US" sz="1900" dirty="0">
                 <a:solidFill>
                   <a:schemeClr val="tx1"/>
                 </a:solidFill>
                 <a:latin typeface="Calibri Light" panose="020F0302020204030204" pitchFamily="34" charset="0"/>
                 <a:cs typeface="Calibri Light" panose="020F0302020204030204" pitchFamily="34" charset="0"/>
               </a:rPr>
-              <a:t> para la </a:t>
-            </a:r>
-            <a:r>
-              <a:rPr lang="en-US" dirty="0" err="1">
+              <a:t> </a:t>
+            </a:r>
+            <a:r>
+              <a:rPr lang="en-US" sz="1900" dirty="0" err="1">
                 <a:solidFill>
                   <a:schemeClr val="tx1"/>
                 </a:solidFill>
                 <a:latin typeface="Calibri Light" panose="020F0302020204030204" pitchFamily="34" charset="0"/>
                 <a:cs typeface="Calibri Light" panose="020F0302020204030204" pitchFamily="34" charset="0"/>
               </a:rPr>
-              <a:t>ciencia</a:t>
-            </a:r>
-            <a:r>
-              <a:rPr lang="en-US" dirty="0">
+              <a:t>porque</a:t>
+            </a:r>
+            <a:r>
+              <a:rPr lang="en-US" sz="1900" dirty="0">
                 <a:solidFill>
                   <a:schemeClr val="tx1"/>
                 </a:solidFill>
                 <a:latin typeface="Calibri Light" panose="020F0302020204030204" pitchFamily="34" charset="0"/>
                 <a:cs typeface="Calibri Light" panose="020F0302020204030204" pitchFamily="34" charset="0"/>
               </a:rPr>
-              <a:t> (</a:t>
-            </a:r>
-            <a:r>
-              <a:rPr lang="en-US" dirty="0" err="1">
+              <a:t> </a:t>
+            </a:r>
+            <a:r>
+              <a:rPr lang="en-US" sz="1900" dirty="0" err="1">
                 <a:solidFill>
                   <a:schemeClr val="tx1"/>
                 </a:solidFill>
                 <a:latin typeface="Calibri Light" panose="020F0302020204030204" pitchFamily="34" charset="0"/>
                 <a:cs typeface="Calibri Light" panose="020F0302020204030204" pitchFamily="34" charset="0"/>
               </a:rPr>
-              <a:t>propuesta</a:t>
-            </a:r>
-            <a:r>
-              <a:rPr lang="en-US" dirty="0">
+              <a:t>los</a:t>
+            </a:r>
+            <a:r>
+              <a:rPr lang="en-US" sz="1900" dirty="0">
                 <a:solidFill>
                   <a:schemeClr val="tx1"/>
                 </a:solidFill>
                 <a:latin typeface="Calibri Light" panose="020F0302020204030204" pitchFamily="34" charset="0"/>
                 <a:cs typeface="Calibri Light" panose="020F0302020204030204" pitchFamily="34" charset="0"/>
               </a:rPr>
-              <a:t>)</a:t>
-            </a:r>
-            <a:endParaRPr lang="es-CO" dirty="0">
+              <a:t> </a:t>
+            </a:r>
+            <a:r>
+              <a:rPr lang="en-US" sz="1900" dirty="0" err="1">
+                <a:solidFill>
+                  <a:schemeClr val="tx1"/>
+                </a:solidFill>
+                <a:latin typeface="Calibri Light" panose="020F0302020204030204" pitchFamily="34" charset="0"/>
+                <a:cs typeface="Calibri Light" panose="020F0302020204030204" pitchFamily="34" charset="0"/>
+              </a:rPr>
+              <a:t>aviones</a:t>
+            </a:r>
+            <a:r>
+              <a:rPr lang="en-US" sz="1900" dirty="0">
+                <a:solidFill>
+                  <a:schemeClr val="tx1"/>
+                </a:solidFill>
+                <a:latin typeface="Calibri Light" panose="020F0302020204030204" pitchFamily="34" charset="0"/>
+                <a:cs typeface="Calibri Light" panose="020F0302020204030204" pitchFamily="34" charset="0"/>
+              </a:rPr>
+              <a:t> son </a:t>
+            </a:r>
+            <a:r>
+              <a:rPr lang="en-US" sz="1900" dirty="0" err="1">
+                <a:solidFill>
+                  <a:schemeClr val="tx1"/>
+                </a:solidFill>
+                <a:latin typeface="Calibri Light" panose="020F0302020204030204" pitchFamily="34" charset="0"/>
+                <a:cs typeface="Calibri Light" panose="020F0302020204030204" pitchFamily="34" charset="0"/>
+              </a:rPr>
+              <a:t>cada</a:t>
+            </a:r>
+            <a:r>
+              <a:rPr lang="en-US" sz="1900" dirty="0">
+                <a:solidFill>
+                  <a:schemeClr val="tx1"/>
+                </a:solidFill>
+                <a:latin typeface="Calibri Light" panose="020F0302020204030204" pitchFamily="34" charset="0"/>
+                <a:cs typeface="Calibri Light" panose="020F0302020204030204" pitchFamily="34" charset="0"/>
+              </a:rPr>
+              <a:t> </a:t>
+            </a:r>
+            <a:r>
+              <a:rPr lang="en-US" sz="1900" dirty="0" err="1">
+                <a:solidFill>
+                  <a:schemeClr val="tx1"/>
+                </a:solidFill>
+                <a:latin typeface="Calibri Light" panose="020F0302020204030204" pitchFamily="34" charset="0"/>
+                <a:cs typeface="Calibri Light" panose="020F0302020204030204" pitchFamily="34" charset="0"/>
+              </a:rPr>
+              <a:t>vez</a:t>
+            </a:r>
+            <a:r>
+              <a:rPr lang="en-US" sz="1900" dirty="0">
+                <a:solidFill>
+                  <a:schemeClr val="tx1"/>
+                </a:solidFill>
+                <a:latin typeface="Calibri Light" panose="020F0302020204030204" pitchFamily="34" charset="0"/>
+                <a:cs typeface="Calibri Light" panose="020F0302020204030204" pitchFamily="34" charset="0"/>
+              </a:rPr>
+              <a:t> </a:t>
+            </a:r>
+            <a:r>
+              <a:rPr lang="en-US" sz="1900" dirty="0" err="1">
+                <a:solidFill>
+                  <a:schemeClr val="tx1"/>
+                </a:solidFill>
+                <a:latin typeface="Calibri Light" panose="020F0302020204030204" pitchFamily="34" charset="0"/>
+                <a:cs typeface="Calibri Light" panose="020F0302020204030204" pitchFamily="34" charset="0"/>
+              </a:rPr>
+              <a:t>más</a:t>
+            </a:r>
+            <a:r>
+              <a:rPr lang="en-US" sz="1900" dirty="0">
+                <a:solidFill>
+                  <a:schemeClr val="tx1"/>
+                </a:solidFill>
+                <a:latin typeface="Calibri Light" panose="020F0302020204030204" pitchFamily="34" charset="0"/>
+                <a:cs typeface="Calibri Light" panose="020F0302020204030204" pitchFamily="34" charset="0"/>
+              </a:rPr>
+              <a:t> </a:t>
+            </a:r>
+            <a:r>
+              <a:rPr lang="en-US" sz="1900" dirty="0" err="1">
+                <a:solidFill>
+                  <a:schemeClr val="tx1"/>
+                </a:solidFill>
+                <a:latin typeface="Calibri Light" panose="020F0302020204030204" pitchFamily="34" charset="0"/>
+                <a:cs typeface="Calibri Light" panose="020F0302020204030204" pitchFamily="34" charset="0"/>
+              </a:rPr>
+              <a:t>comúnes</a:t>
+            </a:r>
+            <a:r>
+              <a:rPr lang="en-US" sz="1900" dirty="0">
+                <a:solidFill>
+                  <a:schemeClr val="tx1"/>
+                </a:solidFill>
+                <a:latin typeface="Calibri Light" panose="020F0302020204030204" pitchFamily="34" charset="0"/>
+                <a:cs typeface="Calibri Light" panose="020F0302020204030204" pitchFamily="34" charset="0"/>
+              </a:rPr>
+              <a:t> </a:t>
+            </a:r>
+            <a:r>
+              <a:rPr lang="en-US" sz="1900" dirty="0" err="1">
+                <a:solidFill>
+                  <a:schemeClr val="tx1"/>
+                </a:solidFill>
+                <a:latin typeface="Calibri Light" panose="020F0302020204030204" pitchFamily="34" charset="0"/>
+                <a:cs typeface="Calibri Light" panose="020F0302020204030204" pitchFamily="34" charset="0"/>
+              </a:rPr>
+              <a:t>como</a:t>
+            </a:r>
+            <a:r>
+              <a:rPr lang="en-US" sz="1900" dirty="0">
+                <a:solidFill>
+                  <a:schemeClr val="tx1"/>
+                </a:solidFill>
+                <a:latin typeface="Calibri Light" panose="020F0302020204030204" pitchFamily="34" charset="0"/>
+                <a:cs typeface="Calibri Light" panose="020F0302020204030204" pitchFamily="34" charset="0"/>
+              </a:rPr>
+              <a:t> </a:t>
+            </a:r>
+            <a:r>
+              <a:rPr lang="en-US" sz="1900" dirty="0" err="1">
+                <a:solidFill>
+                  <a:schemeClr val="tx1"/>
+                </a:solidFill>
+                <a:latin typeface="Calibri Light" panose="020F0302020204030204" pitchFamily="34" charset="0"/>
+                <a:cs typeface="Calibri Light" panose="020F0302020204030204" pitchFamily="34" charset="0"/>
+              </a:rPr>
+              <a:t>métodos</a:t>
+            </a:r>
+            <a:r>
+              <a:rPr lang="en-US" sz="1900" dirty="0">
+                <a:solidFill>
+                  <a:schemeClr val="tx1"/>
+                </a:solidFill>
+                <a:latin typeface="Calibri Light" panose="020F0302020204030204" pitchFamily="34" charset="0"/>
+                <a:cs typeface="Calibri Light" panose="020F0302020204030204" pitchFamily="34" charset="0"/>
+              </a:rPr>
+              <a:t> de </a:t>
+            </a:r>
+            <a:r>
+              <a:rPr lang="en-US" sz="1900" dirty="0" err="1">
+                <a:solidFill>
+                  <a:schemeClr val="tx1"/>
+                </a:solidFill>
+                <a:latin typeface="Calibri Light" panose="020F0302020204030204" pitchFamily="34" charset="0"/>
+                <a:cs typeface="Calibri Light" panose="020F0302020204030204" pitchFamily="34" charset="0"/>
+              </a:rPr>
+              <a:t>transporte</a:t>
+            </a:r>
+            <a:endParaRPr lang="en-US" sz="1900" dirty="0">
+              <a:solidFill>
+                <a:schemeClr val="tx1"/>
+              </a:solidFill>
+              <a:latin typeface="Calibri Light" panose="020F0302020204030204" pitchFamily="34" charset="0"/>
+              <a:cs typeface="Calibri Light" panose="020F0302020204030204" pitchFamily="34" charset="0"/>
+            </a:endParaRPr>
+          </a:p>
+          <a:p>
+            <a:r>
+              <a:rPr lang="en-US" sz="1900" dirty="0" err="1">
+                <a:solidFill>
+                  <a:schemeClr val="tx1"/>
+                </a:solidFill>
+                <a:latin typeface="Calibri Light" panose="020F0302020204030204" pitchFamily="34" charset="0"/>
+                <a:cs typeface="Calibri Light" panose="020F0302020204030204" pitchFamily="34" charset="0"/>
+              </a:rPr>
+              <a:t>Cada</a:t>
+            </a:r>
+            <a:r>
+              <a:rPr lang="en-US" sz="1900" dirty="0">
+                <a:solidFill>
+                  <a:schemeClr val="tx1"/>
+                </a:solidFill>
+                <a:latin typeface="Calibri Light" panose="020F0302020204030204" pitchFamily="34" charset="0"/>
+                <a:cs typeface="Calibri Light" panose="020F0302020204030204" pitchFamily="34" charset="0"/>
+              </a:rPr>
+              <a:t> </a:t>
+            </a:r>
+            <a:r>
+              <a:rPr lang="en-US" sz="1900" dirty="0" err="1">
+                <a:solidFill>
+                  <a:schemeClr val="tx1"/>
+                </a:solidFill>
+                <a:latin typeface="Calibri Light" panose="020F0302020204030204" pitchFamily="34" charset="0"/>
+                <a:cs typeface="Calibri Light" panose="020F0302020204030204" pitchFamily="34" charset="0"/>
+              </a:rPr>
+              <a:t>día</a:t>
+            </a:r>
+            <a:r>
+              <a:rPr lang="en-US" sz="1900" dirty="0">
+                <a:solidFill>
+                  <a:schemeClr val="tx1"/>
+                </a:solidFill>
+                <a:latin typeface="Calibri Light" panose="020F0302020204030204" pitchFamily="34" charset="0"/>
+                <a:cs typeface="Calibri Light" panose="020F0302020204030204" pitchFamily="34" charset="0"/>
+              </a:rPr>
+              <a:t> </a:t>
+            </a:r>
+            <a:r>
+              <a:rPr lang="en-US" sz="1900" dirty="0" err="1">
+                <a:solidFill>
+                  <a:schemeClr val="tx1"/>
+                </a:solidFill>
+                <a:latin typeface="Calibri Light" panose="020F0302020204030204" pitchFamily="34" charset="0"/>
+                <a:cs typeface="Calibri Light" panose="020F0302020204030204" pitchFamily="34" charset="0"/>
+              </a:rPr>
+              <a:t>viaja</a:t>
+            </a:r>
+            <a:r>
+              <a:rPr lang="en-US" sz="1900" dirty="0">
+                <a:solidFill>
+                  <a:schemeClr val="tx1"/>
+                </a:solidFill>
+                <a:latin typeface="Calibri Light" panose="020F0302020204030204" pitchFamily="34" charset="0"/>
+                <a:cs typeface="Calibri Light" panose="020F0302020204030204" pitchFamily="34" charset="0"/>
+              </a:rPr>
+              <a:t> en </a:t>
+            </a:r>
+            <a:r>
+              <a:rPr lang="en-US" sz="1900" dirty="0" err="1">
+                <a:solidFill>
+                  <a:schemeClr val="tx1"/>
+                </a:solidFill>
+                <a:latin typeface="Calibri Light" panose="020F0302020204030204" pitchFamily="34" charset="0"/>
+                <a:cs typeface="Calibri Light" panose="020F0302020204030204" pitchFamily="34" charset="0"/>
+              </a:rPr>
+              <a:t>avión</a:t>
+            </a:r>
+            <a:r>
+              <a:rPr lang="en-US" sz="1900" dirty="0">
+                <a:solidFill>
+                  <a:schemeClr val="tx1"/>
+                </a:solidFill>
+                <a:latin typeface="Calibri Light" panose="020F0302020204030204" pitchFamily="34" charset="0"/>
+                <a:cs typeface="Calibri Light" panose="020F0302020204030204" pitchFamily="34" charset="0"/>
+              </a:rPr>
+              <a:t> un </a:t>
+            </a:r>
+            <a:r>
+              <a:rPr lang="en-US" sz="1900" dirty="0" err="1">
+                <a:solidFill>
+                  <a:schemeClr val="tx1"/>
+                </a:solidFill>
+                <a:latin typeface="Calibri Light" panose="020F0302020204030204" pitchFamily="34" charset="0"/>
+                <a:cs typeface="Calibri Light" panose="020F0302020204030204" pitchFamily="34" charset="0"/>
+              </a:rPr>
+              <a:t>promedio</a:t>
+            </a:r>
+            <a:r>
+              <a:rPr lang="en-US" sz="1900" dirty="0">
+                <a:solidFill>
+                  <a:schemeClr val="tx1"/>
+                </a:solidFill>
+                <a:latin typeface="Calibri Light" panose="020F0302020204030204" pitchFamily="34" charset="0"/>
+                <a:cs typeface="Calibri Light" panose="020F0302020204030204" pitchFamily="34" charset="0"/>
+              </a:rPr>
+              <a:t> de 8 </a:t>
+            </a:r>
+            <a:r>
+              <a:rPr lang="en-US" sz="1900" dirty="0" err="1">
+                <a:solidFill>
+                  <a:schemeClr val="tx1"/>
+                </a:solidFill>
+                <a:latin typeface="Calibri Light" panose="020F0302020204030204" pitchFamily="34" charset="0"/>
+                <a:cs typeface="Calibri Light" panose="020F0302020204030204" pitchFamily="34" charset="0"/>
+              </a:rPr>
+              <a:t>millones</a:t>
+            </a:r>
+            <a:r>
+              <a:rPr lang="en-US" sz="1900" dirty="0">
+                <a:solidFill>
+                  <a:schemeClr val="tx1"/>
+                </a:solidFill>
+                <a:latin typeface="Calibri Light" panose="020F0302020204030204" pitchFamily="34" charset="0"/>
+                <a:cs typeface="Calibri Light" panose="020F0302020204030204" pitchFamily="34" charset="0"/>
+              </a:rPr>
+              <a:t> de personas</a:t>
+            </a:r>
+          </a:p>
+          <a:p>
+            <a:r>
+              <a:rPr lang="en-US" sz="1900" dirty="0">
+                <a:solidFill>
+                  <a:schemeClr val="tx1"/>
+                </a:solidFill>
+                <a:latin typeface="Calibri Light" panose="020F0302020204030204" pitchFamily="34" charset="0"/>
+                <a:cs typeface="Calibri Light" panose="020F0302020204030204" pitchFamily="34" charset="0"/>
+              </a:rPr>
+              <a:t>Si se </a:t>
+            </a:r>
+            <a:r>
+              <a:rPr lang="en-US" sz="1900" dirty="0" err="1">
+                <a:solidFill>
+                  <a:schemeClr val="tx1"/>
+                </a:solidFill>
+                <a:latin typeface="Calibri Light" panose="020F0302020204030204" pitchFamily="34" charset="0"/>
+                <a:cs typeface="Calibri Light" panose="020F0302020204030204" pitchFamily="34" charset="0"/>
+              </a:rPr>
+              <a:t>entienden</a:t>
+            </a:r>
+            <a:r>
+              <a:rPr lang="en-US" sz="1900" dirty="0">
+                <a:solidFill>
+                  <a:schemeClr val="tx1"/>
+                </a:solidFill>
+                <a:latin typeface="Calibri Light" panose="020F0302020204030204" pitchFamily="34" charset="0"/>
+                <a:cs typeface="Calibri Light" panose="020F0302020204030204" pitchFamily="34" charset="0"/>
+              </a:rPr>
+              <a:t> </a:t>
+            </a:r>
+            <a:r>
+              <a:rPr lang="en-US" sz="1900" dirty="0" err="1">
+                <a:solidFill>
+                  <a:schemeClr val="tx1"/>
+                </a:solidFill>
+                <a:latin typeface="Calibri Light" panose="020F0302020204030204" pitchFamily="34" charset="0"/>
+                <a:cs typeface="Calibri Light" panose="020F0302020204030204" pitchFamily="34" charset="0"/>
+              </a:rPr>
+              <a:t>los</a:t>
+            </a:r>
+            <a:r>
+              <a:rPr lang="en-US" sz="1900" dirty="0">
+                <a:solidFill>
+                  <a:schemeClr val="tx1"/>
+                </a:solidFill>
+                <a:latin typeface="Calibri Light" panose="020F0302020204030204" pitchFamily="34" charset="0"/>
+                <a:cs typeface="Calibri Light" panose="020F0302020204030204" pitchFamily="34" charset="0"/>
+              </a:rPr>
+              <a:t> </a:t>
+            </a:r>
+            <a:r>
+              <a:rPr lang="en-US" sz="1900" dirty="0" err="1">
+                <a:solidFill>
+                  <a:schemeClr val="tx1"/>
+                </a:solidFill>
+                <a:latin typeface="Calibri Light" panose="020F0302020204030204" pitchFamily="34" charset="0"/>
+                <a:cs typeface="Calibri Light" panose="020F0302020204030204" pitchFamily="34" charset="0"/>
+              </a:rPr>
+              <a:t>fenómenos</a:t>
+            </a:r>
+            <a:r>
+              <a:rPr lang="en-US" sz="1900" dirty="0">
+                <a:solidFill>
+                  <a:schemeClr val="tx1"/>
+                </a:solidFill>
+                <a:latin typeface="Calibri Light" panose="020F0302020204030204" pitchFamily="34" charset="0"/>
+                <a:cs typeface="Calibri Light" panose="020F0302020204030204" pitchFamily="34" charset="0"/>
+              </a:rPr>
+              <a:t> que </a:t>
+            </a:r>
+            <a:r>
+              <a:rPr lang="en-US" sz="1900" dirty="0" err="1">
+                <a:solidFill>
+                  <a:schemeClr val="tx1"/>
+                </a:solidFill>
+                <a:latin typeface="Calibri Light" panose="020F0302020204030204" pitchFamily="34" charset="0"/>
+                <a:cs typeface="Calibri Light" panose="020F0302020204030204" pitchFamily="34" charset="0"/>
+              </a:rPr>
+              <a:t>afectan</a:t>
+            </a:r>
+            <a:r>
+              <a:rPr lang="en-US" sz="1900" dirty="0">
+                <a:solidFill>
+                  <a:schemeClr val="tx1"/>
+                </a:solidFill>
+                <a:latin typeface="Calibri Light" panose="020F0302020204030204" pitchFamily="34" charset="0"/>
+                <a:cs typeface="Calibri Light" panose="020F0302020204030204" pitchFamily="34" charset="0"/>
+              </a:rPr>
+              <a:t> el </a:t>
+            </a:r>
+            <a:r>
+              <a:rPr lang="en-US" sz="1900" dirty="0" err="1">
+                <a:solidFill>
+                  <a:schemeClr val="tx1"/>
+                </a:solidFill>
+                <a:latin typeface="Calibri Light" panose="020F0302020204030204" pitchFamily="34" charset="0"/>
+                <a:cs typeface="Calibri Light" panose="020F0302020204030204" pitchFamily="34" charset="0"/>
+              </a:rPr>
+              <a:t>vuelo</a:t>
+            </a:r>
+            <a:r>
+              <a:rPr lang="en-US" sz="1900" dirty="0">
+                <a:solidFill>
+                  <a:schemeClr val="tx1"/>
+                </a:solidFill>
+                <a:latin typeface="Calibri Light" panose="020F0302020204030204" pitchFamily="34" charset="0"/>
+                <a:cs typeface="Calibri Light" panose="020F0302020204030204" pitchFamily="34" charset="0"/>
+              </a:rPr>
+              <a:t> de </a:t>
+            </a:r>
+            <a:r>
+              <a:rPr lang="en-US" sz="1900" dirty="0" err="1">
+                <a:solidFill>
+                  <a:schemeClr val="tx1"/>
+                </a:solidFill>
+                <a:latin typeface="Calibri Light" panose="020F0302020204030204" pitchFamily="34" charset="0"/>
+                <a:cs typeface="Calibri Light" panose="020F0302020204030204" pitchFamily="34" charset="0"/>
+              </a:rPr>
+              <a:t>los</a:t>
+            </a:r>
+            <a:r>
+              <a:rPr lang="en-US" sz="1900" dirty="0">
+                <a:solidFill>
+                  <a:schemeClr val="tx1"/>
+                </a:solidFill>
+                <a:latin typeface="Calibri Light" panose="020F0302020204030204" pitchFamily="34" charset="0"/>
+                <a:cs typeface="Calibri Light" panose="020F0302020204030204" pitchFamily="34" charset="0"/>
+              </a:rPr>
+              <a:t> </a:t>
+            </a:r>
+            <a:r>
+              <a:rPr lang="en-US" sz="1900" dirty="0" err="1">
+                <a:solidFill>
+                  <a:schemeClr val="tx1"/>
+                </a:solidFill>
+                <a:latin typeface="Calibri Light" panose="020F0302020204030204" pitchFamily="34" charset="0"/>
+                <a:cs typeface="Calibri Light" panose="020F0302020204030204" pitchFamily="34" charset="0"/>
+              </a:rPr>
+              <a:t>aviones</a:t>
+            </a:r>
+            <a:r>
+              <a:rPr lang="en-US" sz="1900" dirty="0">
+                <a:solidFill>
+                  <a:schemeClr val="tx1"/>
+                </a:solidFill>
+                <a:latin typeface="Calibri Light" panose="020F0302020204030204" pitchFamily="34" charset="0"/>
+                <a:cs typeface="Calibri Light" panose="020F0302020204030204" pitchFamily="34" charset="0"/>
+              </a:rPr>
+              <a:t> se </a:t>
+            </a:r>
+            <a:r>
+              <a:rPr lang="en-US" sz="1900" dirty="0" err="1">
+                <a:solidFill>
+                  <a:schemeClr val="tx1"/>
+                </a:solidFill>
+                <a:latin typeface="Calibri Light" panose="020F0302020204030204" pitchFamily="34" charset="0"/>
+                <a:cs typeface="Calibri Light" panose="020F0302020204030204" pitchFamily="34" charset="0"/>
+              </a:rPr>
+              <a:t>puede</a:t>
+            </a:r>
+            <a:r>
+              <a:rPr lang="en-US" sz="1900" dirty="0">
+                <a:solidFill>
+                  <a:schemeClr val="tx1"/>
+                </a:solidFill>
+                <a:latin typeface="Calibri Light" panose="020F0302020204030204" pitchFamily="34" charset="0"/>
+                <a:cs typeface="Calibri Light" panose="020F0302020204030204" pitchFamily="34" charset="0"/>
+              </a:rPr>
+              <a:t> </a:t>
+            </a:r>
+            <a:r>
+              <a:rPr lang="en-US" sz="1900" dirty="0" err="1">
+                <a:solidFill>
+                  <a:schemeClr val="tx1"/>
+                </a:solidFill>
+                <a:latin typeface="Calibri Light" panose="020F0302020204030204" pitchFamily="34" charset="0"/>
+                <a:cs typeface="Calibri Light" panose="020F0302020204030204" pitchFamily="34" charset="0"/>
+              </a:rPr>
+              <a:t>reducir</a:t>
+            </a:r>
+            <a:r>
+              <a:rPr lang="en-US" sz="1900" dirty="0">
+                <a:solidFill>
+                  <a:schemeClr val="tx1"/>
+                </a:solidFill>
+                <a:latin typeface="Calibri Light" panose="020F0302020204030204" pitchFamily="34" charset="0"/>
+                <a:cs typeface="Calibri Light" panose="020F0302020204030204" pitchFamily="34" charset="0"/>
+              </a:rPr>
+              <a:t> la </a:t>
+            </a:r>
+            <a:r>
+              <a:rPr lang="en-US" sz="1900" dirty="0" err="1">
+                <a:solidFill>
+                  <a:schemeClr val="tx1"/>
+                </a:solidFill>
+                <a:latin typeface="Calibri Light" panose="020F0302020204030204" pitchFamily="34" charset="0"/>
+                <a:cs typeface="Calibri Light" panose="020F0302020204030204" pitchFamily="34" charset="0"/>
+              </a:rPr>
+              <a:t>probabilidad</a:t>
+            </a:r>
+            <a:r>
+              <a:rPr lang="en-US" sz="1900" dirty="0">
+                <a:solidFill>
+                  <a:schemeClr val="tx1"/>
+                </a:solidFill>
+                <a:latin typeface="Calibri Light" panose="020F0302020204030204" pitchFamily="34" charset="0"/>
+                <a:cs typeface="Calibri Light" panose="020F0302020204030204" pitchFamily="34" charset="0"/>
+              </a:rPr>
+              <a:t> de </a:t>
+            </a:r>
+            <a:r>
+              <a:rPr lang="en-US" sz="1900" dirty="0" err="1">
+                <a:solidFill>
+                  <a:schemeClr val="tx1"/>
+                </a:solidFill>
+                <a:latin typeface="Calibri Light" panose="020F0302020204030204" pitchFamily="34" charset="0"/>
+                <a:cs typeface="Calibri Light" panose="020F0302020204030204" pitchFamily="34" charset="0"/>
+              </a:rPr>
+              <a:t>accidentes</a:t>
+            </a:r>
+            <a:r>
+              <a:rPr lang="en-US" sz="1900" dirty="0">
+                <a:solidFill>
+                  <a:schemeClr val="tx1"/>
+                </a:solidFill>
+                <a:latin typeface="Calibri Light" panose="020F0302020204030204" pitchFamily="34" charset="0"/>
+                <a:cs typeface="Calibri Light" panose="020F0302020204030204" pitchFamily="34" charset="0"/>
+              </a:rPr>
+              <a:t> y </a:t>
+            </a:r>
+            <a:r>
+              <a:rPr lang="en-US" sz="1900" dirty="0" err="1">
+                <a:solidFill>
+                  <a:schemeClr val="tx1"/>
+                </a:solidFill>
+                <a:latin typeface="Calibri Light" panose="020F0302020204030204" pitchFamily="34" charset="0"/>
+                <a:cs typeface="Calibri Light" panose="020F0302020204030204" pitchFamily="34" charset="0"/>
+              </a:rPr>
+              <a:t>mejorar</a:t>
+            </a:r>
+            <a:r>
+              <a:rPr lang="en-US" sz="1900" dirty="0">
+                <a:solidFill>
+                  <a:schemeClr val="tx1"/>
+                </a:solidFill>
+                <a:latin typeface="Calibri Light" panose="020F0302020204030204" pitchFamily="34" charset="0"/>
+                <a:cs typeface="Calibri Light" panose="020F0302020204030204" pitchFamily="34" charset="0"/>
+              </a:rPr>
+              <a:t> la </a:t>
+            </a:r>
+            <a:r>
+              <a:rPr lang="en-US" sz="1900" dirty="0" err="1">
+                <a:solidFill>
+                  <a:schemeClr val="tx1"/>
+                </a:solidFill>
+                <a:latin typeface="Calibri Light" panose="020F0302020204030204" pitchFamily="34" charset="0"/>
+                <a:cs typeface="Calibri Light" panose="020F0302020204030204" pitchFamily="34" charset="0"/>
+              </a:rPr>
+              <a:t>eficiencia</a:t>
+            </a:r>
+            <a:r>
+              <a:rPr lang="en-US" sz="1900" dirty="0">
+                <a:solidFill>
+                  <a:schemeClr val="tx1"/>
+                </a:solidFill>
+                <a:latin typeface="Calibri Light" panose="020F0302020204030204" pitchFamily="34" charset="0"/>
+                <a:cs typeface="Calibri Light" panose="020F0302020204030204" pitchFamily="34" charset="0"/>
+              </a:rPr>
+              <a:t> de </a:t>
+            </a:r>
+            <a:r>
+              <a:rPr lang="en-US" sz="1900" dirty="0" err="1">
+                <a:solidFill>
+                  <a:schemeClr val="tx1"/>
+                </a:solidFill>
+                <a:latin typeface="Calibri Light" panose="020F0302020204030204" pitchFamily="34" charset="0"/>
+                <a:cs typeface="Calibri Light" panose="020F0302020204030204" pitchFamily="34" charset="0"/>
+              </a:rPr>
+              <a:t>vuelo</a:t>
+            </a:r>
+            <a:r>
+              <a:rPr lang="en-US" sz="1900" dirty="0">
+                <a:solidFill>
+                  <a:schemeClr val="tx1"/>
+                </a:solidFill>
+                <a:latin typeface="Calibri Light" panose="020F0302020204030204" pitchFamily="34" charset="0"/>
+                <a:cs typeface="Calibri Light" panose="020F0302020204030204" pitchFamily="34" charset="0"/>
+              </a:rPr>
+              <a:t> de </a:t>
+            </a:r>
+            <a:r>
+              <a:rPr lang="en-US" sz="1900" dirty="0" err="1">
+                <a:solidFill>
+                  <a:schemeClr val="tx1"/>
+                </a:solidFill>
+                <a:latin typeface="Calibri Light" panose="020F0302020204030204" pitchFamily="34" charset="0"/>
+                <a:cs typeface="Calibri Light" panose="020F0302020204030204" pitchFamily="34" charset="0"/>
+              </a:rPr>
+              <a:t>éstos</a:t>
+            </a:r>
+            <a:r>
+              <a:rPr lang="en-US" sz="1900" dirty="0">
+                <a:solidFill>
+                  <a:schemeClr val="tx1"/>
+                </a:solidFill>
+                <a:latin typeface="Calibri Light" panose="020F0302020204030204" pitchFamily="34" charset="0"/>
+                <a:cs typeface="Calibri Light" panose="020F0302020204030204" pitchFamily="34" charset="0"/>
+              </a:rPr>
+              <a:t> </a:t>
+            </a:r>
+            <a:endParaRPr lang="es-CO" sz="1900" dirty="0">
               <a:solidFill>
                 <a:schemeClr val="tx1"/>
               </a:solidFill>
@@ -4991,6 +5438,62 @@
           </a:p>
         </p:txBody>
       </p:sp>
+      <p:pic>
+        <p:nvPicPr>
+          <p:cNvPr id="2050" name="Picture 2" descr="http://www.ansys-blog.com/wp-content/uploads/2014/10/image012.jpg">
+            <a:extLst>
+              <a:ext uri="{FF2B5EF4-FFF2-40B4-BE49-F238E27FC236}">
+                <a16:creationId xmlns:a16="http://schemas.microsoft.com/office/drawing/2014/main" id="{50EA7EBF-513C-43A1-B884-A3714ADC27CC}"/>
+              </a:ext>
+            </a:extLst>
+          </p:cNvPr>
+          <p:cNvPicPr>
+            <a:picLocks noChangeAspect="1" noChangeArrowheads="1"/>
+          </p:cNvPicPr>
+          <p:nvPr/>
+        </p:nvPicPr>
+        <p:blipFill>
+          <a:blip r:embed="rId2">
+            <a:extLst>
+              <a:ext uri="{BEBA8EAE-BF5A-486C-A8C5-ECC9F3942E4B}">
+                <a14:imgProps xmlns:a14="http://schemas.microsoft.com/office/drawing/2010/main">
+                  <a14:imgLayer r:embed="rId3">
+                    <a14:imgEffect>
+                      <a14:colorTemperature colorTemp="11200"/>
+                    </a14:imgEffect>
+                  </a14:imgLayer>
+                </a14:imgProps>
+              </a:ext>
+              <a:ext uri="{28A0092B-C50C-407E-A947-70E740481C1C}">
+                <a14:useLocalDpi xmlns:a14="http://schemas.microsoft.com/office/drawing/2010/main" val="0"/>
+              </a:ext>
+            </a:extLst>
+          </a:blip>
+          <a:srcRect/>
+          <a:stretch>
+            <a:fillRect/>
+          </a:stretch>
+        </p:blipFill>
+        <p:spPr bwMode="auto">
+          <a:xfrm>
+            <a:off x="6358466" y="1933787"/>
+            <a:ext cx="4969933" cy="3727450"/>
+          </a:xfrm>
+          <a:prstGeom prst="rect">
+            <a:avLst/>
+          </a:prstGeom>
+          <a:noFill/>
+          <a:extLst>
+            <a:ext uri="{909E8E84-426E-40DD-AFC4-6F175D3DCCD1}">
+              <a14:hiddenFill xmlns:a14="http://schemas.microsoft.com/office/drawing/2010/main">
+                <a:solidFill>
+                  <a:srgbClr val="FFFFFF"/>
+                </a:solidFill>
+              </a14:hiddenFill>
+            </a:ext>
+          </a:extLst>
+        </p:spPr>
+      </p:pic>
     </p:spTree>
     <p:extLst>
       <p:ext uri="{BB962C8B-B14F-4D97-AF65-F5344CB8AC3E}">
@@ -5037,8 +5540,12 @@
           <a:lstStyle/>
           <a:p>
             <a:r>
+              <a:rPr lang="en-US" dirty="0"/>
+              <a:t>Marco </a:t>
+            </a:r>
+            <a:r>
               <a:rPr lang="en-US" dirty="0" err="1"/>
-              <a:t>Teoría</a:t>
+              <a:t>teórico</a:t>
             </a:r>
             <a:endParaRPr lang="es-CO" dirty="0"/>
           </a:p>
@@ -6253,8 +6760,12 @@
           <a:lstStyle/>
           <a:p>
             <a:r>
+              <a:rPr lang="en-US" dirty="0"/>
+              <a:t>Marco </a:t>
+            </a:r>
+            <a:r>
               <a:rPr lang="en-US" dirty="0" err="1"/>
-              <a:t>Teoría</a:t>
+              <a:t>teórico</a:t>
             </a:r>
             <a:endParaRPr lang="es-CO" dirty="0"/>
           </a:p>
@@ -6280,7 +6791,7 @@
             </p:spPr>
             <p:txBody>
               <a:bodyPr>
-                <a:normAutofit/>
+                <a:normAutofit lnSpcReduction="10000"/>
               </a:bodyPr>
               <a:lstStyle/>
               <a:p>
@@ -6288,7 +6799,7 @@
                   <a:buNone/>
                 </a:pPr>
                 <a:r>
-                  <a:rPr lang="en-US" sz="2400" dirty="0">
+                  <a:rPr lang="en-US" sz="2000" dirty="0">
                     <a:solidFill>
                       <a:schemeClr val="tx1"/>
                     </a:solidFill>
@@ -6298,7 +6809,7 @@
                   <a:t>Si se </a:t>
                 </a:r>
                 <a:r>
-                  <a:rPr lang="en-US" sz="2400" dirty="0" err="1">
+                  <a:rPr lang="en-US" sz="2000" dirty="0" err="1">
                     <a:solidFill>
                       <a:schemeClr val="tx1"/>
                     </a:solidFill>
@@ -6308,7 +6819,7 @@
                   <a:t>toma</a:t>
                 </a:r>
                 <a:r>
-                  <a:rPr lang="en-US" sz="2400" dirty="0">
+                  <a:rPr lang="en-US" sz="2000" dirty="0">
                     <a:solidFill>
                       <a:schemeClr val="tx1"/>
                     </a:solidFill>
@@ -6320,7 +6831,7 @@
                 <a14:m>
                   <m:oMath xmlns:m="http://schemas.openxmlformats.org/officeDocument/2006/math">
                     <m:r>
-                      <a:rPr lang="en-US" sz="2400" b="0" i="1" smtClean="0">
+                      <a:rPr lang="en-US" sz="2000" b="0" i="1" smtClean="0">
                         <a:solidFill>
                           <a:schemeClr val="tx1"/>
                         </a:solidFill>
@@ -6330,7 +6841,7 @@
                       <m:t>𝑐</m:t>
                     </m:r>
                     <m:r>
-                      <a:rPr lang="en-US" sz="2400" b="0" i="1" smtClean="0">
+                      <a:rPr lang="en-US" sz="2000" b="0" i="1" smtClean="0">
                         <a:solidFill>
                           <a:schemeClr val="tx1"/>
                         </a:solidFill>
@@ -6342,7 +6853,7 @@
                     <m:f>
                       <m:fPr>
                         <m:ctrlPr>
-                          <a:rPr lang="en-US" sz="2400" b="0" i="1" smtClean="0">
+                          <a:rPr lang="en-US" sz="2000" b="0" i="1" smtClean="0">
                             <a:solidFill>
                               <a:schemeClr val="tx1"/>
                             </a:solidFill>
@@ -6353,7 +6864,7 @@
                       </m:fPr>
                       <m:num>
                         <m:r>
-                          <a:rPr lang="en-US" sz="2400" b="0" i="1" smtClean="0">
+                          <a:rPr lang="en-US" sz="2000" b="0" i="1" smtClean="0">
                             <a:solidFill>
                               <a:schemeClr val="tx1"/>
                             </a:solidFill>
@@ -6364,7 +6875,7 @@
                           <m:t>∆</m:t>
                         </m:r>
                         <m:r>
-                          <a:rPr lang="en-US" sz="2400" b="0" i="1" smtClean="0">
+                          <a:rPr lang="en-US" sz="2000" b="0" i="1" smtClean="0">
                             <a:solidFill>
                               <a:schemeClr val="tx1"/>
                             </a:solidFill>
@@ -6377,7 +6888,7 @@
                       </m:num>
                       <m:den>
                         <m:r>
-                          <a:rPr lang="en-US" sz="2400" i="1">
+                          <a:rPr lang="en-US" sz="2000" i="1">
                             <a:solidFill>
                               <a:schemeClr val="tx1"/>
                             </a:solidFill>
@@ -6388,7 +6899,7 @@
                           <m:t>∆</m:t>
                         </m:r>
                         <m:r>
-                          <a:rPr lang="en-US" sz="2400" b="0" i="1" smtClean="0">
+                          <a:rPr lang="en-US" sz="2000" b="0" i="1" smtClean="0">
                             <a:solidFill>
                               <a:schemeClr val="tx1"/>
                             </a:solidFill>
@@ -6401,7 +6912,7 @@
                       </m:den>
                     </m:f>
                     <m:r>
-                      <a:rPr lang="en-US" sz="2400" b="0" i="1" smtClean="0">
+                      <a:rPr lang="en-US" sz="2000" b="0" i="1" smtClean="0">
                         <a:solidFill>
                           <a:schemeClr val="tx1"/>
                         </a:solidFill>
@@ -6413,7 +6924,7 @@
                   </m:oMath>
                 </a14:m>
                 <a:r>
-                  <a:rPr lang="es-CO" sz="2400" dirty="0">
+                  <a:rPr lang="es-CO" sz="2000" dirty="0">
                     <a:solidFill>
                       <a:schemeClr val="tx1"/>
                     </a:solidFill>
@@ -6428,7 +6939,7 @@
                       <m:rPr>
                         <m:sty m:val="p"/>
                       </m:rPr>
-                      <a:rPr lang="el-GR" sz="2400" i="1" smtClean="0">
+                      <a:rPr lang="el-GR" sz="2000" i="1" smtClean="0">
                         <a:solidFill>
                           <a:schemeClr val="tx1"/>
                         </a:solidFill>
@@ -6439,7 +6950,7 @@
                       <m:t>τ</m:t>
                     </m:r>
                     <m:r>
-                      <a:rPr lang="en-US" sz="2400" i="1">
+                      <a:rPr lang="en-US" sz="2000" i="1">
                         <a:solidFill>
                           <a:schemeClr val="tx1"/>
                         </a:solidFill>
@@ -6451,7 +6962,7 @@
                     <m:f>
                       <m:fPr>
                         <m:ctrlPr>
-                          <a:rPr lang="en-US" sz="2400" i="1">
+                          <a:rPr lang="en-US" sz="2000" i="1">
                             <a:solidFill>
                               <a:schemeClr val="tx1"/>
                             </a:solidFill>
@@ -6462,7 +6973,7 @@
                       </m:fPr>
                       <m:num>
                         <m:r>
-                          <a:rPr lang="en-US" sz="2400" i="1" smtClean="0">
+                          <a:rPr lang="en-US" sz="2000" i="1" smtClean="0">
                             <a:solidFill>
                               <a:schemeClr val="tx1"/>
                             </a:solidFill>
@@ -6475,7 +6986,7 @@
                       </m:num>
                       <m:den>
                         <m:r>
-                          <a:rPr lang="en-US" sz="2400" i="1">
+                          <a:rPr lang="en-US" sz="2000" i="1">
                             <a:solidFill>
                               <a:schemeClr val="tx1"/>
                             </a:solidFill>
@@ -6486,7 +6997,7 @@
                           <m:t>∆</m:t>
                         </m:r>
                         <m:r>
-                          <a:rPr lang="en-US" sz="2400" i="1">
+                          <a:rPr lang="en-US" sz="2000" i="1">
                             <a:solidFill>
                               <a:schemeClr val="tx1"/>
                             </a:solidFill>
@@ -6501,17 +7012,17 @@
                   </m:oMath>
                 </a14:m>
                 <a:r>
-                  <a:rPr lang="es-CO" sz="2400" dirty="0">
+                  <a:rPr lang="es-CO" sz="2000" dirty="0">
                     <a:solidFill>
                       <a:schemeClr val="tx1"/>
                     </a:solidFill>
                     <a:latin typeface="Calibri Light" panose="020F0302020204030204" pitchFamily="34" charset="0"/>
                     <a:cs typeface="Calibri Light" panose="020F0302020204030204" pitchFamily="34" charset="0"/>
                   </a:rPr>
-                  <a:t> obtenemos la ecuaci</a:t>
+                  <a:t>   obtenemos la ecuaci</a:t>
                 </a:r>
                 <a:r>
-                  <a:rPr lang="en-US" sz="2400" dirty="0">
+                  <a:rPr lang="en-US" sz="2000" dirty="0">
                     <a:solidFill>
                       <a:schemeClr val="tx1"/>
                     </a:solidFill>
@@ -6521,7 +7032,7 @@
                   <a:t>ó</a:t>
                 </a:r>
                 <a:r>
-                  <a:rPr lang="es-CO" sz="2400" dirty="0">
+                  <a:rPr lang="es-CO" sz="2000" dirty="0">
                     <a:solidFill>
                       <a:schemeClr val="tx1"/>
                     </a:solidFill>
@@ -6531,7 +7042,7 @@
                   <a:t>n de </a:t>
                 </a:r>
                 <a:r>
-                  <a:rPr lang="es-CO" sz="2400" dirty="0" err="1">
+                  <a:rPr lang="es-CO" sz="2000" dirty="0" err="1">
                     <a:solidFill>
                       <a:schemeClr val="tx1"/>
                     </a:solidFill>
@@ -6541,7 +7052,7 @@
                   <a:t>Lattice</a:t>
                 </a:r>
                 <a:r>
-                  <a:rPr lang="es-CO" sz="2400" dirty="0">
+                  <a:rPr lang="es-CO" sz="2000" dirty="0">
                     <a:solidFill>
                       <a:schemeClr val="tx1"/>
                     </a:solidFill>
@@ -6551,7 +7062,7 @@
                   <a:t> </a:t>
                 </a:r>
                 <a:r>
-                  <a:rPr lang="es-CO" sz="2400" dirty="0" err="1">
+                  <a:rPr lang="es-CO" sz="2000" dirty="0" err="1">
                     <a:solidFill>
                       <a:schemeClr val="tx1"/>
                     </a:solidFill>
@@ -6561,7 +7072,7 @@
                   <a:t>Boltzmann</a:t>
                 </a:r>
                 <a:r>
-                  <a:rPr lang="es-CO" sz="2400" dirty="0">
+                  <a:rPr lang="es-CO" sz="2000" dirty="0">
                     <a:solidFill>
                       <a:schemeClr val="tx1"/>
                     </a:solidFill>
@@ -6570,8 +7081,13 @@
                   </a:rPr>
                   <a:t> del modelo LBGK:</a:t>
                 </a:r>
+              </a:p>
+              <a:p>
+                <a:pPr marL="45720" indent="0">
+                  <a:buNone/>
+                </a:pPr>
                 <a:br>
-                  <a:rPr lang="es-CO" sz="2400" dirty="0">
+                  <a:rPr lang="es-CO" sz="2000" dirty="0">
                     <a:solidFill>
                       <a:schemeClr val="tx1"/>
                     </a:solidFill>
@@ -6580,7 +7096,7 @@
                   </a:rPr>
                 </a:br>
                 <a:br>
-                  <a:rPr lang="es-CO" dirty="0">
+                  <a:rPr lang="es-CO" sz="2000" dirty="0">
                     <a:solidFill>
                       <a:schemeClr val="tx1"/>
                     </a:solidFill>
@@ -6593,7 +7109,7 @@
                     <m:sSub>
                       <m:sSubPr>
                         <m:ctrlPr>
-                          <a:rPr lang="en-US" sz="2400" i="1">
+                          <a:rPr lang="en-US" i="1">
                             <a:solidFill>
                               <a:schemeClr val="tx1"/>
                             </a:solidFill>
@@ -6605,7 +7121,7 @@
                       </m:sSubPr>
                       <m:e>
                         <m:r>
-                          <a:rPr lang="en-US" sz="2400" i="1">
+                          <a:rPr lang="en-US" i="1">
                             <a:solidFill>
                               <a:schemeClr val="tx1"/>
                             </a:solidFill>
@@ -6617,7 +7133,7 @@
                       </m:e>
                       <m:sub>
                         <m:r>
-                          <a:rPr lang="en-US" sz="2400" i="1">
+                          <a:rPr lang="en-US" i="1">
                             <a:solidFill>
                               <a:schemeClr val="tx1"/>
                             </a:solidFill>
@@ -6632,7 +7148,7 @@
                     <m:d>
                       <m:dPr>
                         <m:ctrlPr>
-                          <a:rPr lang="en-US" sz="2400" b="0" i="1" smtClean="0">
+                          <a:rPr lang="en-US" b="0" i="1" smtClean="0">
                             <a:solidFill>
                               <a:schemeClr val="tx1"/>
                             </a:solidFill>
@@ -6647,7 +7163,7 @@
                           <m:accPr>
                             <m:chr m:val="⃗"/>
                             <m:ctrlPr>
-                              <a:rPr lang="en-US" sz="2400" b="0" i="1" smtClean="0">
+                              <a:rPr lang="en-US" b="0" i="1" smtClean="0">
                                 <a:solidFill>
                                   <a:schemeClr val="tx1"/>
                                 </a:solidFill>
@@ -6659,7 +7175,7 @@
                           </m:accPr>
                           <m:e>
                             <m:r>
-                              <a:rPr lang="en-US" sz="2400" i="1" smtClean="0">
+                              <a:rPr lang="en-US" i="1" smtClean="0">
                                 <a:solidFill>
                                   <a:schemeClr val="tx1"/>
                                 </a:solidFill>
@@ -6672,7 +7188,7 @@
                           </m:e>
                         </m:acc>
                         <m:r>
-                          <a:rPr lang="en-US" sz="2400" b="0" i="1" smtClean="0">
+                          <a:rPr lang="en-US" b="0" i="1" smtClean="0">
                             <a:solidFill>
                               <a:schemeClr val="tx1"/>
                             </a:solidFill>
@@ -6686,7 +7202,7 @@
                           <m:accPr>
                             <m:chr m:val="⃗"/>
                             <m:ctrlPr>
-                              <a:rPr lang="en-US" sz="2400" b="0" i="1" smtClean="0">
+                              <a:rPr lang="en-US" b="0" i="1" smtClean="0">
                                 <a:solidFill>
                                   <a:schemeClr val="tx1"/>
                                 </a:solidFill>
@@ -6700,7 +7216,7 @@
                             <m:sSub>
                               <m:sSubPr>
                                 <m:ctrlPr>
-                                  <a:rPr lang="en-US" sz="2400" i="1">
+                                  <a:rPr lang="en-US" i="1">
                                     <a:solidFill>
                                       <a:schemeClr val="tx1"/>
                                     </a:solidFill>
@@ -6712,7 +7228,7 @@
                               </m:sSubPr>
                               <m:e>
                                 <m:r>
-                                  <a:rPr lang="en-US" sz="2400" b="0" i="1" smtClean="0">
+                                  <a:rPr lang="en-US" b="0" i="1" smtClean="0">
                                     <a:solidFill>
                                       <a:schemeClr val="tx1"/>
                                     </a:solidFill>
@@ -6725,7 +7241,7 @@
                               </m:e>
                               <m:sub>
                                 <m:r>
-                                  <a:rPr lang="en-US" sz="2400" i="1">
+                                  <a:rPr lang="en-US" i="1">
                                     <a:solidFill>
                                       <a:schemeClr val="tx1"/>
                                     </a:solidFill>
@@ -6740,7 +7256,7 @@
                           </m:e>
                         </m:acc>
                         <m:r>
-                          <a:rPr lang="en-US" sz="2400" b="0" i="1" smtClean="0">
+                          <a:rPr lang="en-US" b="0" i="1" smtClean="0">
                             <a:solidFill>
                               <a:schemeClr val="tx1"/>
                             </a:solidFill>
@@ -6751,7 +7267,7 @@
                           <m:t>,  </m:t>
                         </m:r>
                         <m:r>
-                          <a:rPr lang="en-US" sz="2400" b="0" i="1" smtClean="0">
+                          <a:rPr lang="en-US" b="0" i="1" smtClean="0">
                             <a:solidFill>
                               <a:schemeClr val="tx1"/>
                             </a:solidFill>
@@ -6762,7 +7278,7 @@
                           <m:t>𝑡</m:t>
                         </m:r>
                         <m:r>
-                          <a:rPr lang="en-US" sz="2400" b="0" i="1" smtClean="0">
+                          <a:rPr lang="en-US" b="0" i="1" smtClean="0">
                             <a:solidFill>
                               <a:schemeClr val="tx1"/>
                             </a:solidFill>
@@ -6775,7 +7291,7 @@
                       </m:e>
                     </m:d>
                     <m:r>
-                      <a:rPr lang="en-US" sz="2400" b="0" i="1" smtClean="0">
+                      <a:rPr lang="en-US" b="0" i="1" smtClean="0">
                         <a:solidFill>
                           <a:schemeClr val="tx1"/>
                         </a:solidFill>
@@ -6788,7 +7304,7 @@
                     <m:sSub>
                       <m:sSubPr>
                         <m:ctrlPr>
-                          <a:rPr lang="en-US" sz="2400" i="1">
+                          <a:rPr lang="en-US" i="1">
                             <a:solidFill>
                               <a:schemeClr val="tx1"/>
                             </a:solidFill>
@@ -6800,7 +7316,7 @@
                       </m:sSubPr>
                       <m:e>
                         <m:r>
-                          <a:rPr lang="en-US" sz="2400" i="1">
+                          <a:rPr lang="en-US" i="1">
                             <a:solidFill>
                               <a:schemeClr val="tx1"/>
                             </a:solidFill>
@@ -6812,7 +7328,7 @@
                       </m:e>
                       <m:sub>
                         <m:r>
-                          <a:rPr lang="en-US" sz="2400" i="1">
+                          <a:rPr lang="en-US" i="1">
                             <a:solidFill>
                               <a:schemeClr val="tx1"/>
                             </a:solidFill>
@@ -6827,7 +7343,7 @@
                     <m:d>
                       <m:dPr>
                         <m:ctrlPr>
-                          <a:rPr lang="en-US" sz="2400" i="1">
+                          <a:rPr lang="en-US" i="1">
                             <a:solidFill>
                               <a:schemeClr val="tx1"/>
                             </a:solidFill>
@@ -6842,7 +7358,7 @@
                           <m:accPr>
                             <m:chr m:val="⃗"/>
                             <m:ctrlPr>
-                              <a:rPr lang="en-US" sz="2400" i="1">
+                              <a:rPr lang="en-US" i="1">
                                 <a:solidFill>
                                   <a:schemeClr val="tx1"/>
                                 </a:solidFill>
@@ -6854,7 +7370,7 @@
                           </m:accPr>
                           <m:e>
                             <m:r>
-                              <a:rPr lang="en-US" sz="2400" i="1">
+                              <a:rPr lang="en-US" i="1">
                                 <a:solidFill>
                                   <a:schemeClr val="tx1"/>
                                 </a:solidFill>
@@ -6867,7 +7383,7 @@
                           </m:e>
                         </m:acc>
                         <m:r>
-                          <a:rPr lang="en-US" sz="2400" b="0" i="1" smtClean="0">
+                          <a:rPr lang="en-US" b="0" i="1" smtClean="0">
                             <a:solidFill>
                               <a:schemeClr val="tx1"/>
                             </a:solidFill>
@@ -6878,7 +7394,7 @@
                           <m:t>,</m:t>
                         </m:r>
                         <m:r>
-                          <a:rPr lang="en-US" sz="2400" i="1">
+                          <a:rPr lang="en-US" i="1">
                             <a:solidFill>
                               <a:schemeClr val="tx1"/>
                             </a:solidFill>
@@ -6891,7 +7407,7 @@
                       </m:e>
                     </m:d>
                     <m:r>
-                      <a:rPr lang="en-US" sz="2400" i="1">
+                      <a:rPr lang="en-US" i="1">
                         <a:solidFill>
                           <a:schemeClr val="tx1"/>
                         </a:solidFill>
@@ -6904,7 +7420,7 @@
                     <m:f>
                       <m:fPr>
                         <m:ctrlPr>
-                          <a:rPr lang="en-US" sz="2400" b="0" i="1" smtClean="0">
+                          <a:rPr lang="en-US" b="0" i="1" smtClean="0">
                             <a:solidFill>
                               <a:schemeClr val="tx1"/>
                             </a:solidFill>
@@ -6916,7 +7432,7 @@
                       </m:fPr>
                       <m:num>
                         <m:r>
-                          <a:rPr lang="en-US" sz="2400" b="0" i="1" smtClean="0">
+                          <a:rPr lang="en-US" b="0" i="1" smtClean="0">
                             <a:solidFill>
                               <a:schemeClr val="tx1"/>
                             </a:solidFill>
@@ -6929,7 +7445,7 @@
                       </m:num>
                       <m:den>
                         <m:r>
-                          <a:rPr lang="en-US" sz="2400" b="0" i="1" smtClean="0">
+                          <a:rPr lang="en-US" b="0" i="1" smtClean="0">
                             <a:solidFill>
                               <a:schemeClr val="tx1"/>
                             </a:solidFill>
@@ -6942,7 +7458,7 @@
                       </m:den>
                     </m:f>
                     <m:r>
-                      <a:rPr lang="en-US" sz="2400" b="0" i="1" smtClean="0">
+                      <a:rPr lang="en-US" b="0" i="1" smtClean="0">
                         <a:solidFill>
                           <a:schemeClr val="tx1"/>
                         </a:solidFill>
@@ -6955,7 +7471,7 @@
                     <m:sSub>
                       <m:sSubPr>
                         <m:ctrlPr>
-                          <a:rPr lang="en-US" sz="2400" i="1">
+                          <a:rPr lang="en-US" i="1">
                             <a:solidFill>
                               <a:schemeClr val="tx1"/>
                             </a:solidFill>
@@ -6967,7 +7483,7 @@
                       </m:sSubPr>
                       <m:e>
                         <m:r>
-                          <a:rPr lang="en-US" sz="2400" i="1">
+                          <a:rPr lang="en-US" i="1">
                             <a:solidFill>
                               <a:schemeClr val="tx1"/>
                             </a:solidFill>
@@ -6980,7 +7496,7 @@
                       </m:e>
                       <m:sub>
                         <m:r>
-                          <a:rPr lang="en-US" sz="2400" i="1">
+                          <a:rPr lang="en-US" i="1">
                             <a:solidFill>
                               <a:schemeClr val="tx1"/>
                             </a:solidFill>
@@ -6995,7 +7511,7 @@
                     <m:d>
                       <m:dPr>
                         <m:ctrlPr>
-                          <a:rPr lang="en-US" sz="2400" i="1">
+                          <a:rPr lang="en-US" i="1">
                             <a:solidFill>
                               <a:schemeClr val="tx1"/>
                             </a:solidFill>
@@ -7010,7 +7526,7 @@
                           <m:accPr>
                             <m:chr m:val="⃗"/>
                             <m:ctrlPr>
-                              <a:rPr lang="en-US" sz="2400" i="1">
+                              <a:rPr lang="en-US" i="1">
                                 <a:solidFill>
                                   <a:schemeClr val="tx1"/>
                                 </a:solidFill>
@@ -7022,7 +7538,7 @@
                           </m:accPr>
                           <m:e>
                             <m:r>
-                              <a:rPr lang="en-US" sz="2400" i="1">
+                              <a:rPr lang="en-US" i="1">
                                 <a:solidFill>
                                   <a:schemeClr val="tx1"/>
                                 </a:solidFill>
@@ -7035,7 +7551,7 @@
                           </m:e>
                         </m:acc>
                         <m:r>
-                          <a:rPr lang="en-US" sz="2400" i="1">
+                          <a:rPr lang="en-US" i="1">
                             <a:solidFill>
                               <a:schemeClr val="tx1"/>
                             </a:solidFill>
@@ -7046,7 +7562,7 @@
                           <m:t>,</m:t>
                         </m:r>
                         <m:r>
-                          <a:rPr lang="en-US" sz="2400" i="1">
+                          <a:rPr lang="en-US" i="1">
                             <a:solidFill>
                               <a:schemeClr val="tx1"/>
                             </a:solidFill>
@@ -7059,7 +7575,7 @@
                       </m:e>
                     </m:d>
                     <m:r>
-                      <a:rPr lang="en-US" sz="2400" b="0" i="1" smtClean="0">
+                      <a:rPr lang="en-US" b="0" i="1" smtClean="0">
                         <a:solidFill>
                           <a:schemeClr val="tx1"/>
                         </a:solidFill>
@@ -7072,7 +7588,7 @@
                     <m:sSup>
                       <m:sSupPr>
                         <m:ctrlPr>
-                          <a:rPr lang="en-US" sz="2400" b="0" i="1" smtClean="0">
+                          <a:rPr lang="en-US" b="0" i="1" smtClean="0">
                             <a:solidFill>
                               <a:schemeClr val="tx1"/>
                             </a:solidFill>
@@ -7086,7 +7602,7 @@
                         <m:sSub>
                           <m:sSubPr>
                             <m:ctrlPr>
-                              <a:rPr lang="en-US" sz="2400" i="1">
+                              <a:rPr lang="en-US" i="1">
                                 <a:solidFill>
                                   <a:schemeClr val="tx1"/>
                                 </a:solidFill>
@@ -7098,7 +7614,7 @@
                           </m:sSubPr>
                           <m:e>
                             <m:r>
-                              <a:rPr lang="en-US" sz="2400" i="1">
+                              <a:rPr lang="en-US" i="1">
                                 <a:solidFill>
                                   <a:schemeClr val="tx1"/>
                                 </a:solidFill>
@@ -7111,7 +7627,7 @@
                           </m:e>
                           <m:sub>
                             <m:r>
-                              <a:rPr lang="en-US" sz="2400" i="1">
+                              <a:rPr lang="en-US" i="1">
                                 <a:solidFill>
                                   <a:schemeClr val="tx1"/>
                                 </a:solidFill>
@@ -7126,7 +7642,7 @@
                       </m:e>
                       <m:sup>
                         <m:r>
-                          <a:rPr lang="en-US" sz="2400" b="0" i="1" smtClean="0">
+                          <a:rPr lang="en-US" b="0" i="1" smtClean="0">
                             <a:solidFill>
                               <a:schemeClr val="tx1"/>
                             </a:solidFill>
@@ -7137,7 +7653,7 @@
                           <m:t>(</m:t>
                         </m:r>
                         <m:r>
-                          <a:rPr lang="en-US" sz="2400" b="0" i="1" smtClean="0">
+                          <a:rPr lang="en-US" b="0" i="1" smtClean="0">
                             <a:solidFill>
                               <a:schemeClr val="tx1"/>
                             </a:solidFill>
@@ -7148,7 +7664,7 @@
                           <m:t>𝑒𝑞</m:t>
                         </m:r>
                         <m:r>
-                          <a:rPr lang="en-US" sz="2400" b="0" i="1" smtClean="0">
+                          <a:rPr lang="en-US" b="0" i="1" smtClean="0">
                             <a:solidFill>
                               <a:schemeClr val="tx1"/>
                             </a:solidFill>
@@ -7163,7 +7679,7 @@
                     <m:d>
                       <m:dPr>
                         <m:ctrlPr>
-                          <a:rPr lang="en-US" sz="2400" i="1">
+                          <a:rPr lang="en-US" i="1">
                             <a:solidFill>
                               <a:schemeClr val="tx1"/>
                             </a:solidFill>
@@ -7178,7 +7694,7 @@
                           <m:accPr>
                             <m:chr m:val="⃗"/>
                             <m:ctrlPr>
-                              <a:rPr lang="en-US" sz="2400" i="1">
+                              <a:rPr lang="en-US" i="1">
                                 <a:solidFill>
                                   <a:schemeClr val="tx1"/>
                                 </a:solidFill>
@@ -7190,7 +7706,7 @@
                           </m:accPr>
                           <m:e>
                             <m:r>
-                              <a:rPr lang="en-US" sz="2400" i="1">
+                              <a:rPr lang="en-US" i="1">
                                 <a:solidFill>
                                   <a:schemeClr val="tx1"/>
                                 </a:solidFill>
@@ -7203,7 +7719,7 @@
                           </m:e>
                         </m:acc>
                         <m:r>
-                          <a:rPr lang="en-US" sz="2400" i="1">
+                          <a:rPr lang="en-US" i="1">
                             <a:solidFill>
                               <a:schemeClr val="tx1"/>
                             </a:solidFill>
@@ -7214,7 +7730,7 @@
                           <m:t>,</m:t>
                         </m:r>
                         <m:r>
-                          <a:rPr lang="en-US" sz="2400" i="1">
+                          <a:rPr lang="en-US" i="1">
                             <a:solidFill>
                               <a:schemeClr val="tx1"/>
                             </a:solidFill>
@@ -7227,7 +7743,7 @@
                       </m:e>
                     </m:d>
                     <m:r>
-                      <a:rPr lang="en-US" sz="2400" b="0" i="1" smtClean="0">
+                      <a:rPr lang="en-US" b="0" i="1" smtClean="0">
                         <a:solidFill>
                           <a:schemeClr val="tx1"/>
                         </a:solidFill>
@@ -7240,7 +7756,7 @@
                   </m:oMath>
                 </a14:m>
                 <a:r>
-                  <a:rPr lang="es-CO" sz="2400" dirty="0">
+                  <a:rPr lang="es-CO" dirty="0">
                     <a:solidFill>
                       <a:schemeClr val="tx1"/>
                     </a:solidFill>
@@ -7249,8 +7765,13 @@
                   </a:rPr>
                   <a:t> </a:t>
                 </a:r>
+              </a:p>
+              <a:p>
+                <a:pPr marL="45720" indent="0">
+                  <a:buNone/>
+                </a:pPr>
                 <a:br>
-                  <a:rPr lang="es-CO" sz="2400" dirty="0">
+                  <a:rPr lang="es-CO" sz="2000" dirty="0">
                     <a:solidFill>
                       <a:schemeClr val="tx1"/>
                     </a:solidFill>
@@ -7259,7 +7780,7 @@
                   </a:rPr>
                 </a:br>
                 <a:br>
-                  <a:rPr lang="es-CO" sz="2400" dirty="0">
+                  <a:rPr lang="es-CO" sz="2000" dirty="0">
                     <a:solidFill>
                       <a:schemeClr val="tx1"/>
                     </a:solidFill>
@@ -7268,7 +7789,7 @@
                   </a:rPr>
                 </a:br>
                 <a:r>
-                  <a:rPr lang="en-US" sz="2400" dirty="0" err="1">
+                  <a:rPr lang="en-US" sz="2000" dirty="0" err="1">
                     <a:solidFill>
                       <a:schemeClr val="tx1"/>
                     </a:solidFill>
@@ -7277,7 +7798,19 @@
                   </a:rPr>
                   <a:t>donde</a:t>
                 </a:r>
-                <a:endParaRPr lang="es-CO" sz="2400" dirty="0">
+                <a:endParaRPr lang="en-US" sz="2000" dirty="0">
+                  <a:solidFill>
+                    <a:schemeClr val="tx1"/>
+                  </a:solidFill>
+                  <a:latin typeface="Calibri Light" panose="020F0302020204030204" pitchFamily="34" charset="0"/>
+                  <a:cs typeface="Calibri Light" panose="020F0302020204030204" pitchFamily="34" charset="0"/>
+                </a:endParaRPr>
+              </a:p>
+              <a:p>
+                <a:pPr marL="45720" indent="0">
+                  <a:buNone/>
+                </a:pPr>
+                <a:endParaRPr lang="es-CO" sz="2000" dirty="0">
                   <a:solidFill>
                     <a:schemeClr val="tx1"/>
                   </a:solidFill>
@@ -7294,7 +7827,7 @@
                     <m:sSup>
                       <m:sSupPr>
                         <m:ctrlPr>
-                          <a:rPr lang="en-US" sz="2600" i="1">
+                          <a:rPr lang="en-US" i="1">
                             <a:solidFill>
                               <a:schemeClr val="tx1"/>
                             </a:solidFill>
@@ -7308,7 +7841,7 @@
                         <m:sSub>
                           <m:sSubPr>
                             <m:ctrlPr>
-                              <a:rPr lang="en-US" sz="2600" i="1">
+                              <a:rPr lang="en-US" i="1">
                                 <a:solidFill>
                                   <a:schemeClr val="tx1"/>
                                 </a:solidFill>
@@ -7320,7 +7853,7 @@
                           </m:sSubPr>
                           <m:e>
                             <m:r>
-                              <a:rPr lang="en-US" sz="2600" i="1">
+                              <a:rPr lang="en-US" i="1">
                                 <a:solidFill>
                                   <a:schemeClr val="tx1"/>
                                 </a:solidFill>
@@ -7333,7 +7866,7 @@
                           </m:e>
                           <m:sub>
                             <m:r>
-                              <a:rPr lang="en-US" sz="2600" i="1">
+                              <a:rPr lang="en-US" i="1">
                                 <a:solidFill>
                                   <a:schemeClr val="tx1"/>
                                 </a:solidFill>
@@ -7348,7 +7881,7 @@
                       </m:e>
                       <m:sup>
                         <m:r>
-                          <a:rPr lang="en-US" sz="2600" i="1">
+                          <a:rPr lang="en-US" i="1">
                             <a:solidFill>
                               <a:schemeClr val="tx1"/>
                             </a:solidFill>
@@ -7359,7 +7892,7 @@
                           <m:t>(</m:t>
                         </m:r>
                         <m:r>
-                          <a:rPr lang="en-US" sz="2600" i="1">
+                          <a:rPr lang="en-US" i="1">
                             <a:solidFill>
                               <a:schemeClr val="tx1"/>
                             </a:solidFill>
@@ -7370,7 +7903,7 @@
                           <m:t>𝑒𝑞</m:t>
                         </m:r>
                         <m:r>
-                          <a:rPr lang="en-US" sz="2600" i="1">
+                          <a:rPr lang="en-US" i="1">
                             <a:solidFill>
                               <a:schemeClr val="tx1"/>
                             </a:solidFill>
@@ -7383,7 +7916,7 @@
                       </m:sup>
                     </m:sSup>
                     <m:r>
-                      <a:rPr lang="en-US" sz="2600" b="0" i="1" smtClean="0">
+                      <a:rPr lang="en-US" b="0" i="1" smtClean="0">
                         <a:solidFill>
                           <a:schemeClr val="tx1"/>
                         </a:solidFill>
@@ -7396,7 +7929,7 @@
                     <m:sSub>
                       <m:sSubPr>
                         <m:ctrlPr>
-                          <a:rPr lang="en-US" sz="2600" b="0" i="1" smtClean="0">
+                          <a:rPr lang="en-US" b="0" i="1" smtClean="0">
                             <a:solidFill>
                               <a:schemeClr val="tx1"/>
                             </a:solidFill>
@@ -7408,7 +7941,7 @@
                       </m:sSubPr>
                       <m:e>
                         <m:r>
-                          <a:rPr lang="en-US" sz="2600" b="0" i="1" smtClean="0">
+                          <a:rPr lang="en-US" b="0" i="1" smtClean="0">
                             <a:solidFill>
                               <a:schemeClr val="tx1"/>
                             </a:solidFill>
@@ -7421,7 +7954,7 @@
                       </m:e>
                       <m:sub>
                         <m:r>
-                          <a:rPr lang="en-US" sz="2600" b="0" i="1" smtClean="0">
+                          <a:rPr lang="en-US" b="0" i="1" smtClean="0">
                             <a:solidFill>
                               <a:schemeClr val="tx1"/>
                             </a:solidFill>
@@ -7434,7 +7967,7 @@
                       </m:sub>
                     </m:sSub>
                     <m:r>
-                      <a:rPr lang="en-US" sz="2600" b="0" i="1" smtClean="0">
+                      <a:rPr lang="en-US" b="0" i="1" smtClean="0">
                         <a:solidFill>
                           <a:schemeClr val="tx1"/>
                         </a:solidFill>
@@ -7445,7 +7978,7 @@
                       <m:t>𝜌</m:t>
                     </m:r>
                     <m:r>
-                      <a:rPr lang="en-US" sz="2600" b="0" i="1" smtClean="0">
+                      <a:rPr lang="en-US" b="0" i="1" smtClean="0">
                         <a:solidFill>
                           <a:schemeClr val="tx1"/>
                         </a:solidFill>
@@ -7458,7 +7991,7 @@
                     <m:f>
                       <m:fPr>
                         <m:ctrlPr>
-                          <a:rPr lang="en-US" sz="2600" b="0" i="1" smtClean="0">
+                          <a:rPr lang="en-US" b="0" i="1" smtClean="0">
                             <a:solidFill>
                               <a:schemeClr val="tx1"/>
                             </a:solidFill>
@@ -7473,7 +8006,7 @@
                           <m:accPr>
                             <m:chr m:val="⃗"/>
                             <m:ctrlPr>
-                              <a:rPr lang="es-CO" sz="2600" b="0" i="1" smtClean="0">
+                              <a:rPr lang="es-CO" b="0" i="1" smtClean="0">
                                 <a:solidFill>
                                   <a:schemeClr val="tx1"/>
                                 </a:solidFill>
@@ -7487,7 +8020,7 @@
                             <m:sSub>
                               <m:sSubPr>
                                 <m:ctrlPr>
-                                  <a:rPr lang="en-US" sz="2600" b="0" i="1" smtClean="0">
+                                  <a:rPr lang="en-US" b="0" i="1" smtClean="0">
                                     <a:solidFill>
                                       <a:schemeClr val="tx1"/>
                                     </a:solidFill>
@@ -7499,7 +8032,7 @@
                               </m:sSubPr>
                               <m:e>
                                 <m:r>
-                                  <a:rPr lang="en-US" sz="2600" b="0" i="1" smtClean="0">
+                                  <a:rPr lang="en-US" b="0" i="1" smtClean="0">
                                     <a:solidFill>
                                       <a:schemeClr val="tx1"/>
                                     </a:solidFill>
@@ -7512,7 +8045,7 @@
                               </m:e>
                               <m:sub>
                                 <m:r>
-                                  <a:rPr lang="en-US" sz="2600" b="0" i="1" smtClean="0">
+                                  <a:rPr lang="en-US" b="0" i="1" smtClean="0">
                                     <a:solidFill>
                                       <a:schemeClr val="tx1"/>
                                     </a:solidFill>
@@ -7527,7 +8060,7 @@
                           </m:e>
                         </m:acc>
                         <m:r>
-                          <a:rPr lang="en-US" sz="2600" i="1">
+                          <a:rPr lang="en-US" i="1">
                             <a:solidFill>
                               <a:schemeClr val="tx1"/>
                             </a:solidFill>
@@ -7541,7 +8074,7 @@
                           <m:accPr>
                             <m:chr m:val="⃗"/>
                             <m:ctrlPr>
-                              <a:rPr lang="en-US" sz="2600" i="1">
+                              <a:rPr lang="en-US" i="1">
                                 <a:solidFill>
                                   <a:schemeClr val="tx1"/>
                                 </a:solidFill>
@@ -7553,7 +8086,7 @@
                           </m:accPr>
                           <m:e>
                             <m:r>
-                              <a:rPr lang="en-US" sz="2600" i="1">
+                              <a:rPr lang="en-US" i="1">
                                 <a:solidFill>
                                   <a:schemeClr val="tx1"/>
                                 </a:solidFill>
@@ -7570,7 +8103,7 @@
                         <m:sSup>
                           <m:sSupPr>
                             <m:ctrlPr>
-                              <a:rPr lang="en-US" sz="2600" b="0" i="1" smtClean="0">
+                              <a:rPr lang="en-US" b="0" i="1" smtClean="0">
                                 <a:solidFill>
                                   <a:schemeClr val="tx1"/>
                                 </a:solidFill>
@@ -7582,7 +8115,7 @@
                           </m:sSupPr>
                           <m:e>
                             <m:r>
-                              <a:rPr lang="en-US" sz="2600" b="0" i="1" smtClean="0">
+                              <a:rPr lang="en-US" b="0" i="1" smtClean="0">
                                 <a:solidFill>
                                   <a:schemeClr val="tx1"/>
                                 </a:solidFill>
@@ -7595,7 +8128,7 @@
                           </m:e>
                           <m:sup>
                             <m:r>
-                              <a:rPr lang="en-US" sz="2600" b="0" i="1" smtClean="0">
+                              <a:rPr lang="en-US" b="0" i="1" smtClean="0">
                                 <a:solidFill>
                                   <a:schemeClr val="tx1"/>
                                 </a:solidFill>
@@ -7610,7 +8143,7 @@
                       </m:den>
                     </m:f>
                     <m:r>
-                      <a:rPr lang="en-US" sz="2600" b="0" i="1" smtClean="0">
+                      <a:rPr lang="en-US" b="0" i="1" smtClean="0">
                         <a:solidFill>
                           <a:schemeClr val="tx1"/>
                         </a:solidFill>
@@ -7623,7 +8156,7 @@
                     <m:f>
                       <m:fPr>
                         <m:ctrlPr>
-                          <a:rPr lang="en-US" sz="2600" b="0" i="1" smtClean="0">
+                          <a:rPr lang="en-US" b="0" i="1" smtClean="0">
                             <a:solidFill>
                               <a:schemeClr val="tx1"/>
                             </a:solidFill>
@@ -7635,7 +8168,7 @@
                       </m:fPr>
                       <m:num>
                         <m:r>
-                          <a:rPr lang="en-US" sz="2600" b="0" i="1" smtClean="0">
+                          <a:rPr lang="en-US" b="0" i="1" smtClean="0">
                             <a:solidFill>
                               <a:schemeClr val="tx1"/>
                             </a:solidFill>
@@ -7648,7 +8181,7 @@
                         <m:sSup>
                           <m:sSupPr>
                             <m:ctrlPr>
-                              <a:rPr lang="en-US" sz="2600" b="0" i="1" smtClean="0">
+                              <a:rPr lang="en-US" b="0" i="1" smtClean="0">
                                 <a:solidFill>
                                   <a:schemeClr val="tx1"/>
                                 </a:solidFill>
@@ -7662,7 +8195,7 @@
                             <m:d>
                               <m:dPr>
                                 <m:ctrlPr>
-                                  <a:rPr lang="en-US" sz="2600" i="1">
+                                  <a:rPr lang="en-US" i="1">
                                     <a:solidFill>
                                       <a:schemeClr val="tx1"/>
                                     </a:solidFill>
@@ -7677,7 +8210,7 @@
                                   <m:accPr>
                                     <m:chr m:val="⃗"/>
                                     <m:ctrlPr>
-                                      <a:rPr lang="es-CO" sz="2600" b="0" i="1" smtClean="0">
+                                      <a:rPr lang="es-CO" b="0" i="1" smtClean="0">
                                         <a:solidFill>
                                           <a:schemeClr val="tx1"/>
                                         </a:solidFill>
@@ -7691,7 +8224,7 @@
                                     <m:sSub>
                                       <m:sSubPr>
                                         <m:ctrlPr>
-                                          <a:rPr lang="en-US" sz="2600" i="1">
+                                          <a:rPr lang="en-US" i="1">
                                             <a:solidFill>
                                               <a:schemeClr val="tx1"/>
                                             </a:solidFill>
@@ -7703,7 +8236,7 @@
                                       </m:sSubPr>
                                       <m:e>
                                         <m:r>
-                                          <a:rPr lang="en-US" sz="2600" i="1">
+                                          <a:rPr lang="en-US" i="1">
                                             <a:solidFill>
                                               <a:schemeClr val="tx1"/>
                                             </a:solidFill>
@@ -7716,7 +8249,7 @@
                                       </m:e>
                                       <m:sub>
                                         <m:r>
-                                          <a:rPr lang="en-US" sz="2600" i="1">
+                                          <a:rPr lang="en-US" i="1">
                                             <a:solidFill>
                                               <a:schemeClr val="tx1"/>
                                             </a:solidFill>
@@ -7731,7 +8264,7 @@
                                   </m:e>
                                 </m:acc>
                                 <m:r>
-                                  <a:rPr lang="en-US" sz="2600" i="1">
+                                  <a:rPr lang="en-US" i="1">
                                     <a:solidFill>
                                       <a:schemeClr val="tx1"/>
                                     </a:solidFill>
@@ -7745,7 +8278,7 @@
                                   <m:accPr>
                                     <m:chr m:val="⃗"/>
                                     <m:ctrlPr>
-                                      <a:rPr lang="en-US" sz="2600" i="1">
+                                      <a:rPr lang="en-US" i="1">
                                         <a:solidFill>
                                           <a:schemeClr val="tx1"/>
                                         </a:solidFill>
@@ -7757,7 +8290,7 @@
                                   </m:accPr>
                                   <m:e>
                                     <m:r>
-                                      <a:rPr lang="en-US" sz="2600" i="1">
+                                      <a:rPr lang="en-US" i="1">
                                         <a:solidFill>
                                           <a:schemeClr val="tx1"/>
                                         </a:solidFill>
@@ -7774,7 +8307,7 @@
                           </m:e>
                           <m:sup>
                             <m:r>
-                              <a:rPr lang="en-US" sz="2600" b="0" i="1" smtClean="0">
+                              <a:rPr lang="en-US" b="0" i="1" smtClean="0">
                                 <a:solidFill>
                                   <a:schemeClr val="tx1"/>
                                 </a:solidFill>
@@ -7789,7 +8322,7 @@
                       </m:num>
                       <m:den>
                         <m:r>
-                          <a:rPr lang="en-US" sz="2600" b="0" i="1" smtClean="0">
+                          <a:rPr lang="en-US" b="0" i="1" smtClean="0">
                             <a:solidFill>
                               <a:schemeClr val="tx1"/>
                             </a:solidFill>
@@ -7802,7 +8335,7 @@
                         <m:sSup>
                           <m:sSupPr>
                             <m:ctrlPr>
-                              <a:rPr lang="en-US" sz="2600" b="0" i="1" smtClean="0">
+                              <a:rPr lang="en-US" b="0" i="1" smtClean="0">
                                 <a:solidFill>
                                   <a:schemeClr val="tx1"/>
                                 </a:solidFill>
@@ -7814,7 +8347,7 @@
                           </m:sSupPr>
                           <m:e>
                             <m:r>
-                              <a:rPr lang="en-US" sz="2600" b="0" i="1" smtClean="0">
+                              <a:rPr lang="en-US" b="0" i="1" smtClean="0">
                                 <a:solidFill>
                                   <a:schemeClr val="tx1"/>
                                 </a:solidFill>
@@ -7827,7 +8360,7 @@
                           </m:e>
                           <m:sup>
                             <m:r>
-                              <a:rPr lang="en-US" sz="2600" b="0" i="1" smtClean="0">
+                              <a:rPr lang="en-US" b="0" i="1" smtClean="0">
                                 <a:solidFill>
                                   <a:schemeClr val="tx1"/>
                                 </a:solidFill>
@@ -7842,7 +8375,7 @@
                       </m:den>
                     </m:f>
                     <m:r>
-                      <a:rPr lang="en-US" sz="2600" b="0" i="1" smtClean="0">
+                      <a:rPr lang="en-US" b="0" i="1" smtClean="0">
                         <a:solidFill>
                           <a:schemeClr val="tx1"/>
                         </a:solidFill>
@@ -7855,7 +8388,7 @@
                     <m:f>
                       <m:fPr>
                         <m:ctrlPr>
-                          <a:rPr lang="en-US" sz="2600" b="0" i="1" smtClean="0">
+                          <a:rPr lang="en-US" b="0" i="1" smtClean="0">
                             <a:solidFill>
                               <a:schemeClr val="tx1"/>
                             </a:solidFill>
@@ -7867,7 +8400,7 @@
                       </m:fPr>
                       <m:num>
                         <m:r>
-                          <a:rPr lang="en-US" sz="2600" b="0" i="1" smtClean="0">
+                          <a:rPr lang="en-US" b="0" i="1" smtClean="0">
                             <a:solidFill>
                               <a:schemeClr val="tx1"/>
                             </a:solidFill>
@@ -7880,7 +8413,7 @@
                         <m:sSup>
                           <m:sSupPr>
                             <m:ctrlPr>
-                              <a:rPr lang="en-US" sz="2600" b="0" i="1" smtClean="0">
+                              <a:rPr lang="en-US" b="0" i="1" smtClean="0">
                                 <a:solidFill>
                                   <a:schemeClr val="tx1"/>
                                 </a:solidFill>
@@ -7892,7 +8425,7 @@
                           </m:sSupPr>
                           <m:e>
                             <m:r>
-                              <a:rPr lang="es-CO" sz="2600" b="0" i="1" smtClean="0">
+                              <a:rPr lang="es-CO" b="0" i="1" smtClean="0">
                                 <a:solidFill>
                                   <a:schemeClr val="tx1"/>
                                 </a:solidFill>
@@ -7906,7 +8439,7 @@
                               <m:accPr>
                                 <m:chr m:val="⃗"/>
                                 <m:ctrlPr>
-                                  <a:rPr lang="es-CO" sz="2600" b="0" i="1" smtClean="0">
+                                  <a:rPr lang="es-CO" b="0" i="1" smtClean="0">
                                     <a:solidFill>
                                       <a:schemeClr val="tx1"/>
                                     </a:solidFill>
@@ -7918,7 +8451,7 @@
                               </m:accPr>
                               <m:e>
                                 <m:r>
-                                  <a:rPr lang="en-US" sz="2600" b="0" i="1" smtClean="0">
+                                  <a:rPr lang="en-US" b="0" i="1" smtClean="0">
                                     <a:solidFill>
                                       <a:schemeClr val="tx1"/>
                                     </a:solidFill>
@@ -7931,7 +8464,7 @@
                               </m:e>
                             </m:acc>
                             <m:r>
-                              <a:rPr lang="es-CO" sz="2400" b="0" i="1" dirty="0" smtClean="0">
+                              <a:rPr lang="es-CO" b="0" i="1" dirty="0" smtClean="0">
                                 <a:solidFill>
                                   <a:schemeClr val="tx1"/>
                                 </a:solidFill>
@@ -7944,7 +8477,7 @@
                           </m:e>
                           <m:sup>
                             <m:r>
-                              <a:rPr lang="en-US" sz="2600" b="0" i="1" smtClean="0">
+                              <a:rPr lang="en-US" b="0" i="1" smtClean="0">
                                 <a:solidFill>
                                   <a:schemeClr val="tx1"/>
                                 </a:solidFill>
@@ -7959,7 +8492,7 @@
                       </m:num>
                       <m:den>
                         <m:r>
-                          <a:rPr lang="en-US" sz="2600" b="0" i="1" smtClean="0">
+                          <a:rPr lang="en-US" b="0" i="1" smtClean="0">
                             <a:solidFill>
                               <a:schemeClr val="tx1"/>
                             </a:solidFill>
@@ -7972,7 +8505,7 @@
                         <m:sSup>
                           <m:sSupPr>
                             <m:ctrlPr>
-                              <a:rPr lang="en-US" sz="2600" b="0" i="1" smtClean="0">
+                              <a:rPr lang="en-US" b="0" i="1" smtClean="0">
                                 <a:solidFill>
                                   <a:schemeClr val="tx1"/>
                                 </a:solidFill>
@@ -7984,7 +8517,7 @@
                           </m:sSupPr>
                           <m:e>
                             <m:r>
-                              <a:rPr lang="en-US" sz="2600" b="0" i="1" smtClean="0">
+                              <a:rPr lang="en-US" b="0" i="1" smtClean="0">
                                 <a:solidFill>
                                   <a:schemeClr val="tx1"/>
                                 </a:solidFill>
@@ -7997,7 +8530,7 @@
                           </m:e>
                           <m:sup>
                             <m:r>
-                              <a:rPr lang="en-US" sz="2600" b="0" i="1" smtClean="0">
+                              <a:rPr lang="en-US" b="0" i="1" smtClean="0">
                                 <a:solidFill>
                                   <a:schemeClr val="tx1"/>
                                 </a:solidFill>
@@ -8012,7 +8545,7 @@
                       </m:den>
                     </m:f>
                     <m:r>
-                      <a:rPr lang="en-US" sz="2600" b="0" i="1" smtClean="0">
+                      <a:rPr lang="en-US" b="0" i="1" smtClean="0">
                         <a:solidFill>
                           <a:schemeClr val="tx1"/>
                         </a:solidFill>
@@ -8025,7 +8558,7 @@
                   </m:oMath>
                 </a14:m>
                 <a:r>
-                  <a:rPr lang="es-CO" sz="2400" dirty="0">
+                  <a:rPr lang="es-CO" dirty="0">
                     <a:solidFill>
                       <a:schemeClr val="tx1"/>
                     </a:solidFill>
@@ -8102,7 +8635,7 @@
               <a:blipFill>
                 <a:blip r:embed="rId2"/>
                 <a:stretch>
-                  <a:fillRect l="-494"/>
+                  <a:fillRect l="-185" t="-561"/>
                 </a:stretch>
               </a:blipFill>
             </p:spPr>
@@ -8512,6 +9045,99 @@
       </p:grpSpPr>
       <p:sp>
         <p:nvSpPr>
+          <p:cNvPr id="2" name="Title 1">
+            <a:extLst>
+              <a:ext uri="{FF2B5EF4-FFF2-40B4-BE49-F238E27FC236}">
+                <a16:creationId xmlns:a16="http://schemas.microsoft.com/office/drawing/2014/main" id="{F2AFE6F8-2A65-4DEC-BFEE-AF5682477B54}"/>
+              </a:ext>
+            </a:extLst>
+          </p:cNvPr>
+          <p:cNvSpPr>
+            <a:spLocks noGrp="1"/>
+          </p:cNvSpPr>
+          <p:nvPr>
+            <p:ph type="title"/>
+          </p:nvPr>
+        </p:nvSpPr>
+        <p:spPr/>
+        <p:txBody>
+          <a:bodyPr/>
+          <a:lstStyle/>
+          <a:p>
+            <a:r>
+              <a:rPr lang="en-US" dirty="0"/>
+              <a:t>Marco </a:t>
+            </a:r>
+            <a:r>
+              <a:rPr lang="en-US" dirty="0" err="1"/>
+              <a:t>teórico</a:t>
+            </a:r>
+            <a:endParaRPr lang="es-CO" dirty="0"/>
+          </a:p>
+        </p:txBody>
+      </p:sp>
+      <p:pic>
+        <p:nvPicPr>
+          <p:cNvPr id="5" name="Picture 4">
+            <a:extLst>
+              <a:ext uri="{FF2B5EF4-FFF2-40B4-BE49-F238E27FC236}">
+                <a16:creationId xmlns:a16="http://schemas.microsoft.com/office/drawing/2014/main" id="{7DA28D64-667D-4909-9B56-2D204645D0F0}"/>
+              </a:ext>
+            </a:extLst>
+          </p:cNvPr>
+          <p:cNvPicPr>
+            <a:picLocks noChangeAspect="1"/>
+          </p:cNvPicPr>
+          <p:nvPr/>
+        </p:nvPicPr>
+        <p:blipFill>
+          <a:blip r:embed="rId2"/>
+          <a:stretch>
+            <a:fillRect/>
+          </a:stretch>
+        </p:blipFill>
+        <p:spPr>
+          <a:xfrm>
+            <a:off x="2706290" y="1505583"/>
+            <a:ext cx="5915025" cy="4972050"/>
+          </a:xfrm>
+          <a:prstGeom prst="rect">
+            <a:avLst/>
+          </a:prstGeom>
+        </p:spPr>
+      </p:pic>
+    </p:spTree>
+    <p:extLst>
+      <p:ext uri="{BB962C8B-B14F-4D97-AF65-F5344CB8AC3E}">
+        <p14:creationId xmlns:p14="http://schemas.microsoft.com/office/powerpoint/2010/main" val="1455214247"/>
+      </p:ext>
+    </p:extLst>
+  </p:cSld>
+  <p:clrMapOvr>
+    <a:masterClrMapping/>
+  </p:clrMapOvr>
+</p:sld>
+</file>
+
+<file path=ppt/slides/slide7.xml><?xml version="1.0" encoding="utf-8"?>
+<p:sld xmlns:a="http://schemas.openxmlformats.org/drawingml/2006/main" xmlns:r="http://schemas.openxmlformats.org/officeDocument/2006/relationships" xmlns:p="http://schemas.openxmlformats.org/presentationml/2006/main">
+  <p:cSld>
+    <p:spTree>
+      <p:nvGrpSpPr>
+        <p:cNvPr id="1" name=""/>
+        <p:cNvGrpSpPr/>
+        <p:nvPr/>
+      </p:nvGrpSpPr>
+      <p:grpSpPr>
+        <a:xfrm>
+          <a:off x="0" y="0"/>
+          <a:ext cx="0" cy="0"/>
+          <a:chOff x="0" y="0"/>
+          <a:chExt cx="0" cy="0"/>
+        </a:xfrm>
+      </p:grpSpPr>
+      <p:sp>
+        <p:nvSpPr>
           <p:cNvPr id="2" name="Title 1"/>
           <p:cNvSpPr>
             <a:spLocks noGrp="1"/>
@@ -8526,8 +9152,12 @@
           <a:lstStyle/>
           <a:p>
             <a:r>
+              <a:rPr lang="en-US" dirty="0"/>
+              <a:t>Marco </a:t>
+            </a:r>
+            <a:r>
               <a:rPr lang="en-US" dirty="0" err="1"/>
-              <a:t>Teoría</a:t>
+              <a:t>teórico</a:t>
             </a:r>
             <a:endParaRPr lang="es-CO" dirty="0"/>
           </a:p>
@@ -8553,7 +9183,7 @@
             </p:spPr>
             <p:txBody>
               <a:bodyPr>
-                <a:normAutofit lnSpcReduction="10000"/>
+                <a:normAutofit/>
               </a:bodyPr>
               <a:lstStyle/>
               <a:p>
@@ -8561,7 +9191,7 @@
                   <a:buNone/>
                 </a:pPr>
                 <a:r>
-                  <a:rPr lang="en-US" sz="2000" dirty="0">
+                  <a:rPr lang="en-US" sz="1800" dirty="0">
                     <a:solidFill>
                       <a:schemeClr val="tx1"/>
                     </a:solidFill>
@@ -8571,7 +9201,7 @@
                   <a:t>Lattice </a:t>
                 </a:r>
                 <a:r>
-                  <a:rPr lang="es-CO" sz="2000" dirty="0" err="1">
+                  <a:rPr lang="es-CO" sz="1800" dirty="0" err="1">
                     <a:solidFill>
                       <a:schemeClr val="tx1"/>
                     </a:solidFill>
@@ -8581,7 +9211,7 @@
                   <a:t>Boltzmann</a:t>
                 </a:r>
                 <a:r>
-                  <a:rPr lang="es-CO" sz="2000" dirty="0">
+                  <a:rPr lang="es-CO" sz="1800" dirty="0">
                     <a:solidFill>
                       <a:schemeClr val="tx1"/>
                     </a:solidFill>
@@ -8591,7 +9221,7 @@
                   <a:t> de múltiples tiempos de </a:t>
                 </a:r>
                 <a:r>
-                  <a:rPr lang="es-CO" sz="2000" dirty="0" err="1">
+                  <a:rPr lang="es-CO" sz="1800" dirty="0" err="1">
                     <a:solidFill>
                       <a:schemeClr val="tx1"/>
                     </a:solidFill>
@@ -8601,7 +9231,7 @@
                   <a:t>relajaci</a:t>
                 </a:r>
                 <a:r>
-                  <a:rPr lang="en-US" sz="2000" dirty="0" err="1">
+                  <a:rPr lang="en-US" sz="1800" dirty="0" err="1">
                     <a:solidFill>
                       <a:schemeClr val="tx1"/>
                     </a:solidFill>
@@ -8611,7 +9241,7 @@
                   <a:t>ón</a:t>
                 </a:r>
                 <a:r>
-                  <a:rPr lang="en-US" sz="2000" dirty="0">
+                  <a:rPr lang="en-US" sz="1800" dirty="0">
                     <a:solidFill>
                       <a:schemeClr val="tx1"/>
                     </a:solidFill>
@@ -8620,7 +9250,7 @@
                   </a:rPr>
                   <a:t>: </a:t>
                 </a:r>
-                <a:endParaRPr lang="es-CO" sz="2000" dirty="0">
+                <a:endParaRPr lang="es-CO" sz="1800" dirty="0">
                   <a:solidFill>
                     <a:schemeClr val="tx1"/>
                   </a:solidFill>
@@ -8633,7 +9263,7 @@
                   <a:buNone/>
                 </a:pPr>
                 <a:r>
-                  <a:rPr lang="en-US" sz="2000" dirty="0" err="1">
+                  <a:rPr lang="en-US" sz="1800" dirty="0" err="1">
                     <a:solidFill>
                       <a:schemeClr val="tx1"/>
                     </a:solidFill>
@@ -8643,7 +9273,7 @@
                   <a:t>Momentos</a:t>
                 </a:r>
                 <a:r>
-                  <a:rPr lang="en-US" sz="2000" dirty="0">
+                  <a:rPr lang="en-US" sz="1800" dirty="0">
                     <a:solidFill>
                       <a:schemeClr val="tx1"/>
                     </a:solidFill>
@@ -8653,7 +9283,7 @@
                   <a:t>:</a:t>
                 </a:r>
                 <a:br>
-                  <a:rPr lang="en-US" sz="2000" dirty="0">
+                  <a:rPr lang="en-US" sz="1800" dirty="0">
                     <a:solidFill>
                       <a:schemeClr val="tx1"/>
                     </a:solidFill>
@@ -9534,7 +10164,7 @@
               <a:blipFill>
                 <a:blip r:embed="rId2"/>
                 <a:stretch>
-                  <a:fillRect l="-271" t="-2104"/>
+                  <a:fillRect l="-90" t="-1403" b="-842"/>
                 </a:stretch>
               </a:blipFill>
             </p:spPr>
@@ -10879,7 +11509,7 @@
 </p:sld>
 </file>
 
-<file path=ppt/slides/slide7.xml><?xml version="1.0" encoding="utf-8"?>
+<file path=ppt/slides/slide8.xml><?xml version="1.0" encoding="utf-8"?>
 <p:sld xmlns:a="http://schemas.openxmlformats.org/drawingml/2006/main" xmlns:r="http://schemas.openxmlformats.org/officeDocument/2006/relationships" xmlns:p="http://schemas.openxmlformats.org/presentationml/2006/main">
   <p:cSld>
     <p:spTree>
@@ -10912,8 +11542,8 @@
           <a:lstStyle/>
           <a:p>
             <a:r>
-              <a:rPr lang="en-US" dirty="0" err="1"/>
-              <a:t>Teoría</a:t>
+              <a:rPr lang="en-US"/>
+              <a:t>Marco teórico</a:t>
             </a:r>
             <a:endParaRPr lang="es-CO" dirty="0"/>
           </a:p>
@@ -10957,7 +11587,7 @@
                   <a:t>Pasos </a:t>
                 </a:r>
                 <a:r>
-                  <a:rPr lang="en-US" sz="1800" dirty="0">
+                  <a:rPr lang="en-US" sz="1600" dirty="0">
                     <a:solidFill>
                       <a:schemeClr val="tx1"/>
                     </a:solidFill>
@@ -12268,7 +12898,7 @@
                     <a:ea typeface="Cambria Math" panose="02040503050406030204" pitchFamily="18" charset="0"/>
                     <a:cs typeface="Calibri Light" panose="020F0302020204030204" pitchFamily="34" charset="0"/>
                   </a:rPr>
-                  <a:t>                </a:t>
+                  <a:t>                 </a:t>
                 </a:r>
                 <a14:m>
                   <m:oMath xmlns:m="http://schemas.openxmlformats.org/officeDocument/2006/math">
@@ -12845,7 +13475,7 @@
                     <a:ea typeface="Cambria Math" panose="02040503050406030204" pitchFamily="18" charset="0"/>
                     <a:cs typeface="Calibri Light" panose="020F0302020204030204" pitchFamily="34" charset="0"/>
                   </a:rPr>
-                  <a:t>                 </a:t>
+                  <a:t>                  </a:t>
                 </a:r>
                 <a14:m>
                   <m:oMath xmlns:m="http://schemas.openxmlformats.org/officeDocument/2006/math">
@@ -14655,7 +15285,7 @@
               <a:blipFill>
                 <a:blip r:embed="rId2"/>
                 <a:stretch>
-                  <a:fillRect t="-1543" b="-13885"/>
+                  <a:fillRect t="-1262" b="-13324"/>
                 </a:stretch>
               </a:blipFill>
             </p:spPr>
@@ -15375,99 +16005,6 @@
 </p:sld>
 </file>
 
-<file path=ppt/slides/slide8.xml><?xml version="1.0" encoding="utf-8"?>
-<p:sld xmlns:a="http://schemas.openxmlformats.org/drawingml/2006/main" xmlns:r="http://schemas.openxmlformats.org/officeDocument/2006/relationships" xmlns:p="http://schemas.openxmlformats.org/presentationml/2006/main">
-  <p:cSld>
-    <p:spTree>
-      <p:nvGrpSpPr>
-        <p:cNvPr id="1" name=""/>
-        <p:cNvGrpSpPr/>
-        <p:nvPr/>
-      </p:nvGrpSpPr>
-      <p:grpSpPr>
-        <a:xfrm>
-          <a:off x="0" y="0"/>
-          <a:ext cx="0" cy="0"/>
-          <a:chOff x="0" y="0"/>
-          <a:chExt cx="0" cy="0"/>
-        </a:xfrm>
-      </p:grpSpPr>
-      <p:sp>
-        <p:nvSpPr>
-          <p:cNvPr id="2" name="Title 1">
-            <a:extLst>
-              <a:ext uri="{FF2B5EF4-FFF2-40B4-BE49-F238E27FC236}">
-                <a16:creationId xmlns:a16="http://schemas.microsoft.com/office/drawing/2014/main" id="{F2AFE6F8-2A65-4DEC-BFEE-AF5682477B54}"/>
-              </a:ext>
-            </a:extLst>
-          </p:cNvPr>
-          <p:cNvSpPr>
-            <a:spLocks noGrp="1"/>
-          </p:cNvSpPr>
-          <p:nvPr>
-            <p:ph type="title"/>
-          </p:nvPr>
-        </p:nvSpPr>
-        <p:spPr/>
-        <p:txBody>
-          <a:bodyPr/>
-          <a:lstStyle/>
-          <a:p>
-            <a:r>
-              <a:rPr lang="en-US" dirty="0" err="1"/>
-              <a:t>Teor</a:t>
-            </a:r>
-            <a:r>
-              <a:rPr lang="es-CO" dirty="0" err="1"/>
-              <a:t>ía</a:t>
-            </a:r>
-            <a:endParaRPr lang="es-CO" dirty="0"/>
-          </a:p>
-        </p:txBody>
-      </p:sp>
-      <p:pic>
-        <p:nvPicPr>
-          <p:cNvPr id="5" name="Picture 4">
-            <a:extLst>
-              <a:ext uri="{FF2B5EF4-FFF2-40B4-BE49-F238E27FC236}">
-                <a16:creationId xmlns:a16="http://schemas.microsoft.com/office/drawing/2014/main" id="{7DA28D64-667D-4909-9B56-2D204645D0F0}"/>
-              </a:ext>
-            </a:extLst>
-          </p:cNvPr>
-          <p:cNvPicPr>
-            <a:picLocks noChangeAspect="1"/>
-          </p:cNvPicPr>
-          <p:nvPr/>
-        </p:nvPicPr>
-        <p:blipFill>
-          <a:blip r:embed="rId2"/>
-          <a:stretch>
-            <a:fillRect/>
-          </a:stretch>
-        </p:blipFill>
-        <p:spPr>
-          <a:xfrm>
-            <a:off x="2858690" y="1226183"/>
-            <a:ext cx="5915025" cy="4972050"/>
-          </a:xfrm>
-          <a:prstGeom prst="rect">
-            <a:avLst/>
-          </a:prstGeom>
-        </p:spPr>
-      </p:pic>
-    </p:spTree>
-    <p:extLst>
-      <p:ext uri="{BB962C8B-B14F-4D97-AF65-F5344CB8AC3E}">
-        <p14:creationId xmlns:p14="http://schemas.microsoft.com/office/powerpoint/2010/main" val="1455214247"/>
-      </p:ext>
-    </p:extLst>
-  </p:cSld>
-  <p:clrMapOvr>
-    <a:masterClrMapping/>
-  </p:clrMapOvr>
-</p:sld>
-</file>
-
 <file path=ppt/slides/slide9.xml><?xml version="1.0" encoding="utf-8"?>
 <p:sld xmlns:a="http://schemas.openxmlformats.org/drawingml/2006/main" xmlns:r="http://schemas.openxmlformats.org/officeDocument/2006/relationships" xmlns:p="http://schemas.openxmlformats.org/presentationml/2006/main">
   <p:cSld>
@@ -15502,7 +16039,7 @@
           <a:p>
             <a:r>
               <a:rPr lang="en-US" dirty="0" err="1"/>
-              <a:t>Código</a:t>
+              <a:t>Implementación</a:t>
             </a:r>
             <a:endParaRPr lang="es-CO" dirty="0"/>
           </a:p>
@@ -15532,6 +16069,9 @@
               </a:bodyPr>
               <a:lstStyle/>
               <a:p>
+                <a:pPr marL="45720" indent="0">
+                  <a:buNone/>
+                </a:pPr>
                 <a:r>
                   <a:rPr lang="en-US" dirty="0">
                     <a:solidFill>
@@ -16482,7 +17022,7 @@
               <a:blipFill>
                 <a:blip r:embed="rId2"/>
                 <a:stretch>
-                  <a:fillRect t="-1964" r="-185"/>
+                  <a:fillRect l="-309" t="-1964"/>
                 </a:stretch>
               </a:blipFill>
             </p:spPr>
